--- a/practice_basic/fig/slide.pptx
+++ b/practice_basic/fig/slide.pptx
@@ -5,7 +5,7 @@
     <p:sldMasterId id="2147483663" r:id="rId1"/>
   </p:sldMasterIdLst>
   <p:notesMasterIdLst>
-    <p:notesMasterId r:id="rId20"/>
+    <p:notesMasterId r:id="rId19"/>
   </p:notesMasterIdLst>
   <p:sldIdLst>
     <p:sldId id="256" r:id="rId2"/>
@@ -24,8 +24,7 @@
     <p:sldId id="391" r:id="rId15"/>
     <p:sldId id="392" r:id="rId16"/>
     <p:sldId id="393" r:id="rId17"/>
-    <p:sldId id="363" r:id="rId18"/>
-    <p:sldId id="394" r:id="rId19"/>
+    <p:sldId id="394" r:id="rId18"/>
   </p:sldIdLst>
   <p:sldSz cx="9144000" cy="6858000" type="screen4x3"/>
   <p:notesSz cx="6858000" cy="9144000"/>
@@ -1388,12 +1387,16 @@
           <a:lstStyle/>
           <a:p>
             <a:r>
-              <a:rPr kumimoji="1" lang="ja-JP" altLang="en-US" dirty="0"/>
+              <a:rPr kumimoji="1" lang="ja-JP" altLang="en-US"/>
               <a:t>課題</a:t>
             </a:r>
             <a:r>
+              <a:rPr kumimoji="1" lang="en-US" altLang="ja-JP"/>
+              <a:t> </a:t>
+            </a:r>
+            <a:r>
               <a:rPr kumimoji="1" lang="en-US" altLang="ja-JP" dirty="0"/>
-              <a:t>1 – Step 4</a:t>
+              <a:t>– Step 4</a:t>
             </a:r>
             <a:endParaRPr kumimoji="1" lang="ja-JP" altLang="en-US" dirty="0"/>
           </a:p>
@@ -6475,8 +6478,8 @@
         </p:nvSpPr>
         <p:spPr>
           <a:xfrm>
-            <a:off x="1187624" y="2636912"/>
-            <a:ext cx="6160661" cy="646331"/>
+            <a:off x="1187624" y="2492896"/>
+            <a:ext cx="6109365" cy="923330"/>
           </a:xfrm>
           <a:prstGeom prst="rect">
             <a:avLst/>
@@ -6490,8 +6493,8 @@
           <a:lstStyle/>
           <a:p>
             <a:r>
-              <a:rPr lang="en-US" altLang="ja-JP" dirty="0"/>
-              <a:t>commit –a </a:t>
+              <a:rPr lang="en-US" altLang="ja-JP"/>
+              <a:t>commit -a </a:t>
             </a:r>
             <a:r>
               <a:rPr lang="ja-JP" altLang="en-US" dirty="0"/>
@@ -6502,7 +6505,26 @@
           <a:p>
             <a:r>
               <a:rPr lang="ja-JP" altLang="en-US" dirty="0"/>
-              <a:t>自動でステージングしてからコミットする</a:t>
+              <a:t>自動でステージングしてから</a:t>
+            </a:r>
+            <a:r>
+              <a:rPr lang="ja-JP" altLang="en-US"/>
+              <a:t>コミットする</a:t>
+            </a:r>
+            <a:endParaRPr lang="en-US" altLang="ja-JP"/>
+          </a:p>
+          <a:p>
+            <a:r>
+              <a:rPr kumimoji="1" lang="en-US" altLang="ja-JP"/>
+              <a:t>(</a:t>
+            </a:r>
+            <a:r>
+              <a:rPr kumimoji="1" lang="ja-JP" altLang="en-US"/>
+              <a:t>ステージングを飛ばしているわけではない</a:t>
+            </a:r>
+            <a:r>
+              <a:rPr kumimoji="1" lang="en-US" altLang="ja-JP"/>
+              <a:t>)</a:t>
             </a:r>
             <a:endParaRPr kumimoji="1" lang="ja-JP" altLang="en-US" dirty="0"/>
           </a:p>
@@ -7174,7 +7196,7 @@
         <p:spPr>
           <a:xfrm>
             <a:off x="2411760" y="6300028"/>
-            <a:ext cx="1518364" cy="369332"/>
+            <a:ext cx="1957587" cy="369332"/>
           </a:xfrm>
           <a:prstGeom prst="rect">
             <a:avLst/>
@@ -7188,10 +7210,14 @@
           <a:lstStyle/>
           <a:p>
             <a:r>
-              <a:rPr kumimoji="1" lang="en-US" altLang="ja-JP" dirty="0"/>
+              <a:rPr kumimoji="1" lang="en-US" altLang="ja-JP" dirty="0">
+                <a:latin typeface="Consolas" panose="020B0609020204030204" pitchFamily="49" charset="0"/>
+              </a:rPr>
               <a:t>initial commit</a:t>
             </a:r>
-            <a:endParaRPr kumimoji="1" lang="ja-JP" altLang="en-US" dirty="0"/>
+            <a:endParaRPr kumimoji="1" lang="ja-JP" altLang="en-US" dirty="0">
+              <a:latin typeface="Consolas" panose="020B0609020204030204" pitchFamily="49" charset="0"/>
+            </a:endParaRPr>
           </a:p>
         </p:txBody>
       </p:sp>
@@ -7210,7 +7236,7 @@
         <p:spPr>
           <a:xfrm>
             <a:off x="2411760" y="5301208"/>
-            <a:ext cx="1595309" cy="369332"/>
+            <a:ext cx="1830950" cy="369332"/>
           </a:xfrm>
           <a:prstGeom prst="rect">
             <a:avLst/>
@@ -7224,10 +7250,14 @@
           <a:lstStyle/>
           <a:p>
             <a:r>
-              <a:rPr kumimoji="1" lang="en-US" altLang="ja-JP" dirty="0"/>
+              <a:rPr kumimoji="1" lang="en-US" altLang="ja-JP" dirty="0">
+                <a:latin typeface="Consolas" panose="020B0609020204030204" pitchFamily="49" charset="0"/>
+              </a:rPr>
               <a:t>adds new line</a:t>
             </a:r>
-            <a:endParaRPr kumimoji="1" lang="ja-JP" altLang="en-US" dirty="0"/>
+            <a:endParaRPr kumimoji="1" lang="ja-JP" altLang="en-US" dirty="0">
+              <a:latin typeface="Consolas" panose="020B0609020204030204" pitchFamily="49" charset="0"/>
+            </a:endParaRPr>
           </a:p>
         </p:txBody>
       </p:sp>
@@ -7260,10 +7290,14 @@
           <a:lstStyle/>
           <a:p>
             <a:r>
-              <a:rPr kumimoji="1" lang="en-US" altLang="ja-JP" dirty="0"/>
+              <a:rPr kumimoji="1" lang="en-US" altLang="ja-JP" dirty="0">
+                <a:latin typeface="Consolas" panose="020B0609020204030204" pitchFamily="49" charset="0"/>
+              </a:rPr>
               <a:t>modifies README.md</a:t>
             </a:r>
-            <a:endParaRPr kumimoji="1" lang="ja-JP" altLang="en-US" dirty="0"/>
+            <a:endParaRPr kumimoji="1" lang="ja-JP" altLang="en-US" dirty="0">
+              <a:latin typeface="Consolas" panose="020B0609020204030204" pitchFamily="49" charset="0"/>
+            </a:endParaRPr>
           </a:p>
         </p:txBody>
       </p:sp>
@@ -7281,8 +7315,8 @@
         </p:nvSpPr>
         <p:spPr>
           <a:xfrm>
-            <a:off x="4572000" y="3284984"/>
-            <a:ext cx="3416320" cy="646331"/>
+            <a:off x="4499992" y="3212976"/>
+            <a:ext cx="4108817" cy="646331"/>
           </a:xfrm>
           <a:prstGeom prst="rect">
             <a:avLst/>
@@ -7297,14 +7331,22 @@
           <a:p>
             <a:r>
               <a:rPr lang="ja-JP" altLang="en-US" dirty="0"/>
-              <a:t>ターミナルに表示された情報を</a:t>
+              <a:t>ターミナルに表示</a:t>
+            </a:r>
+            <a:r>
+              <a:rPr lang="ja-JP" altLang="en-US"/>
+              <a:t>された情報から</a:t>
             </a:r>
             <a:endParaRPr lang="en-US" altLang="ja-JP" dirty="0"/>
           </a:p>
           <a:p>
             <a:r>
               <a:rPr lang="ja-JP" altLang="en-US" dirty="0"/>
-              <a:t>「玉と線」として認識する練習</a:t>
+              <a:t>「玉と</a:t>
+            </a:r>
+            <a:r>
+              <a:rPr lang="ja-JP" altLang="en-US"/>
+              <a:t>線」を頭の中に再構成すること</a:t>
             </a:r>
             <a:endParaRPr kumimoji="1" lang="ja-JP" altLang="en-US" dirty="0"/>
           </a:p>
@@ -7689,7 +7731,7 @@
         </p:blipFill>
         <p:spPr bwMode="auto">
           <a:xfrm>
-            <a:off x="467544" y="2636912"/>
+            <a:off x="1331640" y="2348880"/>
             <a:ext cx="7668344" cy="3806215"/>
           </a:xfrm>
           <a:prstGeom prst="rect">
@@ -7721,7 +7763,7 @@
         </p:nvSpPr>
         <p:spPr>
           <a:xfrm>
-            <a:off x="755576" y="1340768"/>
+            <a:off x="1619672" y="1052736"/>
             <a:ext cx="5121915" cy="400110"/>
           </a:xfrm>
           <a:prstGeom prst="rect">
@@ -7778,7 +7820,7 @@
         </p:nvSpPr>
         <p:spPr>
           <a:xfrm>
-            <a:off x="2555776" y="2996952"/>
+            <a:off x="3419872" y="2708920"/>
             <a:ext cx="432048" cy="432048"/>
           </a:xfrm>
           <a:prstGeom prst="ellipse">
@@ -7830,7 +7872,7 @@
         </p:nvCxnSpPr>
         <p:spPr>
           <a:xfrm>
-            <a:off x="1403648" y="1700808"/>
+            <a:off x="2267744" y="1412776"/>
             <a:ext cx="792088" cy="0"/>
           </a:xfrm>
           <a:prstGeom prst="line">
@@ -7873,7 +7915,7 @@
         </p:nvSpPr>
         <p:spPr>
           <a:xfrm>
-            <a:off x="1691680" y="1700808"/>
+            <a:off x="2555776" y="1412776"/>
             <a:ext cx="144016" cy="144016"/>
           </a:xfrm>
           <a:prstGeom prst="ellipse">
@@ -7926,7 +7968,7 @@
         </p:nvCxnSpPr>
         <p:spPr>
           <a:xfrm rot="16200000" flipH="1">
-            <a:off x="1691680" y="1916832"/>
+            <a:off x="2555776" y="1628800"/>
             <a:ext cx="1152128" cy="1008112"/>
           </a:xfrm>
           <a:prstGeom prst="bentConnector3">
@@ -7971,7 +8013,7 @@
         </p:nvCxnSpPr>
         <p:spPr>
           <a:xfrm>
-            <a:off x="2915816" y="1700808"/>
+            <a:off x="3779912" y="1412776"/>
             <a:ext cx="2520280" cy="0"/>
           </a:xfrm>
           <a:prstGeom prst="line">
@@ -8014,7 +8056,7 @@
         </p:nvSpPr>
         <p:spPr>
           <a:xfrm>
-            <a:off x="3995936" y="1628800"/>
+            <a:off x="4860032" y="1340768"/>
             <a:ext cx="144016" cy="144016"/>
           </a:xfrm>
           <a:prstGeom prst="ellipse">
@@ -8064,7 +8106,7 @@
         </p:nvSpPr>
         <p:spPr>
           <a:xfrm>
-            <a:off x="3491880" y="3573016"/>
+            <a:off x="4355976" y="3284984"/>
             <a:ext cx="144016" cy="144016"/>
           </a:xfrm>
           <a:prstGeom prst="ellipse">
@@ -8120,7 +8162,7 @@
         </p:nvCxnSpPr>
         <p:spPr>
           <a:xfrm rot="5400000">
-            <a:off x="2915816" y="2492896"/>
+            <a:off x="3779912" y="2204864"/>
             <a:ext cx="1872208" cy="432048"/>
           </a:xfrm>
           <a:prstGeom prst="bentConnector2">
@@ -8149,6 +8191,100 @@
           </a:fontRef>
         </p:style>
       </p:cxnSp>
+      <p:sp>
+        <p:nvSpPr>
+          <p:cNvPr id="13" name="テキスト ボックス 12">
+            <a:extLst>
+              <a:ext uri="{FF2B5EF4-FFF2-40B4-BE49-F238E27FC236}">
+                <a16:creationId xmlns:a16="http://schemas.microsoft.com/office/drawing/2014/main" id="{B39093AD-211A-466B-9C08-59D779AE6B93}"/>
+              </a:ext>
+            </a:extLst>
+          </p:cNvPr>
+          <p:cNvSpPr txBox="1"/>
+          <p:nvPr/>
+        </p:nvSpPr>
+        <p:spPr>
+          <a:xfrm>
+            <a:off x="395536" y="1556792"/>
+            <a:ext cx="1800493" cy="646331"/>
+          </a:xfrm>
+          <a:prstGeom prst="rect">
+            <a:avLst/>
+          </a:prstGeom>
+          <a:noFill/>
+        </p:spPr>
+        <p:txBody>
+          <a:bodyPr wrap="none" rtlCol="0">
+            <a:spAutoFit/>
+          </a:bodyPr>
+          <a:lstStyle/>
+          <a:p>
+            <a:r>
+              <a:rPr kumimoji="1" lang="ja-JP" altLang="en-US"/>
+              <a:t>チェックボタン</a:t>
+            </a:r>
+            <a:endParaRPr kumimoji="1" lang="en-US" altLang="ja-JP"/>
+          </a:p>
+          <a:p>
+            <a:r>
+              <a:rPr kumimoji="1" lang="ja-JP" altLang="en-US"/>
+              <a:t>が</a:t>
+            </a:r>
+            <a:r>
+              <a:rPr lang="en-US" altLang="ja-JP" dirty="0"/>
+              <a:t>git add</a:t>
+            </a:r>
+            <a:r>
+              <a:rPr lang="ja-JP" altLang="en-US" dirty="0"/>
+              <a:t>に対応</a:t>
+            </a:r>
+            <a:endParaRPr kumimoji="1" lang="ja-JP" altLang="en-US" dirty="0"/>
+          </a:p>
+        </p:txBody>
+      </p:sp>
+      <p:sp>
+        <p:nvSpPr>
+          <p:cNvPr id="15" name="テキスト ボックス 14">
+            <a:extLst>
+              <a:ext uri="{FF2B5EF4-FFF2-40B4-BE49-F238E27FC236}">
+                <a16:creationId xmlns:a16="http://schemas.microsoft.com/office/drawing/2014/main" id="{72EE1EDD-1516-4FB7-A421-E347B6FE2C1F}"/>
+              </a:ext>
+            </a:extLst>
+          </p:cNvPr>
+          <p:cNvSpPr txBox="1"/>
+          <p:nvPr/>
+        </p:nvSpPr>
+        <p:spPr>
+          <a:xfrm>
+            <a:off x="5220072" y="1556792"/>
+            <a:ext cx="3185487" cy="646331"/>
+          </a:xfrm>
+          <a:prstGeom prst="rect">
+            <a:avLst/>
+          </a:prstGeom>
+          <a:noFill/>
+        </p:spPr>
+        <p:txBody>
+          <a:bodyPr wrap="none" rtlCol="0">
+            <a:spAutoFit/>
+          </a:bodyPr>
+          <a:lstStyle/>
+          <a:p>
+            <a:r>
+              <a:rPr lang="ja-JP" altLang="en-US"/>
+              <a:t>ここにコミットメッセージが</a:t>
+            </a:r>
+            <a:endParaRPr lang="en-US" altLang="ja-JP"/>
+          </a:p>
+          <a:p>
+            <a:r>
+              <a:rPr kumimoji="1" lang="ja-JP" altLang="en-US"/>
+              <a:t>書ける</a:t>
+            </a:r>
+            <a:endParaRPr kumimoji="1" lang="ja-JP" altLang="en-US" dirty="0"/>
+          </a:p>
+        </p:txBody>
+      </p:sp>
     </p:spTree>
     <p:extLst>
       <p:ext uri="{BB962C8B-B14F-4D97-AF65-F5344CB8AC3E}">
@@ -8184,7 +8320,7 @@
           <p:cNvPr id="2" name="テキスト プレースホルダー 1">
             <a:extLst>
               <a:ext uri="{FF2B5EF4-FFF2-40B4-BE49-F238E27FC236}">
-                <a16:creationId xmlns:a16="http://schemas.microsoft.com/office/drawing/2014/main" id="{09FCD700-2CFA-4AA5-AE8F-A97AD6D8934E}"/>
+                <a16:creationId xmlns:a16="http://schemas.microsoft.com/office/drawing/2014/main" id="{635B7E9F-B529-4398-A4D3-B0427B25DF91}"/>
               </a:ext>
             </a:extLst>
           </p:cNvPr>
@@ -8206,54 +8342,21 @@
             </a:r>
             <a:r>
               <a:rPr kumimoji="1" lang="en-US" altLang="ja-JP" dirty="0"/>
-              <a:t> – Step 3</a:t>
-            </a:r>
-            <a:endParaRPr kumimoji="1" lang="ja-JP" altLang="en-US" dirty="0"/>
-          </a:p>
-        </p:txBody>
-      </p:sp>
-      <p:sp>
-        <p:nvSpPr>
-          <p:cNvPr id="3" name="テキスト ボックス 2">
-            <a:extLst>
-              <a:ext uri="{FF2B5EF4-FFF2-40B4-BE49-F238E27FC236}">
-                <a16:creationId xmlns:a16="http://schemas.microsoft.com/office/drawing/2014/main" id="{50E1DCE0-92CA-4C9F-B49F-2D01FFC49BCF}"/>
-              </a:ext>
-            </a:extLst>
-          </p:cNvPr>
-          <p:cNvSpPr txBox="1"/>
-          <p:nvPr/>
-        </p:nvSpPr>
-        <p:spPr>
-          <a:xfrm>
-            <a:off x="467544" y="1124744"/>
-            <a:ext cx="1415772" cy="461665"/>
-          </a:xfrm>
-          <a:prstGeom prst="rect">
-            <a:avLst/>
-          </a:prstGeom>
-          <a:noFill/>
-        </p:spPr>
-        <p:txBody>
-          <a:bodyPr wrap="none" rtlCol="0">
-            <a:spAutoFit/>
-          </a:bodyPr>
-          <a:lstStyle/>
-          <a:p>
-            <a:r>
-              <a:rPr lang="ja-JP" altLang="en-US" sz="2400"/>
-              <a:t>差分確認</a:t>
-            </a:r>
-            <a:endParaRPr lang="en-US" altLang="ja-JP" sz="2400" dirty="0"/>
-          </a:p>
-        </p:txBody>
-      </p:sp>
-      <p:sp>
-        <p:nvSpPr>
-          <p:cNvPr id="14" name="楕円 13">
-            <a:extLst>
-              <a:ext uri="{FF2B5EF4-FFF2-40B4-BE49-F238E27FC236}">
-                <a16:creationId xmlns:a16="http://schemas.microsoft.com/office/drawing/2014/main" id="{0BAE74A0-C43D-408B-91BF-7506750947F9}"/>
+              <a:t> – </a:t>
+            </a:r>
+            <a:r>
+              <a:rPr kumimoji="1" lang="ja-JP" altLang="en-US" dirty="0"/>
+              <a:t>レポート</a:t>
+            </a:r>
+          </a:p>
+        </p:txBody>
+      </p:sp>
+      <p:sp>
+        <p:nvSpPr>
+          <p:cNvPr id="3" name="楕円 2">
+            <a:extLst>
+              <a:ext uri="{FF2B5EF4-FFF2-40B4-BE49-F238E27FC236}">
+                <a16:creationId xmlns:a16="http://schemas.microsoft.com/office/drawing/2014/main" id="{7C5D9373-8361-49BE-B5B2-51BCEC07D208}"/>
               </a:ext>
             </a:extLst>
           </p:cNvPr>
@@ -8262,7 +8365,7 @@
         </p:nvSpPr>
         <p:spPr>
           <a:xfrm>
-            <a:off x="3779912" y="2276872"/>
+            <a:off x="3315970" y="6054551"/>
             <a:ext cx="432048" cy="432048"/>
           </a:xfrm>
           <a:prstGeom prst="ellipse">
@@ -8304,10 +8407,10 @@
       </p:sp>
       <p:sp>
         <p:nvSpPr>
-          <p:cNvPr id="15" name="楕円 14">
-            <a:extLst>
-              <a:ext uri="{FF2B5EF4-FFF2-40B4-BE49-F238E27FC236}">
-                <a16:creationId xmlns:a16="http://schemas.microsoft.com/office/drawing/2014/main" id="{5595DF16-E345-499D-9F37-86BBB8D697E5}"/>
+          <p:cNvPr id="4" name="楕円 3">
+            <a:extLst>
+              <a:ext uri="{FF2B5EF4-FFF2-40B4-BE49-F238E27FC236}">
+                <a16:creationId xmlns:a16="http://schemas.microsoft.com/office/drawing/2014/main" id="{0B6071F1-4AB0-42DE-BCA7-50FAD2853EF5}"/>
               </a:ext>
             </a:extLst>
           </p:cNvPr>
@@ -8316,7 +8419,7 @@
         </p:nvSpPr>
         <p:spPr>
           <a:xfrm>
-            <a:off x="2339752" y="3717032"/>
+            <a:off x="3315970" y="5118447"/>
             <a:ext cx="432048" cy="432048"/>
           </a:xfrm>
           <a:prstGeom prst="ellipse">
@@ -8358,10 +8461,10 @@
       </p:sp>
       <p:sp>
         <p:nvSpPr>
-          <p:cNvPr id="16" name="楕円 15">
-            <a:extLst>
-              <a:ext uri="{FF2B5EF4-FFF2-40B4-BE49-F238E27FC236}">
-                <a16:creationId xmlns:a16="http://schemas.microsoft.com/office/drawing/2014/main" id="{F2A0912B-C6BE-4DB0-9370-7FA0A86744F3}"/>
+          <p:cNvPr id="5" name="楕円 4">
+            <a:extLst>
+              <a:ext uri="{FF2B5EF4-FFF2-40B4-BE49-F238E27FC236}">
+                <a16:creationId xmlns:a16="http://schemas.microsoft.com/office/drawing/2014/main" id="{2585A58C-04FE-4C3D-8552-5F36B5E21491}"/>
               </a:ext>
             </a:extLst>
           </p:cNvPr>
@@ -8370,7 +8473,7 @@
         </p:nvSpPr>
         <p:spPr>
           <a:xfrm>
-            <a:off x="5220072" y="3717032"/>
+            <a:off x="3315970" y="4182343"/>
             <a:ext cx="432048" cy="432048"/>
           </a:xfrm>
           <a:prstGeom prst="ellipse">
@@ -8410,337 +8513,12 @@
           </a:p>
         </p:txBody>
       </p:sp>
-      <p:pic>
-        <p:nvPicPr>
-          <p:cNvPr id="17" name="Picture 2" descr="フォルダのイラスト">
-            <a:extLst>
-              <a:ext uri="{FF2B5EF4-FFF2-40B4-BE49-F238E27FC236}">
-                <a16:creationId xmlns:a16="http://schemas.microsoft.com/office/drawing/2014/main" id="{DED6C781-2E02-4B71-BE4A-F2C6A984838A}"/>
-              </a:ext>
-            </a:extLst>
-          </p:cNvPr>
-          <p:cNvPicPr>
-            <a:picLocks noChangeAspect="1" noChangeArrowheads="1"/>
-          </p:cNvPicPr>
-          <p:nvPr/>
-        </p:nvPicPr>
-        <p:blipFill>
-          <a:blip r:embed="rId2" cstate="print">
-            <a:extLst>
-              <a:ext uri="{28A0092B-C50C-407E-A947-70E740481C1C}">
-                <a14:useLocalDpi xmlns:a14="http://schemas.microsoft.com/office/drawing/2010/main" val="0"/>
-              </a:ext>
-            </a:extLst>
-          </a:blip>
-          <a:srcRect/>
-          <a:stretch>
-            <a:fillRect/>
-          </a:stretch>
-        </p:blipFill>
-        <p:spPr bwMode="auto">
-          <a:xfrm>
-            <a:off x="1619672" y="4653136"/>
-            <a:ext cx="702078" cy="587990"/>
-          </a:xfrm>
-          <a:prstGeom prst="rect">
-            <a:avLst/>
-          </a:prstGeom>
-          <a:noFill/>
-          <a:extLst>
-            <a:ext uri="{909E8E84-426E-40DD-AFC4-6F175D3DCCD1}">
-              <a14:hiddenFill xmlns:a14="http://schemas.microsoft.com/office/drawing/2010/main">
-                <a:solidFill>
-                  <a:srgbClr val="FFFFFF"/>
-                </a:solidFill>
-              </a14:hiddenFill>
-            </a:ext>
-          </a:extLst>
-        </p:spPr>
-      </p:pic>
-      <p:pic>
-        <p:nvPicPr>
-          <p:cNvPr id="18" name="Picture 4">
-            <a:extLst>
-              <a:ext uri="{FF2B5EF4-FFF2-40B4-BE49-F238E27FC236}">
-                <a16:creationId xmlns:a16="http://schemas.microsoft.com/office/drawing/2014/main" id="{34E4EAF4-DAE9-430A-99EF-DA8D53227C51}"/>
-              </a:ext>
-            </a:extLst>
-          </p:cNvPr>
-          <p:cNvPicPr>
-            <a:picLocks noChangeAspect="1" noChangeArrowheads="1"/>
-          </p:cNvPicPr>
-          <p:nvPr/>
-        </p:nvPicPr>
-        <p:blipFill>
-          <a:blip r:embed="rId3" cstate="print">
-            <a:extLst>
-              <a:ext uri="{28A0092B-C50C-407E-A947-70E740481C1C}">
-                <a14:useLocalDpi xmlns:a14="http://schemas.microsoft.com/office/drawing/2010/main" val="0"/>
-              </a:ext>
-            </a:extLst>
-          </a:blip>
-          <a:srcRect/>
-          <a:stretch>
-            <a:fillRect/>
-          </a:stretch>
-        </p:blipFill>
-        <p:spPr bwMode="auto">
-          <a:xfrm>
-            <a:off x="1763688" y="4797152"/>
-            <a:ext cx="360040" cy="360040"/>
-          </a:xfrm>
-          <a:prstGeom prst="rect">
-            <a:avLst/>
-          </a:prstGeom>
-          <a:noFill/>
-          <a:extLst>
-            <a:ext uri="{909E8E84-426E-40DD-AFC4-6F175D3DCCD1}">
-              <a14:hiddenFill xmlns:a14="http://schemas.microsoft.com/office/drawing/2010/main">
-                <a:solidFill>
-                  <a:srgbClr val="FFFFFF"/>
-                </a:solidFill>
-              </a14:hiddenFill>
-            </a:ext>
-          </a:extLst>
-        </p:spPr>
-      </p:pic>
-      <p:pic>
-        <p:nvPicPr>
-          <p:cNvPr id="2050" name="Picture 2" descr="ファイルアイコン（テキスト）">
-            <a:extLst>
-              <a:ext uri="{FF2B5EF4-FFF2-40B4-BE49-F238E27FC236}">
-                <a16:creationId xmlns:a16="http://schemas.microsoft.com/office/drawing/2014/main" id="{FBB66BE1-AF0C-4F7E-A90E-2E0C711B2329}"/>
-              </a:ext>
-            </a:extLst>
-          </p:cNvPr>
-          <p:cNvPicPr>
-            <a:picLocks noChangeAspect="1" noChangeArrowheads="1"/>
-          </p:cNvPicPr>
-          <p:nvPr/>
-        </p:nvPicPr>
-        <p:blipFill>
-          <a:blip r:embed="rId4" cstate="print">
-            <a:extLst>
-              <a:ext uri="{28A0092B-C50C-407E-A947-70E740481C1C}">
-                <a14:useLocalDpi xmlns:a14="http://schemas.microsoft.com/office/drawing/2010/main" val="0"/>
-              </a:ext>
-            </a:extLst>
-          </a:blip>
-          <a:srcRect/>
-          <a:stretch>
-            <a:fillRect/>
-          </a:stretch>
-        </p:blipFill>
-        <p:spPr bwMode="auto">
-          <a:xfrm>
-            <a:off x="1730425" y="5445224"/>
-            <a:ext cx="484265" cy="562372"/>
-          </a:xfrm>
-          <a:prstGeom prst="rect">
-            <a:avLst/>
-          </a:prstGeom>
-          <a:noFill/>
-          <a:extLst>
-            <a:ext uri="{909E8E84-426E-40DD-AFC4-6F175D3DCCD1}">
-              <a14:hiddenFill xmlns:a14="http://schemas.microsoft.com/office/drawing/2010/main">
-                <a:solidFill>
-                  <a:srgbClr val="FFFFFF"/>
-                </a:solidFill>
-              </a14:hiddenFill>
-            </a:ext>
-          </a:extLst>
-        </p:spPr>
-      </p:pic>
-      <p:cxnSp>
-        <p:nvCxnSpPr>
-          <p:cNvPr id="20" name="直線コネクタ 19">
-            <a:extLst>
-              <a:ext uri="{FF2B5EF4-FFF2-40B4-BE49-F238E27FC236}">
-                <a16:creationId xmlns:a16="http://schemas.microsoft.com/office/drawing/2014/main" id="{AD882B19-3D3F-49D2-BD3F-C181AB0F4D8F}"/>
-              </a:ext>
-            </a:extLst>
-          </p:cNvPr>
-          <p:cNvCxnSpPr>
-            <a:stCxn id="17" idx="2"/>
-            <a:endCxn id="2050" idx="0"/>
-          </p:cNvCxnSpPr>
-          <p:nvPr/>
-        </p:nvCxnSpPr>
-        <p:spPr>
-          <a:xfrm>
-            <a:off x="1970711" y="5241126"/>
-            <a:ext cx="1847" cy="204098"/>
-          </a:xfrm>
-          <a:prstGeom prst="line">
-            <a:avLst/>
-          </a:prstGeom>
-          <a:ln>
-            <a:solidFill>
-              <a:schemeClr val="tx1"/>
-            </a:solidFill>
-            <a:headEnd type="none" w="med" len="med"/>
-            <a:tailEnd type="none" w="med" len="med"/>
-          </a:ln>
-        </p:spPr>
-        <p:style>
-          <a:lnRef idx="1">
-            <a:schemeClr val="accent1"/>
-          </a:lnRef>
-          <a:fillRef idx="0">
-            <a:schemeClr val="accent1"/>
-          </a:fillRef>
-          <a:effectRef idx="0">
-            <a:schemeClr val="accent1"/>
-          </a:effectRef>
-          <a:fontRef idx="minor">
-            <a:schemeClr val="tx1"/>
-          </a:fontRef>
-        </p:style>
-      </p:cxnSp>
-      <p:pic>
-        <p:nvPicPr>
-          <p:cNvPr id="23" name="Picture 2" descr="ファイルアイコン（テキスト）">
-            <a:extLst>
-              <a:ext uri="{FF2B5EF4-FFF2-40B4-BE49-F238E27FC236}">
-                <a16:creationId xmlns:a16="http://schemas.microsoft.com/office/drawing/2014/main" id="{881D7572-AA58-42EA-8615-584FFB845848}"/>
-              </a:ext>
-            </a:extLst>
-          </p:cNvPr>
-          <p:cNvPicPr>
-            <a:picLocks noChangeAspect="1" noChangeArrowheads="1"/>
-          </p:cNvPicPr>
-          <p:nvPr/>
-        </p:nvPicPr>
-        <p:blipFill>
-          <a:blip r:embed="rId4" cstate="print">
-            <a:extLst>
-              <a:ext uri="{28A0092B-C50C-407E-A947-70E740481C1C}">
-                <a14:useLocalDpi xmlns:a14="http://schemas.microsoft.com/office/drawing/2010/main" val="0"/>
-              </a:ext>
-            </a:extLst>
-          </a:blip>
-          <a:srcRect/>
-          <a:stretch>
-            <a:fillRect/>
-          </a:stretch>
-        </p:blipFill>
-        <p:spPr bwMode="auto">
-          <a:xfrm>
-            <a:off x="2411760" y="5445224"/>
-            <a:ext cx="484265" cy="562372"/>
-          </a:xfrm>
-          <a:prstGeom prst="rect">
-            <a:avLst/>
-          </a:prstGeom>
-          <a:noFill/>
-          <a:extLst>
-            <a:ext uri="{909E8E84-426E-40DD-AFC4-6F175D3DCCD1}">
-              <a14:hiddenFill xmlns:a14="http://schemas.microsoft.com/office/drawing/2010/main">
-                <a:solidFill>
-                  <a:srgbClr val="FFFFFF"/>
-                </a:solidFill>
-              </a14:hiddenFill>
-            </a:ext>
-          </a:extLst>
-        </p:spPr>
-      </p:pic>
-      <p:cxnSp>
-        <p:nvCxnSpPr>
-          <p:cNvPr id="25" name="コネクタ: カギ線 24">
-            <a:extLst>
-              <a:ext uri="{FF2B5EF4-FFF2-40B4-BE49-F238E27FC236}">
-                <a16:creationId xmlns:a16="http://schemas.microsoft.com/office/drawing/2014/main" id="{040DD361-F5F4-46FE-8932-DE041F0F9417}"/>
-              </a:ext>
-            </a:extLst>
-          </p:cNvPr>
-          <p:cNvCxnSpPr>
-            <a:stCxn id="17" idx="2"/>
-            <a:endCxn id="23" idx="0"/>
-          </p:cNvCxnSpPr>
-          <p:nvPr/>
-        </p:nvCxnSpPr>
-        <p:spPr>
-          <a:xfrm rot="16200000" flipH="1">
-            <a:off x="2210253" y="5001584"/>
-            <a:ext cx="204098" cy="683182"/>
-          </a:xfrm>
-          <a:prstGeom prst="bentConnector3">
-            <a:avLst/>
-          </a:prstGeom>
-          <a:ln>
-            <a:solidFill>
-              <a:schemeClr val="tx1"/>
-            </a:solidFill>
-            <a:headEnd type="none" w="med" len="med"/>
-            <a:tailEnd type="none" w="med" len="med"/>
-          </a:ln>
-        </p:spPr>
-        <p:style>
-          <a:lnRef idx="1">
-            <a:schemeClr val="accent1"/>
-          </a:lnRef>
-          <a:fillRef idx="0">
-            <a:schemeClr val="accent1"/>
-          </a:fillRef>
-          <a:effectRef idx="0">
-            <a:schemeClr val="accent1"/>
-          </a:effectRef>
-          <a:fontRef idx="minor">
-            <a:schemeClr val="tx1"/>
-          </a:fontRef>
-        </p:style>
-      </p:cxnSp>
-      <p:cxnSp>
-        <p:nvCxnSpPr>
-          <p:cNvPr id="27" name="コネクタ: カギ線 26">
-            <a:extLst>
-              <a:ext uri="{FF2B5EF4-FFF2-40B4-BE49-F238E27FC236}">
-                <a16:creationId xmlns:a16="http://schemas.microsoft.com/office/drawing/2014/main" id="{119E6890-1883-490C-920A-3C075E85310C}"/>
-              </a:ext>
-            </a:extLst>
-          </p:cNvPr>
-          <p:cNvCxnSpPr>
-            <a:stCxn id="17" idx="2"/>
-          </p:cNvCxnSpPr>
-          <p:nvPr/>
-        </p:nvCxnSpPr>
-        <p:spPr>
-          <a:xfrm rot="16200000" flipH="1">
-            <a:off x="2534289" y="4677548"/>
-            <a:ext cx="204098" cy="1331254"/>
-          </a:xfrm>
-          <a:prstGeom prst="bentConnector3">
-            <a:avLst/>
-          </a:prstGeom>
-          <a:ln>
-            <a:solidFill>
-              <a:schemeClr val="tx1"/>
-            </a:solidFill>
-            <a:headEnd type="none" w="med" len="med"/>
-            <a:tailEnd type="none" w="med" len="med"/>
-          </a:ln>
-        </p:spPr>
-        <p:style>
-          <a:lnRef idx="1">
-            <a:schemeClr val="accent1"/>
-          </a:lnRef>
-          <a:fillRef idx="0">
-            <a:schemeClr val="accent1"/>
-          </a:fillRef>
-          <a:effectRef idx="0">
-            <a:schemeClr val="accent1"/>
-          </a:effectRef>
-          <a:fontRef idx="minor">
-            <a:schemeClr val="tx1"/>
-          </a:fontRef>
-        </p:style>
-      </p:cxnSp>
-      <p:sp>
-        <p:nvSpPr>
-          <p:cNvPr id="28" name="四角形: 角を丸くする 27">
-            <a:extLst>
-              <a:ext uri="{FF2B5EF4-FFF2-40B4-BE49-F238E27FC236}">
-                <a16:creationId xmlns:a16="http://schemas.microsoft.com/office/drawing/2014/main" id="{98AFF3E0-E0C6-4AE5-86E3-A034C9E46185}"/>
+      <p:sp>
+        <p:nvSpPr>
+          <p:cNvPr id="6" name="四角形: 1 つの角を切り取り 1 つの角を丸める 5">
+            <a:extLst>
+              <a:ext uri="{FF2B5EF4-FFF2-40B4-BE49-F238E27FC236}">
+                <a16:creationId xmlns:a16="http://schemas.microsoft.com/office/drawing/2014/main" id="{966F24A4-1A27-408D-9382-95E725968327}"/>
               </a:ext>
             </a:extLst>
           </p:cNvPr>
@@ -8749,710 +8527,7 @@
         </p:nvSpPr>
         <p:spPr>
           <a:xfrm>
-            <a:off x="1115616" y="4509120"/>
-            <a:ext cx="3024336" cy="1728192"/>
-          </a:xfrm>
-          <a:prstGeom prst="roundRect">
-            <a:avLst/>
-          </a:prstGeom>
-          <a:noFill/>
-          <a:ln w="38100">
-            <a:solidFill>
-              <a:schemeClr val="tx1"/>
-            </a:solidFill>
-            <a:prstDash val="dash"/>
-          </a:ln>
-        </p:spPr>
-        <p:style>
-          <a:lnRef idx="2">
-            <a:schemeClr val="accent1">
-              <a:shade val="50000"/>
-            </a:schemeClr>
-          </a:lnRef>
-          <a:fillRef idx="1">
-            <a:schemeClr val="accent1"/>
-          </a:fillRef>
-          <a:effectRef idx="0">
-            <a:schemeClr val="accent1"/>
-          </a:effectRef>
-          <a:fontRef idx="minor">
-            <a:schemeClr val="lt1"/>
-          </a:fontRef>
-        </p:style>
-        <p:txBody>
-          <a:bodyPr rtlCol="0" anchor="ctr"/>
-          <a:lstStyle/>
-          <a:p>
-            <a:pPr algn="ctr"/>
-            <a:endParaRPr kumimoji="1" lang="ja-JP" altLang="en-US"/>
-          </a:p>
-        </p:txBody>
-      </p:sp>
-      <p:pic>
-        <p:nvPicPr>
-          <p:cNvPr id="30" name="Picture 2" descr="フォルダのイラスト">
-            <a:extLst>
-              <a:ext uri="{FF2B5EF4-FFF2-40B4-BE49-F238E27FC236}">
-                <a16:creationId xmlns:a16="http://schemas.microsoft.com/office/drawing/2014/main" id="{8ED7931C-CA3D-474C-A421-06E6F666FB45}"/>
-              </a:ext>
-            </a:extLst>
-          </p:cNvPr>
-          <p:cNvPicPr>
-            <a:picLocks noChangeAspect="1" noChangeArrowheads="1"/>
-          </p:cNvPicPr>
-          <p:nvPr/>
-        </p:nvPicPr>
-        <p:blipFill>
-          <a:blip r:embed="rId2" cstate="print">
-            <a:extLst>
-              <a:ext uri="{28A0092B-C50C-407E-A947-70E740481C1C}">
-                <a14:useLocalDpi xmlns:a14="http://schemas.microsoft.com/office/drawing/2010/main" val="0"/>
-              </a:ext>
-            </a:extLst>
-          </a:blip>
-          <a:srcRect/>
-          <a:stretch>
-            <a:fillRect/>
-          </a:stretch>
-        </p:blipFill>
-        <p:spPr bwMode="auto">
-          <a:xfrm>
-            <a:off x="5364088" y="4653136"/>
-            <a:ext cx="702078" cy="587990"/>
-          </a:xfrm>
-          <a:prstGeom prst="rect">
-            <a:avLst/>
-          </a:prstGeom>
-          <a:noFill/>
-          <a:extLst>
-            <a:ext uri="{909E8E84-426E-40DD-AFC4-6F175D3DCCD1}">
-              <a14:hiddenFill xmlns:a14="http://schemas.microsoft.com/office/drawing/2010/main">
-                <a:solidFill>
-                  <a:srgbClr val="FFFFFF"/>
-                </a:solidFill>
-              </a14:hiddenFill>
-            </a:ext>
-          </a:extLst>
-        </p:spPr>
-      </p:pic>
-      <p:pic>
-        <p:nvPicPr>
-          <p:cNvPr id="31" name="Picture 4">
-            <a:extLst>
-              <a:ext uri="{FF2B5EF4-FFF2-40B4-BE49-F238E27FC236}">
-                <a16:creationId xmlns:a16="http://schemas.microsoft.com/office/drawing/2014/main" id="{87B8BD40-BCB9-4798-A65A-7BCC1CA9FAEC}"/>
-              </a:ext>
-            </a:extLst>
-          </p:cNvPr>
-          <p:cNvPicPr>
-            <a:picLocks noChangeAspect="1" noChangeArrowheads="1"/>
-          </p:cNvPicPr>
-          <p:nvPr/>
-        </p:nvPicPr>
-        <p:blipFill>
-          <a:blip r:embed="rId3" cstate="print">
-            <a:extLst>
-              <a:ext uri="{28A0092B-C50C-407E-A947-70E740481C1C}">
-                <a14:useLocalDpi xmlns:a14="http://schemas.microsoft.com/office/drawing/2010/main" val="0"/>
-              </a:ext>
-            </a:extLst>
-          </a:blip>
-          <a:srcRect/>
-          <a:stretch>
-            <a:fillRect/>
-          </a:stretch>
-        </p:blipFill>
-        <p:spPr bwMode="auto">
-          <a:xfrm>
-            <a:off x="5508104" y="4797152"/>
-            <a:ext cx="360040" cy="360040"/>
-          </a:xfrm>
-          <a:prstGeom prst="rect">
-            <a:avLst/>
-          </a:prstGeom>
-          <a:noFill/>
-          <a:extLst>
-            <a:ext uri="{909E8E84-426E-40DD-AFC4-6F175D3DCCD1}">
-              <a14:hiddenFill xmlns:a14="http://schemas.microsoft.com/office/drawing/2010/main">
-                <a:solidFill>
-                  <a:srgbClr val="FFFFFF"/>
-                </a:solidFill>
-              </a14:hiddenFill>
-            </a:ext>
-          </a:extLst>
-        </p:spPr>
-      </p:pic>
-      <p:pic>
-        <p:nvPicPr>
-          <p:cNvPr id="32" name="Picture 2" descr="ファイルアイコン（テキスト）">
-            <a:extLst>
-              <a:ext uri="{FF2B5EF4-FFF2-40B4-BE49-F238E27FC236}">
-                <a16:creationId xmlns:a16="http://schemas.microsoft.com/office/drawing/2014/main" id="{01700934-BE41-451E-B233-A45FAF9312A3}"/>
-              </a:ext>
-            </a:extLst>
-          </p:cNvPr>
-          <p:cNvPicPr>
-            <a:picLocks noChangeAspect="1" noChangeArrowheads="1"/>
-          </p:cNvPicPr>
-          <p:nvPr/>
-        </p:nvPicPr>
-        <p:blipFill>
-          <a:blip r:embed="rId4" cstate="print">
-            <a:extLst>
-              <a:ext uri="{28A0092B-C50C-407E-A947-70E740481C1C}">
-                <a14:useLocalDpi xmlns:a14="http://schemas.microsoft.com/office/drawing/2010/main" val="0"/>
-              </a:ext>
-            </a:extLst>
-          </a:blip>
-          <a:srcRect/>
-          <a:stretch>
-            <a:fillRect/>
-          </a:stretch>
-        </p:blipFill>
-        <p:spPr bwMode="auto">
-          <a:xfrm>
-            <a:off x="5474841" y="5445224"/>
-            <a:ext cx="484265" cy="562372"/>
-          </a:xfrm>
-          <a:prstGeom prst="rect">
-            <a:avLst/>
-          </a:prstGeom>
-          <a:noFill/>
-          <a:extLst>
-            <a:ext uri="{909E8E84-426E-40DD-AFC4-6F175D3DCCD1}">
-              <a14:hiddenFill xmlns:a14="http://schemas.microsoft.com/office/drawing/2010/main">
-                <a:solidFill>
-                  <a:srgbClr val="FFFFFF"/>
-                </a:solidFill>
-              </a14:hiddenFill>
-            </a:ext>
-          </a:extLst>
-        </p:spPr>
-      </p:pic>
-      <p:cxnSp>
-        <p:nvCxnSpPr>
-          <p:cNvPr id="33" name="直線コネクタ 32">
-            <a:extLst>
-              <a:ext uri="{FF2B5EF4-FFF2-40B4-BE49-F238E27FC236}">
-                <a16:creationId xmlns:a16="http://schemas.microsoft.com/office/drawing/2014/main" id="{68E32223-D553-43DA-BD4F-619C273211EF}"/>
-              </a:ext>
-            </a:extLst>
-          </p:cNvPr>
-          <p:cNvCxnSpPr>
-            <a:stCxn id="30" idx="2"/>
-            <a:endCxn id="32" idx="0"/>
-          </p:cNvCxnSpPr>
-          <p:nvPr/>
-        </p:nvCxnSpPr>
-        <p:spPr>
-          <a:xfrm>
-            <a:off x="5715127" y="5241126"/>
-            <a:ext cx="1847" cy="204098"/>
-          </a:xfrm>
-          <a:prstGeom prst="line">
-            <a:avLst/>
-          </a:prstGeom>
-          <a:ln>
-            <a:solidFill>
-              <a:schemeClr val="tx1"/>
-            </a:solidFill>
-            <a:headEnd type="none" w="med" len="med"/>
-            <a:tailEnd type="none" w="med" len="med"/>
-          </a:ln>
-        </p:spPr>
-        <p:style>
-          <a:lnRef idx="1">
-            <a:schemeClr val="accent1"/>
-          </a:lnRef>
-          <a:fillRef idx="0">
-            <a:schemeClr val="accent1"/>
-          </a:fillRef>
-          <a:effectRef idx="0">
-            <a:schemeClr val="accent1"/>
-          </a:effectRef>
-          <a:fontRef idx="minor">
-            <a:schemeClr val="tx1"/>
-          </a:fontRef>
-        </p:style>
-      </p:cxnSp>
-      <p:pic>
-        <p:nvPicPr>
-          <p:cNvPr id="34" name="Picture 2" descr="ファイルアイコン（テキスト）">
-            <a:extLst>
-              <a:ext uri="{FF2B5EF4-FFF2-40B4-BE49-F238E27FC236}">
-                <a16:creationId xmlns:a16="http://schemas.microsoft.com/office/drawing/2014/main" id="{A871EE80-4AF0-4DD2-B49E-691A5CDF4FB7}"/>
-              </a:ext>
-            </a:extLst>
-          </p:cNvPr>
-          <p:cNvPicPr>
-            <a:picLocks noChangeAspect="1" noChangeArrowheads="1"/>
-          </p:cNvPicPr>
-          <p:nvPr/>
-        </p:nvPicPr>
-        <p:blipFill>
-          <a:blip r:embed="rId4" cstate="print">
-            <a:extLst>
-              <a:ext uri="{28A0092B-C50C-407E-A947-70E740481C1C}">
-                <a14:useLocalDpi xmlns:a14="http://schemas.microsoft.com/office/drawing/2010/main" val="0"/>
-              </a:ext>
-            </a:extLst>
-          </a:blip>
-          <a:srcRect/>
-          <a:stretch>
-            <a:fillRect/>
-          </a:stretch>
-        </p:blipFill>
-        <p:spPr bwMode="auto">
-          <a:xfrm>
-            <a:off x="6156176" y="5445224"/>
-            <a:ext cx="484265" cy="562372"/>
-          </a:xfrm>
-          <a:prstGeom prst="rect">
-            <a:avLst/>
-          </a:prstGeom>
-          <a:noFill/>
-          <a:extLst>
-            <a:ext uri="{909E8E84-426E-40DD-AFC4-6F175D3DCCD1}">
-              <a14:hiddenFill xmlns:a14="http://schemas.microsoft.com/office/drawing/2010/main">
-                <a:solidFill>
-                  <a:srgbClr val="FFFFFF"/>
-                </a:solidFill>
-              </a14:hiddenFill>
-            </a:ext>
-          </a:extLst>
-        </p:spPr>
-      </p:pic>
-      <p:cxnSp>
-        <p:nvCxnSpPr>
-          <p:cNvPr id="36" name="コネクタ: カギ線 35">
-            <a:extLst>
-              <a:ext uri="{FF2B5EF4-FFF2-40B4-BE49-F238E27FC236}">
-                <a16:creationId xmlns:a16="http://schemas.microsoft.com/office/drawing/2014/main" id="{70375162-5D13-4E35-ACA6-57B835161574}"/>
-              </a:ext>
-            </a:extLst>
-          </p:cNvPr>
-          <p:cNvCxnSpPr>
-            <a:stCxn id="30" idx="2"/>
-            <a:endCxn id="34" idx="0"/>
-          </p:cNvCxnSpPr>
-          <p:nvPr/>
-        </p:nvCxnSpPr>
-        <p:spPr>
-          <a:xfrm rot="16200000" flipH="1">
-            <a:off x="5954669" y="5001584"/>
-            <a:ext cx="204098" cy="683182"/>
-          </a:xfrm>
-          <a:prstGeom prst="bentConnector3">
-            <a:avLst/>
-          </a:prstGeom>
-          <a:ln>
-            <a:solidFill>
-              <a:schemeClr val="tx1"/>
-            </a:solidFill>
-            <a:headEnd type="none" w="med" len="med"/>
-            <a:tailEnd type="none" w="med" len="med"/>
-          </a:ln>
-        </p:spPr>
-        <p:style>
-          <a:lnRef idx="1">
-            <a:schemeClr val="accent1"/>
-          </a:lnRef>
-          <a:fillRef idx="0">
-            <a:schemeClr val="accent1"/>
-          </a:fillRef>
-          <a:effectRef idx="0">
-            <a:schemeClr val="accent1"/>
-          </a:effectRef>
-          <a:fontRef idx="minor">
-            <a:schemeClr val="tx1"/>
-          </a:fontRef>
-        </p:style>
-      </p:cxnSp>
-      <p:cxnSp>
-        <p:nvCxnSpPr>
-          <p:cNvPr id="37" name="コネクタ: カギ線 36">
-            <a:extLst>
-              <a:ext uri="{FF2B5EF4-FFF2-40B4-BE49-F238E27FC236}">
-                <a16:creationId xmlns:a16="http://schemas.microsoft.com/office/drawing/2014/main" id="{D4B26F46-2E7A-42FC-AF8B-9D2F193E2DFF}"/>
-              </a:ext>
-            </a:extLst>
-          </p:cNvPr>
-          <p:cNvCxnSpPr>
-            <a:stCxn id="30" idx="2"/>
-          </p:cNvCxnSpPr>
-          <p:nvPr/>
-        </p:nvCxnSpPr>
-        <p:spPr>
-          <a:xfrm rot="16200000" flipH="1">
-            <a:off x="6278705" y="4677548"/>
-            <a:ext cx="204098" cy="1331254"/>
-          </a:xfrm>
-          <a:prstGeom prst="bentConnector3">
-            <a:avLst/>
-          </a:prstGeom>
-          <a:ln>
-            <a:solidFill>
-              <a:schemeClr val="tx1"/>
-            </a:solidFill>
-            <a:headEnd type="none" w="med" len="med"/>
-            <a:tailEnd type="none" w="med" len="med"/>
-          </a:ln>
-        </p:spPr>
-        <p:style>
-          <a:lnRef idx="1">
-            <a:schemeClr val="accent1"/>
-          </a:lnRef>
-          <a:fillRef idx="0">
-            <a:schemeClr val="accent1"/>
-          </a:fillRef>
-          <a:effectRef idx="0">
-            <a:schemeClr val="accent1"/>
-          </a:effectRef>
-          <a:fontRef idx="minor">
-            <a:schemeClr val="tx1"/>
-          </a:fontRef>
-        </p:style>
-      </p:cxnSp>
-      <p:sp>
-        <p:nvSpPr>
-          <p:cNvPr id="38" name="四角形: 角を丸くする 37">
-            <a:extLst>
-              <a:ext uri="{FF2B5EF4-FFF2-40B4-BE49-F238E27FC236}">
-                <a16:creationId xmlns:a16="http://schemas.microsoft.com/office/drawing/2014/main" id="{89C36F59-3B47-4ADD-9340-4DC0E8019473}"/>
-              </a:ext>
-            </a:extLst>
-          </p:cNvPr>
-          <p:cNvSpPr/>
-          <p:nvPr/>
-        </p:nvSpPr>
-        <p:spPr>
-          <a:xfrm>
-            <a:off x="4860032" y="4509120"/>
-            <a:ext cx="3024336" cy="1728192"/>
-          </a:xfrm>
-          <a:prstGeom prst="roundRect">
-            <a:avLst/>
-          </a:prstGeom>
-          <a:noFill/>
-          <a:ln w="38100">
-            <a:solidFill>
-              <a:schemeClr val="tx1"/>
-            </a:solidFill>
-            <a:prstDash val="dash"/>
-          </a:ln>
-        </p:spPr>
-        <p:style>
-          <a:lnRef idx="2">
-            <a:schemeClr val="accent1">
-              <a:shade val="50000"/>
-            </a:schemeClr>
-          </a:lnRef>
-          <a:fillRef idx="1">
-            <a:schemeClr val="accent1"/>
-          </a:fillRef>
-          <a:effectRef idx="0">
-            <a:schemeClr val="accent1"/>
-          </a:effectRef>
-          <a:fontRef idx="minor">
-            <a:schemeClr val="lt1"/>
-          </a:fontRef>
-        </p:style>
-        <p:txBody>
-          <a:bodyPr rtlCol="0" anchor="ctr"/>
-          <a:lstStyle/>
-          <a:p>
-            <a:pPr algn="ctr"/>
-            <a:endParaRPr kumimoji="1" lang="ja-JP" altLang="en-US"/>
-          </a:p>
-        </p:txBody>
-      </p:sp>
-      <p:grpSp>
-        <p:nvGrpSpPr>
-          <p:cNvPr id="40" name="グループ化 39">
-            <a:extLst>
-              <a:ext uri="{FF2B5EF4-FFF2-40B4-BE49-F238E27FC236}">
-                <a16:creationId xmlns:a16="http://schemas.microsoft.com/office/drawing/2014/main" id="{FC4D3297-D2C8-4C4B-A202-B146F209A279}"/>
-              </a:ext>
-            </a:extLst>
-          </p:cNvPr>
-          <p:cNvGrpSpPr/>
-          <p:nvPr/>
-        </p:nvGrpSpPr>
-        <p:grpSpPr>
-          <a:xfrm>
-            <a:off x="6876256" y="5445224"/>
-            <a:ext cx="360040" cy="504056"/>
-            <a:chOff x="6012160" y="533182"/>
-            <a:chExt cx="2160240" cy="3255858"/>
-          </a:xfrm>
-        </p:grpSpPr>
-        <p:sp>
-          <p:nvSpPr>
-            <p:cNvPr id="39" name="四角形: 1 つの角を切り取る 38">
-              <a:extLst>
-                <a:ext uri="{FF2B5EF4-FFF2-40B4-BE49-F238E27FC236}">
-                  <a16:creationId xmlns:a16="http://schemas.microsoft.com/office/drawing/2014/main" id="{6CDEF8F1-866D-4865-A10C-B0D5F2F9A960}"/>
-                </a:ext>
-              </a:extLst>
-            </p:cNvPr>
-            <p:cNvSpPr/>
-            <p:nvPr/>
-          </p:nvSpPr>
-          <p:spPr>
-            <a:xfrm>
-              <a:off x="6012160" y="548680"/>
-              <a:ext cx="2160240" cy="3240360"/>
-            </a:xfrm>
-            <a:prstGeom prst="snip1Rect">
-              <a:avLst>
-                <a:gd name="adj" fmla="val 25926"/>
-              </a:avLst>
-            </a:prstGeom>
-            <a:solidFill>
-              <a:schemeClr val="accent2">
-                <a:lumMod val="40000"/>
-                <a:lumOff val="60000"/>
-              </a:schemeClr>
-            </a:solidFill>
-            <a:ln>
-              <a:solidFill>
-                <a:schemeClr val="tx1"/>
-              </a:solidFill>
-            </a:ln>
-          </p:spPr>
-          <p:style>
-            <a:lnRef idx="2">
-              <a:schemeClr val="accent1">
-                <a:shade val="50000"/>
-              </a:schemeClr>
-            </a:lnRef>
-            <a:fillRef idx="1">
-              <a:schemeClr val="accent1"/>
-            </a:fillRef>
-            <a:effectRef idx="0">
-              <a:schemeClr val="accent1"/>
-            </a:effectRef>
-            <a:fontRef idx="minor">
-              <a:schemeClr val="lt1"/>
-            </a:fontRef>
-          </p:style>
-          <p:txBody>
-            <a:bodyPr rtlCol="0" anchor="ctr"/>
-            <a:lstStyle/>
-            <a:p>
-              <a:pPr algn="ctr"/>
-              <a:endParaRPr kumimoji="1" lang="en-US"/>
-            </a:p>
-          </p:txBody>
-        </p:sp>
-        <p:sp>
-          <p:nvSpPr>
-            <p:cNvPr id="29" name="二等辺三角形 28">
-              <a:extLst>
-                <a:ext uri="{FF2B5EF4-FFF2-40B4-BE49-F238E27FC236}">
-                  <a16:creationId xmlns:a16="http://schemas.microsoft.com/office/drawing/2014/main" id="{265676A8-20BC-47C7-9D0C-3416306664F9}"/>
-                </a:ext>
-              </a:extLst>
-            </p:cNvPr>
-            <p:cNvSpPr/>
-            <p:nvPr/>
-          </p:nvSpPr>
-          <p:spPr>
-            <a:xfrm>
-              <a:off x="7596336" y="533182"/>
-              <a:ext cx="576064" cy="576064"/>
-            </a:xfrm>
-            <a:prstGeom prst="triangle">
-              <a:avLst>
-                <a:gd name="adj" fmla="val 0"/>
-              </a:avLst>
-            </a:prstGeom>
-            <a:solidFill>
-              <a:schemeClr val="bg1"/>
-            </a:solidFill>
-            <a:ln>
-              <a:solidFill>
-                <a:schemeClr val="tx1"/>
-              </a:solidFill>
-            </a:ln>
-          </p:spPr>
-          <p:style>
-            <a:lnRef idx="2">
-              <a:schemeClr val="accent1">
-                <a:shade val="50000"/>
-              </a:schemeClr>
-            </a:lnRef>
-            <a:fillRef idx="1">
-              <a:schemeClr val="accent1"/>
-            </a:fillRef>
-            <a:effectRef idx="0">
-              <a:schemeClr val="accent1"/>
-            </a:effectRef>
-            <a:fontRef idx="minor">
-              <a:schemeClr val="lt1"/>
-            </a:fontRef>
-          </p:style>
-          <p:txBody>
-            <a:bodyPr rtlCol="0" anchor="ctr"/>
-            <a:lstStyle/>
-            <a:p>
-              <a:pPr algn="ctr"/>
-              <a:endParaRPr kumimoji="1" lang="ja-JP" altLang="en-US"/>
-            </a:p>
-          </p:txBody>
-        </p:sp>
-      </p:grpSp>
-      <p:grpSp>
-        <p:nvGrpSpPr>
-          <p:cNvPr id="42" name="グループ化 41">
-            <a:extLst>
-              <a:ext uri="{FF2B5EF4-FFF2-40B4-BE49-F238E27FC236}">
-                <a16:creationId xmlns:a16="http://schemas.microsoft.com/office/drawing/2014/main" id="{751F77F9-18F5-498E-9204-1FADA91DF90D}"/>
-              </a:ext>
-            </a:extLst>
-          </p:cNvPr>
-          <p:cNvGrpSpPr/>
-          <p:nvPr/>
-        </p:nvGrpSpPr>
-        <p:grpSpPr>
-          <a:xfrm>
-            <a:off x="3131840" y="5445224"/>
-            <a:ext cx="360040" cy="504056"/>
-            <a:chOff x="6012160" y="533182"/>
-            <a:chExt cx="2160240" cy="3255858"/>
-          </a:xfrm>
-        </p:grpSpPr>
-        <p:sp>
-          <p:nvSpPr>
-            <p:cNvPr id="43" name="四角形: 1 つの角を切り取る 42">
-              <a:extLst>
-                <a:ext uri="{FF2B5EF4-FFF2-40B4-BE49-F238E27FC236}">
-                  <a16:creationId xmlns:a16="http://schemas.microsoft.com/office/drawing/2014/main" id="{F1606539-D918-41C2-BA84-8686B507C085}"/>
-                </a:ext>
-              </a:extLst>
-            </p:cNvPr>
-            <p:cNvSpPr/>
-            <p:nvPr/>
-          </p:nvSpPr>
-          <p:spPr>
-            <a:xfrm>
-              <a:off x="6012160" y="548680"/>
-              <a:ext cx="2160240" cy="3240360"/>
-            </a:xfrm>
-            <a:prstGeom prst="snip1Rect">
-              <a:avLst>
-                <a:gd name="adj" fmla="val 25926"/>
-              </a:avLst>
-            </a:prstGeom>
-            <a:solidFill>
-              <a:schemeClr val="accent5">
-                <a:lumMod val="20000"/>
-                <a:lumOff val="80000"/>
-              </a:schemeClr>
-            </a:solidFill>
-            <a:ln>
-              <a:solidFill>
-                <a:schemeClr val="tx1"/>
-              </a:solidFill>
-            </a:ln>
-          </p:spPr>
-          <p:style>
-            <a:lnRef idx="2">
-              <a:schemeClr val="accent1">
-                <a:shade val="50000"/>
-              </a:schemeClr>
-            </a:lnRef>
-            <a:fillRef idx="1">
-              <a:schemeClr val="accent1"/>
-            </a:fillRef>
-            <a:effectRef idx="0">
-              <a:schemeClr val="accent1"/>
-            </a:effectRef>
-            <a:fontRef idx="minor">
-              <a:schemeClr val="lt1"/>
-            </a:fontRef>
-          </p:style>
-          <p:txBody>
-            <a:bodyPr rtlCol="0" anchor="ctr"/>
-            <a:lstStyle/>
-            <a:p>
-              <a:pPr algn="ctr"/>
-              <a:endParaRPr kumimoji="1" lang="en-US"/>
-            </a:p>
-          </p:txBody>
-        </p:sp>
-        <p:sp>
-          <p:nvSpPr>
-            <p:cNvPr id="44" name="二等辺三角形 43">
-              <a:extLst>
-                <a:ext uri="{FF2B5EF4-FFF2-40B4-BE49-F238E27FC236}">
-                  <a16:creationId xmlns:a16="http://schemas.microsoft.com/office/drawing/2014/main" id="{2CAC5A01-BD34-4201-B0D7-B092C6651D49}"/>
-                </a:ext>
-              </a:extLst>
-            </p:cNvPr>
-            <p:cNvSpPr/>
-            <p:nvPr/>
-          </p:nvSpPr>
-          <p:spPr>
-            <a:xfrm>
-              <a:off x="7596336" y="533182"/>
-              <a:ext cx="576064" cy="576064"/>
-            </a:xfrm>
-            <a:prstGeom prst="triangle">
-              <a:avLst>
-                <a:gd name="adj" fmla="val 0"/>
-              </a:avLst>
-            </a:prstGeom>
-            <a:solidFill>
-              <a:schemeClr val="bg1"/>
-            </a:solidFill>
-            <a:ln>
-              <a:solidFill>
-                <a:schemeClr val="tx1"/>
-              </a:solidFill>
-            </a:ln>
-          </p:spPr>
-          <p:style>
-            <a:lnRef idx="2">
-              <a:schemeClr val="accent1">
-                <a:shade val="50000"/>
-              </a:schemeClr>
-            </a:lnRef>
-            <a:fillRef idx="1">
-              <a:schemeClr val="accent1"/>
-            </a:fillRef>
-            <a:effectRef idx="0">
-              <a:schemeClr val="accent1"/>
-            </a:effectRef>
-            <a:fontRef idx="minor">
-              <a:schemeClr val="lt1"/>
-            </a:fontRef>
-          </p:style>
-          <p:txBody>
-            <a:bodyPr rtlCol="0" anchor="ctr"/>
-            <a:lstStyle/>
-            <a:p>
-              <a:pPr algn="ctr"/>
-              <a:endParaRPr kumimoji="1" lang="ja-JP" altLang="en-US"/>
-            </a:p>
-          </p:txBody>
-        </p:sp>
-      </p:grpSp>
-      <p:sp>
-        <p:nvSpPr>
-          <p:cNvPr id="45" name="四角形: 1 つの角を切り取り 1 つの角を丸める 44">
-            <a:extLst>
-              <a:ext uri="{FF2B5EF4-FFF2-40B4-BE49-F238E27FC236}">
-                <a16:creationId xmlns:a16="http://schemas.microsoft.com/office/drawing/2014/main" id="{069D4EC7-EE72-4565-A61E-AA9ECBBF8558}"/>
-              </a:ext>
-            </a:extLst>
-          </p:cNvPr>
-          <p:cNvSpPr/>
-          <p:nvPr/>
-        </p:nvSpPr>
-        <p:spPr>
-          <a:xfrm>
-            <a:off x="1187624" y="3212976"/>
+            <a:off x="1659786" y="3750295"/>
             <a:ext cx="1152128" cy="338336"/>
           </a:xfrm>
           <a:prstGeom prst="snipRoundRect">
@@ -9514,10 +8589,10 @@
       </p:sp>
       <p:sp>
         <p:nvSpPr>
-          <p:cNvPr id="46" name="正方形/長方形 45">
-            <a:extLst>
-              <a:ext uri="{FF2B5EF4-FFF2-40B4-BE49-F238E27FC236}">
-                <a16:creationId xmlns:a16="http://schemas.microsoft.com/office/drawing/2014/main" id="{C0A58EE7-A11B-4A4C-8F41-918484B8A9A1}"/>
+          <p:cNvPr id="7" name="正方形/長方形 6">
+            <a:extLst>
+              <a:ext uri="{FF2B5EF4-FFF2-40B4-BE49-F238E27FC236}">
+                <a16:creationId xmlns:a16="http://schemas.microsoft.com/office/drawing/2014/main" id="{956FCCDE-C3F7-4B43-B6A2-BD892DEB3359}"/>
               </a:ext>
             </a:extLst>
           </p:cNvPr>
@@ -9526,7 +8601,7 @@
         </p:nvSpPr>
         <p:spPr>
           <a:xfrm>
-            <a:off x="1292895" y="2459633"/>
+            <a:off x="1765057" y="2996952"/>
             <a:ext cx="936104" cy="360040"/>
           </a:xfrm>
           <a:prstGeom prst="rect">
@@ -9582,860 +8657,6 @@
       </p:sp>
       <p:cxnSp>
         <p:nvCxnSpPr>
-          <p:cNvPr id="47" name="直線矢印コネクタ 46">
-            <a:extLst>
-              <a:ext uri="{FF2B5EF4-FFF2-40B4-BE49-F238E27FC236}">
-                <a16:creationId xmlns:a16="http://schemas.microsoft.com/office/drawing/2014/main" id="{6DEE033D-12D9-405D-9C2A-713B730EDC8B}"/>
-              </a:ext>
-            </a:extLst>
-          </p:cNvPr>
-          <p:cNvCxnSpPr>
-            <a:cxnSpLocks/>
-            <a:stCxn id="46" idx="2"/>
-            <a:endCxn id="45" idx="3"/>
-          </p:cNvCxnSpPr>
-          <p:nvPr/>
-        </p:nvCxnSpPr>
-        <p:spPr>
-          <a:xfrm>
-            <a:off x="1760947" y="2819673"/>
-            <a:ext cx="2741" cy="393303"/>
-          </a:xfrm>
-          <a:prstGeom prst="straightConnector1">
-            <a:avLst/>
-          </a:prstGeom>
-          <a:ln>
-            <a:solidFill>
-              <a:schemeClr val="tx1"/>
-            </a:solidFill>
-            <a:headEnd type="none" w="med" len="med"/>
-            <a:tailEnd type="triangle"/>
-          </a:ln>
-        </p:spPr>
-        <p:style>
-          <a:lnRef idx="1">
-            <a:schemeClr val="accent1"/>
-          </a:lnRef>
-          <a:fillRef idx="0">
-            <a:schemeClr val="accent1"/>
-          </a:fillRef>
-          <a:effectRef idx="0">
-            <a:schemeClr val="accent1"/>
-          </a:effectRef>
-          <a:fontRef idx="minor">
-            <a:schemeClr val="tx1"/>
-          </a:fontRef>
-        </p:style>
-      </p:cxnSp>
-      <p:cxnSp>
-        <p:nvCxnSpPr>
-          <p:cNvPr id="53" name="コネクタ: カギ線 52">
-            <a:extLst>
-              <a:ext uri="{FF2B5EF4-FFF2-40B4-BE49-F238E27FC236}">
-                <a16:creationId xmlns:a16="http://schemas.microsoft.com/office/drawing/2014/main" id="{A6CDC189-A698-4B74-9677-3FCFBB516738}"/>
-              </a:ext>
-            </a:extLst>
-          </p:cNvPr>
-          <p:cNvCxnSpPr>
-            <a:stCxn id="14" idx="4"/>
-            <a:endCxn id="15" idx="0"/>
-          </p:cNvCxnSpPr>
-          <p:nvPr/>
-        </p:nvCxnSpPr>
-        <p:spPr>
-          <a:xfrm rot="5400000">
-            <a:off x="2771800" y="2492896"/>
-            <a:ext cx="1008112" cy="1440160"/>
-          </a:xfrm>
-          <a:prstGeom prst="bentConnector3">
-            <a:avLst/>
-          </a:prstGeom>
-          <a:ln>
-            <a:solidFill>
-              <a:schemeClr val="tx1"/>
-            </a:solidFill>
-            <a:headEnd type="none" w="med" len="med"/>
-            <a:tailEnd type="none" w="med" len="med"/>
-          </a:ln>
-        </p:spPr>
-        <p:style>
-          <a:lnRef idx="1">
-            <a:schemeClr val="accent1"/>
-          </a:lnRef>
-          <a:fillRef idx="0">
-            <a:schemeClr val="accent1"/>
-          </a:fillRef>
-          <a:effectRef idx="0">
-            <a:schemeClr val="accent1"/>
-          </a:effectRef>
-          <a:fontRef idx="minor">
-            <a:schemeClr val="tx1"/>
-          </a:fontRef>
-        </p:style>
-      </p:cxnSp>
-      <p:cxnSp>
-        <p:nvCxnSpPr>
-          <p:cNvPr id="55" name="コネクタ: カギ線 54">
-            <a:extLst>
-              <a:ext uri="{FF2B5EF4-FFF2-40B4-BE49-F238E27FC236}">
-                <a16:creationId xmlns:a16="http://schemas.microsoft.com/office/drawing/2014/main" id="{42DD9AA1-9FAD-495C-96D5-EB9478646F0C}"/>
-              </a:ext>
-            </a:extLst>
-          </p:cNvPr>
-          <p:cNvCxnSpPr>
-            <a:stCxn id="14" idx="4"/>
-            <a:endCxn id="16" idx="0"/>
-          </p:cNvCxnSpPr>
-          <p:nvPr/>
-        </p:nvCxnSpPr>
-        <p:spPr>
-          <a:xfrm rot="16200000" flipH="1">
-            <a:off x="4211960" y="2492896"/>
-            <a:ext cx="1008112" cy="1440160"/>
-          </a:xfrm>
-          <a:prstGeom prst="bentConnector3">
-            <a:avLst/>
-          </a:prstGeom>
-          <a:ln>
-            <a:solidFill>
-              <a:schemeClr val="tx1"/>
-            </a:solidFill>
-            <a:headEnd type="none" w="med" len="med"/>
-            <a:tailEnd type="none" w="med" len="med"/>
-          </a:ln>
-        </p:spPr>
-        <p:style>
-          <a:lnRef idx="1">
-            <a:schemeClr val="accent1"/>
-          </a:lnRef>
-          <a:fillRef idx="0">
-            <a:schemeClr val="accent1"/>
-          </a:fillRef>
-          <a:effectRef idx="0">
-            <a:schemeClr val="accent1"/>
-          </a:effectRef>
-          <a:fontRef idx="minor">
-            <a:schemeClr val="tx1"/>
-          </a:fontRef>
-        </p:style>
-      </p:cxnSp>
-      <p:cxnSp>
-        <p:nvCxnSpPr>
-          <p:cNvPr id="57" name="コネクタ: カギ線 56">
-            <a:extLst>
-              <a:ext uri="{FF2B5EF4-FFF2-40B4-BE49-F238E27FC236}">
-                <a16:creationId xmlns:a16="http://schemas.microsoft.com/office/drawing/2014/main" id="{33276037-1942-43D1-A612-37151EE58FDD}"/>
-              </a:ext>
-            </a:extLst>
-          </p:cNvPr>
-          <p:cNvCxnSpPr>
-            <a:stCxn id="45" idx="1"/>
-            <a:endCxn id="15" idx="2"/>
-          </p:cNvCxnSpPr>
-          <p:nvPr/>
-        </p:nvCxnSpPr>
-        <p:spPr>
-          <a:xfrm rot="16200000" flipH="1">
-            <a:off x="1860848" y="3454152"/>
-            <a:ext cx="381744" cy="576064"/>
-          </a:xfrm>
-          <a:prstGeom prst="bentConnector2">
-            <a:avLst/>
-          </a:prstGeom>
-          <a:ln>
-            <a:solidFill>
-              <a:schemeClr val="tx1"/>
-            </a:solidFill>
-            <a:headEnd type="none" w="med" len="med"/>
-            <a:tailEnd type="triangle"/>
-          </a:ln>
-        </p:spPr>
-        <p:style>
-          <a:lnRef idx="1">
-            <a:schemeClr val="accent1"/>
-          </a:lnRef>
-          <a:fillRef idx="0">
-            <a:schemeClr val="accent1"/>
-          </a:fillRef>
-          <a:effectRef idx="0">
-            <a:schemeClr val="accent1"/>
-          </a:effectRef>
-          <a:fontRef idx="minor">
-            <a:schemeClr val="tx1"/>
-          </a:fontRef>
-        </p:style>
-      </p:cxnSp>
-      <p:sp>
-        <p:nvSpPr>
-          <p:cNvPr id="59" name="四角形: 1 つの角を切り取り 1 つの角を丸める 58">
-            <a:extLst>
-              <a:ext uri="{FF2B5EF4-FFF2-40B4-BE49-F238E27FC236}">
-                <a16:creationId xmlns:a16="http://schemas.microsoft.com/office/drawing/2014/main" id="{6AEF2E15-8B8F-4DB7-8D65-6714CD45E175}"/>
-              </a:ext>
-            </a:extLst>
-          </p:cNvPr>
-          <p:cNvSpPr/>
-          <p:nvPr/>
-        </p:nvSpPr>
-        <p:spPr>
-          <a:xfrm>
-            <a:off x="5940152" y="3140968"/>
-            <a:ext cx="1152128" cy="338336"/>
-          </a:xfrm>
-          <a:prstGeom prst="snipRoundRect">
-            <a:avLst>
-              <a:gd name="adj1" fmla="val 16667"/>
-              <a:gd name="adj2" fmla="val 35924"/>
-            </a:avLst>
-          </a:prstGeom>
-          <a:solidFill>
-            <a:schemeClr val="accent4">
-              <a:lumMod val="20000"/>
-              <a:lumOff val="80000"/>
-            </a:schemeClr>
-          </a:solidFill>
-          <a:ln>
-            <a:solidFill>
-              <a:schemeClr val="tx1"/>
-            </a:solidFill>
-          </a:ln>
-        </p:spPr>
-        <p:style>
-          <a:lnRef idx="2">
-            <a:schemeClr val="accent1">
-              <a:shade val="50000"/>
-            </a:schemeClr>
-          </a:lnRef>
-          <a:fillRef idx="1">
-            <a:schemeClr val="accent1"/>
-          </a:fillRef>
-          <a:effectRef idx="0">
-            <a:schemeClr val="accent1"/>
-          </a:effectRef>
-          <a:fontRef idx="minor">
-            <a:schemeClr val="lt1"/>
-          </a:fontRef>
-        </p:style>
-        <p:txBody>
-          <a:bodyPr rtlCol="0" anchor="ctr"/>
-          <a:lstStyle/>
-          <a:p>
-            <a:pPr algn="ctr"/>
-            <a:r>
-              <a:rPr kumimoji="1" lang="en-US" altLang="ja-JP" dirty="0">
-                <a:solidFill>
-                  <a:sysClr val="windowText" lastClr="000000"/>
-                </a:solidFill>
-                <a:latin typeface="Consolas" panose="020B0609020204030204" pitchFamily="49" charset="0"/>
-              </a:rPr>
-              <a:t>knock</a:t>
-            </a:r>
-            <a:endParaRPr kumimoji="1" lang="ja-JP" altLang="en-US" dirty="0">
-              <a:solidFill>
-                <a:sysClr val="windowText" lastClr="000000"/>
-              </a:solidFill>
-              <a:latin typeface="Consolas" panose="020B0609020204030204" pitchFamily="49" charset="0"/>
-            </a:endParaRPr>
-          </a:p>
-        </p:txBody>
-      </p:sp>
-      <p:cxnSp>
-        <p:nvCxnSpPr>
-          <p:cNvPr id="60" name="コネクタ: カギ線 59">
-            <a:extLst>
-              <a:ext uri="{FF2B5EF4-FFF2-40B4-BE49-F238E27FC236}">
-                <a16:creationId xmlns:a16="http://schemas.microsoft.com/office/drawing/2014/main" id="{7067F39D-EB21-456D-A6D1-C8496D87D24A}"/>
-              </a:ext>
-            </a:extLst>
-          </p:cNvPr>
-          <p:cNvCxnSpPr>
-            <a:stCxn id="59" idx="1"/>
-            <a:endCxn id="16" idx="6"/>
-          </p:cNvCxnSpPr>
-          <p:nvPr/>
-        </p:nvCxnSpPr>
-        <p:spPr>
-          <a:xfrm rot="5400000">
-            <a:off x="5857292" y="3274132"/>
-            <a:ext cx="453752" cy="864096"/>
-          </a:xfrm>
-          <a:prstGeom prst="bentConnector2">
-            <a:avLst/>
-          </a:prstGeom>
-          <a:ln>
-            <a:solidFill>
-              <a:schemeClr val="tx1"/>
-            </a:solidFill>
-            <a:headEnd type="none" w="med" len="med"/>
-            <a:tailEnd type="triangle"/>
-          </a:ln>
-        </p:spPr>
-        <p:style>
-          <a:lnRef idx="1">
-            <a:schemeClr val="accent1"/>
-          </a:lnRef>
-          <a:fillRef idx="0">
-            <a:schemeClr val="accent1"/>
-          </a:fillRef>
-          <a:effectRef idx="0">
-            <a:schemeClr val="accent1"/>
-          </a:effectRef>
-          <a:fontRef idx="minor">
-            <a:schemeClr val="tx1"/>
-          </a:fontRef>
-        </p:style>
-      </p:cxnSp>
-      <p:sp>
-        <p:nvSpPr>
-          <p:cNvPr id="61" name="矢印: 左右 60">
-            <a:extLst>
-              <a:ext uri="{FF2B5EF4-FFF2-40B4-BE49-F238E27FC236}">
-                <a16:creationId xmlns:a16="http://schemas.microsoft.com/office/drawing/2014/main" id="{61E9DD67-3356-4748-BC93-ACB019C169E3}"/>
-              </a:ext>
-            </a:extLst>
-          </p:cNvPr>
-          <p:cNvSpPr/>
-          <p:nvPr/>
-        </p:nvSpPr>
-        <p:spPr>
-          <a:xfrm>
-            <a:off x="3131840" y="3789040"/>
-            <a:ext cx="1800200" cy="288032"/>
-          </a:xfrm>
-          <a:prstGeom prst="leftRightArrow">
-            <a:avLst/>
-          </a:prstGeom>
-          <a:solidFill>
-            <a:srgbClr val="FF0000"/>
-          </a:solidFill>
-          <a:ln>
-            <a:solidFill>
-              <a:schemeClr val="tx1"/>
-            </a:solidFill>
-          </a:ln>
-        </p:spPr>
-        <p:style>
-          <a:lnRef idx="2">
-            <a:schemeClr val="accent1">
-              <a:shade val="50000"/>
-            </a:schemeClr>
-          </a:lnRef>
-          <a:fillRef idx="1">
-            <a:schemeClr val="accent1"/>
-          </a:fillRef>
-          <a:effectRef idx="0">
-            <a:schemeClr val="accent1"/>
-          </a:effectRef>
-          <a:fontRef idx="minor">
-            <a:schemeClr val="lt1"/>
-          </a:fontRef>
-        </p:style>
-        <p:txBody>
-          <a:bodyPr rtlCol="0" anchor="ctr"/>
-          <a:lstStyle/>
-          <a:p>
-            <a:pPr algn="ctr"/>
-            <a:endParaRPr kumimoji="1" lang="ja-JP" altLang="en-US"/>
-          </a:p>
-        </p:txBody>
-      </p:sp>
-      <p:sp>
-        <p:nvSpPr>
-          <p:cNvPr id="63" name="テキスト ボックス 62">
-            <a:extLst>
-              <a:ext uri="{FF2B5EF4-FFF2-40B4-BE49-F238E27FC236}">
-                <a16:creationId xmlns:a16="http://schemas.microsoft.com/office/drawing/2014/main" id="{BBE5E832-1AFE-48D2-8EF9-14FDB4948009}"/>
-              </a:ext>
-            </a:extLst>
-          </p:cNvPr>
-          <p:cNvSpPr txBox="1"/>
-          <p:nvPr/>
-        </p:nvSpPr>
-        <p:spPr>
-          <a:xfrm>
-            <a:off x="755576" y="1628800"/>
-            <a:ext cx="1957587" cy="369332"/>
-          </a:xfrm>
-          <a:prstGeom prst="rect">
-            <a:avLst/>
-          </a:prstGeom>
-          <a:noFill/>
-          <a:ln>
-            <a:solidFill>
-              <a:schemeClr val="tx1"/>
-            </a:solidFill>
-          </a:ln>
-        </p:spPr>
-        <p:txBody>
-          <a:bodyPr wrap="none" rtlCol="0">
-            <a:spAutoFit/>
-          </a:bodyPr>
-          <a:lstStyle/>
-          <a:p>
-            <a:r>
-              <a:rPr lang="en-US" altLang="ja-JP" dirty="0">
-                <a:latin typeface="Consolas" panose="020B0609020204030204" pitchFamily="49" charset="0"/>
-              </a:rPr>
-              <a:t>git diff knock</a:t>
-            </a:r>
-            <a:endParaRPr kumimoji="1" lang="ja-JP" altLang="en-US" dirty="0">
-              <a:latin typeface="Consolas" panose="020B0609020204030204" pitchFamily="49" charset="0"/>
-            </a:endParaRPr>
-          </a:p>
-        </p:txBody>
-      </p:sp>
-      <p:sp>
-        <p:nvSpPr>
-          <p:cNvPr id="62" name="テキスト ボックス 61">
-            <a:extLst>
-              <a:ext uri="{FF2B5EF4-FFF2-40B4-BE49-F238E27FC236}">
-                <a16:creationId xmlns:a16="http://schemas.microsoft.com/office/drawing/2014/main" id="{13494A56-7FDC-4BD8-94ED-ABF359B03E78}"/>
-              </a:ext>
-            </a:extLst>
-          </p:cNvPr>
-          <p:cNvSpPr txBox="1"/>
-          <p:nvPr/>
-        </p:nvSpPr>
-        <p:spPr>
-          <a:xfrm>
-            <a:off x="2843808" y="5949280"/>
-            <a:ext cx="1034257" cy="276999"/>
-          </a:xfrm>
-          <a:prstGeom prst="rect">
-            <a:avLst/>
-          </a:prstGeom>
-          <a:noFill/>
-        </p:spPr>
-        <p:txBody>
-          <a:bodyPr wrap="none" rtlCol="0">
-            <a:spAutoFit/>
-          </a:bodyPr>
-          <a:lstStyle/>
-          <a:p>
-            <a:r>
-              <a:rPr kumimoji="1" lang="en-US" altLang="ja-JP" sz="1200" dirty="0">
-                <a:latin typeface="Consolas" panose="020B0609020204030204" pitchFamily="49" charset="0"/>
-              </a:rPr>
-              <a:t>poetry.txt</a:t>
-            </a:r>
-            <a:endParaRPr kumimoji="1" lang="ja-JP" altLang="en-US" sz="1200" dirty="0">
-              <a:latin typeface="Consolas" panose="020B0609020204030204" pitchFamily="49" charset="0"/>
-            </a:endParaRPr>
-          </a:p>
-        </p:txBody>
-      </p:sp>
-      <p:sp>
-        <p:nvSpPr>
-          <p:cNvPr id="65" name="テキスト ボックス 64">
-            <a:extLst>
-              <a:ext uri="{FF2B5EF4-FFF2-40B4-BE49-F238E27FC236}">
-                <a16:creationId xmlns:a16="http://schemas.microsoft.com/office/drawing/2014/main" id="{3BA00FC9-20A9-4ECA-95C8-EC2A95EE6E3C}"/>
-              </a:ext>
-            </a:extLst>
-          </p:cNvPr>
-          <p:cNvSpPr txBox="1"/>
-          <p:nvPr/>
-        </p:nvSpPr>
-        <p:spPr>
-          <a:xfrm>
-            <a:off x="6588224" y="5949280"/>
-            <a:ext cx="1034257" cy="276999"/>
-          </a:xfrm>
-          <a:prstGeom prst="rect">
-            <a:avLst/>
-          </a:prstGeom>
-          <a:noFill/>
-        </p:spPr>
-        <p:txBody>
-          <a:bodyPr wrap="none" rtlCol="0">
-            <a:spAutoFit/>
-          </a:bodyPr>
-          <a:lstStyle/>
-          <a:p>
-            <a:r>
-              <a:rPr kumimoji="1" lang="en-US" altLang="ja-JP" sz="1200" dirty="0">
-                <a:latin typeface="Consolas" panose="020B0609020204030204" pitchFamily="49" charset="0"/>
-              </a:rPr>
-              <a:t>poetry.txt</a:t>
-            </a:r>
-            <a:endParaRPr kumimoji="1" lang="ja-JP" altLang="en-US" sz="1200" dirty="0">
-              <a:latin typeface="Consolas" panose="020B0609020204030204" pitchFamily="49" charset="0"/>
-            </a:endParaRPr>
-          </a:p>
-        </p:txBody>
-      </p:sp>
-    </p:spTree>
-    <p:extLst>
-      <p:ext uri="{BB962C8B-B14F-4D97-AF65-F5344CB8AC3E}">
-        <p14:creationId xmlns:p14="http://schemas.microsoft.com/office/powerpoint/2010/main" val="191037591"/>
-      </p:ext>
-    </p:extLst>
-  </p:cSld>
-  <p:clrMapOvr>
-    <a:masterClrMapping/>
-  </p:clrMapOvr>
-</p:sld>
-</file>
-
-<file path=ppt/slides/slide18.xml><?xml version="1.0" encoding="utf-8"?>
-<p:sld xmlns:a="http://schemas.openxmlformats.org/drawingml/2006/main" xmlns:r="http://schemas.openxmlformats.org/officeDocument/2006/relationships" xmlns:p="http://schemas.openxmlformats.org/presentationml/2006/main">
-  <p:cSld>
-    <p:spTree>
-      <p:nvGrpSpPr>
-        <p:cNvPr id="1" name=""/>
-        <p:cNvGrpSpPr/>
-        <p:nvPr/>
-      </p:nvGrpSpPr>
-      <p:grpSpPr>
-        <a:xfrm>
-          <a:off x="0" y="0"/>
-          <a:ext cx="0" cy="0"/>
-          <a:chOff x="0" y="0"/>
-          <a:chExt cx="0" cy="0"/>
-        </a:xfrm>
-      </p:grpSpPr>
-      <p:sp>
-        <p:nvSpPr>
-          <p:cNvPr id="2" name="テキスト プレースホルダー 1">
-            <a:extLst>
-              <a:ext uri="{FF2B5EF4-FFF2-40B4-BE49-F238E27FC236}">
-                <a16:creationId xmlns:a16="http://schemas.microsoft.com/office/drawing/2014/main" id="{635B7E9F-B529-4398-A4D3-B0427B25DF91}"/>
-              </a:ext>
-            </a:extLst>
-          </p:cNvPr>
-          <p:cNvSpPr>
-            <a:spLocks noGrp="1"/>
-          </p:cNvSpPr>
-          <p:nvPr>
-            <p:ph type="body" sz="quarter" idx="10"/>
-          </p:nvPr>
-        </p:nvSpPr>
-        <p:spPr/>
-        <p:txBody>
-          <a:bodyPr/>
-          <a:lstStyle/>
-          <a:p>
-            <a:r>
-              <a:rPr kumimoji="1" lang="ja-JP" altLang="en-US" dirty="0"/>
-              <a:t>課題</a:t>
-            </a:r>
-            <a:r>
-              <a:rPr kumimoji="1" lang="en-US" altLang="ja-JP" dirty="0"/>
-              <a:t> – </a:t>
-            </a:r>
-            <a:r>
-              <a:rPr kumimoji="1" lang="ja-JP" altLang="en-US" dirty="0"/>
-              <a:t>レポート</a:t>
-            </a:r>
-          </a:p>
-        </p:txBody>
-      </p:sp>
-      <p:sp>
-        <p:nvSpPr>
-          <p:cNvPr id="3" name="楕円 2">
-            <a:extLst>
-              <a:ext uri="{FF2B5EF4-FFF2-40B4-BE49-F238E27FC236}">
-                <a16:creationId xmlns:a16="http://schemas.microsoft.com/office/drawing/2014/main" id="{7C5D9373-8361-49BE-B5B2-51BCEC07D208}"/>
-              </a:ext>
-            </a:extLst>
-          </p:cNvPr>
-          <p:cNvSpPr/>
-          <p:nvPr/>
-        </p:nvSpPr>
-        <p:spPr>
-          <a:xfrm>
-            <a:off x="1835696" y="6237312"/>
-            <a:ext cx="432048" cy="432048"/>
-          </a:xfrm>
-          <a:prstGeom prst="ellipse">
-            <a:avLst/>
-          </a:prstGeom>
-          <a:solidFill>
-            <a:srgbClr val="011893"/>
-          </a:solidFill>
-          <a:ln>
-            <a:solidFill>
-              <a:schemeClr val="tx1"/>
-            </a:solidFill>
-          </a:ln>
-        </p:spPr>
-        <p:style>
-          <a:lnRef idx="2">
-            <a:schemeClr val="accent1">
-              <a:shade val="50000"/>
-            </a:schemeClr>
-          </a:lnRef>
-          <a:fillRef idx="1">
-            <a:schemeClr val="accent1"/>
-          </a:fillRef>
-          <a:effectRef idx="0">
-            <a:schemeClr val="accent1"/>
-          </a:effectRef>
-          <a:fontRef idx="minor">
-            <a:schemeClr val="lt1"/>
-          </a:fontRef>
-        </p:style>
-        <p:txBody>
-          <a:bodyPr rtlCol="0" anchor="ctr"/>
-          <a:lstStyle/>
-          <a:p>
-            <a:pPr algn="ctr"/>
-            <a:endParaRPr kumimoji="1" lang="ja-JP" altLang="en-US"/>
-          </a:p>
-        </p:txBody>
-      </p:sp>
-      <p:sp>
-        <p:nvSpPr>
-          <p:cNvPr id="4" name="楕円 3">
-            <a:extLst>
-              <a:ext uri="{FF2B5EF4-FFF2-40B4-BE49-F238E27FC236}">
-                <a16:creationId xmlns:a16="http://schemas.microsoft.com/office/drawing/2014/main" id="{0B6071F1-4AB0-42DE-BCA7-50FAD2853EF5}"/>
-              </a:ext>
-            </a:extLst>
-          </p:cNvPr>
-          <p:cNvSpPr/>
-          <p:nvPr/>
-        </p:nvSpPr>
-        <p:spPr>
-          <a:xfrm>
-            <a:off x="1835696" y="5301208"/>
-            <a:ext cx="432048" cy="432048"/>
-          </a:xfrm>
-          <a:prstGeom prst="ellipse">
-            <a:avLst/>
-          </a:prstGeom>
-          <a:solidFill>
-            <a:srgbClr val="011893"/>
-          </a:solidFill>
-          <a:ln>
-            <a:solidFill>
-              <a:schemeClr val="tx1"/>
-            </a:solidFill>
-          </a:ln>
-        </p:spPr>
-        <p:style>
-          <a:lnRef idx="2">
-            <a:schemeClr val="accent1">
-              <a:shade val="50000"/>
-            </a:schemeClr>
-          </a:lnRef>
-          <a:fillRef idx="1">
-            <a:schemeClr val="accent1"/>
-          </a:fillRef>
-          <a:effectRef idx="0">
-            <a:schemeClr val="accent1"/>
-          </a:effectRef>
-          <a:fontRef idx="minor">
-            <a:schemeClr val="lt1"/>
-          </a:fontRef>
-        </p:style>
-        <p:txBody>
-          <a:bodyPr rtlCol="0" anchor="ctr"/>
-          <a:lstStyle/>
-          <a:p>
-            <a:pPr algn="ctr"/>
-            <a:endParaRPr kumimoji="1" lang="ja-JP" altLang="en-US"/>
-          </a:p>
-        </p:txBody>
-      </p:sp>
-      <p:sp>
-        <p:nvSpPr>
-          <p:cNvPr id="5" name="楕円 4">
-            <a:extLst>
-              <a:ext uri="{FF2B5EF4-FFF2-40B4-BE49-F238E27FC236}">
-                <a16:creationId xmlns:a16="http://schemas.microsoft.com/office/drawing/2014/main" id="{2585A58C-04FE-4C3D-8552-5F36B5E21491}"/>
-              </a:ext>
-            </a:extLst>
-          </p:cNvPr>
-          <p:cNvSpPr/>
-          <p:nvPr/>
-        </p:nvSpPr>
-        <p:spPr>
-          <a:xfrm>
-            <a:off x="1835696" y="4365104"/>
-            <a:ext cx="432048" cy="432048"/>
-          </a:xfrm>
-          <a:prstGeom prst="ellipse">
-            <a:avLst/>
-          </a:prstGeom>
-          <a:solidFill>
-            <a:srgbClr val="011893"/>
-          </a:solidFill>
-          <a:ln>
-            <a:solidFill>
-              <a:schemeClr val="tx1"/>
-            </a:solidFill>
-          </a:ln>
-        </p:spPr>
-        <p:style>
-          <a:lnRef idx="2">
-            <a:schemeClr val="accent1">
-              <a:shade val="50000"/>
-            </a:schemeClr>
-          </a:lnRef>
-          <a:fillRef idx="1">
-            <a:schemeClr val="accent1"/>
-          </a:fillRef>
-          <a:effectRef idx="0">
-            <a:schemeClr val="accent1"/>
-          </a:effectRef>
-          <a:fontRef idx="minor">
-            <a:schemeClr val="lt1"/>
-          </a:fontRef>
-        </p:style>
-        <p:txBody>
-          <a:bodyPr rtlCol="0" anchor="ctr"/>
-          <a:lstStyle/>
-          <a:p>
-            <a:pPr algn="ctr"/>
-            <a:endParaRPr kumimoji="1" lang="ja-JP" altLang="en-US"/>
-          </a:p>
-        </p:txBody>
-      </p:sp>
-      <p:sp>
-        <p:nvSpPr>
-          <p:cNvPr id="6" name="四角形: 1 つの角を切り取り 1 つの角を丸める 5">
-            <a:extLst>
-              <a:ext uri="{FF2B5EF4-FFF2-40B4-BE49-F238E27FC236}">
-                <a16:creationId xmlns:a16="http://schemas.microsoft.com/office/drawing/2014/main" id="{966F24A4-1A27-408D-9382-95E725968327}"/>
-              </a:ext>
-            </a:extLst>
-          </p:cNvPr>
-          <p:cNvSpPr/>
-          <p:nvPr/>
-        </p:nvSpPr>
-        <p:spPr>
-          <a:xfrm>
-            <a:off x="179512" y="3933056"/>
-            <a:ext cx="1152128" cy="338336"/>
-          </a:xfrm>
-          <a:prstGeom prst="snipRoundRect">
-            <a:avLst>
-              <a:gd name="adj1" fmla="val 16667"/>
-              <a:gd name="adj2" fmla="val 35924"/>
-            </a:avLst>
-          </a:prstGeom>
-          <a:solidFill>
-            <a:schemeClr val="accent6">
-              <a:lumMod val="20000"/>
-              <a:lumOff val="80000"/>
-            </a:schemeClr>
-          </a:solidFill>
-          <a:ln>
-            <a:solidFill>
-              <a:schemeClr val="tx1"/>
-            </a:solidFill>
-          </a:ln>
-        </p:spPr>
-        <p:style>
-          <a:lnRef idx="2">
-            <a:schemeClr val="accent1">
-              <a:shade val="50000"/>
-            </a:schemeClr>
-          </a:lnRef>
-          <a:fillRef idx="1">
-            <a:schemeClr val="accent1"/>
-          </a:fillRef>
-          <a:effectRef idx="0">
-            <a:schemeClr val="accent1"/>
-          </a:effectRef>
-          <a:fontRef idx="minor">
-            <a:schemeClr val="lt1"/>
-          </a:fontRef>
-        </p:style>
-        <p:txBody>
-          <a:bodyPr rtlCol="0" anchor="ctr"/>
-          <a:lstStyle/>
-          <a:p>
-            <a:pPr algn="ctr"/>
-            <a:r>
-              <a:rPr kumimoji="1" lang="en-US" altLang="ja-JP" dirty="0">
-                <a:solidFill>
-                  <a:sysClr val="windowText" lastClr="000000"/>
-                </a:solidFill>
-                <a:latin typeface="Consolas" panose="020B0609020204030204" pitchFamily="49" charset="0"/>
-              </a:rPr>
-              <a:t>main</a:t>
-            </a:r>
-            <a:endParaRPr kumimoji="1" lang="ja-JP" altLang="en-US" dirty="0">
-              <a:solidFill>
-                <a:sysClr val="windowText" lastClr="000000"/>
-              </a:solidFill>
-              <a:latin typeface="Consolas" panose="020B0609020204030204" pitchFamily="49" charset="0"/>
-            </a:endParaRPr>
-          </a:p>
-        </p:txBody>
-      </p:sp>
-      <p:sp>
-        <p:nvSpPr>
-          <p:cNvPr id="7" name="正方形/長方形 6">
-            <a:extLst>
-              <a:ext uri="{FF2B5EF4-FFF2-40B4-BE49-F238E27FC236}">
-                <a16:creationId xmlns:a16="http://schemas.microsoft.com/office/drawing/2014/main" id="{956FCCDE-C3F7-4B43-B6A2-BD892DEB3359}"/>
-              </a:ext>
-            </a:extLst>
-          </p:cNvPr>
-          <p:cNvSpPr/>
-          <p:nvPr/>
-        </p:nvSpPr>
-        <p:spPr>
-          <a:xfrm>
-            <a:off x="284783" y="3179713"/>
-            <a:ext cx="936104" cy="360040"/>
-          </a:xfrm>
-          <a:prstGeom prst="rect">
-            <a:avLst/>
-          </a:prstGeom>
-          <a:solidFill>
-            <a:schemeClr val="bg1"/>
-          </a:solidFill>
-          <a:ln>
-            <a:solidFill>
-              <a:schemeClr val="tx1"/>
-            </a:solidFill>
-          </a:ln>
-        </p:spPr>
-        <p:style>
-          <a:lnRef idx="2">
-            <a:schemeClr val="accent1">
-              <a:shade val="50000"/>
-            </a:schemeClr>
-          </a:lnRef>
-          <a:fillRef idx="1">
-            <a:schemeClr val="accent1"/>
-          </a:fillRef>
-          <a:effectRef idx="0">
-            <a:schemeClr val="accent1"/>
-          </a:effectRef>
-          <a:fontRef idx="minor">
-            <a:schemeClr val="lt1"/>
-          </a:fontRef>
-        </p:style>
-        <p:txBody>
-          <a:bodyPr rtlCol="0" anchor="ctr"/>
-          <a:lstStyle/>
-          <a:p>
-            <a:pPr algn="ctr"/>
-            <a:r>
-              <a:rPr kumimoji="1" lang="en-US" altLang="ja-JP" dirty="0">
-                <a:solidFill>
-                  <a:schemeClr val="tx1"/>
-                </a:solidFill>
-                <a:latin typeface="Consolas" panose="020B0609020204030204" pitchFamily="49" charset="0"/>
-              </a:rPr>
-              <a:t>HEAD</a:t>
-            </a:r>
-            <a:endParaRPr kumimoji="1" lang="ja-JP" altLang="en-US" dirty="0">
-              <a:solidFill>
-                <a:schemeClr val="tx1"/>
-              </a:solidFill>
-              <a:latin typeface="Consolas" panose="020B0609020204030204" pitchFamily="49" charset="0"/>
-            </a:endParaRPr>
-          </a:p>
-        </p:txBody>
-      </p:sp>
-      <p:cxnSp>
-        <p:nvCxnSpPr>
           <p:cNvPr id="8" name="直線矢印コネクタ 7">
             <a:extLst>
               <a:ext uri="{FF2B5EF4-FFF2-40B4-BE49-F238E27FC236}">
@@ -10452,7 +8673,7 @@
         </p:nvCxnSpPr>
         <p:spPr>
           <a:xfrm>
-            <a:off x="752835" y="3539753"/>
+            <a:off x="2233109" y="3356992"/>
             <a:ext cx="2741" cy="393303"/>
           </a:xfrm>
           <a:prstGeom prst="straightConnector1">
@@ -10499,7 +8720,7 @@
         </p:nvCxnSpPr>
         <p:spPr>
           <a:xfrm flipV="1">
-            <a:off x="1331640" y="3645024"/>
+            <a:off x="2811914" y="3462263"/>
             <a:ext cx="504056" cy="457200"/>
           </a:xfrm>
           <a:prstGeom prst="bentConnector3">
@@ -10548,7 +8769,7 @@
         </p:nvCxnSpPr>
         <p:spPr>
           <a:xfrm>
-            <a:off x="2051720" y="4797152"/>
+            <a:off x="3531994" y="4614391"/>
             <a:ext cx="0" cy="504056"/>
           </a:xfrm>
           <a:prstGeom prst="line">
@@ -10595,7 +8816,7 @@
         </p:nvCxnSpPr>
         <p:spPr>
           <a:xfrm>
-            <a:off x="2051720" y="5733256"/>
+            <a:off x="3531994" y="5550495"/>
             <a:ext cx="0" cy="504056"/>
           </a:xfrm>
           <a:prstGeom prst="line">
@@ -10638,8 +8859,8 @@
         </p:nvSpPr>
         <p:spPr>
           <a:xfrm>
-            <a:off x="2411760" y="6300028"/>
-            <a:ext cx="1518364" cy="369332"/>
+            <a:off x="3892034" y="6117267"/>
+            <a:ext cx="1957587" cy="369332"/>
           </a:xfrm>
           <a:prstGeom prst="rect">
             <a:avLst/>
@@ -10653,10 +8874,14 @@
           <a:lstStyle/>
           <a:p>
             <a:r>
-              <a:rPr kumimoji="1" lang="en-US" altLang="ja-JP" dirty="0"/>
+              <a:rPr kumimoji="1" lang="en-US" altLang="ja-JP" dirty="0">
+                <a:latin typeface="Consolas" panose="020B0609020204030204" pitchFamily="49" charset="0"/>
+              </a:rPr>
               <a:t>initial commit</a:t>
             </a:r>
-            <a:endParaRPr kumimoji="1" lang="ja-JP" altLang="en-US" dirty="0"/>
+            <a:endParaRPr kumimoji="1" lang="ja-JP" altLang="en-US" dirty="0">
+              <a:latin typeface="Consolas" panose="020B0609020204030204" pitchFamily="49" charset="0"/>
+            </a:endParaRPr>
           </a:p>
         </p:txBody>
       </p:sp>
@@ -10674,8 +8899,8 @@
         </p:nvSpPr>
         <p:spPr>
           <a:xfrm>
-            <a:off x="2411760" y="5301208"/>
-            <a:ext cx="1595309" cy="369332"/>
+            <a:off x="3892034" y="5118447"/>
+            <a:ext cx="1830950" cy="369332"/>
           </a:xfrm>
           <a:prstGeom prst="rect">
             <a:avLst/>
@@ -10689,10 +8914,14 @@
           <a:lstStyle/>
           <a:p>
             <a:r>
-              <a:rPr kumimoji="1" lang="en-US" altLang="ja-JP" dirty="0"/>
+              <a:rPr kumimoji="1" lang="en-US" altLang="ja-JP" dirty="0">
+                <a:latin typeface="Consolas" panose="020B0609020204030204" pitchFamily="49" charset="0"/>
+              </a:rPr>
               <a:t>adds new line</a:t>
             </a:r>
-            <a:endParaRPr kumimoji="1" lang="ja-JP" altLang="en-US" dirty="0"/>
+            <a:endParaRPr kumimoji="1" lang="ja-JP" altLang="en-US" dirty="0">
+              <a:latin typeface="Consolas" panose="020B0609020204030204" pitchFamily="49" charset="0"/>
+            </a:endParaRPr>
           </a:p>
         </p:txBody>
       </p:sp>
@@ -10710,7 +8939,7 @@
         </p:nvSpPr>
         <p:spPr>
           <a:xfrm>
-            <a:off x="2411760" y="4365104"/>
+            <a:off x="3892034" y="4182343"/>
             <a:ext cx="2480166" cy="369332"/>
           </a:xfrm>
           <a:prstGeom prst="rect">
@@ -10725,10 +8954,14 @@
           <a:lstStyle/>
           <a:p>
             <a:r>
-              <a:rPr kumimoji="1" lang="en-US" altLang="ja-JP" dirty="0"/>
+              <a:rPr kumimoji="1" lang="en-US" altLang="ja-JP" dirty="0">
+                <a:latin typeface="Consolas" panose="020B0609020204030204" pitchFamily="49" charset="0"/>
+              </a:rPr>
               <a:t>modifies README.md</a:t>
             </a:r>
-            <a:endParaRPr kumimoji="1" lang="ja-JP" altLang="en-US" dirty="0"/>
+            <a:endParaRPr kumimoji="1" lang="ja-JP" altLang="en-US" dirty="0">
+              <a:latin typeface="Consolas" panose="020B0609020204030204" pitchFamily="49" charset="0"/>
+            </a:endParaRPr>
           </a:p>
         </p:txBody>
       </p:sp>
@@ -10746,7 +8979,7 @@
         </p:nvSpPr>
         <p:spPr>
           <a:xfrm>
-            <a:off x="1835696" y="3429000"/>
+            <a:off x="3315970" y="3246239"/>
             <a:ext cx="432048" cy="432048"/>
           </a:xfrm>
           <a:prstGeom prst="ellipse">
@@ -10803,7 +9036,7 @@
         </p:nvCxnSpPr>
         <p:spPr>
           <a:xfrm>
-            <a:off x="2051720" y="3861048"/>
+            <a:off x="3531994" y="3678287"/>
             <a:ext cx="0" cy="504056"/>
           </a:xfrm>
           <a:prstGeom prst="line">
@@ -10846,8 +9079,8 @@
         </p:nvSpPr>
         <p:spPr>
           <a:xfrm>
-            <a:off x="2482458" y="3501008"/>
-            <a:ext cx="2377574" cy="369332"/>
+            <a:off x="3892034" y="3318247"/>
+            <a:ext cx="2464136" cy="369332"/>
           </a:xfrm>
           <a:prstGeom prst="rect">
             <a:avLst/>
@@ -10861,14 +9094,20 @@
           <a:lstStyle/>
           <a:p>
             <a:r>
-              <a:rPr kumimoji="1" lang="en-US" altLang="ja-JP" dirty="0"/>
+              <a:rPr kumimoji="1" lang="en-US" altLang="ja-JP" dirty="0">
+                <a:latin typeface="Consolas" panose="020B0609020204030204" pitchFamily="49" charset="0"/>
+              </a:rPr>
               <a:t>commit from </a:t>
             </a:r>
             <a:r>
-              <a:rPr kumimoji="1" lang="en-US" altLang="ja-JP" dirty="0" err="1"/>
+              <a:rPr kumimoji="1" lang="en-US" altLang="ja-JP" dirty="0" err="1">
+                <a:latin typeface="Consolas" panose="020B0609020204030204" pitchFamily="49" charset="0"/>
+              </a:rPr>
               <a:t>VSCode</a:t>
             </a:r>
-            <a:endParaRPr kumimoji="1" lang="ja-JP" altLang="en-US" dirty="0"/>
+            <a:endParaRPr kumimoji="1" lang="ja-JP" altLang="en-US" dirty="0">
+              <a:latin typeface="Consolas" panose="020B0609020204030204" pitchFamily="49" charset="0"/>
+            </a:endParaRPr>
           </a:p>
         </p:txBody>
       </p:sp>
@@ -11794,7 +10033,7 @@
         </p:nvSpPr>
         <p:spPr>
           <a:xfrm>
-            <a:off x="755576" y="2060848"/>
+            <a:off x="539552" y="2060848"/>
             <a:ext cx="1454244" cy="707886"/>
           </a:xfrm>
           <a:prstGeom prst="rect">
@@ -12247,7 +10486,7 @@
         </p:nvSpPr>
         <p:spPr>
           <a:xfrm>
-            <a:off x="755576" y="3789040"/>
+            <a:off x="539552" y="3789040"/>
             <a:ext cx="1595309" cy="707886"/>
           </a:xfrm>
           <a:prstGeom prst="rect">
@@ -14037,7 +12276,12 @@
           <a:prstGeom prst="can">
             <a:avLst/>
           </a:prstGeom>
-          <a:noFill/>
+          <a:solidFill>
+            <a:schemeClr val="accent2">
+              <a:lumMod val="20000"/>
+              <a:lumOff val="80000"/>
+            </a:schemeClr>
+          </a:solidFill>
           <a:ln>
             <a:solidFill>
               <a:schemeClr val="tx1"/>
@@ -15293,12 +13537,16 @@
           <a:lstStyle/>
           <a:p>
             <a:r>
-              <a:rPr kumimoji="1" lang="ja-JP" altLang="en-US" dirty="0"/>
+              <a:rPr kumimoji="1" lang="ja-JP" altLang="en-US"/>
               <a:t>課題</a:t>
             </a:r>
             <a:r>
+              <a:rPr kumimoji="1" lang="en-US" altLang="ja-JP"/>
+              <a:t> </a:t>
+            </a:r>
+            <a:r>
               <a:rPr kumimoji="1" lang="en-US" altLang="ja-JP" dirty="0"/>
-              <a:t>1 – Step 3</a:t>
+              <a:t>– Step 3</a:t>
             </a:r>
             <a:endParaRPr kumimoji="1" lang="ja-JP" altLang="en-US" dirty="0"/>
           </a:p>

--- a/practice_basic/fig/slide.pptx
+++ b/practice_basic/fig/slide.pptx
@@ -223,7 +223,7 @@
           </a:lstStyle>
           <a:p>
             <a:fld id="{6B8D1B20-A248-FB47-8240-73C0C5F47C9D}" type="datetimeFigureOut">
-              <a:t>2021/10/21</a:t>
+              <a:t>2022/9/27</a:t>
             </a:fld>
             <a:endParaRPr kumimoji="1" lang="ja-JP" altLang="en-US"/>
           </a:p>
@@ -746,8 +746,8 @@
           <a:p>
             <a:pPr algn="ctr"/>
             <a:r>
-              <a:rPr kumimoji="1" lang="en-US" altLang="ja-JP" sz="1400"/>
-              <a:t>18</a:t>
+              <a:rPr kumimoji="1" lang="en-US" altLang="ja-JP" sz="1400" dirty="0"/>
+              <a:t>17</a:t>
             </a:r>
             <a:endParaRPr kumimoji="1" lang="ja-JP" altLang="en-US" sz="1400" dirty="0"/>
           </a:p>

--- a/practice_basic/fig/slide.pptx
+++ b/practice_basic/fig/slide.pptx
@@ -14309,7 +14309,7 @@
         <p:spPr>
           <a:xfrm>
             <a:off x="539552" y="2060848"/>
-            <a:ext cx="1454244" cy="707886"/>
+            <a:ext cx="1454244" cy="1015663"/>
           </a:xfrm>
           <a:prstGeom prst="rect">
             <a:avLst/>
@@ -14347,9 +14347,17 @@
               </a:rPr>
               <a:t> git</a:t>
             </a:r>
-            <a:endParaRPr kumimoji="1" lang="ja-JP" altLang="en-US" sz="2000" dirty="0">
+            <a:endParaRPr lang="en-US" altLang="ja-JP" sz="2000" dirty="0">
               <a:latin typeface="Consolas" panose="020B0609020204030204" pitchFamily="49" charset="0"/>
             </a:endParaRPr>
+          </a:p>
+          <a:p>
+            <a:r>
+              <a:rPr kumimoji="1" lang="en-US" altLang="ja-JP" sz="2000" dirty="0">
+                <a:latin typeface="Consolas" panose="020B0609020204030204" pitchFamily="49" charset="0"/>
+              </a:rPr>
+              <a:t>cd git</a:t>
+            </a:r>
           </a:p>
         </p:txBody>
       </p:sp>
@@ -14625,8 +14633,8 @@
         </p:nvSpPr>
         <p:spPr>
           <a:xfrm>
-            <a:off x="755576" y="2852936"/>
-            <a:ext cx="3877985" cy="646331"/>
+            <a:off x="755576" y="3284984"/>
+            <a:ext cx="4121641" cy="646331"/>
           </a:xfrm>
           <a:prstGeom prst="rect">
             <a:avLst/>
@@ -14652,8 +14660,17 @@
             </a:r>
             <a:r>
               <a:rPr kumimoji="1" lang="ja-JP" altLang="en-US" dirty="0"/>
-              <a:t>ディレクトリを作成</a:t>
-            </a:r>
+              <a:t>ディレクトリ</a:t>
+            </a:r>
+            <a:r>
+              <a:rPr kumimoji="1" lang="ja-JP" altLang="en-US"/>
+              <a:t>を作成</a:t>
+            </a:r>
+            <a:r>
+              <a:rPr lang="ja-JP" altLang="en-US"/>
+              <a:t>し、そこへ移動</a:t>
+            </a:r>
+            <a:endParaRPr kumimoji="1" lang="ja-JP" altLang="en-US" dirty="0"/>
           </a:p>
         </p:txBody>
       </p:sp>
@@ -14761,7 +14778,7 @@
         </p:nvSpPr>
         <p:spPr>
           <a:xfrm>
-            <a:off x="539552" y="3789040"/>
+            <a:off x="539552" y="4509120"/>
             <a:ext cx="1595309" cy="707886"/>
           </a:xfrm>
           <a:prstGeom prst="rect">
@@ -14820,7 +14837,7 @@
         </p:nvSpPr>
         <p:spPr>
           <a:xfrm>
-            <a:off x="755576" y="4581128"/>
+            <a:off x="755576" y="5373216"/>
             <a:ext cx="3788217" cy="646331"/>
           </a:xfrm>
           <a:prstGeom prst="rect">
@@ -14886,7 +14903,7 @@
         </p:blipFill>
         <p:spPr bwMode="auto">
           <a:xfrm>
-            <a:off x="4860032" y="4437112"/>
+            <a:off x="4860032" y="5157192"/>
             <a:ext cx="702078" cy="587990"/>
           </a:xfrm>
           <a:prstGeom prst="rect">
@@ -14933,7 +14950,7 @@
         </p:blipFill>
         <p:spPr bwMode="auto">
           <a:xfrm>
-            <a:off x="6084168" y="4437112"/>
+            <a:off x="6084168" y="5157192"/>
             <a:ext cx="702078" cy="587990"/>
           </a:xfrm>
           <a:prstGeom prst="rect">
@@ -14965,7 +14982,7 @@
         </p:nvSpPr>
         <p:spPr>
           <a:xfrm>
-            <a:off x="6231910" y="4869160"/>
+            <a:off x="6231910" y="5589240"/>
             <a:ext cx="428322" cy="369332"/>
           </a:xfrm>
           <a:prstGeom prst="rect">
@@ -15016,7 +15033,7 @@
         </p:blipFill>
         <p:spPr bwMode="auto">
           <a:xfrm>
-            <a:off x="5004048" y="4581128"/>
+            <a:off x="5004048" y="5301208"/>
             <a:ext cx="360040" cy="336637"/>
           </a:xfrm>
           <a:prstGeom prst="rect">
@@ -15051,7 +15068,7 @@
         </p:nvCxnSpPr>
         <p:spPr>
           <a:xfrm>
-            <a:off x="5562110" y="4731107"/>
+            <a:off x="5562110" y="5451187"/>
             <a:ext cx="522058" cy="0"/>
           </a:xfrm>
           <a:prstGeom prst="straightConnector1">
@@ -15109,7 +15126,7 @@
         </p:blipFill>
         <p:spPr bwMode="auto">
           <a:xfrm>
-            <a:off x="7380312" y="4437112"/>
+            <a:off x="7380312" y="5157192"/>
             <a:ext cx="702078" cy="587990"/>
           </a:xfrm>
           <a:prstGeom prst="rect">
@@ -15141,7 +15158,7 @@
         </p:nvSpPr>
         <p:spPr>
           <a:xfrm>
-            <a:off x="7452320" y="4941168"/>
+            <a:off x="7452320" y="5661248"/>
             <a:ext cx="556563" cy="369332"/>
           </a:xfrm>
           <a:prstGeom prst="rect">
@@ -15192,7 +15209,7 @@
         </p:blipFill>
         <p:spPr bwMode="auto">
           <a:xfrm>
-            <a:off x="7524328" y="3789040"/>
+            <a:off x="7524328" y="4509120"/>
             <a:ext cx="385188" cy="536848"/>
           </a:xfrm>
           <a:prstGeom prst="rect">
@@ -15228,7 +15245,7 @@
         </p:nvCxnSpPr>
         <p:spPr>
           <a:xfrm flipH="1">
-            <a:off x="6786246" y="4731107"/>
+            <a:off x="6786246" y="5451187"/>
             <a:ext cx="594066" cy="0"/>
           </a:xfrm>
           <a:prstGeom prst="straightConnector1">

--- a/practice_basic/fig/slide.pptx
+++ b/practice_basic/fig/slide.pptx
@@ -5,7 +5,7 @@
     <p:sldMasterId id="2147483663" r:id="rId1"/>
   </p:sldMasterIdLst>
   <p:notesMasterIdLst>
-    <p:notesMasterId r:id="rId22"/>
+    <p:notesMasterId r:id="rId24"/>
   </p:notesMasterIdLst>
   <p:sldIdLst>
     <p:sldId id="256" r:id="rId2"/>
@@ -13,21 +13,23 @@
     <p:sldId id="395" r:id="rId4"/>
     <p:sldId id="396" r:id="rId5"/>
     <p:sldId id="397" r:id="rId6"/>
-    <p:sldId id="355" r:id="rId7"/>
-    <p:sldId id="356" r:id="rId8"/>
-    <p:sldId id="382" r:id="rId9"/>
-    <p:sldId id="383" r:id="rId10"/>
-    <p:sldId id="384" r:id="rId11"/>
-    <p:sldId id="385" r:id="rId12"/>
-    <p:sldId id="386" r:id="rId13"/>
-    <p:sldId id="387" r:id="rId14"/>
-    <p:sldId id="388" r:id="rId15"/>
-    <p:sldId id="389" r:id="rId16"/>
-    <p:sldId id="390" r:id="rId17"/>
-    <p:sldId id="391" r:id="rId18"/>
-    <p:sldId id="392" r:id="rId19"/>
-    <p:sldId id="393" r:id="rId20"/>
-    <p:sldId id="394" r:id="rId21"/>
+    <p:sldId id="398" r:id="rId7"/>
+    <p:sldId id="399" r:id="rId8"/>
+    <p:sldId id="355" r:id="rId9"/>
+    <p:sldId id="356" r:id="rId10"/>
+    <p:sldId id="382" r:id="rId11"/>
+    <p:sldId id="383" r:id="rId12"/>
+    <p:sldId id="384" r:id="rId13"/>
+    <p:sldId id="385" r:id="rId14"/>
+    <p:sldId id="386" r:id="rId15"/>
+    <p:sldId id="387" r:id="rId16"/>
+    <p:sldId id="388" r:id="rId17"/>
+    <p:sldId id="389" r:id="rId18"/>
+    <p:sldId id="390" r:id="rId19"/>
+    <p:sldId id="391" r:id="rId20"/>
+    <p:sldId id="392" r:id="rId21"/>
+    <p:sldId id="393" r:id="rId22"/>
+    <p:sldId id="394" r:id="rId23"/>
   </p:sldIdLst>
   <p:sldSz cx="9144000" cy="6858000" type="screen4x3"/>
   <p:notesSz cx="6858000" cy="9144000"/>
@@ -226,7 +228,7 @@
           </a:lstStyle>
           <a:p>
             <a:fld id="{6B8D1B20-A248-FB47-8240-73C0C5F47C9D}" type="datetimeFigureOut">
-              <a:t>2022/10/17</a:t>
+              <a:t>2022/10/21</a:t>
             </a:fld>
             <a:endParaRPr kumimoji="1" lang="ja-JP" altLang="en-US"/>
           </a:p>
@@ -750,7 +752,7 @@
             <a:pPr algn="ctr"/>
             <a:r>
               <a:rPr kumimoji="1" lang="en-US" altLang="ja-JP" sz="1400" dirty="0"/>
-              <a:t>20</a:t>
+              <a:t>22</a:t>
             </a:r>
             <a:endParaRPr kumimoji="1" lang="ja-JP" altLang="en-US" sz="1400" dirty="0"/>
           </a:p>
@@ -1373,7 +1375,7 @@
           <p:cNvPr id="2" name="テキスト プレースホルダー 1">
             <a:extLst>
               <a:ext uri="{FF2B5EF4-FFF2-40B4-BE49-F238E27FC236}">
-                <a16:creationId xmlns:a16="http://schemas.microsoft.com/office/drawing/2014/main" id="{30D6949F-1813-4447-9157-E9ED37781396}"/>
+                <a16:creationId xmlns:a16="http://schemas.microsoft.com/office/drawing/2014/main" id="{0BCD38DB-9A8D-4127-8BD3-CC43B5E902E5}"/>
               </a:ext>
             </a:extLst>
           </p:cNvPr>
@@ -1395,7 +1397,11 @@
             </a:r>
             <a:r>
               <a:rPr kumimoji="1" lang="en-US" altLang="ja-JP" dirty="0"/>
-              <a:t> – Step 3</a:t>
+              <a:t> – Step </a:t>
+            </a:r>
+            <a:r>
+              <a:rPr lang="en-US" altLang="ja-JP" dirty="0"/>
+              <a:t>2</a:t>
             </a:r>
             <a:endParaRPr kumimoji="1" lang="ja-JP" altLang="en-US" dirty="0"/>
           </a:p>
@@ -1406,7 +1412,7 @@
           <p:cNvPr id="3" name="テキスト ボックス 2">
             <a:extLst>
               <a:ext uri="{FF2B5EF4-FFF2-40B4-BE49-F238E27FC236}">
-                <a16:creationId xmlns:a16="http://schemas.microsoft.com/office/drawing/2014/main" id="{C825AA7E-4BB7-4B61-A922-AD85F3607730}"/>
+                <a16:creationId xmlns:a16="http://schemas.microsoft.com/office/drawing/2014/main" id="{8227B384-DCAE-4DA2-A8C1-49923CBAACB1}"/>
               </a:ext>
             </a:extLst>
           </p:cNvPr>
@@ -1416,7 +1422,7 @@
         <p:spPr>
           <a:xfrm>
             <a:off x="251520" y="1268760"/>
-            <a:ext cx="3262432" cy="461665"/>
+            <a:ext cx="4169731" cy="461665"/>
           </a:xfrm>
           <a:prstGeom prst="rect">
             <a:avLst/>
@@ -1430,69 +1436,23 @@
           <a:lstStyle/>
           <a:p>
             <a:r>
-              <a:rPr kumimoji="1" lang="ja-JP" altLang="en-US" sz="2400" dirty="0"/>
-              <a:t>インデックスへの追加</a:t>
-            </a:r>
-          </a:p>
-        </p:txBody>
-      </p:sp>
-      <p:sp>
-        <p:nvSpPr>
-          <p:cNvPr id="4" name="テキスト ボックス 3">
-            <a:extLst>
-              <a:ext uri="{FF2B5EF4-FFF2-40B4-BE49-F238E27FC236}">
-                <a16:creationId xmlns:a16="http://schemas.microsoft.com/office/drawing/2014/main" id="{B1B33A85-598F-4AE2-A492-6901FCB76B85}"/>
-              </a:ext>
-            </a:extLst>
-          </p:cNvPr>
-          <p:cNvSpPr txBox="1"/>
-          <p:nvPr/>
-        </p:nvSpPr>
-        <p:spPr>
-          <a:xfrm>
-            <a:off x="827584" y="1988840"/>
-            <a:ext cx="2582758" cy="400110"/>
-          </a:xfrm>
-          <a:prstGeom prst="rect">
-            <a:avLst/>
-          </a:prstGeom>
-          <a:noFill/>
-          <a:ln>
-            <a:solidFill>
-              <a:schemeClr val="tx1"/>
-            </a:solidFill>
-          </a:ln>
-        </p:spPr>
-        <p:txBody>
-          <a:bodyPr wrap="none" rtlCol="0">
-            <a:spAutoFit/>
-          </a:bodyPr>
-          <a:lstStyle/>
-          <a:p>
-            <a:r>
-              <a:rPr kumimoji="1" lang="en-US" altLang="ja-JP" sz="2000" dirty="0">
-                <a:latin typeface="Consolas" panose="020B0609020204030204" pitchFamily="49" charset="0"/>
-              </a:rPr>
-              <a:t>git add </a:t>
-            </a:r>
-            <a:r>
-              <a:rPr lang="en-US" altLang="ja-JP" sz="2000" dirty="0">
-                <a:latin typeface="Consolas" panose="020B0609020204030204" pitchFamily="49" charset="0"/>
-              </a:rPr>
+              <a:rPr lang="en-US" altLang="ja-JP" sz="2400" dirty="0"/>
               <a:t>README.md</a:t>
             </a:r>
-            <a:endParaRPr kumimoji="1" lang="ja-JP" altLang="en-US" sz="2000" dirty="0">
-              <a:latin typeface="Consolas" panose="020B0609020204030204" pitchFamily="49" charset="0"/>
-            </a:endParaRPr>
+            <a:r>
+              <a:rPr lang="ja-JP" altLang="en-US" sz="2400" dirty="0"/>
+              <a:t>ファイルの作成</a:t>
+            </a:r>
+            <a:endParaRPr kumimoji="1" lang="ja-JP" altLang="en-US" sz="2400" dirty="0"/>
           </a:p>
         </p:txBody>
       </p:sp>
       <p:pic>
         <p:nvPicPr>
-          <p:cNvPr id="5" name="Picture 2" descr="フォルダのイラスト">
-            <a:extLst>
-              <a:ext uri="{FF2B5EF4-FFF2-40B4-BE49-F238E27FC236}">
-                <a16:creationId xmlns:a16="http://schemas.microsoft.com/office/drawing/2014/main" id="{18D15AF1-F12E-4775-9B54-8D28C7159E89}"/>
+          <p:cNvPr id="18" name="Picture 2" descr="フォルダのイラスト">
+            <a:extLst>
+              <a:ext uri="{FF2B5EF4-FFF2-40B4-BE49-F238E27FC236}">
+                <a16:creationId xmlns:a16="http://schemas.microsoft.com/office/drawing/2014/main" id="{BBCDD0F4-DDDF-454E-912D-56EB02BEBB27}"/>
               </a:ext>
             </a:extLst>
           </p:cNvPr>
@@ -1516,7 +1476,7 @@
         </p:blipFill>
         <p:spPr bwMode="auto">
           <a:xfrm>
-            <a:off x="1331640" y="4437112"/>
+            <a:off x="5364088" y="1772816"/>
             <a:ext cx="702078" cy="587990"/>
           </a:xfrm>
           <a:prstGeom prst="rect">
@@ -1534,110 +1494,12 @@
           </a:extLst>
         </p:spPr>
       </p:pic>
-      <p:cxnSp>
-        <p:nvCxnSpPr>
-          <p:cNvPr id="8" name="直線コネクタ 7">
-            <a:extLst>
-              <a:ext uri="{FF2B5EF4-FFF2-40B4-BE49-F238E27FC236}">
-                <a16:creationId xmlns:a16="http://schemas.microsoft.com/office/drawing/2014/main" id="{F8407356-2EEF-475B-BD96-744D38FA28A5}"/>
-              </a:ext>
-            </a:extLst>
-          </p:cNvPr>
-          <p:cNvCxnSpPr>
-            <a:stCxn id="5" idx="2"/>
-          </p:cNvCxnSpPr>
-          <p:nvPr/>
-        </p:nvCxnSpPr>
-        <p:spPr>
-          <a:xfrm>
-            <a:off x="1682679" y="5025102"/>
-            <a:ext cx="1847" cy="204098"/>
-          </a:xfrm>
-          <a:prstGeom prst="line">
-            <a:avLst/>
-          </a:prstGeom>
-          <a:ln>
-            <a:solidFill>
-              <a:schemeClr val="tx1"/>
-            </a:solidFill>
-            <a:headEnd type="none" w="med" len="med"/>
-            <a:tailEnd type="none" w="med" len="med"/>
-          </a:ln>
-        </p:spPr>
-        <p:style>
-          <a:lnRef idx="1">
-            <a:schemeClr val="accent1"/>
-          </a:lnRef>
-          <a:fillRef idx="0">
-            <a:schemeClr val="accent1"/>
-          </a:fillRef>
-          <a:effectRef idx="0">
-            <a:schemeClr val="accent1"/>
-          </a:effectRef>
-          <a:fontRef idx="minor">
-            <a:schemeClr val="tx1"/>
-          </a:fontRef>
-        </p:style>
-      </p:cxnSp>
-      <p:sp>
-        <p:nvSpPr>
-          <p:cNvPr id="12" name="四角形: 角を丸くする 11">
-            <a:extLst>
-              <a:ext uri="{FF2B5EF4-FFF2-40B4-BE49-F238E27FC236}">
-                <a16:creationId xmlns:a16="http://schemas.microsoft.com/office/drawing/2014/main" id="{F6A0015E-52EB-4515-BE29-BA3C6882C986}"/>
-              </a:ext>
-            </a:extLst>
-          </p:cNvPr>
-          <p:cNvSpPr/>
-          <p:nvPr/>
-        </p:nvSpPr>
-        <p:spPr>
-          <a:xfrm>
-            <a:off x="755576" y="4077072"/>
-            <a:ext cx="2232248" cy="2304256"/>
-          </a:xfrm>
-          <a:prstGeom prst="roundRect">
-            <a:avLst/>
-          </a:prstGeom>
-          <a:noFill/>
-          <a:ln w="38100">
-            <a:solidFill>
-              <a:schemeClr val="tx1"/>
-            </a:solidFill>
-            <a:prstDash val="dash"/>
-          </a:ln>
-        </p:spPr>
-        <p:style>
-          <a:lnRef idx="2">
-            <a:schemeClr val="accent1">
-              <a:shade val="50000"/>
-            </a:schemeClr>
-          </a:lnRef>
-          <a:fillRef idx="1">
-            <a:schemeClr val="accent1"/>
-          </a:fillRef>
-          <a:effectRef idx="0">
-            <a:schemeClr val="accent1"/>
-          </a:effectRef>
-          <a:fontRef idx="minor">
-            <a:schemeClr val="lt1"/>
-          </a:fontRef>
-        </p:style>
-        <p:txBody>
-          <a:bodyPr rtlCol="0" anchor="ctr"/>
-          <a:lstStyle/>
-          <a:p>
-            <a:pPr algn="ctr"/>
-            <a:endParaRPr kumimoji="1" lang="ja-JP" altLang="en-US"/>
-          </a:p>
-        </p:txBody>
-      </p:sp>
       <p:pic>
         <p:nvPicPr>
-          <p:cNvPr id="17" name="Picture 2" descr="ファイルアイコン（テキスト）">
-            <a:extLst>
-              <a:ext uri="{FF2B5EF4-FFF2-40B4-BE49-F238E27FC236}">
-                <a16:creationId xmlns:a16="http://schemas.microsoft.com/office/drawing/2014/main" id="{64E6CA5A-13F5-47BA-B83D-5B9015506994}"/>
+          <p:cNvPr id="19" name="Picture 2" descr="フォルダのイラスト">
+            <a:extLst>
+              <a:ext uri="{FF2B5EF4-FFF2-40B4-BE49-F238E27FC236}">
+                <a16:creationId xmlns:a16="http://schemas.microsoft.com/office/drawing/2014/main" id="{0785ED83-447B-46EB-83E5-9CAC8D56A13C}"/>
               </a:ext>
             </a:extLst>
           </p:cNvPr>
@@ -1647,7 +1509,7 @@
           <p:nvPr/>
         </p:nvPicPr>
         <p:blipFill>
-          <a:blip r:embed="rId3" cstate="print">
+          <a:blip r:embed="rId2" cstate="print">
             <a:extLst>
               <a:ext uri="{28A0092B-C50C-407E-A947-70E740481C1C}">
                 <a14:useLocalDpi xmlns:a14="http://schemas.microsoft.com/office/drawing/2010/main" val="0"/>
@@ -1661,8 +1523,8 @@
         </p:blipFill>
         <p:spPr bwMode="auto">
           <a:xfrm>
-            <a:off x="1423439" y="5229200"/>
-            <a:ext cx="484265" cy="562372"/>
+            <a:off x="5353137" y="2636912"/>
+            <a:ext cx="702078" cy="587990"/>
           </a:xfrm>
           <a:prstGeom prst="rect">
             <a:avLst/>
@@ -1681,10 +1543,10 @@
       </p:pic>
       <p:sp>
         <p:nvSpPr>
-          <p:cNvPr id="18" name="テキスト ボックス 17">
-            <a:extLst>
-              <a:ext uri="{FF2B5EF4-FFF2-40B4-BE49-F238E27FC236}">
-                <a16:creationId xmlns:a16="http://schemas.microsoft.com/office/drawing/2014/main" id="{4EC905F6-249C-4A58-AA57-00DBC66FD999}"/>
+          <p:cNvPr id="20" name="テキスト ボックス 19">
+            <a:extLst>
+              <a:ext uri="{FF2B5EF4-FFF2-40B4-BE49-F238E27FC236}">
+                <a16:creationId xmlns:a16="http://schemas.microsoft.com/office/drawing/2014/main" id="{6A4294F4-64C7-4A7F-AB4D-3BA2DF5EC8AD}"/>
               </a:ext>
             </a:extLst>
           </p:cNvPr>
@@ -1693,8 +1555,8 @@
         </p:nvSpPr>
         <p:spPr>
           <a:xfrm>
-            <a:off x="1187624" y="5733256"/>
-            <a:ext cx="1324402" cy="369332"/>
+            <a:off x="5508104" y="2780928"/>
+            <a:ext cx="428322" cy="369332"/>
           </a:xfrm>
           <a:prstGeom prst="rect">
             <a:avLst/>
@@ -1708,23 +1570,19 @@
           <a:lstStyle/>
           <a:p>
             <a:r>
-              <a:rPr kumimoji="1" lang="en-US" altLang="ja-JP" dirty="0">
-                <a:latin typeface="Consolas" panose="020B0609020204030204" pitchFamily="49" charset="0"/>
-              </a:rPr>
-              <a:t>README.md</a:t>
-            </a:r>
-            <a:endParaRPr kumimoji="1" lang="ja-JP" altLang="en-US" dirty="0">
-              <a:latin typeface="Consolas" panose="020B0609020204030204" pitchFamily="49" charset="0"/>
-            </a:endParaRPr>
+              <a:rPr kumimoji="1" lang="en-US" altLang="ja-JP" dirty="0"/>
+              <a:t>git</a:t>
+            </a:r>
+            <a:endParaRPr kumimoji="1" lang="ja-JP" altLang="en-US" dirty="0"/>
           </a:p>
         </p:txBody>
       </p:sp>
       <p:pic>
         <p:nvPicPr>
-          <p:cNvPr id="19" name="Picture 2" descr="フォルダのイラスト">
-            <a:extLst>
-              <a:ext uri="{FF2B5EF4-FFF2-40B4-BE49-F238E27FC236}">
-                <a16:creationId xmlns:a16="http://schemas.microsoft.com/office/drawing/2014/main" id="{5159C917-48D7-4BAF-AD52-D9DE66C76EA8}"/>
+          <p:cNvPr id="21" name="Picture 2" descr="家のイラスト7">
+            <a:extLst>
+              <a:ext uri="{FF2B5EF4-FFF2-40B4-BE49-F238E27FC236}">
+                <a16:creationId xmlns:a16="http://schemas.microsoft.com/office/drawing/2014/main" id="{8124289C-1AD8-471E-81AA-025E899733A1}"/>
               </a:ext>
             </a:extLst>
           </p:cNvPr>
@@ -1734,7 +1592,7 @@
           <p:nvPr/>
         </p:nvPicPr>
         <p:blipFill>
-          <a:blip r:embed="rId2" cstate="print">
+          <a:blip r:embed="rId3" cstate="print">
             <a:extLst>
               <a:ext uri="{28A0092B-C50C-407E-A947-70E740481C1C}">
                 <a14:useLocalDpi xmlns:a14="http://schemas.microsoft.com/office/drawing/2010/main" val="0"/>
@@ -1748,8 +1606,8 @@
         </p:blipFill>
         <p:spPr bwMode="auto">
           <a:xfrm>
-            <a:off x="3923928" y="4437112"/>
-            <a:ext cx="702078" cy="587990"/>
+            <a:off x="5508104" y="1916832"/>
+            <a:ext cx="360040" cy="336637"/>
           </a:xfrm>
           <a:prstGeom prst="rect">
             <a:avLst/>
@@ -1766,110 +1624,12 @@
           </a:extLst>
         </p:spPr>
       </p:pic>
-      <p:cxnSp>
-        <p:nvCxnSpPr>
-          <p:cNvPr id="20" name="直線コネクタ 19">
-            <a:extLst>
-              <a:ext uri="{FF2B5EF4-FFF2-40B4-BE49-F238E27FC236}">
-                <a16:creationId xmlns:a16="http://schemas.microsoft.com/office/drawing/2014/main" id="{00DF17CC-3FE4-49A5-BE69-8BF1AB65E3E3}"/>
-              </a:ext>
-            </a:extLst>
-          </p:cNvPr>
-          <p:cNvCxnSpPr>
-            <a:stCxn id="19" idx="2"/>
-          </p:cNvCxnSpPr>
-          <p:nvPr/>
-        </p:nvCxnSpPr>
-        <p:spPr>
-          <a:xfrm>
-            <a:off x="4274967" y="5025102"/>
-            <a:ext cx="1847" cy="204098"/>
-          </a:xfrm>
-          <a:prstGeom prst="line">
-            <a:avLst/>
-          </a:prstGeom>
-          <a:ln>
-            <a:solidFill>
-              <a:schemeClr val="tx1"/>
-            </a:solidFill>
-            <a:headEnd type="none" w="med" len="med"/>
-            <a:tailEnd type="none" w="med" len="med"/>
-          </a:ln>
-        </p:spPr>
-        <p:style>
-          <a:lnRef idx="1">
-            <a:schemeClr val="accent1"/>
-          </a:lnRef>
-          <a:fillRef idx="0">
-            <a:schemeClr val="accent1"/>
-          </a:fillRef>
-          <a:effectRef idx="0">
-            <a:schemeClr val="accent1"/>
-          </a:effectRef>
-          <a:fontRef idx="minor">
-            <a:schemeClr val="tx1"/>
-          </a:fontRef>
-        </p:style>
-      </p:cxnSp>
-      <p:sp>
-        <p:nvSpPr>
-          <p:cNvPr id="21" name="四角形: 角を丸くする 20">
-            <a:extLst>
-              <a:ext uri="{FF2B5EF4-FFF2-40B4-BE49-F238E27FC236}">
-                <a16:creationId xmlns:a16="http://schemas.microsoft.com/office/drawing/2014/main" id="{46607ACB-C4D2-4AEA-AA27-6B16591991E7}"/>
-              </a:ext>
-            </a:extLst>
-          </p:cNvPr>
-          <p:cNvSpPr/>
-          <p:nvPr/>
-        </p:nvSpPr>
-        <p:spPr>
-          <a:xfrm>
-            <a:off x="3347864" y="4077072"/>
-            <a:ext cx="2232248" cy="2304256"/>
-          </a:xfrm>
-          <a:prstGeom prst="roundRect">
-            <a:avLst/>
-          </a:prstGeom>
-          <a:noFill/>
-          <a:ln w="38100">
-            <a:solidFill>
-              <a:schemeClr val="tx1"/>
-            </a:solidFill>
-            <a:prstDash val="dash"/>
-          </a:ln>
-        </p:spPr>
-        <p:style>
-          <a:lnRef idx="2">
-            <a:schemeClr val="accent1">
-              <a:shade val="50000"/>
-            </a:schemeClr>
-          </a:lnRef>
-          <a:fillRef idx="1">
-            <a:schemeClr val="accent1"/>
-          </a:fillRef>
-          <a:effectRef idx="0">
-            <a:schemeClr val="accent1"/>
-          </a:effectRef>
-          <a:fontRef idx="minor">
-            <a:schemeClr val="lt1"/>
-          </a:fontRef>
-        </p:style>
-        <p:txBody>
-          <a:bodyPr rtlCol="0" anchor="ctr"/>
-          <a:lstStyle/>
-          <a:p>
-            <a:pPr algn="ctr"/>
-            <a:endParaRPr kumimoji="1" lang="ja-JP" altLang="en-US"/>
-          </a:p>
-        </p:txBody>
-      </p:sp>
       <p:pic>
         <p:nvPicPr>
-          <p:cNvPr id="22" name="Picture 2" descr="ファイルアイコン（テキスト）">
-            <a:extLst>
-              <a:ext uri="{FF2B5EF4-FFF2-40B4-BE49-F238E27FC236}">
-                <a16:creationId xmlns:a16="http://schemas.microsoft.com/office/drawing/2014/main" id="{73743BD5-BD1A-4DD4-BDD2-6DFB06184AEE}"/>
+          <p:cNvPr id="22" name="Picture 2" descr="フォルダのイラスト">
+            <a:extLst>
+              <a:ext uri="{FF2B5EF4-FFF2-40B4-BE49-F238E27FC236}">
+                <a16:creationId xmlns:a16="http://schemas.microsoft.com/office/drawing/2014/main" id="{F3A76664-E40C-4ED5-B723-91C3E463ED0A}"/>
               </a:ext>
             </a:extLst>
           </p:cNvPr>
@@ -1879,7 +1639,7 @@
           <p:nvPr/>
         </p:nvPicPr>
         <p:blipFill>
-          <a:blip r:embed="rId3" cstate="print">
+          <a:blip r:embed="rId2" cstate="print">
             <a:extLst>
               <a:ext uri="{28A0092B-C50C-407E-A947-70E740481C1C}">
                 <a14:useLocalDpi xmlns:a14="http://schemas.microsoft.com/office/drawing/2010/main" val="0"/>
@@ -1893,8 +1653,8 @@
         </p:blipFill>
         <p:spPr bwMode="auto">
           <a:xfrm>
-            <a:off x="4015727" y="5229200"/>
-            <a:ext cx="484265" cy="562372"/>
+            <a:off x="5364088" y="3573016"/>
+            <a:ext cx="702078" cy="587990"/>
           </a:xfrm>
           <a:prstGeom prst="rect">
             <a:avLst/>
@@ -1916,7 +1676,7 @@
           <p:cNvPr id="23" name="テキスト ボックス 22">
             <a:extLst>
               <a:ext uri="{FF2B5EF4-FFF2-40B4-BE49-F238E27FC236}">
-                <a16:creationId xmlns:a16="http://schemas.microsoft.com/office/drawing/2014/main" id="{A47AAFE6-BB9E-4885-81F0-9E9231CD98EE}"/>
+                <a16:creationId xmlns:a16="http://schemas.microsoft.com/office/drawing/2014/main" id="{A79D78D1-0929-43C8-8B0F-8B777F797AF9}"/>
               </a:ext>
             </a:extLst>
           </p:cNvPr>
@@ -1925,8 +1685,8 @@
         </p:nvSpPr>
         <p:spPr>
           <a:xfrm>
-            <a:off x="3779912" y="5733256"/>
-            <a:ext cx="1324402" cy="369332"/>
+            <a:off x="5432370" y="3717032"/>
+            <a:ext cx="556563" cy="369332"/>
           </a:xfrm>
           <a:prstGeom prst="rect">
             <a:avLst/>
@@ -1940,23 +1700,19 @@
           <a:lstStyle/>
           <a:p>
             <a:r>
-              <a:rPr kumimoji="1" lang="en-US" altLang="ja-JP" dirty="0">
-                <a:latin typeface="Consolas" panose="020B0609020204030204" pitchFamily="49" charset="0"/>
-              </a:rPr>
-              <a:t>README.md</a:t>
-            </a:r>
-            <a:endParaRPr kumimoji="1" lang="ja-JP" altLang="en-US" dirty="0">
-              <a:latin typeface="Consolas" panose="020B0609020204030204" pitchFamily="49" charset="0"/>
-            </a:endParaRPr>
+              <a:rPr kumimoji="1" lang="en-US" altLang="ja-JP" dirty="0"/>
+              <a:t>test</a:t>
+            </a:r>
+            <a:endParaRPr kumimoji="1" lang="ja-JP" altLang="en-US" dirty="0"/>
           </a:p>
         </p:txBody>
       </p:sp>
       <p:pic>
         <p:nvPicPr>
-          <p:cNvPr id="24" name="Picture 2" descr="フォルダのイラスト">
-            <a:extLst>
-              <a:ext uri="{FF2B5EF4-FFF2-40B4-BE49-F238E27FC236}">
-                <a16:creationId xmlns:a16="http://schemas.microsoft.com/office/drawing/2014/main" id="{8B6AEA84-91AE-452E-BC80-4C3815317CDB}"/>
+          <p:cNvPr id="24" name="Picture 2" descr="手を上げている男の子のイラスト">
+            <a:extLst>
+              <a:ext uri="{FF2B5EF4-FFF2-40B4-BE49-F238E27FC236}">
+                <a16:creationId xmlns:a16="http://schemas.microsoft.com/office/drawing/2014/main" id="{F77F9BD4-C580-4C31-952A-F1F15D840667}"/>
               </a:ext>
             </a:extLst>
           </p:cNvPr>
@@ -1966,7 +1722,7 @@
           <p:nvPr/>
         </p:nvPicPr>
         <p:blipFill>
-          <a:blip r:embed="rId2" cstate="print">
+          <a:blip r:embed="rId4" cstate="print">
             <a:extLst>
               <a:ext uri="{28A0092B-C50C-407E-A947-70E740481C1C}">
                 <a14:useLocalDpi xmlns:a14="http://schemas.microsoft.com/office/drawing/2010/main" val="0"/>
@@ -1980,8 +1736,8 @@
         </p:blipFill>
         <p:spPr bwMode="auto">
           <a:xfrm>
-            <a:off x="6444208" y="4437112"/>
-            <a:ext cx="702078" cy="587990"/>
+            <a:off x="4856306" y="3573016"/>
+            <a:ext cx="385188" cy="536848"/>
           </a:xfrm>
           <a:prstGeom prst="rect">
             <a:avLst/>
@@ -1998,12 +1754,99 @@
           </a:extLst>
         </p:spPr>
       </p:pic>
-      <p:sp>
-        <p:nvSpPr>
-          <p:cNvPr id="26" name="四角形: 角を丸くする 25">
-            <a:extLst>
-              <a:ext uri="{FF2B5EF4-FFF2-40B4-BE49-F238E27FC236}">
-                <a16:creationId xmlns:a16="http://schemas.microsoft.com/office/drawing/2014/main" id="{8944F465-D15F-48A4-96C6-C8FB81148BD2}"/>
+      <p:pic>
+        <p:nvPicPr>
+          <p:cNvPr id="25" name="Picture 2" descr="ファイルアイコン（テキスト）">
+            <a:extLst>
+              <a:ext uri="{FF2B5EF4-FFF2-40B4-BE49-F238E27FC236}">
+                <a16:creationId xmlns:a16="http://schemas.microsoft.com/office/drawing/2014/main" id="{457543DA-25CA-4446-92A6-5670E59C9A10}"/>
+              </a:ext>
+            </a:extLst>
+          </p:cNvPr>
+          <p:cNvPicPr>
+            <a:picLocks noChangeAspect="1" noChangeArrowheads="1"/>
+          </p:cNvPicPr>
+          <p:nvPr/>
+        </p:nvPicPr>
+        <p:blipFill>
+          <a:blip r:embed="rId5" cstate="print">
+            <a:extLst>
+              <a:ext uri="{28A0092B-C50C-407E-A947-70E740481C1C}">
+                <a14:useLocalDpi xmlns:a14="http://schemas.microsoft.com/office/drawing/2010/main" val="0"/>
+              </a:ext>
+            </a:extLst>
+          </a:blip>
+          <a:srcRect/>
+          <a:stretch>
+            <a:fillRect/>
+          </a:stretch>
+        </p:blipFill>
+        <p:spPr bwMode="auto">
+          <a:xfrm>
+            <a:off x="5472097" y="4509120"/>
+            <a:ext cx="484265" cy="562372"/>
+          </a:xfrm>
+          <a:prstGeom prst="rect">
+            <a:avLst/>
+          </a:prstGeom>
+          <a:noFill/>
+          <a:extLst>
+            <a:ext uri="{909E8E84-426E-40DD-AFC4-6F175D3DCCD1}">
+              <a14:hiddenFill xmlns:a14="http://schemas.microsoft.com/office/drawing/2010/main">
+                <a:solidFill>
+                  <a:srgbClr val="FFFFFF"/>
+                </a:solidFill>
+              </a14:hiddenFill>
+            </a:ext>
+          </a:extLst>
+        </p:spPr>
+      </p:pic>
+      <p:sp>
+        <p:nvSpPr>
+          <p:cNvPr id="26" name="テキスト ボックス 25">
+            <a:extLst>
+              <a:ext uri="{FF2B5EF4-FFF2-40B4-BE49-F238E27FC236}">
+                <a16:creationId xmlns:a16="http://schemas.microsoft.com/office/drawing/2014/main" id="{B9E04318-07FB-45C3-8C3A-DFBE8E195A51}"/>
+              </a:ext>
+            </a:extLst>
+          </p:cNvPr>
+          <p:cNvSpPr txBox="1"/>
+          <p:nvPr/>
+        </p:nvSpPr>
+        <p:spPr>
+          <a:xfrm>
+            <a:off x="5040049" y="5085184"/>
+            <a:ext cx="1324402" cy="369332"/>
+          </a:xfrm>
+          <a:prstGeom prst="rect">
+            <a:avLst/>
+          </a:prstGeom>
+          <a:noFill/>
+        </p:spPr>
+        <p:txBody>
+          <a:bodyPr wrap="none" rtlCol="0">
+            <a:spAutoFit/>
+          </a:bodyPr>
+          <a:lstStyle/>
+          <a:p>
+            <a:r>
+              <a:rPr kumimoji="1" lang="en-US" altLang="ja-JP" dirty="0">
+                <a:latin typeface="Consolas" panose="020B0609020204030204" pitchFamily="49" charset="0"/>
+              </a:rPr>
+              <a:t>README.md</a:t>
+            </a:r>
+            <a:endParaRPr kumimoji="1" lang="ja-JP" altLang="en-US" dirty="0">
+              <a:latin typeface="Consolas" panose="020B0609020204030204" pitchFamily="49" charset="0"/>
+            </a:endParaRPr>
+          </a:p>
+        </p:txBody>
+      </p:sp>
+      <p:sp>
+        <p:nvSpPr>
+          <p:cNvPr id="32" name="矢印: 右 31">
+            <a:extLst>
+              <a:ext uri="{FF2B5EF4-FFF2-40B4-BE49-F238E27FC236}">
+                <a16:creationId xmlns:a16="http://schemas.microsoft.com/office/drawing/2014/main" id="{8B166264-89AF-477D-BD20-F4E172F62D90}"/>
               </a:ext>
             </a:extLst>
           </p:cNvPr>
@@ -2012,61 +1855,8 @@
         </p:nvSpPr>
         <p:spPr>
           <a:xfrm>
-            <a:off x="5868144" y="4077072"/>
-            <a:ext cx="2232248" cy="2304256"/>
-          </a:xfrm>
-          <a:prstGeom prst="roundRect">
-            <a:avLst/>
-          </a:prstGeom>
-          <a:noFill/>
-          <a:ln w="38100">
-            <a:solidFill>
-              <a:schemeClr val="tx1"/>
-            </a:solidFill>
-            <a:prstDash val="dash"/>
-          </a:ln>
-        </p:spPr>
-        <p:style>
-          <a:lnRef idx="2">
-            <a:schemeClr val="accent1">
-              <a:shade val="50000"/>
-            </a:schemeClr>
-          </a:lnRef>
-          <a:fillRef idx="1">
-            <a:schemeClr val="accent1"/>
-          </a:fillRef>
-          <a:effectRef idx="0">
-            <a:schemeClr val="accent1"/>
-          </a:effectRef>
-          <a:fontRef idx="minor">
-            <a:schemeClr val="lt1"/>
-          </a:fontRef>
-        </p:style>
-        <p:txBody>
-          <a:bodyPr rtlCol="0" anchor="ctr"/>
-          <a:lstStyle/>
-          <a:p>
-            <a:pPr algn="ctr"/>
-            <a:endParaRPr kumimoji="1" lang="ja-JP" altLang="en-US"/>
-          </a:p>
-        </p:txBody>
-      </p:sp>
-      <p:sp>
-        <p:nvSpPr>
-          <p:cNvPr id="29" name="矢印: 右 28">
-            <a:extLst>
-              <a:ext uri="{FF2B5EF4-FFF2-40B4-BE49-F238E27FC236}">
-                <a16:creationId xmlns:a16="http://schemas.microsoft.com/office/drawing/2014/main" id="{874424C5-0573-4682-B7EA-E49F5B2D2D60}"/>
-              </a:ext>
-            </a:extLst>
-          </p:cNvPr>
-          <p:cNvSpPr/>
-          <p:nvPr/>
-        </p:nvSpPr>
-        <p:spPr>
-          <a:xfrm>
-            <a:off x="2051720" y="5301208"/>
-            <a:ext cx="1728192" cy="412624"/>
+            <a:off x="4211960" y="4581128"/>
+            <a:ext cx="648072" cy="412624"/>
           </a:xfrm>
           <a:prstGeom prst="rightArrow">
             <a:avLst/>
@@ -2105,151 +1895,142 @@
           </a:p>
         </p:txBody>
       </p:sp>
-      <p:sp>
-        <p:nvSpPr>
-          <p:cNvPr id="30" name="テキスト ボックス 29">
-            <a:extLst>
-              <a:ext uri="{FF2B5EF4-FFF2-40B4-BE49-F238E27FC236}">
-                <a16:creationId xmlns:a16="http://schemas.microsoft.com/office/drawing/2014/main" id="{1F82EC86-2977-4C28-BB73-5AF69C541EC4}"/>
-              </a:ext>
-            </a:extLst>
-          </p:cNvPr>
-          <p:cNvSpPr txBox="1"/>
-          <p:nvPr/>
-        </p:nvSpPr>
-        <p:spPr>
-          <a:xfrm>
-            <a:off x="827584" y="3573016"/>
-            <a:ext cx="2031325" cy="369332"/>
-          </a:xfrm>
-          <a:prstGeom prst="rect">
-            <a:avLst/>
-          </a:prstGeom>
-          <a:noFill/>
-        </p:spPr>
-        <p:txBody>
-          <a:bodyPr wrap="none" rtlCol="0">
-            <a:spAutoFit/>
-          </a:bodyPr>
-          <a:lstStyle/>
-          <a:p>
-            <a:r>
-              <a:rPr kumimoji="1" lang="ja-JP" altLang="en-US" dirty="0"/>
-              <a:t>ワーキングツリー</a:t>
-            </a:r>
-          </a:p>
-        </p:txBody>
-      </p:sp>
-      <p:sp>
-        <p:nvSpPr>
-          <p:cNvPr id="31" name="テキスト ボックス 30">
-            <a:extLst>
-              <a:ext uri="{FF2B5EF4-FFF2-40B4-BE49-F238E27FC236}">
-                <a16:creationId xmlns:a16="http://schemas.microsoft.com/office/drawing/2014/main" id="{E1AC9E01-679D-441B-B21A-76087C293D98}"/>
-              </a:ext>
-            </a:extLst>
-          </p:cNvPr>
-          <p:cNvSpPr txBox="1"/>
-          <p:nvPr/>
-        </p:nvSpPr>
-        <p:spPr>
-          <a:xfrm>
-            <a:off x="3491880" y="3573016"/>
-            <a:ext cx="1569660" cy="369332"/>
-          </a:xfrm>
-          <a:prstGeom prst="rect">
-            <a:avLst/>
-          </a:prstGeom>
-          <a:noFill/>
-        </p:spPr>
-        <p:txBody>
-          <a:bodyPr wrap="none" rtlCol="0">
-            <a:spAutoFit/>
-          </a:bodyPr>
-          <a:lstStyle/>
-          <a:p>
-            <a:r>
-              <a:rPr kumimoji="1" lang="ja-JP" altLang="en-US" dirty="0"/>
-              <a:t>インデックス</a:t>
-            </a:r>
-          </a:p>
-        </p:txBody>
-      </p:sp>
-      <p:sp>
-        <p:nvSpPr>
-          <p:cNvPr id="32" name="テキスト ボックス 31">
-            <a:extLst>
-              <a:ext uri="{FF2B5EF4-FFF2-40B4-BE49-F238E27FC236}">
-                <a16:creationId xmlns:a16="http://schemas.microsoft.com/office/drawing/2014/main" id="{39495AEB-2F4F-41F2-9635-E3DB7E7A516E}"/>
-              </a:ext>
-            </a:extLst>
-          </p:cNvPr>
-          <p:cNvSpPr txBox="1"/>
-          <p:nvPr/>
-        </p:nvSpPr>
-        <p:spPr>
-          <a:xfrm>
-            <a:off x="6012160" y="3573016"/>
-            <a:ext cx="1338828" cy="369332"/>
-          </a:xfrm>
-          <a:prstGeom prst="rect">
-            <a:avLst/>
-          </a:prstGeom>
-          <a:noFill/>
-        </p:spPr>
-        <p:txBody>
-          <a:bodyPr wrap="none" rtlCol="0">
-            <a:spAutoFit/>
-          </a:bodyPr>
-          <a:lstStyle/>
-          <a:p>
-            <a:r>
-              <a:rPr kumimoji="1" lang="ja-JP" altLang="en-US" dirty="0"/>
-              <a:t>リポジトリ</a:t>
-            </a:r>
-          </a:p>
-        </p:txBody>
-      </p:sp>
-      <p:sp>
-        <p:nvSpPr>
-          <p:cNvPr id="33" name="テキスト ボックス 32">
-            <a:extLst>
-              <a:ext uri="{FF2B5EF4-FFF2-40B4-BE49-F238E27FC236}">
-                <a16:creationId xmlns:a16="http://schemas.microsoft.com/office/drawing/2014/main" id="{D09CB076-973F-48F3-8C7F-C189F563791D}"/>
-              </a:ext>
-            </a:extLst>
-          </p:cNvPr>
-          <p:cNvSpPr txBox="1"/>
-          <p:nvPr/>
-        </p:nvSpPr>
-        <p:spPr>
-          <a:xfrm>
-            <a:off x="1475656" y="2708920"/>
-            <a:ext cx="5955476" cy="369332"/>
-          </a:xfrm>
-          <a:prstGeom prst="rect">
-            <a:avLst/>
-          </a:prstGeom>
-          <a:noFill/>
-        </p:spPr>
-        <p:txBody>
-          <a:bodyPr wrap="none" rtlCol="0">
-            <a:spAutoFit/>
-          </a:bodyPr>
-          <a:lstStyle/>
-          <a:p>
-            <a:r>
-              <a:rPr lang="ja-JP" altLang="en-US" dirty="0"/>
-              <a:t>ワーキングツリーからインデックスにファイルをコピー</a:t>
-            </a:r>
-            <a:endParaRPr kumimoji="1" lang="ja-JP" altLang="en-US" dirty="0"/>
-          </a:p>
-        </p:txBody>
-      </p:sp>
+      <p:cxnSp>
+        <p:nvCxnSpPr>
+          <p:cNvPr id="35" name="直線コネクタ 34">
+            <a:extLst>
+              <a:ext uri="{FF2B5EF4-FFF2-40B4-BE49-F238E27FC236}">
+                <a16:creationId xmlns:a16="http://schemas.microsoft.com/office/drawing/2014/main" id="{743F2F71-633E-4CDF-AA4D-CA36E21A59AE}"/>
+              </a:ext>
+            </a:extLst>
+          </p:cNvPr>
+          <p:cNvCxnSpPr>
+            <a:stCxn id="22" idx="2"/>
+            <a:endCxn id="25" idx="0"/>
+          </p:cNvCxnSpPr>
+          <p:nvPr/>
+        </p:nvCxnSpPr>
+        <p:spPr>
+          <a:xfrm flipH="1">
+            <a:off x="5714230" y="4161006"/>
+            <a:ext cx="897" cy="348114"/>
+          </a:xfrm>
+          <a:prstGeom prst="line">
+            <a:avLst/>
+          </a:prstGeom>
+          <a:ln>
+            <a:solidFill>
+              <a:schemeClr val="tx1"/>
+            </a:solidFill>
+            <a:headEnd type="none" w="med" len="med"/>
+            <a:tailEnd type="none" w="med" len="med"/>
+          </a:ln>
+        </p:spPr>
+        <p:style>
+          <a:lnRef idx="1">
+            <a:schemeClr val="accent1"/>
+          </a:lnRef>
+          <a:fillRef idx="0">
+            <a:schemeClr val="accent1"/>
+          </a:fillRef>
+          <a:effectRef idx="0">
+            <a:schemeClr val="accent1"/>
+          </a:effectRef>
+          <a:fontRef idx="minor">
+            <a:schemeClr val="tx1"/>
+          </a:fontRef>
+        </p:style>
+      </p:cxnSp>
+      <p:cxnSp>
+        <p:nvCxnSpPr>
+          <p:cNvPr id="36" name="直線コネクタ 35">
+            <a:extLst>
+              <a:ext uri="{FF2B5EF4-FFF2-40B4-BE49-F238E27FC236}">
+                <a16:creationId xmlns:a16="http://schemas.microsoft.com/office/drawing/2014/main" id="{CDDC8399-3D8A-4B1C-ABBD-AC20F5079AF4}"/>
+              </a:ext>
+            </a:extLst>
+          </p:cNvPr>
+          <p:cNvCxnSpPr/>
+          <p:nvPr/>
+        </p:nvCxnSpPr>
+        <p:spPr>
+          <a:xfrm flipH="1">
+            <a:off x="5724128" y="3212976"/>
+            <a:ext cx="897" cy="348114"/>
+          </a:xfrm>
+          <a:prstGeom prst="line">
+            <a:avLst/>
+          </a:prstGeom>
+          <a:ln>
+            <a:solidFill>
+              <a:schemeClr val="tx1"/>
+            </a:solidFill>
+            <a:headEnd type="none" w="med" len="med"/>
+            <a:tailEnd type="none" w="med" len="med"/>
+          </a:ln>
+        </p:spPr>
+        <p:style>
+          <a:lnRef idx="1">
+            <a:schemeClr val="accent1"/>
+          </a:lnRef>
+          <a:fillRef idx="0">
+            <a:schemeClr val="accent1"/>
+          </a:fillRef>
+          <a:effectRef idx="0">
+            <a:schemeClr val="accent1"/>
+          </a:effectRef>
+          <a:fontRef idx="minor">
+            <a:schemeClr val="tx1"/>
+          </a:fontRef>
+        </p:style>
+      </p:cxnSp>
+      <p:cxnSp>
+        <p:nvCxnSpPr>
+          <p:cNvPr id="37" name="直線コネクタ 36">
+            <a:extLst>
+              <a:ext uri="{FF2B5EF4-FFF2-40B4-BE49-F238E27FC236}">
+                <a16:creationId xmlns:a16="http://schemas.microsoft.com/office/drawing/2014/main" id="{90737BB5-2959-4592-A67C-495CCA8FA974}"/>
+              </a:ext>
+            </a:extLst>
+          </p:cNvPr>
+          <p:cNvCxnSpPr/>
+          <p:nvPr/>
+        </p:nvCxnSpPr>
+        <p:spPr>
+          <a:xfrm flipH="1">
+            <a:off x="5724128" y="2348880"/>
+            <a:ext cx="897" cy="348114"/>
+          </a:xfrm>
+          <a:prstGeom prst="line">
+            <a:avLst/>
+          </a:prstGeom>
+          <a:ln>
+            <a:solidFill>
+              <a:schemeClr val="tx1"/>
+            </a:solidFill>
+            <a:headEnd type="none" w="med" len="med"/>
+            <a:tailEnd type="none" w="med" len="med"/>
+          </a:ln>
+        </p:spPr>
+        <p:style>
+          <a:lnRef idx="1">
+            <a:schemeClr val="accent1"/>
+          </a:lnRef>
+          <a:fillRef idx="0">
+            <a:schemeClr val="accent1"/>
+          </a:fillRef>
+          <a:effectRef idx="0">
+            <a:schemeClr val="accent1"/>
+          </a:effectRef>
+          <a:fontRef idx="minor">
+            <a:schemeClr val="tx1"/>
+          </a:fontRef>
+        </p:style>
+      </p:cxnSp>
     </p:spTree>
     <p:extLst>
       <p:ext uri="{BB962C8B-B14F-4D97-AF65-F5344CB8AC3E}">
-        <p14:creationId xmlns:p14="http://schemas.microsoft.com/office/powerpoint/2010/main" val="1601488505"/>
+        <p14:creationId xmlns:p14="http://schemas.microsoft.com/office/powerpoint/2010/main" val="1947208517"/>
       </p:ext>
     </p:extLst>
   </p:cSld>
@@ -2281,6 +2062,1822 @@
           <p:cNvPr id="2" name="テキスト プレースホルダー 1">
             <a:extLst>
               <a:ext uri="{FF2B5EF4-FFF2-40B4-BE49-F238E27FC236}">
+                <a16:creationId xmlns:a16="http://schemas.microsoft.com/office/drawing/2014/main" id="{1B4E82F7-D8C3-4EF4-9BE5-671029CE4F25}"/>
+              </a:ext>
+            </a:extLst>
+          </p:cNvPr>
+          <p:cNvSpPr>
+            <a:spLocks noGrp="1"/>
+          </p:cNvSpPr>
+          <p:nvPr>
+            <p:ph type="body" sz="quarter" idx="10"/>
+          </p:nvPr>
+        </p:nvSpPr>
+        <p:spPr/>
+        <p:txBody>
+          <a:bodyPr/>
+          <a:lstStyle/>
+          <a:p>
+            <a:r>
+              <a:rPr kumimoji="1" lang="ja-JP" altLang="en-US" dirty="0"/>
+              <a:t>課題</a:t>
+            </a:r>
+            <a:r>
+              <a:rPr kumimoji="1" lang="en-US" altLang="ja-JP" dirty="0"/>
+              <a:t> – Step </a:t>
+            </a:r>
+            <a:r>
+              <a:rPr lang="en-US" altLang="ja-JP" dirty="0"/>
+              <a:t>2</a:t>
+            </a:r>
+            <a:endParaRPr kumimoji="1" lang="ja-JP" altLang="en-US" dirty="0"/>
+          </a:p>
+        </p:txBody>
+      </p:sp>
+      <p:sp>
+        <p:nvSpPr>
+          <p:cNvPr id="3" name="テキスト ボックス 2">
+            <a:extLst>
+              <a:ext uri="{FF2B5EF4-FFF2-40B4-BE49-F238E27FC236}">
+                <a16:creationId xmlns:a16="http://schemas.microsoft.com/office/drawing/2014/main" id="{7087E50B-F937-470F-A788-DADB82256C21}"/>
+              </a:ext>
+            </a:extLst>
+          </p:cNvPr>
+          <p:cNvSpPr txBox="1"/>
+          <p:nvPr/>
+        </p:nvSpPr>
+        <p:spPr>
+          <a:xfrm>
+            <a:off x="251520" y="1268760"/>
+            <a:ext cx="2954655" cy="461665"/>
+          </a:xfrm>
+          <a:prstGeom prst="rect">
+            <a:avLst/>
+          </a:prstGeom>
+          <a:noFill/>
+        </p:spPr>
+        <p:txBody>
+          <a:bodyPr wrap="none" rtlCol="0">
+            <a:spAutoFit/>
+          </a:bodyPr>
+          <a:lstStyle/>
+          <a:p>
+            <a:r>
+              <a:rPr lang="ja-JP" altLang="en-US" sz="2400" dirty="0"/>
+              <a:t>リポジトリの初期化</a:t>
+            </a:r>
+            <a:endParaRPr kumimoji="1" lang="ja-JP" altLang="en-US" sz="2400" dirty="0"/>
+          </a:p>
+        </p:txBody>
+      </p:sp>
+      <p:sp>
+        <p:nvSpPr>
+          <p:cNvPr id="4" name="テキスト ボックス 3">
+            <a:extLst>
+              <a:ext uri="{FF2B5EF4-FFF2-40B4-BE49-F238E27FC236}">
+                <a16:creationId xmlns:a16="http://schemas.microsoft.com/office/drawing/2014/main" id="{9E63A889-7056-4791-9531-03B0E36440CD}"/>
+              </a:ext>
+            </a:extLst>
+          </p:cNvPr>
+          <p:cNvSpPr txBox="1"/>
+          <p:nvPr/>
+        </p:nvSpPr>
+        <p:spPr>
+          <a:xfrm>
+            <a:off x="827584" y="1988840"/>
+            <a:ext cx="1313180" cy="400110"/>
+          </a:xfrm>
+          <a:prstGeom prst="rect">
+            <a:avLst/>
+          </a:prstGeom>
+          <a:noFill/>
+          <a:ln>
+            <a:solidFill>
+              <a:schemeClr val="tx1"/>
+            </a:solidFill>
+          </a:ln>
+        </p:spPr>
+        <p:txBody>
+          <a:bodyPr wrap="none" rtlCol="0">
+            <a:spAutoFit/>
+          </a:bodyPr>
+          <a:lstStyle/>
+          <a:p>
+            <a:r>
+              <a:rPr kumimoji="1" lang="en-US" altLang="ja-JP" sz="2000" dirty="0">
+                <a:latin typeface="Consolas" panose="020B0609020204030204" pitchFamily="49" charset="0"/>
+              </a:rPr>
+              <a:t>git init</a:t>
+            </a:r>
+            <a:endParaRPr kumimoji="1" lang="ja-JP" altLang="en-US" sz="2000" dirty="0">
+              <a:latin typeface="Consolas" panose="020B0609020204030204" pitchFamily="49" charset="0"/>
+            </a:endParaRPr>
+          </a:p>
+        </p:txBody>
+      </p:sp>
+      <p:pic>
+        <p:nvPicPr>
+          <p:cNvPr id="17" name="Picture 2" descr="フォルダのイラスト">
+            <a:extLst>
+              <a:ext uri="{FF2B5EF4-FFF2-40B4-BE49-F238E27FC236}">
+                <a16:creationId xmlns:a16="http://schemas.microsoft.com/office/drawing/2014/main" id="{77C3F71E-1B79-4D45-BFD2-EC76A6B7A27C}"/>
+              </a:ext>
+            </a:extLst>
+          </p:cNvPr>
+          <p:cNvPicPr>
+            <a:picLocks noChangeAspect="1" noChangeArrowheads="1"/>
+          </p:cNvPicPr>
+          <p:nvPr/>
+        </p:nvPicPr>
+        <p:blipFill>
+          <a:blip r:embed="rId2" cstate="print">
+            <a:extLst>
+              <a:ext uri="{28A0092B-C50C-407E-A947-70E740481C1C}">
+                <a14:useLocalDpi xmlns:a14="http://schemas.microsoft.com/office/drawing/2010/main" val="0"/>
+              </a:ext>
+            </a:extLst>
+          </a:blip>
+          <a:srcRect/>
+          <a:stretch>
+            <a:fillRect/>
+          </a:stretch>
+        </p:blipFill>
+        <p:spPr bwMode="auto">
+          <a:xfrm>
+            <a:off x="5652120" y="2492896"/>
+            <a:ext cx="702078" cy="587990"/>
+          </a:xfrm>
+          <a:prstGeom prst="rect">
+            <a:avLst/>
+          </a:prstGeom>
+          <a:noFill/>
+          <a:extLst>
+            <a:ext uri="{909E8E84-426E-40DD-AFC4-6F175D3DCCD1}">
+              <a14:hiddenFill xmlns:a14="http://schemas.microsoft.com/office/drawing/2010/main">
+                <a:solidFill>
+                  <a:srgbClr val="FFFFFF"/>
+                </a:solidFill>
+              </a14:hiddenFill>
+            </a:ext>
+          </a:extLst>
+        </p:spPr>
+      </p:pic>
+      <p:pic>
+        <p:nvPicPr>
+          <p:cNvPr id="18" name="Picture 2" descr="フォルダのイラスト">
+            <a:extLst>
+              <a:ext uri="{FF2B5EF4-FFF2-40B4-BE49-F238E27FC236}">
+                <a16:creationId xmlns:a16="http://schemas.microsoft.com/office/drawing/2014/main" id="{15B0C44E-9E01-48D7-BE8F-9649C4DADBB1}"/>
+              </a:ext>
+            </a:extLst>
+          </p:cNvPr>
+          <p:cNvPicPr>
+            <a:picLocks noChangeAspect="1" noChangeArrowheads="1"/>
+          </p:cNvPicPr>
+          <p:nvPr/>
+        </p:nvPicPr>
+        <p:blipFill>
+          <a:blip r:embed="rId2" cstate="print">
+            <a:extLst>
+              <a:ext uri="{28A0092B-C50C-407E-A947-70E740481C1C}">
+                <a14:useLocalDpi xmlns:a14="http://schemas.microsoft.com/office/drawing/2010/main" val="0"/>
+              </a:ext>
+            </a:extLst>
+          </a:blip>
+          <a:srcRect/>
+          <a:stretch>
+            <a:fillRect/>
+          </a:stretch>
+        </p:blipFill>
+        <p:spPr bwMode="auto">
+          <a:xfrm>
+            <a:off x="5641169" y="3356992"/>
+            <a:ext cx="702078" cy="587990"/>
+          </a:xfrm>
+          <a:prstGeom prst="rect">
+            <a:avLst/>
+          </a:prstGeom>
+          <a:noFill/>
+          <a:extLst>
+            <a:ext uri="{909E8E84-426E-40DD-AFC4-6F175D3DCCD1}">
+              <a14:hiddenFill xmlns:a14="http://schemas.microsoft.com/office/drawing/2010/main">
+                <a:solidFill>
+                  <a:srgbClr val="FFFFFF"/>
+                </a:solidFill>
+              </a14:hiddenFill>
+            </a:ext>
+          </a:extLst>
+        </p:spPr>
+      </p:pic>
+      <p:sp>
+        <p:nvSpPr>
+          <p:cNvPr id="19" name="テキスト ボックス 18">
+            <a:extLst>
+              <a:ext uri="{FF2B5EF4-FFF2-40B4-BE49-F238E27FC236}">
+                <a16:creationId xmlns:a16="http://schemas.microsoft.com/office/drawing/2014/main" id="{8FE4AB1F-7773-4A51-B51A-075764F71726}"/>
+              </a:ext>
+            </a:extLst>
+          </p:cNvPr>
+          <p:cNvSpPr txBox="1"/>
+          <p:nvPr/>
+        </p:nvSpPr>
+        <p:spPr>
+          <a:xfrm>
+            <a:off x="5796136" y="3429000"/>
+            <a:ext cx="428322" cy="369332"/>
+          </a:xfrm>
+          <a:prstGeom prst="rect">
+            <a:avLst/>
+          </a:prstGeom>
+          <a:noFill/>
+        </p:spPr>
+        <p:txBody>
+          <a:bodyPr wrap="none" rtlCol="0">
+            <a:spAutoFit/>
+          </a:bodyPr>
+          <a:lstStyle/>
+          <a:p>
+            <a:r>
+              <a:rPr kumimoji="1" lang="en-US" altLang="ja-JP" dirty="0"/>
+              <a:t>git</a:t>
+            </a:r>
+            <a:endParaRPr kumimoji="1" lang="ja-JP" altLang="en-US" dirty="0"/>
+          </a:p>
+        </p:txBody>
+      </p:sp>
+      <p:pic>
+        <p:nvPicPr>
+          <p:cNvPr id="20" name="Picture 2" descr="家のイラスト7">
+            <a:extLst>
+              <a:ext uri="{FF2B5EF4-FFF2-40B4-BE49-F238E27FC236}">
+                <a16:creationId xmlns:a16="http://schemas.microsoft.com/office/drawing/2014/main" id="{96C92BE0-04C8-484F-A127-C4CB590F4787}"/>
+              </a:ext>
+            </a:extLst>
+          </p:cNvPr>
+          <p:cNvPicPr>
+            <a:picLocks noChangeAspect="1" noChangeArrowheads="1"/>
+          </p:cNvPicPr>
+          <p:nvPr/>
+        </p:nvPicPr>
+        <p:blipFill>
+          <a:blip r:embed="rId3" cstate="print">
+            <a:extLst>
+              <a:ext uri="{28A0092B-C50C-407E-A947-70E740481C1C}">
+                <a14:useLocalDpi xmlns:a14="http://schemas.microsoft.com/office/drawing/2010/main" val="0"/>
+              </a:ext>
+            </a:extLst>
+          </a:blip>
+          <a:srcRect/>
+          <a:stretch>
+            <a:fillRect/>
+          </a:stretch>
+        </p:blipFill>
+        <p:spPr bwMode="auto">
+          <a:xfrm>
+            <a:off x="5796136" y="2636912"/>
+            <a:ext cx="360040" cy="336637"/>
+          </a:xfrm>
+          <a:prstGeom prst="rect">
+            <a:avLst/>
+          </a:prstGeom>
+          <a:noFill/>
+          <a:extLst>
+            <a:ext uri="{909E8E84-426E-40DD-AFC4-6F175D3DCCD1}">
+              <a14:hiddenFill xmlns:a14="http://schemas.microsoft.com/office/drawing/2010/main">
+                <a:solidFill>
+                  <a:srgbClr val="FFFFFF"/>
+                </a:solidFill>
+              </a14:hiddenFill>
+            </a:ext>
+          </a:extLst>
+        </p:spPr>
+      </p:pic>
+      <p:pic>
+        <p:nvPicPr>
+          <p:cNvPr id="22" name="Picture 2" descr="フォルダのイラスト">
+            <a:extLst>
+              <a:ext uri="{FF2B5EF4-FFF2-40B4-BE49-F238E27FC236}">
+                <a16:creationId xmlns:a16="http://schemas.microsoft.com/office/drawing/2014/main" id="{87237FFD-E698-4ECB-AC79-701CA704CE9D}"/>
+              </a:ext>
+            </a:extLst>
+          </p:cNvPr>
+          <p:cNvPicPr>
+            <a:picLocks noChangeAspect="1" noChangeArrowheads="1"/>
+          </p:cNvPicPr>
+          <p:nvPr/>
+        </p:nvPicPr>
+        <p:blipFill>
+          <a:blip r:embed="rId2" cstate="print">
+            <a:extLst>
+              <a:ext uri="{28A0092B-C50C-407E-A947-70E740481C1C}">
+                <a14:useLocalDpi xmlns:a14="http://schemas.microsoft.com/office/drawing/2010/main" val="0"/>
+              </a:ext>
+            </a:extLst>
+          </a:blip>
+          <a:srcRect/>
+          <a:stretch>
+            <a:fillRect/>
+          </a:stretch>
+        </p:blipFill>
+        <p:spPr bwMode="auto">
+          <a:xfrm>
+            <a:off x="5652120" y="4293096"/>
+            <a:ext cx="702078" cy="587990"/>
+          </a:xfrm>
+          <a:prstGeom prst="rect">
+            <a:avLst/>
+          </a:prstGeom>
+          <a:noFill/>
+          <a:extLst>
+            <a:ext uri="{909E8E84-426E-40DD-AFC4-6F175D3DCCD1}">
+              <a14:hiddenFill xmlns:a14="http://schemas.microsoft.com/office/drawing/2010/main">
+                <a:solidFill>
+                  <a:srgbClr val="FFFFFF"/>
+                </a:solidFill>
+              </a14:hiddenFill>
+            </a:ext>
+          </a:extLst>
+        </p:spPr>
+      </p:pic>
+      <p:sp>
+        <p:nvSpPr>
+          <p:cNvPr id="23" name="テキスト ボックス 22">
+            <a:extLst>
+              <a:ext uri="{FF2B5EF4-FFF2-40B4-BE49-F238E27FC236}">
+                <a16:creationId xmlns:a16="http://schemas.microsoft.com/office/drawing/2014/main" id="{66EC6AA8-F466-4F88-B288-5D0543BFDEEC}"/>
+              </a:ext>
+            </a:extLst>
+          </p:cNvPr>
+          <p:cNvSpPr txBox="1"/>
+          <p:nvPr/>
+        </p:nvSpPr>
+        <p:spPr>
+          <a:xfrm>
+            <a:off x="5724128" y="4437112"/>
+            <a:ext cx="556563" cy="369332"/>
+          </a:xfrm>
+          <a:prstGeom prst="rect">
+            <a:avLst/>
+          </a:prstGeom>
+          <a:noFill/>
+        </p:spPr>
+        <p:txBody>
+          <a:bodyPr wrap="none" rtlCol="0">
+            <a:spAutoFit/>
+          </a:bodyPr>
+          <a:lstStyle/>
+          <a:p>
+            <a:r>
+              <a:rPr kumimoji="1" lang="en-US" altLang="ja-JP" dirty="0"/>
+              <a:t>test</a:t>
+            </a:r>
+            <a:endParaRPr kumimoji="1" lang="ja-JP" altLang="en-US" dirty="0"/>
+          </a:p>
+        </p:txBody>
+      </p:sp>
+      <p:pic>
+        <p:nvPicPr>
+          <p:cNvPr id="24" name="Picture 2" descr="手を上げている男の子のイラスト">
+            <a:extLst>
+              <a:ext uri="{FF2B5EF4-FFF2-40B4-BE49-F238E27FC236}">
+                <a16:creationId xmlns:a16="http://schemas.microsoft.com/office/drawing/2014/main" id="{BFA8CAA8-BE2C-4A11-A5A6-FDC72144C55E}"/>
+              </a:ext>
+            </a:extLst>
+          </p:cNvPr>
+          <p:cNvPicPr>
+            <a:picLocks noChangeAspect="1" noChangeArrowheads="1"/>
+          </p:cNvPicPr>
+          <p:nvPr/>
+        </p:nvPicPr>
+        <p:blipFill>
+          <a:blip r:embed="rId4" cstate="print">
+            <a:extLst>
+              <a:ext uri="{28A0092B-C50C-407E-A947-70E740481C1C}">
+                <a14:useLocalDpi xmlns:a14="http://schemas.microsoft.com/office/drawing/2010/main" val="0"/>
+              </a:ext>
+            </a:extLst>
+          </a:blip>
+          <a:srcRect/>
+          <a:stretch>
+            <a:fillRect/>
+          </a:stretch>
+        </p:blipFill>
+        <p:spPr bwMode="auto">
+          <a:xfrm>
+            <a:off x="5144338" y="4293096"/>
+            <a:ext cx="385188" cy="536848"/>
+          </a:xfrm>
+          <a:prstGeom prst="rect">
+            <a:avLst/>
+          </a:prstGeom>
+          <a:noFill/>
+          <a:extLst>
+            <a:ext uri="{909E8E84-426E-40DD-AFC4-6F175D3DCCD1}">
+              <a14:hiddenFill xmlns:a14="http://schemas.microsoft.com/office/drawing/2010/main">
+                <a:solidFill>
+                  <a:srgbClr val="FFFFFF"/>
+                </a:solidFill>
+              </a14:hiddenFill>
+            </a:ext>
+          </a:extLst>
+        </p:spPr>
+      </p:pic>
+      <p:pic>
+        <p:nvPicPr>
+          <p:cNvPr id="26" name="Picture 2" descr="ファイルアイコン（テキスト）">
+            <a:extLst>
+              <a:ext uri="{FF2B5EF4-FFF2-40B4-BE49-F238E27FC236}">
+                <a16:creationId xmlns:a16="http://schemas.microsoft.com/office/drawing/2014/main" id="{D83F88DB-5F15-49EC-9D1E-2F0F7A92935B}"/>
+              </a:ext>
+            </a:extLst>
+          </p:cNvPr>
+          <p:cNvPicPr>
+            <a:picLocks noChangeAspect="1" noChangeArrowheads="1"/>
+          </p:cNvPicPr>
+          <p:nvPr/>
+        </p:nvPicPr>
+        <p:blipFill>
+          <a:blip r:embed="rId5" cstate="print">
+            <a:extLst>
+              <a:ext uri="{28A0092B-C50C-407E-A947-70E740481C1C}">
+                <a14:useLocalDpi xmlns:a14="http://schemas.microsoft.com/office/drawing/2010/main" val="0"/>
+              </a:ext>
+            </a:extLst>
+          </a:blip>
+          <a:srcRect/>
+          <a:stretch>
+            <a:fillRect/>
+          </a:stretch>
+        </p:blipFill>
+        <p:spPr bwMode="auto">
+          <a:xfrm>
+            <a:off x="6804248" y="5301208"/>
+            <a:ext cx="484265" cy="562372"/>
+          </a:xfrm>
+          <a:prstGeom prst="rect">
+            <a:avLst/>
+          </a:prstGeom>
+          <a:noFill/>
+          <a:extLst>
+            <a:ext uri="{909E8E84-426E-40DD-AFC4-6F175D3DCCD1}">
+              <a14:hiddenFill xmlns:a14="http://schemas.microsoft.com/office/drawing/2010/main">
+                <a:solidFill>
+                  <a:srgbClr val="FFFFFF"/>
+                </a:solidFill>
+              </a14:hiddenFill>
+            </a:ext>
+          </a:extLst>
+        </p:spPr>
+      </p:pic>
+      <p:sp>
+        <p:nvSpPr>
+          <p:cNvPr id="28" name="テキスト ボックス 27">
+            <a:extLst>
+              <a:ext uri="{FF2B5EF4-FFF2-40B4-BE49-F238E27FC236}">
+                <a16:creationId xmlns:a16="http://schemas.microsoft.com/office/drawing/2014/main" id="{5B814B22-C6E2-4292-AE9A-8D6A9E02089D}"/>
+              </a:ext>
+            </a:extLst>
+          </p:cNvPr>
+          <p:cNvSpPr txBox="1"/>
+          <p:nvPr/>
+        </p:nvSpPr>
+        <p:spPr>
+          <a:xfrm>
+            <a:off x="6372200" y="5877272"/>
+            <a:ext cx="1324402" cy="369332"/>
+          </a:xfrm>
+          <a:prstGeom prst="rect">
+            <a:avLst/>
+          </a:prstGeom>
+          <a:noFill/>
+        </p:spPr>
+        <p:txBody>
+          <a:bodyPr wrap="none" rtlCol="0">
+            <a:spAutoFit/>
+          </a:bodyPr>
+          <a:lstStyle/>
+          <a:p>
+            <a:r>
+              <a:rPr kumimoji="1" lang="en-US" altLang="ja-JP" dirty="0">
+                <a:latin typeface="Consolas" panose="020B0609020204030204" pitchFamily="49" charset="0"/>
+              </a:rPr>
+              <a:t>README.md</a:t>
+            </a:r>
+            <a:endParaRPr kumimoji="1" lang="ja-JP" altLang="en-US" dirty="0">
+              <a:latin typeface="Consolas" panose="020B0609020204030204" pitchFamily="49" charset="0"/>
+            </a:endParaRPr>
+          </a:p>
+        </p:txBody>
+      </p:sp>
+      <p:cxnSp>
+        <p:nvCxnSpPr>
+          <p:cNvPr id="32" name="直線コネクタ 31">
+            <a:extLst>
+              <a:ext uri="{FF2B5EF4-FFF2-40B4-BE49-F238E27FC236}">
+                <a16:creationId xmlns:a16="http://schemas.microsoft.com/office/drawing/2014/main" id="{4D4D6C26-848C-4248-B488-E4C7152D1C03}"/>
+              </a:ext>
+            </a:extLst>
+          </p:cNvPr>
+          <p:cNvCxnSpPr>
+            <a:cxnSpLocks/>
+          </p:cNvCxnSpPr>
+          <p:nvPr/>
+        </p:nvCxnSpPr>
+        <p:spPr>
+          <a:xfrm>
+            <a:off x="6012160" y="3068960"/>
+            <a:ext cx="1" cy="276106"/>
+          </a:xfrm>
+          <a:prstGeom prst="line">
+            <a:avLst/>
+          </a:prstGeom>
+          <a:ln>
+            <a:solidFill>
+              <a:schemeClr val="tx1"/>
+            </a:solidFill>
+            <a:headEnd type="none" w="med" len="med"/>
+            <a:tailEnd type="none" w="med" len="med"/>
+          </a:ln>
+        </p:spPr>
+        <p:style>
+          <a:lnRef idx="1">
+            <a:schemeClr val="accent1"/>
+          </a:lnRef>
+          <a:fillRef idx="0">
+            <a:schemeClr val="accent1"/>
+          </a:fillRef>
+          <a:effectRef idx="0">
+            <a:schemeClr val="accent1"/>
+          </a:effectRef>
+          <a:fontRef idx="minor">
+            <a:schemeClr val="tx1"/>
+          </a:fontRef>
+        </p:style>
+      </p:cxnSp>
+      <p:sp>
+        <p:nvSpPr>
+          <p:cNvPr id="37" name="円柱 36">
+            <a:extLst>
+              <a:ext uri="{FF2B5EF4-FFF2-40B4-BE49-F238E27FC236}">
+                <a16:creationId xmlns:a16="http://schemas.microsoft.com/office/drawing/2014/main" id="{FB089477-84E1-465E-A03D-9A8EF23FD339}"/>
+              </a:ext>
+            </a:extLst>
+          </p:cNvPr>
+          <p:cNvSpPr/>
+          <p:nvPr/>
+        </p:nvSpPr>
+        <p:spPr>
+          <a:xfrm>
+            <a:off x="5716379" y="5301208"/>
+            <a:ext cx="576064" cy="496072"/>
+          </a:xfrm>
+          <a:prstGeom prst="can">
+            <a:avLst/>
+          </a:prstGeom>
+          <a:solidFill>
+            <a:schemeClr val="accent2">
+              <a:lumMod val="20000"/>
+              <a:lumOff val="80000"/>
+            </a:schemeClr>
+          </a:solidFill>
+          <a:ln>
+            <a:solidFill>
+              <a:schemeClr val="tx1"/>
+            </a:solidFill>
+          </a:ln>
+        </p:spPr>
+        <p:style>
+          <a:lnRef idx="2">
+            <a:schemeClr val="accent1">
+              <a:shade val="50000"/>
+            </a:schemeClr>
+          </a:lnRef>
+          <a:fillRef idx="1">
+            <a:schemeClr val="accent1"/>
+          </a:fillRef>
+          <a:effectRef idx="0">
+            <a:schemeClr val="accent1"/>
+          </a:effectRef>
+          <a:fontRef idx="minor">
+            <a:schemeClr val="lt1"/>
+          </a:fontRef>
+        </p:style>
+        <p:txBody>
+          <a:bodyPr rtlCol="0" anchor="ctr"/>
+          <a:lstStyle/>
+          <a:p>
+            <a:pPr algn="ctr"/>
+            <a:r>
+              <a:rPr kumimoji="1" lang="en-US" altLang="ja-JP" sz="1200" dirty="0">
+                <a:solidFill>
+                  <a:schemeClr val="tx1"/>
+                </a:solidFill>
+                <a:latin typeface="Consolas" panose="020B0609020204030204" pitchFamily="49" charset="0"/>
+              </a:rPr>
+              <a:t>.git</a:t>
+            </a:r>
+            <a:endParaRPr kumimoji="1" lang="ja-JP" altLang="en-US" sz="1200" dirty="0">
+              <a:solidFill>
+                <a:schemeClr val="tx1"/>
+              </a:solidFill>
+              <a:latin typeface="Consolas" panose="020B0609020204030204" pitchFamily="49" charset="0"/>
+            </a:endParaRPr>
+          </a:p>
+        </p:txBody>
+      </p:sp>
+      <p:cxnSp>
+        <p:nvCxnSpPr>
+          <p:cNvPr id="39" name="コネクタ: カギ線 38">
+            <a:extLst>
+              <a:ext uri="{FF2B5EF4-FFF2-40B4-BE49-F238E27FC236}">
+                <a16:creationId xmlns:a16="http://schemas.microsoft.com/office/drawing/2014/main" id="{780D1C17-4B15-4CCD-84D0-A1866F77A685}"/>
+              </a:ext>
+            </a:extLst>
+          </p:cNvPr>
+          <p:cNvCxnSpPr>
+            <a:stCxn id="22" idx="2"/>
+            <a:endCxn id="26" idx="0"/>
+          </p:cNvCxnSpPr>
+          <p:nvPr/>
+        </p:nvCxnSpPr>
+        <p:spPr>
+          <a:xfrm rot="16200000" flipH="1">
+            <a:off x="6314709" y="4569536"/>
+            <a:ext cx="420122" cy="1043222"/>
+          </a:xfrm>
+          <a:prstGeom prst="bentConnector3">
+            <a:avLst/>
+          </a:prstGeom>
+          <a:ln>
+            <a:solidFill>
+              <a:schemeClr val="tx1"/>
+            </a:solidFill>
+            <a:headEnd type="none" w="med" len="med"/>
+            <a:tailEnd type="none" w="med" len="med"/>
+          </a:ln>
+        </p:spPr>
+        <p:style>
+          <a:lnRef idx="1">
+            <a:schemeClr val="accent1"/>
+          </a:lnRef>
+          <a:fillRef idx="0">
+            <a:schemeClr val="accent1"/>
+          </a:fillRef>
+          <a:effectRef idx="0">
+            <a:schemeClr val="accent1"/>
+          </a:effectRef>
+          <a:fontRef idx="minor">
+            <a:schemeClr val="tx1"/>
+          </a:fontRef>
+        </p:style>
+      </p:cxnSp>
+      <p:cxnSp>
+        <p:nvCxnSpPr>
+          <p:cNvPr id="41" name="直線コネクタ 40">
+            <a:extLst>
+              <a:ext uri="{FF2B5EF4-FFF2-40B4-BE49-F238E27FC236}">
+                <a16:creationId xmlns:a16="http://schemas.microsoft.com/office/drawing/2014/main" id="{D527BD5F-8994-4FD4-B37E-14972D4A5ECD}"/>
+              </a:ext>
+            </a:extLst>
+          </p:cNvPr>
+          <p:cNvCxnSpPr>
+            <a:stCxn id="22" idx="2"/>
+            <a:endCxn id="37" idx="1"/>
+          </p:cNvCxnSpPr>
+          <p:nvPr/>
+        </p:nvCxnSpPr>
+        <p:spPr>
+          <a:xfrm>
+            <a:off x="6003159" y="4881086"/>
+            <a:ext cx="1252" cy="420122"/>
+          </a:xfrm>
+          <a:prstGeom prst="line">
+            <a:avLst/>
+          </a:prstGeom>
+          <a:ln>
+            <a:solidFill>
+              <a:schemeClr val="tx1"/>
+            </a:solidFill>
+            <a:headEnd type="none" w="med" len="med"/>
+            <a:tailEnd type="none" w="med" len="med"/>
+          </a:ln>
+        </p:spPr>
+        <p:style>
+          <a:lnRef idx="1">
+            <a:schemeClr val="accent1"/>
+          </a:lnRef>
+          <a:fillRef idx="0">
+            <a:schemeClr val="accent1"/>
+          </a:fillRef>
+          <a:effectRef idx="0">
+            <a:schemeClr val="accent1"/>
+          </a:effectRef>
+          <a:fontRef idx="minor">
+            <a:schemeClr val="tx1"/>
+          </a:fontRef>
+        </p:style>
+      </p:cxnSp>
+      <p:sp>
+        <p:nvSpPr>
+          <p:cNvPr id="42" name="テキスト ボックス 41">
+            <a:extLst>
+              <a:ext uri="{FF2B5EF4-FFF2-40B4-BE49-F238E27FC236}">
+                <a16:creationId xmlns:a16="http://schemas.microsoft.com/office/drawing/2014/main" id="{344FBCD8-7A8F-4A5D-B382-3FE27B2EE256}"/>
+              </a:ext>
+            </a:extLst>
+          </p:cNvPr>
+          <p:cNvSpPr txBox="1"/>
+          <p:nvPr/>
+        </p:nvSpPr>
+        <p:spPr>
+          <a:xfrm>
+            <a:off x="1835696" y="5301208"/>
+            <a:ext cx="3031599" cy="646331"/>
+          </a:xfrm>
+          <a:prstGeom prst="rect">
+            <a:avLst/>
+          </a:prstGeom>
+          <a:noFill/>
+        </p:spPr>
+        <p:txBody>
+          <a:bodyPr wrap="none" rtlCol="0">
+            <a:spAutoFit/>
+          </a:bodyPr>
+          <a:lstStyle/>
+          <a:p>
+            <a:r>
+              <a:rPr kumimoji="1" lang="en-US" altLang="ja-JP" dirty="0"/>
+              <a:t>.git</a:t>
+            </a:r>
+            <a:r>
+              <a:rPr kumimoji="1" lang="ja-JP" altLang="en-US" dirty="0"/>
+              <a:t>ディレクトリが作られ、</a:t>
+            </a:r>
+            <a:endParaRPr kumimoji="1" lang="en-US" altLang="ja-JP" dirty="0"/>
+          </a:p>
+          <a:p>
+            <a:r>
+              <a:rPr lang="en-US" altLang="ja-JP" dirty="0"/>
+              <a:t>test</a:t>
+            </a:r>
+            <a:r>
+              <a:rPr lang="ja-JP" altLang="en-US" dirty="0"/>
+              <a:t>が</a:t>
+            </a:r>
+            <a:r>
+              <a:rPr lang="en-US" altLang="ja-JP" dirty="0"/>
+              <a:t>git</a:t>
+            </a:r>
+            <a:r>
+              <a:rPr lang="ja-JP" altLang="en-US" dirty="0"/>
+              <a:t>管理下に入る</a:t>
+            </a:r>
+            <a:endParaRPr kumimoji="1" lang="ja-JP" altLang="en-US" dirty="0"/>
+          </a:p>
+        </p:txBody>
+      </p:sp>
+      <p:sp>
+        <p:nvSpPr>
+          <p:cNvPr id="43" name="矢印: 右 42">
+            <a:extLst>
+              <a:ext uri="{FF2B5EF4-FFF2-40B4-BE49-F238E27FC236}">
+                <a16:creationId xmlns:a16="http://schemas.microsoft.com/office/drawing/2014/main" id="{373C243E-6166-44CF-8E1A-E2CD3FA62F7F}"/>
+              </a:ext>
+            </a:extLst>
+          </p:cNvPr>
+          <p:cNvSpPr/>
+          <p:nvPr/>
+        </p:nvSpPr>
+        <p:spPr>
+          <a:xfrm>
+            <a:off x="4860032" y="5373216"/>
+            <a:ext cx="648072" cy="412624"/>
+          </a:xfrm>
+          <a:prstGeom prst="rightArrow">
+            <a:avLst/>
+          </a:prstGeom>
+          <a:solidFill>
+            <a:srgbClr val="FF0000"/>
+          </a:solidFill>
+          <a:ln>
+            <a:solidFill>
+              <a:schemeClr val="tx1"/>
+            </a:solidFill>
+          </a:ln>
+        </p:spPr>
+        <p:style>
+          <a:lnRef idx="2">
+            <a:schemeClr val="accent1">
+              <a:shade val="50000"/>
+            </a:schemeClr>
+          </a:lnRef>
+          <a:fillRef idx="1">
+            <a:schemeClr val="accent1"/>
+          </a:fillRef>
+          <a:effectRef idx="0">
+            <a:schemeClr val="accent1"/>
+          </a:effectRef>
+          <a:fontRef idx="minor">
+            <a:schemeClr val="lt1"/>
+          </a:fontRef>
+        </p:style>
+        <p:txBody>
+          <a:bodyPr rtlCol="0" anchor="ctr"/>
+          <a:lstStyle/>
+          <a:p>
+            <a:pPr algn="ctr"/>
+            <a:endParaRPr kumimoji="1" lang="ja-JP" altLang="en-US"/>
+          </a:p>
+        </p:txBody>
+      </p:sp>
+      <p:cxnSp>
+        <p:nvCxnSpPr>
+          <p:cNvPr id="45" name="直線コネクタ 44">
+            <a:extLst>
+              <a:ext uri="{FF2B5EF4-FFF2-40B4-BE49-F238E27FC236}">
+                <a16:creationId xmlns:a16="http://schemas.microsoft.com/office/drawing/2014/main" id="{621CC2CF-DE5F-4557-8A96-2DA816C1AC6C}"/>
+              </a:ext>
+            </a:extLst>
+          </p:cNvPr>
+          <p:cNvCxnSpPr>
+            <a:cxnSpLocks/>
+          </p:cNvCxnSpPr>
+          <p:nvPr/>
+        </p:nvCxnSpPr>
+        <p:spPr>
+          <a:xfrm>
+            <a:off x="6012160" y="3933056"/>
+            <a:ext cx="1" cy="276106"/>
+          </a:xfrm>
+          <a:prstGeom prst="line">
+            <a:avLst/>
+          </a:prstGeom>
+          <a:ln>
+            <a:solidFill>
+              <a:schemeClr val="tx1"/>
+            </a:solidFill>
+            <a:headEnd type="none" w="med" len="med"/>
+            <a:tailEnd type="none" w="med" len="med"/>
+          </a:ln>
+        </p:spPr>
+        <p:style>
+          <a:lnRef idx="1">
+            <a:schemeClr val="accent1"/>
+          </a:lnRef>
+          <a:fillRef idx="0">
+            <a:schemeClr val="accent1"/>
+          </a:fillRef>
+          <a:effectRef idx="0">
+            <a:schemeClr val="accent1"/>
+          </a:effectRef>
+          <a:fontRef idx="minor">
+            <a:schemeClr val="tx1"/>
+          </a:fontRef>
+        </p:style>
+      </p:cxnSp>
+    </p:spTree>
+    <p:extLst>
+      <p:ext uri="{BB962C8B-B14F-4D97-AF65-F5344CB8AC3E}">
+        <p14:creationId xmlns:p14="http://schemas.microsoft.com/office/powerpoint/2010/main" val="3149631915"/>
+      </p:ext>
+    </p:extLst>
+  </p:cSld>
+  <p:clrMapOvr>
+    <a:masterClrMapping/>
+  </p:clrMapOvr>
+</p:sld>
+</file>
+
+<file path=ppt/slides/slide12.xml><?xml version="1.0" encoding="utf-8"?>
+<p:sld xmlns:a="http://schemas.openxmlformats.org/drawingml/2006/main" xmlns:r="http://schemas.openxmlformats.org/officeDocument/2006/relationships" xmlns:p="http://schemas.openxmlformats.org/presentationml/2006/main">
+  <p:cSld>
+    <p:spTree>
+      <p:nvGrpSpPr>
+        <p:cNvPr id="1" name=""/>
+        <p:cNvGrpSpPr/>
+        <p:nvPr/>
+      </p:nvGrpSpPr>
+      <p:grpSpPr>
+        <a:xfrm>
+          <a:off x="0" y="0"/>
+          <a:ext cx="0" cy="0"/>
+          <a:chOff x="0" y="0"/>
+          <a:chExt cx="0" cy="0"/>
+        </a:xfrm>
+      </p:grpSpPr>
+      <p:sp>
+        <p:nvSpPr>
+          <p:cNvPr id="2" name="テキスト プレースホルダー 1">
+            <a:extLst>
+              <a:ext uri="{FF2B5EF4-FFF2-40B4-BE49-F238E27FC236}">
+                <a16:creationId xmlns:a16="http://schemas.microsoft.com/office/drawing/2014/main" id="{30D6949F-1813-4447-9157-E9ED37781396}"/>
+              </a:ext>
+            </a:extLst>
+          </p:cNvPr>
+          <p:cNvSpPr>
+            <a:spLocks noGrp="1"/>
+          </p:cNvSpPr>
+          <p:nvPr>
+            <p:ph type="body" sz="quarter" idx="10"/>
+          </p:nvPr>
+        </p:nvSpPr>
+        <p:spPr/>
+        <p:txBody>
+          <a:bodyPr/>
+          <a:lstStyle/>
+          <a:p>
+            <a:r>
+              <a:rPr kumimoji="1" lang="ja-JP" altLang="en-US" dirty="0"/>
+              <a:t>課題</a:t>
+            </a:r>
+            <a:r>
+              <a:rPr kumimoji="1" lang="en-US" altLang="ja-JP" dirty="0"/>
+              <a:t> – Step 3</a:t>
+            </a:r>
+            <a:endParaRPr kumimoji="1" lang="ja-JP" altLang="en-US" dirty="0"/>
+          </a:p>
+        </p:txBody>
+      </p:sp>
+      <p:sp>
+        <p:nvSpPr>
+          <p:cNvPr id="3" name="テキスト ボックス 2">
+            <a:extLst>
+              <a:ext uri="{FF2B5EF4-FFF2-40B4-BE49-F238E27FC236}">
+                <a16:creationId xmlns:a16="http://schemas.microsoft.com/office/drawing/2014/main" id="{C825AA7E-4BB7-4B61-A922-AD85F3607730}"/>
+              </a:ext>
+            </a:extLst>
+          </p:cNvPr>
+          <p:cNvSpPr txBox="1"/>
+          <p:nvPr/>
+        </p:nvSpPr>
+        <p:spPr>
+          <a:xfrm>
+            <a:off x="251520" y="1268760"/>
+            <a:ext cx="3262432" cy="461665"/>
+          </a:xfrm>
+          <a:prstGeom prst="rect">
+            <a:avLst/>
+          </a:prstGeom>
+          <a:noFill/>
+        </p:spPr>
+        <p:txBody>
+          <a:bodyPr wrap="none" rtlCol="0">
+            <a:spAutoFit/>
+          </a:bodyPr>
+          <a:lstStyle/>
+          <a:p>
+            <a:r>
+              <a:rPr kumimoji="1" lang="ja-JP" altLang="en-US" sz="2400" dirty="0"/>
+              <a:t>インデックスへの追加</a:t>
+            </a:r>
+          </a:p>
+        </p:txBody>
+      </p:sp>
+      <p:sp>
+        <p:nvSpPr>
+          <p:cNvPr id="4" name="テキスト ボックス 3">
+            <a:extLst>
+              <a:ext uri="{FF2B5EF4-FFF2-40B4-BE49-F238E27FC236}">
+                <a16:creationId xmlns:a16="http://schemas.microsoft.com/office/drawing/2014/main" id="{B1B33A85-598F-4AE2-A492-6901FCB76B85}"/>
+              </a:ext>
+            </a:extLst>
+          </p:cNvPr>
+          <p:cNvSpPr txBox="1"/>
+          <p:nvPr/>
+        </p:nvSpPr>
+        <p:spPr>
+          <a:xfrm>
+            <a:off x="827584" y="1988840"/>
+            <a:ext cx="2582758" cy="400110"/>
+          </a:xfrm>
+          <a:prstGeom prst="rect">
+            <a:avLst/>
+          </a:prstGeom>
+          <a:noFill/>
+          <a:ln>
+            <a:solidFill>
+              <a:schemeClr val="tx1"/>
+            </a:solidFill>
+          </a:ln>
+        </p:spPr>
+        <p:txBody>
+          <a:bodyPr wrap="none" rtlCol="0">
+            <a:spAutoFit/>
+          </a:bodyPr>
+          <a:lstStyle/>
+          <a:p>
+            <a:r>
+              <a:rPr kumimoji="1" lang="en-US" altLang="ja-JP" sz="2000" dirty="0">
+                <a:latin typeface="Consolas" panose="020B0609020204030204" pitchFamily="49" charset="0"/>
+              </a:rPr>
+              <a:t>git add </a:t>
+            </a:r>
+            <a:r>
+              <a:rPr lang="en-US" altLang="ja-JP" sz="2000" dirty="0">
+                <a:latin typeface="Consolas" panose="020B0609020204030204" pitchFamily="49" charset="0"/>
+              </a:rPr>
+              <a:t>README.md</a:t>
+            </a:r>
+            <a:endParaRPr kumimoji="1" lang="ja-JP" altLang="en-US" sz="2000" dirty="0">
+              <a:latin typeface="Consolas" panose="020B0609020204030204" pitchFamily="49" charset="0"/>
+            </a:endParaRPr>
+          </a:p>
+        </p:txBody>
+      </p:sp>
+      <p:pic>
+        <p:nvPicPr>
+          <p:cNvPr id="5" name="Picture 2" descr="フォルダのイラスト">
+            <a:extLst>
+              <a:ext uri="{FF2B5EF4-FFF2-40B4-BE49-F238E27FC236}">
+                <a16:creationId xmlns:a16="http://schemas.microsoft.com/office/drawing/2014/main" id="{18D15AF1-F12E-4775-9B54-8D28C7159E89}"/>
+              </a:ext>
+            </a:extLst>
+          </p:cNvPr>
+          <p:cNvPicPr>
+            <a:picLocks noChangeAspect="1" noChangeArrowheads="1"/>
+          </p:cNvPicPr>
+          <p:nvPr/>
+        </p:nvPicPr>
+        <p:blipFill>
+          <a:blip r:embed="rId2" cstate="print">
+            <a:extLst>
+              <a:ext uri="{28A0092B-C50C-407E-A947-70E740481C1C}">
+                <a14:useLocalDpi xmlns:a14="http://schemas.microsoft.com/office/drawing/2010/main" val="0"/>
+              </a:ext>
+            </a:extLst>
+          </a:blip>
+          <a:srcRect/>
+          <a:stretch>
+            <a:fillRect/>
+          </a:stretch>
+        </p:blipFill>
+        <p:spPr bwMode="auto">
+          <a:xfrm>
+            <a:off x="1331640" y="4437112"/>
+            <a:ext cx="702078" cy="587990"/>
+          </a:xfrm>
+          <a:prstGeom prst="rect">
+            <a:avLst/>
+          </a:prstGeom>
+          <a:noFill/>
+          <a:extLst>
+            <a:ext uri="{909E8E84-426E-40DD-AFC4-6F175D3DCCD1}">
+              <a14:hiddenFill xmlns:a14="http://schemas.microsoft.com/office/drawing/2010/main">
+                <a:solidFill>
+                  <a:srgbClr val="FFFFFF"/>
+                </a:solidFill>
+              </a14:hiddenFill>
+            </a:ext>
+          </a:extLst>
+        </p:spPr>
+      </p:pic>
+      <p:cxnSp>
+        <p:nvCxnSpPr>
+          <p:cNvPr id="8" name="直線コネクタ 7">
+            <a:extLst>
+              <a:ext uri="{FF2B5EF4-FFF2-40B4-BE49-F238E27FC236}">
+                <a16:creationId xmlns:a16="http://schemas.microsoft.com/office/drawing/2014/main" id="{F8407356-2EEF-475B-BD96-744D38FA28A5}"/>
+              </a:ext>
+            </a:extLst>
+          </p:cNvPr>
+          <p:cNvCxnSpPr>
+            <a:stCxn id="5" idx="2"/>
+          </p:cNvCxnSpPr>
+          <p:nvPr/>
+        </p:nvCxnSpPr>
+        <p:spPr>
+          <a:xfrm>
+            <a:off x="1682679" y="5025102"/>
+            <a:ext cx="1847" cy="204098"/>
+          </a:xfrm>
+          <a:prstGeom prst="line">
+            <a:avLst/>
+          </a:prstGeom>
+          <a:ln>
+            <a:solidFill>
+              <a:schemeClr val="tx1"/>
+            </a:solidFill>
+            <a:headEnd type="none" w="med" len="med"/>
+            <a:tailEnd type="none" w="med" len="med"/>
+          </a:ln>
+        </p:spPr>
+        <p:style>
+          <a:lnRef idx="1">
+            <a:schemeClr val="accent1"/>
+          </a:lnRef>
+          <a:fillRef idx="0">
+            <a:schemeClr val="accent1"/>
+          </a:fillRef>
+          <a:effectRef idx="0">
+            <a:schemeClr val="accent1"/>
+          </a:effectRef>
+          <a:fontRef idx="minor">
+            <a:schemeClr val="tx1"/>
+          </a:fontRef>
+        </p:style>
+      </p:cxnSp>
+      <p:sp>
+        <p:nvSpPr>
+          <p:cNvPr id="12" name="四角形: 角を丸くする 11">
+            <a:extLst>
+              <a:ext uri="{FF2B5EF4-FFF2-40B4-BE49-F238E27FC236}">
+                <a16:creationId xmlns:a16="http://schemas.microsoft.com/office/drawing/2014/main" id="{F6A0015E-52EB-4515-BE29-BA3C6882C986}"/>
+              </a:ext>
+            </a:extLst>
+          </p:cNvPr>
+          <p:cNvSpPr/>
+          <p:nvPr/>
+        </p:nvSpPr>
+        <p:spPr>
+          <a:xfrm>
+            <a:off x="755576" y="4077072"/>
+            <a:ext cx="2232248" cy="2304256"/>
+          </a:xfrm>
+          <a:prstGeom prst="roundRect">
+            <a:avLst/>
+          </a:prstGeom>
+          <a:noFill/>
+          <a:ln w="38100">
+            <a:solidFill>
+              <a:schemeClr val="tx1"/>
+            </a:solidFill>
+            <a:prstDash val="dash"/>
+          </a:ln>
+        </p:spPr>
+        <p:style>
+          <a:lnRef idx="2">
+            <a:schemeClr val="accent1">
+              <a:shade val="50000"/>
+            </a:schemeClr>
+          </a:lnRef>
+          <a:fillRef idx="1">
+            <a:schemeClr val="accent1"/>
+          </a:fillRef>
+          <a:effectRef idx="0">
+            <a:schemeClr val="accent1"/>
+          </a:effectRef>
+          <a:fontRef idx="minor">
+            <a:schemeClr val="lt1"/>
+          </a:fontRef>
+        </p:style>
+        <p:txBody>
+          <a:bodyPr rtlCol="0" anchor="ctr"/>
+          <a:lstStyle/>
+          <a:p>
+            <a:pPr algn="ctr"/>
+            <a:endParaRPr kumimoji="1" lang="ja-JP" altLang="en-US"/>
+          </a:p>
+        </p:txBody>
+      </p:sp>
+      <p:pic>
+        <p:nvPicPr>
+          <p:cNvPr id="17" name="Picture 2" descr="ファイルアイコン（テキスト）">
+            <a:extLst>
+              <a:ext uri="{FF2B5EF4-FFF2-40B4-BE49-F238E27FC236}">
+                <a16:creationId xmlns:a16="http://schemas.microsoft.com/office/drawing/2014/main" id="{64E6CA5A-13F5-47BA-B83D-5B9015506994}"/>
+              </a:ext>
+            </a:extLst>
+          </p:cNvPr>
+          <p:cNvPicPr>
+            <a:picLocks noChangeAspect="1" noChangeArrowheads="1"/>
+          </p:cNvPicPr>
+          <p:nvPr/>
+        </p:nvPicPr>
+        <p:blipFill>
+          <a:blip r:embed="rId3" cstate="print">
+            <a:extLst>
+              <a:ext uri="{28A0092B-C50C-407E-A947-70E740481C1C}">
+                <a14:useLocalDpi xmlns:a14="http://schemas.microsoft.com/office/drawing/2010/main" val="0"/>
+              </a:ext>
+            </a:extLst>
+          </a:blip>
+          <a:srcRect/>
+          <a:stretch>
+            <a:fillRect/>
+          </a:stretch>
+        </p:blipFill>
+        <p:spPr bwMode="auto">
+          <a:xfrm>
+            <a:off x="1423439" y="5229200"/>
+            <a:ext cx="484265" cy="562372"/>
+          </a:xfrm>
+          <a:prstGeom prst="rect">
+            <a:avLst/>
+          </a:prstGeom>
+          <a:noFill/>
+          <a:extLst>
+            <a:ext uri="{909E8E84-426E-40DD-AFC4-6F175D3DCCD1}">
+              <a14:hiddenFill xmlns:a14="http://schemas.microsoft.com/office/drawing/2010/main">
+                <a:solidFill>
+                  <a:srgbClr val="FFFFFF"/>
+                </a:solidFill>
+              </a14:hiddenFill>
+            </a:ext>
+          </a:extLst>
+        </p:spPr>
+      </p:pic>
+      <p:sp>
+        <p:nvSpPr>
+          <p:cNvPr id="18" name="テキスト ボックス 17">
+            <a:extLst>
+              <a:ext uri="{FF2B5EF4-FFF2-40B4-BE49-F238E27FC236}">
+                <a16:creationId xmlns:a16="http://schemas.microsoft.com/office/drawing/2014/main" id="{4EC905F6-249C-4A58-AA57-00DBC66FD999}"/>
+              </a:ext>
+            </a:extLst>
+          </p:cNvPr>
+          <p:cNvSpPr txBox="1"/>
+          <p:nvPr/>
+        </p:nvSpPr>
+        <p:spPr>
+          <a:xfrm>
+            <a:off x="1187624" y="5733256"/>
+            <a:ext cx="1324402" cy="369332"/>
+          </a:xfrm>
+          <a:prstGeom prst="rect">
+            <a:avLst/>
+          </a:prstGeom>
+          <a:noFill/>
+        </p:spPr>
+        <p:txBody>
+          <a:bodyPr wrap="none" rtlCol="0">
+            <a:spAutoFit/>
+          </a:bodyPr>
+          <a:lstStyle/>
+          <a:p>
+            <a:r>
+              <a:rPr kumimoji="1" lang="en-US" altLang="ja-JP" dirty="0">
+                <a:latin typeface="Consolas" panose="020B0609020204030204" pitchFamily="49" charset="0"/>
+              </a:rPr>
+              <a:t>README.md</a:t>
+            </a:r>
+            <a:endParaRPr kumimoji="1" lang="ja-JP" altLang="en-US" dirty="0">
+              <a:latin typeface="Consolas" panose="020B0609020204030204" pitchFamily="49" charset="0"/>
+            </a:endParaRPr>
+          </a:p>
+        </p:txBody>
+      </p:sp>
+      <p:pic>
+        <p:nvPicPr>
+          <p:cNvPr id="19" name="Picture 2" descr="フォルダのイラスト">
+            <a:extLst>
+              <a:ext uri="{FF2B5EF4-FFF2-40B4-BE49-F238E27FC236}">
+                <a16:creationId xmlns:a16="http://schemas.microsoft.com/office/drawing/2014/main" id="{5159C917-48D7-4BAF-AD52-D9DE66C76EA8}"/>
+              </a:ext>
+            </a:extLst>
+          </p:cNvPr>
+          <p:cNvPicPr>
+            <a:picLocks noChangeAspect="1" noChangeArrowheads="1"/>
+          </p:cNvPicPr>
+          <p:nvPr/>
+        </p:nvPicPr>
+        <p:blipFill>
+          <a:blip r:embed="rId2" cstate="print">
+            <a:extLst>
+              <a:ext uri="{28A0092B-C50C-407E-A947-70E740481C1C}">
+                <a14:useLocalDpi xmlns:a14="http://schemas.microsoft.com/office/drawing/2010/main" val="0"/>
+              </a:ext>
+            </a:extLst>
+          </a:blip>
+          <a:srcRect/>
+          <a:stretch>
+            <a:fillRect/>
+          </a:stretch>
+        </p:blipFill>
+        <p:spPr bwMode="auto">
+          <a:xfrm>
+            <a:off x="3923928" y="4437112"/>
+            <a:ext cx="702078" cy="587990"/>
+          </a:xfrm>
+          <a:prstGeom prst="rect">
+            <a:avLst/>
+          </a:prstGeom>
+          <a:noFill/>
+          <a:extLst>
+            <a:ext uri="{909E8E84-426E-40DD-AFC4-6F175D3DCCD1}">
+              <a14:hiddenFill xmlns:a14="http://schemas.microsoft.com/office/drawing/2010/main">
+                <a:solidFill>
+                  <a:srgbClr val="FFFFFF"/>
+                </a:solidFill>
+              </a14:hiddenFill>
+            </a:ext>
+          </a:extLst>
+        </p:spPr>
+      </p:pic>
+      <p:cxnSp>
+        <p:nvCxnSpPr>
+          <p:cNvPr id="20" name="直線コネクタ 19">
+            <a:extLst>
+              <a:ext uri="{FF2B5EF4-FFF2-40B4-BE49-F238E27FC236}">
+                <a16:creationId xmlns:a16="http://schemas.microsoft.com/office/drawing/2014/main" id="{00DF17CC-3FE4-49A5-BE69-8BF1AB65E3E3}"/>
+              </a:ext>
+            </a:extLst>
+          </p:cNvPr>
+          <p:cNvCxnSpPr>
+            <a:stCxn id="19" idx="2"/>
+          </p:cNvCxnSpPr>
+          <p:nvPr/>
+        </p:nvCxnSpPr>
+        <p:spPr>
+          <a:xfrm>
+            <a:off x="4274967" y="5025102"/>
+            <a:ext cx="1847" cy="204098"/>
+          </a:xfrm>
+          <a:prstGeom prst="line">
+            <a:avLst/>
+          </a:prstGeom>
+          <a:ln>
+            <a:solidFill>
+              <a:schemeClr val="tx1"/>
+            </a:solidFill>
+            <a:headEnd type="none" w="med" len="med"/>
+            <a:tailEnd type="none" w="med" len="med"/>
+          </a:ln>
+        </p:spPr>
+        <p:style>
+          <a:lnRef idx="1">
+            <a:schemeClr val="accent1"/>
+          </a:lnRef>
+          <a:fillRef idx="0">
+            <a:schemeClr val="accent1"/>
+          </a:fillRef>
+          <a:effectRef idx="0">
+            <a:schemeClr val="accent1"/>
+          </a:effectRef>
+          <a:fontRef idx="minor">
+            <a:schemeClr val="tx1"/>
+          </a:fontRef>
+        </p:style>
+      </p:cxnSp>
+      <p:sp>
+        <p:nvSpPr>
+          <p:cNvPr id="21" name="四角形: 角を丸くする 20">
+            <a:extLst>
+              <a:ext uri="{FF2B5EF4-FFF2-40B4-BE49-F238E27FC236}">
+                <a16:creationId xmlns:a16="http://schemas.microsoft.com/office/drawing/2014/main" id="{46607ACB-C4D2-4AEA-AA27-6B16591991E7}"/>
+              </a:ext>
+            </a:extLst>
+          </p:cNvPr>
+          <p:cNvSpPr/>
+          <p:nvPr/>
+        </p:nvSpPr>
+        <p:spPr>
+          <a:xfrm>
+            <a:off x="3347864" y="4077072"/>
+            <a:ext cx="2232248" cy="2304256"/>
+          </a:xfrm>
+          <a:prstGeom prst="roundRect">
+            <a:avLst/>
+          </a:prstGeom>
+          <a:noFill/>
+          <a:ln w="38100">
+            <a:solidFill>
+              <a:schemeClr val="tx1"/>
+            </a:solidFill>
+            <a:prstDash val="dash"/>
+          </a:ln>
+        </p:spPr>
+        <p:style>
+          <a:lnRef idx="2">
+            <a:schemeClr val="accent1">
+              <a:shade val="50000"/>
+            </a:schemeClr>
+          </a:lnRef>
+          <a:fillRef idx="1">
+            <a:schemeClr val="accent1"/>
+          </a:fillRef>
+          <a:effectRef idx="0">
+            <a:schemeClr val="accent1"/>
+          </a:effectRef>
+          <a:fontRef idx="minor">
+            <a:schemeClr val="lt1"/>
+          </a:fontRef>
+        </p:style>
+        <p:txBody>
+          <a:bodyPr rtlCol="0" anchor="ctr"/>
+          <a:lstStyle/>
+          <a:p>
+            <a:pPr algn="ctr"/>
+            <a:endParaRPr kumimoji="1" lang="ja-JP" altLang="en-US"/>
+          </a:p>
+        </p:txBody>
+      </p:sp>
+      <p:pic>
+        <p:nvPicPr>
+          <p:cNvPr id="22" name="Picture 2" descr="ファイルアイコン（テキスト）">
+            <a:extLst>
+              <a:ext uri="{FF2B5EF4-FFF2-40B4-BE49-F238E27FC236}">
+                <a16:creationId xmlns:a16="http://schemas.microsoft.com/office/drawing/2014/main" id="{73743BD5-BD1A-4DD4-BDD2-6DFB06184AEE}"/>
+              </a:ext>
+            </a:extLst>
+          </p:cNvPr>
+          <p:cNvPicPr>
+            <a:picLocks noChangeAspect="1" noChangeArrowheads="1"/>
+          </p:cNvPicPr>
+          <p:nvPr/>
+        </p:nvPicPr>
+        <p:blipFill>
+          <a:blip r:embed="rId3" cstate="print">
+            <a:extLst>
+              <a:ext uri="{28A0092B-C50C-407E-A947-70E740481C1C}">
+                <a14:useLocalDpi xmlns:a14="http://schemas.microsoft.com/office/drawing/2010/main" val="0"/>
+              </a:ext>
+            </a:extLst>
+          </a:blip>
+          <a:srcRect/>
+          <a:stretch>
+            <a:fillRect/>
+          </a:stretch>
+        </p:blipFill>
+        <p:spPr bwMode="auto">
+          <a:xfrm>
+            <a:off x="4015727" y="5229200"/>
+            <a:ext cx="484265" cy="562372"/>
+          </a:xfrm>
+          <a:prstGeom prst="rect">
+            <a:avLst/>
+          </a:prstGeom>
+          <a:noFill/>
+          <a:extLst>
+            <a:ext uri="{909E8E84-426E-40DD-AFC4-6F175D3DCCD1}">
+              <a14:hiddenFill xmlns:a14="http://schemas.microsoft.com/office/drawing/2010/main">
+                <a:solidFill>
+                  <a:srgbClr val="FFFFFF"/>
+                </a:solidFill>
+              </a14:hiddenFill>
+            </a:ext>
+          </a:extLst>
+        </p:spPr>
+      </p:pic>
+      <p:sp>
+        <p:nvSpPr>
+          <p:cNvPr id="23" name="テキスト ボックス 22">
+            <a:extLst>
+              <a:ext uri="{FF2B5EF4-FFF2-40B4-BE49-F238E27FC236}">
+                <a16:creationId xmlns:a16="http://schemas.microsoft.com/office/drawing/2014/main" id="{A47AAFE6-BB9E-4885-81F0-9E9231CD98EE}"/>
+              </a:ext>
+            </a:extLst>
+          </p:cNvPr>
+          <p:cNvSpPr txBox="1"/>
+          <p:nvPr/>
+        </p:nvSpPr>
+        <p:spPr>
+          <a:xfrm>
+            <a:off x="3779912" y="5733256"/>
+            <a:ext cx="1324402" cy="369332"/>
+          </a:xfrm>
+          <a:prstGeom prst="rect">
+            <a:avLst/>
+          </a:prstGeom>
+          <a:noFill/>
+        </p:spPr>
+        <p:txBody>
+          <a:bodyPr wrap="none" rtlCol="0">
+            <a:spAutoFit/>
+          </a:bodyPr>
+          <a:lstStyle/>
+          <a:p>
+            <a:r>
+              <a:rPr kumimoji="1" lang="en-US" altLang="ja-JP" dirty="0">
+                <a:latin typeface="Consolas" panose="020B0609020204030204" pitchFamily="49" charset="0"/>
+              </a:rPr>
+              <a:t>README.md</a:t>
+            </a:r>
+            <a:endParaRPr kumimoji="1" lang="ja-JP" altLang="en-US" dirty="0">
+              <a:latin typeface="Consolas" panose="020B0609020204030204" pitchFamily="49" charset="0"/>
+            </a:endParaRPr>
+          </a:p>
+        </p:txBody>
+      </p:sp>
+      <p:pic>
+        <p:nvPicPr>
+          <p:cNvPr id="24" name="Picture 2" descr="フォルダのイラスト">
+            <a:extLst>
+              <a:ext uri="{FF2B5EF4-FFF2-40B4-BE49-F238E27FC236}">
+                <a16:creationId xmlns:a16="http://schemas.microsoft.com/office/drawing/2014/main" id="{8B6AEA84-91AE-452E-BC80-4C3815317CDB}"/>
+              </a:ext>
+            </a:extLst>
+          </p:cNvPr>
+          <p:cNvPicPr>
+            <a:picLocks noChangeAspect="1" noChangeArrowheads="1"/>
+          </p:cNvPicPr>
+          <p:nvPr/>
+        </p:nvPicPr>
+        <p:blipFill>
+          <a:blip r:embed="rId2" cstate="print">
+            <a:extLst>
+              <a:ext uri="{28A0092B-C50C-407E-A947-70E740481C1C}">
+                <a14:useLocalDpi xmlns:a14="http://schemas.microsoft.com/office/drawing/2010/main" val="0"/>
+              </a:ext>
+            </a:extLst>
+          </a:blip>
+          <a:srcRect/>
+          <a:stretch>
+            <a:fillRect/>
+          </a:stretch>
+        </p:blipFill>
+        <p:spPr bwMode="auto">
+          <a:xfrm>
+            <a:off x="6444208" y="4437112"/>
+            <a:ext cx="702078" cy="587990"/>
+          </a:xfrm>
+          <a:prstGeom prst="rect">
+            <a:avLst/>
+          </a:prstGeom>
+          <a:noFill/>
+          <a:extLst>
+            <a:ext uri="{909E8E84-426E-40DD-AFC4-6F175D3DCCD1}">
+              <a14:hiddenFill xmlns:a14="http://schemas.microsoft.com/office/drawing/2010/main">
+                <a:solidFill>
+                  <a:srgbClr val="FFFFFF"/>
+                </a:solidFill>
+              </a14:hiddenFill>
+            </a:ext>
+          </a:extLst>
+        </p:spPr>
+      </p:pic>
+      <p:sp>
+        <p:nvSpPr>
+          <p:cNvPr id="26" name="四角形: 角を丸くする 25">
+            <a:extLst>
+              <a:ext uri="{FF2B5EF4-FFF2-40B4-BE49-F238E27FC236}">
+                <a16:creationId xmlns:a16="http://schemas.microsoft.com/office/drawing/2014/main" id="{8944F465-D15F-48A4-96C6-C8FB81148BD2}"/>
+              </a:ext>
+            </a:extLst>
+          </p:cNvPr>
+          <p:cNvSpPr/>
+          <p:nvPr/>
+        </p:nvSpPr>
+        <p:spPr>
+          <a:xfrm>
+            <a:off x="5868144" y="4077072"/>
+            <a:ext cx="2232248" cy="2304256"/>
+          </a:xfrm>
+          <a:prstGeom prst="roundRect">
+            <a:avLst/>
+          </a:prstGeom>
+          <a:noFill/>
+          <a:ln w="38100">
+            <a:solidFill>
+              <a:schemeClr val="tx1"/>
+            </a:solidFill>
+            <a:prstDash val="dash"/>
+          </a:ln>
+        </p:spPr>
+        <p:style>
+          <a:lnRef idx="2">
+            <a:schemeClr val="accent1">
+              <a:shade val="50000"/>
+            </a:schemeClr>
+          </a:lnRef>
+          <a:fillRef idx="1">
+            <a:schemeClr val="accent1"/>
+          </a:fillRef>
+          <a:effectRef idx="0">
+            <a:schemeClr val="accent1"/>
+          </a:effectRef>
+          <a:fontRef idx="minor">
+            <a:schemeClr val="lt1"/>
+          </a:fontRef>
+        </p:style>
+        <p:txBody>
+          <a:bodyPr rtlCol="0" anchor="ctr"/>
+          <a:lstStyle/>
+          <a:p>
+            <a:pPr algn="ctr"/>
+            <a:endParaRPr kumimoji="1" lang="ja-JP" altLang="en-US"/>
+          </a:p>
+        </p:txBody>
+      </p:sp>
+      <p:sp>
+        <p:nvSpPr>
+          <p:cNvPr id="29" name="矢印: 右 28">
+            <a:extLst>
+              <a:ext uri="{FF2B5EF4-FFF2-40B4-BE49-F238E27FC236}">
+                <a16:creationId xmlns:a16="http://schemas.microsoft.com/office/drawing/2014/main" id="{874424C5-0573-4682-B7EA-E49F5B2D2D60}"/>
+              </a:ext>
+            </a:extLst>
+          </p:cNvPr>
+          <p:cNvSpPr/>
+          <p:nvPr/>
+        </p:nvSpPr>
+        <p:spPr>
+          <a:xfrm>
+            <a:off x="2051720" y="5301208"/>
+            <a:ext cx="1728192" cy="412624"/>
+          </a:xfrm>
+          <a:prstGeom prst="rightArrow">
+            <a:avLst/>
+          </a:prstGeom>
+          <a:solidFill>
+            <a:srgbClr val="FF0000"/>
+          </a:solidFill>
+          <a:ln>
+            <a:solidFill>
+              <a:schemeClr val="tx1"/>
+            </a:solidFill>
+          </a:ln>
+        </p:spPr>
+        <p:style>
+          <a:lnRef idx="2">
+            <a:schemeClr val="accent1">
+              <a:shade val="50000"/>
+            </a:schemeClr>
+          </a:lnRef>
+          <a:fillRef idx="1">
+            <a:schemeClr val="accent1"/>
+          </a:fillRef>
+          <a:effectRef idx="0">
+            <a:schemeClr val="accent1"/>
+          </a:effectRef>
+          <a:fontRef idx="minor">
+            <a:schemeClr val="lt1"/>
+          </a:fontRef>
+        </p:style>
+        <p:txBody>
+          <a:bodyPr rtlCol="0" anchor="ctr"/>
+          <a:lstStyle/>
+          <a:p>
+            <a:pPr algn="ctr"/>
+            <a:endParaRPr kumimoji="1" lang="ja-JP" altLang="en-US"/>
+          </a:p>
+        </p:txBody>
+      </p:sp>
+      <p:sp>
+        <p:nvSpPr>
+          <p:cNvPr id="30" name="テキスト ボックス 29">
+            <a:extLst>
+              <a:ext uri="{FF2B5EF4-FFF2-40B4-BE49-F238E27FC236}">
+                <a16:creationId xmlns:a16="http://schemas.microsoft.com/office/drawing/2014/main" id="{1F82EC86-2977-4C28-BB73-5AF69C541EC4}"/>
+              </a:ext>
+            </a:extLst>
+          </p:cNvPr>
+          <p:cNvSpPr txBox="1"/>
+          <p:nvPr/>
+        </p:nvSpPr>
+        <p:spPr>
+          <a:xfrm>
+            <a:off x="827584" y="3573016"/>
+            <a:ext cx="2031325" cy="369332"/>
+          </a:xfrm>
+          <a:prstGeom prst="rect">
+            <a:avLst/>
+          </a:prstGeom>
+          <a:noFill/>
+        </p:spPr>
+        <p:txBody>
+          <a:bodyPr wrap="none" rtlCol="0">
+            <a:spAutoFit/>
+          </a:bodyPr>
+          <a:lstStyle/>
+          <a:p>
+            <a:r>
+              <a:rPr kumimoji="1" lang="ja-JP" altLang="en-US" dirty="0"/>
+              <a:t>ワーキングツリー</a:t>
+            </a:r>
+          </a:p>
+        </p:txBody>
+      </p:sp>
+      <p:sp>
+        <p:nvSpPr>
+          <p:cNvPr id="31" name="テキスト ボックス 30">
+            <a:extLst>
+              <a:ext uri="{FF2B5EF4-FFF2-40B4-BE49-F238E27FC236}">
+                <a16:creationId xmlns:a16="http://schemas.microsoft.com/office/drawing/2014/main" id="{E1AC9E01-679D-441B-B21A-76087C293D98}"/>
+              </a:ext>
+            </a:extLst>
+          </p:cNvPr>
+          <p:cNvSpPr txBox="1"/>
+          <p:nvPr/>
+        </p:nvSpPr>
+        <p:spPr>
+          <a:xfrm>
+            <a:off x="3491880" y="3573016"/>
+            <a:ext cx="1569660" cy="369332"/>
+          </a:xfrm>
+          <a:prstGeom prst="rect">
+            <a:avLst/>
+          </a:prstGeom>
+          <a:noFill/>
+        </p:spPr>
+        <p:txBody>
+          <a:bodyPr wrap="none" rtlCol="0">
+            <a:spAutoFit/>
+          </a:bodyPr>
+          <a:lstStyle/>
+          <a:p>
+            <a:r>
+              <a:rPr kumimoji="1" lang="ja-JP" altLang="en-US" dirty="0"/>
+              <a:t>インデックス</a:t>
+            </a:r>
+          </a:p>
+        </p:txBody>
+      </p:sp>
+      <p:sp>
+        <p:nvSpPr>
+          <p:cNvPr id="32" name="テキスト ボックス 31">
+            <a:extLst>
+              <a:ext uri="{FF2B5EF4-FFF2-40B4-BE49-F238E27FC236}">
+                <a16:creationId xmlns:a16="http://schemas.microsoft.com/office/drawing/2014/main" id="{39495AEB-2F4F-41F2-9635-E3DB7E7A516E}"/>
+              </a:ext>
+            </a:extLst>
+          </p:cNvPr>
+          <p:cNvSpPr txBox="1"/>
+          <p:nvPr/>
+        </p:nvSpPr>
+        <p:spPr>
+          <a:xfrm>
+            <a:off x="6012160" y="3573016"/>
+            <a:ext cx="1338828" cy="369332"/>
+          </a:xfrm>
+          <a:prstGeom prst="rect">
+            <a:avLst/>
+          </a:prstGeom>
+          <a:noFill/>
+        </p:spPr>
+        <p:txBody>
+          <a:bodyPr wrap="none" rtlCol="0">
+            <a:spAutoFit/>
+          </a:bodyPr>
+          <a:lstStyle/>
+          <a:p>
+            <a:r>
+              <a:rPr kumimoji="1" lang="ja-JP" altLang="en-US" dirty="0"/>
+              <a:t>リポジトリ</a:t>
+            </a:r>
+          </a:p>
+        </p:txBody>
+      </p:sp>
+      <p:sp>
+        <p:nvSpPr>
+          <p:cNvPr id="33" name="テキスト ボックス 32">
+            <a:extLst>
+              <a:ext uri="{FF2B5EF4-FFF2-40B4-BE49-F238E27FC236}">
+                <a16:creationId xmlns:a16="http://schemas.microsoft.com/office/drawing/2014/main" id="{D09CB076-973F-48F3-8C7F-C189F563791D}"/>
+              </a:ext>
+            </a:extLst>
+          </p:cNvPr>
+          <p:cNvSpPr txBox="1"/>
+          <p:nvPr/>
+        </p:nvSpPr>
+        <p:spPr>
+          <a:xfrm>
+            <a:off x="1475656" y="2708920"/>
+            <a:ext cx="5955476" cy="369332"/>
+          </a:xfrm>
+          <a:prstGeom prst="rect">
+            <a:avLst/>
+          </a:prstGeom>
+          <a:noFill/>
+        </p:spPr>
+        <p:txBody>
+          <a:bodyPr wrap="none" rtlCol="0">
+            <a:spAutoFit/>
+          </a:bodyPr>
+          <a:lstStyle/>
+          <a:p>
+            <a:r>
+              <a:rPr lang="ja-JP" altLang="en-US" dirty="0"/>
+              <a:t>ワーキングツリーからインデックスにファイルをコピー</a:t>
+            </a:r>
+            <a:endParaRPr kumimoji="1" lang="ja-JP" altLang="en-US" dirty="0"/>
+          </a:p>
+        </p:txBody>
+      </p:sp>
+    </p:spTree>
+    <p:extLst>
+      <p:ext uri="{BB962C8B-B14F-4D97-AF65-F5344CB8AC3E}">
+        <p14:creationId xmlns:p14="http://schemas.microsoft.com/office/powerpoint/2010/main" val="1601488505"/>
+      </p:ext>
+    </p:extLst>
+  </p:cSld>
+  <p:clrMapOvr>
+    <a:masterClrMapping/>
+  </p:clrMapOvr>
+</p:sld>
+</file>
+
+<file path=ppt/slides/slide13.xml><?xml version="1.0" encoding="utf-8"?>
+<p:sld xmlns:a="http://schemas.openxmlformats.org/drawingml/2006/main" xmlns:r="http://schemas.openxmlformats.org/officeDocument/2006/relationships" xmlns:p="http://schemas.openxmlformats.org/presentationml/2006/main">
+  <p:cSld>
+    <p:spTree>
+      <p:nvGrpSpPr>
+        <p:cNvPr id="1" name=""/>
+        <p:cNvGrpSpPr/>
+        <p:nvPr/>
+      </p:nvGrpSpPr>
+      <p:grpSpPr>
+        <a:xfrm>
+          <a:off x="0" y="0"/>
+          <a:ext cx="0" cy="0"/>
+          <a:chOff x="0" y="0"/>
+          <a:chExt cx="0" cy="0"/>
+        </a:xfrm>
+      </p:grpSpPr>
+      <p:sp>
+        <p:nvSpPr>
+          <p:cNvPr id="2" name="テキスト プレースホルダー 1">
+            <a:extLst>
+              <a:ext uri="{FF2B5EF4-FFF2-40B4-BE49-F238E27FC236}">
                 <a16:creationId xmlns:a16="http://schemas.microsoft.com/office/drawing/2014/main" id="{DC044F2A-E9B1-4104-BECB-B0166C9B9535}"/>
               </a:ext>
             </a:extLst>
@@ -3298,7 +4895,7 @@
 </p:sld>
 </file>
 
-<file path=ppt/slides/slide12.xml><?xml version="1.0" encoding="utf-8"?>
+<file path=ppt/slides/slide14.xml><?xml version="1.0" encoding="utf-8"?>
 <p:sld xmlns:a="http://schemas.openxmlformats.org/drawingml/2006/main" xmlns:r="http://schemas.openxmlformats.org/officeDocument/2006/relationships" xmlns:p="http://schemas.openxmlformats.org/presentationml/2006/main">
   <p:cSld>
     <p:spTree>
@@ -4486,7 +6083,7 @@
 </p:sld>
 </file>
 
-<file path=ppt/slides/slide13.xml><?xml version="1.0" encoding="utf-8"?>
+<file path=ppt/slides/slide15.xml><?xml version="1.0" encoding="utf-8"?>
 <p:sld xmlns:a="http://schemas.openxmlformats.org/drawingml/2006/main" xmlns:r="http://schemas.openxmlformats.org/officeDocument/2006/relationships" xmlns:p="http://schemas.openxmlformats.org/presentationml/2006/main">
   <p:cSld>
     <p:spTree>
@@ -5789,7 +7386,7 @@
 </p:sld>
 </file>
 
-<file path=ppt/slides/slide14.xml><?xml version="1.0" encoding="utf-8"?>
+<file path=ppt/slides/slide16.xml><?xml version="1.0" encoding="utf-8"?>
 <p:sld xmlns:a="http://schemas.openxmlformats.org/drawingml/2006/main" xmlns:r="http://schemas.openxmlformats.org/officeDocument/2006/relationships" xmlns:p="http://schemas.openxmlformats.org/presentationml/2006/main">
   <p:cSld>
     <p:spTree>
@@ -7088,7 +8685,7 @@
 </p:sld>
 </file>
 
-<file path=ppt/slides/slide15.xml><?xml version="1.0" encoding="utf-8"?>
+<file path=ppt/slides/slide17.xml><?xml version="1.0" encoding="utf-8"?>
 <p:sld xmlns:a="http://schemas.openxmlformats.org/drawingml/2006/main" xmlns:r="http://schemas.openxmlformats.org/officeDocument/2006/relationships" xmlns:p="http://schemas.openxmlformats.org/presentationml/2006/main">
   <p:cSld>
     <p:spTree>
@@ -8286,7 +9883,7 @@
 </p:sld>
 </file>
 
-<file path=ppt/slides/slide16.xml><?xml version="1.0" encoding="utf-8"?>
+<file path=ppt/slides/slide18.xml><?xml version="1.0" encoding="utf-8"?>
 <p:sld xmlns:a="http://schemas.openxmlformats.org/drawingml/2006/main" xmlns:r="http://schemas.openxmlformats.org/officeDocument/2006/relationships" xmlns:p="http://schemas.openxmlformats.org/presentationml/2006/main">
   <p:cSld>
     <p:spTree>
@@ -9681,1115 +11278,6 @@
 </p:sld>
 </file>
 
-<file path=ppt/slides/slide17.xml><?xml version="1.0" encoding="utf-8"?>
-<p:sld xmlns:a="http://schemas.openxmlformats.org/drawingml/2006/main" xmlns:r="http://schemas.openxmlformats.org/officeDocument/2006/relationships" xmlns:p="http://schemas.openxmlformats.org/presentationml/2006/main">
-  <p:cSld>
-    <p:spTree>
-      <p:nvGrpSpPr>
-        <p:cNvPr id="1" name=""/>
-        <p:cNvGrpSpPr/>
-        <p:nvPr/>
-      </p:nvGrpSpPr>
-      <p:grpSpPr>
-        <a:xfrm>
-          <a:off x="0" y="0"/>
-          <a:ext cx="0" cy="0"/>
-          <a:chOff x="0" y="0"/>
-          <a:chExt cx="0" cy="0"/>
-        </a:xfrm>
-      </p:grpSpPr>
-      <p:sp>
-        <p:nvSpPr>
-          <p:cNvPr id="2" name="テキスト プレースホルダー 1">
-            <a:extLst>
-              <a:ext uri="{FF2B5EF4-FFF2-40B4-BE49-F238E27FC236}">
-                <a16:creationId xmlns:a16="http://schemas.microsoft.com/office/drawing/2014/main" id="{BEB973C5-4C11-4FD1-BA90-C27165F9ADAB}"/>
-              </a:ext>
-            </a:extLst>
-          </p:cNvPr>
-          <p:cNvSpPr>
-            <a:spLocks noGrp="1"/>
-          </p:cNvSpPr>
-          <p:nvPr>
-            <p:ph type="body" sz="quarter" idx="10"/>
-          </p:nvPr>
-        </p:nvSpPr>
-        <p:spPr/>
-        <p:txBody>
-          <a:bodyPr/>
-          <a:lstStyle/>
-          <a:p>
-            <a:r>
-              <a:rPr kumimoji="1" lang="ja-JP" altLang="en-US" dirty="0"/>
-              <a:t>課題</a:t>
-            </a:r>
-            <a:r>
-              <a:rPr kumimoji="1" lang="en-US" altLang="ja-JP" dirty="0"/>
-              <a:t> – Step 6</a:t>
-            </a:r>
-            <a:endParaRPr kumimoji="1" lang="ja-JP" altLang="en-US" dirty="0"/>
-          </a:p>
-        </p:txBody>
-      </p:sp>
-      <p:sp>
-        <p:nvSpPr>
-          <p:cNvPr id="3" name="テキスト ボックス 2">
-            <a:extLst>
-              <a:ext uri="{FF2B5EF4-FFF2-40B4-BE49-F238E27FC236}">
-                <a16:creationId xmlns:a16="http://schemas.microsoft.com/office/drawing/2014/main" id="{6A0617B0-D8AD-4BAB-BED8-C323744646F7}"/>
-              </a:ext>
-            </a:extLst>
-          </p:cNvPr>
-          <p:cNvSpPr txBox="1"/>
-          <p:nvPr/>
-        </p:nvSpPr>
-        <p:spPr>
-          <a:xfrm>
-            <a:off x="251520" y="1268760"/>
-            <a:ext cx="1723549" cy="461665"/>
-          </a:xfrm>
-          <a:prstGeom prst="rect">
-            <a:avLst/>
-          </a:prstGeom>
-          <a:noFill/>
-        </p:spPr>
-        <p:txBody>
-          <a:bodyPr wrap="none" rtlCol="0">
-            <a:spAutoFit/>
-          </a:bodyPr>
-          <a:lstStyle/>
-          <a:p>
-            <a:r>
-              <a:rPr kumimoji="1" lang="ja-JP" altLang="en-US" sz="2400" dirty="0"/>
-              <a:t>歴史の確認</a:t>
-            </a:r>
-          </a:p>
-        </p:txBody>
-      </p:sp>
-      <p:sp>
-        <p:nvSpPr>
-          <p:cNvPr id="4" name="テキスト ボックス 3">
-            <a:extLst>
-              <a:ext uri="{FF2B5EF4-FFF2-40B4-BE49-F238E27FC236}">
-                <a16:creationId xmlns:a16="http://schemas.microsoft.com/office/drawing/2014/main" id="{BB48E940-AA36-49C9-97B9-1E9D09A19BFD}"/>
-              </a:ext>
-            </a:extLst>
-          </p:cNvPr>
-          <p:cNvSpPr txBox="1"/>
-          <p:nvPr/>
-        </p:nvSpPr>
-        <p:spPr>
-          <a:xfrm>
-            <a:off x="827584" y="1988840"/>
-            <a:ext cx="2582758" cy="707886"/>
-          </a:xfrm>
-          <a:prstGeom prst="rect">
-            <a:avLst/>
-          </a:prstGeom>
-          <a:noFill/>
-          <a:ln>
-            <a:solidFill>
-              <a:schemeClr val="tx1"/>
-            </a:solidFill>
-          </a:ln>
-        </p:spPr>
-        <p:txBody>
-          <a:bodyPr wrap="none" rtlCol="0">
-            <a:spAutoFit/>
-          </a:bodyPr>
-          <a:lstStyle/>
-          <a:p>
-            <a:r>
-              <a:rPr kumimoji="1" lang="en-US" altLang="ja-JP" sz="2000" dirty="0">
-                <a:latin typeface="Consolas" panose="020B0609020204030204" pitchFamily="49" charset="0"/>
-              </a:rPr>
-              <a:t>git log</a:t>
-            </a:r>
-          </a:p>
-          <a:p>
-            <a:r>
-              <a:rPr lang="en-US" altLang="ja-JP" sz="2000" dirty="0">
-                <a:latin typeface="Consolas" panose="020B0609020204030204" pitchFamily="49" charset="0"/>
-              </a:rPr>
-              <a:t>git log --</a:t>
-            </a:r>
-            <a:r>
-              <a:rPr lang="en-US" altLang="ja-JP" sz="2000" dirty="0" err="1">
-                <a:latin typeface="Consolas" panose="020B0609020204030204" pitchFamily="49" charset="0"/>
-              </a:rPr>
-              <a:t>oneline</a:t>
-            </a:r>
-            <a:endParaRPr kumimoji="1" lang="ja-JP" altLang="en-US" sz="2000" dirty="0">
-              <a:latin typeface="Consolas" panose="020B0609020204030204" pitchFamily="49" charset="0"/>
-            </a:endParaRPr>
-          </a:p>
-        </p:txBody>
-      </p:sp>
-      <p:sp>
-        <p:nvSpPr>
-          <p:cNvPr id="5" name="楕円 4">
-            <a:extLst>
-              <a:ext uri="{FF2B5EF4-FFF2-40B4-BE49-F238E27FC236}">
-                <a16:creationId xmlns:a16="http://schemas.microsoft.com/office/drawing/2014/main" id="{0AFF55BA-80AB-4F7A-B8F2-B5C3CE0B4E34}"/>
-              </a:ext>
-            </a:extLst>
-          </p:cNvPr>
-          <p:cNvSpPr/>
-          <p:nvPr/>
-        </p:nvSpPr>
-        <p:spPr>
-          <a:xfrm>
-            <a:off x="1835696" y="6237312"/>
-            <a:ext cx="432048" cy="432048"/>
-          </a:xfrm>
-          <a:prstGeom prst="ellipse">
-            <a:avLst/>
-          </a:prstGeom>
-          <a:solidFill>
-            <a:srgbClr val="011893"/>
-          </a:solidFill>
-          <a:ln>
-            <a:solidFill>
-              <a:schemeClr val="tx1"/>
-            </a:solidFill>
-          </a:ln>
-        </p:spPr>
-        <p:style>
-          <a:lnRef idx="2">
-            <a:schemeClr val="accent1">
-              <a:shade val="50000"/>
-            </a:schemeClr>
-          </a:lnRef>
-          <a:fillRef idx="1">
-            <a:schemeClr val="accent1"/>
-          </a:fillRef>
-          <a:effectRef idx="0">
-            <a:schemeClr val="accent1"/>
-          </a:effectRef>
-          <a:fontRef idx="minor">
-            <a:schemeClr val="lt1"/>
-          </a:fontRef>
-        </p:style>
-        <p:txBody>
-          <a:bodyPr rtlCol="0" anchor="ctr"/>
-          <a:lstStyle/>
-          <a:p>
-            <a:pPr algn="ctr"/>
-            <a:endParaRPr kumimoji="1" lang="ja-JP" altLang="en-US"/>
-          </a:p>
-        </p:txBody>
-      </p:sp>
-      <p:sp>
-        <p:nvSpPr>
-          <p:cNvPr id="6" name="楕円 5">
-            <a:extLst>
-              <a:ext uri="{FF2B5EF4-FFF2-40B4-BE49-F238E27FC236}">
-                <a16:creationId xmlns:a16="http://schemas.microsoft.com/office/drawing/2014/main" id="{2F4D2808-7674-4F11-B5CA-227BC656C0BF}"/>
-              </a:ext>
-            </a:extLst>
-          </p:cNvPr>
-          <p:cNvSpPr/>
-          <p:nvPr/>
-        </p:nvSpPr>
-        <p:spPr>
-          <a:xfrm>
-            <a:off x="1835696" y="5301208"/>
-            <a:ext cx="432048" cy="432048"/>
-          </a:xfrm>
-          <a:prstGeom prst="ellipse">
-            <a:avLst/>
-          </a:prstGeom>
-          <a:solidFill>
-            <a:srgbClr val="011893"/>
-          </a:solidFill>
-          <a:ln>
-            <a:solidFill>
-              <a:schemeClr val="tx1"/>
-            </a:solidFill>
-          </a:ln>
-        </p:spPr>
-        <p:style>
-          <a:lnRef idx="2">
-            <a:schemeClr val="accent1">
-              <a:shade val="50000"/>
-            </a:schemeClr>
-          </a:lnRef>
-          <a:fillRef idx="1">
-            <a:schemeClr val="accent1"/>
-          </a:fillRef>
-          <a:effectRef idx="0">
-            <a:schemeClr val="accent1"/>
-          </a:effectRef>
-          <a:fontRef idx="minor">
-            <a:schemeClr val="lt1"/>
-          </a:fontRef>
-        </p:style>
-        <p:txBody>
-          <a:bodyPr rtlCol="0" anchor="ctr"/>
-          <a:lstStyle/>
-          <a:p>
-            <a:pPr algn="ctr"/>
-            <a:endParaRPr kumimoji="1" lang="ja-JP" altLang="en-US"/>
-          </a:p>
-        </p:txBody>
-      </p:sp>
-      <p:sp>
-        <p:nvSpPr>
-          <p:cNvPr id="7" name="楕円 6">
-            <a:extLst>
-              <a:ext uri="{FF2B5EF4-FFF2-40B4-BE49-F238E27FC236}">
-                <a16:creationId xmlns:a16="http://schemas.microsoft.com/office/drawing/2014/main" id="{2C299BC0-1B80-40DC-AE3F-CBAB1EADCA95}"/>
-              </a:ext>
-            </a:extLst>
-          </p:cNvPr>
-          <p:cNvSpPr/>
-          <p:nvPr/>
-        </p:nvSpPr>
-        <p:spPr>
-          <a:xfrm>
-            <a:off x="1835696" y="4365104"/>
-            <a:ext cx="432048" cy="432048"/>
-          </a:xfrm>
-          <a:prstGeom prst="ellipse">
-            <a:avLst/>
-          </a:prstGeom>
-          <a:solidFill>
-            <a:srgbClr val="011893"/>
-          </a:solidFill>
-          <a:ln>
-            <a:solidFill>
-              <a:schemeClr val="tx1"/>
-            </a:solidFill>
-          </a:ln>
-        </p:spPr>
-        <p:style>
-          <a:lnRef idx="2">
-            <a:schemeClr val="accent1">
-              <a:shade val="50000"/>
-            </a:schemeClr>
-          </a:lnRef>
-          <a:fillRef idx="1">
-            <a:schemeClr val="accent1"/>
-          </a:fillRef>
-          <a:effectRef idx="0">
-            <a:schemeClr val="accent1"/>
-          </a:effectRef>
-          <a:fontRef idx="minor">
-            <a:schemeClr val="lt1"/>
-          </a:fontRef>
-        </p:style>
-        <p:txBody>
-          <a:bodyPr rtlCol="0" anchor="ctr"/>
-          <a:lstStyle/>
-          <a:p>
-            <a:pPr algn="ctr"/>
-            <a:endParaRPr kumimoji="1" lang="ja-JP" altLang="en-US"/>
-          </a:p>
-        </p:txBody>
-      </p:sp>
-      <p:sp>
-        <p:nvSpPr>
-          <p:cNvPr id="9" name="四角形: 1 つの角を切り取り 1 つの角を丸める 8">
-            <a:extLst>
-              <a:ext uri="{FF2B5EF4-FFF2-40B4-BE49-F238E27FC236}">
-                <a16:creationId xmlns:a16="http://schemas.microsoft.com/office/drawing/2014/main" id="{B4C177FD-52A6-498C-B32F-5D2B082E7C95}"/>
-              </a:ext>
-            </a:extLst>
-          </p:cNvPr>
-          <p:cNvSpPr/>
-          <p:nvPr/>
-        </p:nvSpPr>
-        <p:spPr>
-          <a:xfrm>
-            <a:off x="323528" y="3933056"/>
-            <a:ext cx="1152128" cy="338336"/>
-          </a:xfrm>
-          <a:prstGeom prst="snipRoundRect">
-            <a:avLst>
-              <a:gd name="adj1" fmla="val 16667"/>
-              <a:gd name="adj2" fmla="val 35924"/>
-            </a:avLst>
-          </a:prstGeom>
-          <a:solidFill>
-            <a:schemeClr val="accent6">
-              <a:lumMod val="20000"/>
-              <a:lumOff val="80000"/>
-            </a:schemeClr>
-          </a:solidFill>
-          <a:ln>
-            <a:solidFill>
-              <a:schemeClr val="tx1"/>
-            </a:solidFill>
-          </a:ln>
-        </p:spPr>
-        <p:style>
-          <a:lnRef idx="2">
-            <a:schemeClr val="accent1">
-              <a:shade val="50000"/>
-            </a:schemeClr>
-          </a:lnRef>
-          <a:fillRef idx="1">
-            <a:schemeClr val="accent1"/>
-          </a:fillRef>
-          <a:effectRef idx="0">
-            <a:schemeClr val="accent1"/>
-          </a:effectRef>
-          <a:fontRef idx="minor">
-            <a:schemeClr val="lt1"/>
-          </a:fontRef>
-        </p:style>
-        <p:txBody>
-          <a:bodyPr rtlCol="0" anchor="ctr"/>
-          <a:lstStyle/>
-          <a:p>
-            <a:pPr algn="ctr"/>
-            <a:r>
-              <a:rPr kumimoji="1" lang="en-US" altLang="ja-JP" dirty="0">
-                <a:solidFill>
-                  <a:sysClr val="windowText" lastClr="000000"/>
-                </a:solidFill>
-                <a:latin typeface="Consolas" panose="020B0609020204030204" pitchFamily="49" charset="0"/>
-              </a:rPr>
-              <a:t>main</a:t>
-            </a:r>
-            <a:endParaRPr kumimoji="1" lang="ja-JP" altLang="en-US" dirty="0">
-              <a:solidFill>
-                <a:sysClr val="windowText" lastClr="000000"/>
-              </a:solidFill>
-              <a:latin typeface="Consolas" panose="020B0609020204030204" pitchFamily="49" charset="0"/>
-            </a:endParaRPr>
-          </a:p>
-        </p:txBody>
-      </p:sp>
-      <p:sp>
-        <p:nvSpPr>
-          <p:cNvPr id="10" name="正方形/長方形 9">
-            <a:extLst>
-              <a:ext uri="{FF2B5EF4-FFF2-40B4-BE49-F238E27FC236}">
-                <a16:creationId xmlns:a16="http://schemas.microsoft.com/office/drawing/2014/main" id="{3550D71E-3A29-4E2C-918B-360B94EDEB3D}"/>
-              </a:ext>
-            </a:extLst>
-          </p:cNvPr>
-          <p:cNvSpPr/>
-          <p:nvPr/>
-        </p:nvSpPr>
-        <p:spPr>
-          <a:xfrm>
-            <a:off x="428799" y="3179713"/>
-            <a:ext cx="936104" cy="360040"/>
-          </a:xfrm>
-          <a:prstGeom prst="rect">
-            <a:avLst/>
-          </a:prstGeom>
-          <a:solidFill>
-            <a:schemeClr val="bg1"/>
-          </a:solidFill>
-          <a:ln>
-            <a:solidFill>
-              <a:schemeClr val="tx1"/>
-            </a:solidFill>
-          </a:ln>
-        </p:spPr>
-        <p:style>
-          <a:lnRef idx="2">
-            <a:schemeClr val="accent1">
-              <a:shade val="50000"/>
-            </a:schemeClr>
-          </a:lnRef>
-          <a:fillRef idx="1">
-            <a:schemeClr val="accent1"/>
-          </a:fillRef>
-          <a:effectRef idx="0">
-            <a:schemeClr val="accent1"/>
-          </a:effectRef>
-          <a:fontRef idx="minor">
-            <a:schemeClr val="lt1"/>
-          </a:fontRef>
-        </p:style>
-        <p:txBody>
-          <a:bodyPr rtlCol="0" anchor="ctr"/>
-          <a:lstStyle/>
-          <a:p>
-            <a:pPr algn="ctr"/>
-            <a:r>
-              <a:rPr kumimoji="1" lang="en-US" altLang="ja-JP" dirty="0">
-                <a:solidFill>
-                  <a:schemeClr val="tx1"/>
-                </a:solidFill>
-                <a:latin typeface="Consolas" panose="020B0609020204030204" pitchFamily="49" charset="0"/>
-              </a:rPr>
-              <a:t>HEAD</a:t>
-            </a:r>
-            <a:endParaRPr kumimoji="1" lang="ja-JP" altLang="en-US" dirty="0">
-              <a:solidFill>
-                <a:schemeClr val="tx1"/>
-              </a:solidFill>
-              <a:latin typeface="Consolas" panose="020B0609020204030204" pitchFamily="49" charset="0"/>
-            </a:endParaRPr>
-          </a:p>
-        </p:txBody>
-      </p:sp>
-      <p:cxnSp>
-        <p:nvCxnSpPr>
-          <p:cNvPr id="11" name="直線矢印コネクタ 10">
-            <a:extLst>
-              <a:ext uri="{FF2B5EF4-FFF2-40B4-BE49-F238E27FC236}">
-                <a16:creationId xmlns:a16="http://schemas.microsoft.com/office/drawing/2014/main" id="{A13E1093-6A80-4A35-BEFE-6FA9147EDA8A}"/>
-              </a:ext>
-            </a:extLst>
-          </p:cNvPr>
-          <p:cNvCxnSpPr>
-            <a:cxnSpLocks/>
-            <a:stCxn id="10" idx="2"/>
-            <a:endCxn id="9" idx="3"/>
-          </p:cNvCxnSpPr>
-          <p:nvPr/>
-        </p:nvCxnSpPr>
-        <p:spPr>
-          <a:xfrm>
-            <a:off x="896851" y="3539753"/>
-            <a:ext cx="2741" cy="393303"/>
-          </a:xfrm>
-          <a:prstGeom prst="straightConnector1">
-            <a:avLst/>
-          </a:prstGeom>
-          <a:ln>
-            <a:solidFill>
-              <a:schemeClr val="tx1"/>
-            </a:solidFill>
-            <a:headEnd type="none" w="med" len="med"/>
-            <a:tailEnd type="triangle"/>
-          </a:ln>
-        </p:spPr>
-        <p:style>
-          <a:lnRef idx="1">
-            <a:schemeClr val="accent1"/>
-          </a:lnRef>
-          <a:fillRef idx="0">
-            <a:schemeClr val="accent1"/>
-          </a:fillRef>
-          <a:effectRef idx="0">
-            <a:schemeClr val="accent1"/>
-          </a:effectRef>
-          <a:fontRef idx="minor">
-            <a:schemeClr val="tx1"/>
-          </a:fontRef>
-        </p:style>
-      </p:cxnSp>
-      <p:cxnSp>
-        <p:nvCxnSpPr>
-          <p:cNvPr id="12" name="コネクタ: カギ線 11">
-            <a:extLst>
-              <a:ext uri="{FF2B5EF4-FFF2-40B4-BE49-F238E27FC236}">
-                <a16:creationId xmlns:a16="http://schemas.microsoft.com/office/drawing/2014/main" id="{229BE455-AF3F-4E29-8957-9B1F0C6E0B93}"/>
-              </a:ext>
-            </a:extLst>
-          </p:cNvPr>
-          <p:cNvCxnSpPr>
-            <a:cxnSpLocks/>
-            <a:stCxn id="9" idx="0"/>
-            <a:endCxn id="7" idx="2"/>
-          </p:cNvCxnSpPr>
-          <p:nvPr/>
-        </p:nvCxnSpPr>
-        <p:spPr>
-          <a:xfrm>
-            <a:off x="1475656" y="4102224"/>
-            <a:ext cx="360040" cy="478904"/>
-          </a:xfrm>
-          <a:prstGeom prst="bentConnector3">
-            <a:avLst>
-              <a:gd name="adj1" fmla="val 50000"/>
-            </a:avLst>
-          </a:prstGeom>
-          <a:ln>
-            <a:solidFill>
-              <a:schemeClr val="tx1"/>
-            </a:solidFill>
-            <a:headEnd type="none" w="med" len="med"/>
-            <a:tailEnd type="triangle"/>
-          </a:ln>
-        </p:spPr>
-        <p:style>
-          <a:lnRef idx="1">
-            <a:schemeClr val="accent1"/>
-          </a:lnRef>
-          <a:fillRef idx="0">
-            <a:schemeClr val="accent1"/>
-          </a:fillRef>
-          <a:effectRef idx="0">
-            <a:schemeClr val="accent1"/>
-          </a:effectRef>
-          <a:fontRef idx="minor">
-            <a:schemeClr val="tx1"/>
-          </a:fontRef>
-        </p:style>
-      </p:cxnSp>
-      <p:cxnSp>
-        <p:nvCxnSpPr>
-          <p:cNvPr id="19" name="直線コネクタ 18">
-            <a:extLst>
-              <a:ext uri="{FF2B5EF4-FFF2-40B4-BE49-F238E27FC236}">
-                <a16:creationId xmlns:a16="http://schemas.microsoft.com/office/drawing/2014/main" id="{E33C98AD-A0BC-4851-9217-40A29862DCAB}"/>
-              </a:ext>
-            </a:extLst>
-          </p:cNvPr>
-          <p:cNvCxnSpPr>
-            <a:cxnSpLocks/>
-            <a:stCxn id="7" idx="4"/>
-            <a:endCxn id="6" idx="0"/>
-          </p:cNvCxnSpPr>
-          <p:nvPr/>
-        </p:nvCxnSpPr>
-        <p:spPr>
-          <a:xfrm>
-            <a:off x="2051720" y="4797152"/>
-            <a:ext cx="0" cy="504056"/>
-          </a:xfrm>
-          <a:prstGeom prst="line">
-            <a:avLst/>
-          </a:prstGeom>
-          <a:ln w="57150">
-            <a:solidFill>
-              <a:schemeClr val="tx1"/>
-            </a:solidFill>
-            <a:headEnd type="none" w="med" len="med"/>
-            <a:tailEnd type="none" w="med" len="med"/>
-          </a:ln>
-        </p:spPr>
-        <p:style>
-          <a:lnRef idx="1">
-            <a:schemeClr val="accent1"/>
-          </a:lnRef>
-          <a:fillRef idx="0">
-            <a:schemeClr val="accent1"/>
-          </a:fillRef>
-          <a:effectRef idx="0">
-            <a:schemeClr val="accent1"/>
-          </a:effectRef>
-          <a:fontRef idx="minor">
-            <a:schemeClr val="tx1"/>
-          </a:fontRef>
-        </p:style>
-      </p:cxnSp>
-      <p:cxnSp>
-        <p:nvCxnSpPr>
-          <p:cNvPr id="22" name="直線コネクタ 21">
-            <a:extLst>
-              <a:ext uri="{FF2B5EF4-FFF2-40B4-BE49-F238E27FC236}">
-                <a16:creationId xmlns:a16="http://schemas.microsoft.com/office/drawing/2014/main" id="{41E0B1B1-9FC7-44B6-8537-F7F9B5554BE9}"/>
-              </a:ext>
-            </a:extLst>
-          </p:cNvPr>
-          <p:cNvCxnSpPr>
-            <a:cxnSpLocks/>
-            <a:stCxn id="6" idx="4"/>
-            <a:endCxn id="5" idx="0"/>
-          </p:cNvCxnSpPr>
-          <p:nvPr/>
-        </p:nvCxnSpPr>
-        <p:spPr>
-          <a:xfrm>
-            <a:off x="2051720" y="5733256"/>
-            <a:ext cx="0" cy="504056"/>
-          </a:xfrm>
-          <a:prstGeom prst="line">
-            <a:avLst/>
-          </a:prstGeom>
-          <a:ln w="57150">
-            <a:solidFill>
-              <a:schemeClr val="tx1"/>
-            </a:solidFill>
-            <a:headEnd type="none" w="med" len="med"/>
-            <a:tailEnd type="none" w="med" len="med"/>
-          </a:ln>
-        </p:spPr>
-        <p:style>
-          <a:lnRef idx="1">
-            <a:schemeClr val="accent1"/>
-          </a:lnRef>
-          <a:fillRef idx="0">
-            <a:schemeClr val="accent1"/>
-          </a:fillRef>
-          <a:effectRef idx="0">
-            <a:schemeClr val="accent1"/>
-          </a:effectRef>
-          <a:fontRef idx="minor">
-            <a:schemeClr val="tx1"/>
-          </a:fontRef>
-        </p:style>
-      </p:cxnSp>
-      <p:sp>
-        <p:nvSpPr>
-          <p:cNvPr id="25" name="テキスト ボックス 24">
-            <a:extLst>
-              <a:ext uri="{FF2B5EF4-FFF2-40B4-BE49-F238E27FC236}">
-                <a16:creationId xmlns:a16="http://schemas.microsoft.com/office/drawing/2014/main" id="{B52AD527-ADFA-41AC-9851-C621FA8E841A}"/>
-              </a:ext>
-            </a:extLst>
-          </p:cNvPr>
-          <p:cNvSpPr txBox="1"/>
-          <p:nvPr/>
-        </p:nvSpPr>
-        <p:spPr>
-          <a:xfrm>
-            <a:off x="2411760" y="6300028"/>
-            <a:ext cx="1957587" cy="369332"/>
-          </a:xfrm>
-          <a:prstGeom prst="rect">
-            <a:avLst/>
-          </a:prstGeom>
-          <a:noFill/>
-        </p:spPr>
-        <p:txBody>
-          <a:bodyPr wrap="none" rtlCol="0">
-            <a:spAutoFit/>
-          </a:bodyPr>
-          <a:lstStyle/>
-          <a:p>
-            <a:r>
-              <a:rPr kumimoji="1" lang="en-US" altLang="ja-JP" dirty="0">
-                <a:latin typeface="Consolas" panose="020B0609020204030204" pitchFamily="49" charset="0"/>
-              </a:rPr>
-              <a:t>initial commit</a:t>
-            </a:r>
-            <a:endParaRPr kumimoji="1" lang="ja-JP" altLang="en-US" dirty="0">
-              <a:latin typeface="Consolas" panose="020B0609020204030204" pitchFamily="49" charset="0"/>
-            </a:endParaRPr>
-          </a:p>
-        </p:txBody>
-      </p:sp>
-      <p:sp>
-        <p:nvSpPr>
-          <p:cNvPr id="26" name="テキスト ボックス 25">
-            <a:extLst>
-              <a:ext uri="{FF2B5EF4-FFF2-40B4-BE49-F238E27FC236}">
-                <a16:creationId xmlns:a16="http://schemas.microsoft.com/office/drawing/2014/main" id="{9EE8C00E-0CB4-4CC0-B844-99D9682DDFA6}"/>
-              </a:ext>
-            </a:extLst>
-          </p:cNvPr>
-          <p:cNvSpPr txBox="1"/>
-          <p:nvPr/>
-        </p:nvSpPr>
-        <p:spPr>
-          <a:xfrm>
-            <a:off x="2411760" y="5301208"/>
-            <a:ext cx="1830950" cy="369332"/>
-          </a:xfrm>
-          <a:prstGeom prst="rect">
-            <a:avLst/>
-          </a:prstGeom>
-          <a:noFill/>
-        </p:spPr>
-        <p:txBody>
-          <a:bodyPr wrap="none" rtlCol="0">
-            <a:spAutoFit/>
-          </a:bodyPr>
-          <a:lstStyle/>
-          <a:p>
-            <a:r>
-              <a:rPr kumimoji="1" lang="en-US" altLang="ja-JP" dirty="0">
-                <a:latin typeface="Consolas" panose="020B0609020204030204" pitchFamily="49" charset="0"/>
-              </a:rPr>
-              <a:t>adds new line</a:t>
-            </a:r>
-            <a:endParaRPr kumimoji="1" lang="ja-JP" altLang="en-US" dirty="0">
-              <a:latin typeface="Consolas" panose="020B0609020204030204" pitchFamily="49" charset="0"/>
-            </a:endParaRPr>
-          </a:p>
-        </p:txBody>
-      </p:sp>
-      <p:sp>
-        <p:nvSpPr>
-          <p:cNvPr id="28" name="テキスト ボックス 27">
-            <a:extLst>
-              <a:ext uri="{FF2B5EF4-FFF2-40B4-BE49-F238E27FC236}">
-                <a16:creationId xmlns:a16="http://schemas.microsoft.com/office/drawing/2014/main" id="{CD2B444C-D5CF-4135-AF11-FE6D669E29D3}"/>
-              </a:ext>
-            </a:extLst>
-          </p:cNvPr>
-          <p:cNvSpPr txBox="1"/>
-          <p:nvPr/>
-        </p:nvSpPr>
-        <p:spPr>
-          <a:xfrm>
-            <a:off x="2411760" y="4365104"/>
-            <a:ext cx="2480166" cy="369332"/>
-          </a:xfrm>
-          <a:prstGeom prst="rect">
-            <a:avLst/>
-          </a:prstGeom>
-          <a:noFill/>
-        </p:spPr>
-        <p:txBody>
-          <a:bodyPr wrap="none" rtlCol="0">
-            <a:spAutoFit/>
-          </a:bodyPr>
-          <a:lstStyle/>
-          <a:p>
-            <a:r>
-              <a:rPr kumimoji="1" lang="en-US" altLang="ja-JP" dirty="0">
-                <a:latin typeface="Consolas" panose="020B0609020204030204" pitchFamily="49" charset="0"/>
-              </a:rPr>
-              <a:t>modifies README.md</a:t>
-            </a:r>
-            <a:endParaRPr kumimoji="1" lang="ja-JP" altLang="en-US" dirty="0">
-              <a:latin typeface="Consolas" panose="020B0609020204030204" pitchFamily="49" charset="0"/>
-            </a:endParaRPr>
-          </a:p>
-        </p:txBody>
-      </p:sp>
-      <p:sp>
-        <p:nvSpPr>
-          <p:cNvPr id="31" name="テキスト ボックス 30">
-            <a:extLst>
-              <a:ext uri="{FF2B5EF4-FFF2-40B4-BE49-F238E27FC236}">
-                <a16:creationId xmlns:a16="http://schemas.microsoft.com/office/drawing/2014/main" id="{B1E8D174-02ED-467D-889F-8760F8A8A081}"/>
-              </a:ext>
-            </a:extLst>
-          </p:cNvPr>
-          <p:cNvSpPr txBox="1"/>
-          <p:nvPr/>
-        </p:nvSpPr>
-        <p:spPr>
-          <a:xfrm>
-            <a:off x="4499992" y="3212976"/>
-            <a:ext cx="4108817" cy="646331"/>
-          </a:xfrm>
-          <a:prstGeom prst="rect">
-            <a:avLst/>
-          </a:prstGeom>
-          <a:noFill/>
-        </p:spPr>
-        <p:txBody>
-          <a:bodyPr wrap="none" rtlCol="0">
-            <a:spAutoFit/>
-          </a:bodyPr>
-          <a:lstStyle/>
-          <a:p>
-            <a:r>
-              <a:rPr lang="ja-JP" altLang="en-US" dirty="0"/>
-              <a:t>ターミナルに表示</a:t>
-            </a:r>
-            <a:r>
-              <a:rPr lang="ja-JP" altLang="en-US"/>
-              <a:t>された情報から</a:t>
-            </a:r>
-            <a:endParaRPr lang="en-US" altLang="ja-JP" dirty="0"/>
-          </a:p>
-          <a:p>
-            <a:r>
-              <a:rPr lang="ja-JP" altLang="en-US" dirty="0"/>
-              <a:t>「玉と</a:t>
-            </a:r>
-            <a:r>
-              <a:rPr lang="ja-JP" altLang="en-US"/>
-              <a:t>線」を頭の中に再構成すること</a:t>
-            </a:r>
-            <a:endParaRPr kumimoji="1" lang="ja-JP" altLang="en-US" dirty="0"/>
-          </a:p>
-        </p:txBody>
-      </p:sp>
-    </p:spTree>
-    <p:extLst>
-      <p:ext uri="{BB962C8B-B14F-4D97-AF65-F5344CB8AC3E}">
-        <p14:creationId xmlns:p14="http://schemas.microsoft.com/office/powerpoint/2010/main" val="3867325113"/>
-      </p:ext>
-    </p:extLst>
-  </p:cSld>
-  <p:clrMapOvr>
-    <a:masterClrMapping/>
-  </p:clrMapOvr>
-</p:sld>
-</file>
-
-<file path=ppt/slides/slide18.xml><?xml version="1.0" encoding="utf-8"?>
-<p:sld xmlns:a="http://schemas.openxmlformats.org/drawingml/2006/main" xmlns:r="http://schemas.openxmlformats.org/officeDocument/2006/relationships" xmlns:p="http://schemas.openxmlformats.org/presentationml/2006/main">
-  <p:cSld>
-    <p:spTree>
-      <p:nvGrpSpPr>
-        <p:cNvPr id="1" name=""/>
-        <p:cNvGrpSpPr/>
-        <p:nvPr/>
-      </p:nvGrpSpPr>
-      <p:grpSpPr>
-        <a:xfrm>
-          <a:off x="0" y="0"/>
-          <a:ext cx="0" cy="0"/>
-          <a:chOff x="0" y="0"/>
-          <a:chExt cx="0" cy="0"/>
-        </a:xfrm>
-      </p:grpSpPr>
-      <p:sp>
-        <p:nvSpPr>
-          <p:cNvPr id="2" name="テキスト プレースホルダー 1">
-            <a:extLst>
-              <a:ext uri="{FF2B5EF4-FFF2-40B4-BE49-F238E27FC236}">
-                <a16:creationId xmlns:a16="http://schemas.microsoft.com/office/drawing/2014/main" id="{9C30E22C-A2A7-4370-829C-22F46D8951A9}"/>
-              </a:ext>
-            </a:extLst>
-          </p:cNvPr>
-          <p:cNvSpPr>
-            <a:spLocks noGrp="1"/>
-          </p:cNvSpPr>
-          <p:nvPr>
-            <p:ph type="body" sz="quarter" idx="10"/>
-          </p:nvPr>
-        </p:nvSpPr>
-        <p:spPr/>
-        <p:txBody>
-          <a:bodyPr/>
-          <a:lstStyle/>
-          <a:p>
-            <a:r>
-              <a:rPr kumimoji="1" lang="ja-JP" altLang="en-US" dirty="0"/>
-              <a:t>課題</a:t>
-            </a:r>
-            <a:r>
-              <a:rPr kumimoji="1" lang="en-US" altLang="ja-JP" dirty="0"/>
-              <a:t> – Step 7</a:t>
-            </a:r>
-            <a:endParaRPr kumimoji="1" lang="ja-JP" altLang="en-US" dirty="0"/>
-          </a:p>
-        </p:txBody>
-      </p:sp>
-      <p:sp>
-        <p:nvSpPr>
-          <p:cNvPr id="5" name="テキスト ボックス 4">
-            <a:extLst>
-              <a:ext uri="{FF2B5EF4-FFF2-40B4-BE49-F238E27FC236}">
-                <a16:creationId xmlns:a16="http://schemas.microsoft.com/office/drawing/2014/main" id="{110C281F-98BB-443D-B24D-E449CE680E43}"/>
-              </a:ext>
-            </a:extLst>
-          </p:cNvPr>
-          <p:cNvSpPr txBox="1"/>
-          <p:nvPr/>
-        </p:nvSpPr>
-        <p:spPr>
-          <a:xfrm>
-            <a:off x="683568" y="1412776"/>
-            <a:ext cx="2198038" cy="369332"/>
-          </a:xfrm>
-          <a:prstGeom prst="rect">
-            <a:avLst/>
-          </a:prstGeom>
-          <a:noFill/>
-        </p:spPr>
-        <p:txBody>
-          <a:bodyPr wrap="none" rtlCol="0">
-            <a:spAutoFit/>
-          </a:bodyPr>
-          <a:lstStyle/>
-          <a:p>
-            <a:r>
-              <a:rPr kumimoji="1" lang="en-US" altLang="ja-JP" dirty="0" err="1"/>
-              <a:t>VSCode</a:t>
-            </a:r>
-            <a:r>
-              <a:rPr kumimoji="1" lang="ja-JP" altLang="en-US" dirty="0"/>
-              <a:t>からの操作</a:t>
-            </a:r>
-          </a:p>
-        </p:txBody>
-      </p:sp>
-      <p:pic>
-        <p:nvPicPr>
-          <p:cNvPr id="1028" name="Picture 4" descr="vscode_add">
-            <a:extLst>
-              <a:ext uri="{FF2B5EF4-FFF2-40B4-BE49-F238E27FC236}">
-                <a16:creationId xmlns:a16="http://schemas.microsoft.com/office/drawing/2014/main" id="{32877CEF-F5DB-406D-B4B3-AFA9F8A49A98}"/>
-              </a:ext>
-            </a:extLst>
-          </p:cNvPr>
-          <p:cNvPicPr>
-            <a:picLocks noChangeAspect="1" noChangeArrowheads="1"/>
-          </p:cNvPicPr>
-          <p:nvPr/>
-        </p:nvPicPr>
-        <p:blipFill>
-          <a:blip r:embed="rId2" cstate="print">
-            <a:extLst>
-              <a:ext uri="{28A0092B-C50C-407E-A947-70E740481C1C}">
-                <a14:useLocalDpi xmlns:a14="http://schemas.microsoft.com/office/drawing/2010/main" val="0"/>
-              </a:ext>
-            </a:extLst>
-          </a:blip>
-          <a:srcRect/>
-          <a:stretch>
-            <a:fillRect/>
-          </a:stretch>
-        </p:blipFill>
-        <p:spPr bwMode="auto">
-          <a:xfrm>
-            <a:off x="539552" y="3356992"/>
-            <a:ext cx="6998303" cy="3225781"/>
-          </a:xfrm>
-          <a:prstGeom prst="rect">
-            <a:avLst/>
-          </a:prstGeom>
-          <a:noFill/>
-          <a:extLst>
-            <a:ext uri="{909E8E84-426E-40DD-AFC4-6F175D3DCCD1}">
-              <a14:hiddenFill xmlns:a14="http://schemas.microsoft.com/office/drawing/2010/main">
-                <a:solidFill>
-                  <a:srgbClr val="FFFFFF"/>
-                </a:solidFill>
-              </a14:hiddenFill>
-            </a:ext>
-          </a:extLst>
-        </p:spPr>
-      </p:pic>
-      <p:sp>
-        <p:nvSpPr>
-          <p:cNvPr id="8" name="テキスト ボックス 7">
-            <a:extLst>
-              <a:ext uri="{FF2B5EF4-FFF2-40B4-BE49-F238E27FC236}">
-                <a16:creationId xmlns:a16="http://schemas.microsoft.com/office/drawing/2014/main" id="{4A2B8537-78C8-4EDD-A65A-DF5C4C94E6FF}"/>
-              </a:ext>
-            </a:extLst>
-          </p:cNvPr>
-          <p:cNvSpPr txBox="1"/>
-          <p:nvPr/>
-        </p:nvSpPr>
-        <p:spPr>
-          <a:xfrm>
-            <a:off x="827584" y="2132856"/>
-            <a:ext cx="2582758" cy="400110"/>
-          </a:xfrm>
-          <a:prstGeom prst="rect">
-            <a:avLst/>
-          </a:prstGeom>
-          <a:noFill/>
-          <a:ln>
-            <a:solidFill>
-              <a:schemeClr val="tx1"/>
-            </a:solidFill>
-          </a:ln>
-        </p:spPr>
-        <p:txBody>
-          <a:bodyPr wrap="none" rtlCol="0">
-            <a:spAutoFit/>
-          </a:bodyPr>
-          <a:lstStyle/>
-          <a:p>
-            <a:r>
-              <a:rPr kumimoji="1" lang="en-US" altLang="ja-JP" sz="2000" dirty="0">
-                <a:latin typeface="Consolas" panose="020B0609020204030204" pitchFamily="49" charset="0"/>
-              </a:rPr>
-              <a:t>git add </a:t>
-            </a:r>
-            <a:r>
-              <a:rPr lang="en-US" altLang="ja-JP" sz="2000" dirty="0">
-                <a:latin typeface="Consolas" panose="020B0609020204030204" pitchFamily="49" charset="0"/>
-              </a:rPr>
-              <a:t>README.md</a:t>
-            </a:r>
-            <a:endParaRPr kumimoji="1" lang="ja-JP" altLang="en-US" sz="2000" dirty="0">
-              <a:latin typeface="Consolas" panose="020B0609020204030204" pitchFamily="49" charset="0"/>
-            </a:endParaRPr>
-          </a:p>
-        </p:txBody>
-      </p:sp>
-      <p:cxnSp>
-        <p:nvCxnSpPr>
-          <p:cNvPr id="9" name="直線矢印コネクタ 8">
-            <a:extLst>
-              <a:ext uri="{FF2B5EF4-FFF2-40B4-BE49-F238E27FC236}">
-                <a16:creationId xmlns:a16="http://schemas.microsoft.com/office/drawing/2014/main" id="{BA0082B7-05C8-45E2-9540-D12CE21B7113}"/>
-              </a:ext>
-            </a:extLst>
-          </p:cNvPr>
-          <p:cNvCxnSpPr/>
-          <p:nvPr/>
-        </p:nvCxnSpPr>
-        <p:spPr>
-          <a:xfrm>
-            <a:off x="2987824" y="2564904"/>
-            <a:ext cx="0" cy="1872208"/>
-          </a:xfrm>
-          <a:prstGeom prst="straightConnector1">
-            <a:avLst/>
-          </a:prstGeom>
-          <a:ln w="38100">
-            <a:solidFill>
-              <a:srgbClr val="FF0000"/>
-            </a:solidFill>
-            <a:headEnd type="none" w="med" len="med"/>
-            <a:tailEnd type="triangle"/>
-          </a:ln>
-        </p:spPr>
-        <p:style>
-          <a:lnRef idx="1">
-            <a:schemeClr val="accent1"/>
-          </a:lnRef>
-          <a:fillRef idx="0">
-            <a:schemeClr val="accent1"/>
-          </a:fillRef>
-          <a:effectRef idx="0">
-            <a:schemeClr val="accent1"/>
-          </a:effectRef>
-          <a:fontRef idx="minor">
-            <a:schemeClr val="tx1"/>
-          </a:fontRef>
-        </p:style>
-      </p:cxnSp>
-      <p:sp>
-        <p:nvSpPr>
-          <p:cNvPr id="10" name="テキスト ボックス 9">
-            <a:extLst>
-              <a:ext uri="{FF2B5EF4-FFF2-40B4-BE49-F238E27FC236}">
-                <a16:creationId xmlns:a16="http://schemas.microsoft.com/office/drawing/2014/main" id="{029FA1BF-B994-435C-8533-8A68F03ADECC}"/>
-              </a:ext>
-            </a:extLst>
-          </p:cNvPr>
-          <p:cNvSpPr txBox="1"/>
-          <p:nvPr/>
-        </p:nvSpPr>
-        <p:spPr>
-          <a:xfrm>
-            <a:off x="3707904" y="2708920"/>
-            <a:ext cx="3647152" cy="369332"/>
-          </a:xfrm>
-          <a:prstGeom prst="rect">
-            <a:avLst/>
-          </a:prstGeom>
-          <a:noFill/>
-        </p:spPr>
-        <p:txBody>
-          <a:bodyPr wrap="none" rtlCol="0">
-            <a:spAutoFit/>
-          </a:bodyPr>
-          <a:lstStyle/>
-          <a:p>
-            <a:r>
-              <a:rPr kumimoji="1" lang="ja-JP" altLang="en-US" dirty="0"/>
-              <a:t>この「＋」ボタンが</a:t>
-            </a:r>
-            <a:r>
-              <a:rPr lang="en-US" altLang="ja-JP" dirty="0"/>
-              <a:t>git add</a:t>
-            </a:r>
-            <a:r>
-              <a:rPr lang="ja-JP" altLang="en-US" dirty="0"/>
-              <a:t>に対応</a:t>
-            </a:r>
-            <a:endParaRPr kumimoji="1" lang="ja-JP" altLang="en-US" dirty="0"/>
-          </a:p>
-        </p:txBody>
-      </p:sp>
-    </p:spTree>
-    <p:extLst>
-      <p:ext uri="{BB962C8B-B14F-4D97-AF65-F5344CB8AC3E}">
-        <p14:creationId xmlns:p14="http://schemas.microsoft.com/office/powerpoint/2010/main" val="2110205950"/>
-      </p:ext>
-    </p:extLst>
-  </p:cSld>
-  <p:clrMapOvr>
-    <a:masterClrMapping/>
-  </p:clrMapOvr>
-</p:sld>
-</file>
-
 <file path=ppt/slides/slide19.xml><?xml version="1.0" encoding="utf-8"?>
 <p:sld xmlns:a="http://schemas.openxmlformats.org/drawingml/2006/main" xmlns:r="http://schemas.openxmlformats.org/officeDocument/2006/relationships" xmlns:p="http://schemas.openxmlformats.org/presentationml/2006/main">
   <p:cSld>
@@ -10812,7 +11300,7 @@
           <p:cNvPr id="2" name="テキスト プレースホルダー 1">
             <a:extLst>
               <a:ext uri="{FF2B5EF4-FFF2-40B4-BE49-F238E27FC236}">
-                <a16:creationId xmlns:a16="http://schemas.microsoft.com/office/drawing/2014/main" id="{1EB72191-4B11-48D1-BE33-16F6082ABD7C}"/>
+                <a16:creationId xmlns:a16="http://schemas.microsoft.com/office/drawing/2014/main" id="{BEB973C5-4C11-4FD1-BA90-C27165F9ADAB}"/>
               </a:ext>
             </a:extLst>
           </p:cNvPr>
@@ -10834,65 +11322,53 @@
             </a:r>
             <a:r>
               <a:rPr kumimoji="1" lang="en-US" altLang="ja-JP" dirty="0"/>
-              <a:t> – Step 7</a:t>
+              <a:t> – Step 6</a:t>
             </a:r>
             <a:endParaRPr kumimoji="1" lang="ja-JP" altLang="en-US" dirty="0"/>
           </a:p>
         </p:txBody>
       </p:sp>
-      <p:pic>
-        <p:nvPicPr>
-          <p:cNvPr id="2050" name="Picture 2" descr="vscode_add">
-            <a:extLst>
-              <a:ext uri="{FF2B5EF4-FFF2-40B4-BE49-F238E27FC236}">
-                <a16:creationId xmlns:a16="http://schemas.microsoft.com/office/drawing/2014/main" id="{D9AFD988-380F-425A-8D90-0FC3E7D58718}"/>
-              </a:ext>
-            </a:extLst>
-          </p:cNvPr>
-          <p:cNvPicPr>
-            <a:picLocks noChangeAspect="1" noChangeArrowheads="1"/>
-          </p:cNvPicPr>
-          <p:nvPr/>
-        </p:nvPicPr>
-        <p:blipFill>
-          <a:blip r:embed="rId2" cstate="print">
-            <a:extLst>
-              <a:ext uri="{28A0092B-C50C-407E-A947-70E740481C1C}">
-                <a14:useLocalDpi xmlns:a14="http://schemas.microsoft.com/office/drawing/2010/main" val="0"/>
-              </a:ext>
-            </a:extLst>
-          </a:blip>
-          <a:srcRect/>
-          <a:stretch>
-            <a:fillRect/>
-          </a:stretch>
-        </p:blipFill>
-        <p:spPr bwMode="auto">
-          <a:xfrm>
-            <a:off x="1331640" y="2348880"/>
-            <a:ext cx="7668344" cy="3806215"/>
-          </a:xfrm>
-          <a:prstGeom prst="rect">
-            <a:avLst/>
-          </a:prstGeom>
-          <a:noFill/>
-          <a:extLst>
-            <a:ext uri="{909E8E84-426E-40DD-AFC4-6F175D3DCCD1}">
-              <a14:hiddenFill xmlns:a14="http://schemas.microsoft.com/office/drawing/2010/main">
-                <a:solidFill>
-                  <a:srgbClr val="FFFFFF"/>
-                </a:solidFill>
-              </a14:hiddenFill>
-            </a:ext>
-          </a:extLst>
-        </p:spPr>
-      </p:pic>
+      <p:sp>
+        <p:nvSpPr>
+          <p:cNvPr id="3" name="テキスト ボックス 2">
+            <a:extLst>
+              <a:ext uri="{FF2B5EF4-FFF2-40B4-BE49-F238E27FC236}">
+                <a16:creationId xmlns:a16="http://schemas.microsoft.com/office/drawing/2014/main" id="{6A0617B0-D8AD-4BAB-BED8-C323744646F7}"/>
+              </a:ext>
+            </a:extLst>
+          </p:cNvPr>
+          <p:cNvSpPr txBox="1"/>
+          <p:nvPr/>
+        </p:nvSpPr>
+        <p:spPr>
+          <a:xfrm>
+            <a:off x="251520" y="1268760"/>
+            <a:ext cx="1723549" cy="461665"/>
+          </a:xfrm>
+          <a:prstGeom prst="rect">
+            <a:avLst/>
+          </a:prstGeom>
+          <a:noFill/>
+        </p:spPr>
+        <p:txBody>
+          <a:bodyPr wrap="none" rtlCol="0">
+            <a:spAutoFit/>
+          </a:bodyPr>
+          <a:lstStyle/>
+          <a:p>
+            <a:r>
+              <a:rPr kumimoji="1" lang="ja-JP" altLang="en-US" sz="2400" dirty="0"/>
+              <a:t>歴史の確認</a:t>
+            </a:r>
+          </a:p>
+        </p:txBody>
+      </p:sp>
       <p:sp>
         <p:nvSpPr>
           <p:cNvPr id="4" name="テキスト ボックス 3">
             <a:extLst>
               <a:ext uri="{FF2B5EF4-FFF2-40B4-BE49-F238E27FC236}">
-                <a16:creationId xmlns:a16="http://schemas.microsoft.com/office/drawing/2014/main" id="{EF17C930-7437-4B68-AE36-A83E01516560}"/>
+                <a16:creationId xmlns:a16="http://schemas.microsoft.com/office/drawing/2014/main" id="{BB48E940-AA36-49C9-97B9-1E9D09A19BFD}"/>
               </a:ext>
             </a:extLst>
           </p:cNvPr>
@@ -10901,8 +11377,8 @@
         </p:nvSpPr>
         <p:spPr>
           <a:xfrm>
-            <a:off x="1619672" y="1052736"/>
-            <a:ext cx="5121915" cy="400110"/>
+            <a:off x="827584" y="1988840"/>
+            <a:ext cx="2582758" cy="707886"/>
           </a:xfrm>
           <a:prstGeom prst="rect">
             <a:avLst/>
@@ -10915,7 +11391,7 @@
           </a:ln>
         </p:spPr>
         <p:txBody>
-          <a:bodyPr wrap="square" rtlCol="0">
+          <a:bodyPr wrap="none" rtlCol="0">
             <a:spAutoFit/>
           </a:bodyPr>
           <a:lstStyle/>
@@ -10924,19 +11400,21 @@
               <a:rPr kumimoji="1" lang="en-US" altLang="ja-JP" sz="2000" dirty="0">
                 <a:latin typeface="Consolas" panose="020B0609020204030204" pitchFamily="49" charset="0"/>
               </a:rPr>
-              <a:t>git commit –m ”commit from </a:t>
-            </a:r>
-            <a:r>
-              <a:rPr kumimoji="1" lang="en-US" altLang="ja-JP" sz="2000" dirty="0" err="1">
+              <a:t>git log</a:t>
+            </a:r>
+          </a:p>
+          <a:p>
+            <a:r>
+              <a:rPr lang="en-US" altLang="ja-JP" sz="2000" dirty="0">
                 <a:latin typeface="Consolas" panose="020B0609020204030204" pitchFamily="49" charset="0"/>
               </a:rPr>
-              <a:t>VSCode</a:t>
-            </a:r>
-            <a:r>
-              <a:rPr kumimoji="1" lang="en-US" altLang="ja-JP" sz="2000" dirty="0">
+              <a:t>git log --</a:t>
+            </a:r>
+            <a:r>
+              <a:rPr lang="en-US" altLang="ja-JP" sz="2000" dirty="0" err="1">
                 <a:latin typeface="Consolas" panose="020B0609020204030204" pitchFamily="49" charset="0"/>
               </a:rPr>
-              <a:t>”</a:t>
+              <a:t>oneline</a:t>
             </a:r>
             <a:endParaRPr kumimoji="1" lang="ja-JP" altLang="en-US" sz="2000" dirty="0">
               <a:latin typeface="Consolas" panose="020B0609020204030204" pitchFamily="49" charset="0"/>
@@ -10946,10 +11424,10 @@
       </p:sp>
       <p:sp>
         <p:nvSpPr>
-          <p:cNvPr id="6" name="楕円 5">
-            <a:extLst>
-              <a:ext uri="{FF2B5EF4-FFF2-40B4-BE49-F238E27FC236}">
-                <a16:creationId xmlns:a16="http://schemas.microsoft.com/office/drawing/2014/main" id="{3D7D728F-DF67-404A-A00B-15B438139FEC}"/>
+          <p:cNvPr id="5" name="楕円 4">
+            <a:extLst>
+              <a:ext uri="{FF2B5EF4-FFF2-40B4-BE49-F238E27FC236}">
+                <a16:creationId xmlns:a16="http://schemas.microsoft.com/office/drawing/2014/main" id="{0AFF55BA-80AB-4F7A-B8F2-B5C3CE0B4E34}"/>
               </a:ext>
             </a:extLst>
           </p:cNvPr>
@@ -10958,13 +11436,15 @@
         </p:nvSpPr>
         <p:spPr>
           <a:xfrm>
-            <a:off x="3419872" y="2708920"/>
+            <a:off x="1835696" y="6237312"/>
             <a:ext cx="432048" cy="432048"/>
           </a:xfrm>
           <a:prstGeom prst="ellipse">
             <a:avLst/>
           </a:prstGeom>
-          <a:noFill/>
+          <a:solidFill>
+            <a:srgbClr val="011893"/>
+          </a:solidFill>
           <a:ln>
             <a:solidFill>
               <a:schemeClr val="tx1"/>
@@ -10996,72 +11476,33 @@
           </a:p>
         </p:txBody>
       </p:sp>
-      <p:cxnSp>
-        <p:nvCxnSpPr>
-          <p:cNvPr id="8" name="直線コネクタ 7">
-            <a:extLst>
-              <a:ext uri="{FF2B5EF4-FFF2-40B4-BE49-F238E27FC236}">
-                <a16:creationId xmlns:a16="http://schemas.microsoft.com/office/drawing/2014/main" id="{82B35942-7F2A-4E09-9E15-23A7BC9C3A88}"/>
-              </a:ext>
-            </a:extLst>
-          </p:cNvPr>
-          <p:cNvCxnSpPr/>
-          <p:nvPr/>
-        </p:nvCxnSpPr>
-        <p:spPr>
-          <a:xfrm>
-            <a:off x="2267744" y="1412776"/>
-            <a:ext cx="792088" cy="0"/>
-          </a:xfrm>
-          <a:prstGeom prst="line">
-            <a:avLst/>
-          </a:prstGeom>
-          <a:ln w="19050">
+      <p:sp>
+        <p:nvSpPr>
+          <p:cNvPr id="6" name="楕円 5">
+            <a:extLst>
+              <a:ext uri="{FF2B5EF4-FFF2-40B4-BE49-F238E27FC236}">
+                <a16:creationId xmlns:a16="http://schemas.microsoft.com/office/drawing/2014/main" id="{2F4D2808-7674-4F11-B5CA-227BC656C0BF}"/>
+              </a:ext>
+            </a:extLst>
+          </p:cNvPr>
+          <p:cNvSpPr/>
+          <p:nvPr/>
+        </p:nvSpPr>
+        <p:spPr>
+          <a:xfrm>
+            <a:off x="1835696" y="5301208"/>
+            <a:ext cx="432048" cy="432048"/>
+          </a:xfrm>
+          <a:prstGeom prst="ellipse">
+            <a:avLst/>
+          </a:prstGeom>
+          <a:solidFill>
+            <a:srgbClr val="011893"/>
+          </a:solidFill>
+          <a:ln>
             <a:solidFill>
-              <a:srgbClr val="FF0000"/>
+              <a:schemeClr val="tx1"/>
             </a:solidFill>
-            <a:headEnd type="none" w="med" len="med"/>
-            <a:tailEnd type="none" w="med" len="med"/>
-          </a:ln>
-        </p:spPr>
-        <p:style>
-          <a:lnRef idx="1">
-            <a:schemeClr val="accent1"/>
-          </a:lnRef>
-          <a:fillRef idx="0">
-            <a:schemeClr val="accent1"/>
-          </a:fillRef>
-          <a:effectRef idx="0">
-            <a:schemeClr val="accent1"/>
-          </a:effectRef>
-          <a:fontRef idx="minor">
-            <a:schemeClr val="tx1"/>
-          </a:fontRef>
-        </p:style>
-      </p:cxnSp>
-      <p:sp>
-        <p:nvSpPr>
-          <p:cNvPr id="11" name="楕円 10">
-            <a:extLst>
-              <a:ext uri="{FF2B5EF4-FFF2-40B4-BE49-F238E27FC236}">
-                <a16:creationId xmlns:a16="http://schemas.microsoft.com/office/drawing/2014/main" id="{C0074D95-338E-4E13-AC9A-16A46E53DFD2}"/>
-              </a:ext>
-            </a:extLst>
-          </p:cNvPr>
-          <p:cNvSpPr/>
-          <p:nvPr/>
-        </p:nvSpPr>
-        <p:spPr>
-          <a:xfrm>
-            <a:off x="2555776" y="1412776"/>
-            <a:ext cx="144016" cy="144016"/>
-          </a:xfrm>
-          <a:prstGeom prst="ellipse">
-            <a:avLst/>
-          </a:prstGeom>
-          <a:noFill/>
-          <a:ln>
-            <a:noFill/>
           </a:ln>
         </p:spPr>
         <p:style>
@@ -11089,32 +11530,229 @@
           </a:p>
         </p:txBody>
       </p:sp>
+      <p:sp>
+        <p:nvSpPr>
+          <p:cNvPr id="7" name="楕円 6">
+            <a:extLst>
+              <a:ext uri="{FF2B5EF4-FFF2-40B4-BE49-F238E27FC236}">
+                <a16:creationId xmlns:a16="http://schemas.microsoft.com/office/drawing/2014/main" id="{2C299BC0-1B80-40DC-AE3F-CBAB1EADCA95}"/>
+              </a:ext>
+            </a:extLst>
+          </p:cNvPr>
+          <p:cNvSpPr/>
+          <p:nvPr/>
+        </p:nvSpPr>
+        <p:spPr>
+          <a:xfrm>
+            <a:off x="1835696" y="4365104"/>
+            <a:ext cx="432048" cy="432048"/>
+          </a:xfrm>
+          <a:prstGeom prst="ellipse">
+            <a:avLst/>
+          </a:prstGeom>
+          <a:solidFill>
+            <a:srgbClr val="011893"/>
+          </a:solidFill>
+          <a:ln>
+            <a:solidFill>
+              <a:schemeClr val="tx1"/>
+            </a:solidFill>
+          </a:ln>
+        </p:spPr>
+        <p:style>
+          <a:lnRef idx="2">
+            <a:schemeClr val="accent1">
+              <a:shade val="50000"/>
+            </a:schemeClr>
+          </a:lnRef>
+          <a:fillRef idx="1">
+            <a:schemeClr val="accent1"/>
+          </a:fillRef>
+          <a:effectRef idx="0">
+            <a:schemeClr val="accent1"/>
+          </a:effectRef>
+          <a:fontRef idx="minor">
+            <a:schemeClr val="lt1"/>
+          </a:fontRef>
+        </p:style>
+        <p:txBody>
+          <a:bodyPr rtlCol="0" anchor="ctr"/>
+          <a:lstStyle/>
+          <a:p>
+            <a:pPr algn="ctr"/>
+            <a:endParaRPr kumimoji="1" lang="ja-JP" altLang="en-US"/>
+          </a:p>
+        </p:txBody>
+      </p:sp>
+      <p:sp>
+        <p:nvSpPr>
+          <p:cNvPr id="9" name="四角形: 1 つの角を切り取り 1 つの角を丸める 8">
+            <a:extLst>
+              <a:ext uri="{FF2B5EF4-FFF2-40B4-BE49-F238E27FC236}">
+                <a16:creationId xmlns:a16="http://schemas.microsoft.com/office/drawing/2014/main" id="{B4C177FD-52A6-498C-B32F-5D2B082E7C95}"/>
+              </a:ext>
+            </a:extLst>
+          </p:cNvPr>
+          <p:cNvSpPr/>
+          <p:nvPr/>
+        </p:nvSpPr>
+        <p:spPr>
+          <a:xfrm>
+            <a:off x="323528" y="3933056"/>
+            <a:ext cx="1152128" cy="338336"/>
+          </a:xfrm>
+          <a:prstGeom prst="snipRoundRect">
+            <a:avLst>
+              <a:gd name="adj1" fmla="val 16667"/>
+              <a:gd name="adj2" fmla="val 35924"/>
+            </a:avLst>
+          </a:prstGeom>
+          <a:solidFill>
+            <a:schemeClr val="accent6">
+              <a:lumMod val="20000"/>
+              <a:lumOff val="80000"/>
+            </a:schemeClr>
+          </a:solidFill>
+          <a:ln>
+            <a:solidFill>
+              <a:schemeClr val="tx1"/>
+            </a:solidFill>
+          </a:ln>
+        </p:spPr>
+        <p:style>
+          <a:lnRef idx="2">
+            <a:schemeClr val="accent1">
+              <a:shade val="50000"/>
+            </a:schemeClr>
+          </a:lnRef>
+          <a:fillRef idx="1">
+            <a:schemeClr val="accent1"/>
+          </a:fillRef>
+          <a:effectRef idx="0">
+            <a:schemeClr val="accent1"/>
+          </a:effectRef>
+          <a:fontRef idx="minor">
+            <a:schemeClr val="lt1"/>
+          </a:fontRef>
+        </p:style>
+        <p:txBody>
+          <a:bodyPr rtlCol="0" anchor="ctr"/>
+          <a:lstStyle/>
+          <a:p>
+            <a:pPr algn="ctr"/>
+            <a:r>
+              <a:rPr kumimoji="1" lang="en-US" altLang="ja-JP" dirty="0">
+                <a:solidFill>
+                  <a:sysClr val="windowText" lastClr="000000"/>
+                </a:solidFill>
+                <a:latin typeface="Consolas" panose="020B0609020204030204" pitchFamily="49" charset="0"/>
+              </a:rPr>
+              <a:t>main</a:t>
+            </a:r>
+            <a:endParaRPr kumimoji="1" lang="ja-JP" altLang="en-US" dirty="0">
+              <a:solidFill>
+                <a:sysClr val="windowText" lastClr="000000"/>
+              </a:solidFill>
+              <a:latin typeface="Consolas" panose="020B0609020204030204" pitchFamily="49" charset="0"/>
+            </a:endParaRPr>
+          </a:p>
+        </p:txBody>
+      </p:sp>
+      <p:sp>
+        <p:nvSpPr>
+          <p:cNvPr id="10" name="正方形/長方形 9">
+            <a:extLst>
+              <a:ext uri="{FF2B5EF4-FFF2-40B4-BE49-F238E27FC236}">
+                <a16:creationId xmlns:a16="http://schemas.microsoft.com/office/drawing/2014/main" id="{3550D71E-3A29-4E2C-918B-360B94EDEB3D}"/>
+              </a:ext>
+            </a:extLst>
+          </p:cNvPr>
+          <p:cNvSpPr/>
+          <p:nvPr/>
+        </p:nvSpPr>
+        <p:spPr>
+          <a:xfrm>
+            <a:off x="428799" y="3179713"/>
+            <a:ext cx="936104" cy="360040"/>
+          </a:xfrm>
+          <a:prstGeom prst="rect">
+            <a:avLst/>
+          </a:prstGeom>
+          <a:solidFill>
+            <a:schemeClr val="bg1"/>
+          </a:solidFill>
+          <a:ln>
+            <a:solidFill>
+              <a:schemeClr val="tx1"/>
+            </a:solidFill>
+          </a:ln>
+        </p:spPr>
+        <p:style>
+          <a:lnRef idx="2">
+            <a:schemeClr val="accent1">
+              <a:shade val="50000"/>
+            </a:schemeClr>
+          </a:lnRef>
+          <a:fillRef idx="1">
+            <a:schemeClr val="accent1"/>
+          </a:fillRef>
+          <a:effectRef idx="0">
+            <a:schemeClr val="accent1"/>
+          </a:effectRef>
+          <a:fontRef idx="minor">
+            <a:schemeClr val="lt1"/>
+          </a:fontRef>
+        </p:style>
+        <p:txBody>
+          <a:bodyPr rtlCol="0" anchor="ctr"/>
+          <a:lstStyle/>
+          <a:p>
+            <a:pPr algn="ctr"/>
+            <a:r>
+              <a:rPr kumimoji="1" lang="en-US" altLang="ja-JP" dirty="0">
+                <a:solidFill>
+                  <a:schemeClr val="tx1"/>
+                </a:solidFill>
+                <a:latin typeface="Consolas" panose="020B0609020204030204" pitchFamily="49" charset="0"/>
+              </a:rPr>
+              <a:t>HEAD</a:t>
+            </a:r>
+            <a:endParaRPr kumimoji="1" lang="ja-JP" altLang="en-US" dirty="0">
+              <a:solidFill>
+                <a:schemeClr val="tx1"/>
+              </a:solidFill>
+              <a:latin typeface="Consolas" panose="020B0609020204030204" pitchFamily="49" charset="0"/>
+            </a:endParaRPr>
+          </a:p>
+        </p:txBody>
+      </p:sp>
       <p:cxnSp>
         <p:nvCxnSpPr>
-          <p:cNvPr id="12" name="コネクタ: カギ線 11">
-            <a:extLst>
-              <a:ext uri="{FF2B5EF4-FFF2-40B4-BE49-F238E27FC236}">
-                <a16:creationId xmlns:a16="http://schemas.microsoft.com/office/drawing/2014/main" id="{C692B87E-0BF3-463F-A878-422CE6C5CCE4}"/>
+          <p:cNvPr id="11" name="直線矢印コネクタ 10">
+            <a:extLst>
+              <a:ext uri="{FF2B5EF4-FFF2-40B4-BE49-F238E27FC236}">
+                <a16:creationId xmlns:a16="http://schemas.microsoft.com/office/drawing/2014/main" id="{A13E1093-6A80-4A35-BEFE-6FA9147EDA8A}"/>
               </a:ext>
             </a:extLst>
           </p:cNvPr>
           <p:cNvCxnSpPr>
-            <a:stCxn id="11" idx="4"/>
-            <a:endCxn id="6" idx="0"/>
+            <a:cxnSpLocks/>
+            <a:stCxn id="10" idx="2"/>
+            <a:endCxn id="9" idx="3"/>
           </p:cNvCxnSpPr>
           <p:nvPr/>
         </p:nvCxnSpPr>
         <p:spPr>
-          <a:xfrm rot="16200000" flipH="1">
-            <a:off x="2555776" y="1628800"/>
-            <a:ext cx="1152128" cy="1008112"/>
-          </a:xfrm>
-          <a:prstGeom prst="bentConnector3">
-            <a:avLst/>
-          </a:prstGeom>
-          <a:ln w="38100">
+          <a:xfrm>
+            <a:off x="896851" y="3539753"/>
+            <a:ext cx="2741" cy="393303"/>
+          </a:xfrm>
+          <a:prstGeom prst="straightConnector1">
+            <a:avLst/>
+          </a:prstGeom>
+          <a:ln>
             <a:solidFill>
-              <a:srgbClr val="FF0000"/>
+              <a:schemeClr val="tx1"/>
             </a:solidFill>
             <a:headEnd type="none" w="med" len="med"/>
             <a:tailEnd type="triangle"/>
@@ -11137,32 +11775,36 @@
       </p:cxnSp>
       <p:cxnSp>
         <p:nvCxnSpPr>
-          <p:cNvPr id="14" name="直線コネクタ 13">
-            <a:extLst>
-              <a:ext uri="{FF2B5EF4-FFF2-40B4-BE49-F238E27FC236}">
-                <a16:creationId xmlns:a16="http://schemas.microsoft.com/office/drawing/2014/main" id="{77883801-8004-47AF-BF8E-2DB2D4F607CD}"/>
+          <p:cNvPr id="12" name="コネクタ: カギ線 11">
+            <a:extLst>
+              <a:ext uri="{FF2B5EF4-FFF2-40B4-BE49-F238E27FC236}">
+                <a16:creationId xmlns:a16="http://schemas.microsoft.com/office/drawing/2014/main" id="{229BE455-AF3F-4E29-8957-9B1F0C6E0B93}"/>
               </a:ext>
             </a:extLst>
           </p:cNvPr>
           <p:cNvCxnSpPr>
             <a:cxnSpLocks/>
+            <a:stCxn id="9" idx="0"/>
+            <a:endCxn id="7" idx="2"/>
           </p:cNvCxnSpPr>
           <p:nvPr/>
         </p:nvCxnSpPr>
         <p:spPr>
           <a:xfrm>
-            <a:off x="3779912" y="1412776"/>
-            <a:ext cx="2520280" cy="0"/>
-          </a:xfrm>
-          <a:prstGeom prst="line">
-            <a:avLst/>
-          </a:prstGeom>
-          <a:ln w="19050">
+            <a:off x="1475656" y="4102224"/>
+            <a:ext cx="360040" cy="478904"/>
+          </a:xfrm>
+          <a:prstGeom prst="bentConnector3">
+            <a:avLst>
+              <a:gd name="adj1" fmla="val 50000"/>
+            </a:avLst>
+          </a:prstGeom>
+          <a:ln>
             <a:solidFill>
-              <a:srgbClr val="FF0000"/>
+              <a:schemeClr val="tx1"/>
             </a:solidFill>
             <a:headEnd type="none" w="med" len="med"/>
-            <a:tailEnd type="none" w="med" len="med"/>
+            <a:tailEnd type="triangle"/>
           </a:ln>
         </p:spPr>
         <p:style>
@@ -11180,138 +11822,36 @@
           </a:fontRef>
         </p:style>
       </p:cxnSp>
-      <p:sp>
-        <p:nvSpPr>
-          <p:cNvPr id="17" name="楕円 16">
-            <a:extLst>
-              <a:ext uri="{FF2B5EF4-FFF2-40B4-BE49-F238E27FC236}">
-                <a16:creationId xmlns:a16="http://schemas.microsoft.com/office/drawing/2014/main" id="{D4734209-BECC-4F11-B3CB-A1A79790BB12}"/>
-              </a:ext>
-            </a:extLst>
-          </p:cNvPr>
-          <p:cNvSpPr/>
-          <p:nvPr/>
-        </p:nvSpPr>
-        <p:spPr>
-          <a:xfrm>
-            <a:off x="4860032" y="1340768"/>
-            <a:ext cx="144016" cy="144016"/>
-          </a:xfrm>
-          <a:prstGeom prst="ellipse">
-            <a:avLst/>
-          </a:prstGeom>
-          <a:noFill/>
-          <a:ln>
-            <a:noFill/>
-          </a:ln>
-        </p:spPr>
-        <p:style>
-          <a:lnRef idx="2">
-            <a:schemeClr val="accent1">
-              <a:shade val="50000"/>
-            </a:schemeClr>
-          </a:lnRef>
-          <a:fillRef idx="1">
-            <a:schemeClr val="accent1"/>
-          </a:fillRef>
-          <a:effectRef idx="0">
-            <a:schemeClr val="accent1"/>
-          </a:effectRef>
-          <a:fontRef idx="minor">
-            <a:schemeClr val="lt1"/>
-          </a:fontRef>
-        </p:style>
-        <p:txBody>
-          <a:bodyPr rtlCol="0" anchor="ctr"/>
-          <a:lstStyle/>
-          <a:p>
-            <a:pPr algn="ctr"/>
-            <a:endParaRPr kumimoji="1" lang="ja-JP" altLang="en-US"/>
-          </a:p>
-        </p:txBody>
-      </p:sp>
-      <p:sp>
-        <p:nvSpPr>
-          <p:cNvPr id="18" name="楕円 17">
-            <a:extLst>
-              <a:ext uri="{FF2B5EF4-FFF2-40B4-BE49-F238E27FC236}">
-                <a16:creationId xmlns:a16="http://schemas.microsoft.com/office/drawing/2014/main" id="{03D67F7B-56EF-4005-B2DE-C77B2AAD7210}"/>
-              </a:ext>
-            </a:extLst>
-          </p:cNvPr>
-          <p:cNvSpPr/>
-          <p:nvPr/>
-        </p:nvSpPr>
-        <p:spPr>
-          <a:xfrm>
-            <a:off x="4355976" y="3284984"/>
-            <a:ext cx="144016" cy="144016"/>
-          </a:xfrm>
-          <a:prstGeom prst="ellipse">
-            <a:avLst/>
-          </a:prstGeom>
-          <a:solidFill>
-            <a:srgbClr val="FF0000"/>
-          </a:solidFill>
-          <a:ln>
-            <a:noFill/>
-          </a:ln>
-        </p:spPr>
-        <p:style>
-          <a:lnRef idx="2">
-            <a:schemeClr val="accent1">
-              <a:shade val="50000"/>
-            </a:schemeClr>
-          </a:lnRef>
-          <a:fillRef idx="1">
-            <a:schemeClr val="accent1"/>
-          </a:fillRef>
-          <a:effectRef idx="0">
-            <a:schemeClr val="accent1"/>
-          </a:effectRef>
-          <a:fontRef idx="minor">
-            <a:schemeClr val="lt1"/>
-          </a:fontRef>
-        </p:style>
-        <p:txBody>
-          <a:bodyPr rtlCol="0" anchor="ctr"/>
-          <a:lstStyle/>
-          <a:p>
-            <a:pPr algn="ctr"/>
-            <a:endParaRPr kumimoji="1" lang="ja-JP" altLang="en-US"/>
-          </a:p>
-        </p:txBody>
-      </p:sp>
       <p:cxnSp>
         <p:nvCxnSpPr>
-          <p:cNvPr id="19" name="コネクタ: カギ線 18">
-            <a:extLst>
-              <a:ext uri="{FF2B5EF4-FFF2-40B4-BE49-F238E27FC236}">
-                <a16:creationId xmlns:a16="http://schemas.microsoft.com/office/drawing/2014/main" id="{F842E328-2189-4428-8B44-62FFC282FAD6}"/>
+          <p:cNvPr id="19" name="直線コネクタ 18">
+            <a:extLst>
+              <a:ext uri="{FF2B5EF4-FFF2-40B4-BE49-F238E27FC236}">
+                <a16:creationId xmlns:a16="http://schemas.microsoft.com/office/drawing/2014/main" id="{E33C98AD-A0BC-4851-9217-40A29862DCAB}"/>
               </a:ext>
             </a:extLst>
           </p:cNvPr>
           <p:cNvCxnSpPr>
             <a:cxnSpLocks/>
-            <a:stCxn id="17" idx="4"/>
-            <a:endCxn id="18" idx="6"/>
+            <a:stCxn id="7" idx="4"/>
+            <a:endCxn id="6" idx="0"/>
           </p:cNvCxnSpPr>
           <p:nvPr/>
         </p:nvCxnSpPr>
         <p:spPr>
-          <a:xfrm rot="5400000">
-            <a:off x="3779912" y="2204864"/>
-            <a:ext cx="1872208" cy="432048"/>
-          </a:xfrm>
-          <a:prstGeom prst="bentConnector2">
-            <a:avLst/>
-          </a:prstGeom>
-          <a:ln w="38100">
+          <a:xfrm>
+            <a:off x="2051720" y="4797152"/>
+            <a:ext cx="0" cy="504056"/>
+          </a:xfrm>
+          <a:prstGeom prst="line">
+            <a:avLst/>
+          </a:prstGeom>
+          <a:ln w="57150">
             <a:solidFill>
-              <a:srgbClr val="FF0000"/>
+              <a:schemeClr val="tx1"/>
             </a:solidFill>
             <a:headEnd type="none" w="med" len="med"/>
-            <a:tailEnd type="triangle"/>
+            <a:tailEnd type="none" w="med" len="med"/>
           </a:ln>
         </p:spPr>
         <p:style>
@@ -11329,12 +11869,59 @@
           </a:fontRef>
         </p:style>
       </p:cxnSp>
-      <p:sp>
-        <p:nvSpPr>
-          <p:cNvPr id="13" name="テキスト ボックス 12">
-            <a:extLst>
-              <a:ext uri="{FF2B5EF4-FFF2-40B4-BE49-F238E27FC236}">
-                <a16:creationId xmlns:a16="http://schemas.microsoft.com/office/drawing/2014/main" id="{B39093AD-211A-466B-9C08-59D779AE6B93}"/>
+      <p:cxnSp>
+        <p:nvCxnSpPr>
+          <p:cNvPr id="22" name="直線コネクタ 21">
+            <a:extLst>
+              <a:ext uri="{FF2B5EF4-FFF2-40B4-BE49-F238E27FC236}">
+                <a16:creationId xmlns:a16="http://schemas.microsoft.com/office/drawing/2014/main" id="{41E0B1B1-9FC7-44B6-8537-F7F9B5554BE9}"/>
+              </a:ext>
+            </a:extLst>
+          </p:cNvPr>
+          <p:cNvCxnSpPr>
+            <a:cxnSpLocks/>
+            <a:stCxn id="6" idx="4"/>
+            <a:endCxn id="5" idx="0"/>
+          </p:cNvCxnSpPr>
+          <p:nvPr/>
+        </p:nvCxnSpPr>
+        <p:spPr>
+          <a:xfrm>
+            <a:off x="2051720" y="5733256"/>
+            <a:ext cx="0" cy="504056"/>
+          </a:xfrm>
+          <a:prstGeom prst="line">
+            <a:avLst/>
+          </a:prstGeom>
+          <a:ln w="57150">
+            <a:solidFill>
+              <a:schemeClr val="tx1"/>
+            </a:solidFill>
+            <a:headEnd type="none" w="med" len="med"/>
+            <a:tailEnd type="none" w="med" len="med"/>
+          </a:ln>
+        </p:spPr>
+        <p:style>
+          <a:lnRef idx="1">
+            <a:schemeClr val="accent1"/>
+          </a:lnRef>
+          <a:fillRef idx="0">
+            <a:schemeClr val="accent1"/>
+          </a:fillRef>
+          <a:effectRef idx="0">
+            <a:schemeClr val="accent1"/>
+          </a:effectRef>
+          <a:fontRef idx="minor">
+            <a:schemeClr val="tx1"/>
+          </a:fontRef>
+        </p:style>
+      </p:cxnSp>
+      <p:sp>
+        <p:nvSpPr>
+          <p:cNvPr id="25" name="テキスト ボックス 24">
+            <a:extLst>
+              <a:ext uri="{FF2B5EF4-FFF2-40B4-BE49-F238E27FC236}">
+                <a16:creationId xmlns:a16="http://schemas.microsoft.com/office/drawing/2014/main" id="{B52AD527-ADFA-41AC-9851-C621FA8E841A}"/>
               </a:ext>
             </a:extLst>
           </p:cNvPr>
@@ -11343,8 +11930,8 @@
         </p:nvSpPr>
         <p:spPr>
           <a:xfrm>
-            <a:off x="395536" y="1556792"/>
-            <a:ext cx="1800493" cy="646331"/>
+            <a:off x="2411760" y="6300028"/>
+            <a:ext cx="1957587" cy="369332"/>
           </a:xfrm>
           <a:prstGeom prst="rect">
             <a:avLst/>
@@ -11358,34 +11945,23 @@
           <a:lstStyle/>
           <a:p>
             <a:r>
-              <a:rPr kumimoji="1" lang="ja-JP" altLang="en-US"/>
-              <a:t>チェックボタン</a:t>
-            </a:r>
-            <a:endParaRPr kumimoji="1" lang="en-US" altLang="ja-JP"/>
-          </a:p>
-          <a:p>
-            <a:r>
-              <a:rPr kumimoji="1" lang="ja-JP" altLang="en-US"/>
-              <a:t>が</a:t>
-            </a:r>
-            <a:r>
-              <a:rPr lang="en-US" altLang="ja-JP" dirty="0"/>
-              <a:t>git add</a:t>
-            </a:r>
-            <a:r>
-              <a:rPr lang="ja-JP" altLang="en-US" dirty="0"/>
-              <a:t>に対応</a:t>
-            </a:r>
-            <a:endParaRPr kumimoji="1" lang="ja-JP" altLang="en-US" dirty="0"/>
-          </a:p>
-        </p:txBody>
-      </p:sp>
-      <p:sp>
-        <p:nvSpPr>
-          <p:cNvPr id="15" name="テキスト ボックス 14">
-            <a:extLst>
-              <a:ext uri="{FF2B5EF4-FFF2-40B4-BE49-F238E27FC236}">
-                <a16:creationId xmlns:a16="http://schemas.microsoft.com/office/drawing/2014/main" id="{72EE1EDD-1516-4FB7-A421-E347B6FE2C1F}"/>
+              <a:rPr kumimoji="1" lang="en-US" altLang="ja-JP" dirty="0">
+                <a:latin typeface="Consolas" panose="020B0609020204030204" pitchFamily="49" charset="0"/>
+              </a:rPr>
+              <a:t>initial commit</a:t>
+            </a:r>
+            <a:endParaRPr kumimoji="1" lang="ja-JP" altLang="en-US" dirty="0">
+              <a:latin typeface="Consolas" panose="020B0609020204030204" pitchFamily="49" charset="0"/>
+            </a:endParaRPr>
+          </a:p>
+        </p:txBody>
+      </p:sp>
+      <p:sp>
+        <p:nvSpPr>
+          <p:cNvPr id="26" name="テキスト ボックス 25">
+            <a:extLst>
+              <a:ext uri="{FF2B5EF4-FFF2-40B4-BE49-F238E27FC236}">
+                <a16:creationId xmlns:a16="http://schemas.microsoft.com/office/drawing/2014/main" id="{9EE8C00E-0CB4-4CC0-B844-99D9682DDFA6}"/>
               </a:ext>
             </a:extLst>
           </p:cNvPr>
@@ -11394,8 +11970,8 @@
         </p:nvSpPr>
         <p:spPr>
           <a:xfrm>
-            <a:off x="5220072" y="1556792"/>
-            <a:ext cx="3185487" cy="646331"/>
+            <a:off x="2411760" y="5301208"/>
+            <a:ext cx="1830950" cy="369332"/>
           </a:xfrm>
           <a:prstGeom prst="rect">
             <a:avLst/>
@@ -11409,15 +11985,103 @@
           <a:lstStyle/>
           <a:p>
             <a:r>
+              <a:rPr kumimoji="1" lang="en-US" altLang="ja-JP" dirty="0">
+                <a:latin typeface="Consolas" panose="020B0609020204030204" pitchFamily="49" charset="0"/>
+              </a:rPr>
+              <a:t>adds new line</a:t>
+            </a:r>
+            <a:endParaRPr kumimoji="1" lang="ja-JP" altLang="en-US" dirty="0">
+              <a:latin typeface="Consolas" panose="020B0609020204030204" pitchFamily="49" charset="0"/>
+            </a:endParaRPr>
+          </a:p>
+        </p:txBody>
+      </p:sp>
+      <p:sp>
+        <p:nvSpPr>
+          <p:cNvPr id="28" name="テキスト ボックス 27">
+            <a:extLst>
+              <a:ext uri="{FF2B5EF4-FFF2-40B4-BE49-F238E27FC236}">
+                <a16:creationId xmlns:a16="http://schemas.microsoft.com/office/drawing/2014/main" id="{CD2B444C-D5CF-4135-AF11-FE6D669E29D3}"/>
+              </a:ext>
+            </a:extLst>
+          </p:cNvPr>
+          <p:cNvSpPr txBox="1"/>
+          <p:nvPr/>
+        </p:nvSpPr>
+        <p:spPr>
+          <a:xfrm>
+            <a:off x="2411760" y="4365104"/>
+            <a:ext cx="2480166" cy="369332"/>
+          </a:xfrm>
+          <a:prstGeom prst="rect">
+            <a:avLst/>
+          </a:prstGeom>
+          <a:noFill/>
+        </p:spPr>
+        <p:txBody>
+          <a:bodyPr wrap="none" rtlCol="0">
+            <a:spAutoFit/>
+          </a:bodyPr>
+          <a:lstStyle/>
+          <a:p>
+            <a:r>
+              <a:rPr kumimoji="1" lang="en-US" altLang="ja-JP" dirty="0">
+                <a:latin typeface="Consolas" panose="020B0609020204030204" pitchFamily="49" charset="0"/>
+              </a:rPr>
+              <a:t>modifies README.md</a:t>
+            </a:r>
+            <a:endParaRPr kumimoji="1" lang="ja-JP" altLang="en-US" dirty="0">
+              <a:latin typeface="Consolas" panose="020B0609020204030204" pitchFamily="49" charset="0"/>
+            </a:endParaRPr>
+          </a:p>
+        </p:txBody>
+      </p:sp>
+      <p:sp>
+        <p:nvSpPr>
+          <p:cNvPr id="31" name="テキスト ボックス 30">
+            <a:extLst>
+              <a:ext uri="{FF2B5EF4-FFF2-40B4-BE49-F238E27FC236}">
+                <a16:creationId xmlns:a16="http://schemas.microsoft.com/office/drawing/2014/main" id="{B1E8D174-02ED-467D-889F-8760F8A8A081}"/>
+              </a:ext>
+            </a:extLst>
+          </p:cNvPr>
+          <p:cNvSpPr txBox="1"/>
+          <p:nvPr/>
+        </p:nvSpPr>
+        <p:spPr>
+          <a:xfrm>
+            <a:off x="4499992" y="3212976"/>
+            <a:ext cx="4108817" cy="646331"/>
+          </a:xfrm>
+          <a:prstGeom prst="rect">
+            <a:avLst/>
+          </a:prstGeom>
+          <a:noFill/>
+        </p:spPr>
+        <p:txBody>
+          <a:bodyPr wrap="none" rtlCol="0">
+            <a:spAutoFit/>
+          </a:bodyPr>
+          <a:lstStyle/>
+          <a:p>
+            <a:r>
+              <a:rPr lang="ja-JP" altLang="en-US" dirty="0"/>
+              <a:t>ターミナルに表示</a:t>
+            </a:r>
+            <a:r>
               <a:rPr lang="ja-JP" altLang="en-US"/>
-              <a:t>ここにコミットメッセージが</a:t>
-            </a:r>
-            <a:endParaRPr lang="en-US" altLang="ja-JP"/>
-          </a:p>
-          <a:p>
-            <a:r>
-              <a:rPr kumimoji="1" lang="ja-JP" altLang="en-US"/>
-              <a:t>書ける</a:t>
+              <a:t>された情報から</a:t>
+            </a:r>
+            <a:endParaRPr lang="en-US" altLang="ja-JP" dirty="0"/>
+          </a:p>
+          <a:p>
+            <a:r>
+              <a:rPr lang="ja-JP" altLang="en-US" dirty="0"/>
+              <a:t>「玉と</a:t>
+            </a:r>
+            <a:r>
+              <a:rPr lang="ja-JP" altLang="en-US"/>
+              <a:t>線」を頭の中に再構成すること</a:t>
             </a:r>
             <a:endParaRPr kumimoji="1" lang="ja-JP" altLang="en-US" dirty="0"/>
           </a:p>
@@ -11426,7 +12090,7 @@
     </p:spTree>
     <p:extLst>
       <p:ext uri="{BB962C8B-B14F-4D97-AF65-F5344CB8AC3E}">
-        <p14:creationId xmlns:p14="http://schemas.microsoft.com/office/powerpoint/2010/main" val="3581943110"/>
+        <p14:creationId xmlns:p14="http://schemas.microsoft.com/office/powerpoint/2010/main" val="3867325113"/>
       </p:ext>
     </p:extLst>
   </p:cSld>
@@ -11581,6 +12245,939 @@
 </file>
 
 <file path=ppt/slides/slide20.xml><?xml version="1.0" encoding="utf-8"?>
+<p:sld xmlns:a="http://schemas.openxmlformats.org/drawingml/2006/main" xmlns:r="http://schemas.openxmlformats.org/officeDocument/2006/relationships" xmlns:p="http://schemas.openxmlformats.org/presentationml/2006/main">
+  <p:cSld>
+    <p:spTree>
+      <p:nvGrpSpPr>
+        <p:cNvPr id="1" name=""/>
+        <p:cNvGrpSpPr/>
+        <p:nvPr/>
+      </p:nvGrpSpPr>
+      <p:grpSpPr>
+        <a:xfrm>
+          <a:off x="0" y="0"/>
+          <a:ext cx="0" cy="0"/>
+          <a:chOff x="0" y="0"/>
+          <a:chExt cx="0" cy="0"/>
+        </a:xfrm>
+      </p:grpSpPr>
+      <p:sp>
+        <p:nvSpPr>
+          <p:cNvPr id="2" name="テキスト プレースホルダー 1">
+            <a:extLst>
+              <a:ext uri="{FF2B5EF4-FFF2-40B4-BE49-F238E27FC236}">
+                <a16:creationId xmlns:a16="http://schemas.microsoft.com/office/drawing/2014/main" id="{9C30E22C-A2A7-4370-829C-22F46D8951A9}"/>
+              </a:ext>
+            </a:extLst>
+          </p:cNvPr>
+          <p:cNvSpPr>
+            <a:spLocks noGrp="1"/>
+          </p:cNvSpPr>
+          <p:nvPr>
+            <p:ph type="body" sz="quarter" idx="10"/>
+          </p:nvPr>
+        </p:nvSpPr>
+        <p:spPr/>
+        <p:txBody>
+          <a:bodyPr/>
+          <a:lstStyle/>
+          <a:p>
+            <a:r>
+              <a:rPr kumimoji="1" lang="ja-JP" altLang="en-US" dirty="0"/>
+              <a:t>課題</a:t>
+            </a:r>
+            <a:r>
+              <a:rPr kumimoji="1" lang="en-US" altLang="ja-JP" dirty="0"/>
+              <a:t> – Step 7</a:t>
+            </a:r>
+            <a:endParaRPr kumimoji="1" lang="ja-JP" altLang="en-US" dirty="0"/>
+          </a:p>
+        </p:txBody>
+      </p:sp>
+      <p:sp>
+        <p:nvSpPr>
+          <p:cNvPr id="5" name="テキスト ボックス 4">
+            <a:extLst>
+              <a:ext uri="{FF2B5EF4-FFF2-40B4-BE49-F238E27FC236}">
+                <a16:creationId xmlns:a16="http://schemas.microsoft.com/office/drawing/2014/main" id="{110C281F-98BB-443D-B24D-E449CE680E43}"/>
+              </a:ext>
+            </a:extLst>
+          </p:cNvPr>
+          <p:cNvSpPr txBox="1"/>
+          <p:nvPr/>
+        </p:nvSpPr>
+        <p:spPr>
+          <a:xfrm>
+            <a:off x="683568" y="1412776"/>
+            <a:ext cx="2198038" cy="369332"/>
+          </a:xfrm>
+          <a:prstGeom prst="rect">
+            <a:avLst/>
+          </a:prstGeom>
+          <a:noFill/>
+        </p:spPr>
+        <p:txBody>
+          <a:bodyPr wrap="none" rtlCol="0">
+            <a:spAutoFit/>
+          </a:bodyPr>
+          <a:lstStyle/>
+          <a:p>
+            <a:r>
+              <a:rPr kumimoji="1" lang="en-US" altLang="ja-JP" dirty="0" err="1"/>
+              <a:t>VSCode</a:t>
+            </a:r>
+            <a:r>
+              <a:rPr kumimoji="1" lang="ja-JP" altLang="en-US" dirty="0"/>
+              <a:t>からの操作</a:t>
+            </a:r>
+          </a:p>
+        </p:txBody>
+      </p:sp>
+      <p:pic>
+        <p:nvPicPr>
+          <p:cNvPr id="1028" name="Picture 4" descr="vscode_add">
+            <a:extLst>
+              <a:ext uri="{FF2B5EF4-FFF2-40B4-BE49-F238E27FC236}">
+                <a16:creationId xmlns:a16="http://schemas.microsoft.com/office/drawing/2014/main" id="{32877CEF-F5DB-406D-B4B3-AFA9F8A49A98}"/>
+              </a:ext>
+            </a:extLst>
+          </p:cNvPr>
+          <p:cNvPicPr>
+            <a:picLocks noChangeAspect="1" noChangeArrowheads="1"/>
+          </p:cNvPicPr>
+          <p:nvPr/>
+        </p:nvPicPr>
+        <p:blipFill>
+          <a:blip r:embed="rId2" cstate="print">
+            <a:extLst>
+              <a:ext uri="{28A0092B-C50C-407E-A947-70E740481C1C}">
+                <a14:useLocalDpi xmlns:a14="http://schemas.microsoft.com/office/drawing/2010/main" val="0"/>
+              </a:ext>
+            </a:extLst>
+          </a:blip>
+          <a:srcRect/>
+          <a:stretch>
+            <a:fillRect/>
+          </a:stretch>
+        </p:blipFill>
+        <p:spPr bwMode="auto">
+          <a:xfrm>
+            <a:off x="539552" y="3356992"/>
+            <a:ext cx="6998303" cy="3225781"/>
+          </a:xfrm>
+          <a:prstGeom prst="rect">
+            <a:avLst/>
+          </a:prstGeom>
+          <a:noFill/>
+          <a:extLst>
+            <a:ext uri="{909E8E84-426E-40DD-AFC4-6F175D3DCCD1}">
+              <a14:hiddenFill xmlns:a14="http://schemas.microsoft.com/office/drawing/2010/main">
+                <a:solidFill>
+                  <a:srgbClr val="FFFFFF"/>
+                </a:solidFill>
+              </a14:hiddenFill>
+            </a:ext>
+          </a:extLst>
+        </p:spPr>
+      </p:pic>
+      <p:sp>
+        <p:nvSpPr>
+          <p:cNvPr id="8" name="テキスト ボックス 7">
+            <a:extLst>
+              <a:ext uri="{FF2B5EF4-FFF2-40B4-BE49-F238E27FC236}">
+                <a16:creationId xmlns:a16="http://schemas.microsoft.com/office/drawing/2014/main" id="{4A2B8537-78C8-4EDD-A65A-DF5C4C94E6FF}"/>
+              </a:ext>
+            </a:extLst>
+          </p:cNvPr>
+          <p:cNvSpPr txBox="1"/>
+          <p:nvPr/>
+        </p:nvSpPr>
+        <p:spPr>
+          <a:xfrm>
+            <a:off x="827584" y="2132856"/>
+            <a:ext cx="2582758" cy="400110"/>
+          </a:xfrm>
+          <a:prstGeom prst="rect">
+            <a:avLst/>
+          </a:prstGeom>
+          <a:noFill/>
+          <a:ln>
+            <a:solidFill>
+              <a:schemeClr val="tx1"/>
+            </a:solidFill>
+          </a:ln>
+        </p:spPr>
+        <p:txBody>
+          <a:bodyPr wrap="none" rtlCol="0">
+            <a:spAutoFit/>
+          </a:bodyPr>
+          <a:lstStyle/>
+          <a:p>
+            <a:r>
+              <a:rPr kumimoji="1" lang="en-US" altLang="ja-JP" sz="2000" dirty="0">
+                <a:latin typeface="Consolas" panose="020B0609020204030204" pitchFamily="49" charset="0"/>
+              </a:rPr>
+              <a:t>git add </a:t>
+            </a:r>
+            <a:r>
+              <a:rPr lang="en-US" altLang="ja-JP" sz="2000" dirty="0">
+                <a:latin typeface="Consolas" panose="020B0609020204030204" pitchFamily="49" charset="0"/>
+              </a:rPr>
+              <a:t>README.md</a:t>
+            </a:r>
+            <a:endParaRPr kumimoji="1" lang="ja-JP" altLang="en-US" sz="2000" dirty="0">
+              <a:latin typeface="Consolas" panose="020B0609020204030204" pitchFamily="49" charset="0"/>
+            </a:endParaRPr>
+          </a:p>
+        </p:txBody>
+      </p:sp>
+      <p:cxnSp>
+        <p:nvCxnSpPr>
+          <p:cNvPr id="9" name="直線矢印コネクタ 8">
+            <a:extLst>
+              <a:ext uri="{FF2B5EF4-FFF2-40B4-BE49-F238E27FC236}">
+                <a16:creationId xmlns:a16="http://schemas.microsoft.com/office/drawing/2014/main" id="{BA0082B7-05C8-45E2-9540-D12CE21B7113}"/>
+              </a:ext>
+            </a:extLst>
+          </p:cNvPr>
+          <p:cNvCxnSpPr/>
+          <p:nvPr/>
+        </p:nvCxnSpPr>
+        <p:spPr>
+          <a:xfrm>
+            <a:off x="2987824" y="2564904"/>
+            <a:ext cx="0" cy="1872208"/>
+          </a:xfrm>
+          <a:prstGeom prst="straightConnector1">
+            <a:avLst/>
+          </a:prstGeom>
+          <a:ln w="38100">
+            <a:solidFill>
+              <a:srgbClr val="FF0000"/>
+            </a:solidFill>
+            <a:headEnd type="none" w="med" len="med"/>
+            <a:tailEnd type="triangle"/>
+          </a:ln>
+        </p:spPr>
+        <p:style>
+          <a:lnRef idx="1">
+            <a:schemeClr val="accent1"/>
+          </a:lnRef>
+          <a:fillRef idx="0">
+            <a:schemeClr val="accent1"/>
+          </a:fillRef>
+          <a:effectRef idx="0">
+            <a:schemeClr val="accent1"/>
+          </a:effectRef>
+          <a:fontRef idx="minor">
+            <a:schemeClr val="tx1"/>
+          </a:fontRef>
+        </p:style>
+      </p:cxnSp>
+      <p:sp>
+        <p:nvSpPr>
+          <p:cNvPr id="10" name="テキスト ボックス 9">
+            <a:extLst>
+              <a:ext uri="{FF2B5EF4-FFF2-40B4-BE49-F238E27FC236}">
+                <a16:creationId xmlns:a16="http://schemas.microsoft.com/office/drawing/2014/main" id="{029FA1BF-B994-435C-8533-8A68F03ADECC}"/>
+              </a:ext>
+            </a:extLst>
+          </p:cNvPr>
+          <p:cNvSpPr txBox="1"/>
+          <p:nvPr/>
+        </p:nvSpPr>
+        <p:spPr>
+          <a:xfrm>
+            <a:off x="3707904" y="2708920"/>
+            <a:ext cx="3647152" cy="369332"/>
+          </a:xfrm>
+          <a:prstGeom prst="rect">
+            <a:avLst/>
+          </a:prstGeom>
+          <a:noFill/>
+        </p:spPr>
+        <p:txBody>
+          <a:bodyPr wrap="none" rtlCol="0">
+            <a:spAutoFit/>
+          </a:bodyPr>
+          <a:lstStyle/>
+          <a:p>
+            <a:r>
+              <a:rPr kumimoji="1" lang="ja-JP" altLang="en-US" dirty="0"/>
+              <a:t>この「＋」ボタンが</a:t>
+            </a:r>
+            <a:r>
+              <a:rPr lang="en-US" altLang="ja-JP" dirty="0"/>
+              <a:t>git add</a:t>
+            </a:r>
+            <a:r>
+              <a:rPr lang="ja-JP" altLang="en-US" dirty="0"/>
+              <a:t>に対応</a:t>
+            </a:r>
+            <a:endParaRPr kumimoji="1" lang="ja-JP" altLang="en-US" dirty="0"/>
+          </a:p>
+        </p:txBody>
+      </p:sp>
+    </p:spTree>
+    <p:extLst>
+      <p:ext uri="{BB962C8B-B14F-4D97-AF65-F5344CB8AC3E}">
+        <p14:creationId xmlns:p14="http://schemas.microsoft.com/office/powerpoint/2010/main" val="2110205950"/>
+      </p:ext>
+    </p:extLst>
+  </p:cSld>
+  <p:clrMapOvr>
+    <a:masterClrMapping/>
+  </p:clrMapOvr>
+</p:sld>
+</file>
+
+<file path=ppt/slides/slide21.xml><?xml version="1.0" encoding="utf-8"?>
+<p:sld xmlns:a="http://schemas.openxmlformats.org/drawingml/2006/main" xmlns:r="http://schemas.openxmlformats.org/officeDocument/2006/relationships" xmlns:p="http://schemas.openxmlformats.org/presentationml/2006/main">
+  <p:cSld>
+    <p:spTree>
+      <p:nvGrpSpPr>
+        <p:cNvPr id="1" name=""/>
+        <p:cNvGrpSpPr/>
+        <p:nvPr/>
+      </p:nvGrpSpPr>
+      <p:grpSpPr>
+        <a:xfrm>
+          <a:off x="0" y="0"/>
+          <a:ext cx="0" cy="0"/>
+          <a:chOff x="0" y="0"/>
+          <a:chExt cx="0" cy="0"/>
+        </a:xfrm>
+      </p:grpSpPr>
+      <p:sp>
+        <p:nvSpPr>
+          <p:cNvPr id="2" name="テキスト プレースホルダー 1">
+            <a:extLst>
+              <a:ext uri="{FF2B5EF4-FFF2-40B4-BE49-F238E27FC236}">
+                <a16:creationId xmlns:a16="http://schemas.microsoft.com/office/drawing/2014/main" id="{1EB72191-4B11-48D1-BE33-16F6082ABD7C}"/>
+              </a:ext>
+            </a:extLst>
+          </p:cNvPr>
+          <p:cNvSpPr>
+            <a:spLocks noGrp="1"/>
+          </p:cNvSpPr>
+          <p:nvPr>
+            <p:ph type="body" sz="quarter" idx="10"/>
+          </p:nvPr>
+        </p:nvSpPr>
+        <p:spPr/>
+        <p:txBody>
+          <a:bodyPr/>
+          <a:lstStyle/>
+          <a:p>
+            <a:r>
+              <a:rPr kumimoji="1" lang="ja-JP" altLang="en-US" dirty="0"/>
+              <a:t>課題</a:t>
+            </a:r>
+            <a:r>
+              <a:rPr kumimoji="1" lang="en-US" altLang="ja-JP" dirty="0"/>
+              <a:t> – Step 7</a:t>
+            </a:r>
+            <a:endParaRPr kumimoji="1" lang="ja-JP" altLang="en-US" dirty="0"/>
+          </a:p>
+        </p:txBody>
+      </p:sp>
+      <p:pic>
+        <p:nvPicPr>
+          <p:cNvPr id="2050" name="Picture 2" descr="vscode_add">
+            <a:extLst>
+              <a:ext uri="{FF2B5EF4-FFF2-40B4-BE49-F238E27FC236}">
+                <a16:creationId xmlns:a16="http://schemas.microsoft.com/office/drawing/2014/main" id="{D9AFD988-380F-425A-8D90-0FC3E7D58718}"/>
+              </a:ext>
+            </a:extLst>
+          </p:cNvPr>
+          <p:cNvPicPr>
+            <a:picLocks noChangeAspect="1" noChangeArrowheads="1"/>
+          </p:cNvPicPr>
+          <p:nvPr/>
+        </p:nvPicPr>
+        <p:blipFill>
+          <a:blip r:embed="rId2" cstate="print">
+            <a:extLst>
+              <a:ext uri="{28A0092B-C50C-407E-A947-70E740481C1C}">
+                <a14:useLocalDpi xmlns:a14="http://schemas.microsoft.com/office/drawing/2010/main" val="0"/>
+              </a:ext>
+            </a:extLst>
+          </a:blip>
+          <a:srcRect/>
+          <a:stretch>
+            <a:fillRect/>
+          </a:stretch>
+        </p:blipFill>
+        <p:spPr bwMode="auto">
+          <a:xfrm>
+            <a:off x="1331640" y="2348880"/>
+            <a:ext cx="7668344" cy="3806215"/>
+          </a:xfrm>
+          <a:prstGeom prst="rect">
+            <a:avLst/>
+          </a:prstGeom>
+          <a:noFill/>
+          <a:extLst>
+            <a:ext uri="{909E8E84-426E-40DD-AFC4-6F175D3DCCD1}">
+              <a14:hiddenFill xmlns:a14="http://schemas.microsoft.com/office/drawing/2010/main">
+                <a:solidFill>
+                  <a:srgbClr val="FFFFFF"/>
+                </a:solidFill>
+              </a14:hiddenFill>
+            </a:ext>
+          </a:extLst>
+        </p:spPr>
+      </p:pic>
+      <p:sp>
+        <p:nvSpPr>
+          <p:cNvPr id="4" name="テキスト ボックス 3">
+            <a:extLst>
+              <a:ext uri="{FF2B5EF4-FFF2-40B4-BE49-F238E27FC236}">
+                <a16:creationId xmlns:a16="http://schemas.microsoft.com/office/drawing/2014/main" id="{EF17C930-7437-4B68-AE36-A83E01516560}"/>
+              </a:ext>
+            </a:extLst>
+          </p:cNvPr>
+          <p:cNvSpPr txBox="1"/>
+          <p:nvPr/>
+        </p:nvSpPr>
+        <p:spPr>
+          <a:xfrm>
+            <a:off x="1619672" y="1052736"/>
+            <a:ext cx="5121915" cy="400110"/>
+          </a:xfrm>
+          <a:prstGeom prst="rect">
+            <a:avLst/>
+          </a:prstGeom>
+          <a:noFill/>
+          <a:ln>
+            <a:solidFill>
+              <a:schemeClr val="tx1"/>
+            </a:solidFill>
+          </a:ln>
+        </p:spPr>
+        <p:txBody>
+          <a:bodyPr wrap="square" rtlCol="0">
+            <a:spAutoFit/>
+          </a:bodyPr>
+          <a:lstStyle/>
+          <a:p>
+            <a:r>
+              <a:rPr kumimoji="1" lang="en-US" altLang="ja-JP" sz="2000" dirty="0">
+                <a:latin typeface="Consolas" panose="020B0609020204030204" pitchFamily="49" charset="0"/>
+              </a:rPr>
+              <a:t>git commit –m ”commit from </a:t>
+            </a:r>
+            <a:r>
+              <a:rPr kumimoji="1" lang="en-US" altLang="ja-JP" sz="2000" dirty="0" err="1">
+                <a:latin typeface="Consolas" panose="020B0609020204030204" pitchFamily="49" charset="0"/>
+              </a:rPr>
+              <a:t>VSCode</a:t>
+            </a:r>
+            <a:r>
+              <a:rPr kumimoji="1" lang="en-US" altLang="ja-JP" sz="2000" dirty="0">
+                <a:latin typeface="Consolas" panose="020B0609020204030204" pitchFamily="49" charset="0"/>
+              </a:rPr>
+              <a:t>”</a:t>
+            </a:r>
+            <a:endParaRPr kumimoji="1" lang="ja-JP" altLang="en-US" sz="2000" dirty="0">
+              <a:latin typeface="Consolas" panose="020B0609020204030204" pitchFamily="49" charset="0"/>
+            </a:endParaRPr>
+          </a:p>
+        </p:txBody>
+      </p:sp>
+      <p:sp>
+        <p:nvSpPr>
+          <p:cNvPr id="6" name="楕円 5">
+            <a:extLst>
+              <a:ext uri="{FF2B5EF4-FFF2-40B4-BE49-F238E27FC236}">
+                <a16:creationId xmlns:a16="http://schemas.microsoft.com/office/drawing/2014/main" id="{3D7D728F-DF67-404A-A00B-15B438139FEC}"/>
+              </a:ext>
+            </a:extLst>
+          </p:cNvPr>
+          <p:cNvSpPr/>
+          <p:nvPr/>
+        </p:nvSpPr>
+        <p:spPr>
+          <a:xfrm>
+            <a:off x="3419872" y="2708920"/>
+            <a:ext cx="432048" cy="432048"/>
+          </a:xfrm>
+          <a:prstGeom prst="ellipse">
+            <a:avLst/>
+          </a:prstGeom>
+          <a:noFill/>
+          <a:ln>
+            <a:solidFill>
+              <a:schemeClr val="tx1"/>
+            </a:solidFill>
+          </a:ln>
+        </p:spPr>
+        <p:style>
+          <a:lnRef idx="2">
+            <a:schemeClr val="accent1">
+              <a:shade val="50000"/>
+            </a:schemeClr>
+          </a:lnRef>
+          <a:fillRef idx="1">
+            <a:schemeClr val="accent1"/>
+          </a:fillRef>
+          <a:effectRef idx="0">
+            <a:schemeClr val="accent1"/>
+          </a:effectRef>
+          <a:fontRef idx="minor">
+            <a:schemeClr val="lt1"/>
+          </a:fontRef>
+        </p:style>
+        <p:txBody>
+          <a:bodyPr rtlCol="0" anchor="ctr"/>
+          <a:lstStyle/>
+          <a:p>
+            <a:pPr algn="ctr"/>
+            <a:endParaRPr kumimoji="1" lang="ja-JP" altLang="en-US"/>
+          </a:p>
+        </p:txBody>
+      </p:sp>
+      <p:cxnSp>
+        <p:nvCxnSpPr>
+          <p:cNvPr id="8" name="直線コネクタ 7">
+            <a:extLst>
+              <a:ext uri="{FF2B5EF4-FFF2-40B4-BE49-F238E27FC236}">
+                <a16:creationId xmlns:a16="http://schemas.microsoft.com/office/drawing/2014/main" id="{82B35942-7F2A-4E09-9E15-23A7BC9C3A88}"/>
+              </a:ext>
+            </a:extLst>
+          </p:cNvPr>
+          <p:cNvCxnSpPr/>
+          <p:nvPr/>
+        </p:nvCxnSpPr>
+        <p:spPr>
+          <a:xfrm>
+            <a:off x="2267744" y="1412776"/>
+            <a:ext cx="792088" cy="0"/>
+          </a:xfrm>
+          <a:prstGeom prst="line">
+            <a:avLst/>
+          </a:prstGeom>
+          <a:ln w="19050">
+            <a:solidFill>
+              <a:srgbClr val="FF0000"/>
+            </a:solidFill>
+            <a:headEnd type="none" w="med" len="med"/>
+            <a:tailEnd type="none" w="med" len="med"/>
+          </a:ln>
+        </p:spPr>
+        <p:style>
+          <a:lnRef idx="1">
+            <a:schemeClr val="accent1"/>
+          </a:lnRef>
+          <a:fillRef idx="0">
+            <a:schemeClr val="accent1"/>
+          </a:fillRef>
+          <a:effectRef idx="0">
+            <a:schemeClr val="accent1"/>
+          </a:effectRef>
+          <a:fontRef idx="minor">
+            <a:schemeClr val="tx1"/>
+          </a:fontRef>
+        </p:style>
+      </p:cxnSp>
+      <p:sp>
+        <p:nvSpPr>
+          <p:cNvPr id="11" name="楕円 10">
+            <a:extLst>
+              <a:ext uri="{FF2B5EF4-FFF2-40B4-BE49-F238E27FC236}">
+                <a16:creationId xmlns:a16="http://schemas.microsoft.com/office/drawing/2014/main" id="{C0074D95-338E-4E13-AC9A-16A46E53DFD2}"/>
+              </a:ext>
+            </a:extLst>
+          </p:cNvPr>
+          <p:cNvSpPr/>
+          <p:nvPr/>
+        </p:nvSpPr>
+        <p:spPr>
+          <a:xfrm>
+            <a:off x="2555776" y="1412776"/>
+            <a:ext cx="144016" cy="144016"/>
+          </a:xfrm>
+          <a:prstGeom prst="ellipse">
+            <a:avLst/>
+          </a:prstGeom>
+          <a:noFill/>
+          <a:ln>
+            <a:noFill/>
+          </a:ln>
+        </p:spPr>
+        <p:style>
+          <a:lnRef idx="2">
+            <a:schemeClr val="accent1">
+              <a:shade val="50000"/>
+            </a:schemeClr>
+          </a:lnRef>
+          <a:fillRef idx="1">
+            <a:schemeClr val="accent1"/>
+          </a:fillRef>
+          <a:effectRef idx="0">
+            <a:schemeClr val="accent1"/>
+          </a:effectRef>
+          <a:fontRef idx="minor">
+            <a:schemeClr val="lt1"/>
+          </a:fontRef>
+        </p:style>
+        <p:txBody>
+          <a:bodyPr rtlCol="0" anchor="ctr"/>
+          <a:lstStyle/>
+          <a:p>
+            <a:pPr algn="ctr"/>
+            <a:endParaRPr kumimoji="1" lang="ja-JP" altLang="en-US"/>
+          </a:p>
+        </p:txBody>
+      </p:sp>
+      <p:cxnSp>
+        <p:nvCxnSpPr>
+          <p:cNvPr id="12" name="コネクタ: カギ線 11">
+            <a:extLst>
+              <a:ext uri="{FF2B5EF4-FFF2-40B4-BE49-F238E27FC236}">
+                <a16:creationId xmlns:a16="http://schemas.microsoft.com/office/drawing/2014/main" id="{C692B87E-0BF3-463F-A878-422CE6C5CCE4}"/>
+              </a:ext>
+            </a:extLst>
+          </p:cNvPr>
+          <p:cNvCxnSpPr>
+            <a:stCxn id="11" idx="4"/>
+            <a:endCxn id="6" idx="0"/>
+          </p:cNvCxnSpPr>
+          <p:nvPr/>
+        </p:nvCxnSpPr>
+        <p:spPr>
+          <a:xfrm rot="16200000" flipH="1">
+            <a:off x="2555776" y="1628800"/>
+            <a:ext cx="1152128" cy="1008112"/>
+          </a:xfrm>
+          <a:prstGeom prst="bentConnector3">
+            <a:avLst/>
+          </a:prstGeom>
+          <a:ln w="38100">
+            <a:solidFill>
+              <a:srgbClr val="FF0000"/>
+            </a:solidFill>
+            <a:headEnd type="none" w="med" len="med"/>
+            <a:tailEnd type="triangle"/>
+          </a:ln>
+        </p:spPr>
+        <p:style>
+          <a:lnRef idx="1">
+            <a:schemeClr val="accent1"/>
+          </a:lnRef>
+          <a:fillRef idx="0">
+            <a:schemeClr val="accent1"/>
+          </a:fillRef>
+          <a:effectRef idx="0">
+            <a:schemeClr val="accent1"/>
+          </a:effectRef>
+          <a:fontRef idx="minor">
+            <a:schemeClr val="tx1"/>
+          </a:fontRef>
+        </p:style>
+      </p:cxnSp>
+      <p:cxnSp>
+        <p:nvCxnSpPr>
+          <p:cNvPr id="14" name="直線コネクタ 13">
+            <a:extLst>
+              <a:ext uri="{FF2B5EF4-FFF2-40B4-BE49-F238E27FC236}">
+                <a16:creationId xmlns:a16="http://schemas.microsoft.com/office/drawing/2014/main" id="{77883801-8004-47AF-BF8E-2DB2D4F607CD}"/>
+              </a:ext>
+            </a:extLst>
+          </p:cNvPr>
+          <p:cNvCxnSpPr>
+            <a:cxnSpLocks/>
+          </p:cNvCxnSpPr>
+          <p:nvPr/>
+        </p:nvCxnSpPr>
+        <p:spPr>
+          <a:xfrm>
+            <a:off x="3779912" y="1412776"/>
+            <a:ext cx="2520280" cy="0"/>
+          </a:xfrm>
+          <a:prstGeom prst="line">
+            <a:avLst/>
+          </a:prstGeom>
+          <a:ln w="19050">
+            <a:solidFill>
+              <a:srgbClr val="FF0000"/>
+            </a:solidFill>
+            <a:headEnd type="none" w="med" len="med"/>
+            <a:tailEnd type="none" w="med" len="med"/>
+          </a:ln>
+        </p:spPr>
+        <p:style>
+          <a:lnRef idx="1">
+            <a:schemeClr val="accent1"/>
+          </a:lnRef>
+          <a:fillRef idx="0">
+            <a:schemeClr val="accent1"/>
+          </a:fillRef>
+          <a:effectRef idx="0">
+            <a:schemeClr val="accent1"/>
+          </a:effectRef>
+          <a:fontRef idx="minor">
+            <a:schemeClr val="tx1"/>
+          </a:fontRef>
+        </p:style>
+      </p:cxnSp>
+      <p:sp>
+        <p:nvSpPr>
+          <p:cNvPr id="17" name="楕円 16">
+            <a:extLst>
+              <a:ext uri="{FF2B5EF4-FFF2-40B4-BE49-F238E27FC236}">
+                <a16:creationId xmlns:a16="http://schemas.microsoft.com/office/drawing/2014/main" id="{D4734209-BECC-4F11-B3CB-A1A79790BB12}"/>
+              </a:ext>
+            </a:extLst>
+          </p:cNvPr>
+          <p:cNvSpPr/>
+          <p:nvPr/>
+        </p:nvSpPr>
+        <p:spPr>
+          <a:xfrm>
+            <a:off x="4860032" y="1340768"/>
+            <a:ext cx="144016" cy="144016"/>
+          </a:xfrm>
+          <a:prstGeom prst="ellipse">
+            <a:avLst/>
+          </a:prstGeom>
+          <a:noFill/>
+          <a:ln>
+            <a:noFill/>
+          </a:ln>
+        </p:spPr>
+        <p:style>
+          <a:lnRef idx="2">
+            <a:schemeClr val="accent1">
+              <a:shade val="50000"/>
+            </a:schemeClr>
+          </a:lnRef>
+          <a:fillRef idx="1">
+            <a:schemeClr val="accent1"/>
+          </a:fillRef>
+          <a:effectRef idx="0">
+            <a:schemeClr val="accent1"/>
+          </a:effectRef>
+          <a:fontRef idx="minor">
+            <a:schemeClr val="lt1"/>
+          </a:fontRef>
+        </p:style>
+        <p:txBody>
+          <a:bodyPr rtlCol="0" anchor="ctr"/>
+          <a:lstStyle/>
+          <a:p>
+            <a:pPr algn="ctr"/>
+            <a:endParaRPr kumimoji="1" lang="ja-JP" altLang="en-US"/>
+          </a:p>
+        </p:txBody>
+      </p:sp>
+      <p:sp>
+        <p:nvSpPr>
+          <p:cNvPr id="18" name="楕円 17">
+            <a:extLst>
+              <a:ext uri="{FF2B5EF4-FFF2-40B4-BE49-F238E27FC236}">
+                <a16:creationId xmlns:a16="http://schemas.microsoft.com/office/drawing/2014/main" id="{03D67F7B-56EF-4005-B2DE-C77B2AAD7210}"/>
+              </a:ext>
+            </a:extLst>
+          </p:cNvPr>
+          <p:cNvSpPr/>
+          <p:nvPr/>
+        </p:nvSpPr>
+        <p:spPr>
+          <a:xfrm>
+            <a:off x="4355976" y="3284984"/>
+            <a:ext cx="144016" cy="144016"/>
+          </a:xfrm>
+          <a:prstGeom prst="ellipse">
+            <a:avLst/>
+          </a:prstGeom>
+          <a:solidFill>
+            <a:srgbClr val="FF0000"/>
+          </a:solidFill>
+          <a:ln>
+            <a:noFill/>
+          </a:ln>
+        </p:spPr>
+        <p:style>
+          <a:lnRef idx="2">
+            <a:schemeClr val="accent1">
+              <a:shade val="50000"/>
+            </a:schemeClr>
+          </a:lnRef>
+          <a:fillRef idx="1">
+            <a:schemeClr val="accent1"/>
+          </a:fillRef>
+          <a:effectRef idx="0">
+            <a:schemeClr val="accent1"/>
+          </a:effectRef>
+          <a:fontRef idx="minor">
+            <a:schemeClr val="lt1"/>
+          </a:fontRef>
+        </p:style>
+        <p:txBody>
+          <a:bodyPr rtlCol="0" anchor="ctr"/>
+          <a:lstStyle/>
+          <a:p>
+            <a:pPr algn="ctr"/>
+            <a:endParaRPr kumimoji="1" lang="ja-JP" altLang="en-US"/>
+          </a:p>
+        </p:txBody>
+      </p:sp>
+      <p:cxnSp>
+        <p:nvCxnSpPr>
+          <p:cNvPr id="19" name="コネクタ: カギ線 18">
+            <a:extLst>
+              <a:ext uri="{FF2B5EF4-FFF2-40B4-BE49-F238E27FC236}">
+                <a16:creationId xmlns:a16="http://schemas.microsoft.com/office/drawing/2014/main" id="{F842E328-2189-4428-8B44-62FFC282FAD6}"/>
+              </a:ext>
+            </a:extLst>
+          </p:cNvPr>
+          <p:cNvCxnSpPr>
+            <a:cxnSpLocks/>
+            <a:stCxn id="17" idx="4"/>
+            <a:endCxn id="18" idx="6"/>
+          </p:cNvCxnSpPr>
+          <p:nvPr/>
+        </p:nvCxnSpPr>
+        <p:spPr>
+          <a:xfrm rot="5400000">
+            <a:off x="3779912" y="2204864"/>
+            <a:ext cx="1872208" cy="432048"/>
+          </a:xfrm>
+          <a:prstGeom prst="bentConnector2">
+            <a:avLst/>
+          </a:prstGeom>
+          <a:ln w="38100">
+            <a:solidFill>
+              <a:srgbClr val="FF0000"/>
+            </a:solidFill>
+            <a:headEnd type="none" w="med" len="med"/>
+            <a:tailEnd type="triangle"/>
+          </a:ln>
+        </p:spPr>
+        <p:style>
+          <a:lnRef idx="1">
+            <a:schemeClr val="accent1"/>
+          </a:lnRef>
+          <a:fillRef idx="0">
+            <a:schemeClr val="accent1"/>
+          </a:fillRef>
+          <a:effectRef idx="0">
+            <a:schemeClr val="accent1"/>
+          </a:effectRef>
+          <a:fontRef idx="minor">
+            <a:schemeClr val="tx1"/>
+          </a:fontRef>
+        </p:style>
+      </p:cxnSp>
+      <p:sp>
+        <p:nvSpPr>
+          <p:cNvPr id="13" name="テキスト ボックス 12">
+            <a:extLst>
+              <a:ext uri="{FF2B5EF4-FFF2-40B4-BE49-F238E27FC236}">
+                <a16:creationId xmlns:a16="http://schemas.microsoft.com/office/drawing/2014/main" id="{B39093AD-211A-466B-9C08-59D779AE6B93}"/>
+              </a:ext>
+            </a:extLst>
+          </p:cNvPr>
+          <p:cNvSpPr txBox="1"/>
+          <p:nvPr/>
+        </p:nvSpPr>
+        <p:spPr>
+          <a:xfrm>
+            <a:off x="395536" y="1556792"/>
+            <a:ext cx="1800493" cy="646331"/>
+          </a:xfrm>
+          <a:prstGeom prst="rect">
+            <a:avLst/>
+          </a:prstGeom>
+          <a:noFill/>
+        </p:spPr>
+        <p:txBody>
+          <a:bodyPr wrap="none" rtlCol="0">
+            <a:spAutoFit/>
+          </a:bodyPr>
+          <a:lstStyle/>
+          <a:p>
+            <a:r>
+              <a:rPr kumimoji="1" lang="ja-JP" altLang="en-US"/>
+              <a:t>チェックボタン</a:t>
+            </a:r>
+            <a:endParaRPr kumimoji="1" lang="en-US" altLang="ja-JP"/>
+          </a:p>
+          <a:p>
+            <a:r>
+              <a:rPr kumimoji="1" lang="ja-JP" altLang="en-US"/>
+              <a:t>が</a:t>
+            </a:r>
+            <a:r>
+              <a:rPr lang="en-US" altLang="ja-JP" dirty="0"/>
+              <a:t>git add</a:t>
+            </a:r>
+            <a:r>
+              <a:rPr lang="ja-JP" altLang="en-US" dirty="0"/>
+              <a:t>に対応</a:t>
+            </a:r>
+            <a:endParaRPr kumimoji="1" lang="ja-JP" altLang="en-US" dirty="0"/>
+          </a:p>
+        </p:txBody>
+      </p:sp>
+      <p:sp>
+        <p:nvSpPr>
+          <p:cNvPr id="15" name="テキスト ボックス 14">
+            <a:extLst>
+              <a:ext uri="{FF2B5EF4-FFF2-40B4-BE49-F238E27FC236}">
+                <a16:creationId xmlns:a16="http://schemas.microsoft.com/office/drawing/2014/main" id="{72EE1EDD-1516-4FB7-A421-E347B6FE2C1F}"/>
+              </a:ext>
+            </a:extLst>
+          </p:cNvPr>
+          <p:cNvSpPr txBox="1"/>
+          <p:nvPr/>
+        </p:nvSpPr>
+        <p:spPr>
+          <a:xfrm>
+            <a:off x="5220072" y="1556792"/>
+            <a:ext cx="3185487" cy="646331"/>
+          </a:xfrm>
+          <a:prstGeom prst="rect">
+            <a:avLst/>
+          </a:prstGeom>
+          <a:noFill/>
+        </p:spPr>
+        <p:txBody>
+          <a:bodyPr wrap="none" rtlCol="0">
+            <a:spAutoFit/>
+          </a:bodyPr>
+          <a:lstStyle/>
+          <a:p>
+            <a:r>
+              <a:rPr lang="ja-JP" altLang="en-US"/>
+              <a:t>ここにコミットメッセージが</a:t>
+            </a:r>
+            <a:endParaRPr lang="en-US" altLang="ja-JP"/>
+          </a:p>
+          <a:p>
+            <a:r>
+              <a:rPr kumimoji="1" lang="ja-JP" altLang="en-US"/>
+              <a:t>書ける</a:t>
+            </a:r>
+            <a:endParaRPr kumimoji="1" lang="ja-JP" altLang="en-US" dirty="0"/>
+          </a:p>
+        </p:txBody>
+      </p:sp>
+    </p:spTree>
+    <p:extLst>
+      <p:ext uri="{BB962C8B-B14F-4D97-AF65-F5344CB8AC3E}">
+        <p14:creationId xmlns:p14="http://schemas.microsoft.com/office/powerpoint/2010/main" val="3581943110"/>
+      </p:ext>
+    </p:extLst>
+  </p:cSld>
+  <p:clrMapOvr>
+    <a:masterClrMapping/>
+  </p:clrMapOvr>
+</p:sld>
+</file>
+
+<file path=ppt/slides/slide22.xml><?xml version="1.0" encoding="utf-8"?>
 <p:sld xmlns:a="http://schemas.openxmlformats.org/drawingml/2006/main" xmlns:r="http://schemas.openxmlformats.org/officeDocument/2006/relationships" xmlns:p="http://schemas.openxmlformats.org/presentationml/2006/main">
   <p:cSld>
     <p:spTree>
@@ -13651,7 +15248,7 @@
           <p:cNvPr id="2" name="テキスト プレースホルダー 1">
             <a:extLst>
               <a:ext uri="{FF2B5EF4-FFF2-40B4-BE49-F238E27FC236}">
-                <a16:creationId xmlns:a16="http://schemas.microsoft.com/office/drawing/2014/main" id="{6B0B2E08-2322-4621-96D8-09F280581721}"/>
+                <a16:creationId xmlns:a16="http://schemas.microsoft.com/office/drawing/2014/main" id="{19E7F41D-1E41-2907-1EB2-EF38AB0F4BFC}"/>
               </a:ext>
             </a:extLst>
           </p:cNvPr>
@@ -13668,12 +15265,12 @@
           <a:lstStyle/>
           <a:p>
             <a:r>
-              <a:rPr kumimoji="1" lang="ja-JP" altLang="en-US" dirty="0"/>
-              <a:t>課題</a:t>
-            </a:r>
-            <a:r>
-              <a:rPr kumimoji="1" lang="en-US" altLang="ja-JP" dirty="0"/>
-              <a:t> – Step 1</a:t>
+              <a:rPr lang="en-US" altLang="ja-JP" dirty="0"/>
+              <a:t>VS Code</a:t>
+            </a:r>
+            <a:r>
+              <a:rPr lang="ja-JP" altLang="en-US" dirty="0"/>
+              <a:t>の起動</a:t>
             </a:r>
             <a:endParaRPr kumimoji="1" lang="ja-JP" altLang="en-US" dirty="0"/>
           </a:p>
@@ -13681,10 +15278,10 @@
       </p:sp>
       <p:sp>
         <p:nvSpPr>
-          <p:cNvPr id="4" name="テキスト ボックス 3">
-            <a:extLst>
-              <a:ext uri="{FF2B5EF4-FFF2-40B4-BE49-F238E27FC236}">
-                <a16:creationId xmlns:a16="http://schemas.microsoft.com/office/drawing/2014/main" id="{FC2471D5-BCE5-475E-80D0-D586469A6592}"/>
+          <p:cNvPr id="3" name="テキスト ボックス 2">
+            <a:extLst>
+              <a:ext uri="{FF2B5EF4-FFF2-40B4-BE49-F238E27FC236}">
+                <a16:creationId xmlns:a16="http://schemas.microsoft.com/office/drawing/2014/main" id="{D55EC974-526F-3B02-BBE3-877CB35CEE48}"/>
               </a:ext>
             </a:extLst>
           </p:cNvPr>
@@ -13693,8 +15290,8 @@
         </p:nvSpPr>
         <p:spPr>
           <a:xfrm>
-            <a:off x="323528" y="1124744"/>
-            <a:ext cx="1415772" cy="461665"/>
+            <a:off x="467544" y="1268760"/>
+            <a:ext cx="7640233" cy="400110"/>
           </a:xfrm>
           <a:prstGeom prst="rect">
             <a:avLst/>
@@ -13708,359 +15305,60 @@
           <a:lstStyle/>
           <a:p>
             <a:r>
-              <a:rPr kumimoji="1" lang="ja-JP" altLang="en-US" sz="2400" dirty="0"/>
-              <a:t>初期設定</a:t>
-            </a:r>
-          </a:p>
-        </p:txBody>
-      </p:sp>
-      <p:sp>
-        <p:nvSpPr>
-          <p:cNvPr id="11" name="テキスト ボックス 10">
-            <a:extLst>
-              <a:ext uri="{FF2B5EF4-FFF2-40B4-BE49-F238E27FC236}">
-                <a16:creationId xmlns:a16="http://schemas.microsoft.com/office/drawing/2014/main" id="{78B41CAA-0100-4EA9-A1D1-4CFEBFC3849C}"/>
-              </a:ext>
-            </a:extLst>
-          </p:cNvPr>
-          <p:cNvSpPr txBox="1"/>
-          <p:nvPr/>
-        </p:nvSpPr>
-        <p:spPr>
-          <a:xfrm>
-            <a:off x="539552" y="2204864"/>
-            <a:ext cx="5979522" cy="1754326"/>
-          </a:xfrm>
-          <a:prstGeom prst="rect">
-            <a:avLst/>
-          </a:prstGeom>
-          <a:noFill/>
-          <a:ln>
-            <a:solidFill>
-              <a:schemeClr val="tx1"/>
-            </a:solidFill>
-          </a:ln>
-        </p:spPr>
-        <p:txBody>
-          <a:bodyPr wrap="none" rtlCol="0">
-            <a:spAutoFit/>
-          </a:bodyPr>
-          <a:lstStyle/>
-          <a:p>
-            <a:r>
-              <a:rPr kumimoji="1" lang="en-US" altLang="ja-JP" dirty="0">
-                <a:latin typeface="Consolas" panose="020B0609020204030204" pitchFamily="49" charset="0"/>
-              </a:rPr>
-              <a:t>git config --global user.name "</a:t>
-            </a:r>
-            <a:r>
-              <a:rPr kumimoji="1" lang="ja-JP" altLang="en-US" dirty="0">
-                <a:latin typeface="Consolas" panose="020B0609020204030204" pitchFamily="49" charset="0"/>
-              </a:rPr>
-              <a:t>ユーザー名</a:t>
-            </a:r>
-            <a:r>
-              <a:rPr kumimoji="1" lang="en-US" altLang="ja-JP" dirty="0">
-                <a:latin typeface="Consolas" panose="020B0609020204030204" pitchFamily="49" charset="0"/>
-              </a:rPr>
-              <a:t>"</a:t>
-            </a:r>
-          </a:p>
-          <a:p>
-            <a:r>
-              <a:rPr kumimoji="1" lang="en-US" altLang="ja-JP" dirty="0">
-                <a:latin typeface="Consolas" panose="020B0609020204030204" pitchFamily="49" charset="0"/>
-              </a:rPr>
-              <a:t>git config --global </a:t>
-            </a:r>
-            <a:r>
-              <a:rPr kumimoji="1" lang="en-US" altLang="ja-JP" dirty="0" err="1">
-                <a:latin typeface="Consolas" panose="020B0609020204030204" pitchFamily="49" charset="0"/>
-              </a:rPr>
-              <a:t>user.email</a:t>
-            </a:r>
-            <a:r>
-              <a:rPr kumimoji="1" lang="en-US" altLang="ja-JP" dirty="0">
-                <a:latin typeface="Consolas" panose="020B0609020204030204" pitchFamily="49" charset="0"/>
-              </a:rPr>
-              <a:t> "</a:t>
-            </a:r>
-            <a:r>
-              <a:rPr kumimoji="1" lang="ja-JP" altLang="en-US" dirty="0">
-                <a:latin typeface="Consolas" panose="020B0609020204030204" pitchFamily="49" charset="0"/>
-              </a:rPr>
-              <a:t>メールアドレス</a:t>
-            </a:r>
-            <a:r>
-              <a:rPr kumimoji="1" lang="en-US" altLang="ja-JP" dirty="0">
-                <a:latin typeface="Consolas" panose="020B0609020204030204" pitchFamily="49" charset="0"/>
-              </a:rPr>
-              <a:t>“</a:t>
-            </a:r>
-          </a:p>
-          <a:p>
-            <a:r>
-              <a:rPr kumimoji="1" lang="en-US" altLang="ja-JP" dirty="0">
-                <a:latin typeface="Consolas" panose="020B0609020204030204" pitchFamily="49" charset="0"/>
-              </a:rPr>
-              <a:t>git config --global </a:t>
-            </a:r>
-            <a:r>
-              <a:rPr kumimoji="1" lang="en-US" altLang="ja-JP" dirty="0" err="1">
-                <a:latin typeface="Consolas" panose="020B0609020204030204" pitchFamily="49" charset="0"/>
-              </a:rPr>
-              <a:t>core.editor</a:t>
-            </a:r>
-            <a:r>
-              <a:rPr kumimoji="1" lang="en-US" altLang="ja-JP" dirty="0">
-                <a:latin typeface="Consolas" panose="020B0609020204030204" pitchFamily="49" charset="0"/>
-              </a:rPr>
-              <a:t> vim</a:t>
-            </a:r>
-          </a:p>
-          <a:p>
-            <a:r>
-              <a:rPr kumimoji="1" lang="en-US" altLang="ja-JP" dirty="0">
-                <a:latin typeface="Consolas" panose="020B0609020204030204" pitchFamily="49" charset="0"/>
-              </a:rPr>
-              <a:t>git config --global </a:t>
-            </a:r>
-            <a:r>
-              <a:rPr kumimoji="1" lang="en-US" altLang="ja-JP" dirty="0" err="1">
-                <a:latin typeface="Consolas" panose="020B0609020204030204" pitchFamily="49" charset="0"/>
-              </a:rPr>
-              <a:t>core.autocrlf</a:t>
-            </a:r>
-            <a:r>
-              <a:rPr kumimoji="1" lang="en-US" altLang="ja-JP" dirty="0">
-                <a:latin typeface="Consolas" panose="020B0609020204030204" pitchFamily="49" charset="0"/>
-              </a:rPr>
-              <a:t> false</a:t>
-            </a:r>
-          </a:p>
-          <a:p>
-            <a:r>
-              <a:rPr kumimoji="1" lang="en-US" altLang="ja-JP" dirty="0">
-                <a:latin typeface="Consolas" panose="020B0609020204030204" pitchFamily="49" charset="0"/>
-              </a:rPr>
-              <a:t>git config --global </a:t>
-            </a:r>
-            <a:r>
-              <a:rPr kumimoji="1" lang="en-US" altLang="ja-JP" dirty="0" err="1">
-                <a:latin typeface="Consolas" panose="020B0609020204030204" pitchFamily="49" charset="0"/>
-              </a:rPr>
-              <a:t>init.defaultBranch</a:t>
-            </a:r>
-            <a:r>
-              <a:rPr kumimoji="1" lang="en-US" altLang="ja-JP" dirty="0">
-                <a:latin typeface="Consolas" panose="020B0609020204030204" pitchFamily="49" charset="0"/>
-              </a:rPr>
-              <a:t> main</a:t>
-            </a:r>
-          </a:p>
-          <a:p>
-            <a:r>
-              <a:rPr kumimoji="1" lang="en-US" altLang="ja-JP" dirty="0">
-                <a:latin typeface="Consolas" panose="020B0609020204030204" pitchFamily="49" charset="0"/>
-              </a:rPr>
-              <a:t>git config --global alias.st "status -s"</a:t>
+              <a:rPr kumimoji="1" lang="en-US" altLang="ja-JP" sz="2000" dirty="0"/>
+              <a:t>Windows</a:t>
+            </a:r>
+            <a:r>
+              <a:rPr kumimoji="1" lang="ja-JP" altLang="en-US" sz="2000" dirty="0"/>
+              <a:t>の検索ボックスに「</a:t>
+            </a:r>
+            <a:r>
+              <a:rPr kumimoji="1" lang="en-US" altLang="ja-JP" sz="2000" dirty="0"/>
+              <a:t>VS Code</a:t>
+            </a:r>
+            <a:r>
+              <a:rPr kumimoji="1" lang="ja-JP" altLang="en-US" sz="2000" dirty="0"/>
+              <a:t>」と入力すると表示される</a:t>
             </a:r>
           </a:p>
         </p:txBody>
       </p:sp>
       <p:pic>
         <p:nvPicPr>
-          <p:cNvPr id="23" name="Picture 2" descr="フォルダのイラスト">
-            <a:extLst>
-              <a:ext uri="{FF2B5EF4-FFF2-40B4-BE49-F238E27FC236}">
-                <a16:creationId xmlns:a16="http://schemas.microsoft.com/office/drawing/2014/main" id="{C30570D5-D05E-4140-BE97-0E32241B6E0F}"/>
+          <p:cNvPr id="5" name="図 4">
+            <a:extLst>
+              <a:ext uri="{FF2B5EF4-FFF2-40B4-BE49-F238E27FC236}">
+                <a16:creationId xmlns:a16="http://schemas.microsoft.com/office/drawing/2014/main" id="{7A86B9E5-05D7-43ED-AA03-89D188E366BA}"/>
               </a:ext>
             </a:extLst>
           </p:cNvPr>
           <p:cNvPicPr>
-            <a:picLocks noChangeAspect="1" noChangeArrowheads="1"/>
+            <a:picLocks noChangeAspect="1"/>
           </p:cNvPicPr>
           <p:nvPr/>
         </p:nvPicPr>
         <p:blipFill>
-          <a:blip r:embed="rId2" cstate="print">
-            <a:extLst>
-              <a:ext uri="{28A0092B-C50C-407E-A947-70E740481C1C}">
-                <a14:useLocalDpi xmlns:a14="http://schemas.microsoft.com/office/drawing/2010/main" val="0"/>
-              </a:ext>
-            </a:extLst>
-          </a:blip>
-          <a:srcRect/>
+          <a:blip r:embed="rId2"/>
           <a:stretch>
             <a:fillRect/>
           </a:stretch>
         </p:blipFill>
-        <p:spPr bwMode="auto">
-          <a:xfrm>
-            <a:off x="5724128" y="4077072"/>
-            <a:ext cx="702078" cy="587990"/>
-          </a:xfrm>
-          <a:prstGeom prst="rect">
-            <a:avLst/>
-          </a:prstGeom>
-          <a:noFill/>
-          <a:extLst>
-            <a:ext uri="{909E8E84-426E-40DD-AFC4-6F175D3DCCD1}">
-              <a14:hiddenFill xmlns:a14="http://schemas.microsoft.com/office/drawing/2010/main">
-                <a:solidFill>
-                  <a:srgbClr val="FFFFFF"/>
-                </a:solidFill>
-              </a14:hiddenFill>
-            </a:ext>
-          </a:extLst>
+        <p:spPr>
+          <a:xfrm>
+            <a:off x="827584" y="1772816"/>
+            <a:ext cx="6480720" cy="4164207"/>
+          </a:xfrm>
+          <a:prstGeom prst="rect">
+            <a:avLst/>
+          </a:prstGeom>
         </p:spPr>
       </p:pic>
-      <p:pic>
-        <p:nvPicPr>
-          <p:cNvPr id="26" name="Picture 2" descr="家のイラスト7">
-            <a:extLst>
-              <a:ext uri="{FF2B5EF4-FFF2-40B4-BE49-F238E27FC236}">
-                <a16:creationId xmlns:a16="http://schemas.microsoft.com/office/drawing/2014/main" id="{0E850664-FB0A-43DE-AF7C-94922EADF928}"/>
-              </a:ext>
-            </a:extLst>
-          </p:cNvPr>
-          <p:cNvPicPr>
-            <a:picLocks noChangeAspect="1" noChangeArrowheads="1"/>
-          </p:cNvPicPr>
-          <p:nvPr/>
-        </p:nvPicPr>
-        <p:blipFill>
-          <a:blip r:embed="rId3" cstate="print">
-            <a:extLst>
-              <a:ext uri="{28A0092B-C50C-407E-A947-70E740481C1C}">
-                <a14:useLocalDpi xmlns:a14="http://schemas.microsoft.com/office/drawing/2010/main" val="0"/>
-              </a:ext>
-            </a:extLst>
-          </a:blip>
-          <a:srcRect/>
-          <a:stretch>
-            <a:fillRect/>
-          </a:stretch>
-        </p:blipFill>
-        <p:spPr bwMode="auto">
-          <a:xfrm>
-            <a:off x="5868144" y="4221088"/>
-            <a:ext cx="360040" cy="336637"/>
-          </a:xfrm>
-          <a:prstGeom prst="rect">
-            <a:avLst/>
-          </a:prstGeom>
-          <a:noFill/>
-          <a:extLst>
-            <a:ext uri="{909E8E84-426E-40DD-AFC4-6F175D3DCCD1}">
-              <a14:hiddenFill xmlns:a14="http://schemas.microsoft.com/office/drawing/2010/main">
-                <a:solidFill>
-                  <a:srgbClr val="FFFFFF"/>
-                </a:solidFill>
-              </a14:hiddenFill>
-            </a:ext>
-          </a:extLst>
-        </p:spPr>
-      </p:pic>
-      <p:pic>
-        <p:nvPicPr>
-          <p:cNvPr id="36" name="Picture 2" descr="ファイルアイコン（テキスト）">
-            <a:extLst>
-              <a:ext uri="{FF2B5EF4-FFF2-40B4-BE49-F238E27FC236}">
-                <a16:creationId xmlns:a16="http://schemas.microsoft.com/office/drawing/2014/main" id="{F5F57010-B496-49C7-8EBE-2053136A0595}"/>
-              </a:ext>
-            </a:extLst>
-          </p:cNvPr>
-          <p:cNvPicPr>
-            <a:picLocks noChangeAspect="1" noChangeArrowheads="1"/>
-          </p:cNvPicPr>
-          <p:nvPr/>
-        </p:nvPicPr>
-        <p:blipFill>
-          <a:blip r:embed="rId4" cstate="print">
-            <a:extLst>
-              <a:ext uri="{28A0092B-C50C-407E-A947-70E740481C1C}">
-                <a14:useLocalDpi xmlns:a14="http://schemas.microsoft.com/office/drawing/2010/main" val="0"/>
-              </a:ext>
-            </a:extLst>
-          </a:blip>
-          <a:srcRect/>
-          <a:stretch>
-            <a:fillRect/>
-          </a:stretch>
-        </p:blipFill>
-        <p:spPr bwMode="auto">
-          <a:xfrm>
-            <a:off x="5832232" y="4941168"/>
-            <a:ext cx="484265" cy="562372"/>
-          </a:xfrm>
-          <a:prstGeom prst="rect">
-            <a:avLst/>
-          </a:prstGeom>
-          <a:noFill/>
-          <a:extLst>
-            <a:ext uri="{909E8E84-426E-40DD-AFC4-6F175D3DCCD1}">
-              <a14:hiddenFill xmlns:a14="http://schemas.microsoft.com/office/drawing/2010/main">
-                <a:solidFill>
-                  <a:srgbClr val="FFFFFF"/>
-                </a:solidFill>
-              </a14:hiddenFill>
-            </a:ext>
-          </a:extLst>
-        </p:spPr>
-      </p:pic>
-      <p:cxnSp>
-        <p:nvCxnSpPr>
-          <p:cNvPr id="8" name="直線コネクタ 7">
-            <a:extLst>
-              <a:ext uri="{FF2B5EF4-FFF2-40B4-BE49-F238E27FC236}">
-                <a16:creationId xmlns:a16="http://schemas.microsoft.com/office/drawing/2014/main" id="{BD61EB45-6C88-45FD-AE22-5DD6ED78AC10}"/>
-              </a:ext>
-            </a:extLst>
-          </p:cNvPr>
-          <p:cNvCxnSpPr>
-            <a:stCxn id="23" idx="2"/>
-            <a:endCxn id="36" idx="0"/>
-          </p:cNvCxnSpPr>
-          <p:nvPr/>
-        </p:nvCxnSpPr>
-        <p:spPr>
-          <a:xfrm flipH="1">
-            <a:off x="6074365" y="4665062"/>
-            <a:ext cx="802" cy="276106"/>
-          </a:xfrm>
-          <a:prstGeom prst="line">
-            <a:avLst/>
-          </a:prstGeom>
-          <a:ln>
-            <a:solidFill>
-              <a:schemeClr val="tx1"/>
-            </a:solidFill>
-            <a:headEnd type="none" w="med" len="med"/>
-            <a:tailEnd type="none" w="med" len="med"/>
-          </a:ln>
-        </p:spPr>
-        <p:style>
-          <a:lnRef idx="1">
-            <a:schemeClr val="accent1"/>
-          </a:lnRef>
-          <a:fillRef idx="0">
-            <a:schemeClr val="accent1"/>
-          </a:fillRef>
-          <a:effectRef idx="0">
-            <a:schemeClr val="accent1"/>
-          </a:effectRef>
-          <a:fontRef idx="minor">
-            <a:schemeClr val="tx1"/>
-          </a:fontRef>
-        </p:style>
-      </p:cxnSp>
-      <p:sp>
-        <p:nvSpPr>
-          <p:cNvPr id="37" name="テキスト ボックス 36">
-            <a:extLst>
-              <a:ext uri="{FF2B5EF4-FFF2-40B4-BE49-F238E27FC236}">
-                <a16:creationId xmlns:a16="http://schemas.microsoft.com/office/drawing/2014/main" id="{09F5D442-2F5E-4DB0-A5E2-09FC366A0208}"/>
+      <p:sp>
+        <p:nvSpPr>
+          <p:cNvPr id="6" name="テキスト ボックス 5">
+            <a:extLst>
+              <a:ext uri="{FF2B5EF4-FFF2-40B4-BE49-F238E27FC236}">
+                <a16:creationId xmlns:a16="http://schemas.microsoft.com/office/drawing/2014/main" id="{9F79C0A8-9E38-06B8-37E0-4682265ABDA1}"/>
               </a:ext>
             </a:extLst>
           </p:cNvPr>
@@ -14069,8 +15367,8 @@
         </p:nvSpPr>
         <p:spPr>
           <a:xfrm>
-            <a:off x="6516216" y="4149080"/>
-            <a:ext cx="2262158" cy="369332"/>
+            <a:off x="899592" y="6093296"/>
+            <a:ext cx="6541086" cy="369332"/>
           </a:xfrm>
           <a:prstGeom prst="rect">
             <a:avLst/>
@@ -14084,153 +15382,140 @@
           <a:lstStyle/>
           <a:p>
             <a:r>
-              <a:rPr lang="ja-JP" altLang="en-US" dirty="0"/>
-              <a:t>ホームディレクトリ</a:t>
-            </a:r>
-            <a:endParaRPr kumimoji="1" lang="ja-JP" altLang="en-US" dirty="0"/>
-          </a:p>
-        </p:txBody>
-      </p:sp>
-      <p:sp>
-        <p:nvSpPr>
-          <p:cNvPr id="38" name="テキスト ボックス 37">
-            <a:extLst>
-              <a:ext uri="{FF2B5EF4-FFF2-40B4-BE49-F238E27FC236}">
-                <a16:creationId xmlns:a16="http://schemas.microsoft.com/office/drawing/2014/main" id="{867AEE9D-E23C-4C86-8B7B-448B638FA499}"/>
-              </a:ext>
-            </a:extLst>
-          </p:cNvPr>
-          <p:cNvSpPr txBox="1"/>
-          <p:nvPr/>
-        </p:nvSpPr>
-        <p:spPr>
-          <a:xfrm>
-            <a:off x="5292080" y="5517232"/>
-            <a:ext cx="1451038" cy="369332"/>
-          </a:xfrm>
-          <a:prstGeom prst="rect">
-            <a:avLst/>
-          </a:prstGeom>
-          <a:noFill/>
-        </p:spPr>
-        <p:txBody>
-          <a:bodyPr wrap="none" rtlCol="0">
-            <a:spAutoFit/>
-          </a:bodyPr>
-          <a:lstStyle/>
-          <a:p>
-            <a:r>
-              <a:rPr kumimoji="1" lang="en-US" altLang="ja-JP" dirty="0">
-                <a:latin typeface="Consolas" panose="020B0609020204030204" pitchFamily="49" charset="0"/>
-              </a:rPr>
-              <a:t>.</a:t>
-            </a:r>
-            <a:r>
-              <a:rPr kumimoji="1" lang="en-US" altLang="ja-JP" dirty="0" err="1">
-                <a:latin typeface="Consolas" panose="020B0609020204030204" pitchFamily="49" charset="0"/>
-              </a:rPr>
-              <a:t>gitconfig</a:t>
-            </a:r>
-            <a:endParaRPr kumimoji="1" lang="ja-JP" altLang="en-US" dirty="0">
-              <a:latin typeface="Consolas" panose="020B0609020204030204" pitchFamily="49" charset="0"/>
-            </a:endParaRPr>
-          </a:p>
-        </p:txBody>
-      </p:sp>
-      <p:sp>
-        <p:nvSpPr>
-          <p:cNvPr id="13" name="テキスト ボックス 12">
-            <a:extLst>
-              <a:ext uri="{FF2B5EF4-FFF2-40B4-BE49-F238E27FC236}">
-                <a16:creationId xmlns:a16="http://schemas.microsoft.com/office/drawing/2014/main" id="{226897EA-FF1E-47E9-A4A9-1E1CBE6F05BD}"/>
-              </a:ext>
-            </a:extLst>
-          </p:cNvPr>
-          <p:cNvSpPr txBox="1"/>
-          <p:nvPr/>
-        </p:nvSpPr>
-        <p:spPr>
-          <a:xfrm>
-            <a:off x="611560" y="4581128"/>
-            <a:ext cx="4339650" cy="646331"/>
-          </a:xfrm>
-          <a:prstGeom prst="rect">
-            <a:avLst/>
-          </a:prstGeom>
-          <a:noFill/>
-        </p:spPr>
-        <p:txBody>
-          <a:bodyPr wrap="none" rtlCol="0">
-            <a:spAutoFit/>
-          </a:bodyPr>
-          <a:lstStyle/>
-          <a:p>
-            <a:r>
-              <a:rPr lang="ja-JP" altLang="en-US" dirty="0"/>
-              <a:t>上記設定は、ホームディレクトリ直下の</a:t>
-            </a:r>
-            <a:endParaRPr lang="en-US" altLang="ja-JP" dirty="0"/>
-          </a:p>
-          <a:p>
-            <a:r>
               <a:rPr kumimoji="1" lang="en-US" altLang="ja-JP" dirty="0"/>
-              <a:t>.</a:t>
-            </a:r>
-            <a:r>
-              <a:rPr kumimoji="1" lang="en-US" altLang="ja-JP" dirty="0" err="1"/>
-              <a:t>gticonfig</a:t>
+              <a:t>※ </a:t>
             </a:r>
             <a:r>
               <a:rPr kumimoji="1" lang="ja-JP" altLang="en-US" dirty="0"/>
-              <a:t>に書き込まれる</a:t>
-            </a:r>
-          </a:p>
-        </p:txBody>
-      </p:sp>
-      <p:sp>
-        <p:nvSpPr>
-          <p:cNvPr id="15" name="テキスト ボックス 14">
-            <a:extLst>
-              <a:ext uri="{FF2B5EF4-FFF2-40B4-BE49-F238E27FC236}">
-                <a16:creationId xmlns:a16="http://schemas.microsoft.com/office/drawing/2014/main" id="{45785257-2350-496E-BE8D-B45E915417F1}"/>
-              </a:ext>
-            </a:extLst>
-          </p:cNvPr>
-          <p:cNvSpPr txBox="1"/>
-          <p:nvPr/>
-        </p:nvSpPr>
-        <p:spPr>
-          <a:xfrm>
-            <a:off x="683568" y="1763524"/>
-            <a:ext cx="4634602" cy="369332"/>
-          </a:xfrm>
-          <a:prstGeom prst="rect">
-            <a:avLst/>
-          </a:prstGeom>
-          <a:noFill/>
-        </p:spPr>
-        <p:txBody>
-          <a:bodyPr wrap="none" rtlCol="0">
-            <a:spAutoFit/>
-          </a:bodyPr>
-          <a:lstStyle/>
-          <a:p>
+              <a:t>上記は</a:t>
+            </a:r>
             <a:r>
               <a:rPr kumimoji="1" lang="en-US" altLang="ja-JP" dirty="0"/>
-              <a:t>Git</a:t>
-            </a:r>
-            <a:r>
-              <a:rPr lang="ja-JP" altLang="en-US" dirty="0"/>
-              <a:t>に名前やアドレス、その他設定を伝える</a:t>
-            </a:r>
-            <a:endParaRPr kumimoji="1" lang="ja-JP" altLang="en-US" dirty="0"/>
+              <a:t>Windows 11</a:t>
+            </a:r>
+            <a:r>
+              <a:rPr kumimoji="1" lang="ja-JP" altLang="en-US" dirty="0"/>
+              <a:t>なので、</a:t>
+            </a:r>
+            <a:r>
+              <a:rPr kumimoji="1" lang="en-US" altLang="ja-JP" dirty="0"/>
+              <a:t>Windows10</a:t>
+            </a:r>
+            <a:r>
+              <a:rPr kumimoji="1" lang="ja-JP" altLang="en-US" dirty="0"/>
+              <a:t>とは表示が異なる</a:t>
+            </a:r>
+          </a:p>
+        </p:txBody>
+      </p:sp>
+      <p:sp>
+        <p:nvSpPr>
+          <p:cNvPr id="7" name="四角形: 角を丸くする 6">
+            <a:extLst>
+              <a:ext uri="{FF2B5EF4-FFF2-40B4-BE49-F238E27FC236}">
+                <a16:creationId xmlns:a16="http://schemas.microsoft.com/office/drawing/2014/main" id="{D0DF90B0-5A97-BC04-8FAB-A589342A95C4}"/>
+              </a:ext>
+            </a:extLst>
+          </p:cNvPr>
+          <p:cNvSpPr/>
+          <p:nvPr/>
+        </p:nvSpPr>
+        <p:spPr>
+          <a:xfrm>
+            <a:off x="899592" y="1988840"/>
+            <a:ext cx="2016224" cy="360040"/>
+          </a:xfrm>
+          <a:prstGeom prst="roundRect">
+            <a:avLst/>
+          </a:prstGeom>
+          <a:noFill/>
+          <a:ln w="28575">
+            <a:solidFill>
+              <a:srgbClr val="FF0000"/>
+            </a:solidFill>
+          </a:ln>
+        </p:spPr>
+        <p:style>
+          <a:lnRef idx="2">
+            <a:schemeClr val="accent1">
+              <a:shade val="50000"/>
+            </a:schemeClr>
+          </a:lnRef>
+          <a:fillRef idx="1">
+            <a:schemeClr val="accent1"/>
+          </a:fillRef>
+          <a:effectRef idx="0">
+            <a:schemeClr val="accent1"/>
+          </a:effectRef>
+          <a:fontRef idx="minor">
+            <a:schemeClr val="lt1"/>
+          </a:fontRef>
+        </p:style>
+        <p:txBody>
+          <a:bodyPr rtlCol="0" anchor="ctr"/>
+          <a:lstStyle/>
+          <a:p>
+            <a:pPr algn="ctr"/>
+            <a:endParaRPr kumimoji="1" lang="ja-JP" altLang="en-US"/>
+          </a:p>
+        </p:txBody>
+      </p:sp>
+      <p:sp>
+        <p:nvSpPr>
+          <p:cNvPr id="8" name="四角形: 角を丸くする 7">
+            <a:extLst>
+              <a:ext uri="{FF2B5EF4-FFF2-40B4-BE49-F238E27FC236}">
+                <a16:creationId xmlns:a16="http://schemas.microsoft.com/office/drawing/2014/main" id="{590121D8-1024-6680-32F7-33FC76F4E196}"/>
+              </a:ext>
+            </a:extLst>
+          </p:cNvPr>
+          <p:cNvSpPr/>
+          <p:nvPr/>
+        </p:nvSpPr>
+        <p:spPr>
+          <a:xfrm>
+            <a:off x="899592" y="3284984"/>
+            <a:ext cx="2808312" cy="504056"/>
+          </a:xfrm>
+          <a:prstGeom prst="roundRect">
+            <a:avLst/>
+          </a:prstGeom>
+          <a:noFill/>
+          <a:ln w="28575">
+            <a:solidFill>
+              <a:srgbClr val="FF0000"/>
+            </a:solidFill>
+          </a:ln>
+        </p:spPr>
+        <p:style>
+          <a:lnRef idx="2">
+            <a:schemeClr val="accent1">
+              <a:shade val="50000"/>
+            </a:schemeClr>
+          </a:lnRef>
+          <a:fillRef idx="1">
+            <a:schemeClr val="accent1"/>
+          </a:fillRef>
+          <a:effectRef idx="0">
+            <a:schemeClr val="accent1"/>
+          </a:effectRef>
+          <a:fontRef idx="minor">
+            <a:schemeClr val="lt1"/>
+          </a:fontRef>
+        </p:style>
+        <p:txBody>
+          <a:bodyPr rtlCol="0" anchor="ctr"/>
+          <a:lstStyle/>
+          <a:p>
+            <a:pPr algn="ctr"/>
+            <a:endParaRPr kumimoji="1" lang="ja-JP" altLang="en-US"/>
           </a:p>
         </p:txBody>
       </p:sp>
     </p:spTree>
     <p:extLst>
       <p:ext uri="{BB962C8B-B14F-4D97-AF65-F5344CB8AC3E}">
-        <p14:creationId xmlns:p14="http://schemas.microsoft.com/office/powerpoint/2010/main" val="2758065531"/>
+        <p14:creationId xmlns:p14="http://schemas.microsoft.com/office/powerpoint/2010/main" val="28979868"/>
       </p:ext>
     </p:extLst>
   </p:cSld>
@@ -14262,7 +15547,7 @@
           <p:cNvPr id="2" name="テキスト プレースホルダー 1">
             <a:extLst>
               <a:ext uri="{FF2B5EF4-FFF2-40B4-BE49-F238E27FC236}">
-                <a16:creationId xmlns:a16="http://schemas.microsoft.com/office/drawing/2014/main" id="{0C9FC35D-439B-4D2A-B2EE-13619F77BB1E}"/>
+                <a16:creationId xmlns:a16="http://schemas.microsoft.com/office/drawing/2014/main" id="{902927F3-F9A2-6B62-95C8-AA1BBBCBF061}"/>
               </a:ext>
             </a:extLst>
           </p:cNvPr>
@@ -14279,16 +15564,8 @@
           <a:lstStyle/>
           <a:p>
             <a:r>
-              <a:rPr kumimoji="1" lang="ja-JP" altLang="en-US" dirty="0"/>
-              <a:t>課題</a:t>
-            </a:r>
-            <a:r>
               <a:rPr kumimoji="1" lang="en-US" altLang="ja-JP" dirty="0"/>
-              <a:t> – Step </a:t>
-            </a:r>
-            <a:r>
-              <a:rPr lang="en-US" altLang="ja-JP" dirty="0"/>
-              <a:t>2</a:t>
+              <a:t>VS Code</a:t>
             </a:r>
             <a:endParaRPr kumimoji="1" lang="ja-JP" altLang="en-US" dirty="0"/>
           </a:p>
@@ -14299,7 +15576,7 @@
           <p:cNvPr id="3" name="テキスト ボックス 2">
             <a:extLst>
               <a:ext uri="{FF2B5EF4-FFF2-40B4-BE49-F238E27FC236}">
-                <a16:creationId xmlns:a16="http://schemas.microsoft.com/office/drawing/2014/main" id="{A0A020DB-1700-43A1-8863-48DD090945C5}"/>
+                <a16:creationId xmlns:a16="http://schemas.microsoft.com/office/drawing/2014/main" id="{18C1A01A-B544-C03C-E8CB-B5D0FA38AFDE}"/>
               </a:ext>
             </a:extLst>
           </p:cNvPr>
@@ -14308,18 +15585,13 @@
         </p:nvSpPr>
         <p:spPr>
           <a:xfrm>
-            <a:off x="539552" y="2060848"/>
-            <a:ext cx="1454244" cy="1015663"/>
-          </a:xfrm>
-          <a:prstGeom prst="rect">
-            <a:avLst/>
-          </a:prstGeom>
-          <a:noFill/>
-          <a:ln>
-            <a:solidFill>
-              <a:schemeClr val="tx1"/>
-            </a:solidFill>
-          </a:ln>
+            <a:off x="323528" y="1196752"/>
+            <a:ext cx="8392041" cy="707886"/>
+          </a:xfrm>
+          <a:prstGeom prst="rect">
+            <a:avLst/>
+          </a:prstGeom>
+          <a:noFill/>
         </p:spPr>
         <p:txBody>
           <a:bodyPr wrap="none" rtlCol="0">
@@ -14328,45 +15600,25 @@
           <a:lstStyle/>
           <a:p>
             <a:r>
-              <a:rPr kumimoji="1" lang="en-US" altLang="ja-JP" sz="2000" dirty="0">
-                <a:latin typeface="Consolas" panose="020B0609020204030204" pitchFamily="49" charset="0"/>
-              </a:rPr>
-              <a:t>cd</a:t>
-            </a:r>
-          </a:p>
-          <a:p>
-            <a:r>
-              <a:rPr kumimoji="1" lang="en-US" altLang="ja-JP" sz="2000" dirty="0" err="1">
-                <a:latin typeface="Consolas" panose="020B0609020204030204" pitchFamily="49" charset="0"/>
-              </a:rPr>
-              <a:t>mkdir</a:t>
-            </a:r>
-            <a:r>
-              <a:rPr kumimoji="1" lang="en-US" altLang="ja-JP" sz="2000" dirty="0">
-                <a:latin typeface="Consolas" panose="020B0609020204030204" pitchFamily="49" charset="0"/>
-              </a:rPr>
-              <a:t> git</a:t>
-            </a:r>
-            <a:endParaRPr lang="en-US" altLang="ja-JP" sz="2000" dirty="0">
-              <a:latin typeface="Consolas" panose="020B0609020204030204" pitchFamily="49" charset="0"/>
-            </a:endParaRPr>
-          </a:p>
-          <a:p>
-            <a:r>
-              <a:rPr kumimoji="1" lang="en-US" altLang="ja-JP" sz="2000" dirty="0">
-                <a:latin typeface="Consolas" panose="020B0609020204030204" pitchFamily="49" charset="0"/>
-              </a:rPr>
-              <a:t>cd git</a:t>
-            </a:r>
-          </a:p>
-        </p:txBody>
-      </p:sp>
-      <p:sp>
-        <p:nvSpPr>
-          <p:cNvPr id="28" name="テキスト ボックス 27">
-            <a:extLst>
-              <a:ext uri="{FF2B5EF4-FFF2-40B4-BE49-F238E27FC236}">
-                <a16:creationId xmlns:a16="http://schemas.microsoft.com/office/drawing/2014/main" id="{C84F612B-D17C-4823-82D6-614DAD7219EE}"/>
+              <a:rPr kumimoji="1" lang="ja-JP" altLang="en-US" sz="2000" dirty="0"/>
+              <a:t>初回起動時の「日本語化パッケージをインストールして再起動」という</a:t>
+            </a:r>
+            <a:endParaRPr kumimoji="1" lang="en-US" altLang="ja-JP" sz="2000" dirty="0"/>
+          </a:p>
+          <a:p>
+            <a:r>
+              <a:rPr kumimoji="1" lang="ja-JP" altLang="en-US" sz="2000" dirty="0"/>
+              <a:t>表示が出たら、クリックしてインストールする</a:t>
+            </a:r>
+          </a:p>
+        </p:txBody>
+      </p:sp>
+      <p:sp>
+        <p:nvSpPr>
+          <p:cNvPr id="4" name="テキスト ボックス 3">
+            <a:extLst>
+              <a:ext uri="{FF2B5EF4-FFF2-40B4-BE49-F238E27FC236}">
+                <a16:creationId xmlns:a16="http://schemas.microsoft.com/office/drawing/2014/main" id="{99DFD70E-B0CF-BB7B-5471-E2A294592AEF}"/>
               </a:ext>
             </a:extLst>
           </p:cNvPr>
@@ -14375,8 +15627,8 @@
         </p:nvSpPr>
         <p:spPr>
           <a:xfrm>
-            <a:off x="251520" y="1268760"/>
-            <a:ext cx="2954655" cy="461665"/>
+            <a:off x="251520" y="2132856"/>
+            <a:ext cx="2236510" cy="400110"/>
           </a:xfrm>
           <a:prstGeom prst="rect">
             <a:avLst/>
@@ -14390,112 +15642,152 @@
           <a:lstStyle/>
           <a:p>
             <a:r>
-              <a:rPr kumimoji="1" lang="ja-JP" altLang="en-US" sz="2400" dirty="0"/>
-              <a:t>ディレクトリの作成</a:t>
+              <a:rPr kumimoji="1" lang="ja-JP" altLang="en-US" sz="2000" dirty="0"/>
+              <a:t>フォルダの開き方</a:t>
             </a:r>
           </a:p>
         </p:txBody>
       </p:sp>
       <p:pic>
         <p:nvPicPr>
-          <p:cNvPr id="21" name="Picture 2" descr="フォルダのイラスト">
-            <a:extLst>
-              <a:ext uri="{FF2B5EF4-FFF2-40B4-BE49-F238E27FC236}">
-                <a16:creationId xmlns:a16="http://schemas.microsoft.com/office/drawing/2014/main" id="{D5FB3222-65A1-4AA0-92CE-1B2E62674565}"/>
+          <p:cNvPr id="6" name="図 5">
+            <a:extLst>
+              <a:ext uri="{FF2B5EF4-FFF2-40B4-BE49-F238E27FC236}">
+                <a16:creationId xmlns:a16="http://schemas.microsoft.com/office/drawing/2014/main" id="{D67F5896-6D2B-CFF9-0F3F-F788DC594565}"/>
               </a:ext>
             </a:extLst>
           </p:cNvPr>
           <p:cNvPicPr>
-            <a:picLocks noChangeAspect="1" noChangeArrowheads="1"/>
+            <a:picLocks noChangeAspect="1"/>
           </p:cNvPicPr>
           <p:nvPr/>
         </p:nvPicPr>
         <p:blipFill>
-          <a:blip r:embed="rId2" cstate="print">
-            <a:extLst>
-              <a:ext uri="{28A0092B-C50C-407E-A947-70E740481C1C}">
-                <a14:useLocalDpi xmlns:a14="http://schemas.microsoft.com/office/drawing/2010/main" val="0"/>
-              </a:ext>
-            </a:extLst>
-          </a:blip>
-          <a:srcRect/>
+          <a:blip r:embed="rId2"/>
           <a:stretch>
             <a:fillRect/>
           </a:stretch>
         </p:blipFill>
-        <p:spPr bwMode="auto">
-          <a:xfrm>
-            <a:off x="4860032" y="2132856"/>
-            <a:ext cx="702078" cy="587990"/>
-          </a:xfrm>
-          <a:prstGeom prst="rect">
-            <a:avLst/>
-          </a:prstGeom>
-          <a:noFill/>
-          <a:extLst>
-            <a:ext uri="{909E8E84-426E-40DD-AFC4-6F175D3DCCD1}">
-              <a14:hiddenFill xmlns:a14="http://schemas.microsoft.com/office/drawing/2010/main">
-                <a:solidFill>
-                  <a:srgbClr val="FFFFFF"/>
-                </a:solidFill>
-              </a14:hiddenFill>
-            </a:ext>
-          </a:extLst>
+        <p:spPr>
+          <a:xfrm>
+            <a:off x="827584" y="3212976"/>
+            <a:ext cx="3779848" cy="3398815"/>
+          </a:xfrm>
+          <a:prstGeom prst="rect">
+            <a:avLst/>
+          </a:prstGeom>
         </p:spPr>
       </p:pic>
-      <p:pic>
-        <p:nvPicPr>
-          <p:cNvPr id="22" name="Picture 2" descr="フォルダのイラスト">
-            <a:extLst>
-              <a:ext uri="{FF2B5EF4-FFF2-40B4-BE49-F238E27FC236}">
-                <a16:creationId xmlns:a16="http://schemas.microsoft.com/office/drawing/2014/main" id="{4CED145E-4633-4BC9-95C9-3724E4BE8C9A}"/>
-              </a:ext>
-            </a:extLst>
-          </p:cNvPr>
-          <p:cNvPicPr>
-            <a:picLocks noChangeAspect="1" noChangeArrowheads="1"/>
-          </p:cNvPicPr>
-          <p:nvPr/>
-        </p:nvPicPr>
-        <p:blipFill>
-          <a:blip r:embed="rId2" cstate="print">
-            <a:extLst>
-              <a:ext uri="{28A0092B-C50C-407E-A947-70E740481C1C}">
-                <a14:useLocalDpi xmlns:a14="http://schemas.microsoft.com/office/drawing/2010/main" val="0"/>
-              </a:ext>
-            </a:extLst>
-          </a:blip>
-          <a:srcRect/>
-          <a:stretch>
-            <a:fillRect/>
-          </a:stretch>
-        </p:blipFill>
-        <p:spPr bwMode="auto">
-          <a:xfrm>
-            <a:off x="6084168" y="2132856"/>
-            <a:ext cx="702078" cy="587990"/>
-          </a:xfrm>
-          <a:prstGeom prst="rect">
-            <a:avLst/>
-          </a:prstGeom>
-          <a:noFill/>
-          <a:extLst>
-            <a:ext uri="{909E8E84-426E-40DD-AFC4-6F175D3DCCD1}">
-              <a14:hiddenFill xmlns:a14="http://schemas.microsoft.com/office/drawing/2010/main">
-                <a:solidFill>
-                  <a:srgbClr val="FFFFFF"/>
-                </a:solidFill>
-              </a14:hiddenFill>
-            </a:ext>
-          </a:extLst>
-        </p:spPr>
-      </p:pic>
-      <p:sp>
-        <p:nvSpPr>
-          <p:cNvPr id="25" name="テキスト ボックス 24">
-            <a:extLst>
-              <a:ext uri="{FF2B5EF4-FFF2-40B4-BE49-F238E27FC236}">
-                <a16:creationId xmlns:a16="http://schemas.microsoft.com/office/drawing/2014/main" id="{AE57AF4C-CBE6-45D0-A78B-1479F523196D}"/>
+      <p:sp>
+        <p:nvSpPr>
+          <p:cNvPr id="7" name="四角形: 角を丸くする 6">
+            <a:extLst>
+              <a:ext uri="{FF2B5EF4-FFF2-40B4-BE49-F238E27FC236}">
+                <a16:creationId xmlns:a16="http://schemas.microsoft.com/office/drawing/2014/main" id="{ACD3FC9A-0C90-B4A5-B176-B6AA831F9E2C}"/>
+              </a:ext>
+            </a:extLst>
+          </p:cNvPr>
+          <p:cNvSpPr/>
+          <p:nvPr/>
+        </p:nvSpPr>
+        <p:spPr>
+          <a:xfrm>
+            <a:off x="1115616" y="3212976"/>
+            <a:ext cx="720080" cy="288032"/>
+          </a:xfrm>
+          <a:prstGeom prst="roundRect">
+            <a:avLst/>
+          </a:prstGeom>
+          <a:noFill/>
+          <a:ln w="28575">
+            <a:solidFill>
+              <a:srgbClr val="FF0000"/>
+            </a:solidFill>
+          </a:ln>
+        </p:spPr>
+        <p:style>
+          <a:lnRef idx="2">
+            <a:schemeClr val="accent1">
+              <a:shade val="50000"/>
+            </a:schemeClr>
+          </a:lnRef>
+          <a:fillRef idx="1">
+            <a:schemeClr val="accent1"/>
+          </a:fillRef>
+          <a:effectRef idx="0">
+            <a:schemeClr val="accent1"/>
+          </a:effectRef>
+          <a:fontRef idx="minor">
+            <a:schemeClr val="lt1"/>
+          </a:fontRef>
+        </p:style>
+        <p:txBody>
+          <a:bodyPr rtlCol="0" anchor="ctr"/>
+          <a:lstStyle/>
+          <a:p>
+            <a:pPr algn="ctr"/>
+            <a:endParaRPr kumimoji="1" lang="ja-JP" altLang="en-US" dirty="0"/>
+          </a:p>
+        </p:txBody>
+      </p:sp>
+      <p:sp>
+        <p:nvSpPr>
+          <p:cNvPr id="8" name="四角形: 角を丸くする 7">
+            <a:extLst>
+              <a:ext uri="{FF2B5EF4-FFF2-40B4-BE49-F238E27FC236}">
+                <a16:creationId xmlns:a16="http://schemas.microsoft.com/office/drawing/2014/main" id="{E2DF24ED-AAC6-3BD1-DF1E-5C9B79AC7660}"/>
+              </a:ext>
+            </a:extLst>
+          </p:cNvPr>
+          <p:cNvSpPr/>
+          <p:nvPr/>
+        </p:nvSpPr>
+        <p:spPr>
+          <a:xfrm>
+            <a:off x="1331640" y="4797152"/>
+            <a:ext cx="3096344" cy="288032"/>
+          </a:xfrm>
+          <a:prstGeom prst="roundRect">
+            <a:avLst/>
+          </a:prstGeom>
+          <a:noFill/>
+          <a:ln w="28575">
+            <a:solidFill>
+              <a:srgbClr val="FF0000"/>
+            </a:solidFill>
+          </a:ln>
+        </p:spPr>
+        <p:style>
+          <a:lnRef idx="2">
+            <a:schemeClr val="accent1">
+              <a:shade val="50000"/>
+            </a:schemeClr>
+          </a:lnRef>
+          <a:fillRef idx="1">
+            <a:schemeClr val="accent1"/>
+          </a:fillRef>
+          <a:effectRef idx="0">
+            <a:schemeClr val="accent1"/>
+          </a:effectRef>
+          <a:fontRef idx="minor">
+            <a:schemeClr val="lt1"/>
+          </a:fontRef>
+        </p:style>
+        <p:txBody>
+          <a:bodyPr rtlCol="0" anchor="ctr"/>
+          <a:lstStyle/>
+          <a:p>
+            <a:pPr algn="ctr"/>
+            <a:endParaRPr kumimoji="1" lang="ja-JP" altLang="en-US" dirty="0"/>
+          </a:p>
+        </p:txBody>
+      </p:sp>
+      <p:sp>
+        <p:nvSpPr>
+          <p:cNvPr id="9" name="テキスト ボックス 8">
+            <a:extLst>
+              <a:ext uri="{FF2B5EF4-FFF2-40B4-BE49-F238E27FC236}">
+                <a16:creationId xmlns:a16="http://schemas.microsoft.com/office/drawing/2014/main" id="{7E369F8C-022C-7A4F-3EFF-CD297F138D75}"/>
               </a:ext>
             </a:extLst>
           </p:cNvPr>
@@ -14504,8 +15796,8 @@
         </p:nvSpPr>
         <p:spPr>
           <a:xfrm>
-            <a:off x="6231910" y="2564904"/>
-            <a:ext cx="428322" cy="369332"/>
+            <a:off x="683568" y="2564904"/>
+            <a:ext cx="5570756" cy="400110"/>
           </a:xfrm>
           <a:prstGeom prst="rect">
             <a:avLst/>
@@ -14519,112 +15811,18 @@
           <a:lstStyle/>
           <a:p>
             <a:r>
-              <a:rPr kumimoji="1" lang="en-US" altLang="ja-JP" dirty="0"/>
-              <a:t>git</a:t>
-            </a:r>
-            <a:endParaRPr kumimoji="1" lang="ja-JP" altLang="en-US" dirty="0"/>
-          </a:p>
-        </p:txBody>
-      </p:sp>
-      <p:pic>
-        <p:nvPicPr>
-          <p:cNvPr id="27" name="Picture 2" descr="家のイラスト7">
-            <a:extLst>
-              <a:ext uri="{FF2B5EF4-FFF2-40B4-BE49-F238E27FC236}">
-                <a16:creationId xmlns:a16="http://schemas.microsoft.com/office/drawing/2014/main" id="{8EFC7E64-0F23-4A38-8F9E-D9C772BBEFBD}"/>
-              </a:ext>
-            </a:extLst>
-          </p:cNvPr>
-          <p:cNvPicPr>
-            <a:picLocks noChangeAspect="1" noChangeArrowheads="1"/>
-          </p:cNvPicPr>
-          <p:nvPr/>
-        </p:nvPicPr>
-        <p:blipFill>
-          <a:blip r:embed="rId3" cstate="print">
-            <a:extLst>
-              <a:ext uri="{28A0092B-C50C-407E-A947-70E740481C1C}">
-                <a14:useLocalDpi xmlns:a14="http://schemas.microsoft.com/office/drawing/2010/main" val="0"/>
-              </a:ext>
-            </a:extLst>
-          </a:blip>
-          <a:srcRect/>
-          <a:stretch>
-            <a:fillRect/>
-          </a:stretch>
-        </p:blipFill>
-        <p:spPr bwMode="auto">
-          <a:xfrm>
-            <a:off x="5004048" y="2276872"/>
-            <a:ext cx="360040" cy="336637"/>
-          </a:xfrm>
-          <a:prstGeom prst="rect">
-            <a:avLst/>
-          </a:prstGeom>
-          <a:noFill/>
-          <a:extLst>
-            <a:ext uri="{909E8E84-426E-40DD-AFC4-6F175D3DCCD1}">
-              <a14:hiddenFill xmlns:a14="http://schemas.microsoft.com/office/drawing/2010/main">
-                <a:solidFill>
-                  <a:srgbClr val="FFFFFF"/>
-                </a:solidFill>
-              </a14:hiddenFill>
-            </a:ext>
-          </a:extLst>
-        </p:spPr>
-      </p:pic>
-      <p:cxnSp>
-        <p:nvCxnSpPr>
-          <p:cNvPr id="29" name="直線矢印コネクタ 28">
-            <a:extLst>
-              <a:ext uri="{FF2B5EF4-FFF2-40B4-BE49-F238E27FC236}">
-                <a16:creationId xmlns:a16="http://schemas.microsoft.com/office/drawing/2014/main" id="{66AA4814-C6FC-4E61-B1A5-67434C00CB5C}"/>
-              </a:ext>
-            </a:extLst>
-          </p:cNvPr>
-          <p:cNvCxnSpPr>
-            <a:stCxn id="21" idx="3"/>
-            <a:endCxn id="22" idx="1"/>
-          </p:cNvCxnSpPr>
-          <p:nvPr/>
-        </p:nvCxnSpPr>
-        <p:spPr>
-          <a:xfrm>
-            <a:off x="5562110" y="2426851"/>
-            <a:ext cx="522058" cy="0"/>
-          </a:xfrm>
-          <a:prstGeom prst="straightConnector1">
-            <a:avLst/>
-          </a:prstGeom>
-          <a:ln>
-            <a:solidFill>
-              <a:schemeClr val="tx1"/>
-            </a:solidFill>
-            <a:headEnd type="none" w="med" len="med"/>
-            <a:tailEnd type="none" w="med" len="med"/>
-          </a:ln>
-        </p:spPr>
-        <p:style>
-          <a:lnRef idx="1">
-            <a:schemeClr val="accent1"/>
-          </a:lnRef>
-          <a:fillRef idx="0">
-            <a:schemeClr val="accent1"/>
-          </a:fillRef>
-          <a:effectRef idx="0">
-            <a:schemeClr val="accent1"/>
-          </a:effectRef>
-          <a:fontRef idx="minor">
-            <a:schemeClr val="tx1"/>
-          </a:fontRef>
-        </p:style>
-      </p:cxnSp>
-      <p:sp>
-        <p:nvSpPr>
-          <p:cNvPr id="30" name="テキスト ボックス 29">
-            <a:extLst>
-              <a:ext uri="{FF2B5EF4-FFF2-40B4-BE49-F238E27FC236}">
-                <a16:creationId xmlns:a16="http://schemas.microsoft.com/office/drawing/2014/main" id="{3251D9D3-D373-49CD-B56F-E1FD520CBD51}"/>
+              <a:rPr kumimoji="1" lang="ja-JP" altLang="en-US" sz="2000" dirty="0"/>
+              <a:t>「ファイル」から「フォルダーを開く」を選択</a:t>
+            </a:r>
+          </a:p>
+        </p:txBody>
+      </p:sp>
+      <p:sp>
+        <p:nvSpPr>
+          <p:cNvPr id="10" name="テキスト ボックス 9">
+            <a:extLst>
+              <a:ext uri="{FF2B5EF4-FFF2-40B4-BE49-F238E27FC236}">
+                <a16:creationId xmlns:a16="http://schemas.microsoft.com/office/drawing/2014/main" id="{A4B3A19F-E345-E637-BE13-2CCEAB5B8013}"/>
               </a:ext>
             </a:extLst>
           </p:cNvPr>
@@ -14633,8 +15831,8 @@
         </p:nvSpPr>
         <p:spPr>
           <a:xfrm>
-            <a:off x="755576" y="3284984"/>
-            <a:ext cx="4121641" cy="646331"/>
+            <a:off x="4644008" y="4365104"/>
+            <a:ext cx="4570482" cy="923330"/>
           </a:xfrm>
           <a:prstGeom prst="rect">
             <a:avLst/>
@@ -14649,635 +15847,30 @@
           <a:p>
             <a:r>
               <a:rPr lang="ja-JP" altLang="en-US" dirty="0"/>
-              <a:t>ホームディレクトリに移動してから</a:t>
+              <a:t>「このフォルダー内のファイルの作成者を</a:t>
             </a:r>
             <a:endParaRPr lang="en-US" altLang="ja-JP" dirty="0"/>
           </a:p>
           <a:p>
             <a:r>
-              <a:rPr kumimoji="1" lang="en-US" altLang="ja-JP" dirty="0"/>
-              <a:t>git</a:t>
-            </a:r>
-            <a:r>
               <a:rPr kumimoji="1" lang="ja-JP" altLang="en-US" dirty="0"/>
-              <a:t>ディレクトリ</a:t>
-            </a:r>
-            <a:r>
-              <a:rPr kumimoji="1" lang="ja-JP" altLang="en-US"/>
-              <a:t>を作成</a:t>
-            </a:r>
-            <a:r>
-              <a:rPr lang="ja-JP" altLang="en-US"/>
-              <a:t>し、そこへ移動</a:t>
+              <a:t>信頼しますか？」という表示が出たら</a:t>
+            </a:r>
+            <a:endParaRPr kumimoji="1" lang="en-US" altLang="ja-JP" dirty="0"/>
+          </a:p>
+          <a:p>
+            <a:r>
+              <a:rPr lang="ja-JP" altLang="en-US" dirty="0"/>
+              <a:t>「はい、作成者を信頼します」を選ぶ</a:t>
             </a:r>
             <a:endParaRPr kumimoji="1" lang="ja-JP" altLang="en-US" dirty="0"/>
           </a:p>
         </p:txBody>
       </p:sp>
-      <p:pic>
-        <p:nvPicPr>
-          <p:cNvPr id="31" name="Picture 2" descr="手を上げている男の子のイラスト">
-            <a:extLst>
-              <a:ext uri="{FF2B5EF4-FFF2-40B4-BE49-F238E27FC236}">
-                <a16:creationId xmlns:a16="http://schemas.microsoft.com/office/drawing/2014/main" id="{1A3E7FD9-5330-4433-B2DC-09F1621EABF7}"/>
-              </a:ext>
-            </a:extLst>
-          </p:cNvPr>
-          <p:cNvPicPr>
-            <a:picLocks noChangeAspect="1" noChangeArrowheads="1"/>
-          </p:cNvPicPr>
-          <p:nvPr/>
-        </p:nvPicPr>
-        <p:blipFill>
-          <a:blip r:embed="rId4" cstate="print">
-            <a:extLst>
-              <a:ext uri="{28A0092B-C50C-407E-A947-70E740481C1C}">
-                <a14:useLocalDpi xmlns:a14="http://schemas.microsoft.com/office/drawing/2010/main" val="0"/>
-              </a:ext>
-            </a:extLst>
-          </a:blip>
-          <a:srcRect/>
-          <a:stretch>
-            <a:fillRect/>
-          </a:stretch>
-        </p:blipFill>
-        <p:spPr bwMode="auto">
-          <a:xfrm>
-            <a:off x="6237012" y="1484784"/>
-            <a:ext cx="385188" cy="536848"/>
-          </a:xfrm>
-          <a:prstGeom prst="rect">
-            <a:avLst/>
-          </a:prstGeom>
-          <a:noFill/>
-          <a:extLst>
-            <a:ext uri="{909E8E84-426E-40DD-AFC4-6F175D3DCCD1}">
-              <a14:hiddenFill xmlns:a14="http://schemas.microsoft.com/office/drawing/2010/main">
-                <a:solidFill>
-                  <a:srgbClr val="FFFFFF"/>
-                </a:solidFill>
-              </a14:hiddenFill>
-            </a:ext>
-          </a:extLst>
-        </p:spPr>
-      </p:pic>
-      <p:sp>
-        <p:nvSpPr>
-          <p:cNvPr id="32" name="テキスト ボックス 31">
-            <a:extLst>
-              <a:ext uri="{FF2B5EF4-FFF2-40B4-BE49-F238E27FC236}">
-                <a16:creationId xmlns:a16="http://schemas.microsoft.com/office/drawing/2014/main" id="{362DFEEA-286C-496A-9AF0-12927DFD9C26}"/>
-              </a:ext>
-            </a:extLst>
-          </p:cNvPr>
-          <p:cNvSpPr txBox="1"/>
-          <p:nvPr/>
-        </p:nvSpPr>
-        <p:spPr>
-          <a:xfrm>
-            <a:off x="6732240" y="1556792"/>
-            <a:ext cx="1569660" cy="646331"/>
-          </a:xfrm>
-          <a:prstGeom prst="rect">
-            <a:avLst/>
-          </a:prstGeom>
-          <a:noFill/>
-        </p:spPr>
-        <p:txBody>
-          <a:bodyPr wrap="none" rtlCol="0">
-            <a:spAutoFit/>
-          </a:bodyPr>
-          <a:lstStyle/>
-          <a:p>
-            <a:r>
-              <a:rPr lang="ja-JP" altLang="en-US" dirty="0"/>
-              <a:t>カレント</a:t>
-            </a:r>
-            <a:endParaRPr lang="en-US" altLang="ja-JP" dirty="0"/>
-          </a:p>
-          <a:p>
-            <a:r>
-              <a:rPr lang="ja-JP" altLang="en-US" dirty="0"/>
-              <a:t>ディレクトリ</a:t>
-            </a:r>
-            <a:endParaRPr kumimoji="1" lang="ja-JP" altLang="en-US" dirty="0"/>
-          </a:p>
-        </p:txBody>
-      </p:sp>
-      <p:sp>
-        <p:nvSpPr>
-          <p:cNvPr id="33" name="テキスト ボックス 32">
-            <a:extLst>
-              <a:ext uri="{FF2B5EF4-FFF2-40B4-BE49-F238E27FC236}">
-                <a16:creationId xmlns:a16="http://schemas.microsoft.com/office/drawing/2014/main" id="{301D5A89-DD8F-4621-9496-D65A0CAE355D}"/>
-              </a:ext>
-            </a:extLst>
-          </p:cNvPr>
-          <p:cNvSpPr txBox="1"/>
-          <p:nvPr/>
-        </p:nvSpPr>
-        <p:spPr>
-          <a:xfrm>
-            <a:off x="539552" y="4509120"/>
-            <a:ext cx="1595309" cy="707886"/>
-          </a:xfrm>
-          <a:prstGeom prst="rect">
-            <a:avLst/>
-          </a:prstGeom>
-          <a:noFill/>
-          <a:ln>
-            <a:solidFill>
-              <a:schemeClr val="tx1"/>
-            </a:solidFill>
-          </a:ln>
-        </p:spPr>
-        <p:txBody>
-          <a:bodyPr wrap="none" rtlCol="0">
-            <a:spAutoFit/>
-          </a:bodyPr>
-          <a:lstStyle/>
-          <a:p>
-            <a:r>
-              <a:rPr kumimoji="1" lang="en-US" altLang="ja-JP" sz="2000" dirty="0" err="1">
-                <a:latin typeface="Consolas" panose="020B0609020204030204" pitchFamily="49" charset="0"/>
-              </a:rPr>
-              <a:t>mkdir</a:t>
-            </a:r>
-            <a:r>
-              <a:rPr kumimoji="1" lang="en-US" altLang="ja-JP" sz="2000" dirty="0">
-                <a:latin typeface="Consolas" panose="020B0609020204030204" pitchFamily="49" charset="0"/>
-              </a:rPr>
-              <a:t> test</a:t>
-            </a:r>
-          </a:p>
-          <a:p>
-            <a:r>
-              <a:rPr kumimoji="1" lang="en-US" altLang="ja-JP" sz="2000" dirty="0">
-                <a:latin typeface="Consolas" panose="020B0609020204030204" pitchFamily="49" charset="0"/>
-              </a:rPr>
-              <a:t>cd test</a:t>
-            </a:r>
-            <a:endParaRPr kumimoji="1" lang="ja-JP" altLang="en-US" sz="2000" dirty="0">
-              <a:latin typeface="Consolas" panose="020B0609020204030204" pitchFamily="49" charset="0"/>
-            </a:endParaRPr>
-          </a:p>
-        </p:txBody>
-      </p:sp>
-      <p:sp>
-        <p:nvSpPr>
-          <p:cNvPr id="34" name="テキスト ボックス 33">
-            <a:extLst>
-              <a:ext uri="{FF2B5EF4-FFF2-40B4-BE49-F238E27FC236}">
-                <a16:creationId xmlns:a16="http://schemas.microsoft.com/office/drawing/2014/main" id="{6C57A7F4-9FAB-477B-B2AC-3399556274E9}"/>
-              </a:ext>
-            </a:extLst>
-          </p:cNvPr>
-          <p:cNvSpPr txBox="1"/>
-          <p:nvPr/>
-        </p:nvSpPr>
-        <p:spPr>
-          <a:xfrm>
-            <a:off x="755576" y="5373216"/>
-            <a:ext cx="3788217" cy="646331"/>
-          </a:xfrm>
-          <a:prstGeom prst="rect">
-            <a:avLst/>
-          </a:prstGeom>
-          <a:noFill/>
-        </p:spPr>
-        <p:txBody>
-          <a:bodyPr wrap="none" rtlCol="0">
-            <a:spAutoFit/>
-          </a:bodyPr>
-          <a:lstStyle/>
-          <a:p>
-            <a:r>
-              <a:rPr kumimoji="1" lang="ja-JP" altLang="en-US" dirty="0"/>
-              <a:t>さらに</a:t>
-            </a:r>
-            <a:r>
-              <a:rPr kumimoji="1" lang="en-US" altLang="ja-JP" dirty="0"/>
-              <a:t>test</a:t>
-            </a:r>
-            <a:r>
-              <a:rPr kumimoji="1" lang="ja-JP" altLang="en-US" dirty="0"/>
-              <a:t>ディレクトリを作成して</a:t>
-            </a:r>
-            <a:endParaRPr kumimoji="1" lang="en-US" altLang="ja-JP" dirty="0"/>
-          </a:p>
-          <a:p>
-            <a:r>
-              <a:rPr lang="ja-JP" altLang="en-US" dirty="0"/>
-              <a:t>そこへ移動</a:t>
-            </a:r>
-            <a:endParaRPr kumimoji="1" lang="ja-JP" altLang="en-US" dirty="0"/>
-          </a:p>
-        </p:txBody>
-      </p:sp>
-      <p:pic>
-        <p:nvPicPr>
-          <p:cNvPr id="35" name="Picture 2" descr="フォルダのイラスト">
-            <a:extLst>
-              <a:ext uri="{FF2B5EF4-FFF2-40B4-BE49-F238E27FC236}">
-                <a16:creationId xmlns:a16="http://schemas.microsoft.com/office/drawing/2014/main" id="{BF168D21-995B-4069-A814-84BD3BF10379}"/>
-              </a:ext>
-            </a:extLst>
-          </p:cNvPr>
-          <p:cNvPicPr>
-            <a:picLocks noChangeAspect="1" noChangeArrowheads="1"/>
-          </p:cNvPicPr>
-          <p:nvPr/>
-        </p:nvPicPr>
-        <p:blipFill>
-          <a:blip r:embed="rId2" cstate="print">
-            <a:extLst>
-              <a:ext uri="{28A0092B-C50C-407E-A947-70E740481C1C}">
-                <a14:useLocalDpi xmlns:a14="http://schemas.microsoft.com/office/drawing/2010/main" val="0"/>
-              </a:ext>
-            </a:extLst>
-          </a:blip>
-          <a:srcRect/>
-          <a:stretch>
-            <a:fillRect/>
-          </a:stretch>
-        </p:blipFill>
-        <p:spPr bwMode="auto">
-          <a:xfrm>
-            <a:off x="4860032" y="5157192"/>
-            <a:ext cx="702078" cy="587990"/>
-          </a:xfrm>
-          <a:prstGeom prst="rect">
-            <a:avLst/>
-          </a:prstGeom>
-          <a:noFill/>
-          <a:extLst>
-            <a:ext uri="{909E8E84-426E-40DD-AFC4-6F175D3DCCD1}">
-              <a14:hiddenFill xmlns:a14="http://schemas.microsoft.com/office/drawing/2010/main">
-                <a:solidFill>
-                  <a:srgbClr val="FFFFFF"/>
-                </a:solidFill>
-              </a14:hiddenFill>
-            </a:ext>
-          </a:extLst>
-        </p:spPr>
-      </p:pic>
-      <p:pic>
-        <p:nvPicPr>
-          <p:cNvPr id="36" name="Picture 2" descr="フォルダのイラスト">
-            <a:extLst>
-              <a:ext uri="{FF2B5EF4-FFF2-40B4-BE49-F238E27FC236}">
-                <a16:creationId xmlns:a16="http://schemas.microsoft.com/office/drawing/2014/main" id="{F5D3659D-A854-45A2-BA9D-4F4D2CE423DA}"/>
-              </a:ext>
-            </a:extLst>
-          </p:cNvPr>
-          <p:cNvPicPr>
-            <a:picLocks noChangeAspect="1" noChangeArrowheads="1"/>
-          </p:cNvPicPr>
-          <p:nvPr/>
-        </p:nvPicPr>
-        <p:blipFill>
-          <a:blip r:embed="rId2" cstate="print">
-            <a:extLst>
-              <a:ext uri="{28A0092B-C50C-407E-A947-70E740481C1C}">
-                <a14:useLocalDpi xmlns:a14="http://schemas.microsoft.com/office/drawing/2010/main" val="0"/>
-              </a:ext>
-            </a:extLst>
-          </a:blip>
-          <a:srcRect/>
-          <a:stretch>
-            <a:fillRect/>
-          </a:stretch>
-        </p:blipFill>
-        <p:spPr bwMode="auto">
-          <a:xfrm>
-            <a:off x="6084168" y="5157192"/>
-            <a:ext cx="702078" cy="587990"/>
-          </a:xfrm>
-          <a:prstGeom prst="rect">
-            <a:avLst/>
-          </a:prstGeom>
-          <a:noFill/>
-          <a:extLst>
-            <a:ext uri="{909E8E84-426E-40DD-AFC4-6F175D3DCCD1}">
-              <a14:hiddenFill xmlns:a14="http://schemas.microsoft.com/office/drawing/2010/main">
-                <a:solidFill>
-                  <a:srgbClr val="FFFFFF"/>
-                </a:solidFill>
-              </a14:hiddenFill>
-            </a:ext>
-          </a:extLst>
-        </p:spPr>
-      </p:pic>
-      <p:sp>
-        <p:nvSpPr>
-          <p:cNvPr id="37" name="テキスト ボックス 36">
-            <a:extLst>
-              <a:ext uri="{FF2B5EF4-FFF2-40B4-BE49-F238E27FC236}">
-                <a16:creationId xmlns:a16="http://schemas.microsoft.com/office/drawing/2014/main" id="{5EF9FCCA-6BFA-4E02-A703-8517A7458E3A}"/>
-              </a:ext>
-            </a:extLst>
-          </p:cNvPr>
-          <p:cNvSpPr txBox="1"/>
-          <p:nvPr/>
-        </p:nvSpPr>
-        <p:spPr>
-          <a:xfrm>
-            <a:off x="6231910" y="5589240"/>
-            <a:ext cx="428322" cy="369332"/>
-          </a:xfrm>
-          <a:prstGeom prst="rect">
-            <a:avLst/>
-          </a:prstGeom>
-          <a:noFill/>
-        </p:spPr>
-        <p:txBody>
-          <a:bodyPr wrap="none" rtlCol="0">
-            <a:spAutoFit/>
-          </a:bodyPr>
-          <a:lstStyle/>
-          <a:p>
-            <a:r>
-              <a:rPr kumimoji="1" lang="en-US" altLang="ja-JP" dirty="0"/>
-              <a:t>git</a:t>
-            </a:r>
-            <a:endParaRPr kumimoji="1" lang="ja-JP" altLang="en-US" dirty="0"/>
-          </a:p>
-        </p:txBody>
-      </p:sp>
-      <p:pic>
-        <p:nvPicPr>
-          <p:cNvPr id="38" name="Picture 2" descr="家のイラスト7">
-            <a:extLst>
-              <a:ext uri="{FF2B5EF4-FFF2-40B4-BE49-F238E27FC236}">
-                <a16:creationId xmlns:a16="http://schemas.microsoft.com/office/drawing/2014/main" id="{A7DD775C-2EF4-49AD-8BBA-CB42A18B49E7}"/>
-              </a:ext>
-            </a:extLst>
-          </p:cNvPr>
-          <p:cNvPicPr>
-            <a:picLocks noChangeAspect="1" noChangeArrowheads="1"/>
-          </p:cNvPicPr>
-          <p:nvPr/>
-        </p:nvPicPr>
-        <p:blipFill>
-          <a:blip r:embed="rId3" cstate="print">
-            <a:extLst>
-              <a:ext uri="{28A0092B-C50C-407E-A947-70E740481C1C}">
-                <a14:useLocalDpi xmlns:a14="http://schemas.microsoft.com/office/drawing/2010/main" val="0"/>
-              </a:ext>
-            </a:extLst>
-          </a:blip>
-          <a:srcRect/>
-          <a:stretch>
-            <a:fillRect/>
-          </a:stretch>
-        </p:blipFill>
-        <p:spPr bwMode="auto">
-          <a:xfrm>
-            <a:off x="5004048" y="5301208"/>
-            <a:ext cx="360040" cy="336637"/>
-          </a:xfrm>
-          <a:prstGeom prst="rect">
-            <a:avLst/>
-          </a:prstGeom>
-          <a:noFill/>
-          <a:extLst>
-            <a:ext uri="{909E8E84-426E-40DD-AFC4-6F175D3DCCD1}">
-              <a14:hiddenFill xmlns:a14="http://schemas.microsoft.com/office/drawing/2010/main">
-                <a:solidFill>
-                  <a:srgbClr val="FFFFFF"/>
-                </a:solidFill>
-              </a14:hiddenFill>
-            </a:ext>
-          </a:extLst>
-        </p:spPr>
-      </p:pic>
-      <p:cxnSp>
-        <p:nvCxnSpPr>
-          <p:cNvPr id="39" name="直線矢印コネクタ 38">
-            <a:extLst>
-              <a:ext uri="{FF2B5EF4-FFF2-40B4-BE49-F238E27FC236}">
-                <a16:creationId xmlns:a16="http://schemas.microsoft.com/office/drawing/2014/main" id="{4CE213D7-D7E2-47D6-A11C-5501D1473BE3}"/>
-              </a:ext>
-            </a:extLst>
-          </p:cNvPr>
-          <p:cNvCxnSpPr>
-            <a:stCxn id="35" idx="3"/>
-            <a:endCxn id="36" idx="1"/>
-          </p:cNvCxnSpPr>
-          <p:nvPr/>
-        </p:nvCxnSpPr>
-        <p:spPr>
-          <a:xfrm>
-            <a:off x="5562110" y="5451187"/>
-            <a:ext cx="522058" cy="0"/>
-          </a:xfrm>
-          <a:prstGeom prst="straightConnector1">
-            <a:avLst/>
-          </a:prstGeom>
-          <a:ln>
-            <a:solidFill>
-              <a:schemeClr val="tx1"/>
-            </a:solidFill>
-            <a:headEnd type="none" w="med" len="med"/>
-            <a:tailEnd type="none" w="med" len="med"/>
-          </a:ln>
-        </p:spPr>
-        <p:style>
-          <a:lnRef idx="1">
-            <a:schemeClr val="accent1"/>
-          </a:lnRef>
-          <a:fillRef idx="0">
-            <a:schemeClr val="accent1"/>
-          </a:fillRef>
-          <a:effectRef idx="0">
-            <a:schemeClr val="accent1"/>
-          </a:effectRef>
-          <a:fontRef idx="minor">
-            <a:schemeClr val="tx1"/>
-          </a:fontRef>
-        </p:style>
-      </p:cxnSp>
-      <p:pic>
-        <p:nvPicPr>
-          <p:cNvPr id="40" name="Picture 2" descr="フォルダのイラスト">
-            <a:extLst>
-              <a:ext uri="{FF2B5EF4-FFF2-40B4-BE49-F238E27FC236}">
-                <a16:creationId xmlns:a16="http://schemas.microsoft.com/office/drawing/2014/main" id="{0D4DCE5E-265F-4131-8C70-145C957F5973}"/>
-              </a:ext>
-            </a:extLst>
-          </p:cNvPr>
-          <p:cNvPicPr>
-            <a:picLocks noChangeAspect="1" noChangeArrowheads="1"/>
-          </p:cNvPicPr>
-          <p:nvPr/>
-        </p:nvPicPr>
-        <p:blipFill>
-          <a:blip r:embed="rId2" cstate="print">
-            <a:extLst>
-              <a:ext uri="{28A0092B-C50C-407E-A947-70E740481C1C}">
-                <a14:useLocalDpi xmlns:a14="http://schemas.microsoft.com/office/drawing/2010/main" val="0"/>
-              </a:ext>
-            </a:extLst>
-          </a:blip>
-          <a:srcRect/>
-          <a:stretch>
-            <a:fillRect/>
-          </a:stretch>
-        </p:blipFill>
-        <p:spPr bwMode="auto">
-          <a:xfrm>
-            <a:off x="7380312" y="5157192"/>
-            <a:ext cx="702078" cy="587990"/>
-          </a:xfrm>
-          <a:prstGeom prst="rect">
-            <a:avLst/>
-          </a:prstGeom>
-          <a:noFill/>
-          <a:extLst>
-            <a:ext uri="{909E8E84-426E-40DD-AFC4-6F175D3DCCD1}">
-              <a14:hiddenFill xmlns:a14="http://schemas.microsoft.com/office/drawing/2010/main">
-                <a:solidFill>
-                  <a:srgbClr val="FFFFFF"/>
-                </a:solidFill>
-              </a14:hiddenFill>
-            </a:ext>
-          </a:extLst>
-        </p:spPr>
-      </p:pic>
-      <p:sp>
-        <p:nvSpPr>
-          <p:cNvPr id="41" name="テキスト ボックス 40">
-            <a:extLst>
-              <a:ext uri="{FF2B5EF4-FFF2-40B4-BE49-F238E27FC236}">
-                <a16:creationId xmlns:a16="http://schemas.microsoft.com/office/drawing/2014/main" id="{5021F8FC-BB61-4643-B355-E94A1806EEAB}"/>
-              </a:ext>
-            </a:extLst>
-          </p:cNvPr>
-          <p:cNvSpPr txBox="1"/>
-          <p:nvPr/>
-        </p:nvSpPr>
-        <p:spPr>
-          <a:xfrm>
-            <a:off x="7452320" y="5661248"/>
-            <a:ext cx="556563" cy="369332"/>
-          </a:xfrm>
-          <a:prstGeom prst="rect">
-            <a:avLst/>
-          </a:prstGeom>
-          <a:noFill/>
-        </p:spPr>
-        <p:txBody>
-          <a:bodyPr wrap="none" rtlCol="0">
-            <a:spAutoFit/>
-          </a:bodyPr>
-          <a:lstStyle/>
-          <a:p>
-            <a:r>
-              <a:rPr kumimoji="1" lang="en-US" altLang="ja-JP" dirty="0"/>
-              <a:t>test</a:t>
-            </a:r>
-            <a:endParaRPr kumimoji="1" lang="ja-JP" altLang="en-US" dirty="0"/>
-          </a:p>
-        </p:txBody>
-      </p:sp>
-      <p:pic>
-        <p:nvPicPr>
-          <p:cNvPr id="42" name="Picture 2" descr="手を上げている男の子のイラスト">
-            <a:extLst>
-              <a:ext uri="{FF2B5EF4-FFF2-40B4-BE49-F238E27FC236}">
-                <a16:creationId xmlns:a16="http://schemas.microsoft.com/office/drawing/2014/main" id="{79E650B2-C543-4EED-B3C8-171E65868E67}"/>
-              </a:ext>
-            </a:extLst>
-          </p:cNvPr>
-          <p:cNvPicPr>
-            <a:picLocks noChangeAspect="1" noChangeArrowheads="1"/>
-          </p:cNvPicPr>
-          <p:nvPr/>
-        </p:nvPicPr>
-        <p:blipFill>
-          <a:blip r:embed="rId4" cstate="print">
-            <a:extLst>
-              <a:ext uri="{28A0092B-C50C-407E-A947-70E740481C1C}">
-                <a14:useLocalDpi xmlns:a14="http://schemas.microsoft.com/office/drawing/2010/main" val="0"/>
-              </a:ext>
-            </a:extLst>
-          </a:blip>
-          <a:srcRect/>
-          <a:stretch>
-            <a:fillRect/>
-          </a:stretch>
-        </p:blipFill>
-        <p:spPr bwMode="auto">
-          <a:xfrm>
-            <a:off x="7524328" y="4509120"/>
-            <a:ext cx="385188" cy="536848"/>
-          </a:xfrm>
-          <a:prstGeom prst="rect">
-            <a:avLst/>
-          </a:prstGeom>
-          <a:noFill/>
-          <a:extLst>
-            <a:ext uri="{909E8E84-426E-40DD-AFC4-6F175D3DCCD1}">
-              <a14:hiddenFill xmlns:a14="http://schemas.microsoft.com/office/drawing/2010/main">
-                <a:solidFill>
-                  <a:srgbClr val="FFFFFF"/>
-                </a:solidFill>
-              </a14:hiddenFill>
-            </a:ext>
-          </a:extLst>
-        </p:spPr>
-      </p:pic>
-      <p:cxnSp>
-        <p:nvCxnSpPr>
-          <p:cNvPr id="43" name="直線矢印コネクタ 42">
-            <a:extLst>
-              <a:ext uri="{FF2B5EF4-FFF2-40B4-BE49-F238E27FC236}">
-                <a16:creationId xmlns:a16="http://schemas.microsoft.com/office/drawing/2014/main" id="{4ED3C703-CDC9-4077-9CE8-80CB0BE692C1}"/>
-              </a:ext>
-            </a:extLst>
-          </p:cNvPr>
-          <p:cNvCxnSpPr>
-            <a:cxnSpLocks/>
-            <a:stCxn id="40" idx="1"/>
-            <a:endCxn id="36" idx="3"/>
-          </p:cNvCxnSpPr>
-          <p:nvPr/>
-        </p:nvCxnSpPr>
-        <p:spPr>
-          <a:xfrm flipH="1">
-            <a:off x="6786246" y="5451187"/>
-            <a:ext cx="594066" cy="0"/>
-          </a:xfrm>
-          <a:prstGeom prst="straightConnector1">
-            <a:avLst/>
-          </a:prstGeom>
-          <a:ln>
-            <a:solidFill>
-              <a:schemeClr val="tx1"/>
-            </a:solidFill>
-            <a:headEnd type="none" w="med" len="med"/>
-            <a:tailEnd type="none" w="med" len="med"/>
-          </a:ln>
-        </p:spPr>
-        <p:style>
-          <a:lnRef idx="1">
-            <a:schemeClr val="accent1"/>
-          </a:lnRef>
-          <a:fillRef idx="0">
-            <a:schemeClr val="accent1"/>
-          </a:fillRef>
-          <a:effectRef idx="0">
-            <a:schemeClr val="accent1"/>
-          </a:effectRef>
-          <a:fontRef idx="minor">
-            <a:schemeClr val="tx1"/>
-          </a:fontRef>
-        </p:style>
-      </p:cxnSp>
     </p:spTree>
     <p:extLst>
       <p:ext uri="{BB962C8B-B14F-4D97-AF65-F5344CB8AC3E}">
-        <p14:creationId xmlns:p14="http://schemas.microsoft.com/office/powerpoint/2010/main" val="555618142"/>
+        <p14:creationId xmlns:p14="http://schemas.microsoft.com/office/powerpoint/2010/main" val="1525673756"/>
       </p:ext>
     </p:extLst>
   </p:cSld>
@@ -15309,7 +15902,7 @@
           <p:cNvPr id="2" name="テキスト プレースホルダー 1">
             <a:extLst>
               <a:ext uri="{FF2B5EF4-FFF2-40B4-BE49-F238E27FC236}">
-                <a16:creationId xmlns:a16="http://schemas.microsoft.com/office/drawing/2014/main" id="{0BCD38DB-9A8D-4127-8BD3-CC43B5E902E5}"/>
+                <a16:creationId xmlns:a16="http://schemas.microsoft.com/office/drawing/2014/main" id="{6B0B2E08-2322-4621-96D8-09F280581721}"/>
               </a:ext>
             </a:extLst>
           </p:cNvPr>
@@ -15331,11 +15924,7 @@
             </a:r>
             <a:r>
               <a:rPr kumimoji="1" lang="en-US" altLang="ja-JP" dirty="0"/>
-              <a:t> – Step </a:t>
-            </a:r>
-            <a:r>
-              <a:rPr lang="en-US" altLang="ja-JP" dirty="0"/>
-              <a:t>2</a:t>
+              <a:t> – Step 1</a:t>
             </a:r>
             <a:endParaRPr kumimoji="1" lang="ja-JP" altLang="en-US" dirty="0"/>
           </a:p>
@@ -15343,10 +15932,10 @@
       </p:sp>
       <p:sp>
         <p:nvSpPr>
-          <p:cNvPr id="3" name="テキスト ボックス 2">
-            <a:extLst>
-              <a:ext uri="{FF2B5EF4-FFF2-40B4-BE49-F238E27FC236}">
-                <a16:creationId xmlns:a16="http://schemas.microsoft.com/office/drawing/2014/main" id="{8227B384-DCAE-4DA2-A8C1-49923CBAACB1}"/>
+          <p:cNvPr id="4" name="テキスト ボックス 3">
+            <a:extLst>
+              <a:ext uri="{FF2B5EF4-FFF2-40B4-BE49-F238E27FC236}">
+                <a16:creationId xmlns:a16="http://schemas.microsoft.com/office/drawing/2014/main" id="{FC2471D5-BCE5-475E-80D0-D586469A6592}"/>
               </a:ext>
             </a:extLst>
           </p:cNvPr>
@@ -15355,8 +15944,8 @@
         </p:nvSpPr>
         <p:spPr>
           <a:xfrm>
-            <a:off x="251520" y="1268760"/>
-            <a:ext cx="4169731" cy="461665"/>
+            <a:off x="323528" y="1124744"/>
+            <a:ext cx="1415772" cy="461665"/>
           </a:xfrm>
           <a:prstGeom prst="rect">
             <a:avLst/>
@@ -15370,23 +15959,172 @@
           <a:lstStyle/>
           <a:p>
             <a:r>
-              <a:rPr lang="en-US" altLang="ja-JP" sz="2400" dirty="0"/>
-              <a:t>README.md</a:t>
-            </a:r>
-            <a:r>
-              <a:rPr lang="ja-JP" altLang="en-US" sz="2400" dirty="0"/>
-              <a:t>ファイルの作成</a:t>
-            </a:r>
-            <a:endParaRPr kumimoji="1" lang="ja-JP" altLang="en-US" sz="2400" dirty="0"/>
+              <a:rPr kumimoji="1" lang="ja-JP" altLang="en-US" sz="2400" dirty="0"/>
+              <a:t>初期設定</a:t>
+            </a:r>
+          </a:p>
+        </p:txBody>
+      </p:sp>
+      <p:sp>
+        <p:nvSpPr>
+          <p:cNvPr id="11" name="テキスト ボックス 10">
+            <a:extLst>
+              <a:ext uri="{FF2B5EF4-FFF2-40B4-BE49-F238E27FC236}">
+                <a16:creationId xmlns:a16="http://schemas.microsoft.com/office/drawing/2014/main" id="{78B41CAA-0100-4EA9-A1D1-4CFEBFC3849C}"/>
+              </a:ext>
+            </a:extLst>
+          </p:cNvPr>
+          <p:cNvSpPr txBox="1"/>
+          <p:nvPr/>
+        </p:nvSpPr>
+        <p:spPr>
+          <a:xfrm>
+            <a:off x="539552" y="2204864"/>
+            <a:ext cx="5979522" cy="1754326"/>
+          </a:xfrm>
+          <a:prstGeom prst="rect">
+            <a:avLst/>
+          </a:prstGeom>
+          <a:noFill/>
+          <a:ln>
+            <a:solidFill>
+              <a:schemeClr val="tx1"/>
+            </a:solidFill>
+          </a:ln>
+        </p:spPr>
+        <p:txBody>
+          <a:bodyPr wrap="none" rtlCol="0">
+            <a:spAutoFit/>
+          </a:bodyPr>
+          <a:lstStyle/>
+          <a:p>
+            <a:r>
+              <a:rPr kumimoji="1" lang="en-US" altLang="ja-JP" dirty="0">
+                <a:latin typeface="Consolas" panose="020B0609020204030204" pitchFamily="49" charset="0"/>
+              </a:rPr>
+              <a:t>git config --global user.name "</a:t>
+            </a:r>
+            <a:r>
+              <a:rPr kumimoji="1" lang="ja-JP" altLang="en-US" dirty="0">
+                <a:latin typeface="Consolas" panose="020B0609020204030204" pitchFamily="49" charset="0"/>
+              </a:rPr>
+              <a:t>ユーザー名</a:t>
+            </a:r>
+            <a:r>
+              <a:rPr kumimoji="1" lang="en-US" altLang="ja-JP" dirty="0">
+                <a:latin typeface="Consolas" panose="020B0609020204030204" pitchFamily="49" charset="0"/>
+              </a:rPr>
+              <a:t>"</a:t>
+            </a:r>
+          </a:p>
+          <a:p>
+            <a:r>
+              <a:rPr kumimoji="1" lang="en-US" altLang="ja-JP" dirty="0">
+                <a:latin typeface="Consolas" panose="020B0609020204030204" pitchFamily="49" charset="0"/>
+              </a:rPr>
+              <a:t>git config --global </a:t>
+            </a:r>
+            <a:r>
+              <a:rPr kumimoji="1" lang="en-US" altLang="ja-JP" dirty="0" err="1">
+                <a:latin typeface="Consolas" panose="020B0609020204030204" pitchFamily="49" charset="0"/>
+              </a:rPr>
+              <a:t>user.email</a:t>
+            </a:r>
+            <a:r>
+              <a:rPr kumimoji="1" lang="en-US" altLang="ja-JP" dirty="0">
+                <a:latin typeface="Consolas" panose="020B0609020204030204" pitchFamily="49" charset="0"/>
+              </a:rPr>
+              <a:t> "</a:t>
+            </a:r>
+            <a:r>
+              <a:rPr kumimoji="1" lang="ja-JP" altLang="en-US" dirty="0">
+                <a:latin typeface="Consolas" panose="020B0609020204030204" pitchFamily="49" charset="0"/>
+              </a:rPr>
+              <a:t>メールアドレス</a:t>
+            </a:r>
+            <a:r>
+              <a:rPr kumimoji="1" lang="en-US" altLang="ja-JP" dirty="0">
+                <a:latin typeface="Consolas" panose="020B0609020204030204" pitchFamily="49" charset="0"/>
+              </a:rPr>
+              <a:t>“</a:t>
+            </a:r>
+          </a:p>
+          <a:p>
+            <a:r>
+              <a:rPr kumimoji="1" lang="en-US" altLang="ja-JP" dirty="0">
+                <a:latin typeface="Consolas" panose="020B0609020204030204" pitchFamily="49" charset="0"/>
+              </a:rPr>
+              <a:t>git config --global </a:t>
+            </a:r>
+            <a:r>
+              <a:rPr kumimoji="1" lang="en-US" altLang="ja-JP" dirty="0" err="1">
+                <a:latin typeface="Consolas" panose="020B0609020204030204" pitchFamily="49" charset="0"/>
+              </a:rPr>
+              <a:t>core.editor</a:t>
+            </a:r>
+            <a:r>
+              <a:rPr kumimoji="1" lang="en-US" altLang="ja-JP" dirty="0">
+                <a:latin typeface="Consolas" panose="020B0609020204030204" pitchFamily="49" charset="0"/>
+              </a:rPr>
+              <a:t> vim</a:t>
+            </a:r>
+          </a:p>
+          <a:p>
+            <a:r>
+              <a:rPr kumimoji="1" lang="en-US" altLang="ja-JP" dirty="0">
+                <a:latin typeface="Consolas" panose="020B0609020204030204" pitchFamily="49" charset="0"/>
+              </a:rPr>
+              <a:t>git config --global </a:t>
+            </a:r>
+            <a:r>
+              <a:rPr kumimoji="1" lang="en-US" altLang="ja-JP" dirty="0" err="1">
+                <a:latin typeface="Consolas" panose="020B0609020204030204" pitchFamily="49" charset="0"/>
+              </a:rPr>
+              <a:t>core.autocrlf</a:t>
+            </a:r>
+            <a:r>
+              <a:rPr kumimoji="1" lang="en-US" altLang="ja-JP" dirty="0">
+                <a:latin typeface="Consolas" panose="020B0609020204030204" pitchFamily="49" charset="0"/>
+              </a:rPr>
+              <a:t> false</a:t>
+            </a:r>
+          </a:p>
+          <a:p>
+            <a:r>
+              <a:rPr kumimoji="1" lang="en-US" altLang="ja-JP" dirty="0">
+                <a:latin typeface="Consolas" panose="020B0609020204030204" pitchFamily="49" charset="0"/>
+              </a:rPr>
+              <a:t>git config --global </a:t>
+            </a:r>
+            <a:r>
+              <a:rPr kumimoji="1" lang="en-US" altLang="ja-JP" dirty="0" err="1">
+                <a:latin typeface="Consolas" panose="020B0609020204030204" pitchFamily="49" charset="0"/>
+              </a:rPr>
+              <a:t>init.defaultBranch</a:t>
+            </a:r>
+            <a:r>
+              <a:rPr kumimoji="1" lang="en-US" altLang="ja-JP" dirty="0">
+                <a:latin typeface="Consolas" panose="020B0609020204030204" pitchFamily="49" charset="0"/>
+              </a:rPr>
+              <a:t> main</a:t>
+            </a:r>
+          </a:p>
+          <a:p>
+            <a:r>
+              <a:rPr kumimoji="1" lang="en-US" altLang="ja-JP" dirty="0">
+                <a:latin typeface="Consolas" panose="020B0609020204030204" pitchFamily="49" charset="0"/>
+              </a:rPr>
+              <a:t>git config --global alias.st "status -s"</a:t>
+            </a:r>
           </a:p>
         </p:txBody>
       </p:sp>
       <p:pic>
         <p:nvPicPr>
-          <p:cNvPr id="18" name="Picture 2" descr="フォルダのイラスト">
-            <a:extLst>
-              <a:ext uri="{FF2B5EF4-FFF2-40B4-BE49-F238E27FC236}">
-                <a16:creationId xmlns:a16="http://schemas.microsoft.com/office/drawing/2014/main" id="{BBCDD0F4-DDDF-454E-912D-56EB02BEBB27}"/>
+          <p:cNvPr id="23" name="Picture 2" descr="フォルダのイラスト">
+            <a:extLst>
+              <a:ext uri="{FF2B5EF4-FFF2-40B4-BE49-F238E27FC236}">
+                <a16:creationId xmlns:a16="http://schemas.microsoft.com/office/drawing/2014/main" id="{C30570D5-D05E-4140-BE97-0E32241B6E0F}"/>
               </a:ext>
             </a:extLst>
           </p:cNvPr>
@@ -15410,7 +16148,7 @@
         </p:blipFill>
         <p:spPr bwMode="auto">
           <a:xfrm>
-            <a:off x="5364088" y="1772816"/>
+            <a:off x="5724128" y="4077072"/>
             <a:ext cx="702078" cy="587990"/>
           </a:xfrm>
           <a:prstGeom prst="rect">
@@ -15430,10 +16168,10 @@
       </p:pic>
       <p:pic>
         <p:nvPicPr>
-          <p:cNvPr id="19" name="Picture 2" descr="フォルダのイラスト">
-            <a:extLst>
-              <a:ext uri="{FF2B5EF4-FFF2-40B4-BE49-F238E27FC236}">
-                <a16:creationId xmlns:a16="http://schemas.microsoft.com/office/drawing/2014/main" id="{0785ED83-447B-46EB-83E5-9CAC8D56A13C}"/>
+          <p:cNvPr id="26" name="Picture 2" descr="家のイラスト7">
+            <a:extLst>
+              <a:ext uri="{FF2B5EF4-FFF2-40B4-BE49-F238E27FC236}">
+                <a16:creationId xmlns:a16="http://schemas.microsoft.com/office/drawing/2014/main" id="{0E850664-FB0A-43DE-AF7C-94922EADF928}"/>
               </a:ext>
             </a:extLst>
           </p:cNvPr>
@@ -15443,7 +16181,7 @@
           <p:nvPr/>
         </p:nvPicPr>
         <p:blipFill>
-          <a:blip r:embed="rId2" cstate="print">
+          <a:blip r:embed="rId3" cstate="print">
             <a:extLst>
               <a:ext uri="{28A0092B-C50C-407E-A947-70E740481C1C}">
                 <a14:useLocalDpi xmlns:a14="http://schemas.microsoft.com/office/drawing/2010/main" val="0"/>
@@ -15457,8 +16195,8 @@
         </p:blipFill>
         <p:spPr bwMode="auto">
           <a:xfrm>
-            <a:off x="5353137" y="2636912"/>
-            <a:ext cx="702078" cy="587990"/>
+            <a:off x="5868144" y="4221088"/>
+            <a:ext cx="360040" cy="336637"/>
           </a:xfrm>
           <a:prstGeom prst="rect">
             <a:avLst/>
@@ -15475,48 +16213,12 @@
           </a:extLst>
         </p:spPr>
       </p:pic>
-      <p:sp>
-        <p:nvSpPr>
-          <p:cNvPr id="20" name="テキスト ボックス 19">
-            <a:extLst>
-              <a:ext uri="{FF2B5EF4-FFF2-40B4-BE49-F238E27FC236}">
-                <a16:creationId xmlns:a16="http://schemas.microsoft.com/office/drawing/2014/main" id="{6A4294F4-64C7-4A7F-AB4D-3BA2DF5EC8AD}"/>
-              </a:ext>
-            </a:extLst>
-          </p:cNvPr>
-          <p:cNvSpPr txBox="1"/>
-          <p:nvPr/>
-        </p:nvSpPr>
-        <p:spPr>
-          <a:xfrm>
-            <a:off x="5508104" y="2780928"/>
-            <a:ext cx="428322" cy="369332"/>
-          </a:xfrm>
-          <a:prstGeom prst="rect">
-            <a:avLst/>
-          </a:prstGeom>
-          <a:noFill/>
-        </p:spPr>
-        <p:txBody>
-          <a:bodyPr wrap="none" rtlCol="0">
-            <a:spAutoFit/>
-          </a:bodyPr>
-          <a:lstStyle/>
-          <a:p>
-            <a:r>
-              <a:rPr kumimoji="1" lang="en-US" altLang="ja-JP" dirty="0"/>
-              <a:t>git</a:t>
-            </a:r>
-            <a:endParaRPr kumimoji="1" lang="ja-JP" altLang="en-US" dirty="0"/>
-          </a:p>
-        </p:txBody>
-      </p:sp>
       <p:pic>
         <p:nvPicPr>
-          <p:cNvPr id="21" name="Picture 2" descr="家のイラスト7">
-            <a:extLst>
-              <a:ext uri="{FF2B5EF4-FFF2-40B4-BE49-F238E27FC236}">
-                <a16:creationId xmlns:a16="http://schemas.microsoft.com/office/drawing/2014/main" id="{8124289C-1AD8-471E-81AA-025E899733A1}"/>
+          <p:cNvPr id="36" name="Picture 2" descr="ファイルアイコン（テキスト）">
+            <a:extLst>
+              <a:ext uri="{FF2B5EF4-FFF2-40B4-BE49-F238E27FC236}">
+                <a16:creationId xmlns:a16="http://schemas.microsoft.com/office/drawing/2014/main" id="{F5F57010-B496-49C7-8EBE-2053136A0595}"/>
               </a:ext>
             </a:extLst>
           </p:cNvPr>
@@ -15526,7 +16228,7 @@
           <p:nvPr/>
         </p:nvPicPr>
         <p:blipFill>
-          <a:blip r:embed="rId3" cstate="print">
+          <a:blip r:embed="rId4" cstate="print">
             <a:extLst>
               <a:ext uri="{28A0092B-C50C-407E-A947-70E740481C1C}">
                 <a14:useLocalDpi xmlns:a14="http://schemas.microsoft.com/office/drawing/2010/main" val="0"/>
@@ -15540,8 +16242,8 @@
         </p:blipFill>
         <p:spPr bwMode="auto">
           <a:xfrm>
-            <a:off x="5508104" y="1916832"/>
-            <a:ext cx="360040" cy="336637"/>
+            <a:off x="5832232" y="4941168"/>
+            <a:ext cx="484265" cy="562372"/>
           </a:xfrm>
           <a:prstGeom prst="rect">
             <a:avLst/>
@@ -15558,296 +16260,25 @@
           </a:extLst>
         </p:spPr>
       </p:pic>
-      <p:pic>
-        <p:nvPicPr>
-          <p:cNvPr id="22" name="Picture 2" descr="フォルダのイラスト">
-            <a:extLst>
-              <a:ext uri="{FF2B5EF4-FFF2-40B4-BE49-F238E27FC236}">
-                <a16:creationId xmlns:a16="http://schemas.microsoft.com/office/drawing/2014/main" id="{F3A76664-E40C-4ED5-B723-91C3E463ED0A}"/>
-              </a:ext>
-            </a:extLst>
-          </p:cNvPr>
-          <p:cNvPicPr>
-            <a:picLocks noChangeAspect="1" noChangeArrowheads="1"/>
-          </p:cNvPicPr>
-          <p:nvPr/>
-        </p:nvPicPr>
-        <p:blipFill>
-          <a:blip r:embed="rId2" cstate="print">
-            <a:extLst>
-              <a:ext uri="{28A0092B-C50C-407E-A947-70E740481C1C}">
-                <a14:useLocalDpi xmlns:a14="http://schemas.microsoft.com/office/drawing/2010/main" val="0"/>
-              </a:ext>
-            </a:extLst>
-          </a:blip>
-          <a:srcRect/>
-          <a:stretch>
-            <a:fillRect/>
-          </a:stretch>
-        </p:blipFill>
-        <p:spPr bwMode="auto">
-          <a:xfrm>
-            <a:off x="5364088" y="3573016"/>
-            <a:ext cx="702078" cy="587990"/>
-          </a:xfrm>
-          <a:prstGeom prst="rect">
-            <a:avLst/>
-          </a:prstGeom>
-          <a:noFill/>
-          <a:extLst>
-            <a:ext uri="{909E8E84-426E-40DD-AFC4-6F175D3DCCD1}">
-              <a14:hiddenFill xmlns:a14="http://schemas.microsoft.com/office/drawing/2010/main">
-                <a:solidFill>
-                  <a:srgbClr val="FFFFFF"/>
-                </a:solidFill>
-              </a14:hiddenFill>
-            </a:ext>
-          </a:extLst>
-        </p:spPr>
-      </p:pic>
-      <p:sp>
-        <p:nvSpPr>
-          <p:cNvPr id="23" name="テキスト ボックス 22">
-            <a:extLst>
-              <a:ext uri="{FF2B5EF4-FFF2-40B4-BE49-F238E27FC236}">
-                <a16:creationId xmlns:a16="http://schemas.microsoft.com/office/drawing/2014/main" id="{A79D78D1-0929-43C8-8B0F-8B777F797AF9}"/>
-              </a:ext>
-            </a:extLst>
-          </p:cNvPr>
-          <p:cNvSpPr txBox="1"/>
-          <p:nvPr/>
-        </p:nvSpPr>
-        <p:spPr>
-          <a:xfrm>
-            <a:off x="5432370" y="3717032"/>
-            <a:ext cx="556563" cy="369332"/>
-          </a:xfrm>
-          <a:prstGeom prst="rect">
-            <a:avLst/>
-          </a:prstGeom>
-          <a:noFill/>
-        </p:spPr>
-        <p:txBody>
-          <a:bodyPr wrap="none" rtlCol="0">
-            <a:spAutoFit/>
-          </a:bodyPr>
-          <a:lstStyle/>
-          <a:p>
-            <a:r>
-              <a:rPr kumimoji="1" lang="en-US" altLang="ja-JP" dirty="0"/>
-              <a:t>test</a:t>
-            </a:r>
-            <a:endParaRPr kumimoji="1" lang="ja-JP" altLang="en-US" dirty="0"/>
-          </a:p>
-        </p:txBody>
-      </p:sp>
-      <p:pic>
-        <p:nvPicPr>
-          <p:cNvPr id="24" name="Picture 2" descr="手を上げている男の子のイラスト">
-            <a:extLst>
-              <a:ext uri="{FF2B5EF4-FFF2-40B4-BE49-F238E27FC236}">
-                <a16:creationId xmlns:a16="http://schemas.microsoft.com/office/drawing/2014/main" id="{F77F9BD4-C580-4C31-952A-F1F15D840667}"/>
-              </a:ext>
-            </a:extLst>
-          </p:cNvPr>
-          <p:cNvPicPr>
-            <a:picLocks noChangeAspect="1" noChangeArrowheads="1"/>
-          </p:cNvPicPr>
-          <p:nvPr/>
-        </p:nvPicPr>
-        <p:blipFill>
-          <a:blip r:embed="rId4" cstate="print">
-            <a:extLst>
-              <a:ext uri="{28A0092B-C50C-407E-A947-70E740481C1C}">
-                <a14:useLocalDpi xmlns:a14="http://schemas.microsoft.com/office/drawing/2010/main" val="0"/>
-              </a:ext>
-            </a:extLst>
-          </a:blip>
-          <a:srcRect/>
-          <a:stretch>
-            <a:fillRect/>
-          </a:stretch>
-        </p:blipFill>
-        <p:spPr bwMode="auto">
-          <a:xfrm>
-            <a:off x="4856306" y="3573016"/>
-            <a:ext cx="385188" cy="536848"/>
-          </a:xfrm>
-          <a:prstGeom prst="rect">
-            <a:avLst/>
-          </a:prstGeom>
-          <a:noFill/>
-          <a:extLst>
-            <a:ext uri="{909E8E84-426E-40DD-AFC4-6F175D3DCCD1}">
-              <a14:hiddenFill xmlns:a14="http://schemas.microsoft.com/office/drawing/2010/main">
-                <a:solidFill>
-                  <a:srgbClr val="FFFFFF"/>
-                </a:solidFill>
-              </a14:hiddenFill>
-            </a:ext>
-          </a:extLst>
-        </p:spPr>
-      </p:pic>
-      <p:pic>
-        <p:nvPicPr>
-          <p:cNvPr id="25" name="Picture 2" descr="ファイルアイコン（テキスト）">
-            <a:extLst>
-              <a:ext uri="{FF2B5EF4-FFF2-40B4-BE49-F238E27FC236}">
-                <a16:creationId xmlns:a16="http://schemas.microsoft.com/office/drawing/2014/main" id="{457543DA-25CA-4446-92A6-5670E59C9A10}"/>
-              </a:ext>
-            </a:extLst>
-          </p:cNvPr>
-          <p:cNvPicPr>
-            <a:picLocks noChangeAspect="1" noChangeArrowheads="1"/>
-          </p:cNvPicPr>
-          <p:nvPr/>
-        </p:nvPicPr>
-        <p:blipFill>
-          <a:blip r:embed="rId5" cstate="print">
-            <a:extLst>
-              <a:ext uri="{28A0092B-C50C-407E-A947-70E740481C1C}">
-                <a14:useLocalDpi xmlns:a14="http://schemas.microsoft.com/office/drawing/2010/main" val="0"/>
-              </a:ext>
-            </a:extLst>
-          </a:blip>
-          <a:srcRect/>
-          <a:stretch>
-            <a:fillRect/>
-          </a:stretch>
-        </p:blipFill>
-        <p:spPr bwMode="auto">
-          <a:xfrm>
-            <a:off x="5472097" y="4509120"/>
-            <a:ext cx="484265" cy="562372"/>
-          </a:xfrm>
-          <a:prstGeom prst="rect">
-            <a:avLst/>
-          </a:prstGeom>
-          <a:noFill/>
-          <a:extLst>
-            <a:ext uri="{909E8E84-426E-40DD-AFC4-6F175D3DCCD1}">
-              <a14:hiddenFill xmlns:a14="http://schemas.microsoft.com/office/drawing/2010/main">
-                <a:solidFill>
-                  <a:srgbClr val="FFFFFF"/>
-                </a:solidFill>
-              </a14:hiddenFill>
-            </a:ext>
-          </a:extLst>
-        </p:spPr>
-      </p:pic>
-      <p:sp>
-        <p:nvSpPr>
-          <p:cNvPr id="26" name="テキスト ボックス 25">
-            <a:extLst>
-              <a:ext uri="{FF2B5EF4-FFF2-40B4-BE49-F238E27FC236}">
-                <a16:creationId xmlns:a16="http://schemas.microsoft.com/office/drawing/2014/main" id="{B9E04318-07FB-45C3-8C3A-DFBE8E195A51}"/>
-              </a:ext>
-            </a:extLst>
-          </p:cNvPr>
-          <p:cNvSpPr txBox="1"/>
-          <p:nvPr/>
-        </p:nvSpPr>
-        <p:spPr>
-          <a:xfrm>
-            <a:off x="5040049" y="5085184"/>
-            <a:ext cx="1324402" cy="369332"/>
-          </a:xfrm>
-          <a:prstGeom prst="rect">
-            <a:avLst/>
-          </a:prstGeom>
-          <a:noFill/>
-        </p:spPr>
-        <p:txBody>
-          <a:bodyPr wrap="none" rtlCol="0">
-            <a:spAutoFit/>
-          </a:bodyPr>
-          <a:lstStyle/>
-          <a:p>
-            <a:r>
-              <a:rPr kumimoji="1" lang="en-US" altLang="ja-JP" dirty="0">
-                <a:latin typeface="Consolas" panose="020B0609020204030204" pitchFamily="49" charset="0"/>
-              </a:rPr>
-              <a:t>README.md</a:t>
-            </a:r>
-            <a:endParaRPr kumimoji="1" lang="ja-JP" altLang="en-US" dirty="0">
-              <a:latin typeface="Consolas" panose="020B0609020204030204" pitchFamily="49" charset="0"/>
-            </a:endParaRPr>
-          </a:p>
-        </p:txBody>
-      </p:sp>
-      <p:sp>
-        <p:nvSpPr>
-          <p:cNvPr id="32" name="矢印: 右 31">
-            <a:extLst>
-              <a:ext uri="{FF2B5EF4-FFF2-40B4-BE49-F238E27FC236}">
-                <a16:creationId xmlns:a16="http://schemas.microsoft.com/office/drawing/2014/main" id="{8B166264-89AF-477D-BD20-F4E172F62D90}"/>
-              </a:ext>
-            </a:extLst>
-          </p:cNvPr>
-          <p:cNvSpPr/>
-          <p:nvPr/>
-        </p:nvSpPr>
-        <p:spPr>
-          <a:xfrm>
-            <a:off x="4211960" y="4581128"/>
-            <a:ext cx="648072" cy="412624"/>
-          </a:xfrm>
-          <a:prstGeom prst="rightArrow">
-            <a:avLst/>
-          </a:prstGeom>
-          <a:solidFill>
-            <a:srgbClr val="FF0000"/>
-          </a:solidFill>
-          <a:ln>
-            <a:solidFill>
-              <a:schemeClr val="tx1"/>
-            </a:solidFill>
-          </a:ln>
-        </p:spPr>
-        <p:style>
-          <a:lnRef idx="2">
-            <a:schemeClr val="accent1">
-              <a:shade val="50000"/>
-            </a:schemeClr>
-          </a:lnRef>
-          <a:fillRef idx="1">
-            <a:schemeClr val="accent1"/>
-          </a:fillRef>
-          <a:effectRef idx="0">
-            <a:schemeClr val="accent1"/>
-          </a:effectRef>
-          <a:fontRef idx="minor">
-            <a:schemeClr val="lt1"/>
-          </a:fontRef>
-        </p:style>
-        <p:txBody>
-          <a:bodyPr rtlCol="0" anchor="ctr"/>
-          <a:lstStyle/>
-          <a:p>
-            <a:pPr algn="ctr"/>
-            <a:endParaRPr kumimoji="1" lang="ja-JP" altLang="en-US"/>
-          </a:p>
-        </p:txBody>
-      </p:sp>
       <p:cxnSp>
         <p:nvCxnSpPr>
-          <p:cNvPr id="35" name="直線コネクタ 34">
-            <a:extLst>
-              <a:ext uri="{FF2B5EF4-FFF2-40B4-BE49-F238E27FC236}">
-                <a16:creationId xmlns:a16="http://schemas.microsoft.com/office/drawing/2014/main" id="{743F2F71-633E-4CDF-AA4D-CA36E21A59AE}"/>
+          <p:cNvPr id="8" name="直線コネクタ 7">
+            <a:extLst>
+              <a:ext uri="{FF2B5EF4-FFF2-40B4-BE49-F238E27FC236}">
+                <a16:creationId xmlns:a16="http://schemas.microsoft.com/office/drawing/2014/main" id="{BD61EB45-6C88-45FD-AE22-5DD6ED78AC10}"/>
               </a:ext>
             </a:extLst>
           </p:cNvPr>
           <p:cNvCxnSpPr>
-            <a:stCxn id="22" idx="2"/>
-            <a:endCxn id="25" idx="0"/>
+            <a:stCxn id="23" idx="2"/>
+            <a:endCxn id="36" idx="0"/>
           </p:cNvCxnSpPr>
           <p:nvPr/>
         </p:nvCxnSpPr>
         <p:spPr>
           <a:xfrm flipH="1">
-            <a:off x="5714230" y="4161006"/>
-            <a:ext cx="897" cy="348114"/>
+            <a:off x="6074365" y="4665062"/>
+            <a:ext cx="802" cy="276106"/>
           </a:xfrm>
           <a:prstGeom prst="line">
             <a:avLst/>
@@ -15875,96 +16306,182 @@
           </a:fontRef>
         </p:style>
       </p:cxnSp>
-      <p:cxnSp>
-        <p:nvCxnSpPr>
-          <p:cNvPr id="36" name="直線コネクタ 35">
-            <a:extLst>
-              <a:ext uri="{FF2B5EF4-FFF2-40B4-BE49-F238E27FC236}">
-                <a16:creationId xmlns:a16="http://schemas.microsoft.com/office/drawing/2014/main" id="{CDDC8399-3D8A-4B1C-ABBD-AC20F5079AF4}"/>
-              </a:ext>
-            </a:extLst>
-          </p:cNvPr>
-          <p:cNvCxnSpPr/>
-          <p:nvPr/>
-        </p:nvCxnSpPr>
-        <p:spPr>
-          <a:xfrm flipH="1">
-            <a:off x="5724128" y="3212976"/>
-            <a:ext cx="897" cy="348114"/>
-          </a:xfrm>
-          <a:prstGeom prst="line">
-            <a:avLst/>
-          </a:prstGeom>
-          <a:ln>
-            <a:solidFill>
-              <a:schemeClr val="tx1"/>
-            </a:solidFill>
-            <a:headEnd type="none" w="med" len="med"/>
-            <a:tailEnd type="none" w="med" len="med"/>
-          </a:ln>
-        </p:spPr>
-        <p:style>
-          <a:lnRef idx="1">
-            <a:schemeClr val="accent1"/>
-          </a:lnRef>
-          <a:fillRef idx="0">
-            <a:schemeClr val="accent1"/>
-          </a:fillRef>
-          <a:effectRef idx="0">
-            <a:schemeClr val="accent1"/>
-          </a:effectRef>
-          <a:fontRef idx="minor">
-            <a:schemeClr val="tx1"/>
-          </a:fontRef>
-        </p:style>
-      </p:cxnSp>
-      <p:cxnSp>
-        <p:nvCxnSpPr>
-          <p:cNvPr id="37" name="直線コネクタ 36">
-            <a:extLst>
-              <a:ext uri="{FF2B5EF4-FFF2-40B4-BE49-F238E27FC236}">
-                <a16:creationId xmlns:a16="http://schemas.microsoft.com/office/drawing/2014/main" id="{90737BB5-2959-4592-A67C-495CCA8FA974}"/>
-              </a:ext>
-            </a:extLst>
-          </p:cNvPr>
-          <p:cNvCxnSpPr/>
-          <p:nvPr/>
-        </p:nvCxnSpPr>
-        <p:spPr>
-          <a:xfrm flipH="1">
-            <a:off x="5724128" y="2348880"/>
-            <a:ext cx="897" cy="348114"/>
-          </a:xfrm>
-          <a:prstGeom prst="line">
-            <a:avLst/>
-          </a:prstGeom>
-          <a:ln>
-            <a:solidFill>
-              <a:schemeClr val="tx1"/>
-            </a:solidFill>
-            <a:headEnd type="none" w="med" len="med"/>
-            <a:tailEnd type="none" w="med" len="med"/>
-          </a:ln>
-        </p:spPr>
-        <p:style>
-          <a:lnRef idx="1">
-            <a:schemeClr val="accent1"/>
-          </a:lnRef>
-          <a:fillRef idx="0">
-            <a:schemeClr val="accent1"/>
-          </a:fillRef>
-          <a:effectRef idx="0">
-            <a:schemeClr val="accent1"/>
-          </a:effectRef>
-          <a:fontRef idx="minor">
-            <a:schemeClr val="tx1"/>
-          </a:fontRef>
-        </p:style>
-      </p:cxnSp>
+      <p:sp>
+        <p:nvSpPr>
+          <p:cNvPr id="37" name="テキスト ボックス 36">
+            <a:extLst>
+              <a:ext uri="{FF2B5EF4-FFF2-40B4-BE49-F238E27FC236}">
+                <a16:creationId xmlns:a16="http://schemas.microsoft.com/office/drawing/2014/main" id="{09F5D442-2F5E-4DB0-A5E2-09FC366A0208}"/>
+              </a:ext>
+            </a:extLst>
+          </p:cNvPr>
+          <p:cNvSpPr txBox="1"/>
+          <p:nvPr/>
+        </p:nvSpPr>
+        <p:spPr>
+          <a:xfrm>
+            <a:off x="6516216" y="4149080"/>
+            <a:ext cx="2262158" cy="369332"/>
+          </a:xfrm>
+          <a:prstGeom prst="rect">
+            <a:avLst/>
+          </a:prstGeom>
+          <a:noFill/>
+        </p:spPr>
+        <p:txBody>
+          <a:bodyPr wrap="none" rtlCol="0">
+            <a:spAutoFit/>
+          </a:bodyPr>
+          <a:lstStyle/>
+          <a:p>
+            <a:r>
+              <a:rPr lang="ja-JP" altLang="en-US" dirty="0"/>
+              <a:t>ホームディレクトリ</a:t>
+            </a:r>
+            <a:endParaRPr kumimoji="1" lang="ja-JP" altLang="en-US" dirty="0"/>
+          </a:p>
+        </p:txBody>
+      </p:sp>
+      <p:sp>
+        <p:nvSpPr>
+          <p:cNvPr id="38" name="テキスト ボックス 37">
+            <a:extLst>
+              <a:ext uri="{FF2B5EF4-FFF2-40B4-BE49-F238E27FC236}">
+                <a16:creationId xmlns:a16="http://schemas.microsoft.com/office/drawing/2014/main" id="{867AEE9D-E23C-4C86-8B7B-448B638FA499}"/>
+              </a:ext>
+            </a:extLst>
+          </p:cNvPr>
+          <p:cNvSpPr txBox="1"/>
+          <p:nvPr/>
+        </p:nvSpPr>
+        <p:spPr>
+          <a:xfrm>
+            <a:off x="5292080" y="5517232"/>
+            <a:ext cx="1451038" cy="369332"/>
+          </a:xfrm>
+          <a:prstGeom prst="rect">
+            <a:avLst/>
+          </a:prstGeom>
+          <a:noFill/>
+        </p:spPr>
+        <p:txBody>
+          <a:bodyPr wrap="none" rtlCol="0">
+            <a:spAutoFit/>
+          </a:bodyPr>
+          <a:lstStyle/>
+          <a:p>
+            <a:r>
+              <a:rPr kumimoji="1" lang="en-US" altLang="ja-JP" dirty="0">
+                <a:latin typeface="Consolas" panose="020B0609020204030204" pitchFamily="49" charset="0"/>
+              </a:rPr>
+              <a:t>.</a:t>
+            </a:r>
+            <a:r>
+              <a:rPr kumimoji="1" lang="en-US" altLang="ja-JP" dirty="0" err="1">
+                <a:latin typeface="Consolas" panose="020B0609020204030204" pitchFamily="49" charset="0"/>
+              </a:rPr>
+              <a:t>gitconfig</a:t>
+            </a:r>
+            <a:endParaRPr kumimoji="1" lang="ja-JP" altLang="en-US" dirty="0">
+              <a:latin typeface="Consolas" panose="020B0609020204030204" pitchFamily="49" charset="0"/>
+            </a:endParaRPr>
+          </a:p>
+        </p:txBody>
+      </p:sp>
+      <p:sp>
+        <p:nvSpPr>
+          <p:cNvPr id="13" name="テキスト ボックス 12">
+            <a:extLst>
+              <a:ext uri="{FF2B5EF4-FFF2-40B4-BE49-F238E27FC236}">
+                <a16:creationId xmlns:a16="http://schemas.microsoft.com/office/drawing/2014/main" id="{226897EA-FF1E-47E9-A4A9-1E1CBE6F05BD}"/>
+              </a:ext>
+            </a:extLst>
+          </p:cNvPr>
+          <p:cNvSpPr txBox="1"/>
+          <p:nvPr/>
+        </p:nvSpPr>
+        <p:spPr>
+          <a:xfrm>
+            <a:off x="611560" y="4581128"/>
+            <a:ext cx="4339650" cy="646331"/>
+          </a:xfrm>
+          <a:prstGeom prst="rect">
+            <a:avLst/>
+          </a:prstGeom>
+          <a:noFill/>
+        </p:spPr>
+        <p:txBody>
+          <a:bodyPr wrap="none" rtlCol="0">
+            <a:spAutoFit/>
+          </a:bodyPr>
+          <a:lstStyle/>
+          <a:p>
+            <a:r>
+              <a:rPr lang="ja-JP" altLang="en-US" dirty="0"/>
+              <a:t>上記設定は、ホームディレクトリ直下の</a:t>
+            </a:r>
+            <a:endParaRPr lang="en-US" altLang="ja-JP" dirty="0"/>
+          </a:p>
+          <a:p>
+            <a:r>
+              <a:rPr kumimoji="1" lang="en-US" altLang="ja-JP" dirty="0"/>
+              <a:t>.</a:t>
+            </a:r>
+            <a:r>
+              <a:rPr kumimoji="1" lang="en-US" altLang="ja-JP" dirty="0" err="1"/>
+              <a:t>gticonfig</a:t>
+            </a:r>
+            <a:r>
+              <a:rPr kumimoji="1" lang="ja-JP" altLang="en-US" dirty="0"/>
+              <a:t>に書き込まれる</a:t>
+            </a:r>
+          </a:p>
+        </p:txBody>
+      </p:sp>
+      <p:sp>
+        <p:nvSpPr>
+          <p:cNvPr id="15" name="テキスト ボックス 14">
+            <a:extLst>
+              <a:ext uri="{FF2B5EF4-FFF2-40B4-BE49-F238E27FC236}">
+                <a16:creationId xmlns:a16="http://schemas.microsoft.com/office/drawing/2014/main" id="{45785257-2350-496E-BE8D-B45E915417F1}"/>
+              </a:ext>
+            </a:extLst>
+          </p:cNvPr>
+          <p:cNvSpPr txBox="1"/>
+          <p:nvPr/>
+        </p:nvSpPr>
+        <p:spPr>
+          <a:xfrm>
+            <a:off x="683568" y="1763524"/>
+            <a:ext cx="4634602" cy="369332"/>
+          </a:xfrm>
+          <a:prstGeom prst="rect">
+            <a:avLst/>
+          </a:prstGeom>
+          <a:noFill/>
+        </p:spPr>
+        <p:txBody>
+          <a:bodyPr wrap="none" rtlCol="0">
+            <a:spAutoFit/>
+          </a:bodyPr>
+          <a:lstStyle/>
+          <a:p>
+            <a:r>
+              <a:rPr kumimoji="1" lang="en-US" altLang="ja-JP" dirty="0"/>
+              <a:t>Git</a:t>
+            </a:r>
+            <a:r>
+              <a:rPr lang="ja-JP" altLang="en-US" dirty="0"/>
+              <a:t>に名前やアドレス、その他設定を伝える</a:t>
+            </a:r>
+            <a:endParaRPr kumimoji="1" lang="ja-JP" altLang="en-US" dirty="0"/>
+          </a:p>
+        </p:txBody>
+      </p:sp>
     </p:spTree>
     <p:extLst>
       <p:ext uri="{BB962C8B-B14F-4D97-AF65-F5344CB8AC3E}">
-        <p14:creationId xmlns:p14="http://schemas.microsoft.com/office/powerpoint/2010/main" val="1947208517"/>
+        <p14:creationId xmlns:p14="http://schemas.microsoft.com/office/powerpoint/2010/main" val="2758065531"/>
       </p:ext>
     </p:extLst>
   </p:cSld>
@@ -15996,7 +16513,7 @@
           <p:cNvPr id="2" name="テキスト プレースホルダー 1">
             <a:extLst>
               <a:ext uri="{FF2B5EF4-FFF2-40B4-BE49-F238E27FC236}">
-                <a16:creationId xmlns:a16="http://schemas.microsoft.com/office/drawing/2014/main" id="{1B4E82F7-D8C3-4EF4-9BE5-671029CE4F25}"/>
+                <a16:creationId xmlns:a16="http://schemas.microsoft.com/office/drawing/2014/main" id="{0C9FC35D-439B-4D2A-B2EE-13619F77BB1E}"/>
               </a:ext>
             </a:extLst>
           </p:cNvPr>
@@ -16033,7 +16550,7 @@
           <p:cNvPr id="3" name="テキスト ボックス 2">
             <a:extLst>
               <a:ext uri="{FF2B5EF4-FFF2-40B4-BE49-F238E27FC236}">
-                <a16:creationId xmlns:a16="http://schemas.microsoft.com/office/drawing/2014/main" id="{7087E50B-F937-470F-A788-DADB82256C21}"/>
+                <a16:creationId xmlns:a16="http://schemas.microsoft.com/office/drawing/2014/main" id="{A0A020DB-1700-43A1-8863-48DD090945C5}"/>
               </a:ext>
             </a:extLst>
           </p:cNvPr>
@@ -16042,44 +16559,8 @@
         </p:nvSpPr>
         <p:spPr>
           <a:xfrm>
-            <a:off x="251520" y="1268760"/>
-            <a:ext cx="2954655" cy="461665"/>
-          </a:xfrm>
-          <a:prstGeom prst="rect">
-            <a:avLst/>
-          </a:prstGeom>
-          <a:noFill/>
-        </p:spPr>
-        <p:txBody>
-          <a:bodyPr wrap="none" rtlCol="0">
-            <a:spAutoFit/>
-          </a:bodyPr>
-          <a:lstStyle/>
-          <a:p>
-            <a:r>
-              <a:rPr lang="ja-JP" altLang="en-US" sz="2400" dirty="0"/>
-              <a:t>リポジトリの初期化</a:t>
-            </a:r>
-            <a:endParaRPr kumimoji="1" lang="ja-JP" altLang="en-US" sz="2400" dirty="0"/>
-          </a:p>
-        </p:txBody>
-      </p:sp>
-      <p:sp>
-        <p:nvSpPr>
-          <p:cNvPr id="4" name="テキスト ボックス 3">
-            <a:extLst>
-              <a:ext uri="{FF2B5EF4-FFF2-40B4-BE49-F238E27FC236}">
-                <a16:creationId xmlns:a16="http://schemas.microsoft.com/office/drawing/2014/main" id="{9E63A889-7056-4791-9531-03B0E36440CD}"/>
-              </a:ext>
-            </a:extLst>
-          </p:cNvPr>
-          <p:cNvSpPr txBox="1"/>
-          <p:nvPr/>
-        </p:nvSpPr>
-        <p:spPr>
-          <a:xfrm>
-            <a:off x="827584" y="1988840"/>
-            <a:ext cx="1313180" cy="400110"/>
+            <a:off x="539552" y="2060848"/>
+            <a:ext cx="1454244" cy="1015663"/>
           </a:xfrm>
           <a:prstGeom prst="rect">
             <a:avLst/>
@@ -16101,20 +16582,77 @@
               <a:rPr kumimoji="1" lang="en-US" altLang="ja-JP" sz="2000" dirty="0">
                 <a:latin typeface="Consolas" panose="020B0609020204030204" pitchFamily="49" charset="0"/>
               </a:rPr>
-              <a:t>git init</a:t>
-            </a:r>
-            <a:endParaRPr kumimoji="1" lang="ja-JP" altLang="en-US" sz="2000" dirty="0">
+              <a:t>cd</a:t>
+            </a:r>
+          </a:p>
+          <a:p>
+            <a:r>
+              <a:rPr kumimoji="1" lang="en-US" altLang="ja-JP" sz="2000" dirty="0" err="1">
+                <a:latin typeface="Consolas" panose="020B0609020204030204" pitchFamily="49" charset="0"/>
+              </a:rPr>
+              <a:t>mkdir</a:t>
+            </a:r>
+            <a:r>
+              <a:rPr kumimoji="1" lang="en-US" altLang="ja-JP" sz="2000" dirty="0">
+                <a:latin typeface="Consolas" panose="020B0609020204030204" pitchFamily="49" charset="0"/>
+              </a:rPr>
+              <a:t> git</a:t>
+            </a:r>
+            <a:endParaRPr lang="en-US" altLang="ja-JP" sz="2000" dirty="0">
               <a:latin typeface="Consolas" panose="020B0609020204030204" pitchFamily="49" charset="0"/>
             </a:endParaRPr>
           </a:p>
+          <a:p>
+            <a:r>
+              <a:rPr kumimoji="1" lang="en-US" altLang="ja-JP" sz="2000" dirty="0">
+                <a:latin typeface="Consolas" panose="020B0609020204030204" pitchFamily="49" charset="0"/>
+              </a:rPr>
+              <a:t>cd git</a:t>
+            </a:r>
+          </a:p>
+        </p:txBody>
+      </p:sp>
+      <p:sp>
+        <p:nvSpPr>
+          <p:cNvPr id="28" name="テキスト ボックス 27">
+            <a:extLst>
+              <a:ext uri="{FF2B5EF4-FFF2-40B4-BE49-F238E27FC236}">
+                <a16:creationId xmlns:a16="http://schemas.microsoft.com/office/drawing/2014/main" id="{C84F612B-D17C-4823-82D6-614DAD7219EE}"/>
+              </a:ext>
+            </a:extLst>
+          </p:cNvPr>
+          <p:cNvSpPr txBox="1"/>
+          <p:nvPr/>
+        </p:nvSpPr>
+        <p:spPr>
+          <a:xfrm>
+            <a:off x="251520" y="1268760"/>
+            <a:ext cx="2954655" cy="461665"/>
+          </a:xfrm>
+          <a:prstGeom prst="rect">
+            <a:avLst/>
+          </a:prstGeom>
+          <a:noFill/>
+        </p:spPr>
+        <p:txBody>
+          <a:bodyPr wrap="none" rtlCol="0">
+            <a:spAutoFit/>
+          </a:bodyPr>
+          <a:lstStyle/>
+          <a:p>
+            <a:r>
+              <a:rPr kumimoji="1" lang="ja-JP" altLang="en-US" sz="2400" dirty="0"/>
+              <a:t>ディレクトリの作成</a:t>
+            </a:r>
+          </a:p>
         </p:txBody>
       </p:sp>
       <p:pic>
         <p:nvPicPr>
-          <p:cNvPr id="17" name="Picture 2" descr="フォルダのイラスト">
-            <a:extLst>
-              <a:ext uri="{FF2B5EF4-FFF2-40B4-BE49-F238E27FC236}">
-                <a16:creationId xmlns:a16="http://schemas.microsoft.com/office/drawing/2014/main" id="{77C3F71E-1B79-4D45-BFD2-EC76A6B7A27C}"/>
+          <p:cNvPr id="21" name="Picture 2" descr="フォルダのイラスト">
+            <a:extLst>
+              <a:ext uri="{FF2B5EF4-FFF2-40B4-BE49-F238E27FC236}">
+                <a16:creationId xmlns:a16="http://schemas.microsoft.com/office/drawing/2014/main" id="{D5FB3222-65A1-4AA0-92CE-1B2E62674565}"/>
               </a:ext>
             </a:extLst>
           </p:cNvPr>
@@ -16138,7 +16676,7 @@
         </p:blipFill>
         <p:spPr bwMode="auto">
           <a:xfrm>
-            <a:off x="5652120" y="2492896"/>
+            <a:off x="4860032" y="2132856"/>
             <a:ext cx="702078" cy="587990"/>
           </a:xfrm>
           <a:prstGeom prst="rect">
@@ -16158,10 +16696,10 @@
       </p:pic>
       <p:pic>
         <p:nvPicPr>
-          <p:cNvPr id="18" name="Picture 2" descr="フォルダのイラスト">
-            <a:extLst>
-              <a:ext uri="{FF2B5EF4-FFF2-40B4-BE49-F238E27FC236}">
-                <a16:creationId xmlns:a16="http://schemas.microsoft.com/office/drawing/2014/main" id="{15B0C44E-9E01-48D7-BE8F-9649C4DADBB1}"/>
+          <p:cNvPr id="22" name="Picture 2" descr="フォルダのイラスト">
+            <a:extLst>
+              <a:ext uri="{FF2B5EF4-FFF2-40B4-BE49-F238E27FC236}">
+                <a16:creationId xmlns:a16="http://schemas.microsoft.com/office/drawing/2014/main" id="{4CED145E-4633-4BC9-95C9-3724E4BE8C9A}"/>
               </a:ext>
             </a:extLst>
           </p:cNvPr>
@@ -16185,7 +16723,7 @@
         </p:blipFill>
         <p:spPr bwMode="auto">
           <a:xfrm>
-            <a:off x="5641169" y="3356992"/>
+            <a:off x="6084168" y="2132856"/>
             <a:ext cx="702078" cy="587990"/>
           </a:xfrm>
           <a:prstGeom prst="rect">
@@ -16205,10 +16743,10 @@
       </p:pic>
       <p:sp>
         <p:nvSpPr>
-          <p:cNvPr id="19" name="テキスト ボックス 18">
-            <a:extLst>
-              <a:ext uri="{FF2B5EF4-FFF2-40B4-BE49-F238E27FC236}">
-                <a16:creationId xmlns:a16="http://schemas.microsoft.com/office/drawing/2014/main" id="{8FE4AB1F-7773-4A51-B51A-075764F71726}"/>
+          <p:cNvPr id="25" name="テキスト ボックス 24">
+            <a:extLst>
+              <a:ext uri="{FF2B5EF4-FFF2-40B4-BE49-F238E27FC236}">
+                <a16:creationId xmlns:a16="http://schemas.microsoft.com/office/drawing/2014/main" id="{AE57AF4C-CBE6-45D0-A78B-1479F523196D}"/>
               </a:ext>
             </a:extLst>
           </p:cNvPr>
@@ -16217,7 +16755,7 @@
         </p:nvSpPr>
         <p:spPr>
           <a:xfrm>
-            <a:off x="5796136" y="3429000"/>
+            <a:off x="6231910" y="2564904"/>
             <a:ext cx="428322" cy="369332"/>
           </a:xfrm>
           <a:prstGeom prst="rect">
@@ -16241,10 +16779,10 @@
       </p:sp>
       <p:pic>
         <p:nvPicPr>
-          <p:cNvPr id="20" name="Picture 2" descr="家のイラスト7">
-            <a:extLst>
-              <a:ext uri="{FF2B5EF4-FFF2-40B4-BE49-F238E27FC236}">
-                <a16:creationId xmlns:a16="http://schemas.microsoft.com/office/drawing/2014/main" id="{96C92BE0-04C8-484F-A127-C4CB590F4787}"/>
+          <p:cNvPr id="27" name="Picture 2" descr="家のイラスト7">
+            <a:extLst>
+              <a:ext uri="{FF2B5EF4-FFF2-40B4-BE49-F238E27FC236}">
+                <a16:creationId xmlns:a16="http://schemas.microsoft.com/office/drawing/2014/main" id="{8EFC7E64-0F23-4A38-8F9E-D9C772BBEFBD}"/>
               </a:ext>
             </a:extLst>
           </p:cNvPr>
@@ -16268,7 +16806,7 @@
         </p:blipFill>
         <p:spPr bwMode="auto">
           <a:xfrm>
-            <a:off x="5796136" y="2636912"/>
+            <a:off x="5004048" y="2276872"/>
             <a:ext cx="360040" cy="336637"/>
           </a:xfrm>
           <a:prstGeom prst="rect">
@@ -16286,12 +16824,113 @@
           </a:extLst>
         </p:spPr>
       </p:pic>
+      <p:cxnSp>
+        <p:nvCxnSpPr>
+          <p:cNvPr id="29" name="直線矢印コネクタ 28">
+            <a:extLst>
+              <a:ext uri="{FF2B5EF4-FFF2-40B4-BE49-F238E27FC236}">
+                <a16:creationId xmlns:a16="http://schemas.microsoft.com/office/drawing/2014/main" id="{66AA4814-C6FC-4E61-B1A5-67434C00CB5C}"/>
+              </a:ext>
+            </a:extLst>
+          </p:cNvPr>
+          <p:cNvCxnSpPr>
+            <a:stCxn id="21" idx="3"/>
+            <a:endCxn id="22" idx="1"/>
+          </p:cNvCxnSpPr>
+          <p:nvPr/>
+        </p:nvCxnSpPr>
+        <p:spPr>
+          <a:xfrm>
+            <a:off x="5562110" y="2426851"/>
+            <a:ext cx="522058" cy="0"/>
+          </a:xfrm>
+          <a:prstGeom prst="straightConnector1">
+            <a:avLst/>
+          </a:prstGeom>
+          <a:ln>
+            <a:solidFill>
+              <a:schemeClr val="tx1"/>
+            </a:solidFill>
+            <a:headEnd type="none" w="med" len="med"/>
+            <a:tailEnd type="none" w="med" len="med"/>
+          </a:ln>
+        </p:spPr>
+        <p:style>
+          <a:lnRef idx="1">
+            <a:schemeClr val="accent1"/>
+          </a:lnRef>
+          <a:fillRef idx="0">
+            <a:schemeClr val="accent1"/>
+          </a:fillRef>
+          <a:effectRef idx="0">
+            <a:schemeClr val="accent1"/>
+          </a:effectRef>
+          <a:fontRef idx="minor">
+            <a:schemeClr val="tx1"/>
+          </a:fontRef>
+        </p:style>
+      </p:cxnSp>
+      <p:sp>
+        <p:nvSpPr>
+          <p:cNvPr id="30" name="テキスト ボックス 29">
+            <a:extLst>
+              <a:ext uri="{FF2B5EF4-FFF2-40B4-BE49-F238E27FC236}">
+                <a16:creationId xmlns:a16="http://schemas.microsoft.com/office/drawing/2014/main" id="{3251D9D3-D373-49CD-B56F-E1FD520CBD51}"/>
+              </a:ext>
+            </a:extLst>
+          </p:cNvPr>
+          <p:cNvSpPr txBox="1"/>
+          <p:nvPr/>
+        </p:nvSpPr>
+        <p:spPr>
+          <a:xfrm>
+            <a:off x="755576" y="3284984"/>
+            <a:ext cx="4121641" cy="646331"/>
+          </a:xfrm>
+          <a:prstGeom prst="rect">
+            <a:avLst/>
+          </a:prstGeom>
+          <a:noFill/>
+        </p:spPr>
+        <p:txBody>
+          <a:bodyPr wrap="none" rtlCol="0">
+            <a:spAutoFit/>
+          </a:bodyPr>
+          <a:lstStyle/>
+          <a:p>
+            <a:r>
+              <a:rPr lang="ja-JP" altLang="en-US" dirty="0"/>
+              <a:t>ホームディレクトリに移動してから</a:t>
+            </a:r>
+            <a:endParaRPr lang="en-US" altLang="ja-JP" dirty="0"/>
+          </a:p>
+          <a:p>
+            <a:r>
+              <a:rPr kumimoji="1" lang="en-US" altLang="ja-JP" dirty="0"/>
+              <a:t>git</a:t>
+            </a:r>
+            <a:r>
+              <a:rPr kumimoji="1" lang="ja-JP" altLang="en-US" dirty="0"/>
+              <a:t>ディレクトリ</a:t>
+            </a:r>
+            <a:r>
+              <a:rPr kumimoji="1" lang="ja-JP" altLang="en-US"/>
+              <a:t>を作成</a:t>
+            </a:r>
+            <a:r>
+              <a:rPr lang="ja-JP" altLang="en-US"/>
+              <a:t>し、そこへ移動</a:t>
+            </a:r>
+            <a:endParaRPr kumimoji="1" lang="ja-JP" altLang="en-US" dirty="0"/>
+          </a:p>
+        </p:txBody>
+      </p:sp>
       <p:pic>
         <p:nvPicPr>
-          <p:cNvPr id="22" name="Picture 2" descr="フォルダのイラスト">
-            <a:extLst>
-              <a:ext uri="{FF2B5EF4-FFF2-40B4-BE49-F238E27FC236}">
-                <a16:creationId xmlns:a16="http://schemas.microsoft.com/office/drawing/2014/main" id="{87237FFD-E698-4ECB-AC79-701CA704CE9D}"/>
+          <p:cNvPr id="31" name="Picture 2" descr="手を上げている男の子のイラスト">
+            <a:extLst>
+              <a:ext uri="{FF2B5EF4-FFF2-40B4-BE49-F238E27FC236}">
+                <a16:creationId xmlns:a16="http://schemas.microsoft.com/office/drawing/2014/main" id="{1A3E7FD9-5330-4433-B2DC-09F1621EABF7}"/>
               </a:ext>
             </a:extLst>
           </p:cNvPr>
@@ -16301,7 +16940,7 @@
           <p:nvPr/>
         </p:nvPicPr>
         <p:blipFill>
-          <a:blip r:embed="rId2" cstate="print">
+          <a:blip r:embed="rId4" cstate="print">
             <a:extLst>
               <a:ext uri="{28A0092B-C50C-407E-A947-70E740481C1C}">
                 <a14:useLocalDpi xmlns:a14="http://schemas.microsoft.com/office/drawing/2010/main" val="0"/>
@@ -16315,8 +16954,8 @@
         </p:blipFill>
         <p:spPr bwMode="auto">
           <a:xfrm>
-            <a:off x="5652120" y="4293096"/>
-            <a:ext cx="702078" cy="587990"/>
+            <a:off x="6237012" y="1484784"/>
+            <a:ext cx="385188" cy="536848"/>
           </a:xfrm>
           <a:prstGeom prst="rect">
             <a:avLst/>
@@ -16335,10 +16974,10 @@
       </p:pic>
       <p:sp>
         <p:nvSpPr>
-          <p:cNvPr id="23" name="テキスト ボックス 22">
-            <a:extLst>
-              <a:ext uri="{FF2B5EF4-FFF2-40B4-BE49-F238E27FC236}">
-                <a16:creationId xmlns:a16="http://schemas.microsoft.com/office/drawing/2014/main" id="{66EC6AA8-F466-4F88-B288-5D0543BFDEEC}"/>
+          <p:cNvPr id="32" name="テキスト ボックス 31">
+            <a:extLst>
+              <a:ext uri="{FF2B5EF4-FFF2-40B4-BE49-F238E27FC236}">
+                <a16:creationId xmlns:a16="http://schemas.microsoft.com/office/drawing/2014/main" id="{362DFEEA-286C-496A-9AF0-12927DFD9C26}"/>
               </a:ext>
             </a:extLst>
           </p:cNvPr>
@@ -16347,8 +16986,8 @@
         </p:nvSpPr>
         <p:spPr>
           <a:xfrm>
-            <a:off x="5724128" y="4437112"/>
-            <a:ext cx="556563" cy="369332"/>
+            <a:off x="6732240" y="1556792"/>
+            <a:ext cx="1569660" cy="646331"/>
           </a:xfrm>
           <a:prstGeom prst="rect">
             <a:avLst/>
@@ -16362,19 +17001,136 @@
           <a:lstStyle/>
           <a:p>
             <a:r>
+              <a:rPr lang="ja-JP" altLang="en-US" dirty="0"/>
+              <a:t>カレント</a:t>
+            </a:r>
+            <a:endParaRPr lang="en-US" altLang="ja-JP" dirty="0"/>
+          </a:p>
+          <a:p>
+            <a:r>
+              <a:rPr lang="ja-JP" altLang="en-US" dirty="0"/>
+              <a:t>ディレクトリ</a:t>
+            </a:r>
+            <a:endParaRPr kumimoji="1" lang="ja-JP" altLang="en-US" dirty="0"/>
+          </a:p>
+        </p:txBody>
+      </p:sp>
+      <p:sp>
+        <p:nvSpPr>
+          <p:cNvPr id="33" name="テキスト ボックス 32">
+            <a:extLst>
+              <a:ext uri="{FF2B5EF4-FFF2-40B4-BE49-F238E27FC236}">
+                <a16:creationId xmlns:a16="http://schemas.microsoft.com/office/drawing/2014/main" id="{301D5A89-DD8F-4621-9496-D65A0CAE355D}"/>
+              </a:ext>
+            </a:extLst>
+          </p:cNvPr>
+          <p:cNvSpPr txBox="1"/>
+          <p:nvPr/>
+        </p:nvSpPr>
+        <p:spPr>
+          <a:xfrm>
+            <a:off x="539552" y="4509120"/>
+            <a:ext cx="1595309" cy="707886"/>
+          </a:xfrm>
+          <a:prstGeom prst="rect">
+            <a:avLst/>
+          </a:prstGeom>
+          <a:noFill/>
+          <a:ln>
+            <a:solidFill>
+              <a:schemeClr val="tx1"/>
+            </a:solidFill>
+          </a:ln>
+        </p:spPr>
+        <p:txBody>
+          <a:bodyPr wrap="none" rtlCol="0">
+            <a:spAutoFit/>
+          </a:bodyPr>
+          <a:lstStyle/>
+          <a:p>
+            <a:r>
+              <a:rPr kumimoji="1" lang="en-US" altLang="ja-JP" sz="2000" dirty="0" err="1">
+                <a:latin typeface="Consolas" panose="020B0609020204030204" pitchFamily="49" charset="0"/>
+              </a:rPr>
+              <a:t>mkdir</a:t>
+            </a:r>
+            <a:r>
+              <a:rPr kumimoji="1" lang="en-US" altLang="ja-JP" sz="2000" dirty="0">
+                <a:latin typeface="Consolas" panose="020B0609020204030204" pitchFamily="49" charset="0"/>
+              </a:rPr>
+              <a:t> test</a:t>
+            </a:r>
+          </a:p>
+          <a:p>
+            <a:r>
+              <a:rPr kumimoji="1" lang="en-US" altLang="ja-JP" sz="2000" dirty="0">
+                <a:latin typeface="Consolas" panose="020B0609020204030204" pitchFamily="49" charset="0"/>
+              </a:rPr>
+              <a:t>cd test</a:t>
+            </a:r>
+            <a:endParaRPr kumimoji="1" lang="ja-JP" altLang="en-US" sz="2000" dirty="0">
+              <a:latin typeface="Consolas" panose="020B0609020204030204" pitchFamily="49" charset="0"/>
+            </a:endParaRPr>
+          </a:p>
+        </p:txBody>
+      </p:sp>
+      <p:sp>
+        <p:nvSpPr>
+          <p:cNvPr id="34" name="テキスト ボックス 33">
+            <a:extLst>
+              <a:ext uri="{FF2B5EF4-FFF2-40B4-BE49-F238E27FC236}">
+                <a16:creationId xmlns:a16="http://schemas.microsoft.com/office/drawing/2014/main" id="{6C57A7F4-9FAB-477B-B2AC-3399556274E9}"/>
+              </a:ext>
+            </a:extLst>
+          </p:cNvPr>
+          <p:cNvSpPr txBox="1"/>
+          <p:nvPr/>
+        </p:nvSpPr>
+        <p:spPr>
+          <a:xfrm>
+            <a:off x="755576" y="5373216"/>
+            <a:ext cx="3788217" cy="646331"/>
+          </a:xfrm>
+          <a:prstGeom prst="rect">
+            <a:avLst/>
+          </a:prstGeom>
+          <a:noFill/>
+        </p:spPr>
+        <p:txBody>
+          <a:bodyPr wrap="none" rtlCol="0">
+            <a:spAutoFit/>
+          </a:bodyPr>
+          <a:lstStyle/>
+          <a:p>
+            <a:r>
+              <a:rPr kumimoji="1" lang="ja-JP" altLang="en-US" dirty="0"/>
+              <a:t>さらに</a:t>
+            </a:r>
+            <a:r>
               <a:rPr kumimoji="1" lang="en-US" altLang="ja-JP" dirty="0"/>
               <a:t>test</a:t>
             </a:r>
+            <a:r>
+              <a:rPr kumimoji="1" lang="ja-JP" altLang="en-US" dirty="0"/>
+              <a:t>ディレクトリを作成して</a:t>
+            </a:r>
+            <a:endParaRPr kumimoji="1" lang="en-US" altLang="ja-JP" dirty="0"/>
+          </a:p>
+          <a:p>
+            <a:r>
+              <a:rPr lang="ja-JP" altLang="en-US" dirty="0"/>
+              <a:t>そこへ移動</a:t>
+            </a:r>
             <a:endParaRPr kumimoji="1" lang="ja-JP" altLang="en-US" dirty="0"/>
           </a:p>
         </p:txBody>
       </p:sp>
       <p:pic>
         <p:nvPicPr>
-          <p:cNvPr id="24" name="Picture 2" descr="手を上げている男の子のイラスト">
-            <a:extLst>
-              <a:ext uri="{FF2B5EF4-FFF2-40B4-BE49-F238E27FC236}">
-                <a16:creationId xmlns:a16="http://schemas.microsoft.com/office/drawing/2014/main" id="{BFA8CAA8-BE2C-4A11-A5A6-FDC72144C55E}"/>
+          <p:cNvPr id="35" name="Picture 2" descr="フォルダのイラスト">
+            <a:extLst>
+              <a:ext uri="{FF2B5EF4-FFF2-40B4-BE49-F238E27FC236}">
+                <a16:creationId xmlns:a16="http://schemas.microsoft.com/office/drawing/2014/main" id="{BF168D21-995B-4069-A814-84BD3BF10379}"/>
               </a:ext>
             </a:extLst>
           </p:cNvPr>
@@ -16384,7 +17140,7 @@
           <p:nvPr/>
         </p:nvPicPr>
         <p:blipFill>
-          <a:blip r:embed="rId4" cstate="print">
+          <a:blip r:embed="rId2" cstate="print">
             <a:extLst>
               <a:ext uri="{28A0092B-C50C-407E-A947-70E740481C1C}">
                 <a14:useLocalDpi xmlns:a14="http://schemas.microsoft.com/office/drawing/2010/main" val="0"/>
@@ -16398,8 +17154,8 @@
         </p:blipFill>
         <p:spPr bwMode="auto">
           <a:xfrm>
-            <a:off x="5144338" y="4293096"/>
-            <a:ext cx="385188" cy="536848"/>
+            <a:off x="4860032" y="5157192"/>
+            <a:ext cx="702078" cy="587990"/>
           </a:xfrm>
           <a:prstGeom prst="rect">
             <a:avLst/>
@@ -16418,10 +17174,10 @@
       </p:pic>
       <p:pic>
         <p:nvPicPr>
-          <p:cNvPr id="26" name="Picture 2" descr="ファイルアイコン（テキスト）">
-            <a:extLst>
-              <a:ext uri="{FF2B5EF4-FFF2-40B4-BE49-F238E27FC236}">
-                <a16:creationId xmlns:a16="http://schemas.microsoft.com/office/drawing/2014/main" id="{D83F88DB-5F15-49EC-9D1E-2F0F7A92935B}"/>
+          <p:cNvPr id="36" name="Picture 2" descr="フォルダのイラスト">
+            <a:extLst>
+              <a:ext uri="{FF2B5EF4-FFF2-40B4-BE49-F238E27FC236}">
+                <a16:creationId xmlns:a16="http://schemas.microsoft.com/office/drawing/2014/main" id="{F5D3659D-A854-45A2-BA9D-4F4D2CE423DA}"/>
               </a:ext>
             </a:extLst>
           </p:cNvPr>
@@ -16431,7 +17187,7 @@
           <p:nvPr/>
         </p:nvPicPr>
         <p:blipFill>
-          <a:blip r:embed="rId5" cstate="print">
+          <a:blip r:embed="rId2" cstate="print">
             <a:extLst>
               <a:ext uri="{28A0092B-C50C-407E-A947-70E740481C1C}">
                 <a14:useLocalDpi xmlns:a14="http://schemas.microsoft.com/office/drawing/2010/main" val="0"/>
@@ -16445,8 +17201,8 @@
         </p:blipFill>
         <p:spPr bwMode="auto">
           <a:xfrm>
-            <a:off x="6804248" y="5301208"/>
-            <a:ext cx="484265" cy="562372"/>
+            <a:off x="6084168" y="5157192"/>
+            <a:ext cx="702078" cy="587990"/>
           </a:xfrm>
           <a:prstGeom prst="rect">
             <a:avLst/>
@@ -16465,10 +17221,10 @@
       </p:pic>
       <p:sp>
         <p:nvSpPr>
-          <p:cNvPr id="28" name="テキスト ボックス 27">
-            <a:extLst>
-              <a:ext uri="{FF2B5EF4-FFF2-40B4-BE49-F238E27FC236}">
-                <a16:creationId xmlns:a16="http://schemas.microsoft.com/office/drawing/2014/main" id="{5B814B22-C6E2-4292-AE9A-8D6A9E02089D}"/>
+          <p:cNvPr id="37" name="テキスト ボックス 36">
+            <a:extLst>
+              <a:ext uri="{FF2B5EF4-FFF2-40B4-BE49-F238E27FC236}">
+                <a16:creationId xmlns:a16="http://schemas.microsoft.com/office/drawing/2014/main" id="{5EF9FCCA-6BFA-4E02-A703-8517A7458E3A}"/>
               </a:ext>
             </a:extLst>
           </p:cNvPr>
@@ -16477,8 +17233,8 @@
         </p:nvSpPr>
         <p:spPr>
           <a:xfrm>
-            <a:off x="6372200" y="5877272"/>
-            <a:ext cx="1324402" cy="369332"/>
+            <a:off x="6231910" y="5589240"/>
+            <a:ext cx="428322" cy="369332"/>
           </a:xfrm>
           <a:prstGeom prst="rect">
             <a:avLst/>
@@ -16492,37 +17248,81 @@
           <a:lstStyle/>
           <a:p>
             <a:r>
-              <a:rPr kumimoji="1" lang="en-US" altLang="ja-JP" dirty="0">
-                <a:latin typeface="Consolas" panose="020B0609020204030204" pitchFamily="49" charset="0"/>
-              </a:rPr>
-              <a:t>README.md</a:t>
-            </a:r>
-            <a:endParaRPr kumimoji="1" lang="ja-JP" altLang="en-US" dirty="0">
-              <a:latin typeface="Consolas" panose="020B0609020204030204" pitchFamily="49" charset="0"/>
-            </a:endParaRPr>
-          </a:p>
-        </p:txBody>
-      </p:sp>
+              <a:rPr kumimoji="1" lang="en-US" altLang="ja-JP" dirty="0"/>
+              <a:t>git</a:t>
+            </a:r>
+            <a:endParaRPr kumimoji="1" lang="ja-JP" altLang="en-US" dirty="0"/>
+          </a:p>
+        </p:txBody>
+      </p:sp>
+      <p:pic>
+        <p:nvPicPr>
+          <p:cNvPr id="38" name="Picture 2" descr="家のイラスト7">
+            <a:extLst>
+              <a:ext uri="{FF2B5EF4-FFF2-40B4-BE49-F238E27FC236}">
+                <a16:creationId xmlns:a16="http://schemas.microsoft.com/office/drawing/2014/main" id="{A7DD775C-2EF4-49AD-8BBA-CB42A18B49E7}"/>
+              </a:ext>
+            </a:extLst>
+          </p:cNvPr>
+          <p:cNvPicPr>
+            <a:picLocks noChangeAspect="1" noChangeArrowheads="1"/>
+          </p:cNvPicPr>
+          <p:nvPr/>
+        </p:nvPicPr>
+        <p:blipFill>
+          <a:blip r:embed="rId3" cstate="print">
+            <a:extLst>
+              <a:ext uri="{28A0092B-C50C-407E-A947-70E740481C1C}">
+                <a14:useLocalDpi xmlns:a14="http://schemas.microsoft.com/office/drawing/2010/main" val="0"/>
+              </a:ext>
+            </a:extLst>
+          </a:blip>
+          <a:srcRect/>
+          <a:stretch>
+            <a:fillRect/>
+          </a:stretch>
+        </p:blipFill>
+        <p:spPr bwMode="auto">
+          <a:xfrm>
+            <a:off x="5004048" y="5301208"/>
+            <a:ext cx="360040" cy="336637"/>
+          </a:xfrm>
+          <a:prstGeom prst="rect">
+            <a:avLst/>
+          </a:prstGeom>
+          <a:noFill/>
+          <a:extLst>
+            <a:ext uri="{909E8E84-426E-40DD-AFC4-6F175D3DCCD1}">
+              <a14:hiddenFill xmlns:a14="http://schemas.microsoft.com/office/drawing/2010/main">
+                <a:solidFill>
+                  <a:srgbClr val="FFFFFF"/>
+                </a:solidFill>
+              </a14:hiddenFill>
+            </a:ext>
+          </a:extLst>
+        </p:spPr>
+      </p:pic>
       <p:cxnSp>
         <p:nvCxnSpPr>
-          <p:cNvPr id="32" name="直線コネクタ 31">
-            <a:extLst>
-              <a:ext uri="{FF2B5EF4-FFF2-40B4-BE49-F238E27FC236}">
-                <a16:creationId xmlns:a16="http://schemas.microsoft.com/office/drawing/2014/main" id="{4D4D6C26-848C-4248-B488-E4C7152D1C03}"/>
+          <p:cNvPr id="39" name="直線矢印コネクタ 38">
+            <a:extLst>
+              <a:ext uri="{FF2B5EF4-FFF2-40B4-BE49-F238E27FC236}">
+                <a16:creationId xmlns:a16="http://schemas.microsoft.com/office/drawing/2014/main" id="{4CE213D7-D7E2-47D6-A11C-5501D1473BE3}"/>
               </a:ext>
             </a:extLst>
           </p:cNvPr>
           <p:cNvCxnSpPr>
-            <a:cxnSpLocks/>
+            <a:stCxn id="35" idx="3"/>
+            <a:endCxn id="36" idx="1"/>
           </p:cNvCxnSpPr>
           <p:nvPr/>
         </p:nvCxnSpPr>
         <p:spPr>
           <a:xfrm>
-            <a:off x="6012160" y="3068960"/>
-            <a:ext cx="1" cy="276106"/>
-          </a:xfrm>
-          <a:prstGeom prst="line">
+            <a:off x="5562110" y="5451187"/>
+            <a:ext cx="522058" cy="0"/>
+          </a:xfrm>
+          <a:prstGeom prst="straightConnector1">
             <a:avLst/>
           </a:prstGeom>
           <a:ln>
@@ -16548,175 +17348,59 @@
           </a:fontRef>
         </p:style>
       </p:cxnSp>
-      <p:sp>
-        <p:nvSpPr>
-          <p:cNvPr id="37" name="円柱 36">
-            <a:extLst>
-              <a:ext uri="{FF2B5EF4-FFF2-40B4-BE49-F238E27FC236}">
-                <a16:creationId xmlns:a16="http://schemas.microsoft.com/office/drawing/2014/main" id="{FB089477-84E1-465E-A03D-9A8EF23FD339}"/>
-              </a:ext>
-            </a:extLst>
-          </p:cNvPr>
-          <p:cNvSpPr/>
-          <p:nvPr/>
-        </p:nvSpPr>
-        <p:spPr>
-          <a:xfrm>
-            <a:off x="5716379" y="5301208"/>
-            <a:ext cx="576064" cy="496072"/>
-          </a:xfrm>
-          <a:prstGeom prst="can">
-            <a:avLst/>
-          </a:prstGeom>
-          <a:solidFill>
-            <a:schemeClr val="accent2">
-              <a:lumMod val="20000"/>
-              <a:lumOff val="80000"/>
-            </a:schemeClr>
-          </a:solidFill>
-          <a:ln>
-            <a:solidFill>
-              <a:schemeClr val="tx1"/>
-            </a:solidFill>
-          </a:ln>
-        </p:spPr>
-        <p:style>
-          <a:lnRef idx="2">
-            <a:schemeClr val="accent1">
-              <a:shade val="50000"/>
-            </a:schemeClr>
-          </a:lnRef>
-          <a:fillRef idx="1">
-            <a:schemeClr val="accent1"/>
-          </a:fillRef>
-          <a:effectRef idx="0">
-            <a:schemeClr val="accent1"/>
-          </a:effectRef>
-          <a:fontRef idx="minor">
-            <a:schemeClr val="lt1"/>
-          </a:fontRef>
-        </p:style>
-        <p:txBody>
-          <a:bodyPr rtlCol="0" anchor="ctr"/>
-          <a:lstStyle/>
-          <a:p>
-            <a:pPr algn="ctr"/>
-            <a:r>
-              <a:rPr kumimoji="1" lang="en-US" altLang="ja-JP" sz="1200" dirty="0">
+      <p:pic>
+        <p:nvPicPr>
+          <p:cNvPr id="40" name="Picture 2" descr="フォルダのイラスト">
+            <a:extLst>
+              <a:ext uri="{FF2B5EF4-FFF2-40B4-BE49-F238E27FC236}">
+                <a16:creationId xmlns:a16="http://schemas.microsoft.com/office/drawing/2014/main" id="{0D4DCE5E-265F-4131-8C70-145C957F5973}"/>
+              </a:ext>
+            </a:extLst>
+          </p:cNvPr>
+          <p:cNvPicPr>
+            <a:picLocks noChangeAspect="1" noChangeArrowheads="1"/>
+          </p:cNvPicPr>
+          <p:nvPr/>
+        </p:nvPicPr>
+        <p:blipFill>
+          <a:blip r:embed="rId2" cstate="print">
+            <a:extLst>
+              <a:ext uri="{28A0092B-C50C-407E-A947-70E740481C1C}">
+                <a14:useLocalDpi xmlns:a14="http://schemas.microsoft.com/office/drawing/2010/main" val="0"/>
+              </a:ext>
+            </a:extLst>
+          </a:blip>
+          <a:srcRect/>
+          <a:stretch>
+            <a:fillRect/>
+          </a:stretch>
+        </p:blipFill>
+        <p:spPr bwMode="auto">
+          <a:xfrm>
+            <a:off x="7380312" y="5157192"/>
+            <a:ext cx="702078" cy="587990"/>
+          </a:xfrm>
+          <a:prstGeom prst="rect">
+            <a:avLst/>
+          </a:prstGeom>
+          <a:noFill/>
+          <a:extLst>
+            <a:ext uri="{909E8E84-426E-40DD-AFC4-6F175D3DCCD1}">
+              <a14:hiddenFill xmlns:a14="http://schemas.microsoft.com/office/drawing/2010/main">
                 <a:solidFill>
-                  <a:schemeClr val="tx1"/>
+                  <a:srgbClr val="FFFFFF"/>
                 </a:solidFill>
-                <a:latin typeface="Consolas" panose="020B0609020204030204" pitchFamily="49" charset="0"/>
-              </a:rPr>
-              <a:t>.git</a:t>
-            </a:r>
-            <a:endParaRPr kumimoji="1" lang="ja-JP" altLang="en-US" sz="1200" dirty="0">
-              <a:solidFill>
-                <a:schemeClr val="tx1"/>
-              </a:solidFill>
-              <a:latin typeface="Consolas" panose="020B0609020204030204" pitchFamily="49" charset="0"/>
-            </a:endParaRPr>
-          </a:p>
-        </p:txBody>
-      </p:sp>
-      <p:cxnSp>
-        <p:nvCxnSpPr>
-          <p:cNvPr id="39" name="コネクタ: カギ線 38">
-            <a:extLst>
-              <a:ext uri="{FF2B5EF4-FFF2-40B4-BE49-F238E27FC236}">
-                <a16:creationId xmlns:a16="http://schemas.microsoft.com/office/drawing/2014/main" id="{780D1C17-4B15-4CCD-84D0-A1866F77A685}"/>
-              </a:ext>
-            </a:extLst>
-          </p:cNvPr>
-          <p:cNvCxnSpPr>
-            <a:stCxn id="22" idx="2"/>
-            <a:endCxn id="26" idx="0"/>
-          </p:cNvCxnSpPr>
-          <p:nvPr/>
-        </p:nvCxnSpPr>
-        <p:spPr>
-          <a:xfrm rot="16200000" flipH="1">
-            <a:off x="6314709" y="4569536"/>
-            <a:ext cx="420122" cy="1043222"/>
-          </a:xfrm>
-          <a:prstGeom prst="bentConnector3">
-            <a:avLst/>
-          </a:prstGeom>
-          <a:ln>
-            <a:solidFill>
-              <a:schemeClr val="tx1"/>
-            </a:solidFill>
-            <a:headEnd type="none" w="med" len="med"/>
-            <a:tailEnd type="none" w="med" len="med"/>
-          </a:ln>
-        </p:spPr>
-        <p:style>
-          <a:lnRef idx="1">
-            <a:schemeClr val="accent1"/>
-          </a:lnRef>
-          <a:fillRef idx="0">
-            <a:schemeClr val="accent1"/>
-          </a:fillRef>
-          <a:effectRef idx="0">
-            <a:schemeClr val="accent1"/>
-          </a:effectRef>
-          <a:fontRef idx="minor">
-            <a:schemeClr val="tx1"/>
-          </a:fontRef>
-        </p:style>
-      </p:cxnSp>
-      <p:cxnSp>
-        <p:nvCxnSpPr>
-          <p:cNvPr id="41" name="直線コネクタ 40">
-            <a:extLst>
-              <a:ext uri="{FF2B5EF4-FFF2-40B4-BE49-F238E27FC236}">
-                <a16:creationId xmlns:a16="http://schemas.microsoft.com/office/drawing/2014/main" id="{D527BD5F-8994-4FD4-B37E-14972D4A5ECD}"/>
-              </a:ext>
-            </a:extLst>
-          </p:cNvPr>
-          <p:cNvCxnSpPr>
-            <a:stCxn id="22" idx="2"/>
-            <a:endCxn id="37" idx="1"/>
-          </p:cNvCxnSpPr>
-          <p:nvPr/>
-        </p:nvCxnSpPr>
-        <p:spPr>
-          <a:xfrm>
-            <a:off x="6003159" y="4881086"/>
-            <a:ext cx="1252" cy="420122"/>
-          </a:xfrm>
-          <a:prstGeom prst="line">
-            <a:avLst/>
-          </a:prstGeom>
-          <a:ln>
-            <a:solidFill>
-              <a:schemeClr val="tx1"/>
-            </a:solidFill>
-            <a:headEnd type="none" w="med" len="med"/>
-            <a:tailEnd type="none" w="med" len="med"/>
-          </a:ln>
-        </p:spPr>
-        <p:style>
-          <a:lnRef idx="1">
-            <a:schemeClr val="accent1"/>
-          </a:lnRef>
-          <a:fillRef idx="0">
-            <a:schemeClr val="accent1"/>
-          </a:fillRef>
-          <a:effectRef idx="0">
-            <a:schemeClr val="accent1"/>
-          </a:effectRef>
-          <a:fontRef idx="minor">
-            <a:schemeClr val="tx1"/>
-          </a:fontRef>
-        </p:style>
-      </p:cxnSp>
-      <p:sp>
-        <p:nvSpPr>
-          <p:cNvPr id="42" name="テキスト ボックス 41">
-            <a:extLst>
-              <a:ext uri="{FF2B5EF4-FFF2-40B4-BE49-F238E27FC236}">
-                <a16:creationId xmlns:a16="http://schemas.microsoft.com/office/drawing/2014/main" id="{344FBCD8-7A8F-4A5D-B382-3FE27B2EE256}"/>
+              </a14:hiddenFill>
+            </a:ext>
+          </a:extLst>
+        </p:spPr>
+      </p:pic>
+      <p:sp>
+        <p:nvSpPr>
+          <p:cNvPr id="41" name="テキスト ボックス 40">
+            <a:extLst>
+              <a:ext uri="{FF2B5EF4-FFF2-40B4-BE49-F238E27FC236}">
+                <a16:creationId xmlns:a16="http://schemas.microsoft.com/office/drawing/2014/main" id="{5021F8FC-BB61-4643-B355-E94A1806EEAB}"/>
               </a:ext>
             </a:extLst>
           </p:cNvPr>
@@ -16725,8 +17409,8 @@
         </p:nvSpPr>
         <p:spPr>
           <a:xfrm>
-            <a:off x="1835696" y="5301208"/>
-            <a:ext cx="3031599" cy="646331"/>
+            <a:off x="7452320" y="5661248"/>
+            <a:ext cx="556563" cy="369332"/>
           </a:xfrm>
           <a:prstGeom prst="rect">
             <a:avLst/>
@@ -16741,109 +17425,81 @@
           <a:p>
             <a:r>
               <a:rPr kumimoji="1" lang="en-US" altLang="ja-JP" dirty="0"/>
-              <a:t>.git</a:t>
-            </a:r>
-            <a:r>
-              <a:rPr kumimoji="1" lang="ja-JP" altLang="en-US" dirty="0"/>
-              <a:t>ディレクトリが作られ、</a:t>
-            </a:r>
-            <a:endParaRPr kumimoji="1" lang="en-US" altLang="ja-JP" dirty="0"/>
-          </a:p>
-          <a:p>
-            <a:r>
-              <a:rPr lang="en-US" altLang="ja-JP" dirty="0"/>
               <a:t>test</a:t>
             </a:r>
-            <a:r>
-              <a:rPr lang="ja-JP" altLang="en-US" dirty="0"/>
-              <a:t>が</a:t>
-            </a:r>
-            <a:r>
-              <a:rPr lang="en-US" altLang="ja-JP" dirty="0"/>
-              <a:t>git</a:t>
-            </a:r>
-            <a:r>
-              <a:rPr lang="ja-JP" altLang="en-US" dirty="0"/>
-              <a:t>管理下に入る</a:t>
-            </a:r>
             <a:endParaRPr kumimoji="1" lang="ja-JP" altLang="en-US" dirty="0"/>
           </a:p>
         </p:txBody>
       </p:sp>
-      <p:sp>
-        <p:nvSpPr>
-          <p:cNvPr id="43" name="矢印: 右 42">
-            <a:extLst>
-              <a:ext uri="{FF2B5EF4-FFF2-40B4-BE49-F238E27FC236}">
-                <a16:creationId xmlns:a16="http://schemas.microsoft.com/office/drawing/2014/main" id="{373C243E-6166-44CF-8E1A-E2CD3FA62F7F}"/>
-              </a:ext>
-            </a:extLst>
-          </p:cNvPr>
-          <p:cNvSpPr/>
-          <p:nvPr/>
-        </p:nvSpPr>
-        <p:spPr>
-          <a:xfrm>
-            <a:off x="4860032" y="5373216"/>
-            <a:ext cx="648072" cy="412624"/>
-          </a:xfrm>
-          <a:prstGeom prst="rightArrow">
-            <a:avLst/>
-          </a:prstGeom>
-          <a:solidFill>
-            <a:srgbClr val="FF0000"/>
-          </a:solidFill>
-          <a:ln>
-            <a:solidFill>
-              <a:schemeClr val="tx1"/>
-            </a:solidFill>
-          </a:ln>
-        </p:spPr>
-        <p:style>
-          <a:lnRef idx="2">
-            <a:schemeClr val="accent1">
-              <a:shade val="50000"/>
-            </a:schemeClr>
-          </a:lnRef>
-          <a:fillRef idx="1">
-            <a:schemeClr val="accent1"/>
-          </a:fillRef>
-          <a:effectRef idx="0">
-            <a:schemeClr val="accent1"/>
-          </a:effectRef>
-          <a:fontRef idx="minor">
-            <a:schemeClr val="lt1"/>
-          </a:fontRef>
-        </p:style>
-        <p:txBody>
-          <a:bodyPr rtlCol="0" anchor="ctr"/>
-          <a:lstStyle/>
-          <a:p>
-            <a:pPr algn="ctr"/>
-            <a:endParaRPr kumimoji="1" lang="ja-JP" altLang="en-US"/>
-          </a:p>
-        </p:txBody>
-      </p:sp>
+      <p:pic>
+        <p:nvPicPr>
+          <p:cNvPr id="42" name="Picture 2" descr="手を上げている男の子のイラスト">
+            <a:extLst>
+              <a:ext uri="{FF2B5EF4-FFF2-40B4-BE49-F238E27FC236}">
+                <a16:creationId xmlns:a16="http://schemas.microsoft.com/office/drawing/2014/main" id="{79E650B2-C543-4EED-B3C8-171E65868E67}"/>
+              </a:ext>
+            </a:extLst>
+          </p:cNvPr>
+          <p:cNvPicPr>
+            <a:picLocks noChangeAspect="1" noChangeArrowheads="1"/>
+          </p:cNvPicPr>
+          <p:nvPr/>
+        </p:nvPicPr>
+        <p:blipFill>
+          <a:blip r:embed="rId4" cstate="print">
+            <a:extLst>
+              <a:ext uri="{28A0092B-C50C-407E-A947-70E740481C1C}">
+                <a14:useLocalDpi xmlns:a14="http://schemas.microsoft.com/office/drawing/2010/main" val="0"/>
+              </a:ext>
+            </a:extLst>
+          </a:blip>
+          <a:srcRect/>
+          <a:stretch>
+            <a:fillRect/>
+          </a:stretch>
+        </p:blipFill>
+        <p:spPr bwMode="auto">
+          <a:xfrm>
+            <a:off x="7524328" y="4509120"/>
+            <a:ext cx="385188" cy="536848"/>
+          </a:xfrm>
+          <a:prstGeom prst="rect">
+            <a:avLst/>
+          </a:prstGeom>
+          <a:noFill/>
+          <a:extLst>
+            <a:ext uri="{909E8E84-426E-40DD-AFC4-6F175D3DCCD1}">
+              <a14:hiddenFill xmlns:a14="http://schemas.microsoft.com/office/drawing/2010/main">
+                <a:solidFill>
+                  <a:srgbClr val="FFFFFF"/>
+                </a:solidFill>
+              </a14:hiddenFill>
+            </a:ext>
+          </a:extLst>
+        </p:spPr>
+      </p:pic>
       <p:cxnSp>
         <p:nvCxnSpPr>
-          <p:cNvPr id="45" name="直線コネクタ 44">
-            <a:extLst>
-              <a:ext uri="{FF2B5EF4-FFF2-40B4-BE49-F238E27FC236}">
-                <a16:creationId xmlns:a16="http://schemas.microsoft.com/office/drawing/2014/main" id="{621CC2CF-DE5F-4557-8A96-2DA816C1AC6C}"/>
+          <p:cNvPr id="43" name="直線矢印コネクタ 42">
+            <a:extLst>
+              <a:ext uri="{FF2B5EF4-FFF2-40B4-BE49-F238E27FC236}">
+                <a16:creationId xmlns:a16="http://schemas.microsoft.com/office/drawing/2014/main" id="{4ED3C703-CDC9-4077-9CE8-80CB0BE692C1}"/>
               </a:ext>
             </a:extLst>
           </p:cNvPr>
           <p:cNvCxnSpPr>
             <a:cxnSpLocks/>
+            <a:stCxn id="40" idx="1"/>
+            <a:endCxn id="36" idx="3"/>
           </p:cNvCxnSpPr>
           <p:nvPr/>
         </p:nvCxnSpPr>
         <p:spPr>
-          <a:xfrm>
-            <a:off x="6012160" y="3933056"/>
-            <a:ext cx="1" cy="276106"/>
-          </a:xfrm>
-          <a:prstGeom prst="line">
+          <a:xfrm flipH="1">
+            <a:off x="6786246" y="5451187"/>
+            <a:ext cx="594066" cy="0"/>
+          </a:xfrm>
+          <a:prstGeom prst="straightConnector1">
             <a:avLst/>
           </a:prstGeom>
           <a:ln>
@@ -16872,7 +17528,7 @@
     </p:spTree>
     <p:extLst>
       <p:ext uri="{BB962C8B-B14F-4D97-AF65-F5344CB8AC3E}">
-        <p14:creationId xmlns:p14="http://schemas.microsoft.com/office/powerpoint/2010/main" val="3149631915"/>
+        <p14:creationId xmlns:p14="http://schemas.microsoft.com/office/powerpoint/2010/main" val="555618142"/>
       </p:ext>
     </p:extLst>
   </p:cSld>

--- a/practice_basic/fig/slide.pptx
+++ b/practice_basic/fig/slide.pptx
@@ -5,7 +5,7 @@
     <p:sldMasterId id="2147483663" r:id="rId1"/>
   </p:sldMasterIdLst>
   <p:notesMasterIdLst>
-    <p:notesMasterId r:id="rId29"/>
+    <p:notesMasterId r:id="rId32"/>
   </p:notesMasterIdLst>
   <p:sldIdLst>
     <p:sldId id="256" r:id="rId2"/>
@@ -23,18 +23,21 @@
     <p:sldId id="404" r:id="rId14"/>
     <p:sldId id="405" r:id="rId15"/>
     <p:sldId id="382" r:id="rId16"/>
-    <p:sldId id="383" r:id="rId17"/>
-    <p:sldId id="384" r:id="rId18"/>
-    <p:sldId id="385" r:id="rId19"/>
-    <p:sldId id="386" r:id="rId20"/>
-    <p:sldId id="387" r:id="rId21"/>
-    <p:sldId id="388" r:id="rId22"/>
-    <p:sldId id="389" r:id="rId23"/>
-    <p:sldId id="390" r:id="rId24"/>
-    <p:sldId id="391" r:id="rId25"/>
-    <p:sldId id="392" r:id="rId26"/>
-    <p:sldId id="393" r:id="rId27"/>
-    <p:sldId id="394" r:id="rId28"/>
+    <p:sldId id="406" r:id="rId17"/>
+    <p:sldId id="407" r:id="rId18"/>
+    <p:sldId id="383" r:id="rId19"/>
+    <p:sldId id="384" r:id="rId20"/>
+    <p:sldId id="385" r:id="rId21"/>
+    <p:sldId id="386" r:id="rId22"/>
+    <p:sldId id="387" r:id="rId23"/>
+    <p:sldId id="388" r:id="rId24"/>
+    <p:sldId id="389" r:id="rId25"/>
+    <p:sldId id="390" r:id="rId26"/>
+    <p:sldId id="391" r:id="rId27"/>
+    <p:sldId id="392" r:id="rId28"/>
+    <p:sldId id="393" r:id="rId29"/>
+    <p:sldId id="408" r:id="rId30"/>
+    <p:sldId id="394" r:id="rId31"/>
   </p:sldIdLst>
   <p:sldSz cx="9144000" cy="6858000" type="screen4x3"/>
   <p:notesSz cx="6858000" cy="9144000"/>
@@ -233,7 +236,7 @@
           </a:lstStyle>
           <a:p>
             <a:fld id="{6B8D1B20-A248-FB47-8240-73C0C5F47C9D}" type="datetimeFigureOut">
-              <a:t>2022/11/2</a:t>
+              <a:t>2022/11/12</a:t>
             </a:fld>
             <a:endParaRPr kumimoji="1" lang="ja-JP" altLang="en-US"/>
           </a:p>
@@ -3572,7 +3575,7 @@
           <p:cNvPr id="2" name="テキスト プレースホルダー 1">
             <a:extLst>
               <a:ext uri="{FF2B5EF4-FFF2-40B4-BE49-F238E27FC236}">
-                <a16:creationId xmlns:a16="http://schemas.microsoft.com/office/drawing/2014/main" id="{1B4E82F7-D8C3-4EF4-9BE5-671029CE4F25}"/>
+                <a16:creationId xmlns:a16="http://schemas.microsoft.com/office/drawing/2014/main" id="{3F153DA6-5536-84C8-6F4B-062087E6005D}"/>
               </a:ext>
             </a:extLst>
           </p:cNvPr>
@@ -3589,570 +3592,75 @@
           <a:lstStyle/>
           <a:p>
             <a:r>
-              <a:rPr kumimoji="1" lang="ja-JP" altLang="en-US" dirty="0"/>
+              <a:rPr kumimoji="1" lang="ja-JP" altLang="en-US"/>
               <a:t>課題</a:t>
             </a:r>
             <a:r>
-              <a:rPr kumimoji="1" lang="en-US" altLang="ja-JP" dirty="0"/>
+              <a:rPr kumimoji="1" lang="en-US" altLang="ja-JP"/>
               <a:t> – Step </a:t>
             </a:r>
             <a:r>
-              <a:rPr lang="en-US" altLang="ja-JP" dirty="0"/>
+              <a:rPr lang="en-US" altLang="ja-JP"/>
               <a:t>2</a:t>
             </a:r>
             <a:endParaRPr kumimoji="1" lang="ja-JP" altLang="en-US" dirty="0"/>
-          </a:p>
-        </p:txBody>
-      </p:sp>
-      <p:sp>
-        <p:nvSpPr>
-          <p:cNvPr id="3" name="テキスト ボックス 2">
-            <a:extLst>
-              <a:ext uri="{FF2B5EF4-FFF2-40B4-BE49-F238E27FC236}">
-                <a16:creationId xmlns:a16="http://schemas.microsoft.com/office/drawing/2014/main" id="{7087E50B-F937-470F-A788-DADB82256C21}"/>
-              </a:ext>
-            </a:extLst>
-          </p:cNvPr>
-          <p:cNvSpPr txBox="1"/>
-          <p:nvPr/>
-        </p:nvSpPr>
-        <p:spPr>
-          <a:xfrm>
-            <a:off x="251520" y="1268760"/>
-            <a:ext cx="2954655" cy="461665"/>
-          </a:xfrm>
-          <a:prstGeom prst="rect">
-            <a:avLst/>
-          </a:prstGeom>
-          <a:noFill/>
-        </p:spPr>
-        <p:txBody>
-          <a:bodyPr wrap="none" rtlCol="0">
-            <a:spAutoFit/>
-          </a:bodyPr>
-          <a:lstStyle/>
-          <a:p>
-            <a:r>
-              <a:rPr lang="ja-JP" altLang="en-US" sz="2400" dirty="0"/>
-              <a:t>リポジトリの初期化</a:t>
-            </a:r>
-            <a:endParaRPr kumimoji="1" lang="ja-JP" altLang="en-US" sz="2400" dirty="0"/>
-          </a:p>
-        </p:txBody>
-      </p:sp>
-      <p:sp>
-        <p:nvSpPr>
-          <p:cNvPr id="4" name="テキスト ボックス 3">
-            <a:extLst>
-              <a:ext uri="{FF2B5EF4-FFF2-40B4-BE49-F238E27FC236}">
-                <a16:creationId xmlns:a16="http://schemas.microsoft.com/office/drawing/2014/main" id="{9E63A889-7056-4791-9531-03B0E36440CD}"/>
-              </a:ext>
-            </a:extLst>
-          </p:cNvPr>
-          <p:cNvSpPr txBox="1"/>
-          <p:nvPr/>
-        </p:nvSpPr>
-        <p:spPr>
-          <a:xfrm>
-            <a:off x="827584" y="1988840"/>
-            <a:ext cx="1313180" cy="400110"/>
-          </a:xfrm>
-          <a:prstGeom prst="rect">
-            <a:avLst/>
-          </a:prstGeom>
-          <a:noFill/>
-          <a:ln>
-            <a:solidFill>
-              <a:schemeClr val="tx1"/>
-            </a:solidFill>
-          </a:ln>
-        </p:spPr>
-        <p:txBody>
-          <a:bodyPr wrap="none" rtlCol="0">
-            <a:spAutoFit/>
-          </a:bodyPr>
-          <a:lstStyle/>
-          <a:p>
-            <a:r>
-              <a:rPr kumimoji="1" lang="en-US" altLang="ja-JP" sz="2000" dirty="0">
-                <a:latin typeface="Consolas" panose="020B0609020204030204" pitchFamily="49" charset="0"/>
-              </a:rPr>
-              <a:t>git init</a:t>
-            </a:r>
-            <a:endParaRPr kumimoji="1" lang="ja-JP" altLang="en-US" sz="2000" dirty="0">
-              <a:latin typeface="Consolas" panose="020B0609020204030204" pitchFamily="49" charset="0"/>
-            </a:endParaRPr>
           </a:p>
         </p:txBody>
       </p:sp>
       <p:pic>
         <p:nvPicPr>
-          <p:cNvPr id="17" name="Picture 2" descr="フォルダのイラスト">
-            <a:extLst>
-              <a:ext uri="{FF2B5EF4-FFF2-40B4-BE49-F238E27FC236}">
-                <a16:creationId xmlns:a16="http://schemas.microsoft.com/office/drawing/2014/main" id="{77C3F71E-1B79-4D45-BFD2-EC76A6B7A27C}"/>
+          <p:cNvPr id="4" name="図 3">
+            <a:extLst>
+              <a:ext uri="{FF2B5EF4-FFF2-40B4-BE49-F238E27FC236}">
+                <a16:creationId xmlns:a16="http://schemas.microsoft.com/office/drawing/2014/main" id="{150287C8-D1F8-6A67-1D3F-8F8BA695C2F7}"/>
               </a:ext>
             </a:extLst>
           </p:cNvPr>
           <p:cNvPicPr>
-            <a:picLocks noChangeAspect="1" noChangeArrowheads="1"/>
+            <a:picLocks noChangeAspect="1"/>
           </p:cNvPicPr>
           <p:nvPr/>
         </p:nvPicPr>
         <p:blipFill>
-          <a:blip r:embed="rId2" cstate="print">
-            <a:extLst>
-              <a:ext uri="{28A0092B-C50C-407E-A947-70E740481C1C}">
-                <a14:useLocalDpi xmlns:a14="http://schemas.microsoft.com/office/drawing/2010/main" val="0"/>
-              </a:ext>
-            </a:extLst>
-          </a:blip>
-          <a:srcRect/>
+          <a:blip r:embed="rId2"/>
           <a:stretch>
             <a:fillRect/>
           </a:stretch>
         </p:blipFill>
-        <p:spPr bwMode="auto">
-          <a:xfrm>
-            <a:off x="5652120" y="2492896"/>
-            <a:ext cx="702078" cy="587990"/>
+        <p:spPr>
+          <a:xfrm>
+            <a:off x="1619672" y="1484784"/>
+            <a:ext cx="5278639" cy="3024336"/>
           </a:xfrm>
           <a:prstGeom prst="rect">
             <a:avLst/>
           </a:prstGeom>
-          <a:noFill/>
-          <a:extLst>
-            <a:ext uri="{909E8E84-426E-40DD-AFC4-6F175D3DCCD1}">
-              <a14:hiddenFill xmlns:a14="http://schemas.microsoft.com/office/drawing/2010/main">
-                <a:solidFill>
-                  <a:srgbClr val="FFFFFF"/>
-                </a:solidFill>
-              </a14:hiddenFill>
-            </a:ext>
-          </a:extLst>
         </p:spPr>
       </p:pic>
-      <p:pic>
-        <p:nvPicPr>
-          <p:cNvPr id="18" name="Picture 2" descr="フォルダのイラスト">
-            <a:extLst>
-              <a:ext uri="{FF2B5EF4-FFF2-40B4-BE49-F238E27FC236}">
-                <a16:creationId xmlns:a16="http://schemas.microsoft.com/office/drawing/2014/main" id="{15B0C44E-9E01-48D7-BE8F-9649C4DADBB1}"/>
-              </a:ext>
-            </a:extLst>
-          </p:cNvPr>
-          <p:cNvPicPr>
-            <a:picLocks noChangeAspect="1" noChangeArrowheads="1"/>
-          </p:cNvPicPr>
-          <p:nvPr/>
-        </p:nvPicPr>
-        <p:blipFill>
-          <a:blip r:embed="rId2" cstate="print">
-            <a:extLst>
-              <a:ext uri="{28A0092B-C50C-407E-A947-70E740481C1C}">
-                <a14:useLocalDpi xmlns:a14="http://schemas.microsoft.com/office/drawing/2010/main" val="0"/>
-              </a:ext>
-            </a:extLst>
-          </a:blip>
-          <a:srcRect/>
-          <a:stretch>
-            <a:fillRect/>
-          </a:stretch>
-        </p:blipFill>
-        <p:spPr bwMode="auto">
-          <a:xfrm>
-            <a:off x="5641169" y="3356992"/>
-            <a:ext cx="702078" cy="587990"/>
-          </a:xfrm>
-          <a:prstGeom prst="rect">
-            <a:avLst/>
-          </a:prstGeom>
-          <a:noFill/>
-          <a:extLst>
-            <a:ext uri="{909E8E84-426E-40DD-AFC4-6F175D3DCCD1}">
-              <a14:hiddenFill xmlns:a14="http://schemas.microsoft.com/office/drawing/2010/main">
-                <a:solidFill>
-                  <a:srgbClr val="FFFFFF"/>
-                </a:solidFill>
-              </a14:hiddenFill>
-            </a:ext>
-          </a:extLst>
-        </p:spPr>
-      </p:pic>
-      <p:sp>
-        <p:nvSpPr>
-          <p:cNvPr id="19" name="テキスト ボックス 18">
-            <a:extLst>
-              <a:ext uri="{FF2B5EF4-FFF2-40B4-BE49-F238E27FC236}">
-                <a16:creationId xmlns:a16="http://schemas.microsoft.com/office/drawing/2014/main" id="{8FE4AB1F-7773-4A51-B51A-075764F71726}"/>
-              </a:ext>
-            </a:extLst>
-          </p:cNvPr>
-          <p:cNvSpPr txBox="1"/>
-          <p:nvPr/>
-        </p:nvSpPr>
-        <p:spPr>
-          <a:xfrm>
-            <a:off x="5796136" y="3429000"/>
-            <a:ext cx="428322" cy="369332"/>
-          </a:xfrm>
-          <a:prstGeom prst="rect">
-            <a:avLst/>
-          </a:prstGeom>
-          <a:noFill/>
-        </p:spPr>
-        <p:txBody>
-          <a:bodyPr wrap="none" rtlCol="0">
-            <a:spAutoFit/>
-          </a:bodyPr>
-          <a:lstStyle/>
-          <a:p>
-            <a:r>
-              <a:rPr kumimoji="1" lang="en-US" altLang="ja-JP" dirty="0"/>
-              <a:t>git</a:t>
-            </a:r>
-            <a:endParaRPr kumimoji="1" lang="ja-JP" altLang="en-US" dirty="0"/>
-          </a:p>
-        </p:txBody>
-      </p:sp>
-      <p:pic>
-        <p:nvPicPr>
-          <p:cNvPr id="20" name="Picture 2" descr="家のイラスト7">
-            <a:extLst>
-              <a:ext uri="{FF2B5EF4-FFF2-40B4-BE49-F238E27FC236}">
-                <a16:creationId xmlns:a16="http://schemas.microsoft.com/office/drawing/2014/main" id="{96C92BE0-04C8-484F-A127-C4CB590F4787}"/>
-              </a:ext>
-            </a:extLst>
-          </p:cNvPr>
-          <p:cNvPicPr>
-            <a:picLocks noChangeAspect="1" noChangeArrowheads="1"/>
-          </p:cNvPicPr>
-          <p:nvPr/>
-        </p:nvPicPr>
-        <p:blipFill>
-          <a:blip r:embed="rId3" cstate="print">
-            <a:extLst>
-              <a:ext uri="{28A0092B-C50C-407E-A947-70E740481C1C}">
-                <a14:useLocalDpi xmlns:a14="http://schemas.microsoft.com/office/drawing/2010/main" val="0"/>
-              </a:ext>
-            </a:extLst>
-          </a:blip>
-          <a:srcRect/>
-          <a:stretch>
-            <a:fillRect/>
-          </a:stretch>
-        </p:blipFill>
-        <p:spPr bwMode="auto">
-          <a:xfrm>
-            <a:off x="5796136" y="2636912"/>
-            <a:ext cx="360040" cy="336637"/>
-          </a:xfrm>
-          <a:prstGeom prst="rect">
-            <a:avLst/>
-          </a:prstGeom>
-          <a:noFill/>
-          <a:extLst>
-            <a:ext uri="{909E8E84-426E-40DD-AFC4-6F175D3DCCD1}">
-              <a14:hiddenFill xmlns:a14="http://schemas.microsoft.com/office/drawing/2010/main">
-                <a:solidFill>
-                  <a:srgbClr val="FFFFFF"/>
-                </a:solidFill>
-              </a14:hiddenFill>
-            </a:ext>
-          </a:extLst>
-        </p:spPr>
-      </p:pic>
-      <p:pic>
-        <p:nvPicPr>
-          <p:cNvPr id="22" name="Picture 2" descr="フォルダのイラスト">
-            <a:extLst>
-              <a:ext uri="{FF2B5EF4-FFF2-40B4-BE49-F238E27FC236}">
-                <a16:creationId xmlns:a16="http://schemas.microsoft.com/office/drawing/2014/main" id="{87237FFD-E698-4ECB-AC79-701CA704CE9D}"/>
-              </a:ext>
-            </a:extLst>
-          </p:cNvPr>
-          <p:cNvPicPr>
-            <a:picLocks noChangeAspect="1" noChangeArrowheads="1"/>
-          </p:cNvPicPr>
-          <p:nvPr/>
-        </p:nvPicPr>
-        <p:blipFill>
-          <a:blip r:embed="rId2" cstate="print">
-            <a:extLst>
-              <a:ext uri="{28A0092B-C50C-407E-A947-70E740481C1C}">
-                <a14:useLocalDpi xmlns:a14="http://schemas.microsoft.com/office/drawing/2010/main" val="0"/>
-              </a:ext>
-            </a:extLst>
-          </a:blip>
-          <a:srcRect/>
-          <a:stretch>
-            <a:fillRect/>
-          </a:stretch>
-        </p:blipFill>
-        <p:spPr bwMode="auto">
-          <a:xfrm>
-            <a:off x="5652120" y="4293096"/>
-            <a:ext cx="702078" cy="587990"/>
-          </a:xfrm>
-          <a:prstGeom prst="rect">
-            <a:avLst/>
-          </a:prstGeom>
-          <a:noFill/>
-          <a:extLst>
-            <a:ext uri="{909E8E84-426E-40DD-AFC4-6F175D3DCCD1}">
-              <a14:hiddenFill xmlns:a14="http://schemas.microsoft.com/office/drawing/2010/main">
-                <a:solidFill>
-                  <a:srgbClr val="FFFFFF"/>
-                </a:solidFill>
-              </a14:hiddenFill>
-            </a:ext>
-          </a:extLst>
-        </p:spPr>
-      </p:pic>
-      <p:sp>
-        <p:nvSpPr>
-          <p:cNvPr id="23" name="テキスト ボックス 22">
-            <a:extLst>
-              <a:ext uri="{FF2B5EF4-FFF2-40B4-BE49-F238E27FC236}">
-                <a16:creationId xmlns:a16="http://schemas.microsoft.com/office/drawing/2014/main" id="{66EC6AA8-F466-4F88-B288-5D0543BFDEEC}"/>
-              </a:ext>
-            </a:extLst>
-          </p:cNvPr>
-          <p:cNvSpPr txBox="1"/>
-          <p:nvPr/>
-        </p:nvSpPr>
-        <p:spPr>
-          <a:xfrm>
-            <a:off x="5724128" y="4437112"/>
-            <a:ext cx="556563" cy="369332"/>
-          </a:xfrm>
-          <a:prstGeom prst="rect">
-            <a:avLst/>
-          </a:prstGeom>
-          <a:noFill/>
-        </p:spPr>
-        <p:txBody>
-          <a:bodyPr wrap="none" rtlCol="0">
-            <a:spAutoFit/>
-          </a:bodyPr>
-          <a:lstStyle/>
-          <a:p>
-            <a:r>
-              <a:rPr kumimoji="1" lang="en-US" altLang="ja-JP" dirty="0"/>
-              <a:t>test</a:t>
-            </a:r>
-            <a:endParaRPr kumimoji="1" lang="ja-JP" altLang="en-US" dirty="0"/>
-          </a:p>
-        </p:txBody>
-      </p:sp>
-      <p:pic>
-        <p:nvPicPr>
-          <p:cNvPr id="24" name="Picture 2" descr="手を上げている男の子のイラスト">
-            <a:extLst>
-              <a:ext uri="{FF2B5EF4-FFF2-40B4-BE49-F238E27FC236}">
-                <a16:creationId xmlns:a16="http://schemas.microsoft.com/office/drawing/2014/main" id="{BFA8CAA8-BE2C-4A11-A5A6-FDC72144C55E}"/>
-              </a:ext>
-            </a:extLst>
-          </p:cNvPr>
-          <p:cNvPicPr>
-            <a:picLocks noChangeAspect="1" noChangeArrowheads="1"/>
-          </p:cNvPicPr>
-          <p:nvPr/>
-        </p:nvPicPr>
-        <p:blipFill>
-          <a:blip r:embed="rId4" cstate="print">
-            <a:extLst>
-              <a:ext uri="{28A0092B-C50C-407E-A947-70E740481C1C}">
-                <a14:useLocalDpi xmlns:a14="http://schemas.microsoft.com/office/drawing/2010/main" val="0"/>
-              </a:ext>
-            </a:extLst>
-          </a:blip>
-          <a:srcRect/>
-          <a:stretch>
-            <a:fillRect/>
-          </a:stretch>
-        </p:blipFill>
-        <p:spPr bwMode="auto">
-          <a:xfrm>
-            <a:off x="5144338" y="4293096"/>
-            <a:ext cx="385188" cy="536848"/>
-          </a:xfrm>
-          <a:prstGeom prst="rect">
-            <a:avLst/>
-          </a:prstGeom>
-          <a:noFill/>
-          <a:extLst>
-            <a:ext uri="{909E8E84-426E-40DD-AFC4-6F175D3DCCD1}">
-              <a14:hiddenFill xmlns:a14="http://schemas.microsoft.com/office/drawing/2010/main">
-                <a:solidFill>
-                  <a:srgbClr val="FFFFFF"/>
-                </a:solidFill>
-              </a14:hiddenFill>
-            </a:ext>
-          </a:extLst>
-        </p:spPr>
-      </p:pic>
-      <p:pic>
-        <p:nvPicPr>
-          <p:cNvPr id="26" name="Picture 2" descr="ファイルアイコン（テキスト）">
-            <a:extLst>
-              <a:ext uri="{FF2B5EF4-FFF2-40B4-BE49-F238E27FC236}">
-                <a16:creationId xmlns:a16="http://schemas.microsoft.com/office/drawing/2014/main" id="{D83F88DB-5F15-49EC-9D1E-2F0F7A92935B}"/>
-              </a:ext>
-            </a:extLst>
-          </p:cNvPr>
-          <p:cNvPicPr>
-            <a:picLocks noChangeAspect="1" noChangeArrowheads="1"/>
-          </p:cNvPicPr>
-          <p:nvPr/>
-        </p:nvPicPr>
-        <p:blipFill>
-          <a:blip r:embed="rId5" cstate="print">
-            <a:extLst>
-              <a:ext uri="{28A0092B-C50C-407E-A947-70E740481C1C}">
-                <a14:useLocalDpi xmlns:a14="http://schemas.microsoft.com/office/drawing/2010/main" val="0"/>
-              </a:ext>
-            </a:extLst>
-          </a:blip>
-          <a:srcRect/>
-          <a:stretch>
-            <a:fillRect/>
-          </a:stretch>
-        </p:blipFill>
-        <p:spPr bwMode="auto">
-          <a:xfrm>
-            <a:off x="6804248" y="5301208"/>
-            <a:ext cx="484265" cy="562372"/>
-          </a:xfrm>
-          <a:prstGeom prst="rect">
-            <a:avLst/>
-          </a:prstGeom>
-          <a:noFill/>
-          <a:extLst>
-            <a:ext uri="{909E8E84-426E-40DD-AFC4-6F175D3DCCD1}">
-              <a14:hiddenFill xmlns:a14="http://schemas.microsoft.com/office/drawing/2010/main">
-                <a:solidFill>
-                  <a:srgbClr val="FFFFFF"/>
-                </a:solidFill>
-              </a14:hiddenFill>
-            </a:ext>
-          </a:extLst>
-        </p:spPr>
-      </p:pic>
-      <p:sp>
-        <p:nvSpPr>
-          <p:cNvPr id="28" name="テキスト ボックス 27">
-            <a:extLst>
-              <a:ext uri="{FF2B5EF4-FFF2-40B4-BE49-F238E27FC236}">
-                <a16:creationId xmlns:a16="http://schemas.microsoft.com/office/drawing/2014/main" id="{5B814B22-C6E2-4292-AE9A-8D6A9E02089D}"/>
-              </a:ext>
-            </a:extLst>
-          </p:cNvPr>
-          <p:cNvSpPr txBox="1"/>
-          <p:nvPr/>
-        </p:nvSpPr>
-        <p:spPr>
-          <a:xfrm>
-            <a:off x="6372200" y="5877272"/>
-            <a:ext cx="1324402" cy="369332"/>
-          </a:xfrm>
-          <a:prstGeom prst="rect">
-            <a:avLst/>
-          </a:prstGeom>
-          <a:noFill/>
-        </p:spPr>
-        <p:txBody>
-          <a:bodyPr wrap="none" rtlCol="0">
-            <a:spAutoFit/>
-          </a:bodyPr>
-          <a:lstStyle/>
-          <a:p>
-            <a:r>
-              <a:rPr kumimoji="1" lang="en-US" altLang="ja-JP" dirty="0">
-                <a:latin typeface="Consolas" panose="020B0609020204030204" pitchFamily="49" charset="0"/>
-              </a:rPr>
-              <a:t>README.md</a:t>
-            </a:r>
-            <a:endParaRPr kumimoji="1" lang="ja-JP" altLang="en-US" dirty="0">
-              <a:latin typeface="Consolas" panose="020B0609020204030204" pitchFamily="49" charset="0"/>
-            </a:endParaRPr>
-          </a:p>
-        </p:txBody>
-      </p:sp>
-      <p:cxnSp>
-        <p:nvCxnSpPr>
-          <p:cNvPr id="32" name="直線コネクタ 31">
-            <a:extLst>
-              <a:ext uri="{FF2B5EF4-FFF2-40B4-BE49-F238E27FC236}">
-                <a16:creationId xmlns:a16="http://schemas.microsoft.com/office/drawing/2014/main" id="{4D4D6C26-848C-4248-B488-E4C7152D1C03}"/>
-              </a:ext>
-            </a:extLst>
-          </p:cNvPr>
-          <p:cNvCxnSpPr>
-            <a:cxnSpLocks/>
-          </p:cNvCxnSpPr>
-          <p:nvPr/>
-        </p:nvCxnSpPr>
-        <p:spPr>
-          <a:xfrm>
-            <a:off x="6012160" y="3068960"/>
-            <a:ext cx="1" cy="276106"/>
-          </a:xfrm>
-          <a:prstGeom prst="line">
-            <a:avLst/>
-          </a:prstGeom>
-          <a:ln>
+      <p:sp>
+        <p:nvSpPr>
+          <p:cNvPr id="5" name="四角形: 角を丸くする 4">
+            <a:extLst>
+              <a:ext uri="{FF2B5EF4-FFF2-40B4-BE49-F238E27FC236}">
+                <a16:creationId xmlns:a16="http://schemas.microsoft.com/office/drawing/2014/main" id="{A05721CB-BBB1-0F49-F22A-129444404628}"/>
+              </a:ext>
+            </a:extLst>
+          </p:cNvPr>
+          <p:cNvSpPr/>
+          <p:nvPr/>
+        </p:nvSpPr>
+        <p:spPr>
+          <a:xfrm>
+            <a:off x="4067943" y="2420888"/>
+            <a:ext cx="216025" cy="216024"/>
+          </a:xfrm>
+          <a:prstGeom prst="roundRect">
+            <a:avLst/>
+          </a:prstGeom>
+          <a:noFill/>
+          <a:ln w="28575">
             <a:solidFill>
-              <a:schemeClr val="tx1"/>
-            </a:solidFill>
-            <a:headEnd type="none" w="med" len="med"/>
-            <a:tailEnd type="none" w="med" len="med"/>
-          </a:ln>
-        </p:spPr>
-        <p:style>
-          <a:lnRef idx="1">
-            <a:schemeClr val="accent1"/>
-          </a:lnRef>
-          <a:fillRef idx="0">
-            <a:schemeClr val="accent1"/>
-          </a:fillRef>
-          <a:effectRef idx="0">
-            <a:schemeClr val="accent1"/>
-          </a:effectRef>
-          <a:fontRef idx="minor">
-            <a:schemeClr val="tx1"/>
-          </a:fontRef>
-        </p:style>
-      </p:cxnSp>
-      <p:sp>
-        <p:nvSpPr>
-          <p:cNvPr id="37" name="円柱 36">
-            <a:extLst>
-              <a:ext uri="{FF2B5EF4-FFF2-40B4-BE49-F238E27FC236}">
-                <a16:creationId xmlns:a16="http://schemas.microsoft.com/office/drawing/2014/main" id="{FB089477-84E1-465E-A03D-9A8EF23FD339}"/>
-              </a:ext>
-            </a:extLst>
-          </p:cNvPr>
-          <p:cNvSpPr/>
-          <p:nvPr/>
-        </p:nvSpPr>
-        <p:spPr>
-          <a:xfrm>
-            <a:off x="5716379" y="5301208"/>
-            <a:ext cx="576064" cy="496072"/>
-          </a:xfrm>
-          <a:prstGeom prst="can">
-            <a:avLst/>
-          </a:prstGeom>
-          <a:solidFill>
-            <a:schemeClr val="accent2">
-              <a:lumMod val="20000"/>
-              <a:lumOff val="80000"/>
-            </a:schemeClr>
-          </a:solidFill>
-          <a:ln>
-            <a:solidFill>
-              <a:schemeClr val="tx1"/>
+              <a:srgbClr val="FF0000"/>
             </a:solidFill>
           </a:ln>
         </p:spPr>
@@ -4177,181 +3685,68 @@
           <a:lstStyle/>
           <a:p>
             <a:pPr algn="ctr"/>
-            <a:r>
-              <a:rPr kumimoji="1" lang="en-US" altLang="ja-JP" sz="1200" dirty="0">
-                <a:solidFill>
-                  <a:schemeClr val="tx1"/>
-                </a:solidFill>
-                <a:latin typeface="Consolas" panose="020B0609020204030204" pitchFamily="49" charset="0"/>
-              </a:rPr>
-              <a:t>.git</a:t>
-            </a:r>
-            <a:endParaRPr kumimoji="1" lang="ja-JP" altLang="en-US" sz="1200" dirty="0">
-              <a:solidFill>
-                <a:schemeClr val="tx1"/>
-              </a:solidFill>
-              <a:latin typeface="Consolas" panose="020B0609020204030204" pitchFamily="49" charset="0"/>
-            </a:endParaRPr>
-          </a:p>
-        </p:txBody>
-      </p:sp>
-      <p:cxnSp>
-        <p:nvCxnSpPr>
-          <p:cNvPr id="39" name="コネクタ: カギ線 38">
-            <a:extLst>
-              <a:ext uri="{FF2B5EF4-FFF2-40B4-BE49-F238E27FC236}">
-                <a16:creationId xmlns:a16="http://schemas.microsoft.com/office/drawing/2014/main" id="{780D1C17-4B15-4CCD-84D0-A1866F77A685}"/>
-              </a:ext>
-            </a:extLst>
-          </p:cNvPr>
-          <p:cNvCxnSpPr>
-            <a:stCxn id="22" idx="2"/>
-            <a:endCxn id="26" idx="0"/>
-          </p:cNvCxnSpPr>
-          <p:nvPr/>
-        </p:nvCxnSpPr>
-        <p:spPr>
-          <a:xfrm rot="16200000" flipH="1">
-            <a:off x="6314709" y="4569536"/>
-            <a:ext cx="420122" cy="1043222"/>
-          </a:xfrm>
-          <a:prstGeom prst="bentConnector3">
-            <a:avLst/>
-          </a:prstGeom>
-          <a:ln>
+            <a:endParaRPr kumimoji="1" lang="ja-JP" altLang="en-US"/>
+          </a:p>
+        </p:txBody>
+      </p:sp>
+      <p:sp>
+        <p:nvSpPr>
+          <p:cNvPr id="6" name="四角形: 角を丸くする 5">
+            <a:extLst>
+              <a:ext uri="{FF2B5EF4-FFF2-40B4-BE49-F238E27FC236}">
+                <a16:creationId xmlns:a16="http://schemas.microsoft.com/office/drawing/2014/main" id="{310F95BA-DAAF-A5FF-5D50-2045BB8A4206}"/>
+              </a:ext>
+            </a:extLst>
+          </p:cNvPr>
+          <p:cNvSpPr/>
+          <p:nvPr/>
+        </p:nvSpPr>
+        <p:spPr>
+          <a:xfrm>
+            <a:off x="2483768" y="2671748"/>
+            <a:ext cx="2664296" cy="253196"/>
+          </a:xfrm>
+          <a:prstGeom prst="roundRect">
+            <a:avLst/>
+          </a:prstGeom>
+          <a:noFill/>
+          <a:ln w="28575">
             <a:solidFill>
-              <a:schemeClr val="tx1"/>
+              <a:srgbClr val="FF0000"/>
             </a:solidFill>
-            <a:headEnd type="none" w="med" len="med"/>
-            <a:tailEnd type="none" w="med" len="med"/>
           </a:ln>
         </p:spPr>
         <p:style>
-          <a:lnRef idx="1">
-            <a:schemeClr val="accent1"/>
+          <a:lnRef idx="2">
+            <a:schemeClr val="accent1">
+              <a:shade val="50000"/>
+            </a:schemeClr>
           </a:lnRef>
-          <a:fillRef idx="0">
+          <a:fillRef idx="1">
             <a:schemeClr val="accent1"/>
           </a:fillRef>
           <a:effectRef idx="0">
             <a:schemeClr val="accent1"/>
           </a:effectRef>
           <a:fontRef idx="minor">
-            <a:schemeClr val="tx1"/>
+            <a:schemeClr val="lt1"/>
           </a:fontRef>
         </p:style>
-      </p:cxnSp>
-      <p:cxnSp>
-        <p:nvCxnSpPr>
-          <p:cNvPr id="41" name="直線コネクタ 40">
-            <a:extLst>
-              <a:ext uri="{FF2B5EF4-FFF2-40B4-BE49-F238E27FC236}">
-                <a16:creationId xmlns:a16="http://schemas.microsoft.com/office/drawing/2014/main" id="{D527BD5F-8994-4FD4-B37E-14972D4A5ECD}"/>
-              </a:ext>
-            </a:extLst>
-          </p:cNvPr>
-          <p:cNvCxnSpPr>
-            <a:stCxn id="22" idx="2"/>
-            <a:endCxn id="37" idx="1"/>
-          </p:cNvCxnSpPr>
-          <p:nvPr/>
-        </p:nvCxnSpPr>
-        <p:spPr>
-          <a:xfrm>
-            <a:off x="6003159" y="4881086"/>
-            <a:ext cx="1252" cy="420122"/>
-          </a:xfrm>
-          <a:prstGeom prst="line">
-            <a:avLst/>
-          </a:prstGeom>
-          <a:ln>
-            <a:solidFill>
-              <a:schemeClr val="tx1"/>
-            </a:solidFill>
-            <a:headEnd type="none" w="med" len="med"/>
-            <a:tailEnd type="none" w="med" len="med"/>
-          </a:ln>
-        </p:spPr>
-        <p:style>
-          <a:lnRef idx="1">
-            <a:schemeClr val="accent1"/>
-          </a:lnRef>
-          <a:fillRef idx="0">
-            <a:schemeClr val="accent1"/>
-          </a:fillRef>
-          <a:effectRef idx="0">
-            <a:schemeClr val="accent1"/>
-          </a:effectRef>
-          <a:fontRef idx="minor">
-            <a:schemeClr val="tx1"/>
-          </a:fontRef>
-        </p:style>
-      </p:cxnSp>
-      <p:sp>
-        <p:nvSpPr>
-          <p:cNvPr id="42" name="テキスト ボックス 41">
-            <a:extLst>
-              <a:ext uri="{FF2B5EF4-FFF2-40B4-BE49-F238E27FC236}">
-                <a16:creationId xmlns:a16="http://schemas.microsoft.com/office/drawing/2014/main" id="{344FBCD8-7A8F-4A5D-B382-3FE27B2EE256}"/>
-              </a:ext>
-            </a:extLst>
-          </p:cNvPr>
-          <p:cNvSpPr txBox="1"/>
-          <p:nvPr/>
-        </p:nvSpPr>
-        <p:spPr>
-          <a:xfrm>
-            <a:off x="1835696" y="5301208"/>
-            <a:ext cx="3031599" cy="646331"/>
-          </a:xfrm>
-          <a:prstGeom prst="rect">
-            <a:avLst/>
-          </a:prstGeom>
-          <a:noFill/>
-        </p:spPr>
-        <p:txBody>
-          <a:bodyPr wrap="none" rtlCol="0">
-            <a:spAutoFit/>
-          </a:bodyPr>
-          <a:lstStyle/>
-          <a:p>
-            <a:r>
-              <a:rPr kumimoji="1" lang="en-US" altLang="ja-JP" dirty="0"/>
-              <a:t>.git</a:t>
-            </a:r>
-            <a:r>
-              <a:rPr kumimoji="1" lang="ja-JP" altLang="en-US" dirty="0"/>
-              <a:t>ディレクトリが作られ、</a:t>
-            </a:r>
-            <a:endParaRPr kumimoji="1" lang="en-US" altLang="ja-JP" dirty="0"/>
-          </a:p>
-          <a:p>
-            <a:r>
-              <a:rPr lang="en-US" altLang="ja-JP" dirty="0"/>
-              <a:t>test</a:t>
-            </a:r>
-            <a:r>
-              <a:rPr lang="ja-JP" altLang="en-US" dirty="0"/>
-              <a:t>が</a:t>
-            </a:r>
-            <a:r>
-              <a:rPr lang="en-US" altLang="ja-JP" dirty="0"/>
-              <a:t>git</a:t>
-            </a:r>
-            <a:r>
-              <a:rPr lang="ja-JP" altLang="en-US" dirty="0"/>
-              <a:t>管理下に入る</a:t>
-            </a:r>
-            <a:endParaRPr kumimoji="1" lang="ja-JP" altLang="en-US" dirty="0"/>
-          </a:p>
-        </p:txBody>
-      </p:sp>
-      <p:sp>
-        <p:nvSpPr>
-          <p:cNvPr id="43" name="矢印: 右 42">
-            <a:extLst>
-              <a:ext uri="{FF2B5EF4-FFF2-40B4-BE49-F238E27FC236}">
-                <a16:creationId xmlns:a16="http://schemas.microsoft.com/office/drawing/2014/main" id="{373C243E-6166-44CF-8E1A-E2CD3FA62F7F}"/>
+        <p:txBody>
+          <a:bodyPr rtlCol="0" anchor="ctr"/>
+          <a:lstStyle/>
+          <a:p>
+            <a:pPr algn="ctr"/>
+            <a:endParaRPr kumimoji="1" lang="ja-JP" altLang="en-US"/>
+          </a:p>
+        </p:txBody>
+      </p:sp>
+      <p:sp>
+        <p:nvSpPr>
+          <p:cNvPr id="7" name="楕円 6">
+            <a:extLst>
+              <a:ext uri="{FF2B5EF4-FFF2-40B4-BE49-F238E27FC236}">
+                <a16:creationId xmlns:a16="http://schemas.microsoft.com/office/drawing/2014/main" id="{82693AED-BAAA-00B5-3B1D-06060A72F7A0}"/>
               </a:ext>
             </a:extLst>
           </p:cNvPr>
@@ -4360,10 +3755,10 @@
         </p:nvSpPr>
         <p:spPr>
           <a:xfrm>
-            <a:off x="4860032" y="5373216"/>
-            <a:ext cx="648072" cy="412624"/>
-          </a:xfrm>
-          <a:prstGeom prst="rightArrow">
+            <a:off x="4059235" y="2060848"/>
+            <a:ext cx="288032" cy="288032"/>
+          </a:xfrm>
+          <a:prstGeom prst="ellipse">
             <a:avLst/>
           </a:prstGeom>
           <a:solidFill>
@@ -4396,59 +3791,133 @@
           <a:lstStyle/>
           <a:p>
             <a:pPr algn="ctr"/>
+            <a:r>
+              <a:rPr kumimoji="1" lang="en-US" altLang="ja-JP"/>
+              <a:t>1</a:t>
+            </a:r>
             <a:endParaRPr kumimoji="1" lang="ja-JP" altLang="en-US"/>
           </a:p>
         </p:txBody>
       </p:sp>
-      <p:cxnSp>
-        <p:nvCxnSpPr>
-          <p:cNvPr id="45" name="直線コネクタ 44">
-            <a:extLst>
-              <a:ext uri="{FF2B5EF4-FFF2-40B4-BE49-F238E27FC236}">
-                <a16:creationId xmlns:a16="http://schemas.microsoft.com/office/drawing/2014/main" id="{621CC2CF-DE5F-4557-8A96-2DA816C1AC6C}"/>
-              </a:ext>
-            </a:extLst>
-          </p:cNvPr>
-          <p:cNvCxnSpPr>
-            <a:cxnSpLocks/>
-          </p:cNvCxnSpPr>
-          <p:nvPr/>
-        </p:nvCxnSpPr>
-        <p:spPr>
-          <a:xfrm>
-            <a:off x="6012160" y="3933056"/>
-            <a:ext cx="1" cy="276106"/>
-          </a:xfrm>
-          <a:prstGeom prst="line">
-            <a:avLst/>
-          </a:prstGeom>
+      <p:sp>
+        <p:nvSpPr>
+          <p:cNvPr id="8" name="楕円 7">
+            <a:extLst>
+              <a:ext uri="{FF2B5EF4-FFF2-40B4-BE49-F238E27FC236}">
+                <a16:creationId xmlns:a16="http://schemas.microsoft.com/office/drawing/2014/main" id="{49AC3385-A6B0-E515-90DB-C6BD234BC854}"/>
+              </a:ext>
+            </a:extLst>
+          </p:cNvPr>
+          <p:cNvSpPr/>
+          <p:nvPr/>
+        </p:nvSpPr>
+        <p:spPr>
+          <a:xfrm>
+            <a:off x="2051720" y="2636912"/>
+            <a:ext cx="288032" cy="288032"/>
+          </a:xfrm>
+          <a:prstGeom prst="ellipse">
+            <a:avLst/>
+          </a:prstGeom>
+          <a:solidFill>
+            <a:srgbClr val="FF0000"/>
+          </a:solidFill>
           <a:ln>
             <a:solidFill>
               <a:schemeClr val="tx1"/>
             </a:solidFill>
-            <a:headEnd type="none" w="med" len="med"/>
-            <a:tailEnd type="none" w="med" len="med"/>
           </a:ln>
         </p:spPr>
         <p:style>
-          <a:lnRef idx="1">
-            <a:schemeClr val="accent1"/>
+          <a:lnRef idx="2">
+            <a:schemeClr val="accent1">
+              <a:shade val="50000"/>
+            </a:schemeClr>
           </a:lnRef>
-          <a:fillRef idx="0">
+          <a:fillRef idx="1">
             <a:schemeClr val="accent1"/>
           </a:fillRef>
           <a:effectRef idx="0">
             <a:schemeClr val="accent1"/>
           </a:effectRef>
           <a:fontRef idx="minor">
-            <a:schemeClr val="tx1"/>
+            <a:schemeClr val="lt1"/>
           </a:fontRef>
         </p:style>
-      </p:cxnSp>
+        <p:txBody>
+          <a:bodyPr rtlCol="0" anchor="ctr"/>
+          <a:lstStyle/>
+          <a:p>
+            <a:pPr algn="ctr"/>
+            <a:r>
+              <a:rPr kumimoji="1" lang="en-US" altLang="ja-JP"/>
+              <a:t>2</a:t>
+            </a:r>
+            <a:endParaRPr kumimoji="1" lang="ja-JP" altLang="en-US"/>
+          </a:p>
+        </p:txBody>
+      </p:sp>
+      <p:sp>
+        <p:nvSpPr>
+          <p:cNvPr id="9" name="テキスト ボックス 8">
+            <a:extLst>
+              <a:ext uri="{FF2B5EF4-FFF2-40B4-BE49-F238E27FC236}">
+                <a16:creationId xmlns:a16="http://schemas.microsoft.com/office/drawing/2014/main" id="{1DE2D32C-F0D9-9B4B-66F2-45EA594BD861}"/>
+              </a:ext>
+            </a:extLst>
+          </p:cNvPr>
+          <p:cNvSpPr txBox="1"/>
+          <p:nvPr/>
+        </p:nvSpPr>
+        <p:spPr>
+          <a:xfrm>
+            <a:off x="1835696" y="4869160"/>
+            <a:ext cx="4224233" cy="646331"/>
+          </a:xfrm>
+          <a:prstGeom prst="rect">
+            <a:avLst/>
+          </a:prstGeom>
+          <a:noFill/>
+        </p:spPr>
+        <p:txBody>
+          <a:bodyPr wrap="none" rtlCol="0">
+            <a:spAutoFit/>
+          </a:bodyPr>
+          <a:lstStyle/>
+          <a:p>
+            <a:pPr marL="342900" indent="-342900">
+              <a:buAutoNum type="arabicPeriod"/>
+            </a:pPr>
+            <a:r>
+              <a:rPr kumimoji="1" lang="ja-JP" altLang="en-US"/>
+              <a:t>ファイルの新規作成ボタンを押して</a:t>
+            </a:r>
+            <a:endParaRPr kumimoji="1" lang="en-US" altLang="ja-JP"/>
+          </a:p>
+          <a:p>
+            <a:pPr marL="342900" indent="-342900">
+              <a:buAutoNum type="arabicPeriod"/>
+            </a:pPr>
+            <a:r>
+              <a:rPr kumimoji="1" lang="ja-JP" altLang="en-US"/>
+              <a:t>「</a:t>
+            </a:r>
+            <a:r>
+              <a:rPr kumimoji="1" lang="en-US" altLang="ja-JP"/>
+              <a:t>README.md</a:t>
+            </a:r>
+            <a:r>
+              <a:rPr kumimoji="1" lang="ja-JP" altLang="en-US"/>
+              <a:t>」と入力</a:t>
+            </a:r>
+            <a:endParaRPr kumimoji="1" lang="en-US" altLang="ja-JP"/>
+          </a:p>
+        </p:txBody>
+      </p:sp>
     </p:spTree>
     <p:extLst>
       <p:ext uri="{BB962C8B-B14F-4D97-AF65-F5344CB8AC3E}">
-        <p14:creationId xmlns:p14="http://schemas.microsoft.com/office/powerpoint/2010/main" val="3149631915"/>
+        <p14:creationId xmlns:p14="http://schemas.microsoft.com/office/powerpoint/2010/main" val="3839228022"/>
       </p:ext>
     </p:extLst>
   </p:cSld>
@@ -4480,7 +3949,7 @@
           <p:cNvPr id="2" name="テキスト プレースホルダー 1">
             <a:extLst>
               <a:ext uri="{FF2B5EF4-FFF2-40B4-BE49-F238E27FC236}">
-                <a16:creationId xmlns:a16="http://schemas.microsoft.com/office/drawing/2014/main" id="{30D6949F-1813-4447-9157-E9ED37781396}"/>
+                <a16:creationId xmlns:a16="http://schemas.microsoft.com/office/drawing/2014/main" id="{10B94B1F-CF1F-9387-7049-41A06B12272C}"/>
               </a:ext>
             </a:extLst>
           </p:cNvPr>
@@ -4497,221 +3966,76 @@
           <a:lstStyle/>
           <a:p>
             <a:r>
-              <a:rPr kumimoji="1" lang="ja-JP" altLang="en-US" dirty="0"/>
+              <a:rPr kumimoji="1" lang="ja-JP" altLang="en-US"/>
               <a:t>課題</a:t>
             </a:r>
             <a:r>
-              <a:rPr kumimoji="1" lang="en-US" altLang="ja-JP" dirty="0"/>
-              <a:t> – Step 3</a:t>
-            </a:r>
-            <a:endParaRPr kumimoji="1" lang="ja-JP" altLang="en-US" dirty="0"/>
-          </a:p>
-        </p:txBody>
-      </p:sp>
-      <p:sp>
-        <p:nvSpPr>
-          <p:cNvPr id="3" name="テキスト ボックス 2">
-            <a:extLst>
-              <a:ext uri="{FF2B5EF4-FFF2-40B4-BE49-F238E27FC236}">
-                <a16:creationId xmlns:a16="http://schemas.microsoft.com/office/drawing/2014/main" id="{C825AA7E-4BB7-4B61-A922-AD85F3607730}"/>
-              </a:ext>
-            </a:extLst>
-          </p:cNvPr>
-          <p:cNvSpPr txBox="1"/>
-          <p:nvPr/>
-        </p:nvSpPr>
-        <p:spPr>
-          <a:xfrm>
-            <a:off x="251520" y="1268760"/>
-            <a:ext cx="3262432" cy="461665"/>
-          </a:xfrm>
-          <a:prstGeom prst="rect">
-            <a:avLst/>
-          </a:prstGeom>
-          <a:noFill/>
-        </p:spPr>
-        <p:txBody>
-          <a:bodyPr wrap="none" rtlCol="0">
-            <a:spAutoFit/>
-          </a:bodyPr>
-          <a:lstStyle/>
-          <a:p>
-            <a:r>
-              <a:rPr kumimoji="1" lang="ja-JP" altLang="en-US" sz="2400" dirty="0"/>
-              <a:t>インデックスへの追加</a:t>
-            </a:r>
-          </a:p>
-        </p:txBody>
-      </p:sp>
-      <p:sp>
-        <p:nvSpPr>
-          <p:cNvPr id="4" name="テキスト ボックス 3">
-            <a:extLst>
-              <a:ext uri="{FF2B5EF4-FFF2-40B4-BE49-F238E27FC236}">
-                <a16:creationId xmlns:a16="http://schemas.microsoft.com/office/drawing/2014/main" id="{B1B33A85-598F-4AE2-A492-6901FCB76B85}"/>
-              </a:ext>
-            </a:extLst>
-          </p:cNvPr>
-          <p:cNvSpPr txBox="1"/>
-          <p:nvPr/>
-        </p:nvSpPr>
-        <p:spPr>
-          <a:xfrm>
-            <a:off x="827584" y="1988840"/>
-            <a:ext cx="2582758" cy="400110"/>
-          </a:xfrm>
-          <a:prstGeom prst="rect">
-            <a:avLst/>
-          </a:prstGeom>
-          <a:noFill/>
-          <a:ln>
-            <a:solidFill>
-              <a:schemeClr val="tx1"/>
-            </a:solidFill>
-          </a:ln>
-        </p:spPr>
-        <p:txBody>
-          <a:bodyPr wrap="none" rtlCol="0">
-            <a:spAutoFit/>
-          </a:bodyPr>
-          <a:lstStyle/>
-          <a:p>
-            <a:r>
-              <a:rPr kumimoji="1" lang="en-US" altLang="ja-JP" sz="2000" dirty="0">
-                <a:latin typeface="Consolas" panose="020B0609020204030204" pitchFamily="49" charset="0"/>
-              </a:rPr>
-              <a:t>git add </a:t>
-            </a:r>
-            <a:r>
-              <a:rPr lang="en-US" altLang="ja-JP" sz="2000" dirty="0">
-                <a:latin typeface="Consolas" panose="020B0609020204030204" pitchFamily="49" charset="0"/>
-              </a:rPr>
-              <a:t>README.md</a:t>
-            </a:r>
-            <a:endParaRPr kumimoji="1" lang="ja-JP" altLang="en-US" sz="2000" dirty="0">
-              <a:latin typeface="Consolas" panose="020B0609020204030204" pitchFamily="49" charset="0"/>
-            </a:endParaRPr>
+              <a:rPr kumimoji="1" lang="en-US" altLang="ja-JP"/>
+              <a:t> – Step </a:t>
+            </a:r>
+            <a:r>
+              <a:rPr lang="en-US" altLang="ja-JP"/>
+              <a:t>2</a:t>
+            </a:r>
+            <a:endParaRPr kumimoji="1" lang="ja-JP" altLang="en-US"/>
           </a:p>
         </p:txBody>
       </p:sp>
       <p:pic>
         <p:nvPicPr>
-          <p:cNvPr id="5" name="Picture 2" descr="フォルダのイラスト">
-            <a:extLst>
-              <a:ext uri="{FF2B5EF4-FFF2-40B4-BE49-F238E27FC236}">
-                <a16:creationId xmlns:a16="http://schemas.microsoft.com/office/drawing/2014/main" id="{18D15AF1-F12E-4775-9B54-8D28C7159E89}"/>
+          <p:cNvPr id="3" name="図 2">
+            <a:extLst>
+              <a:ext uri="{FF2B5EF4-FFF2-40B4-BE49-F238E27FC236}">
+                <a16:creationId xmlns:a16="http://schemas.microsoft.com/office/drawing/2014/main" id="{F05EDEBE-C845-64AE-6346-2096859E7E68}"/>
               </a:ext>
             </a:extLst>
           </p:cNvPr>
           <p:cNvPicPr>
-            <a:picLocks noChangeAspect="1" noChangeArrowheads="1"/>
+            <a:picLocks noChangeAspect="1"/>
           </p:cNvPicPr>
           <p:nvPr/>
         </p:nvPicPr>
         <p:blipFill>
-          <a:blip r:embed="rId2" cstate="print">
-            <a:extLst>
-              <a:ext uri="{28A0092B-C50C-407E-A947-70E740481C1C}">
-                <a14:useLocalDpi xmlns:a14="http://schemas.microsoft.com/office/drawing/2010/main" val="0"/>
-              </a:ext>
-            </a:extLst>
-          </a:blip>
-          <a:srcRect/>
+          <a:blip r:embed="rId2"/>
           <a:stretch>
             <a:fillRect/>
           </a:stretch>
         </p:blipFill>
-        <p:spPr bwMode="auto">
-          <a:xfrm>
-            <a:off x="1331640" y="4437112"/>
-            <a:ext cx="702078" cy="587990"/>
+        <p:spPr>
+          <a:xfrm>
+            <a:off x="251520" y="2334357"/>
+            <a:ext cx="5828342" cy="1670707"/>
           </a:xfrm>
           <a:prstGeom prst="rect">
             <a:avLst/>
           </a:prstGeom>
-          <a:noFill/>
-          <a:extLst>
-            <a:ext uri="{909E8E84-426E-40DD-AFC4-6F175D3DCCD1}">
-              <a14:hiddenFill xmlns:a14="http://schemas.microsoft.com/office/drawing/2010/main">
-                <a:solidFill>
-                  <a:srgbClr val="FFFFFF"/>
-                </a:solidFill>
-              </a14:hiddenFill>
-            </a:ext>
-          </a:extLst>
         </p:spPr>
       </p:pic>
-      <p:cxnSp>
-        <p:nvCxnSpPr>
-          <p:cNvPr id="8" name="直線コネクタ 7">
-            <a:extLst>
-              <a:ext uri="{FF2B5EF4-FFF2-40B4-BE49-F238E27FC236}">
-                <a16:creationId xmlns:a16="http://schemas.microsoft.com/office/drawing/2014/main" id="{F8407356-2EEF-475B-BD96-744D38FA28A5}"/>
-              </a:ext>
-            </a:extLst>
-          </p:cNvPr>
-          <p:cNvCxnSpPr>
-            <a:stCxn id="5" idx="2"/>
-          </p:cNvCxnSpPr>
-          <p:nvPr/>
-        </p:nvCxnSpPr>
-        <p:spPr>
-          <a:xfrm>
-            <a:off x="1682679" y="5025102"/>
-            <a:ext cx="1847" cy="204098"/>
-          </a:xfrm>
-          <a:prstGeom prst="line">
-            <a:avLst/>
-          </a:prstGeom>
-          <a:ln>
+      <p:sp>
+        <p:nvSpPr>
+          <p:cNvPr id="4" name="楕円 3">
+            <a:extLst>
+              <a:ext uri="{FF2B5EF4-FFF2-40B4-BE49-F238E27FC236}">
+                <a16:creationId xmlns:a16="http://schemas.microsoft.com/office/drawing/2014/main" id="{369BA526-1DED-C4D8-2801-2D10F1F8F612}"/>
+              </a:ext>
+            </a:extLst>
+          </p:cNvPr>
+          <p:cNvSpPr/>
+          <p:nvPr/>
+        </p:nvSpPr>
+        <p:spPr>
+          <a:xfrm>
+            <a:off x="1601268" y="2731636"/>
+            <a:ext cx="262508" cy="262508"/>
+          </a:xfrm>
+          <a:prstGeom prst="ellipse">
+            <a:avLst/>
+          </a:prstGeom>
+          <a:noFill/>
+          <a:ln w="28575">
             <a:solidFill>
-              <a:schemeClr val="tx1"/>
+              <a:srgbClr val="FF0000"/>
             </a:solidFill>
-            <a:headEnd type="none" w="med" len="med"/>
-            <a:tailEnd type="none" w="med" len="med"/>
-          </a:ln>
-        </p:spPr>
-        <p:style>
-          <a:lnRef idx="1">
-            <a:schemeClr val="accent1"/>
-          </a:lnRef>
-          <a:fillRef idx="0">
-            <a:schemeClr val="accent1"/>
-          </a:fillRef>
-          <a:effectRef idx="0">
-            <a:schemeClr val="accent1"/>
-          </a:effectRef>
-          <a:fontRef idx="minor">
-            <a:schemeClr val="tx1"/>
-          </a:fontRef>
-        </p:style>
-      </p:cxnSp>
-      <p:sp>
-        <p:nvSpPr>
-          <p:cNvPr id="12" name="四角形: 角を丸くする 11">
-            <a:extLst>
-              <a:ext uri="{FF2B5EF4-FFF2-40B4-BE49-F238E27FC236}">
-                <a16:creationId xmlns:a16="http://schemas.microsoft.com/office/drawing/2014/main" id="{F6A0015E-52EB-4515-BE29-BA3C6882C986}"/>
-              </a:ext>
-            </a:extLst>
-          </p:cNvPr>
-          <p:cNvSpPr/>
-          <p:nvPr/>
-        </p:nvSpPr>
-        <p:spPr>
-          <a:xfrm>
-            <a:off x="755576" y="4077072"/>
-            <a:ext cx="2232248" cy="2304256"/>
-          </a:xfrm>
-          <a:prstGeom prst="roundRect">
-            <a:avLst/>
-          </a:prstGeom>
-          <a:noFill/>
-          <a:ln w="38100">
-            <a:solidFill>
-              <a:schemeClr val="tx1"/>
-            </a:solidFill>
-            <a:prstDash val="dash"/>
           </a:ln>
         </p:spPr>
         <p:style>
@@ -4741,209 +4065,59 @@
       </p:sp>
       <p:pic>
         <p:nvPicPr>
-          <p:cNvPr id="17" name="Picture 2" descr="ファイルアイコン（テキスト）">
-            <a:extLst>
-              <a:ext uri="{FF2B5EF4-FFF2-40B4-BE49-F238E27FC236}">
-                <a16:creationId xmlns:a16="http://schemas.microsoft.com/office/drawing/2014/main" id="{64E6CA5A-13F5-47BA-B83D-5B9015506994}"/>
+          <p:cNvPr id="5" name="図 4">
+            <a:extLst>
+              <a:ext uri="{FF2B5EF4-FFF2-40B4-BE49-F238E27FC236}">
+                <a16:creationId xmlns:a16="http://schemas.microsoft.com/office/drawing/2014/main" id="{730779B2-BC07-F6A4-C63E-33EE243123C3}"/>
               </a:ext>
             </a:extLst>
           </p:cNvPr>
           <p:cNvPicPr>
-            <a:picLocks noChangeAspect="1" noChangeArrowheads="1"/>
+            <a:picLocks noChangeAspect="1"/>
           </p:cNvPicPr>
           <p:nvPr/>
         </p:nvPicPr>
         <p:blipFill>
-          <a:blip r:embed="rId3" cstate="print">
-            <a:extLst>
-              <a:ext uri="{28A0092B-C50C-407E-A947-70E740481C1C}">
-                <a14:useLocalDpi xmlns:a14="http://schemas.microsoft.com/office/drawing/2010/main" val="0"/>
-              </a:ext>
-            </a:extLst>
-          </a:blip>
-          <a:srcRect/>
+          <a:blip r:embed="rId3"/>
           <a:stretch>
             <a:fillRect/>
           </a:stretch>
         </p:blipFill>
-        <p:spPr bwMode="auto">
-          <a:xfrm>
-            <a:off x="1423439" y="5229200"/>
-            <a:ext cx="484265" cy="562372"/>
+        <p:spPr>
+          <a:xfrm>
+            <a:off x="251520" y="4725144"/>
+            <a:ext cx="5723660" cy="1794171"/>
           </a:xfrm>
           <a:prstGeom prst="rect">
             <a:avLst/>
           </a:prstGeom>
-          <a:noFill/>
-          <a:extLst>
-            <a:ext uri="{909E8E84-426E-40DD-AFC4-6F175D3DCCD1}">
-              <a14:hiddenFill xmlns:a14="http://schemas.microsoft.com/office/drawing/2010/main">
-                <a:solidFill>
-                  <a:srgbClr val="FFFFFF"/>
-                </a:solidFill>
-              </a14:hiddenFill>
-            </a:ext>
-          </a:extLst>
         </p:spPr>
       </p:pic>
       <p:sp>
         <p:nvSpPr>
-          <p:cNvPr id="18" name="テキスト ボックス 17">
-            <a:extLst>
-              <a:ext uri="{FF2B5EF4-FFF2-40B4-BE49-F238E27FC236}">
-                <a16:creationId xmlns:a16="http://schemas.microsoft.com/office/drawing/2014/main" id="{4EC905F6-249C-4A58-AA57-00DBC66FD999}"/>
-              </a:ext>
-            </a:extLst>
-          </p:cNvPr>
-          <p:cNvSpPr txBox="1"/>
-          <p:nvPr/>
-        </p:nvSpPr>
-        <p:spPr>
-          <a:xfrm>
-            <a:off x="1187624" y="5733256"/>
-            <a:ext cx="1324402" cy="369332"/>
-          </a:xfrm>
-          <a:prstGeom prst="rect">
-            <a:avLst/>
-          </a:prstGeom>
-          <a:noFill/>
-        </p:spPr>
-        <p:txBody>
-          <a:bodyPr wrap="none" rtlCol="0">
-            <a:spAutoFit/>
-          </a:bodyPr>
-          <a:lstStyle/>
-          <a:p>
-            <a:r>
-              <a:rPr kumimoji="1" lang="en-US" altLang="ja-JP" dirty="0">
-                <a:latin typeface="Consolas" panose="020B0609020204030204" pitchFamily="49" charset="0"/>
-              </a:rPr>
-              <a:t>README.md</a:t>
-            </a:r>
-            <a:endParaRPr kumimoji="1" lang="ja-JP" altLang="en-US" dirty="0">
-              <a:latin typeface="Consolas" panose="020B0609020204030204" pitchFamily="49" charset="0"/>
-            </a:endParaRPr>
-          </a:p>
-        </p:txBody>
-      </p:sp>
-      <p:pic>
-        <p:nvPicPr>
-          <p:cNvPr id="19" name="Picture 2" descr="フォルダのイラスト">
-            <a:extLst>
-              <a:ext uri="{FF2B5EF4-FFF2-40B4-BE49-F238E27FC236}">
-                <a16:creationId xmlns:a16="http://schemas.microsoft.com/office/drawing/2014/main" id="{5159C917-48D7-4BAF-AD52-D9DE66C76EA8}"/>
-              </a:ext>
-            </a:extLst>
-          </p:cNvPr>
-          <p:cNvPicPr>
-            <a:picLocks noChangeAspect="1" noChangeArrowheads="1"/>
-          </p:cNvPicPr>
-          <p:nvPr/>
-        </p:nvPicPr>
-        <p:blipFill>
-          <a:blip r:embed="rId2" cstate="print">
-            <a:extLst>
-              <a:ext uri="{28A0092B-C50C-407E-A947-70E740481C1C}">
-                <a14:useLocalDpi xmlns:a14="http://schemas.microsoft.com/office/drawing/2010/main" val="0"/>
-              </a:ext>
-            </a:extLst>
-          </a:blip>
-          <a:srcRect/>
-          <a:stretch>
-            <a:fillRect/>
-          </a:stretch>
-        </p:blipFill>
-        <p:spPr bwMode="auto">
-          <a:xfrm>
-            <a:off x="3923928" y="4437112"/>
-            <a:ext cx="702078" cy="587990"/>
-          </a:xfrm>
-          <a:prstGeom prst="rect">
-            <a:avLst/>
-          </a:prstGeom>
-          <a:noFill/>
-          <a:extLst>
-            <a:ext uri="{909E8E84-426E-40DD-AFC4-6F175D3DCCD1}">
-              <a14:hiddenFill xmlns:a14="http://schemas.microsoft.com/office/drawing/2010/main">
-                <a:solidFill>
-                  <a:srgbClr val="FFFFFF"/>
-                </a:solidFill>
-              </a14:hiddenFill>
-            </a:ext>
-          </a:extLst>
-        </p:spPr>
-      </p:pic>
-      <p:cxnSp>
-        <p:nvCxnSpPr>
-          <p:cNvPr id="20" name="直線コネクタ 19">
-            <a:extLst>
-              <a:ext uri="{FF2B5EF4-FFF2-40B4-BE49-F238E27FC236}">
-                <a16:creationId xmlns:a16="http://schemas.microsoft.com/office/drawing/2014/main" id="{00DF17CC-3FE4-49A5-BE69-8BF1AB65E3E3}"/>
-              </a:ext>
-            </a:extLst>
-          </p:cNvPr>
-          <p:cNvCxnSpPr>
-            <a:stCxn id="19" idx="2"/>
-          </p:cNvCxnSpPr>
-          <p:nvPr/>
-        </p:nvCxnSpPr>
-        <p:spPr>
-          <a:xfrm>
-            <a:off x="4274967" y="5025102"/>
-            <a:ext cx="1847" cy="204098"/>
-          </a:xfrm>
-          <a:prstGeom prst="line">
-            <a:avLst/>
-          </a:prstGeom>
-          <a:ln>
+          <p:cNvPr id="6" name="楕円 5">
+            <a:extLst>
+              <a:ext uri="{FF2B5EF4-FFF2-40B4-BE49-F238E27FC236}">
+                <a16:creationId xmlns:a16="http://schemas.microsoft.com/office/drawing/2014/main" id="{92063AEC-AF84-DD9D-CE0D-FA5703A02C85}"/>
+              </a:ext>
+            </a:extLst>
+          </p:cNvPr>
+          <p:cNvSpPr/>
+          <p:nvPr/>
+        </p:nvSpPr>
+        <p:spPr>
+          <a:xfrm>
+            <a:off x="1722099" y="5122515"/>
+            <a:ext cx="262508" cy="262508"/>
+          </a:xfrm>
+          <a:prstGeom prst="ellipse">
+            <a:avLst/>
+          </a:prstGeom>
+          <a:noFill/>
+          <a:ln w="28575">
             <a:solidFill>
-              <a:schemeClr val="tx1"/>
+              <a:srgbClr val="FF0000"/>
             </a:solidFill>
-            <a:headEnd type="none" w="med" len="med"/>
-            <a:tailEnd type="none" w="med" len="med"/>
-          </a:ln>
-        </p:spPr>
-        <p:style>
-          <a:lnRef idx="1">
-            <a:schemeClr val="accent1"/>
-          </a:lnRef>
-          <a:fillRef idx="0">
-            <a:schemeClr val="accent1"/>
-          </a:fillRef>
-          <a:effectRef idx="0">
-            <a:schemeClr val="accent1"/>
-          </a:effectRef>
-          <a:fontRef idx="minor">
-            <a:schemeClr val="tx1"/>
-          </a:fontRef>
-        </p:style>
-      </p:cxnSp>
-      <p:sp>
-        <p:nvSpPr>
-          <p:cNvPr id="21" name="四角形: 角を丸くする 20">
-            <a:extLst>
-              <a:ext uri="{FF2B5EF4-FFF2-40B4-BE49-F238E27FC236}">
-                <a16:creationId xmlns:a16="http://schemas.microsoft.com/office/drawing/2014/main" id="{46607ACB-C4D2-4AEA-AA27-6B16591991E7}"/>
-              </a:ext>
-            </a:extLst>
-          </p:cNvPr>
-          <p:cNvSpPr/>
-          <p:nvPr/>
-        </p:nvSpPr>
-        <p:spPr>
-          <a:xfrm>
-            <a:off x="3347864" y="4077072"/>
-            <a:ext cx="2232248" cy="2304256"/>
-          </a:xfrm>
-          <a:prstGeom prst="roundRect">
-            <a:avLst/>
-          </a:prstGeom>
-          <a:noFill/>
-          <a:ln w="38100">
-            <a:solidFill>
-              <a:schemeClr val="tx1"/>
-            </a:solidFill>
-            <a:prstDash val="dash"/>
           </a:ln>
         </p:spPr>
         <p:style>
@@ -4971,59 +4145,12 @@
           </a:p>
         </p:txBody>
       </p:sp>
-      <p:pic>
-        <p:nvPicPr>
-          <p:cNvPr id="22" name="Picture 2" descr="ファイルアイコン（テキスト）">
-            <a:extLst>
-              <a:ext uri="{FF2B5EF4-FFF2-40B4-BE49-F238E27FC236}">
-                <a16:creationId xmlns:a16="http://schemas.microsoft.com/office/drawing/2014/main" id="{73743BD5-BD1A-4DD4-BDD2-6DFB06184AEE}"/>
-              </a:ext>
-            </a:extLst>
-          </p:cNvPr>
-          <p:cNvPicPr>
-            <a:picLocks noChangeAspect="1" noChangeArrowheads="1"/>
-          </p:cNvPicPr>
-          <p:nvPr/>
-        </p:nvPicPr>
-        <p:blipFill>
-          <a:blip r:embed="rId3" cstate="print">
-            <a:extLst>
-              <a:ext uri="{28A0092B-C50C-407E-A947-70E740481C1C}">
-                <a14:useLocalDpi xmlns:a14="http://schemas.microsoft.com/office/drawing/2010/main" val="0"/>
-              </a:ext>
-            </a:extLst>
-          </a:blip>
-          <a:srcRect/>
-          <a:stretch>
-            <a:fillRect/>
-          </a:stretch>
-        </p:blipFill>
-        <p:spPr bwMode="auto">
-          <a:xfrm>
-            <a:off x="4015727" y="5229200"/>
-            <a:ext cx="484265" cy="562372"/>
-          </a:xfrm>
-          <a:prstGeom prst="rect">
-            <a:avLst/>
-          </a:prstGeom>
-          <a:noFill/>
-          <a:extLst>
-            <a:ext uri="{909E8E84-426E-40DD-AFC4-6F175D3DCCD1}">
-              <a14:hiddenFill xmlns:a14="http://schemas.microsoft.com/office/drawing/2010/main">
-                <a:solidFill>
-                  <a:srgbClr val="FFFFFF"/>
-                </a:solidFill>
-              </a14:hiddenFill>
-            </a:ext>
-          </a:extLst>
-        </p:spPr>
-      </p:pic>
-      <p:sp>
-        <p:nvSpPr>
-          <p:cNvPr id="23" name="テキスト ボックス 22">
-            <a:extLst>
-              <a:ext uri="{FF2B5EF4-FFF2-40B4-BE49-F238E27FC236}">
-                <a16:creationId xmlns:a16="http://schemas.microsoft.com/office/drawing/2014/main" id="{A47AAFE6-BB9E-4885-81F0-9E9231CD98EE}"/>
+      <p:sp>
+        <p:nvSpPr>
+          <p:cNvPr id="7" name="テキスト ボックス 6">
+            <a:extLst>
+              <a:ext uri="{FF2B5EF4-FFF2-40B4-BE49-F238E27FC236}">
+                <a16:creationId xmlns:a16="http://schemas.microsoft.com/office/drawing/2014/main" id="{5C506330-7DCE-7E78-0CCB-D8829BE686B0}"/>
               </a:ext>
             </a:extLst>
           </p:cNvPr>
@@ -5032,8 +4159,8 @@
         </p:nvSpPr>
         <p:spPr>
           <a:xfrm>
-            <a:off x="3779912" y="5733256"/>
-            <a:ext cx="1324402" cy="369332"/>
+            <a:off x="971600" y="908720"/>
+            <a:ext cx="5724644" cy="461665"/>
           </a:xfrm>
           <a:prstGeom prst="rect">
             <a:avLst/>
@@ -5047,123 +4174,204 @@
           <a:lstStyle/>
           <a:p>
             <a:r>
-              <a:rPr kumimoji="1" lang="en-US" altLang="ja-JP" dirty="0">
-                <a:latin typeface="Consolas" panose="020B0609020204030204" pitchFamily="49" charset="0"/>
-              </a:rPr>
-              <a:t>README.md</a:t>
-            </a:r>
-            <a:endParaRPr kumimoji="1" lang="ja-JP" altLang="en-US" dirty="0">
-              <a:latin typeface="Consolas" panose="020B0609020204030204" pitchFamily="49" charset="0"/>
-            </a:endParaRPr>
-          </a:p>
-        </p:txBody>
-      </p:sp>
-      <p:pic>
-        <p:nvPicPr>
-          <p:cNvPr id="24" name="Picture 2" descr="フォルダのイラスト">
-            <a:extLst>
-              <a:ext uri="{FF2B5EF4-FFF2-40B4-BE49-F238E27FC236}">
-                <a16:creationId xmlns:a16="http://schemas.microsoft.com/office/drawing/2014/main" id="{8B6AEA84-91AE-452E-BC80-4C3815317CDB}"/>
-              </a:ext>
-            </a:extLst>
-          </p:cNvPr>
-          <p:cNvPicPr>
-            <a:picLocks noChangeAspect="1" noChangeArrowheads="1"/>
-          </p:cNvPicPr>
-          <p:nvPr/>
-        </p:nvPicPr>
-        <p:blipFill>
-          <a:blip r:embed="rId2" cstate="print">
-            <a:extLst>
-              <a:ext uri="{28A0092B-C50C-407E-A947-70E740481C1C}">
-                <a14:useLocalDpi xmlns:a14="http://schemas.microsoft.com/office/drawing/2010/main" val="0"/>
-              </a:ext>
-            </a:extLst>
-          </a:blip>
-          <a:srcRect/>
-          <a:stretch>
-            <a:fillRect/>
-          </a:stretch>
-        </p:blipFill>
-        <p:spPr bwMode="auto">
-          <a:xfrm>
-            <a:off x="6444208" y="4437112"/>
-            <a:ext cx="702078" cy="587990"/>
+              <a:rPr kumimoji="1" lang="ja-JP" altLang="en-US" sz="2400"/>
+              <a:t>ファイル内容を入力したら保存すること</a:t>
+            </a:r>
+          </a:p>
+        </p:txBody>
+      </p:sp>
+      <p:sp>
+        <p:nvSpPr>
+          <p:cNvPr id="8" name="テキスト ボックス 7">
+            <a:extLst>
+              <a:ext uri="{FF2B5EF4-FFF2-40B4-BE49-F238E27FC236}">
+                <a16:creationId xmlns:a16="http://schemas.microsoft.com/office/drawing/2014/main" id="{073BEA8C-8D40-615E-399F-F07FF8DDD208}"/>
+              </a:ext>
+            </a:extLst>
+          </p:cNvPr>
+          <p:cNvSpPr txBox="1"/>
+          <p:nvPr/>
+        </p:nvSpPr>
+        <p:spPr>
+          <a:xfrm>
+            <a:off x="107504" y="1772816"/>
+            <a:ext cx="5724644" cy="369332"/>
           </a:xfrm>
           <a:prstGeom prst="rect">
             <a:avLst/>
           </a:prstGeom>
           <a:noFill/>
-          <a:extLst>
-            <a:ext uri="{909E8E84-426E-40DD-AFC4-6F175D3DCCD1}">
-              <a14:hiddenFill xmlns:a14="http://schemas.microsoft.com/office/drawing/2010/main">
-                <a:solidFill>
-                  <a:srgbClr val="FFFFFF"/>
-                </a:solidFill>
-              </a14:hiddenFill>
-            </a:ext>
-          </a:extLst>
-        </p:spPr>
-      </p:pic>
-      <p:sp>
-        <p:nvSpPr>
-          <p:cNvPr id="26" name="四角形: 角を丸くする 25">
-            <a:extLst>
-              <a:ext uri="{FF2B5EF4-FFF2-40B4-BE49-F238E27FC236}">
-                <a16:creationId xmlns:a16="http://schemas.microsoft.com/office/drawing/2014/main" id="{8944F465-D15F-48A4-96C6-C8FB81148BD2}"/>
-              </a:ext>
-            </a:extLst>
-          </p:cNvPr>
-          <p:cNvSpPr/>
-          <p:nvPr/>
-        </p:nvSpPr>
-        <p:spPr>
-          <a:xfrm>
-            <a:off x="5868144" y="4077072"/>
-            <a:ext cx="2232248" cy="2304256"/>
-          </a:xfrm>
-          <a:prstGeom prst="roundRect">
-            <a:avLst/>
-          </a:prstGeom>
-          <a:noFill/>
-          <a:ln w="38100">
+        </p:spPr>
+        <p:txBody>
+          <a:bodyPr wrap="none" rtlCol="0">
+            <a:spAutoFit/>
+          </a:bodyPr>
+          <a:lstStyle/>
+          <a:p>
+            <a:r>
+              <a:rPr kumimoji="1" lang="ja-JP" altLang="en-US"/>
+              <a:t>ファイル名のタブの隣のアイコンが「●」だと未保存</a:t>
+            </a:r>
+          </a:p>
+        </p:txBody>
+      </p:sp>
+      <p:sp>
+        <p:nvSpPr>
+          <p:cNvPr id="9" name="テキスト ボックス 8">
+            <a:extLst>
+              <a:ext uri="{FF2B5EF4-FFF2-40B4-BE49-F238E27FC236}">
+                <a16:creationId xmlns:a16="http://schemas.microsoft.com/office/drawing/2014/main" id="{AE2CCCC1-0BFF-305D-5004-E68F9D2FE4FC}"/>
+              </a:ext>
+            </a:extLst>
+          </p:cNvPr>
+          <p:cNvSpPr txBox="1"/>
+          <p:nvPr/>
+        </p:nvSpPr>
+        <p:spPr>
+          <a:xfrm>
+            <a:off x="107504" y="4221088"/>
+            <a:ext cx="5878532" cy="369332"/>
+          </a:xfrm>
+          <a:prstGeom prst="rect">
+            <a:avLst/>
+          </a:prstGeom>
+          <a:noFill/>
+        </p:spPr>
+        <p:txBody>
+          <a:bodyPr wrap="none" rtlCol="0">
+            <a:spAutoFit/>
+          </a:bodyPr>
+          <a:lstStyle/>
+          <a:p>
+            <a:r>
+              <a:rPr kumimoji="1" lang="ja-JP" altLang="en-US"/>
+              <a:t>ファイル名のタブの隣のアイコンが「</a:t>
+            </a:r>
+            <a:r>
+              <a:rPr kumimoji="1" lang="en-US" altLang="ja-JP"/>
+              <a:t>X</a:t>
+            </a:r>
+            <a:r>
+              <a:rPr kumimoji="1" lang="ja-JP" altLang="en-US"/>
+              <a:t>」だ</a:t>
+            </a:r>
+            <a:r>
+              <a:rPr lang="ja-JP" altLang="en-US"/>
+              <a:t>と</a:t>
+            </a:r>
+            <a:r>
+              <a:rPr kumimoji="1" lang="ja-JP" altLang="en-US"/>
+              <a:t>保存済み</a:t>
+            </a:r>
+          </a:p>
+        </p:txBody>
+      </p:sp>
+      <p:cxnSp>
+        <p:nvCxnSpPr>
+          <p:cNvPr id="11" name="コネクタ: カギ線 10">
+            <a:extLst>
+              <a:ext uri="{FF2B5EF4-FFF2-40B4-BE49-F238E27FC236}">
+                <a16:creationId xmlns:a16="http://schemas.microsoft.com/office/drawing/2014/main" id="{86981498-6246-D072-8DF9-D4F7EB2C5927}"/>
+              </a:ext>
+            </a:extLst>
+          </p:cNvPr>
+          <p:cNvCxnSpPr>
+            <a:cxnSpLocks/>
+            <a:stCxn id="8" idx="3"/>
+            <a:endCxn id="4" idx="0"/>
+          </p:cNvCxnSpPr>
+          <p:nvPr/>
+        </p:nvCxnSpPr>
+        <p:spPr>
+          <a:xfrm flipH="1">
+            <a:off x="1732522" y="1957482"/>
+            <a:ext cx="4099626" cy="774154"/>
+          </a:xfrm>
+          <a:prstGeom prst="bentConnector4">
+            <a:avLst>
+              <a:gd name="adj1" fmla="val -5576"/>
+              <a:gd name="adj2" fmla="val 61927"/>
+            </a:avLst>
+          </a:prstGeom>
+          <a:ln w="19050">
             <a:solidFill>
-              <a:schemeClr val="tx1"/>
+              <a:srgbClr val="FFC000"/>
             </a:solidFill>
-            <a:prstDash val="dash"/>
+            <a:headEnd type="none" w="med" len="med"/>
+            <a:tailEnd type="triangle"/>
           </a:ln>
         </p:spPr>
         <p:style>
-          <a:lnRef idx="2">
-            <a:schemeClr val="accent1">
-              <a:shade val="50000"/>
-            </a:schemeClr>
+          <a:lnRef idx="1">
+            <a:schemeClr val="accent1"/>
           </a:lnRef>
-          <a:fillRef idx="1">
+          <a:fillRef idx="0">
             <a:schemeClr val="accent1"/>
           </a:fillRef>
           <a:effectRef idx="0">
             <a:schemeClr val="accent1"/>
           </a:effectRef>
           <a:fontRef idx="minor">
-            <a:schemeClr val="lt1"/>
+            <a:schemeClr val="tx1"/>
           </a:fontRef>
         </p:style>
-        <p:txBody>
-          <a:bodyPr rtlCol="0" anchor="ctr"/>
-          <a:lstStyle/>
-          <a:p>
-            <a:pPr algn="ctr"/>
-            <a:endParaRPr kumimoji="1" lang="ja-JP" altLang="en-US"/>
-          </a:p>
-        </p:txBody>
-      </p:sp>
-      <p:sp>
-        <p:nvSpPr>
-          <p:cNvPr id="29" name="矢印: 右 28">
-            <a:extLst>
-              <a:ext uri="{FF2B5EF4-FFF2-40B4-BE49-F238E27FC236}">
-                <a16:creationId xmlns:a16="http://schemas.microsoft.com/office/drawing/2014/main" id="{874424C5-0573-4682-B7EA-E49F5B2D2D60}"/>
+      </p:cxnSp>
+      <p:cxnSp>
+        <p:nvCxnSpPr>
+          <p:cNvPr id="13" name="コネクタ: カギ線 12">
+            <a:extLst>
+              <a:ext uri="{FF2B5EF4-FFF2-40B4-BE49-F238E27FC236}">
+                <a16:creationId xmlns:a16="http://schemas.microsoft.com/office/drawing/2014/main" id="{19C41DCD-EC7A-57C0-FF60-084C3F97CFEF}"/>
+              </a:ext>
+            </a:extLst>
+          </p:cNvPr>
+          <p:cNvCxnSpPr>
+            <a:cxnSpLocks/>
+            <a:stCxn id="9" idx="3"/>
+            <a:endCxn id="6" idx="0"/>
+          </p:cNvCxnSpPr>
+          <p:nvPr/>
+        </p:nvCxnSpPr>
+        <p:spPr>
+          <a:xfrm flipH="1">
+            <a:off x="1853353" y="4405754"/>
+            <a:ext cx="4132683" cy="716761"/>
+          </a:xfrm>
+          <a:prstGeom prst="bentConnector4">
+            <a:avLst>
+              <a:gd name="adj1" fmla="val -5532"/>
+              <a:gd name="adj2" fmla="val 62882"/>
+            </a:avLst>
+          </a:prstGeom>
+          <a:ln w="19050">
+            <a:solidFill>
+              <a:srgbClr val="FFC000"/>
+            </a:solidFill>
+            <a:headEnd type="none" w="med" len="med"/>
+            <a:tailEnd type="triangle"/>
+          </a:ln>
+        </p:spPr>
+        <p:style>
+          <a:lnRef idx="1">
+            <a:schemeClr val="accent1"/>
+          </a:lnRef>
+          <a:fillRef idx="0">
+            <a:schemeClr val="accent1"/>
+          </a:fillRef>
+          <a:effectRef idx="0">
+            <a:schemeClr val="accent1"/>
+          </a:effectRef>
+          <a:fontRef idx="minor">
+            <a:schemeClr val="tx1"/>
+          </a:fontRef>
+        </p:style>
+      </p:cxnSp>
+      <p:sp>
+        <p:nvSpPr>
+          <p:cNvPr id="16" name="矢印: 左カーブ 15">
+            <a:extLst>
+              <a:ext uri="{FF2B5EF4-FFF2-40B4-BE49-F238E27FC236}">
+                <a16:creationId xmlns:a16="http://schemas.microsoft.com/office/drawing/2014/main" id="{DAB6DCA9-32A6-CB60-7EE2-F0B96E56135B}"/>
               </a:ext>
             </a:extLst>
           </p:cNvPr>
@@ -5172,10 +4380,10 @@
         </p:nvSpPr>
         <p:spPr>
           <a:xfrm>
-            <a:off x="2051720" y="5301208"/>
-            <a:ext cx="1728192" cy="412624"/>
-          </a:xfrm>
-          <a:prstGeom prst="rightArrow">
+            <a:off x="6228184" y="3140968"/>
+            <a:ext cx="504056" cy="2232248"/>
+          </a:xfrm>
+          <a:prstGeom prst="curvedLeftArrow">
             <a:avLst/>
           </a:prstGeom>
           <a:solidFill>
@@ -5208,16 +4416,20 @@
           <a:lstStyle/>
           <a:p>
             <a:pPr algn="ctr"/>
-            <a:endParaRPr kumimoji="1" lang="ja-JP" altLang="en-US"/>
-          </a:p>
-        </p:txBody>
-      </p:sp>
-      <p:sp>
-        <p:nvSpPr>
-          <p:cNvPr id="30" name="テキスト ボックス 29">
-            <a:extLst>
-              <a:ext uri="{FF2B5EF4-FFF2-40B4-BE49-F238E27FC236}">
-                <a16:creationId xmlns:a16="http://schemas.microsoft.com/office/drawing/2014/main" id="{1F82EC86-2977-4C28-BB73-5AF69C541EC4}"/>
+            <a:endParaRPr kumimoji="1" lang="ja-JP" altLang="en-US">
+              <a:solidFill>
+                <a:schemeClr val="tx1"/>
+              </a:solidFill>
+            </a:endParaRPr>
+          </a:p>
+        </p:txBody>
+      </p:sp>
+      <p:sp>
+        <p:nvSpPr>
+          <p:cNvPr id="17" name="テキスト ボックス 16">
+            <a:extLst>
+              <a:ext uri="{FF2B5EF4-FFF2-40B4-BE49-F238E27FC236}">
+                <a16:creationId xmlns:a16="http://schemas.microsoft.com/office/drawing/2014/main" id="{EB804D4C-635C-48AD-0C9F-196A6BABB73F}"/>
               </a:ext>
             </a:extLst>
           </p:cNvPr>
@@ -5226,8 +4438,8 @@
         </p:nvSpPr>
         <p:spPr>
           <a:xfrm>
-            <a:off x="827584" y="3573016"/>
-            <a:ext cx="2031325" cy="369332"/>
+            <a:off x="6732240" y="3501008"/>
+            <a:ext cx="2262158" cy="1200329"/>
           </a:xfrm>
           <a:prstGeom prst="rect">
             <a:avLst/>
@@ -5241,122 +4453,37 @@
           <a:lstStyle/>
           <a:p>
             <a:r>
-              <a:rPr kumimoji="1" lang="ja-JP" altLang="en-US" dirty="0"/>
-              <a:t>ワーキングツリー</a:t>
-            </a:r>
-          </a:p>
-        </p:txBody>
-      </p:sp>
-      <p:sp>
-        <p:nvSpPr>
-          <p:cNvPr id="31" name="テキスト ボックス 30">
-            <a:extLst>
-              <a:ext uri="{FF2B5EF4-FFF2-40B4-BE49-F238E27FC236}">
-                <a16:creationId xmlns:a16="http://schemas.microsoft.com/office/drawing/2014/main" id="{E1AC9E01-679D-441B-B21A-76087C293D98}"/>
-              </a:ext>
-            </a:extLst>
-          </p:cNvPr>
-          <p:cNvSpPr txBox="1"/>
-          <p:nvPr/>
-        </p:nvSpPr>
-        <p:spPr>
-          <a:xfrm>
-            <a:off x="3491880" y="3573016"/>
-            <a:ext cx="1569660" cy="369332"/>
-          </a:xfrm>
-          <a:prstGeom prst="rect">
-            <a:avLst/>
-          </a:prstGeom>
-          <a:noFill/>
-        </p:spPr>
-        <p:txBody>
-          <a:bodyPr wrap="none" rtlCol="0">
-            <a:spAutoFit/>
-          </a:bodyPr>
-          <a:lstStyle/>
-          <a:p>
-            <a:r>
-              <a:rPr kumimoji="1" lang="ja-JP" altLang="en-US" dirty="0"/>
-              <a:t>インデックス</a:t>
-            </a:r>
-          </a:p>
-        </p:txBody>
-      </p:sp>
-      <p:sp>
-        <p:nvSpPr>
-          <p:cNvPr id="32" name="テキスト ボックス 31">
-            <a:extLst>
-              <a:ext uri="{FF2B5EF4-FFF2-40B4-BE49-F238E27FC236}">
-                <a16:creationId xmlns:a16="http://schemas.microsoft.com/office/drawing/2014/main" id="{39495AEB-2F4F-41F2-9635-E3DB7E7A516E}"/>
-              </a:ext>
-            </a:extLst>
-          </p:cNvPr>
-          <p:cNvSpPr txBox="1"/>
-          <p:nvPr/>
-        </p:nvSpPr>
-        <p:spPr>
-          <a:xfrm>
-            <a:off x="6012160" y="3573016"/>
-            <a:ext cx="1338828" cy="369332"/>
-          </a:xfrm>
-          <a:prstGeom prst="rect">
-            <a:avLst/>
-          </a:prstGeom>
-          <a:noFill/>
-        </p:spPr>
-        <p:txBody>
-          <a:bodyPr wrap="none" rtlCol="0">
-            <a:spAutoFit/>
-          </a:bodyPr>
-          <a:lstStyle/>
-          <a:p>
-            <a:r>
-              <a:rPr kumimoji="1" lang="ja-JP" altLang="en-US" dirty="0"/>
-              <a:t>リポジトリ</a:t>
-            </a:r>
-          </a:p>
-        </p:txBody>
-      </p:sp>
-      <p:sp>
-        <p:nvSpPr>
-          <p:cNvPr id="33" name="テキスト ボックス 32">
-            <a:extLst>
-              <a:ext uri="{FF2B5EF4-FFF2-40B4-BE49-F238E27FC236}">
-                <a16:creationId xmlns:a16="http://schemas.microsoft.com/office/drawing/2014/main" id="{D09CB076-973F-48F3-8C7F-C189F563791D}"/>
-              </a:ext>
-            </a:extLst>
-          </p:cNvPr>
-          <p:cNvSpPr txBox="1"/>
-          <p:nvPr/>
-        </p:nvSpPr>
-        <p:spPr>
-          <a:xfrm>
-            <a:off x="1475656" y="2708920"/>
-            <a:ext cx="5955476" cy="369332"/>
-          </a:xfrm>
-          <a:prstGeom prst="rect">
-            <a:avLst/>
-          </a:prstGeom>
-          <a:noFill/>
-        </p:spPr>
-        <p:txBody>
-          <a:bodyPr wrap="none" rtlCol="0">
-            <a:spAutoFit/>
-          </a:bodyPr>
-          <a:lstStyle/>
-          <a:p>
-            <a:r>
-              <a:rPr lang="ja-JP" altLang="en-US" dirty="0"/>
-              <a:t>ワーキングツリーからインデックスにファイルをコピー</a:t>
-            </a:r>
-            <a:endParaRPr kumimoji="1" lang="ja-JP" altLang="en-US" dirty="0"/>
+              <a:rPr kumimoji="1" lang="en-US" altLang="ja-JP"/>
+              <a:t>Ctrl+S</a:t>
+            </a:r>
+          </a:p>
+          <a:p>
+            <a:r>
+              <a:rPr lang="ja-JP" altLang="en-US"/>
+              <a:t>もしくは</a:t>
+            </a:r>
+            <a:endParaRPr lang="en-US" altLang="ja-JP"/>
+          </a:p>
+          <a:p>
+            <a:r>
+              <a:rPr kumimoji="1" lang="ja-JP" altLang="en-US"/>
+              <a:t>「ファイル」の</a:t>
+            </a:r>
+            <a:endParaRPr kumimoji="1" lang="en-US" altLang="ja-JP"/>
+          </a:p>
+          <a:p>
+            <a:r>
+              <a:rPr lang="ja-JP" altLang="en-US"/>
+              <a:t>「保存」をクリック</a:t>
+            </a:r>
+            <a:endParaRPr kumimoji="1" lang="ja-JP" altLang="en-US"/>
           </a:p>
         </p:txBody>
       </p:sp>
     </p:spTree>
     <p:extLst>
       <p:ext uri="{BB962C8B-B14F-4D97-AF65-F5344CB8AC3E}">
-        <p14:creationId xmlns:p14="http://schemas.microsoft.com/office/powerpoint/2010/main" val="1601488505"/>
+        <p14:creationId xmlns:p14="http://schemas.microsoft.com/office/powerpoint/2010/main" val="3646475559"/>
       </p:ext>
     </p:extLst>
   </p:cSld>
@@ -5388,6 +4515,1966 @@
           <p:cNvPr id="2" name="テキスト プレースホルダー 1">
             <a:extLst>
               <a:ext uri="{FF2B5EF4-FFF2-40B4-BE49-F238E27FC236}">
+                <a16:creationId xmlns:a16="http://schemas.microsoft.com/office/drawing/2014/main" id="{1B4E82F7-D8C3-4EF4-9BE5-671029CE4F25}"/>
+              </a:ext>
+            </a:extLst>
+          </p:cNvPr>
+          <p:cNvSpPr>
+            <a:spLocks noGrp="1"/>
+          </p:cNvSpPr>
+          <p:nvPr>
+            <p:ph type="body" sz="quarter" idx="10"/>
+          </p:nvPr>
+        </p:nvSpPr>
+        <p:spPr/>
+        <p:txBody>
+          <a:bodyPr/>
+          <a:lstStyle/>
+          <a:p>
+            <a:r>
+              <a:rPr kumimoji="1" lang="ja-JP" altLang="en-US" dirty="0"/>
+              <a:t>課題</a:t>
+            </a:r>
+            <a:r>
+              <a:rPr kumimoji="1" lang="en-US" altLang="ja-JP" dirty="0"/>
+              <a:t> – Step </a:t>
+            </a:r>
+            <a:r>
+              <a:rPr lang="en-US" altLang="ja-JP" dirty="0"/>
+              <a:t>2</a:t>
+            </a:r>
+            <a:endParaRPr kumimoji="1" lang="ja-JP" altLang="en-US" dirty="0"/>
+          </a:p>
+        </p:txBody>
+      </p:sp>
+      <p:sp>
+        <p:nvSpPr>
+          <p:cNvPr id="3" name="テキスト ボックス 2">
+            <a:extLst>
+              <a:ext uri="{FF2B5EF4-FFF2-40B4-BE49-F238E27FC236}">
+                <a16:creationId xmlns:a16="http://schemas.microsoft.com/office/drawing/2014/main" id="{7087E50B-F937-470F-A788-DADB82256C21}"/>
+              </a:ext>
+            </a:extLst>
+          </p:cNvPr>
+          <p:cNvSpPr txBox="1"/>
+          <p:nvPr/>
+        </p:nvSpPr>
+        <p:spPr>
+          <a:xfrm>
+            <a:off x="251520" y="1268760"/>
+            <a:ext cx="2954655" cy="461665"/>
+          </a:xfrm>
+          <a:prstGeom prst="rect">
+            <a:avLst/>
+          </a:prstGeom>
+          <a:noFill/>
+        </p:spPr>
+        <p:txBody>
+          <a:bodyPr wrap="none" rtlCol="0">
+            <a:spAutoFit/>
+          </a:bodyPr>
+          <a:lstStyle/>
+          <a:p>
+            <a:r>
+              <a:rPr lang="ja-JP" altLang="en-US" sz="2400" dirty="0"/>
+              <a:t>リポジトリの初期化</a:t>
+            </a:r>
+            <a:endParaRPr kumimoji="1" lang="ja-JP" altLang="en-US" sz="2400" dirty="0"/>
+          </a:p>
+        </p:txBody>
+      </p:sp>
+      <p:sp>
+        <p:nvSpPr>
+          <p:cNvPr id="4" name="テキスト ボックス 3">
+            <a:extLst>
+              <a:ext uri="{FF2B5EF4-FFF2-40B4-BE49-F238E27FC236}">
+                <a16:creationId xmlns:a16="http://schemas.microsoft.com/office/drawing/2014/main" id="{9E63A889-7056-4791-9531-03B0E36440CD}"/>
+              </a:ext>
+            </a:extLst>
+          </p:cNvPr>
+          <p:cNvSpPr txBox="1"/>
+          <p:nvPr/>
+        </p:nvSpPr>
+        <p:spPr>
+          <a:xfrm>
+            <a:off x="827584" y="1988840"/>
+            <a:ext cx="1313180" cy="400110"/>
+          </a:xfrm>
+          <a:prstGeom prst="rect">
+            <a:avLst/>
+          </a:prstGeom>
+          <a:noFill/>
+          <a:ln>
+            <a:solidFill>
+              <a:schemeClr val="tx1"/>
+            </a:solidFill>
+          </a:ln>
+        </p:spPr>
+        <p:txBody>
+          <a:bodyPr wrap="none" rtlCol="0">
+            <a:spAutoFit/>
+          </a:bodyPr>
+          <a:lstStyle/>
+          <a:p>
+            <a:r>
+              <a:rPr kumimoji="1" lang="en-US" altLang="ja-JP" sz="2000" dirty="0">
+                <a:latin typeface="Consolas" panose="020B0609020204030204" pitchFamily="49" charset="0"/>
+              </a:rPr>
+              <a:t>git init</a:t>
+            </a:r>
+            <a:endParaRPr kumimoji="1" lang="ja-JP" altLang="en-US" sz="2000" dirty="0">
+              <a:latin typeface="Consolas" panose="020B0609020204030204" pitchFamily="49" charset="0"/>
+            </a:endParaRPr>
+          </a:p>
+        </p:txBody>
+      </p:sp>
+      <p:pic>
+        <p:nvPicPr>
+          <p:cNvPr id="17" name="Picture 2" descr="フォルダのイラスト">
+            <a:extLst>
+              <a:ext uri="{FF2B5EF4-FFF2-40B4-BE49-F238E27FC236}">
+                <a16:creationId xmlns:a16="http://schemas.microsoft.com/office/drawing/2014/main" id="{77C3F71E-1B79-4D45-BFD2-EC76A6B7A27C}"/>
+              </a:ext>
+            </a:extLst>
+          </p:cNvPr>
+          <p:cNvPicPr>
+            <a:picLocks noChangeAspect="1" noChangeArrowheads="1"/>
+          </p:cNvPicPr>
+          <p:nvPr/>
+        </p:nvPicPr>
+        <p:blipFill>
+          <a:blip r:embed="rId2" cstate="print">
+            <a:extLst>
+              <a:ext uri="{28A0092B-C50C-407E-A947-70E740481C1C}">
+                <a14:useLocalDpi xmlns:a14="http://schemas.microsoft.com/office/drawing/2010/main" val="0"/>
+              </a:ext>
+            </a:extLst>
+          </a:blip>
+          <a:srcRect/>
+          <a:stretch>
+            <a:fillRect/>
+          </a:stretch>
+        </p:blipFill>
+        <p:spPr bwMode="auto">
+          <a:xfrm>
+            <a:off x="5652120" y="2492896"/>
+            <a:ext cx="702078" cy="587990"/>
+          </a:xfrm>
+          <a:prstGeom prst="rect">
+            <a:avLst/>
+          </a:prstGeom>
+          <a:noFill/>
+          <a:extLst>
+            <a:ext uri="{909E8E84-426E-40DD-AFC4-6F175D3DCCD1}">
+              <a14:hiddenFill xmlns:a14="http://schemas.microsoft.com/office/drawing/2010/main">
+                <a:solidFill>
+                  <a:srgbClr val="FFFFFF"/>
+                </a:solidFill>
+              </a14:hiddenFill>
+            </a:ext>
+          </a:extLst>
+        </p:spPr>
+      </p:pic>
+      <p:pic>
+        <p:nvPicPr>
+          <p:cNvPr id="18" name="Picture 2" descr="フォルダのイラスト">
+            <a:extLst>
+              <a:ext uri="{FF2B5EF4-FFF2-40B4-BE49-F238E27FC236}">
+                <a16:creationId xmlns:a16="http://schemas.microsoft.com/office/drawing/2014/main" id="{15B0C44E-9E01-48D7-BE8F-9649C4DADBB1}"/>
+              </a:ext>
+            </a:extLst>
+          </p:cNvPr>
+          <p:cNvPicPr>
+            <a:picLocks noChangeAspect="1" noChangeArrowheads="1"/>
+          </p:cNvPicPr>
+          <p:nvPr/>
+        </p:nvPicPr>
+        <p:blipFill>
+          <a:blip r:embed="rId2" cstate="print">
+            <a:extLst>
+              <a:ext uri="{28A0092B-C50C-407E-A947-70E740481C1C}">
+                <a14:useLocalDpi xmlns:a14="http://schemas.microsoft.com/office/drawing/2010/main" val="0"/>
+              </a:ext>
+            </a:extLst>
+          </a:blip>
+          <a:srcRect/>
+          <a:stretch>
+            <a:fillRect/>
+          </a:stretch>
+        </p:blipFill>
+        <p:spPr bwMode="auto">
+          <a:xfrm>
+            <a:off x="5641169" y="3356992"/>
+            <a:ext cx="702078" cy="587990"/>
+          </a:xfrm>
+          <a:prstGeom prst="rect">
+            <a:avLst/>
+          </a:prstGeom>
+          <a:noFill/>
+          <a:extLst>
+            <a:ext uri="{909E8E84-426E-40DD-AFC4-6F175D3DCCD1}">
+              <a14:hiddenFill xmlns:a14="http://schemas.microsoft.com/office/drawing/2010/main">
+                <a:solidFill>
+                  <a:srgbClr val="FFFFFF"/>
+                </a:solidFill>
+              </a14:hiddenFill>
+            </a:ext>
+          </a:extLst>
+        </p:spPr>
+      </p:pic>
+      <p:sp>
+        <p:nvSpPr>
+          <p:cNvPr id="19" name="テキスト ボックス 18">
+            <a:extLst>
+              <a:ext uri="{FF2B5EF4-FFF2-40B4-BE49-F238E27FC236}">
+                <a16:creationId xmlns:a16="http://schemas.microsoft.com/office/drawing/2014/main" id="{8FE4AB1F-7773-4A51-B51A-075764F71726}"/>
+              </a:ext>
+            </a:extLst>
+          </p:cNvPr>
+          <p:cNvSpPr txBox="1"/>
+          <p:nvPr/>
+        </p:nvSpPr>
+        <p:spPr>
+          <a:xfrm>
+            <a:off x="5796136" y="3429000"/>
+            <a:ext cx="428322" cy="369332"/>
+          </a:xfrm>
+          <a:prstGeom prst="rect">
+            <a:avLst/>
+          </a:prstGeom>
+          <a:noFill/>
+        </p:spPr>
+        <p:txBody>
+          <a:bodyPr wrap="none" rtlCol="0">
+            <a:spAutoFit/>
+          </a:bodyPr>
+          <a:lstStyle/>
+          <a:p>
+            <a:r>
+              <a:rPr kumimoji="1" lang="en-US" altLang="ja-JP" dirty="0"/>
+              <a:t>git</a:t>
+            </a:r>
+            <a:endParaRPr kumimoji="1" lang="ja-JP" altLang="en-US" dirty="0"/>
+          </a:p>
+        </p:txBody>
+      </p:sp>
+      <p:pic>
+        <p:nvPicPr>
+          <p:cNvPr id="20" name="Picture 2" descr="家のイラスト7">
+            <a:extLst>
+              <a:ext uri="{FF2B5EF4-FFF2-40B4-BE49-F238E27FC236}">
+                <a16:creationId xmlns:a16="http://schemas.microsoft.com/office/drawing/2014/main" id="{96C92BE0-04C8-484F-A127-C4CB590F4787}"/>
+              </a:ext>
+            </a:extLst>
+          </p:cNvPr>
+          <p:cNvPicPr>
+            <a:picLocks noChangeAspect="1" noChangeArrowheads="1"/>
+          </p:cNvPicPr>
+          <p:nvPr/>
+        </p:nvPicPr>
+        <p:blipFill>
+          <a:blip r:embed="rId3" cstate="print">
+            <a:extLst>
+              <a:ext uri="{28A0092B-C50C-407E-A947-70E740481C1C}">
+                <a14:useLocalDpi xmlns:a14="http://schemas.microsoft.com/office/drawing/2010/main" val="0"/>
+              </a:ext>
+            </a:extLst>
+          </a:blip>
+          <a:srcRect/>
+          <a:stretch>
+            <a:fillRect/>
+          </a:stretch>
+        </p:blipFill>
+        <p:spPr bwMode="auto">
+          <a:xfrm>
+            <a:off x="5796136" y="2636912"/>
+            <a:ext cx="360040" cy="336637"/>
+          </a:xfrm>
+          <a:prstGeom prst="rect">
+            <a:avLst/>
+          </a:prstGeom>
+          <a:noFill/>
+          <a:extLst>
+            <a:ext uri="{909E8E84-426E-40DD-AFC4-6F175D3DCCD1}">
+              <a14:hiddenFill xmlns:a14="http://schemas.microsoft.com/office/drawing/2010/main">
+                <a:solidFill>
+                  <a:srgbClr val="FFFFFF"/>
+                </a:solidFill>
+              </a14:hiddenFill>
+            </a:ext>
+          </a:extLst>
+        </p:spPr>
+      </p:pic>
+      <p:pic>
+        <p:nvPicPr>
+          <p:cNvPr id="22" name="Picture 2" descr="フォルダのイラスト">
+            <a:extLst>
+              <a:ext uri="{FF2B5EF4-FFF2-40B4-BE49-F238E27FC236}">
+                <a16:creationId xmlns:a16="http://schemas.microsoft.com/office/drawing/2014/main" id="{87237FFD-E698-4ECB-AC79-701CA704CE9D}"/>
+              </a:ext>
+            </a:extLst>
+          </p:cNvPr>
+          <p:cNvPicPr>
+            <a:picLocks noChangeAspect="1" noChangeArrowheads="1"/>
+          </p:cNvPicPr>
+          <p:nvPr/>
+        </p:nvPicPr>
+        <p:blipFill>
+          <a:blip r:embed="rId2" cstate="print">
+            <a:extLst>
+              <a:ext uri="{28A0092B-C50C-407E-A947-70E740481C1C}">
+                <a14:useLocalDpi xmlns:a14="http://schemas.microsoft.com/office/drawing/2010/main" val="0"/>
+              </a:ext>
+            </a:extLst>
+          </a:blip>
+          <a:srcRect/>
+          <a:stretch>
+            <a:fillRect/>
+          </a:stretch>
+        </p:blipFill>
+        <p:spPr bwMode="auto">
+          <a:xfrm>
+            <a:off x="5652120" y="4293096"/>
+            <a:ext cx="702078" cy="587990"/>
+          </a:xfrm>
+          <a:prstGeom prst="rect">
+            <a:avLst/>
+          </a:prstGeom>
+          <a:noFill/>
+          <a:extLst>
+            <a:ext uri="{909E8E84-426E-40DD-AFC4-6F175D3DCCD1}">
+              <a14:hiddenFill xmlns:a14="http://schemas.microsoft.com/office/drawing/2010/main">
+                <a:solidFill>
+                  <a:srgbClr val="FFFFFF"/>
+                </a:solidFill>
+              </a14:hiddenFill>
+            </a:ext>
+          </a:extLst>
+        </p:spPr>
+      </p:pic>
+      <p:sp>
+        <p:nvSpPr>
+          <p:cNvPr id="23" name="テキスト ボックス 22">
+            <a:extLst>
+              <a:ext uri="{FF2B5EF4-FFF2-40B4-BE49-F238E27FC236}">
+                <a16:creationId xmlns:a16="http://schemas.microsoft.com/office/drawing/2014/main" id="{66EC6AA8-F466-4F88-B288-5D0543BFDEEC}"/>
+              </a:ext>
+            </a:extLst>
+          </p:cNvPr>
+          <p:cNvSpPr txBox="1"/>
+          <p:nvPr/>
+        </p:nvSpPr>
+        <p:spPr>
+          <a:xfrm>
+            <a:off x="5724128" y="4437112"/>
+            <a:ext cx="556563" cy="369332"/>
+          </a:xfrm>
+          <a:prstGeom prst="rect">
+            <a:avLst/>
+          </a:prstGeom>
+          <a:noFill/>
+        </p:spPr>
+        <p:txBody>
+          <a:bodyPr wrap="none" rtlCol="0">
+            <a:spAutoFit/>
+          </a:bodyPr>
+          <a:lstStyle/>
+          <a:p>
+            <a:r>
+              <a:rPr kumimoji="1" lang="en-US" altLang="ja-JP" dirty="0"/>
+              <a:t>test</a:t>
+            </a:r>
+            <a:endParaRPr kumimoji="1" lang="ja-JP" altLang="en-US" dirty="0"/>
+          </a:p>
+        </p:txBody>
+      </p:sp>
+      <p:pic>
+        <p:nvPicPr>
+          <p:cNvPr id="24" name="Picture 2" descr="手を上げている男の子のイラスト">
+            <a:extLst>
+              <a:ext uri="{FF2B5EF4-FFF2-40B4-BE49-F238E27FC236}">
+                <a16:creationId xmlns:a16="http://schemas.microsoft.com/office/drawing/2014/main" id="{BFA8CAA8-BE2C-4A11-A5A6-FDC72144C55E}"/>
+              </a:ext>
+            </a:extLst>
+          </p:cNvPr>
+          <p:cNvPicPr>
+            <a:picLocks noChangeAspect="1" noChangeArrowheads="1"/>
+          </p:cNvPicPr>
+          <p:nvPr/>
+        </p:nvPicPr>
+        <p:blipFill>
+          <a:blip r:embed="rId4" cstate="print">
+            <a:extLst>
+              <a:ext uri="{28A0092B-C50C-407E-A947-70E740481C1C}">
+                <a14:useLocalDpi xmlns:a14="http://schemas.microsoft.com/office/drawing/2010/main" val="0"/>
+              </a:ext>
+            </a:extLst>
+          </a:blip>
+          <a:srcRect/>
+          <a:stretch>
+            <a:fillRect/>
+          </a:stretch>
+        </p:blipFill>
+        <p:spPr bwMode="auto">
+          <a:xfrm>
+            <a:off x="5144338" y="4293096"/>
+            <a:ext cx="385188" cy="536848"/>
+          </a:xfrm>
+          <a:prstGeom prst="rect">
+            <a:avLst/>
+          </a:prstGeom>
+          <a:noFill/>
+          <a:extLst>
+            <a:ext uri="{909E8E84-426E-40DD-AFC4-6F175D3DCCD1}">
+              <a14:hiddenFill xmlns:a14="http://schemas.microsoft.com/office/drawing/2010/main">
+                <a:solidFill>
+                  <a:srgbClr val="FFFFFF"/>
+                </a:solidFill>
+              </a14:hiddenFill>
+            </a:ext>
+          </a:extLst>
+        </p:spPr>
+      </p:pic>
+      <p:pic>
+        <p:nvPicPr>
+          <p:cNvPr id="26" name="Picture 2" descr="ファイルアイコン（テキスト）">
+            <a:extLst>
+              <a:ext uri="{FF2B5EF4-FFF2-40B4-BE49-F238E27FC236}">
+                <a16:creationId xmlns:a16="http://schemas.microsoft.com/office/drawing/2014/main" id="{D83F88DB-5F15-49EC-9D1E-2F0F7A92935B}"/>
+              </a:ext>
+            </a:extLst>
+          </p:cNvPr>
+          <p:cNvPicPr>
+            <a:picLocks noChangeAspect="1" noChangeArrowheads="1"/>
+          </p:cNvPicPr>
+          <p:nvPr/>
+        </p:nvPicPr>
+        <p:blipFill>
+          <a:blip r:embed="rId5" cstate="print">
+            <a:extLst>
+              <a:ext uri="{28A0092B-C50C-407E-A947-70E740481C1C}">
+                <a14:useLocalDpi xmlns:a14="http://schemas.microsoft.com/office/drawing/2010/main" val="0"/>
+              </a:ext>
+            </a:extLst>
+          </a:blip>
+          <a:srcRect/>
+          <a:stretch>
+            <a:fillRect/>
+          </a:stretch>
+        </p:blipFill>
+        <p:spPr bwMode="auto">
+          <a:xfrm>
+            <a:off x="6804248" y="5301208"/>
+            <a:ext cx="484265" cy="562372"/>
+          </a:xfrm>
+          <a:prstGeom prst="rect">
+            <a:avLst/>
+          </a:prstGeom>
+          <a:noFill/>
+          <a:extLst>
+            <a:ext uri="{909E8E84-426E-40DD-AFC4-6F175D3DCCD1}">
+              <a14:hiddenFill xmlns:a14="http://schemas.microsoft.com/office/drawing/2010/main">
+                <a:solidFill>
+                  <a:srgbClr val="FFFFFF"/>
+                </a:solidFill>
+              </a14:hiddenFill>
+            </a:ext>
+          </a:extLst>
+        </p:spPr>
+      </p:pic>
+      <p:sp>
+        <p:nvSpPr>
+          <p:cNvPr id="28" name="テキスト ボックス 27">
+            <a:extLst>
+              <a:ext uri="{FF2B5EF4-FFF2-40B4-BE49-F238E27FC236}">
+                <a16:creationId xmlns:a16="http://schemas.microsoft.com/office/drawing/2014/main" id="{5B814B22-C6E2-4292-AE9A-8D6A9E02089D}"/>
+              </a:ext>
+            </a:extLst>
+          </p:cNvPr>
+          <p:cNvSpPr txBox="1"/>
+          <p:nvPr/>
+        </p:nvSpPr>
+        <p:spPr>
+          <a:xfrm>
+            <a:off x="6372200" y="5877272"/>
+            <a:ext cx="1324402" cy="369332"/>
+          </a:xfrm>
+          <a:prstGeom prst="rect">
+            <a:avLst/>
+          </a:prstGeom>
+          <a:noFill/>
+        </p:spPr>
+        <p:txBody>
+          <a:bodyPr wrap="none" rtlCol="0">
+            <a:spAutoFit/>
+          </a:bodyPr>
+          <a:lstStyle/>
+          <a:p>
+            <a:r>
+              <a:rPr kumimoji="1" lang="en-US" altLang="ja-JP" dirty="0">
+                <a:latin typeface="Consolas" panose="020B0609020204030204" pitchFamily="49" charset="0"/>
+              </a:rPr>
+              <a:t>README.md</a:t>
+            </a:r>
+            <a:endParaRPr kumimoji="1" lang="ja-JP" altLang="en-US" dirty="0">
+              <a:latin typeface="Consolas" panose="020B0609020204030204" pitchFamily="49" charset="0"/>
+            </a:endParaRPr>
+          </a:p>
+        </p:txBody>
+      </p:sp>
+      <p:cxnSp>
+        <p:nvCxnSpPr>
+          <p:cNvPr id="32" name="直線コネクタ 31">
+            <a:extLst>
+              <a:ext uri="{FF2B5EF4-FFF2-40B4-BE49-F238E27FC236}">
+                <a16:creationId xmlns:a16="http://schemas.microsoft.com/office/drawing/2014/main" id="{4D4D6C26-848C-4248-B488-E4C7152D1C03}"/>
+              </a:ext>
+            </a:extLst>
+          </p:cNvPr>
+          <p:cNvCxnSpPr>
+            <a:cxnSpLocks/>
+          </p:cNvCxnSpPr>
+          <p:nvPr/>
+        </p:nvCxnSpPr>
+        <p:spPr>
+          <a:xfrm>
+            <a:off x="6012160" y="3068960"/>
+            <a:ext cx="1" cy="276106"/>
+          </a:xfrm>
+          <a:prstGeom prst="line">
+            <a:avLst/>
+          </a:prstGeom>
+          <a:ln>
+            <a:solidFill>
+              <a:schemeClr val="tx1"/>
+            </a:solidFill>
+            <a:headEnd type="none" w="med" len="med"/>
+            <a:tailEnd type="none" w="med" len="med"/>
+          </a:ln>
+        </p:spPr>
+        <p:style>
+          <a:lnRef idx="1">
+            <a:schemeClr val="accent1"/>
+          </a:lnRef>
+          <a:fillRef idx="0">
+            <a:schemeClr val="accent1"/>
+          </a:fillRef>
+          <a:effectRef idx="0">
+            <a:schemeClr val="accent1"/>
+          </a:effectRef>
+          <a:fontRef idx="minor">
+            <a:schemeClr val="tx1"/>
+          </a:fontRef>
+        </p:style>
+      </p:cxnSp>
+      <p:sp>
+        <p:nvSpPr>
+          <p:cNvPr id="37" name="円柱 36">
+            <a:extLst>
+              <a:ext uri="{FF2B5EF4-FFF2-40B4-BE49-F238E27FC236}">
+                <a16:creationId xmlns:a16="http://schemas.microsoft.com/office/drawing/2014/main" id="{FB089477-84E1-465E-A03D-9A8EF23FD339}"/>
+              </a:ext>
+            </a:extLst>
+          </p:cNvPr>
+          <p:cNvSpPr/>
+          <p:nvPr/>
+        </p:nvSpPr>
+        <p:spPr>
+          <a:xfrm>
+            <a:off x="5716379" y="5301208"/>
+            <a:ext cx="576064" cy="496072"/>
+          </a:xfrm>
+          <a:prstGeom prst="can">
+            <a:avLst/>
+          </a:prstGeom>
+          <a:solidFill>
+            <a:schemeClr val="accent2">
+              <a:lumMod val="20000"/>
+              <a:lumOff val="80000"/>
+            </a:schemeClr>
+          </a:solidFill>
+          <a:ln>
+            <a:solidFill>
+              <a:schemeClr val="tx1"/>
+            </a:solidFill>
+          </a:ln>
+        </p:spPr>
+        <p:style>
+          <a:lnRef idx="2">
+            <a:schemeClr val="accent1">
+              <a:shade val="50000"/>
+            </a:schemeClr>
+          </a:lnRef>
+          <a:fillRef idx="1">
+            <a:schemeClr val="accent1"/>
+          </a:fillRef>
+          <a:effectRef idx="0">
+            <a:schemeClr val="accent1"/>
+          </a:effectRef>
+          <a:fontRef idx="minor">
+            <a:schemeClr val="lt1"/>
+          </a:fontRef>
+        </p:style>
+        <p:txBody>
+          <a:bodyPr rtlCol="0" anchor="ctr"/>
+          <a:lstStyle/>
+          <a:p>
+            <a:pPr algn="ctr"/>
+            <a:r>
+              <a:rPr kumimoji="1" lang="en-US" altLang="ja-JP" sz="1200" dirty="0">
+                <a:solidFill>
+                  <a:schemeClr val="tx1"/>
+                </a:solidFill>
+                <a:latin typeface="Consolas" panose="020B0609020204030204" pitchFamily="49" charset="0"/>
+              </a:rPr>
+              <a:t>.git</a:t>
+            </a:r>
+            <a:endParaRPr kumimoji="1" lang="ja-JP" altLang="en-US" sz="1200" dirty="0">
+              <a:solidFill>
+                <a:schemeClr val="tx1"/>
+              </a:solidFill>
+              <a:latin typeface="Consolas" panose="020B0609020204030204" pitchFamily="49" charset="0"/>
+            </a:endParaRPr>
+          </a:p>
+        </p:txBody>
+      </p:sp>
+      <p:cxnSp>
+        <p:nvCxnSpPr>
+          <p:cNvPr id="39" name="コネクタ: カギ線 38">
+            <a:extLst>
+              <a:ext uri="{FF2B5EF4-FFF2-40B4-BE49-F238E27FC236}">
+                <a16:creationId xmlns:a16="http://schemas.microsoft.com/office/drawing/2014/main" id="{780D1C17-4B15-4CCD-84D0-A1866F77A685}"/>
+              </a:ext>
+            </a:extLst>
+          </p:cNvPr>
+          <p:cNvCxnSpPr>
+            <a:stCxn id="22" idx="2"/>
+            <a:endCxn id="26" idx="0"/>
+          </p:cNvCxnSpPr>
+          <p:nvPr/>
+        </p:nvCxnSpPr>
+        <p:spPr>
+          <a:xfrm rot="16200000" flipH="1">
+            <a:off x="6314709" y="4569536"/>
+            <a:ext cx="420122" cy="1043222"/>
+          </a:xfrm>
+          <a:prstGeom prst="bentConnector3">
+            <a:avLst/>
+          </a:prstGeom>
+          <a:ln>
+            <a:solidFill>
+              <a:schemeClr val="tx1"/>
+            </a:solidFill>
+            <a:headEnd type="none" w="med" len="med"/>
+            <a:tailEnd type="none" w="med" len="med"/>
+          </a:ln>
+        </p:spPr>
+        <p:style>
+          <a:lnRef idx="1">
+            <a:schemeClr val="accent1"/>
+          </a:lnRef>
+          <a:fillRef idx="0">
+            <a:schemeClr val="accent1"/>
+          </a:fillRef>
+          <a:effectRef idx="0">
+            <a:schemeClr val="accent1"/>
+          </a:effectRef>
+          <a:fontRef idx="minor">
+            <a:schemeClr val="tx1"/>
+          </a:fontRef>
+        </p:style>
+      </p:cxnSp>
+      <p:cxnSp>
+        <p:nvCxnSpPr>
+          <p:cNvPr id="41" name="直線コネクタ 40">
+            <a:extLst>
+              <a:ext uri="{FF2B5EF4-FFF2-40B4-BE49-F238E27FC236}">
+                <a16:creationId xmlns:a16="http://schemas.microsoft.com/office/drawing/2014/main" id="{D527BD5F-8994-4FD4-B37E-14972D4A5ECD}"/>
+              </a:ext>
+            </a:extLst>
+          </p:cNvPr>
+          <p:cNvCxnSpPr>
+            <a:stCxn id="22" idx="2"/>
+            <a:endCxn id="37" idx="1"/>
+          </p:cNvCxnSpPr>
+          <p:nvPr/>
+        </p:nvCxnSpPr>
+        <p:spPr>
+          <a:xfrm>
+            <a:off x="6003159" y="4881086"/>
+            <a:ext cx="1252" cy="420122"/>
+          </a:xfrm>
+          <a:prstGeom prst="line">
+            <a:avLst/>
+          </a:prstGeom>
+          <a:ln>
+            <a:solidFill>
+              <a:schemeClr val="tx1"/>
+            </a:solidFill>
+            <a:headEnd type="none" w="med" len="med"/>
+            <a:tailEnd type="none" w="med" len="med"/>
+          </a:ln>
+        </p:spPr>
+        <p:style>
+          <a:lnRef idx="1">
+            <a:schemeClr val="accent1"/>
+          </a:lnRef>
+          <a:fillRef idx="0">
+            <a:schemeClr val="accent1"/>
+          </a:fillRef>
+          <a:effectRef idx="0">
+            <a:schemeClr val="accent1"/>
+          </a:effectRef>
+          <a:fontRef idx="minor">
+            <a:schemeClr val="tx1"/>
+          </a:fontRef>
+        </p:style>
+      </p:cxnSp>
+      <p:sp>
+        <p:nvSpPr>
+          <p:cNvPr id="42" name="テキスト ボックス 41">
+            <a:extLst>
+              <a:ext uri="{FF2B5EF4-FFF2-40B4-BE49-F238E27FC236}">
+                <a16:creationId xmlns:a16="http://schemas.microsoft.com/office/drawing/2014/main" id="{344FBCD8-7A8F-4A5D-B382-3FE27B2EE256}"/>
+              </a:ext>
+            </a:extLst>
+          </p:cNvPr>
+          <p:cNvSpPr txBox="1"/>
+          <p:nvPr/>
+        </p:nvSpPr>
+        <p:spPr>
+          <a:xfrm>
+            <a:off x="1835696" y="5301208"/>
+            <a:ext cx="3031599" cy="646331"/>
+          </a:xfrm>
+          <a:prstGeom prst="rect">
+            <a:avLst/>
+          </a:prstGeom>
+          <a:noFill/>
+        </p:spPr>
+        <p:txBody>
+          <a:bodyPr wrap="none" rtlCol="0">
+            <a:spAutoFit/>
+          </a:bodyPr>
+          <a:lstStyle/>
+          <a:p>
+            <a:r>
+              <a:rPr kumimoji="1" lang="en-US" altLang="ja-JP" dirty="0"/>
+              <a:t>.git</a:t>
+            </a:r>
+            <a:r>
+              <a:rPr kumimoji="1" lang="ja-JP" altLang="en-US" dirty="0"/>
+              <a:t>ディレクトリが作られ、</a:t>
+            </a:r>
+            <a:endParaRPr kumimoji="1" lang="en-US" altLang="ja-JP" dirty="0"/>
+          </a:p>
+          <a:p>
+            <a:r>
+              <a:rPr lang="en-US" altLang="ja-JP" dirty="0"/>
+              <a:t>test</a:t>
+            </a:r>
+            <a:r>
+              <a:rPr lang="ja-JP" altLang="en-US" dirty="0"/>
+              <a:t>が</a:t>
+            </a:r>
+            <a:r>
+              <a:rPr lang="en-US" altLang="ja-JP" dirty="0"/>
+              <a:t>git</a:t>
+            </a:r>
+            <a:r>
+              <a:rPr lang="ja-JP" altLang="en-US" dirty="0"/>
+              <a:t>管理下に入る</a:t>
+            </a:r>
+            <a:endParaRPr kumimoji="1" lang="ja-JP" altLang="en-US" dirty="0"/>
+          </a:p>
+        </p:txBody>
+      </p:sp>
+      <p:sp>
+        <p:nvSpPr>
+          <p:cNvPr id="43" name="矢印: 右 42">
+            <a:extLst>
+              <a:ext uri="{FF2B5EF4-FFF2-40B4-BE49-F238E27FC236}">
+                <a16:creationId xmlns:a16="http://schemas.microsoft.com/office/drawing/2014/main" id="{373C243E-6166-44CF-8E1A-E2CD3FA62F7F}"/>
+              </a:ext>
+            </a:extLst>
+          </p:cNvPr>
+          <p:cNvSpPr/>
+          <p:nvPr/>
+        </p:nvSpPr>
+        <p:spPr>
+          <a:xfrm>
+            <a:off x="4860032" y="5373216"/>
+            <a:ext cx="648072" cy="412624"/>
+          </a:xfrm>
+          <a:prstGeom prst="rightArrow">
+            <a:avLst/>
+          </a:prstGeom>
+          <a:solidFill>
+            <a:srgbClr val="FF0000"/>
+          </a:solidFill>
+          <a:ln>
+            <a:solidFill>
+              <a:schemeClr val="tx1"/>
+            </a:solidFill>
+          </a:ln>
+        </p:spPr>
+        <p:style>
+          <a:lnRef idx="2">
+            <a:schemeClr val="accent1">
+              <a:shade val="50000"/>
+            </a:schemeClr>
+          </a:lnRef>
+          <a:fillRef idx="1">
+            <a:schemeClr val="accent1"/>
+          </a:fillRef>
+          <a:effectRef idx="0">
+            <a:schemeClr val="accent1"/>
+          </a:effectRef>
+          <a:fontRef idx="minor">
+            <a:schemeClr val="lt1"/>
+          </a:fontRef>
+        </p:style>
+        <p:txBody>
+          <a:bodyPr rtlCol="0" anchor="ctr"/>
+          <a:lstStyle/>
+          <a:p>
+            <a:pPr algn="ctr"/>
+            <a:endParaRPr kumimoji="1" lang="ja-JP" altLang="en-US"/>
+          </a:p>
+        </p:txBody>
+      </p:sp>
+      <p:cxnSp>
+        <p:nvCxnSpPr>
+          <p:cNvPr id="45" name="直線コネクタ 44">
+            <a:extLst>
+              <a:ext uri="{FF2B5EF4-FFF2-40B4-BE49-F238E27FC236}">
+                <a16:creationId xmlns:a16="http://schemas.microsoft.com/office/drawing/2014/main" id="{621CC2CF-DE5F-4557-8A96-2DA816C1AC6C}"/>
+              </a:ext>
+            </a:extLst>
+          </p:cNvPr>
+          <p:cNvCxnSpPr>
+            <a:cxnSpLocks/>
+          </p:cNvCxnSpPr>
+          <p:nvPr/>
+        </p:nvCxnSpPr>
+        <p:spPr>
+          <a:xfrm>
+            <a:off x="6012160" y="3933056"/>
+            <a:ext cx="1" cy="276106"/>
+          </a:xfrm>
+          <a:prstGeom prst="line">
+            <a:avLst/>
+          </a:prstGeom>
+          <a:ln>
+            <a:solidFill>
+              <a:schemeClr val="tx1"/>
+            </a:solidFill>
+            <a:headEnd type="none" w="med" len="med"/>
+            <a:tailEnd type="none" w="med" len="med"/>
+          </a:ln>
+        </p:spPr>
+        <p:style>
+          <a:lnRef idx="1">
+            <a:schemeClr val="accent1"/>
+          </a:lnRef>
+          <a:fillRef idx="0">
+            <a:schemeClr val="accent1"/>
+          </a:fillRef>
+          <a:effectRef idx="0">
+            <a:schemeClr val="accent1"/>
+          </a:effectRef>
+          <a:fontRef idx="minor">
+            <a:schemeClr val="tx1"/>
+          </a:fontRef>
+        </p:style>
+      </p:cxnSp>
+    </p:spTree>
+    <p:extLst>
+      <p:ext uri="{BB962C8B-B14F-4D97-AF65-F5344CB8AC3E}">
+        <p14:creationId xmlns:p14="http://schemas.microsoft.com/office/powerpoint/2010/main" val="3149631915"/>
+      </p:ext>
+    </p:extLst>
+  </p:cSld>
+  <p:clrMapOvr>
+    <a:masterClrMapping/>
+  </p:clrMapOvr>
+</p:sld>
+</file>
+
+<file path=ppt/slides/slide19.xml><?xml version="1.0" encoding="utf-8"?>
+<p:sld xmlns:a="http://schemas.openxmlformats.org/drawingml/2006/main" xmlns:r="http://schemas.openxmlformats.org/officeDocument/2006/relationships" xmlns:p="http://schemas.openxmlformats.org/presentationml/2006/main">
+  <p:cSld>
+    <p:spTree>
+      <p:nvGrpSpPr>
+        <p:cNvPr id="1" name=""/>
+        <p:cNvGrpSpPr/>
+        <p:nvPr/>
+      </p:nvGrpSpPr>
+      <p:grpSpPr>
+        <a:xfrm>
+          <a:off x="0" y="0"/>
+          <a:ext cx="0" cy="0"/>
+          <a:chOff x="0" y="0"/>
+          <a:chExt cx="0" cy="0"/>
+        </a:xfrm>
+      </p:grpSpPr>
+      <p:sp>
+        <p:nvSpPr>
+          <p:cNvPr id="2" name="テキスト プレースホルダー 1">
+            <a:extLst>
+              <a:ext uri="{FF2B5EF4-FFF2-40B4-BE49-F238E27FC236}">
+                <a16:creationId xmlns:a16="http://schemas.microsoft.com/office/drawing/2014/main" id="{30D6949F-1813-4447-9157-E9ED37781396}"/>
+              </a:ext>
+            </a:extLst>
+          </p:cNvPr>
+          <p:cNvSpPr>
+            <a:spLocks noGrp="1"/>
+          </p:cNvSpPr>
+          <p:nvPr>
+            <p:ph type="body" sz="quarter" idx="10"/>
+          </p:nvPr>
+        </p:nvSpPr>
+        <p:spPr/>
+        <p:txBody>
+          <a:bodyPr/>
+          <a:lstStyle/>
+          <a:p>
+            <a:r>
+              <a:rPr kumimoji="1" lang="ja-JP" altLang="en-US" dirty="0"/>
+              <a:t>課題</a:t>
+            </a:r>
+            <a:r>
+              <a:rPr kumimoji="1" lang="en-US" altLang="ja-JP" dirty="0"/>
+              <a:t> – Step 3</a:t>
+            </a:r>
+            <a:endParaRPr kumimoji="1" lang="ja-JP" altLang="en-US" dirty="0"/>
+          </a:p>
+        </p:txBody>
+      </p:sp>
+      <p:sp>
+        <p:nvSpPr>
+          <p:cNvPr id="3" name="テキスト ボックス 2">
+            <a:extLst>
+              <a:ext uri="{FF2B5EF4-FFF2-40B4-BE49-F238E27FC236}">
+                <a16:creationId xmlns:a16="http://schemas.microsoft.com/office/drawing/2014/main" id="{C825AA7E-4BB7-4B61-A922-AD85F3607730}"/>
+              </a:ext>
+            </a:extLst>
+          </p:cNvPr>
+          <p:cNvSpPr txBox="1"/>
+          <p:nvPr/>
+        </p:nvSpPr>
+        <p:spPr>
+          <a:xfrm>
+            <a:off x="251520" y="1268760"/>
+            <a:ext cx="3262432" cy="461665"/>
+          </a:xfrm>
+          <a:prstGeom prst="rect">
+            <a:avLst/>
+          </a:prstGeom>
+          <a:noFill/>
+        </p:spPr>
+        <p:txBody>
+          <a:bodyPr wrap="none" rtlCol="0">
+            <a:spAutoFit/>
+          </a:bodyPr>
+          <a:lstStyle/>
+          <a:p>
+            <a:r>
+              <a:rPr kumimoji="1" lang="ja-JP" altLang="en-US" sz="2400" dirty="0"/>
+              <a:t>インデックスへの追加</a:t>
+            </a:r>
+          </a:p>
+        </p:txBody>
+      </p:sp>
+      <p:sp>
+        <p:nvSpPr>
+          <p:cNvPr id="4" name="テキスト ボックス 3">
+            <a:extLst>
+              <a:ext uri="{FF2B5EF4-FFF2-40B4-BE49-F238E27FC236}">
+                <a16:creationId xmlns:a16="http://schemas.microsoft.com/office/drawing/2014/main" id="{B1B33A85-598F-4AE2-A492-6901FCB76B85}"/>
+              </a:ext>
+            </a:extLst>
+          </p:cNvPr>
+          <p:cNvSpPr txBox="1"/>
+          <p:nvPr/>
+        </p:nvSpPr>
+        <p:spPr>
+          <a:xfrm>
+            <a:off x="827584" y="1988840"/>
+            <a:ext cx="2582758" cy="400110"/>
+          </a:xfrm>
+          <a:prstGeom prst="rect">
+            <a:avLst/>
+          </a:prstGeom>
+          <a:noFill/>
+          <a:ln>
+            <a:solidFill>
+              <a:schemeClr val="tx1"/>
+            </a:solidFill>
+          </a:ln>
+        </p:spPr>
+        <p:txBody>
+          <a:bodyPr wrap="none" rtlCol="0">
+            <a:spAutoFit/>
+          </a:bodyPr>
+          <a:lstStyle/>
+          <a:p>
+            <a:r>
+              <a:rPr kumimoji="1" lang="en-US" altLang="ja-JP" sz="2000" dirty="0">
+                <a:latin typeface="Consolas" panose="020B0609020204030204" pitchFamily="49" charset="0"/>
+              </a:rPr>
+              <a:t>git add </a:t>
+            </a:r>
+            <a:r>
+              <a:rPr lang="en-US" altLang="ja-JP" sz="2000" dirty="0">
+                <a:latin typeface="Consolas" panose="020B0609020204030204" pitchFamily="49" charset="0"/>
+              </a:rPr>
+              <a:t>README.md</a:t>
+            </a:r>
+            <a:endParaRPr kumimoji="1" lang="ja-JP" altLang="en-US" sz="2000" dirty="0">
+              <a:latin typeface="Consolas" panose="020B0609020204030204" pitchFamily="49" charset="0"/>
+            </a:endParaRPr>
+          </a:p>
+        </p:txBody>
+      </p:sp>
+      <p:pic>
+        <p:nvPicPr>
+          <p:cNvPr id="5" name="Picture 2" descr="フォルダのイラスト">
+            <a:extLst>
+              <a:ext uri="{FF2B5EF4-FFF2-40B4-BE49-F238E27FC236}">
+                <a16:creationId xmlns:a16="http://schemas.microsoft.com/office/drawing/2014/main" id="{18D15AF1-F12E-4775-9B54-8D28C7159E89}"/>
+              </a:ext>
+            </a:extLst>
+          </p:cNvPr>
+          <p:cNvPicPr>
+            <a:picLocks noChangeAspect="1" noChangeArrowheads="1"/>
+          </p:cNvPicPr>
+          <p:nvPr/>
+        </p:nvPicPr>
+        <p:blipFill>
+          <a:blip r:embed="rId2" cstate="print">
+            <a:extLst>
+              <a:ext uri="{28A0092B-C50C-407E-A947-70E740481C1C}">
+                <a14:useLocalDpi xmlns:a14="http://schemas.microsoft.com/office/drawing/2010/main" val="0"/>
+              </a:ext>
+            </a:extLst>
+          </a:blip>
+          <a:srcRect/>
+          <a:stretch>
+            <a:fillRect/>
+          </a:stretch>
+        </p:blipFill>
+        <p:spPr bwMode="auto">
+          <a:xfrm>
+            <a:off x="1331640" y="4437112"/>
+            <a:ext cx="702078" cy="587990"/>
+          </a:xfrm>
+          <a:prstGeom prst="rect">
+            <a:avLst/>
+          </a:prstGeom>
+          <a:noFill/>
+          <a:extLst>
+            <a:ext uri="{909E8E84-426E-40DD-AFC4-6F175D3DCCD1}">
+              <a14:hiddenFill xmlns:a14="http://schemas.microsoft.com/office/drawing/2010/main">
+                <a:solidFill>
+                  <a:srgbClr val="FFFFFF"/>
+                </a:solidFill>
+              </a14:hiddenFill>
+            </a:ext>
+          </a:extLst>
+        </p:spPr>
+      </p:pic>
+      <p:cxnSp>
+        <p:nvCxnSpPr>
+          <p:cNvPr id="8" name="直線コネクタ 7">
+            <a:extLst>
+              <a:ext uri="{FF2B5EF4-FFF2-40B4-BE49-F238E27FC236}">
+                <a16:creationId xmlns:a16="http://schemas.microsoft.com/office/drawing/2014/main" id="{F8407356-2EEF-475B-BD96-744D38FA28A5}"/>
+              </a:ext>
+            </a:extLst>
+          </p:cNvPr>
+          <p:cNvCxnSpPr>
+            <a:stCxn id="5" idx="2"/>
+          </p:cNvCxnSpPr>
+          <p:nvPr/>
+        </p:nvCxnSpPr>
+        <p:spPr>
+          <a:xfrm>
+            <a:off x="1682679" y="5025102"/>
+            <a:ext cx="1847" cy="204098"/>
+          </a:xfrm>
+          <a:prstGeom prst="line">
+            <a:avLst/>
+          </a:prstGeom>
+          <a:ln>
+            <a:solidFill>
+              <a:schemeClr val="tx1"/>
+            </a:solidFill>
+            <a:headEnd type="none" w="med" len="med"/>
+            <a:tailEnd type="none" w="med" len="med"/>
+          </a:ln>
+        </p:spPr>
+        <p:style>
+          <a:lnRef idx="1">
+            <a:schemeClr val="accent1"/>
+          </a:lnRef>
+          <a:fillRef idx="0">
+            <a:schemeClr val="accent1"/>
+          </a:fillRef>
+          <a:effectRef idx="0">
+            <a:schemeClr val="accent1"/>
+          </a:effectRef>
+          <a:fontRef idx="minor">
+            <a:schemeClr val="tx1"/>
+          </a:fontRef>
+        </p:style>
+      </p:cxnSp>
+      <p:sp>
+        <p:nvSpPr>
+          <p:cNvPr id="12" name="四角形: 角を丸くする 11">
+            <a:extLst>
+              <a:ext uri="{FF2B5EF4-FFF2-40B4-BE49-F238E27FC236}">
+                <a16:creationId xmlns:a16="http://schemas.microsoft.com/office/drawing/2014/main" id="{F6A0015E-52EB-4515-BE29-BA3C6882C986}"/>
+              </a:ext>
+            </a:extLst>
+          </p:cNvPr>
+          <p:cNvSpPr/>
+          <p:nvPr/>
+        </p:nvSpPr>
+        <p:spPr>
+          <a:xfrm>
+            <a:off x="755576" y="4077072"/>
+            <a:ext cx="2232248" cy="2304256"/>
+          </a:xfrm>
+          <a:prstGeom prst="roundRect">
+            <a:avLst/>
+          </a:prstGeom>
+          <a:noFill/>
+          <a:ln w="38100">
+            <a:solidFill>
+              <a:schemeClr val="tx1"/>
+            </a:solidFill>
+            <a:prstDash val="dash"/>
+          </a:ln>
+        </p:spPr>
+        <p:style>
+          <a:lnRef idx="2">
+            <a:schemeClr val="accent1">
+              <a:shade val="50000"/>
+            </a:schemeClr>
+          </a:lnRef>
+          <a:fillRef idx="1">
+            <a:schemeClr val="accent1"/>
+          </a:fillRef>
+          <a:effectRef idx="0">
+            <a:schemeClr val="accent1"/>
+          </a:effectRef>
+          <a:fontRef idx="minor">
+            <a:schemeClr val="lt1"/>
+          </a:fontRef>
+        </p:style>
+        <p:txBody>
+          <a:bodyPr rtlCol="0" anchor="ctr"/>
+          <a:lstStyle/>
+          <a:p>
+            <a:pPr algn="ctr"/>
+            <a:endParaRPr kumimoji="1" lang="ja-JP" altLang="en-US"/>
+          </a:p>
+        </p:txBody>
+      </p:sp>
+      <p:pic>
+        <p:nvPicPr>
+          <p:cNvPr id="17" name="Picture 2" descr="ファイルアイコン（テキスト）">
+            <a:extLst>
+              <a:ext uri="{FF2B5EF4-FFF2-40B4-BE49-F238E27FC236}">
+                <a16:creationId xmlns:a16="http://schemas.microsoft.com/office/drawing/2014/main" id="{64E6CA5A-13F5-47BA-B83D-5B9015506994}"/>
+              </a:ext>
+            </a:extLst>
+          </p:cNvPr>
+          <p:cNvPicPr>
+            <a:picLocks noChangeAspect="1" noChangeArrowheads="1"/>
+          </p:cNvPicPr>
+          <p:nvPr/>
+        </p:nvPicPr>
+        <p:blipFill>
+          <a:blip r:embed="rId3" cstate="print">
+            <a:extLst>
+              <a:ext uri="{28A0092B-C50C-407E-A947-70E740481C1C}">
+                <a14:useLocalDpi xmlns:a14="http://schemas.microsoft.com/office/drawing/2010/main" val="0"/>
+              </a:ext>
+            </a:extLst>
+          </a:blip>
+          <a:srcRect/>
+          <a:stretch>
+            <a:fillRect/>
+          </a:stretch>
+        </p:blipFill>
+        <p:spPr bwMode="auto">
+          <a:xfrm>
+            <a:off x="1423439" y="5229200"/>
+            <a:ext cx="484265" cy="562372"/>
+          </a:xfrm>
+          <a:prstGeom prst="rect">
+            <a:avLst/>
+          </a:prstGeom>
+          <a:noFill/>
+          <a:extLst>
+            <a:ext uri="{909E8E84-426E-40DD-AFC4-6F175D3DCCD1}">
+              <a14:hiddenFill xmlns:a14="http://schemas.microsoft.com/office/drawing/2010/main">
+                <a:solidFill>
+                  <a:srgbClr val="FFFFFF"/>
+                </a:solidFill>
+              </a14:hiddenFill>
+            </a:ext>
+          </a:extLst>
+        </p:spPr>
+      </p:pic>
+      <p:sp>
+        <p:nvSpPr>
+          <p:cNvPr id="18" name="テキスト ボックス 17">
+            <a:extLst>
+              <a:ext uri="{FF2B5EF4-FFF2-40B4-BE49-F238E27FC236}">
+                <a16:creationId xmlns:a16="http://schemas.microsoft.com/office/drawing/2014/main" id="{4EC905F6-249C-4A58-AA57-00DBC66FD999}"/>
+              </a:ext>
+            </a:extLst>
+          </p:cNvPr>
+          <p:cNvSpPr txBox="1"/>
+          <p:nvPr/>
+        </p:nvSpPr>
+        <p:spPr>
+          <a:xfrm>
+            <a:off x="1187624" y="5733256"/>
+            <a:ext cx="1324402" cy="369332"/>
+          </a:xfrm>
+          <a:prstGeom prst="rect">
+            <a:avLst/>
+          </a:prstGeom>
+          <a:noFill/>
+        </p:spPr>
+        <p:txBody>
+          <a:bodyPr wrap="none" rtlCol="0">
+            <a:spAutoFit/>
+          </a:bodyPr>
+          <a:lstStyle/>
+          <a:p>
+            <a:r>
+              <a:rPr kumimoji="1" lang="en-US" altLang="ja-JP" dirty="0">
+                <a:latin typeface="Consolas" panose="020B0609020204030204" pitchFamily="49" charset="0"/>
+              </a:rPr>
+              <a:t>README.md</a:t>
+            </a:r>
+            <a:endParaRPr kumimoji="1" lang="ja-JP" altLang="en-US" dirty="0">
+              <a:latin typeface="Consolas" panose="020B0609020204030204" pitchFamily="49" charset="0"/>
+            </a:endParaRPr>
+          </a:p>
+        </p:txBody>
+      </p:sp>
+      <p:pic>
+        <p:nvPicPr>
+          <p:cNvPr id="19" name="Picture 2" descr="フォルダのイラスト">
+            <a:extLst>
+              <a:ext uri="{FF2B5EF4-FFF2-40B4-BE49-F238E27FC236}">
+                <a16:creationId xmlns:a16="http://schemas.microsoft.com/office/drawing/2014/main" id="{5159C917-48D7-4BAF-AD52-D9DE66C76EA8}"/>
+              </a:ext>
+            </a:extLst>
+          </p:cNvPr>
+          <p:cNvPicPr>
+            <a:picLocks noChangeAspect="1" noChangeArrowheads="1"/>
+          </p:cNvPicPr>
+          <p:nvPr/>
+        </p:nvPicPr>
+        <p:blipFill>
+          <a:blip r:embed="rId2" cstate="print">
+            <a:extLst>
+              <a:ext uri="{28A0092B-C50C-407E-A947-70E740481C1C}">
+                <a14:useLocalDpi xmlns:a14="http://schemas.microsoft.com/office/drawing/2010/main" val="0"/>
+              </a:ext>
+            </a:extLst>
+          </a:blip>
+          <a:srcRect/>
+          <a:stretch>
+            <a:fillRect/>
+          </a:stretch>
+        </p:blipFill>
+        <p:spPr bwMode="auto">
+          <a:xfrm>
+            <a:off x="3923928" y="4437112"/>
+            <a:ext cx="702078" cy="587990"/>
+          </a:xfrm>
+          <a:prstGeom prst="rect">
+            <a:avLst/>
+          </a:prstGeom>
+          <a:noFill/>
+          <a:extLst>
+            <a:ext uri="{909E8E84-426E-40DD-AFC4-6F175D3DCCD1}">
+              <a14:hiddenFill xmlns:a14="http://schemas.microsoft.com/office/drawing/2010/main">
+                <a:solidFill>
+                  <a:srgbClr val="FFFFFF"/>
+                </a:solidFill>
+              </a14:hiddenFill>
+            </a:ext>
+          </a:extLst>
+        </p:spPr>
+      </p:pic>
+      <p:cxnSp>
+        <p:nvCxnSpPr>
+          <p:cNvPr id="20" name="直線コネクタ 19">
+            <a:extLst>
+              <a:ext uri="{FF2B5EF4-FFF2-40B4-BE49-F238E27FC236}">
+                <a16:creationId xmlns:a16="http://schemas.microsoft.com/office/drawing/2014/main" id="{00DF17CC-3FE4-49A5-BE69-8BF1AB65E3E3}"/>
+              </a:ext>
+            </a:extLst>
+          </p:cNvPr>
+          <p:cNvCxnSpPr>
+            <a:stCxn id="19" idx="2"/>
+          </p:cNvCxnSpPr>
+          <p:nvPr/>
+        </p:nvCxnSpPr>
+        <p:spPr>
+          <a:xfrm>
+            <a:off x="4274967" y="5025102"/>
+            <a:ext cx="1847" cy="204098"/>
+          </a:xfrm>
+          <a:prstGeom prst="line">
+            <a:avLst/>
+          </a:prstGeom>
+          <a:ln>
+            <a:solidFill>
+              <a:schemeClr val="tx1"/>
+            </a:solidFill>
+            <a:headEnd type="none" w="med" len="med"/>
+            <a:tailEnd type="none" w="med" len="med"/>
+          </a:ln>
+        </p:spPr>
+        <p:style>
+          <a:lnRef idx="1">
+            <a:schemeClr val="accent1"/>
+          </a:lnRef>
+          <a:fillRef idx="0">
+            <a:schemeClr val="accent1"/>
+          </a:fillRef>
+          <a:effectRef idx="0">
+            <a:schemeClr val="accent1"/>
+          </a:effectRef>
+          <a:fontRef idx="minor">
+            <a:schemeClr val="tx1"/>
+          </a:fontRef>
+        </p:style>
+      </p:cxnSp>
+      <p:sp>
+        <p:nvSpPr>
+          <p:cNvPr id="21" name="四角形: 角を丸くする 20">
+            <a:extLst>
+              <a:ext uri="{FF2B5EF4-FFF2-40B4-BE49-F238E27FC236}">
+                <a16:creationId xmlns:a16="http://schemas.microsoft.com/office/drawing/2014/main" id="{46607ACB-C4D2-4AEA-AA27-6B16591991E7}"/>
+              </a:ext>
+            </a:extLst>
+          </p:cNvPr>
+          <p:cNvSpPr/>
+          <p:nvPr/>
+        </p:nvSpPr>
+        <p:spPr>
+          <a:xfrm>
+            <a:off x="3347864" y="4077072"/>
+            <a:ext cx="2232248" cy="2304256"/>
+          </a:xfrm>
+          <a:prstGeom prst="roundRect">
+            <a:avLst/>
+          </a:prstGeom>
+          <a:noFill/>
+          <a:ln w="38100">
+            <a:solidFill>
+              <a:schemeClr val="tx1"/>
+            </a:solidFill>
+            <a:prstDash val="dash"/>
+          </a:ln>
+        </p:spPr>
+        <p:style>
+          <a:lnRef idx="2">
+            <a:schemeClr val="accent1">
+              <a:shade val="50000"/>
+            </a:schemeClr>
+          </a:lnRef>
+          <a:fillRef idx="1">
+            <a:schemeClr val="accent1"/>
+          </a:fillRef>
+          <a:effectRef idx="0">
+            <a:schemeClr val="accent1"/>
+          </a:effectRef>
+          <a:fontRef idx="minor">
+            <a:schemeClr val="lt1"/>
+          </a:fontRef>
+        </p:style>
+        <p:txBody>
+          <a:bodyPr rtlCol="0" anchor="ctr"/>
+          <a:lstStyle/>
+          <a:p>
+            <a:pPr algn="ctr"/>
+            <a:endParaRPr kumimoji="1" lang="ja-JP" altLang="en-US"/>
+          </a:p>
+        </p:txBody>
+      </p:sp>
+      <p:pic>
+        <p:nvPicPr>
+          <p:cNvPr id="22" name="Picture 2" descr="ファイルアイコン（テキスト）">
+            <a:extLst>
+              <a:ext uri="{FF2B5EF4-FFF2-40B4-BE49-F238E27FC236}">
+                <a16:creationId xmlns:a16="http://schemas.microsoft.com/office/drawing/2014/main" id="{73743BD5-BD1A-4DD4-BDD2-6DFB06184AEE}"/>
+              </a:ext>
+            </a:extLst>
+          </p:cNvPr>
+          <p:cNvPicPr>
+            <a:picLocks noChangeAspect="1" noChangeArrowheads="1"/>
+          </p:cNvPicPr>
+          <p:nvPr/>
+        </p:nvPicPr>
+        <p:blipFill>
+          <a:blip r:embed="rId3" cstate="print">
+            <a:extLst>
+              <a:ext uri="{28A0092B-C50C-407E-A947-70E740481C1C}">
+                <a14:useLocalDpi xmlns:a14="http://schemas.microsoft.com/office/drawing/2010/main" val="0"/>
+              </a:ext>
+            </a:extLst>
+          </a:blip>
+          <a:srcRect/>
+          <a:stretch>
+            <a:fillRect/>
+          </a:stretch>
+        </p:blipFill>
+        <p:spPr bwMode="auto">
+          <a:xfrm>
+            <a:off x="4015727" y="5229200"/>
+            <a:ext cx="484265" cy="562372"/>
+          </a:xfrm>
+          <a:prstGeom prst="rect">
+            <a:avLst/>
+          </a:prstGeom>
+          <a:noFill/>
+          <a:extLst>
+            <a:ext uri="{909E8E84-426E-40DD-AFC4-6F175D3DCCD1}">
+              <a14:hiddenFill xmlns:a14="http://schemas.microsoft.com/office/drawing/2010/main">
+                <a:solidFill>
+                  <a:srgbClr val="FFFFFF"/>
+                </a:solidFill>
+              </a14:hiddenFill>
+            </a:ext>
+          </a:extLst>
+        </p:spPr>
+      </p:pic>
+      <p:sp>
+        <p:nvSpPr>
+          <p:cNvPr id="23" name="テキスト ボックス 22">
+            <a:extLst>
+              <a:ext uri="{FF2B5EF4-FFF2-40B4-BE49-F238E27FC236}">
+                <a16:creationId xmlns:a16="http://schemas.microsoft.com/office/drawing/2014/main" id="{A47AAFE6-BB9E-4885-81F0-9E9231CD98EE}"/>
+              </a:ext>
+            </a:extLst>
+          </p:cNvPr>
+          <p:cNvSpPr txBox="1"/>
+          <p:nvPr/>
+        </p:nvSpPr>
+        <p:spPr>
+          <a:xfrm>
+            <a:off x="3779912" y="5733256"/>
+            <a:ext cx="1324402" cy="369332"/>
+          </a:xfrm>
+          <a:prstGeom prst="rect">
+            <a:avLst/>
+          </a:prstGeom>
+          <a:noFill/>
+        </p:spPr>
+        <p:txBody>
+          <a:bodyPr wrap="none" rtlCol="0">
+            <a:spAutoFit/>
+          </a:bodyPr>
+          <a:lstStyle/>
+          <a:p>
+            <a:r>
+              <a:rPr kumimoji="1" lang="en-US" altLang="ja-JP" dirty="0">
+                <a:latin typeface="Consolas" panose="020B0609020204030204" pitchFamily="49" charset="0"/>
+              </a:rPr>
+              <a:t>README.md</a:t>
+            </a:r>
+            <a:endParaRPr kumimoji="1" lang="ja-JP" altLang="en-US" dirty="0">
+              <a:latin typeface="Consolas" panose="020B0609020204030204" pitchFamily="49" charset="0"/>
+            </a:endParaRPr>
+          </a:p>
+        </p:txBody>
+      </p:sp>
+      <p:pic>
+        <p:nvPicPr>
+          <p:cNvPr id="24" name="Picture 2" descr="フォルダのイラスト">
+            <a:extLst>
+              <a:ext uri="{FF2B5EF4-FFF2-40B4-BE49-F238E27FC236}">
+                <a16:creationId xmlns:a16="http://schemas.microsoft.com/office/drawing/2014/main" id="{8B6AEA84-91AE-452E-BC80-4C3815317CDB}"/>
+              </a:ext>
+            </a:extLst>
+          </p:cNvPr>
+          <p:cNvPicPr>
+            <a:picLocks noChangeAspect="1" noChangeArrowheads="1"/>
+          </p:cNvPicPr>
+          <p:nvPr/>
+        </p:nvPicPr>
+        <p:blipFill>
+          <a:blip r:embed="rId2" cstate="print">
+            <a:extLst>
+              <a:ext uri="{28A0092B-C50C-407E-A947-70E740481C1C}">
+                <a14:useLocalDpi xmlns:a14="http://schemas.microsoft.com/office/drawing/2010/main" val="0"/>
+              </a:ext>
+            </a:extLst>
+          </a:blip>
+          <a:srcRect/>
+          <a:stretch>
+            <a:fillRect/>
+          </a:stretch>
+        </p:blipFill>
+        <p:spPr bwMode="auto">
+          <a:xfrm>
+            <a:off x="6444208" y="4437112"/>
+            <a:ext cx="702078" cy="587990"/>
+          </a:xfrm>
+          <a:prstGeom prst="rect">
+            <a:avLst/>
+          </a:prstGeom>
+          <a:noFill/>
+          <a:extLst>
+            <a:ext uri="{909E8E84-426E-40DD-AFC4-6F175D3DCCD1}">
+              <a14:hiddenFill xmlns:a14="http://schemas.microsoft.com/office/drawing/2010/main">
+                <a:solidFill>
+                  <a:srgbClr val="FFFFFF"/>
+                </a:solidFill>
+              </a14:hiddenFill>
+            </a:ext>
+          </a:extLst>
+        </p:spPr>
+      </p:pic>
+      <p:sp>
+        <p:nvSpPr>
+          <p:cNvPr id="26" name="四角形: 角を丸くする 25">
+            <a:extLst>
+              <a:ext uri="{FF2B5EF4-FFF2-40B4-BE49-F238E27FC236}">
+                <a16:creationId xmlns:a16="http://schemas.microsoft.com/office/drawing/2014/main" id="{8944F465-D15F-48A4-96C6-C8FB81148BD2}"/>
+              </a:ext>
+            </a:extLst>
+          </p:cNvPr>
+          <p:cNvSpPr/>
+          <p:nvPr/>
+        </p:nvSpPr>
+        <p:spPr>
+          <a:xfrm>
+            <a:off x="5868144" y="4077072"/>
+            <a:ext cx="2232248" cy="2304256"/>
+          </a:xfrm>
+          <a:prstGeom prst="roundRect">
+            <a:avLst/>
+          </a:prstGeom>
+          <a:noFill/>
+          <a:ln w="38100">
+            <a:solidFill>
+              <a:schemeClr val="tx1"/>
+            </a:solidFill>
+            <a:prstDash val="dash"/>
+          </a:ln>
+        </p:spPr>
+        <p:style>
+          <a:lnRef idx="2">
+            <a:schemeClr val="accent1">
+              <a:shade val="50000"/>
+            </a:schemeClr>
+          </a:lnRef>
+          <a:fillRef idx="1">
+            <a:schemeClr val="accent1"/>
+          </a:fillRef>
+          <a:effectRef idx="0">
+            <a:schemeClr val="accent1"/>
+          </a:effectRef>
+          <a:fontRef idx="minor">
+            <a:schemeClr val="lt1"/>
+          </a:fontRef>
+        </p:style>
+        <p:txBody>
+          <a:bodyPr rtlCol="0" anchor="ctr"/>
+          <a:lstStyle/>
+          <a:p>
+            <a:pPr algn="ctr"/>
+            <a:endParaRPr kumimoji="1" lang="ja-JP" altLang="en-US"/>
+          </a:p>
+        </p:txBody>
+      </p:sp>
+      <p:sp>
+        <p:nvSpPr>
+          <p:cNvPr id="29" name="矢印: 右 28">
+            <a:extLst>
+              <a:ext uri="{FF2B5EF4-FFF2-40B4-BE49-F238E27FC236}">
+                <a16:creationId xmlns:a16="http://schemas.microsoft.com/office/drawing/2014/main" id="{874424C5-0573-4682-B7EA-E49F5B2D2D60}"/>
+              </a:ext>
+            </a:extLst>
+          </p:cNvPr>
+          <p:cNvSpPr/>
+          <p:nvPr/>
+        </p:nvSpPr>
+        <p:spPr>
+          <a:xfrm>
+            <a:off x="2051720" y="5301208"/>
+            <a:ext cx="1728192" cy="412624"/>
+          </a:xfrm>
+          <a:prstGeom prst="rightArrow">
+            <a:avLst/>
+          </a:prstGeom>
+          <a:solidFill>
+            <a:srgbClr val="FF0000"/>
+          </a:solidFill>
+          <a:ln>
+            <a:solidFill>
+              <a:schemeClr val="tx1"/>
+            </a:solidFill>
+          </a:ln>
+        </p:spPr>
+        <p:style>
+          <a:lnRef idx="2">
+            <a:schemeClr val="accent1">
+              <a:shade val="50000"/>
+            </a:schemeClr>
+          </a:lnRef>
+          <a:fillRef idx="1">
+            <a:schemeClr val="accent1"/>
+          </a:fillRef>
+          <a:effectRef idx="0">
+            <a:schemeClr val="accent1"/>
+          </a:effectRef>
+          <a:fontRef idx="minor">
+            <a:schemeClr val="lt1"/>
+          </a:fontRef>
+        </p:style>
+        <p:txBody>
+          <a:bodyPr rtlCol="0" anchor="ctr"/>
+          <a:lstStyle/>
+          <a:p>
+            <a:pPr algn="ctr"/>
+            <a:endParaRPr kumimoji="1" lang="ja-JP" altLang="en-US"/>
+          </a:p>
+        </p:txBody>
+      </p:sp>
+      <p:sp>
+        <p:nvSpPr>
+          <p:cNvPr id="30" name="テキスト ボックス 29">
+            <a:extLst>
+              <a:ext uri="{FF2B5EF4-FFF2-40B4-BE49-F238E27FC236}">
+                <a16:creationId xmlns:a16="http://schemas.microsoft.com/office/drawing/2014/main" id="{1F82EC86-2977-4C28-BB73-5AF69C541EC4}"/>
+              </a:ext>
+            </a:extLst>
+          </p:cNvPr>
+          <p:cNvSpPr txBox="1"/>
+          <p:nvPr/>
+        </p:nvSpPr>
+        <p:spPr>
+          <a:xfrm>
+            <a:off x="827584" y="3573016"/>
+            <a:ext cx="2031325" cy="369332"/>
+          </a:xfrm>
+          <a:prstGeom prst="rect">
+            <a:avLst/>
+          </a:prstGeom>
+          <a:noFill/>
+        </p:spPr>
+        <p:txBody>
+          <a:bodyPr wrap="none" rtlCol="0">
+            <a:spAutoFit/>
+          </a:bodyPr>
+          <a:lstStyle/>
+          <a:p>
+            <a:r>
+              <a:rPr kumimoji="1" lang="ja-JP" altLang="en-US" dirty="0"/>
+              <a:t>ワーキングツリー</a:t>
+            </a:r>
+          </a:p>
+        </p:txBody>
+      </p:sp>
+      <p:sp>
+        <p:nvSpPr>
+          <p:cNvPr id="31" name="テキスト ボックス 30">
+            <a:extLst>
+              <a:ext uri="{FF2B5EF4-FFF2-40B4-BE49-F238E27FC236}">
+                <a16:creationId xmlns:a16="http://schemas.microsoft.com/office/drawing/2014/main" id="{E1AC9E01-679D-441B-B21A-76087C293D98}"/>
+              </a:ext>
+            </a:extLst>
+          </p:cNvPr>
+          <p:cNvSpPr txBox="1"/>
+          <p:nvPr/>
+        </p:nvSpPr>
+        <p:spPr>
+          <a:xfrm>
+            <a:off x="3491880" y="3573016"/>
+            <a:ext cx="1569660" cy="369332"/>
+          </a:xfrm>
+          <a:prstGeom prst="rect">
+            <a:avLst/>
+          </a:prstGeom>
+          <a:noFill/>
+        </p:spPr>
+        <p:txBody>
+          <a:bodyPr wrap="none" rtlCol="0">
+            <a:spAutoFit/>
+          </a:bodyPr>
+          <a:lstStyle/>
+          <a:p>
+            <a:r>
+              <a:rPr kumimoji="1" lang="ja-JP" altLang="en-US" dirty="0"/>
+              <a:t>インデックス</a:t>
+            </a:r>
+          </a:p>
+        </p:txBody>
+      </p:sp>
+      <p:sp>
+        <p:nvSpPr>
+          <p:cNvPr id="32" name="テキスト ボックス 31">
+            <a:extLst>
+              <a:ext uri="{FF2B5EF4-FFF2-40B4-BE49-F238E27FC236}">
+                <a16:creationId xmlns:a16="http://schemas.microsoft.com/office/drawing/2014/main" id="{39495AEB-2F4F-41F2-9635-E3DB7E7A516E}"/>
+              </a:ext>
+            </a:extLst>
+          </p:cNvPr>
+          <p:cNvSpPr txBox="1"/>
+          <p:nvPr/>
+        </p:nvSpPr>
+        <p:spPr>
+          <a:xfrm>
+            <a:off x="6012160" y="3573016"/>
+            <a:ext cx="1338828" cy="369332"/>
+          </a:xfrm>
+          <a:prstGeom prst="rect">
+            <a:avLst/>
+          </a:prstGeom>
+          <a:noFill/>
+        </p:spPr>
+        <p:txBody>
+          <a:bodyPr wrap="none" rtlCol="0">
+            <a:spAutoFit/>
+          </a:bodyPr>
+          <a:lstStyle/>
+          <a:p>
+            <a:r>
+              <a:rPr kumimoji="1" lang="ja-JP" altLang="en-US" dirty="0"/>
+              <a:t>リポジトリ</a:t>
+            </a:r>
+          </a:p>
+        </p:txBody>
+      </p:sp>
+      <p:sp>
+        <p:nvSpPr>
+          <p:cNvPr id="33" name="テキスト ボックス 32">
+            <a:extLst>
+              <a:ext uri="{FF2B5EF4-FFF2-40B4-BE49-F238E27FC236}">
+                <a16:creationId xmlns:a16="http://schemas.microsoft.com/office/drawing/2014/main" id="{D09CB076-973F-48F3-8C7F-C189F563791D}"/>
+              </a:ext>
+            </a:extLst>
+          </p:cNvPr>
+          <p:cNvSpPr txBox="1"/>
+          <p:nvPr/>
+        </p:nvSpPr>
+        <p:spPr>
+          <a:xfrm>
+            <a:off x="1475656" y="2708920"/>
+            <a:ext cx="5955476" cy="369332"/>
+          </a:xfrm>
+          <a:prstGeom prst="rect">
+            <a:avLst/>
+          </a:prstGeom>
+          <a:noFill/>
+        </p:spPr>
+        <p:txBody>
+          <a:bodyPr wrap="none" rtlCol="0">
+            <a:spAutoFit/>
+          </a:bodyPr>
+          <a:lstStyle/>
+          <a:p>
+            <a:r>
+              <a:rPr lang="ja-JP" altLang="en-US" dirty="0"/>
+              <a:t>ワーキングツリーからインデックスにファイルをコピー</a:t>
+            </a:r>
+            <a:endParaRPr kumimoji="1" lang="ja-JP" altLang="en-US" dirty="0"/>
+          </a:p>
+        </p:txBody>
+      </p:sp>
+    </p:spTree>
+    <p:extLst>
+      <p:ext uri="{BB962C8B-B14F-4D97-AF65-F5344CB8AC3E}">
+        <p14:creationId xmlns:p14="http://schemas.microsoft.com/office/powerpoint/2010/main" val="1601488505"/>
+      </p:ext>
+    </p:extLst>
+  </p:cSld>
+  <p:clrMapOvr>
+    <a:masterClrMapping/>
+  </p:clrMapOvr>
+</p:sld>
+</file>
+
+<file path=ppt/slides/slide2.xml><?xml version="1.0" encoding="utf-8"?>
+<p:sld xmlns:a="http://schemas.openxmlformats.org/drawingml/2006/main" xmlns:r="http://schemas.openxmlformats.org/officeDocument/2006/relationships" xmlns:p="http://schemas.openxmlformats.org/presentationml/2006/main">
+  <p:cSld>
+    <p:spTree>
+      <p:nvGrpSpPr>
+        <p:cNvPr id="1" name=""/>
+        <p:cNvGrpSpPr/>
+        <p:nvPr/>
+      </p:nvGrpSpPr>
+      <p:grpSpPr>
+        <a:xfrm>
+          <a:off x="0" y="0"/>
+          <a:ext cx="0" cy="0"/>
+          <a:chOff x="0" y="0"/>
+          <a:chExt cx="0" cy="0"/>
+        </a:xfrm>
+      </p:grpSpPr>
+      <p:sp>
+        <p:nvSpPr>
+          <p:cNvPr id="2" name="テキスト プレースホルダー 1">
+            <a:extLst>
+              <a:ext uri="{FF2B5EF4-FFF2-40B4-BE49-F238E27FC236}">
+                <a16:creationId xmlns:a16="http://schemas.microsoft.com/office/drawing/2014/main" id="{3A3EAC2E-574A-4BF8-8DAE-C46E6B084777}"/>
+              </a:ext>
+            </a:extLst>
+          </p:cNvPr>
+          <p:cNvSpPr>
+            <a:spLocks noGrp="1"/>
+          </p:cNvSpPr>
+          <p:nvPr>
+            <p:ph type="body" sz="quarter" idx="10"/>
+          </p:nvPr>
+        </p:nvSpPr>
+        <p:spPr/>
+        <p:txBody>
+          <a:bodyPr/>
+          <a:lstStyle/>
+          <a:p>
+            <a:r>
+              <a:rPr lang="ja-JP" altLang="en-US"/>
+              <a:t>今回の目標</a:t>
+            </a:r>
+            <a:endParaRPr lang="en-US"/>
+          </a:p>
+        </p:txBody>
+      </p:sp>
+      <p:sp>
+        <p:nvSpPr>
+          <p:cNvPr id="3" name="テキスト ボックス 2">
+            <a:extLst>
+              <a:ext uri="{FF2B5EF4-FFF2-40B4-BE49-F238E27FC236}">
+                <a16:creationId xmlns:a16="http://schemas.microsoft.com/office/drawing/2014/main" id="{C6BE09DD-BFB2-4A03-AAF8-832DB3A68F0A}"/>
+              </a:ext>
+            </a:extLst>
+          </p:cNvPr>
+          <p:cNvSpPr txBox="1"/>
+          <p:nvPr/>
+        </p:nvSpPr>
+        <p:spPr>
+          <a:xfrm>
+            <a:off x="395536" y="2132856"/>
+            <a:ext cx="7303602" cy="1200329"/>
+          </a:xfrm>
+          <a:prstGeom prst="rect">
+            <a:avLst/>
+          </a:prstGeom>
+          <a:noFill/>
+        </p:spPr>
+        <p:txBody>
+          <a:bodyPr wrap="none" rtlCol="0">
+            <a:spAutoFit/>
+          </a:bodyPr>
+          <a:lstStyle/>
+          <a:p>
+            <a:pPr marL="342900" indent="-342900">
+              <a:buFont typeface="Arial" panose="020B0604020202020204" pitchFamily="34" charset="0"/>
+              <a:buChar char="•"/>
+            </a:pPr>
+            <a:r>
+              <a:rPr kumimoji="1" lang="en-US" altLang="ja-JP" sz="2400" dirty="0"/>
+              <a:t>Git</a:t>
+            </a:r>
+            <a:r>
+              <a:rPr kumimoji="1" lang="ja-JP" altLang="en-US" sz="2400" dirty="0"/>
+              <a:t>の初期設定を行う</a:t>
+            </a:r>
+            <a:endParaRPr kumimoji="1" lang="en-US" altLang="ja-JP" sz="2400" dirty="0"/>
+          </a:p>
+          <a:p>
+            <a:pPr marL="342900" indent="-342900">
+              <a:buFont typeface="Arial" panose="020B0604020202020204" pitchFamily="34" charset="0"/>
+              <a:buChar char="•"/>
+            </a:pPr>
+            <a:r>
+              <a:rPr lang="ja-JP" altLang="en-US" sz="2400" dirty="0"/>
+              <a:t>コマンドラインで</a:t>
+            </a:r>
+            <a:r>
+              <a:rPr lang="en-US" altLang="ja-JP" sz="2400" dirty="0"/>
+              <a:t>Git</a:t>
+            </a:r>
+            <a:r>
+              <a:rPr lang="ja-JP" altLang="en-US" sz="2400" dirty="0"/>
+              <a:t>の操作を一通り確認する</a:t>
+            </a:r>
+            <a:endParaRPr lang="en-US" altLang="ja-JP" sz="2400" dirty="0"/>
+          </a:p>
+          <a:p>
+            <a:pPr marL="342900" indent="-342900">
+              <a:buFont typeface="Arial" panose="020B0604020202020204" pitchFamily="34" charset="0"/>
+              <a:buChar char="•"/>
+            </a:pPr>
+            <a:r>
+              <a:rPr kumimoji="1" lang="en-US" altLang="ja-JP" sz="2400" dirty="0" err="1"/>
+              <a:t>VSCode</a:t>
+            </a:r>
+            <a:r>
+              <a:rPr kumimoji="1" lang="ja-JP" altLang="en-US" sz="2400" dirty="0"/>
+              <a:t>からも</a:t>
+            </a:r>
+            <a:r>
+              <a:rPr kumimoji="1" lang="en-US" altLang="ja-JP" sz="2400" dirty="0"/>
+              <a:t>Git</a:t>
+            </a:r>
+            <a:r>
+              <a:rPr kumimoji="1" lang="ja-JP" altLang="en-US" sz="2400" dirty="0"/>
+              <a:t>の操作ができることを確認する</a:t>
+            </a:r>
+          </a:p>
+        </p:txBody>
+      </p:sp>
+    </p:spTree>
+    <p:extLst>
+      <p:ext uri="{BB962C8B-B14F-4D97-AF65-F5344CB8AC3E}">
+        <p14:creationId xmlns:p14="http://schemas.microsoft.com/office/powerpoint/2010/main" val="3652201495"/>
+      </p:ext>
+    </p:extLst>
+  </p:cSld>
+  <p:clrMapOvr>
+    <a:masterClrMapping/>
+  </p:clrMapOvr>
+</p:sld>
+</file>
+
+<file path=ppt/slides/slide20.xml><?xml version="1.0" encoding="utf-8"?>
+<p:sld xmlns:a="http://schemas.openxmlformats.org/drawingml/2006/main" xmlns:r="http://schemas.openxmlformats.org/officeDocument/2006/relationships" xmlns:p="http://schemas.openxmlformats.org/presentationml/2006/main">
+  <p:cSld>
+    <p:spTree>
+      <p:nvGrpSpPr>
+        <p:cNvPr id="1" name=""/>
+        <p:cNvGrpSpPr/>
+        <p:nvPr/>
+      </p:nvGrpSpPr>
+      <p:grpSpPr>
+        <a:xfrm>
+          <a:off x="0" y="0"/>
+          <a:ext cx="0" cy="0"/>
+          <a:chOff x="0" y="0"/>
+          <a:chExt cx="0" cy="0"/>
+        </a:xfrm>
+      </p:grpSpPr>
+      <p:sp>
+        <p:nvSpPr>
+          <p:cNvPr id="2" name="テキスト プレースホルダー 1">
+            <a:extLst>
+              <a:ext uri="{FF2B5EF4-FFF2-40B4-BE49-F238E27FC236}">
                 <a16:creationId xmlns:a16="http://schemas.microsoft.com/office/drawing/2014/main" id="{DC044F2A-E9B1-4104-BECB-B0166C9B9535}"/>
               </a:ext>
             </a:extLst>
@@ -6405,7 +7492,7 @@
 </p:sld>
 </file>
 
-<file path=ppt/slides/slide19.xml><?xml version="1.0" encoding="utf-8"?>
+<file path=ppt/slides/slide21.xml><?xml version="1.0" encoding="utf-8"?>
 <p:sld xmlns:a="http://schemas.openxmlformats.org/drawingml/2006/main" xmlns:r="http://schemas.openxmlformats.org/officeDocument/2006/relationships" xmlns:p="http://schemas.openxmlformats.org/presentationml/2006/main">
   <p:cSld>
     <p:spTree>
@@ -7593,151 +8680,7 @@
 </p:sld>
 </file>
 
-<file path=ppt/slides/slide2.xml><?xml version="1.0" encoding="utf-8"?>
-<p:sld xmlns:a="http://schemas.openxmlformats.org/drawingml/2006/main" xmlns:r="http://schemas.openxmlformats.org/officeDocument/2006/relationships" xmlns:p="http://schemas.openxmlformats.org/presentationml/2006/main">
-  <p:cSld>
-    <p:spTree>
-      <p:nvGrpSpPr>
-        <p:cNvPr id="1" name=""/>
-        <p:cNvGrpSpPr/>
-        <p:nvPr/>
-      </p:nvGrpSpPr>
-      <p:grpSpPr>
-        <a:xfrm>
-          <a:off x="0" y="0"/>
-          <a:ext cx="0" cy="0"/>
-          <a:chOff x="0" y="0"/>
-          <a:chExt cx="0" cy="0"/>
-        </a:xfrm>
-      </p:grpSpPr>
-      <p:sp>
-        <p:nvSpPr>
-          <p:cNvPr id="2" name="テキスト プレースホルダー 1">
-            <a:extLst>
-              <a:ext uri="{FF2B5EF4-FFF2-40B4-BE49-F238E27FC236}">
-                <a16:creationId xmlns:a16="http://schemas.microsoft.com/office/drawing/2014/main" id="{3A3EAC2E-574A-4BF8-8DAE-C46E6B084777}"/>
-              </a:ext>
-            </a:extLst>
-          </p:cNvPr>
-          <p:cNvSpPr>
-            <a:spLocks noGrp="1"/>
-          </p:cNvSpPr>
-          <p:nvPr>
-            <p:ph type="body" sz="quarter" idx="10"/>
-          </p:nvPr>
-        </p:nvSpPr>
-        <p:spPr/>
-        <p:txBody>
-          <a:bodyPr/>
-          <a:lstStyle/>
-          <a:p>
-            <a:r>
-              <a:rPr lang="ja-JP" altLang="en-US"/>
-              <a:t>今回の目標</a:t>
-            </a:r>
-            <a:endParaRPr lang="en-US"/>
-          </a:p>
-        </p:txBody>
-      </p:sp>
-      <p:sp>
-        <p:nvSpPr>
-          <p:cNvPr id="3" name="テキスト ボックス 2">
-            <a:extLst>
-              <a:ext uri="{FF2B5EF4-FFF2-40B4-BE49-F238E27FC236}">
-                <a16:creationId xmlns:a16="http://schemas.microsoft.com/office/drawing/2014/main" id="{C6BE09DD-BFB2-4A03-AAF8-832DB3A68F0A}"/>
-              </a:ext>
-            </a:extLst>
-          </p:cNvPr>
-          <p:cNvSpPr txBox="1"/>
-          <p:nvPr/>
-        </p:nvSpPr>
-        <p:spPr>
-          <a:xfrm>
-            <a:off x="395536" y="2132856"/>
-            <a:ext cx="7303602" cy="1200329"/>
-          </a:xfrm>
-          <a:prstGeom prst="rect">
-            <a:avLst/>
-          </a:prstGeom>
-          <a:noFill/>
-        </p:spPr>
-        <p:txBody>
-          <a:bodyPr wrap="none" rtlCol="0">
-            <a:spAutoFit/>
-          </a:bodyPr>
-          <a:lstStyle/>
-          <a:p>
-            <a:pPr marL="342900" indent="-342900">
-              <a:buFont typeface="Arial" panose="020B0604020202020204" pitchFamily="34" charset="0"/>
-              <a:buChar char="•"/>
-            </a:pPr>
-            <a:r>
-              <a:rPr kumimoji="1" lang="en-US" altLang="ja-JP" sz="2400" dirty="0"/>
-              <a:t>Git</a:t>
-            </a:r>
-            <a:r>
-              <a:rPr kumimoji="1" lang="ja-JP" altLang="en-US" sz="2400" dirty="0"/>
-              <a:t>の初期設定を行う</a:t>
-            </a:r>
-            <a:endParaRPr kumimoji="1" lang="en-US" altLang="ja-JP" sz="2400" dirty="0"/>
-          </a:p>
-          <a:p>
-            <a:pPr marL="342900" indent="-342900">
-              <a:buFont typeface="Arial" panose="020B0604020202020204" pitchFamily="34" charset="0"/>
-              <a:buChar char="•"/>
-            </a:pPr>
-            <a:r>
-              <a:rPr lang="ja-JP" altLang="en-US" sz="2400" dirty="0"/>
-              <a:t>コマンドラインで</a:t>
-            </a:r>
-            <a:r>
-              <a:rPr lang="en-US" altLang="ja-JP" sz="2400" dirty="0"/>
-              <a:t>Git</a:t>
-            </a:r>
-            <a:r>
-              <a:rPr lang="ja-JP" altLang="en-US" sz="2400" dirty="0"/>
-              <a:t>の操作を一通り確認する</a:t>
-            </a:r>
-            <a:endParaRPr lang="en-US" altLang="ja-JP" sz="2400" dirty="0"/>
-          </a:p>
-          <a:p>
-            <a:pPr marL="342900" indent="-342900">
-              <a:buFont typeface="Arial" panose="020B0604020202020204" pitchFamily="34" charset="0"/>
-              <a:buChar char="•"/>
-            </a:pPr>
-            <a:r>
-              <a:rPr kumimoji="1" lang="en-US" altLang="ja-JP" sz="2400" dirty="0" err="1"/>
-              <a:t>VSCode</a:t>
-            </a:r>
-            <a:r>
-              <a:rPr kumimoji="1" lang="ja-JP" altLang="en-US" sz="2400" dirty="0"/>
-              <a:t>からも</a:t>
-            </a:r>
-            <a:r>
-              <a:rPr kumimoji="1" lang="en-US" altLang="ja-JP" sz="2400" dirty="0"/>
-              <a:t>Git</a:t>
-            </a:r>
-            <a:r>
-              <a:rPr kumimoji="1" lang="ja-JP" altLang="en-US" sz="2400" dirty="0"/>
-              <a:t>の操作ができることを確認する</a:t>
-            </a:r>
-          </a:p>
-        </p:txBody>
-      </p:sp>
-    </p:spTree>
-    <p:extLst>
-      <p:ext uri="{BB962C8B-B14F-4D97-AF65-F5344CB8AC3E}">
-        <p14:creationId xmlns:p14="http://schemas.microsoft.com/office/powerpoint/2010/main" val="3652201495"/>
-      </p:ext>
-    </p:extLst>
-  </p:cSld>
-  <p:clrMapOvr>
-    <a:masterClrMapping/>
-  </p:clrMapOvr>
-</p:sld>
-</file>
-
-<file path=ppt/slides/slide20.xml><?xml version="1.0" encoding="utf-8"?>
+<file path=ppt/slides/slide22.xml><?xml version="1.0" encoding="utf-8"?>
 <p:sld xmlns:a="http://schemas.openxmlformats.org/drawingml/2006/main" xmlns:r="http://schemas.openxmlformats.org/officeDocument/2006/relationships" xmlns:p="http://schemas.openxmlformats.org/presentationml/2006/main">
   <p:cSld>
     <p:spTree>
@@ -9040,7 +9983,7 @@
 </p:sld>
 </file>
 
-<file path=ppt/slides/slide21.xml><?xml version="1.0" encoding="utf-8"?>
+<file path=ppt/slides/slide23.xml><?xml version="1.0" encoding="utf-8"?>
 <p:sld xmlns:a="http://schemas.openxmlformats.org/drawingml/2006/main" xmlns:r="http://schemas.openxmlformats.org/officeDocument/2006/relationships" xmlns:p="http://schemas.openxmlformats.org/presentationml/2006/main">
   <p:cSld>
     <p:spTree>
@@ -10339,7 +11282,7 @@
 </p:sld>
 </file>
 
-<file path=ppt/slides/slide22.xml><?xml version="1.0" encoding="utf-8"?>
+<file path=ppt/slides/slide24.xml><?xml version="1.0" encoding="utf-8"?>
 <p:sld xmlns:a="http://schemas.openxmlformats.org/drawingml/2006/main" xmlns:r="http://schemas.openxmlformats.org/officeDocument/2006/relationships" xmlns:p="http://schemas.openxmlformats.org/presentationml/2006/main">
   <p:cSld>
     <p:spTree>
@@ -11537,7 +12480,7 @@
 </p:sld>
 </file>
 
-<file path=ppt/slides/slide23.xml><?xml version="1.0" encoding="utf-8"?>
+<file path=ppt/slides/slide25.xml><?xml version="1.0" encoding="utf-8"?>
 <p:sld xmlns:a="http://schemas.openxmlformats.org/drawingml/2006/main" xmlns:r="http://schemas.openxmlformats.org/officeDocument/2006/relationships" xmlns:p="http://schemas.openxmlformats.org/presentationml/2006/main">
   <p:cSld>
     <p:spTree>
@@ -12932,1115 +13875,6 @@
 </p:sld>
 </file>
 
-<file path=ppt/slides/slide24.xml><?xml version="1.0" encoding="utf-8"?>
-<p:sld xmlns:a="http://schemas.openxmlformats.org/drawingml/2006/main" xmlns:r="http://schemas.openxmlformats.org/officeDocument/2006/relationships" xmlns:p="http://schemas.openxmlformats.org/presentationml/2006/main">
-  <p:cSld>
-    <p:spTree>
-      <p:nvGrpSpPr>
-        <p:cNvPr id="1" name=""/>
-        <p:cNvGrpSpPr/>
-        <p:nvPr/>
-      </p:nvGrpSpPr>
-      <p:grpSpPr>
-        <a:xfrm>
-          <a:off x="0" y="0"/>
-          <a:ext cx="0" cy="0"/>
-          <a:chOff x="0" y="0"/>
-          <a:chExt cx="0" cy="0"/>
-        </a:xfrm>
-      </p:grpSpPr>
-      <p:sp>
-        <p:nvSpPr>
-          <p:cNvPr id="2" name="テキスト プレースホルダー 1">
-            <a:extLst>
-              <a:ext uri="{FF2B5EF4-FFF2-40B4-BE49-F238E27FC236}">
-                <a16:creationId xmlns:a16="http://schemas.microsoft.com/office/drawing/2014/main" id="{BEB973C5-4C11-4FD1-BA90-C27165F9ADAB}"/>
-              </a:ext>
-            </a:extLst>
-          </p:cNvPr>
-          <p:cNvSpPr>
-            <a:spLocks noGrp="1"/>
-          </p:cNvSpPr>
-          <p:nvPr>
-            <p:ph type="body" sz="quarter" idx="10"/>
-          </p:nvPr>
-        </p:nvSpPr>
-        <p:spPr/>
-        <p:txBody>
-          <a:bodyPr/>
-          <a:lstStyle/>
-          <a:p>
-            <a:r>
-              <a:rPr kumimoji="1" lang="ja-JP" altLang="en-US" dirty="0"/>
-              <a:t>課題</a:t>
-            </a:r>
-            <a:r>
-              <a:rPr kumimoji="1" lang="en-US" altLang="ja-JP" dirty="0"/>
-              <a:t> – Step 6</a:t>
-            </a:r>
-            <a:endParaRPr kumimoji="1" lang="ja-JP" altLang="en-US" dirty="0"/>
-          </a:p>
-        </p:txBody>
-      </p:sp>
-      <p:sp>
-        <p:nvSpPr>
-          <p:cNvPr id="3" name="テキスト ボックス 2">
-            <a:extLst>
-              <a:ext uri="{FF2B5EF4-FFF2-40B4-BE49-F238E27FC236}">
-                <a16:creationId xmlns:a16="http://schemas.microsoft.com/office/drawing/2014/main" id="{6A0617B0-D8AD-4BAB-BED8-C323744646F7}"/>
-              </a:ext>
-            </a:extLst>
-          </p:cNvPr>
-          <p:cNvSpPr txBox="1"/>
-          <p:nvPr/>
-        </p:nvSpPr>
-        <p:spPr>
-          <a:xfrm>
-            <a:off x="251520" y="1268760"/>
-            <a:ext cx="1723549" cy="461665"/>
-          </a:xfrm>
-          <a:prstGeom prst="rect">
-            <a:avLst/>
-          </a:prstGeom>
-          <a:noFill/>
-        </p:spPr>
-        <p:txBody>
-          <a:bodyPr wrap="none" rtlCol="0">
-            <a:spAutoFit/>
-          </a:bodyPr>
-          <a:lstStyle/>
-          <a:p>
-            <a:r>
-              <a:rPr kumimoji="1" lang="ja-JP" altLang="en-US" sz="2400" dirty="0"/>
-              <a:t>歴史の確認</a:t>
-            </a:r>
-          </a:p>
-        </p:txBody>
-      </p:sp>
-      <p:sp>
-        <p:nvSpPr>
-          <p:cNvPr id="4" name="テキスト ボックス 3">
-            <a:extLst>
-              <a:ext uri="{FF2B5EF4-FFF2-40B4-BE49-F238E27FC236}">
-                <a16:creationId xmlns:a16="http://schemas.microsoft.com/office/drawing/2014/main" id="{BB48E940-AA36-49C9-97B9-1E9D09A19BFD}"/>
-              </a:ext>
-            </a:extLst>
-          </p:cNvPr>
-          <p:cNvSpPr txBox="1"/>
-          <p:nvPr/>
-        </p:nvSpPr>
-        <p:spPr>
-          <a:xfrm>
-            <a:off x="827584" y="1988840"/>
-            <a:ext cx="2582758" cy="707886"/>
-          </a:xfrm>
-          <a:prstGeom prst="rect">
-            <a:avLst/>
-          </a:prstGeom>
-          <a:noFill/>
-          <a:ln>
-            <a:solidFill>
-              <a:schemeClr val="tx1"/>
-            </a:solidFill>
-          </a:ln>
-        </p:spPr>
-        <p:txBody>
-          <a:bodyPr wrap="none" rtlCol="0">
-            <a:spAutoFit/>
-          </a:bodyPr>
-          <a:lstStyle/>
-          <a:p>
-            <a:r>
-              <a:rPr kumimoji="1" lang="en-US" altLang="ja-JP" sz="2000" dirty="0">
-                <a:latin typeface="Consolas" panose="020B0609020204030204" pitchFamily="49" charset="0"/>
-              </a:rPr>
-              <a:t>git log</a:t>
-            </a:r>
-          </a:p>
-          <a:p>
-            <a:r>
-              <a:rPr lang="en-US" altLang="ja-JP" sz="2000" dirty="0">
-                <a:latin typeface="Consolas" panose="020B0609020204030204" pitchFamily="49" charset="0"/>
-              </a:rPr>
-              <a:t>git log --</a:t>
-            </a:r>
-            <a:r>
-              <a:rPr lang="en-US" altLang="ja-JP" sz="2000" dirty="0" err="1">
-                <a:latin typeface="Consolas" panose="020B0609020204030204" pitchFamily="49" charset="0"/>
-              </a:rPr>
-              <a:t>oneline</a:t>
-            </a:r>
-            <a:endParaRPr kumimoji="1" lang="ja-JP" altLang="en-US" sz="2000" dirty="0">
-              <a:latin typeface="Consolas" panose="020B0609020204030204" pitchFamily="49" charset="0"/>
-            </a:endParaRPr>
-          </a:p>
-        </p:txBody>
-      </p:sp>
-      <p:sp>
-        <p:nvSpPr>
-          <p:cNvPr id="5" name="楕円 4">
-            <a:extLst>
-              <a:ext uri="{FF2B5EF4-FFF2-40B4-BE49-F238E27FC236}">
-                <a16:creationId xmlns:a16="http://schemas.microsoft.com/office/drawing/2014/main" id="{0AFF55BA-80AB-4F7A-B8F2-B5C3CE0B4E34}"/>
-              </a:ext>
-            </a:extLst>
-          </p:cNvPr>
-          <p:cNvSpPr/>
-          <p:nvPr/>
-        </p:nvSpPr>
-        <p:spPr>
-          <a:xfrm>
-            <a:off x="1835696" y="6237312"/>
-            <a:ext cx="432048" cy="432048"/>
-          </a:xfrm>
-          <a:prstGeom prst="ellipse">
-            <a:avLst/>
-          </a:prstGeom>
-          <a:solidFill>
-            <a:srgbClr val="011893"/>
-          </a:solidFill>
-          <a:ln>
-            <a:solidFill>
-              <a:schemeClr val="tx1"/>
-            </a:solidFill>
-          </a:ln>
-        </p:spPr>
-        <p:style>
-          <a:lnRef idx="2">
-            <a:schemeClr val="accent1">
-              <a:shade val="50000"/>
-            </a:schemeClr>
-          </a:lnRef>
-          <a:fillRef idx="1">
-            <a:schemeClr val="accent1"/>
-          </a:fillRef>
-          <a:effectRef idx="0">
-            <a:schemeClr val="accent1"/>
-          </a:effectRef>
-          <a:fontRef idx="minor">
-            <a:schemeClr val="lt1"/>
-          </a:fontRef>
-        </p:style>
-        <p:txBody>
-          <a:bodyPr rtlCol="0" anchor="ctr"/>
-          <a:lstStyle/>
-          <a:p>
-            <a:pPr algn="ctr"/>
-            <a:endParaRPr kumimoji="1" lang="ja-JP" altLang="en-US"/>
-          </a:p>
-        </p:txBody>
-      </p:sp>
-      <p:sp>
-        <p:nvSpPr>
-          <p:cNvPr id="6" name="楕円 5">
-            <a:extLst>
-              <a:ext uri="{FF2B5EF4-FFF2-40B4-BE49-F238E27FC236}">
-                <a16:creationId xmlns:a16="http://schemas.microsoft.com/office/drawing/2014/main" id="{2F4D2808-7674-4F11-B5CA-227BC656C0BF}"/>
-              </a:ext>
-            </a:extLst>
-          </p:cNvPr>
-          <p:cNvSpPr/>
-          <p:nvPr/>
-        </p:nvSpPr>
-        <p:spPr>
-          <a:xfrm>
-            <a:off x="1835696" y="5301208"/>
-            <a:ext cx="432048" cy="432048"/>
-          </a:xfrm>
-          <a:prstGeom prst="ellipse">
-            <a:avLst/>
-          </a:prstGeom>
-          <a:solidFill>
-            <a:srgbClr val="011893"/>
-          </a:solidFill>
-          <a:ln>
-            <a:solidFill>
-              <a:schemeClr val="tx1"/>
-            </a:solidFill>
-          </a:ln>
-        </p:spPr>
-        <p:style>
-          <a:lnRef idx="2">
-            <a:schemeClr val="accent1">
-              <a:shade val="50000"/>
-            </a:schemeClr>
-          </a:lnRef>
-          <a:fillRef idx="1">
-            <a:schemeClr val="accent1"/>
-          </a:fillRef>
-          <a:effectRef idx="0">
-            <a:schemeClr val="accent1"/>
-          </a:effectRef>
-          <a:fontRef idx="minor">
-            <a:schemeClr val="lt1"/>
-          </a:fontRef>
-        </p:style>
-        <p:txBody>
-          <a:bodyPr rtlCol="0" anchor="ctr"/>
-          <a:lstStyle/>
-          <a:p>
-            <a:pPr algn="ctr"/>
-            <a:endParaRPr kumimoji="1" lang="ja-JP" altLang="en-US"/>
-          </a:p>
-        </p:txBody>
-      </p:sp>
-      <p:sp>
-        <p:nvSpPr>
-          <p:cNvPr id="7" name="楕円 6">
-            <a:extLst>
-              <a:ext uri="{FF2B5EF4-FFF2-40B4-BE49-F238E27FC236}">
-                <a16:creationId xmlns:a16="http://schemas.microsoft.com/office/drawing/2014/main" id="{2C299BC0-1B80-40DC-AE3F-CBAB1EADCA95}"/>
-              </a:ext>
-            </a:extLst>
-          </p:cNvPr>
-          <p:cNvSpPr/>
-          <p:nvPr/>
-        </p:nvSpPr>
-        <p:spPr>
-          <a:xfrm>
-            <a:off x="1835696" y="4365104"/>
-            <a:ext cx="432048" cy="432048"/>
-          </a:xfrm>
-          <a:prstGeom prst="ellipse">
-            <a:avLst/>
-          </a:prstGeom>
-          <a:solidFill>
-            <a:srgbClr val="011893"/>
-          </a:solidFill>
-          <a:ln>
-            <a:solidFill>
-              <a:schemeClr val="tx1"/>
-            </a:solidFill>
-          </a:ln>
-        </p:spPr>
-        <p:style>
-          <a:lnRef idx="2">
-            <a:schemeClr val="accent1">
-              <a:shade val="50000"/>
-            </a:schemeClr>
-          </a:lnRef>
-          <a:fillRef idx="1">
-            <a:schemeClr val="accent1"/>
-          </a:fillRef>
-          <a:effectRef idx="0">
-            <a:schemeClr val="accent1"/>
-          </a:effectRef>
-          <a:fontRef idx="minor">
-            <a:schemeClr val="lt1"/>
-          </a:fontRef>
-        </p:style>
-        <p:txBody>
-          <a:bodyPr rtlCol="0" anchor="ctr"/>
-          <a:lstStyle/>
-          <a:p>
-            <a:pPr algn="ctr"/>
-            <a:endParaRPr kumimoji="1" lang="ja-JP" altLang="en-US"/>
-          </a:p>
-        </p:txBody>
-      </p:sp>
-      <p:sp>
-        <p:nvSpPr>
-          <p:cNvPr id="9" name="四角形: 1 つの角を切り取り 1 つの角を丸める 8">
-            <a:extLst>
-              <a:ext uri="{FF2B5EF4-FFF2-40B4-BE49-F238E27FC236}">
-                <a16:creationId xmlns:a16="http://schemas.microsoft.com/office/drawing/2014/main" id="{B4C177FD-52A6-498C-B32F-5D2B082E7C95}"/>
-              </a:ext>
-            </a:extLst>
-          </p:cNvPr>
-          <p:cNvSpPr/>
-          <p:nvPr/>
-        </p:nvSpPr>
-        <p:spPr>
-          <a:xfrm>
-            <a:off x="323528" y="3933056"/>
-            <a:ext cx="1152128" cy="338336"/>
-          </a:xfrm>
-          <a:prstGeom prst="snipRoundRect">
-            <a:avLst>
-              <a:gd name="adj1" fmla="val 16667"/>
-              <a:gd name="adj2" fmla="val 35924"/>
-            </a:avLst>
-          </a:prstGeom>
-          <a:solidFill>
-            <a:schemeClr val="accent6">
-              <a:lumMod val="20000"/>
-              <a:lumOff val="80000"/>
-            </a:schemeClr>
-          </a:solidFill>
-          <a:ln>
-            <a:solidFill>
-              <a:schemeClr val="tx1"/>
-            </a:solidFill>
-          </a:ln>
-        </p:spPr>
-        <p:style>
-          <a:lnRef idx="2">
-            <a:schemeClr val="accent1">
-              <a:shade val="50000"/>
-            </a:schemeClr>
-          </a:lnRef>
-          <a:fillRef idx="1">
-            <a:schemeClr val="accent1"/>
-          </a:fillRef>
-          <a:effectRef idx="0">
-            <a:schemeClr val="accent1"/>
-          </a:effectRef>
-          <a:fontRef idx="minor">
-            <a:schemeClr val="lt1"/>
-          </a:fontRef>
-        </p:style>
-        <p:txBody>
-          <a:bodyPr rtlCol="0" anchor="ctr"/>
-          <a:lstStyle/>
-          <a:p>
-            <a:pPr algn="ctr"/>
-            <a:r>
-              <a:rPr kumimoji="1" lang="en-US" altLang="ja-JP" dirty="0">
-                <a:solidFill>
-                  <a:sysClr val="windowText" lastClr="000000"/>
-                </a:solidFill>
-                <a:latin typeface="Consolas" panose="020B0609020204030204" pitchFamily="49" charset="0"/>
-              </a:rPr>
-              <a:t>main</a:t>
-            </a:r>
-            <a:endParaRPr kumimoji="1" lang="ja-JP" altLang="en-US" dirty="0">
-              <a:solidFill>
-                <a:sysClr val="windowText" lastClr="000000"/>
-              </a:solidFill>
-              <a:latin typeface="Consolas" panose="020B0609020204030204" pitchFamily="49" charset="0"/>
-            </a:endParaRPr>
-          </a:p>
-        </p:txBody>
-      </p:sp>
-      <p:sp>
-        <p:nvSpPr>
-          <p:cNvPr id="10" name="正方形/長方形 9">
-            <a:extLst>
-              <a:ext uri="{FF2B5EF4-FFF2-40B4-BE49-F238E27FC236}">
-                <a16:creationId xmlns:a16="http://schemas.microsoft.com/office/drawing/2014/main" id="{3550D71E-3A29-4E2C-918B-360B94EDEB3D}"/>
-              </a:ext>
-            </a:extLst>
-          </p:cNvPr>
-          <p:cNvSpPr/>
-          <p:nvPr/>
-        </p:nvSpPr>
-        <p:spPr>
-          <a:xfrm>
-            <a:off x="428799" y="3179713"/>
-            <a:ext cx="936104" cy="360040"/>
-          </a:xfrm>
-          <a:prstGeom prst="rect">
-            <a:avLst/>
-          </a:prstGeom>
-          <a:solidFill>
-            <a:schemeClr val="bg1"/>
-          </a:solidFill>
-          <a:ln>
-            <a:solidFill>
-              <a:schemeClr val="tx1"/>
-            </a:solidFill>
-          </a:ln>
-        </p:spPr>
-        <p:style>
-          <a:lnRef idx="2">
-            <a:schemeClr val="accent1">
-              <a:shade val="50000"/>
-            </a:schemeClr>
-          </a:lnRef>
-          <a:fillRef idx="1">
-            <a:schemeClr val="accent1"/>
-          </a:fillRef>
-          <a:effectRef idx="0">
-            <a:schemeClr val="accent1"/>
-          </a:effectRef>
-          <a:fontRef idx="minor">
-            <a:schemeClr val="lt1"/>
-          </a:fontRef>
-        </p:style>
-        <p:txBody>
-          <a:bodyPr rtlCol="0" anchor="ctr"/>
-          <a:lstStyle/>
-          <a:p>
-            <a:pPr algn="ctr"/>
-            <a:r>
-              <a:rPr kumimoji="1" lang="en-US" altLang="ja-JP" dirty="0">
-                <a:solidFill>
-                  <a:schemeClr val="tx1"/>
-                </a:solidFill>
-                <a:latin typeface="Consolas" panose="020B0609020204030204" pitchFamily="49" charset="0"/>
-              </a:rPr>
-              <a:t>HEAD</a:t>
-            </a:r>
-            <a:endParaRPr kumimoji="1" lang="ja-JP" altLang="en-US" dirty="0">
-              <a:solidFill>
-                <a:schemeClr val="tx1"/>
-              </a:solidFill>
-              <a:latin typeface="Consolas" panose="020B0609020204030204" pitchFamily="49" charset="0"/>
-            </a:endParaRPr>
-          </a:p>
-        </p:txBody>
-      </p:sp>
-      <p:cxnSp>
-        <p:nvCxnSpPr>
-          <p:cNvPr id="11" name="直線矢印コネクタ 10">
-            <a:extLst>
-              <a:ext uri="{FF2B5EF4-FFF2-40B4-BE49-F238E27FC236}">
-                <a16:creationId xmlns:a16="http://schemas.microsoft.com/office/drawing/2014/main" id="{A13E1093-6A80-4A35-BEFE-6FA9147EDA8A}"/>
-              </a:ext>
-            </a:extLst>
-          </p:cNvPr>
-          <p:cNvCxnSpPr>
-            <a:cxnSpLocks/>
-            <a:stCxn id="10" idx="2"/>
-            <a:endCxn id="9" idx="3"/>
-          </p:cNvCxnSpPr>
-          <p:nvPr/>
-        </p:nvCxnSpPr>
-        <p:spPr>
-          <a:xfrm>
-            <a:off x="896851" y="3539753"/>
-            <a:ext cx="2741" cy="393303"/>
-          </a:xfrm>
-          <a:prstGeom prst="straightConnector1">
-            <a:avLst/>
-          </a:prstGeom>
-          <a:ln>
-            <a:solidFill>
-              <a:schemeClr val="tx1"/>
-            </a:solidFill>
-            <a:headEnd type="none" w="med" len="med"/>
-            <a:tailEnd type="triangle"/>
-          </a:ln>
-        </p:spPr>
-        <p:style>
-          <a:lnRef idx="1">
-            <a:schemeClr val="accent1"/>
-          </a:lnRef>
-          <a:fillRef idx="0">
-            <a:schemeClr val="accent1"/>
-          </a:fillRef>
-          <a:effectRef idx="0">
-            <a:schemeClr val="accent1"/>
-          </a:effectRef>
-          <a:fontRef idx="minor">
-            <a:schemeClr val="tx1"/>
-          </a:fontRef>
-        </p:style>
-      </p:cxnSp>
-      <p:cxnSp>
-        <p:nvCxnSpPr>
-          <p:cNvPr id="12" name="コネクタ: カギ線 11">
-            <a:extLst>
-              <a:ext uri="{FF2B5EF4-FFF2-40B4-BE49-F238E27FC236}">
-                <a16:creationId xmlns:a16="http://schemas.microsoft.com/office/drawing/2014/main" id="{229BE455-AF3F-4E29-8957-9B1F0C6E0B93}"/>
-              </a:ext>
-            </a:extLst>
-          </p:cNvPr>
-          <p:cNvCxnSpPr>
-            <a:cxnSpLocks/>
-            <a:stCxn id="9" idx="0"/>
-            <a:endCxn id="7" idx="2"/>
-          </p:cNvCxnSpPr>
-          <p:nvPr/>
-        </p:nvCxnSpPr>
-        <p:spPr>
-          <a:xfrm>
-            <a:off x="1475656" y="4102224"/>
-            <a:ext cx="360040" cy="478904"/>
-          </a:xfrm>
-          <a:prstGeom prst="bentConnector3">
-            <a:avLst>
-              <a:gd name="adj1" fmla="val 50000"/>
-            </a:avLst>
-          </a:prstGeom>
-          <a:ln>
-            <a:solidFill>
-              <a:schemeClr val="tx1"/>
-            </a:solidFill>
-            <a:headEnd type="none" w="med" len="med"/>
-            <a:tailEnd type="triangle"/>
-          </a:ln>
-        </p:spPr>
-        <p:style>
-          <a:lnRef idx="1">
-            <a:schemeClr val="accent1"/>
-          </a:lnRef>
-          <a:fillRef idx="0">
-            <a:schemeClr val="accent1"/>
-          </a:fillRef>
-          <a:effectRef idx="0">
-            <a:schemeClr val="accent1"/>
-          </a:effectRef>
-          <a:fontRef idx="minor">
-            <a:schemeClr val="tx1"/>
-          </a:fontRef>
-        </p:style>
-      </p:cxnSp>
-      <p:cxnSp>
-        <p:nvCxnSpPr>
-          <p:cNvPr id="19" name="直線コネクタ 18">
-            <a:extLst>
-              <a:ext uri="{FF2B5EF4-FFF2-40B4-BE49-F238E27FC236}">
-                <a16:creationId xmlns:a16="http://schemas.microsoft.com/office/drawing/2014/main" id="{E33C98AD-A0BC-4851-9217-40A29862DCAB}"/>
-              </a:ext>
-            </a:extLst>
-          </p:cNvPr>
-          <p:cNvCxnSpPr>
-            <a:cxnSpLocks/>
-            <a:stCxn id="7" idx="4"/>
-            <a:endCxn id="6" idx="0"/>
-          </p:cNvCxnSpPr>
-          <p:nvPr/>
-        </p:nvCxnSpPr>
-        <p:spPr>
-          <a:xfrm>
-            <a:off x="2051720" y="4797152"/>
-            <a:ext cx="0" cy="504056"/>
-          </a:xfrm>
-          <a:prstGeom prst="line">
-            <a:avLst/>
-          </a:prstGeom>
-          <a:ln w="57150">
-            <a:solidFill>
-              <a:schemeClr val="tx1"/>
-            </a:solidFill>
-            <a:headEnd type="none" w="med" len="med"/>
-            <a:tailEnd type="none" w="med" len="med"/>
-          </a:ln>
-        </p:spPr>
-        <p:style>
-          <a:lnRef idx="1">
-            <a:schemeClr val="accent1"/>
-          </a:lnRef>
-          <a:fillRef idx="0">
-            <a:schemeClr val="accent1"/>
-          </a:fillRef>
-          <a:effectRef idx="0">
-            <a:schemeClr val="accent1"/>
-          </a:effectRef>
-          <a:fontRef idx="minor">
-            <a:schemeClr val="tx1"/>
-          </a:fontRef>
-        </p:style>
-      </p:cxnSp>
-      <p:cxnSp>
-        <p:nvCxnSpPr>
-          <p:cNvPr id="22" name="直線コネクタ 21">
-            <a:extLst>
-              <a:ext uri="{FF2B5EF4-FFF2-40B4-BE49-F238E27FC236}">
-                <a16:creationId xmlns:a16="http://schemas.microsoft.com/office/drawing/2014/main" id="{41E0B1B1-9FC7-44B6-8537-F7F9B5554BE9}"/>
-              </a:ext>
-            </a:extLst>
-          </p:cNvPr>
-          <p:cNvCxnSpPr>
-            <a:cxnSpLocks/>
-            <a:stCxn id="6" idx="4"/>
-            <a:endCxn id="5" idx="0"/>
-          </p:cNvCxnSpPr>
-          <p:nvPr/>
-        </p:nvCxnSpPr>
-        <p:spPr>
-          <a:xfrm>
-            <a:off x="2051720" y="5733256"/>
-            <a:ext cx="0" cy="504056"/>
-          </a:xfrm>
-          <a:prstGeom prst="line">
-            <a:avLst/>
-          </a:prstGeom>
-          <a:ln w="57150">
-            <a:solidFill>
-              <a:schemeClr val="tx1"/>
-            </a:solidFill>
-            <a:headEnd type="none" w="med" len="med"/>
-            <a:tailEnd type="none" w="med" len="med"/>
-          </a:ln>
-        </p:spPr>
-        <p:style>
-          <a:lnRef idx="1">
-            <a:schemeClr val="accent1"/>
-          </a:lnRef>
-          <a:fillRef idx="0">
-            <a:schemeClr val="accent1"/>
-          </a:fillRef>
-          <a:effectRef idx="0">
-            <a:schemeClr val="accent1"/>
-          </a:effectRef>
-          <a:fontRef idx="minor">
-            <a:schemeClr val="tx1"/>
-          </a:fontRef>
-        </p:style>
-      </p:cxnSp>
-      <p:sp>
-        <p:nvSpPr>
-          <p:cNvPr id="25" name="テキスト ボックス 24">
-            <a:extLst>
-              <a:ext uri="{FF2B5EF4-FFF2-40B4-BE49-F238E27FC236}">
-                <a16:creationId xmlns:a16="http://schemas.microsoft.com/office/drawing/2014/main" id="{B52AD527-ADFA-41AC-9851-C621FA8E841A}"/>
-              </a:ext>
-            </a:extLst>
-          </p:cNvPr>
-          <p:cNvSpPr txBox="1"/>
-          <p:nvPr/>
-        </p:nvSpPr>
-        <p:spPr>
-          <a:xfrm>
-            <a:off x="2411760" y="6300028"/>
-            <a:ext cx="1957587" cy="369332"/>
-          </a:xfrm>
-          <a:prstGeom prst="rect">
-            <a:avLst/>
-          </a:prstGeom>
-          <a:noFill/>
-        </p:spPr>
-        <p:txBody>
-          <a:bodyPr wrap="none" rtlCol="0">
-            <a:spAutoFit/>
-          </a:bodyPr>
-          <a:lstStyle/>
-          <a:p>
-            <a:r>
-              <a:rPr kumimoji="1" lang="en-US" altLang="ja-JP" dirty="0">
-                <a:latin typeface="Consolas" panose="020B0609020204030204" pitchFamily="49" charset="0"/>
-              </a:rPr>
-              <a:t>initial commit</a:t>
-            </a:r>
-            <a:endParaRPr kumimoji="1" lang="ja-JP" altLang="en-US" dirty="0">
-              <a:latin typeface="Consolas" panose="020B0609020204030204" pitchFamily="49" charset="0"/>
-            </a:endParaRPr>
-          </a:p>
-        </p:txBody>
-      </p:sp>
-      <p:sp>
-        <p:nvSpPr>
-          <p:cNvPr id="26" name="テキスト ボックス 25">
-            <a:extLst>
-              <a:ext uri="{FF2B5EF4-FFF2-40B4-BE49-F238E27FC236}">
-                <a16:creationId xmlns:a16="http://schemas.microsoft.com/office/drawing/2014/main" id="{9EE8C00E-0CB4-4CC0-B844-99D9682DDFA6}"/>
-              </a:ext>
-            </a:extLst>
-          </p:cNvPr>
-          <p:cNvSpPr txBox="1"/>
-          <p:nvPr/>
-        </p:nvSpPr>
-        <p:spPr>
-          <a:xfrm>
-            <a:off x="2411760" y="5301208"/>
-            <a:ext cx="1830950" cy="369332"/>
-          </a:xfrm>
-          <a:prstGeom prst="rect">
-            <a:avLst/>
-          </a:prstGeom>
-          <a:noFill/>
-        </p:spPr>
-        <p:txBody>
-          <a:bodyPr wrap="none" rtlCol="0">
-            <a:spAutoFit/>
-          </a:bodyPr>
-          <a:lstStyle/>
-          <a:p>
-            <a:r>
-              <a:rPr kumimoji="1" lang="en-US" altLang="ja-JP" dirty="0">
-                <a:latin typeface="Consolas" panose="020B0609020204030204" pitchFamily="49" charset="0"/>
-              </a:rPr>
-              <a:t>adds new line</a:t>
-            </a:r>
-            <a:endParaRPr kumimoji="1" lang="ja-JP" altLang="en-US" dirty="0">
-              <a:latin typeface="Consolas" panose="020B0609020204030204" pitchFamily="49" charset="0"/>
-            </a:endParaRPr>
-          </a:p>
-        </p:txBody>
-      </p:sp>
-      <p:sp>
-        <p:nvSpPr>
-          <p:cNvPr id="28" name="テキスト ボックス 27">
-            <a:extLst>
-              <a:ext uri="{FF2B5EF4-FFF2-40B4-BE49-F238E27FC236}">
-                <a16:creationId xmlns:a16="http://schemas.microsoft.com/office/drawing/2014/main" id="{CD2B444C-D5CF-4135-AF11-FE6D669E29D3}"/>
-              </a:ext>
-            </a:extLst>
-          </p:cNvPr>
-          <p:cNvSpPr txBox="1"/>
-          <p:nvPr/>
-        </p:nvSpPr>
-        <p:spPr>
-          <a:xfrm>
-            <a:off x="2411760" y="4365104"/>
-            <a:ext cx="2480166" cy="369332"/>
-          </a:xfrm>
-          <a:prstGeom prst="rect">
-            <a:avLst/>
-          </a:prstGeom>
-          <a:noFill/>
-        </p:spPr>
-        <p:txBody>
-          <a:bodyPr wrap="none" rtlCol="0">
-            <a:spAutoFit/>
-          </a:bodyPr>
-          <a:lstStyle/>
-          <a:p>
-            <a:r>
-              <a:rPr kumimoji="1" lang="en-US" altLang="ja-JP" dirty="0">
-                <a:latin typeface="Consolas" panose="020B0609020204030204" pitchFamily="49" charset="0"/>
-              </a:rPr>
-              <a:t>modifies README.md</a:t>
-            </a:r>
-            <a:endParaRPr kumimoji="1" lang="ja-JP" altLang="en-US" dirty="0">
-              <a:latin typeface="Consolas" panose="020B0609020204030204" pitchFamily="49" charset="0"/>
-            </a:endParaRPr>
-          </a:p>
-        </p:txBody>
-      </p:sp>
-      <p:sp>
-        <p:nvSpPr>
-          <p:cNvPr id="31" name="テキスト ボックス 30">
-            <a:extLst>
-              <a:ext uri="{FF2B5EF4-FFF2-40B4-BE49-F238E27FC236}">
-                <a16:creationId xmlns:a16="http://schemas.microsoft.com/office/drawing/2014/main" id="{B1E8D174-02ED-467D-889F-8760F8A8A081}"/>
-              </a:ext>
-            </a:extLst>
-          </p:cNvPr>
-          <p:cNvSpPr txBox="1"/>
-          <p:nvPr/>
-        </p:nvSpPr>
-        <p:spPr>
-          <a:xfrm>
-            <a:off x="4499992" y="3212976"/>
-            <a:ext cx="4108817" cy="646331"/>
-          </a:xfrm>
-          <a:prstGeom prst="rect">
-            <a:avLst/>
-          </a:prstGeom>
-          <a:noFill/>
-        </p:spPr>
-        <p:txBody>
-          <a:bodyPr wrap="none" rtlCol="0">
-            <a:spAutoFit/>
-          </a:bodyPr>
-          <a:lstStyle/>
-          <a:p>
-            <a:r>
-              <a:rPr lang="ja-JP" altLang="en-US" dirty="0"/>
-              <a:t>ターミナルに表示</a:t>
-            </a:r>
-            <a:r>
-              <a:rPr lang="ja-JP" altLang="en-US"/>
-              <a:t>された情報から</a:t>
-            </a:r>
-            <a:endParaRPr lang="en-US" altLang="ja-JP" dirty="0"/>
-          </a:p>
-          <a:p>
-            <a:r>
-              <a:rPr lang="ja-JP" altLang="en-US" dirty="0"/>
-              <a:t>「玉と</a:t>
-            </a:r>
-            <a:r>
-              <a:rPr lang="ja-JP" altLang="en-US"/>
-              <a:t>線」を頭の中に再構成すること</a:t>
-            </a:r>
-            <a:endParaRPr kumimoji="1" lang="ja-JP" altLang="en-US" dirty="0"/>
-          </a:p>
-        </p:txBody>
-      </p:sp>
-    </p:spTree>
-    <p:extLst>
-      <p:ext uri="{BB962C8B-B14F-4D97-AF65-F5344CB8AC3E}">
-        <p14:creationId xmlns:p14="http://schemas.microsoft.com/office/powerpoint/2010/main" val="3867325113"/>
-      </p:ext>
-    </p:extLst>
-  </p:cSld>
-  <p:clrMapOvr>
-    <a:masterClrMapping/>
-  </p:clrMapOvr>
-</p:sld>
-</file>
-
-<file path=ppt/slides/slide25.xml><?xml version="1.0" encoding="utf-8"?>
-<p:sld xmlns:a="http://schemas.openxmlformats.org/drawingml/2006/main" xmlns:r="http://schemas.openxmlformats.org/officeDocument/2006/relationships" xmlns:p="http://schemas.openxmlformats.org/presentationml/2006/main">
-  <p:cSld>
-    <p:spTree>
-      <p:nvGrpSpPr>
-        <p:cNvPr id="1" name=""/>
-        <p:cNvGrpSpPr/>
-        <p:nvPr/>
-      </p:nvGrpSpPr>
-      <p:grpSpPr>
-        <a:xfrm>
-          <a:off x="0" y="0"/>
-          <a:ext cx="0" cy="0"/>
-          <a:chOff x="0" y="0"/>
-          <a:chExt cx="0" cy="0"/>
-        </a:xfrm>
-      </p:grpSpPr>
-      <p:sp>
-        <p:nvSpPr>
-          <p:cNvPr id="2" name="テキスト プレースホルダー 1">
-            <a:extLst>
-              <a:ext uri="{FF2B5EF4-FFF2-40B4-BE49-F238E27FC236}">
-                <a16:creationId xmlns:a16="http://schemas.microsoft.com/office/drawing/2014/main" id="{9C30E22C-A2A7-4370-829C-22F46D8951A9}"/>
-              </a:ext>
-            </a:extLst>
-          </p:cNvPr>
-          <p:cNvSpPr>
-            <a:spLocks noGrp="1"/>
-          </p:cNvSpPr>
-          <p:nvPr>
-            <p:ph type="body" sz="quarter" idx="10"/>
-          </p:nvPr>
-        </p:nvSpPr>
-        <p:spPr/>
-        <p:txBody>
-          <a:bodyPr/>
-          <a:lstStyle/>
-          <a:p>
-            <a:r>
-              <a:rPr kumimoji="1" lang="ja-JP" altLang="en-US" dirty="0"/>
-              <a:t>課題</a:t>
-            </a:r>
-            <a:r>
-              <a:rPr kumimoji="1" lang="en-US" altLang="ja-JP" dirty="0"/>
-              <a:t> – Step 7</a:t>
-            </a:r>
-            <a:endParaRPr kumimoji="1" lang="ja-JP" altLang="en-US" dirty="0"/>
-          </a:p>
-        </p:txBody>
-      </p:sp>
-      <p:sp>
-        <p:nvSpPr>
-          <p:cNvPr id="5" name="テキスト ボックス 4">
-            <a:extLst>
-              <a:ext uri="{FF2B5EF4-FFF2-40B4-BE49-F238E27FC236}">
-                <a16:creationId xmlns:a16="http://schemas.microsoft.com/office/drawing/2014/main" id="{110C281F-98BB-443D-B24D-E449CE680E43}"/>
-              </a:ext>
-            </a:extLst>
-          </p:cNvPr>
-          <p:cNvSpPr txBox="1"/>
-          <p:nvPr/>
-        </p:nvSpPr>
-        <p:spPr>
-          <a:xfrm>
-            <a:off x="683568" y="1412776"/>
-            <a:ext cx="2198038" cy="369332"/>
-          </a:xfrm>
-          <a:prstGeom prst="rect">
-            <a:avLst/>
-          </a:prstGeom>
-          <a:noFill/>
-        </p:spPr>
-        <p:txBody>
-          <a:bodyPr wrap="none" rtlCol="0">
-            <a:spAutoFit/>
-          </a:bodyPr>
-          <a:lstStyle/>
-          <a:p>
-            <a:r>
-              <a:rPr kumimoji="1" lang="en-US" altLang="ja-JP" dirty="0" err="1"/>
-              <a:t>VSCode</a:t>
-            </a:r>
-            <a:r>
-              <a:rPr kumimoji="1" lang="ja-JP" altLang="en-US" dirty="0"/>
-              <a:t>からの操作</a:t>
-            </a:r>
-          </a:p>
-        </p:txBody>
-      </p:sp>
-      <p:pic>
-        <p:nvPicPr>
-          <p:cNvPr id="1028" name="Picture 4" descr="vscode_add">
-            <a:extLst>
-              <a:ext uri="{FF2B5EF4-FFF2-40B4-BE49-F238E27FC236}">
-                <a16:creationId xmlns:a16="http://schemas.microsoft.com/office/drawing/2014/main" id="{32877CEF-F5DB-406D-B4B3-AFA9F8A49A98}"/>
-              </a:ext>
-            </a:extLst>
-          </p:cNvPr>
-          <p:cNvPicPr>
-            <a:picLocks noChangeAspect="1" noChangeArrowheads="1"/>
-          </p:cNvPicPr>
-          <p:nvPr/>
-        </p:nvPicPr>
-        <p:blipFill>
-          <a:blip r:embed="rId2" cstate="print">
-            <a:extLst>
-              <a:ext uri="{28A0092B-C50C-407E-A947-70E740481C1C}">
-                <a14:useLocalDpi xmlns:a14="http://schemas.microsoft.com/office/drawing/2010/main" val="0"/>
-              </a:ext>
-            </a:extLst>
-          </a:blip>
-          <a:srcRect/>
-          <a:stretch>
-            <a:fillRect/>
-          </a:stretch>
-        </p:blipFill>
-        <p:spPr bwMode="auto">
-          <a:xfrm>
-            <a:off x="539552" y="3356992"/>
-            <a:ext cx="6998303" cy="3225781"/>
-          </a:xfrm>
-          <a:prstGeom prst="rect">
-            <a:avLst/>
-          </a:prstGeom>
-          <a:noFill/>
-          <a:extLst>
-            <a:ext uri="{909E8E84-426E-40DD-AFC4-6F175D3DCCD1}">
-              <a14:hiddenFill xmlns:a14="http://schemas.microsoft.com/office/drawing/2010/main">
-                <a:solidFill>
-                  <a:srgbClr val="FFFFFF"/>
-                </a:solidFill>
-              </a14:hiddenFill>
-            </a:ext>
-          </a:extLst>
-        </p:spPr>
-      </p:pic>
-      <p:sp>
-        <p:nvSpPr>
-          <p:cNvPr id="8" name="テキスト ボックス 7">
-            <a:extLst>
-              <a:ext uri="{FF2B5EF4-FFF2-40B4-BE49-F238E27FC236}">
-                <a16:creationId xmlns:a16="http://schemas.microsoft.com/office/drawing/2014/main" id="{4A2B8537-78C8-4EDD-A65A-DF5C4C94E6FF}"/>
-              </a:ext>
-            </a:extLst>
-          </p:cNvPr>
-          <p:cNvSpPr txBox="1"/>
-          <p:nvPr/>
-        </p:nvSpPr>
-        <p:spPr>
-          <a:xfrm>
-            <a:off x="827584" y="2132856"/>
-            <a:ext cx="2582758" cy="400110"/>
-          </a:xfrm>
-          <a:prstGeom prst="rect">
-            <a:avLst/>
-          </a:prstGeom>
-          <a:noFill/>
-          <a:ln>
-            <a:solidFill>
-              <a:schemeClr val="tx1"/>
-            </a:solidFill>
-          </a:ln>
-        </p:spPr>
-        <p:txBody>
-          <a:bodyPr wrap="none" rtlCol="0">
-            <a:spAutoFit/>
-          </a:bodyPr>
-          <a:lstStyle/>
-          <a:p>
-            <a:r>
-              <a:rPr kumimoji="1" lang="en-US" altLang="ja-JP" sz="2000" dirty="0">
-                <a:latin typeface="Consolas" panose="020B0609020204030204" pitchFamily="49" charset="0"/>
-              </a:rPr>
-              <a:t>git add </a:t>
-            </a:r>
-            <a:r>
-              <a:rPr lang="en-US" altLang="ja-JP" sz="2000" dirty="0">
-                <a:latin typeface="Consolas" panose="020B0609020204030204" pitchFamily="49" charset="0"/>
-              </a:rPr>
-              <a:t>README.md</a:t>
-            </a:r>
-            <a:endParaRPr kumimoji="1" lang="ja-JP" altLang="en-US" sz="2000" dirty="0">
-              <a:latin typeface="Consolas" panose="020B0609020204030204" pitchFamily="49" charset="0"/>
-            </a:endParaRPr>
-          </a:p>
-        </p:txBody>
-      </p:sp>
-      <p:cxnSp>
-        <p:nvCxnSpPr>
-          <p:cNvPr id="9" name="直線矢印コネクタ 8">
-            <a:extLst>
-              <a:ext uri="{FF2B5EF4-FFF2-40B4-BE49-F238E27FC236}">
-                <a16:creationId xmlns:a16="http://schemas.microsoft.com/office/drawing/2014/main" id="{BA0082B7-05C8-45E2-9540-D12CE21B7113}"/>
-              </a:ext>
-            </a:extLst>
-          </p:cNvPr>
-          <p:cNvCxnSpPr/>
-          <p:nvPr/>
-        </p:nvCxnSpPr>
-        <p:spPr>
-          <a:xfrm>
-            <a:off x="2987824" y="2564904"/>
-            <a:ext cx="0" cy="1872208"/>
-          </a:xfrm>
-          <a:prstGeom prst="straightConnector1">
-            <a:avLst/>
-          </a:prstGeom>
-          <a:ln w="38100">
-            <a:solidFill>
-              <a:srgbClr val="FF0000"/>
-            </a:solidFill>
-            <a:headEnd type="none" w="med" len="med"/>
-            <a:tailEnd type="triangle"/>
-          </a:ln>
-        </p:spPr>
-        <p:style>
-          <a:lnRef idx="1">
-            <a:schemeClr val="accent1"/>
-          </a:lnRef>
-          <a:fillRef idx="0">
-            <a:schemeClr val="accent1"/>
-          </a:fillRef>
-          <a:effectRef idx="0">
-            <a:schemeClr val="accent1"/>
-          </a:effectRef>
-          <a:fontRef idx="minor">
-            <a:schemeClr val="tx1"/>
-          </a:fontRef>
-        </p:style>
-      </p:cxnSp>
-      <p:sp>
-        <p:nvSpPr>
-          <p:cNvPr id="10" name="テキスト ボックス 9">
-            <a:extLst>
-              <a:ext uri="{FF2B5EF4-FFF2-40B4-BE49-F238E27FC236}">
-                <a16:creationId xmlns:a16="http://schemas.microsoft.com/office/drawing/2014/main" id="{029FA1BF-B994-435C-8533-8A68F03ADECC}"/>
-              </a:ext>
-            </a:extLst>
-          </p:cNvPr>
-          <p:cNvSpPr txBox="1"/>
-          <p:nvPr/>
-        </p:nvSpPr>
-        <p:spPr>
-          <a:xfrm>
-            <a:off x="3707904" y="2708920"/>
-            <a:ext cx="3647152" cy="369332"/>
-          </a:xfrm>
-          <a:prstGeom prst="rect">
-            <a:avLst/>
-          </a:prstGeom>
-          <a:noFill/>
-        </p:spPr>
-        <p:txBody>
-          <a:bodyPr wrap="none" rtlCol="0">
-            <a:spAutoFit/>
-          </a:bodyPr>
-          <a:lstStyle/>
-          <a:p>
-            <a:r>
-              <a:rPr kumimoji="1" lang="ja-JP" altLang="en-US" dirty="0"/>
-              <a:t>この「＋」ボタンが</a:t>
-            </a:r>
-            <a:r>
-              <a:rPr lang="en-US" altLang="ja-JP" dirty="0"/>
-              <a:t>git add</a:t>
-            </a:r>
-            <a:r>
-              <a:rPr lang="ja-JP" altLang="en-US" dirty="0"/>
-              <a:t>に対応</a:t>
-            </a:r>
-            <a:endParaRPr kumimoji="1" lang="ja-JP" altLang="en-US" dirty="0"/>
-          </a:p>
-        </p:txBody>
-      </p:sp>
-    </p:spTree>
-    <p:extLst>
-      <p:ext uri="{BB962C8B-B14F-4D97-AF65-F5344CB8AC3E}">
-        <p14:creationId xmlns:p14="http://schemas.microsoft.com/office/powerpoint/2010/main" val="2110205950"/>
-      </p:ext>
-    </p:extLst>
-  </p:cSld>
-  <p:clrMapOvr>
-    <a:masterClrMapping/>
-  </p:clrMapOvr>
-</p:sld>
-</file>
-
 <file path=ppt/slides/slide26.xml><?xml version="1.0" encoding="utf-8"?>
 <p:sld xmlns:a="http://schemas.openxmlformats.org/drawingml/2006/main" xmlns:r="http://schemas.openxmlformats.org/officeDocument/2006/relationships" xmlns:p="http://schemas.openxmlformats.org/presentationml/2006/main">
   <p:cSld>
@@ -14063,7 +13897,7 @@
           <p:cNvPr id="2" name="テキスト プレースホルダー 1">
             <a:extLst>
               <a:ext uri="{FF2B5EF4-FFF2-40B4-BE49-F238E27FC236}">
-                <a16:creationId xmlns:a16="http://schemas.microsoft.com/office/drawing/2014/main" id="{1EB72191-4B11-48D1-BE33-16F6082ABD7C}"/>
+                <a16:creationId xmlns:a16="http://schemas.microsoft.com/office/drawing/2014/main" id="{BEB973C5-4C11-4FD1-BA90-C27165F9ADAB}"/>
               </a:ext>
             </a:extLst>
           </p:cNvPr>
@@ -14085,65 +13919,53 @@
             </a:r>
             <a:r>
               <a:rPr kumimoji="1" lang="en-US" altLang="ja-JP" dirty="0"/>
-              <a:t> – Step 7</a:t>
+              <a:t> – Step 6</a:t>
             </a:r>
             <a:endParaRPr kumimoji="1" lang="ja-JP" altLang="en-US" dirty="0"/>
           </a:p>
         </p:txBody>
       </p:sp>
-      <p:pic>
-        <p:nvPicPr>
-          <p:cNvPr id="2050" name="Picture 2" descr="vscode_add">
-            <a:extLst>
-              <a:ext uri="{FF2B5EF4-FFF2-40B4-BE49-F238E27FC236}">
-                <a16:creationId xmlns:a16="http://schemas.microsoft.com/office/drawing/2014/main" id="{D9AFD988-380F-425A-8D90-0FC3E7D58718}"/>
-              </a:ext>
-            </a:extLst>
-          </p:cNvPr>
-          <p:cNvPicPr>
-            <a:picLocks noChangeAspect="1" noChangeArrowheads="1"/>
-          </p:cNvPicPr>
-          <p:nvPr/>
-        </p:nvPicPr>
-        <p:blipFill>
-          <a:blip r:embed="rId2" cstate="print">
-            <a:extLst>
-              <a:ext uri="{28A0092B-C50C-407E-A947-70E740481C1C}">
-                <a14:useLocalDpi xmlns:a14="http://schemas.microsoft.com/office/drawing/2010/main" val="0"/>
-              </a:ext>
-            </a:extLst>
-          </a:blip>
-          <a:srcRect/>
-          <a:stretch>
-            <a:fillRect/>
-          </a:stretch>
-        </p:blipFill>
-        <p:spPr bwMode="auto">
-          <a:xfrm>
-            <a:off x="1331640" y="2348880"/>
-            <a:ext cx="7668344" cy="3806215"/>
+      <p:sp>
+        <p:nvSpPr>
+          <p:cNvPr id="3" name="テキスト ボックス 2">
+            <a:extLst>
+              <a:ext uri="{FF2B5EF4-FFF2-40B4-BE49-F238E27FC236}">
+                <a16:creationId xmlns:a16="http://schemas.microsoft.com/office/drawing/2014/main" id="{6A0617B0-D8AD-4BAB-BED8-C323744646F7}"/>
+              </a:ext>
+            </a:extLst>
+          </p:cNvPr>
+          <p:cNvSpPr txBox="1"/>
+          <p:nvPr/>
+        </p:nvSpPr>
+        <p:spPr>
+          <a:xfrm>
+            <a:off x="251520" y="1268760"/>
+            <a:ext cx="1723549" cy="461665"/>
           </a:xfrm>
           <a:prstGeom prst="rect">
             <a:avLst/>
           </a:prstGeom>
           <a:noFill/>
-          <a:extLst>
-            <a:ext uri="{909E8E84-426E-40DD-AFC4-6F175D3DCCD1}">
-              <a14:hiddenFill xmlns:a14="http://schemas.microsoft.com/office/drawing/2010/main">
-                <a:solidFill>
-                  <a:srgbClr val="FFFFFF"/>
-                </a:solidFill>
-              </a14:hiddenFill>
-            </a:ext>
-          </a:extLst>
-        </p:spPr>
-      </p:pic>
+        </p:spPr>
+        <p:txBody>
+          <a:bodyPr wrap="none" rtlCol="0">
+            <a:spAutoFit/>
+          </a:bodyPr>
+          <a:lstStyle/>
+          <a:p>
+            <a:r>
+              <a:rPr kumimoji="1" lang="ja-JP" altLang="en-US" sz="2400" dirty="0"/>
+              <a:t>歴史の確認</a:t>
+            </a:r>
+          </a:p>
+        </p:txBody>
+      </p:sp>
       <p:sp>
         <p:nvSpPr>
           <p:cNvPr id="4" name="テキスト ボックス 3">
             <a:extLst>
               <a:ext uri="{FF2B5EF4-FFF2-40B4-BE49-F238E27FC236}">
-                <a16:creationId xmlns:a16="http://schemas.microsoft.com/office/drawing/2014/main" id="{EF17C930-7437-4B68-AE36-A83E01516560}"/>
+                <a16:creationId xmlns:a16="http://schemas.microsoft.com/office/drawing/2014/main" id="{BB48E940-AA36-49C9-97B9-1E9D09A19BFD}"/>
               </a:ext>
             </a:extLst>
           </p:cNvPr>
@@ -14152,8 +13974,8 @@
         </p:nvSpPr>
         <p:spPr>
           <a:xfrm>
-            <a:off x="1619672" y="1052736"/>
-            <a:ext cx="5121915" cy="400110"/>
+            <a:off x="827584" y="1988840"/>
+            <a:ext cx="2582758" cy="707886"/>
           </a:xfrm>
           <a:prstGeom prst="rect">
             <a:avLst/>
@@ -14166,7 +13988,7 @@
           </a:ln>
         </p:spPr>
         <p:txBody>
-          <a:bodyPr wrap="square" rtlCol="0">
+          <a:bodyPr wrap="none" rtlCol="0">
             <a:spAutoFit/>
           </a:bodyPr>
           <a:lstStyle/>
@@ -14175,19 +13997,21 @@
               <a:rPr kumimoji="1" lang="en-US" altLang="ja-JP" sz="2000" dirty="0">
                 <a:latin typeface="Consolas" panose="020B0609020204030204" pitchFamily="49" charset="0"/>
               </a:rPr>
-              <a:t>git commit –m ”commit from </a:t>
-            </a:r>
-            <a:r>
-              <a:rPr kumimoji="1" lang="en-US" altLang="ja-JP" sz="2000" dirty="0" err="1">
+              <a:t>git log</a:t>
+            </a:r>
+          </a:p>
+          <a:p>
+            <a:r>
+              <a:rPr lang="en-US" altLang="ja-JP" sz="2000" dirty="0">
                 <a:latin typeface="Consolas" panose="020B0609020204030204" pitchFamily="49" charset="0"/>
               </a:rPr>
-              <a:t>VSCode</a:t>
-            </a:r>
-            <a:r>
-              <a:rPr kumimoji="1" lang="en-US" altLang="ja-JP" sz="2000" dirty="0">
+              <a:t>git log --</a:t>
+            </a:r>
+            <a:r>
+              <a:rPr lang="en-US" altLang="ja-JP" sz="2000" dirty="0" err="1">
                 <a:latin typeface="Consolas" panose="020B0609020204030204" pitchFamily="49" charset="0"/>
               </a:rPr>
-              <a:t>”</a:t>
+              <a:t>oneline</a:t>
             </a:r>
             <a:endParaRPr kumimoji="1" lang="ja-JP" altLang="en-US" sz="2000" dirty="0">
               <a:latin typeface="Consolas" panose="020B0609020204030204" pitchFamily="49" charset="0"/>
@@ -14197,10 +14021,10 @@
       </p:sp>
       <p:sp>
         <p:nvSpPr>
-          <p:cNvPr id="6" name="楕円 5">
-            <a:extLst>
-              <a:ext uri="{FF2B5EF4-FFF2-40B4-BE49-F238E27FC236}">
-                <a16:creationId xmlns:a16="http://schemas.microsoft.com/office/drawing/2014/main" id="{3D7D728F-DF67-404A-A00B-15B438139FEC}"/>
+          <p:cNvPr id="5" name="楕円 4">
+            <a:extLst>
+              <a:ext uri="{FF2B5EF4-FFF2-40B4-BE49-F238E27FC236}">
+                <a16:creationId xmlns:a16="http://schemas.microsoft.com/office/drawing/2014/main" id="{0AFF55BA-80AB-4F7A-B8F2-B5C3CE0B4E34}"/>
               </a:ext>
             </a:extLst>
           </p:cNvPr>
@@ -14209,13 +14033,15 @@
         </p:nvSpPr>
         <p:spPr>
           <a:xfrm>
-            <a:off x="3419872" y="2708920"/>
+            <a:off x="1835696" y="6237312"/>
             <a:ext cx="432048" cy="432048"/>
           </a:xfrm>
           <a:prstGeom prst="ellipse">
             <a:avLst/>
           </a:prstGeom>
-          <a:noFill/>
+          <a:solidFill>
+            <a:srgbClr val="011893"/>
+          </a:solidFill>
           <a:ln>
             <a:solidFill>
               <a:schemeClr val="tx1"/>
@@ -14247,72 +14073,33 @@
           </a:p>
         </p:txBody>
       </p:sp>
-      <p:cxnSp>
-        <p:nvCxnSpPr>
-          <p:cNvPr id="8" name="直線コネクタ 7">
-            <a:extLst>
-              <a:ext uri="{FF2B5EF4-FFF2-40B4-BE49-F238E27FC236}">
-                <a16:creationId xmlns:a16="http://schemas.microsoft.com/office/drawing/2014/main" id="{82B35942-7F2A-4E09-9E15-23A7BC9C3A88}"/>
-              </a:ext>
-            </a:extLst>
-          </p:cNvPr>
-          <p:cNvCxnSpPr/>
-          <p:nvPr/>
-        </p:nvCxnSpPr>
-        <p:spPr>
-          <a:xfrm>
-            <a:off x="2267744" y="1412776"/>
-            <a:ext cx="792088" cy="0"/>
-          </a:xfrm>
-          <a:prstGeom prst="line">
-            <a:avLst/>
-          </a:prstGeom>
-          <a:ln w="19050">
+      <p:sp>
+        <p:nvSpPr>
+          <p:cNvPr id="6" name="楕円 5">
+            <a:extLst>
+              <a:ext uri="{FF2B5EF4-FFF2-40B4-BE49-F238E27FC236}">
+                <a16:creationId xmlns:a16="http://schemas.microsoft.com/office/drawing/2014/main" id="{2F4D2808-7674-4F11-B5CA-227BC656C0BF}"/>
+              </a:ext>
+            </a:extLst>
+          </p:cNvPr>
+          <p:cNvSpPr/>
+          <p:nvPr/>
+        </p:nvSpPr>
+        <p:spPr>
+          <a:xfrm>
+            <a:off x="1835696" y="5301208"/>
+            <a:ext cx="432048" cy="432048"/>
+          </a:xfrm>
+          <a:prstGeom prst="ellipse">
+            <a:avLst/>
+          </a:prstGeom>
+          <a:solidFill>
+            <a:srgbClr val="011893"/>
+          </a:solidFill>
+          <a:ln>
             <a:solidFill>
-              <a:srgbClr val="FF0000"/>
+              <a:schemeClr val="tx1"/>
             </a:solidFill>
-            <a:headEnd type="none" w="med" len="med"/>
-            <a:tailEnd type="none" w="med" len="med"/>
-          </a:ln>
-        </p:spPr>
-        <p:style>
-          <a:lnRef idx="1">
-            <a:schemeClr val="accent1"/>
-          </a:lnRef>
-          <a:fillRef idx="0">
-            <a:schemeClr val="accent1"/>
-          </a:fillRef>
-          <a:effectRef idx="0">
-            <a:schemeClr val="accent1"/>
-          </a:effectRef>
-          <a:fontRef idx="minor">
-            <a:schemeClr val="tx1"/>
-          </a:fontRef>
-        </p:style>
-      </p:cxnSp>
-      <p:sp>
-        <p:nvSpPr>
-          <p:cNvPr id="11" name="楕円 10">
-            <a:extLst>
-              <a:ext uri="{FF2B5EF4-FFF2-40B4-BE49-F238E27FC236}">
-                <a16:creationId xmlns:a16="http://schemas.microsoft.com/office/drawing/2014/main" id="{C0074D95-338E-4E13-AC9A-16A46E53DFD2}"/>
-              </a:ext>
-            </a:extLst>
-          </p:cNvPr>
-          <p:cNvSpPr/>
-          <p:nvPr/>
-        </p:nvSpPr>
-        <p:spPr>
-          <a:xfrm>
-            <a:off x="2555776" y="1412776"/>
-            <a:ext cx="144016" cy="144016"/>
-          </a:xfrm>
-          <a:prstGeom prst="ellipse">
-            <a:avLst/>
-          </a:prstGeom>
-          <a:noFill/>
-          <a:ln>
-            <a:noFill/>
           </a:ln>
         </p:spPr>
         <p:style>
@@ -14340,32 +14127,229 @@
           </a:p>
         </p:txBody>
       </p:sp>
+      <p:sp>
+        <p:nvSpPr>
+          <p:cNvPr id="7" name="楕円 6">
+            <a:extLst>
+              <a:ext uri="{FF2B5EF4-FFF2-40B4-BE49-F238E27FC236}">
+                <a16:creationId xmlns:a16="http://schemas.microsoft.com/office/drawing/2014/main" id="{2C299BC0-1B80-40DC-AE3F-CBAB1EADCA95}"/>
+              </a:ext>
+            </a:extLst>
+          </p:cNvPr>
+          <p:cNvSpPr/>
+          <p:nvPr/>
+        </p:nvSpPr>
+        <p:spPr>
+          <a:xfrm>
+            <a:off x="1835696" y="4365104"/>
+            <a:ext cx="432048" cy="432048"/>
+          </a:xfrm>
+          <a:prstGeom prst="ellipse">
+            <a:avLst/>
+          </a:prstGeom>
+          <a:solidFill>
+            <a:srgbClr val="011893"/>
+          </a:solidFill>
+          <a:ln>
+            <a:solidFill>
+              <a:schemeClr val="tx1"/>
+            </a:solidFill>
+          </a:ln>
+        </p:spPr>
+        <p:style>
+          <a:lnRef idx="2">
+            <a:schemeClr val="accent1">
+              <a:shade val="50000"/>
+            </a:schemeClr>
+          </a:lnRef>
+          <a:fillRef idx="1">
+            <a:schemeClr val="accent1"/>
+          </a:fillRef>
+          <a:effectRef idx="0">
+            <a:schemeClr val="accent1"/>
+          </a:effectRef>
+          <a:fontRef idx="minor">
+            <a:schemeClr val="lt1"/>
+          </a:fontRef>
+        </p:style>
+        <p:txBody>
+          <a:bodyPr rtlCol="0" anchor="ctr"/>
+          <a:lstStyle/>
+          <a:p>
+            <a:pPr algn="ctr"/>
+            <a:endParaRPr kumimoji="1" lang="ja-JP" altLang="en-US"/>
+          </a:p>
+        </p:txBody>
+      </p:sp>
+      <p:sp>
+        <p:nvSpPr>
+          <p:cNvPr id="9" name="四角形: 1 つの角を切り取り 1 つの角を丸める 8">
+            <a:extLst>
+              <a:ext uri="{FF2B5EF4-FFF2-40B4-BE49-F238E27FC236}">
+                <a16:creationId xmlns:a16="http://schemas.microsoft.com/office/drawing/2014/main" id="{B4C177FD-52A6-498C-B32F-5D2B082E7C95}"/>
+              </a:ext>
+            </a:extLst>
+          </p:cNvPr>
+          <p:cNvSpPr/>
+          <p:nvPr/>
+        </p:nvSpPr>
+        <p:spPr>
+          <a:xfrm>
+            <a:off x="323528" y="3933056"/>
+            <a:ext cx="1152128" cy="338336"/>
+          </a:xfrm>
+          <a:prstGeom prst="snipRoundRect">
+            <a:avLst>
+              <a:gd name="adj1" fmla="val 16667"/>
+              <a:gd name="adj2" fmla="val 35924"/>
+            </a:avLst>
+          </a:prstGeom>
+          <a:solidFill>
+            <a:schemeClr val="accent6">
+              <a:lumMod val="20000"/>
+              <a:lumOff val="80000"/>
+            </a:schemeClr>
+          </a:solidFill>
+          <a:ln>
+            <a:solidFill>
+              <a:schemeClr val="tx1"/>
+            </a:solidFill>
+          </a:ln>
+        </p:spPr>
+        <p:style>
+          <a:lnRef idx="2">
+            <a:schemeClr val="accent1">
+              <a:shade val="50000"/>
+            </a:schemeClr>
+          </a:lnRef>
+          <a:fillRef idx="1">
+            <a:schemeClr val="accent1"/>
+          </a:fillRef>
+          <a:effectRef idx="0">
+            <a:schemeClr val="accent1"/>
+          </a:effectRef>
+          <a:fontRef idx="minor">
+            <a:schemeClr val="lt1"/>
+          </a:fontRef>
+        </p:style>
+        <p:txBody>
+          <a:bodyPr rtlCol="0" anchor="ctr"/>
+          <a:lstStyle/>
+          <a:p>
+            <a:pPr algn="ctr"/>
+            <a:r>
+              <a:rPr kumimoji="1" lang="en-US" altLang="ja-JP" dirty="0">
+                <a:solidFill>
+                  <a:sysClr val="windowText" lastClr="000000"/>
+                </a:solidFill>
+                <a:latin typeface="Consolas" panose="020B0609020204030204" pitchFamily="49" charset="0"/>
+              </a:rPr>
+              <a:t>main</a:t>
+            </a:r>
+            <a:endParaRPr kumimoji="1" lang="ja-JP" altLang="en-US" dirty="0">
+              <a:solidFill>
+                <a:sysClr val="windowText" lastClr="000000"/>
+              </a:solidFill>
+              <a:latin typeface="Consolas" panose="020B0609020204030204" pitchFamily="49" charset="0"/>
+            </a:endParaRPr>
+          </a:p>
+        </p:txBody>
+      </p:sp>
+      <p:sp>
+        <p:nvSpPr>
+          <p:cNvPr id="10" name="正方形/長方形 9">
+            <a:extLst>
+              <a:ext uri="{FF2B5EF4-FFF2-40B4-BE49-F238E27FC236}">
+                <a16:creationId xmlns:a16="http://schemas.microsoft.com/office/drawing/2014/main" id="{3550D71E-3A29-4E2C-918B-360B94EDEB3D}"/>
+              </a:ext>
+            </a:extLst>
+          </p:cNvPr>
+          <p:cNvSpPr/>
+          <p:nvPr/>
+        </p:nvSpPr>
+        <p:spPr>
+          <a:xfrm>
+            <a:off x="428799" y="3179713"/>
+            <a:ext cx="936104" cy="360040"/>
+          </a:xfrm>
+          <a:prstGeom prst="rect">
+            <a:avLst/>
+          </a:prstGeom>
+          <a:solidFill>
+            <a:schemeClr val="bg1"/>
+          </a:solidFill>
+          <a:ln>
+            <a:solidFill>
+              <a:schemeClr val="tx1"/>
+            </a:solidFill>
+          </a:ln>
+        </p:spPr>
+        <p:style>
+          <a:lnRef idx="2">
+            <a:schemeClr val="accent1">
+              <a:shade val="50000"/>
+            </a:schemeClr>
+          </a:lnRef>
+          <a:fillRef idx="1">
+            <a:schemeClr val="accent1"/>
+          </a:fillRef>
+          <a:effectRef idx="0">
+            <a:schemeClr val="accent1"/>
+          </a:effectRef>
+          <a:fontRef idx="minor">
+            <a:schemeClr val="lt1"/>
+          </a:fontRef>
+        </p:style>
+        <p:txBody>
+          <a:bodyPr rtlCol="0" anchor="ctr"/>
+          <a:lstStyle/>
+          <a:p>
+            <a:pPr algn="ctr"/>
+            <a:r>
+              <a:rPr kumimoji="1" lang="en-US" altLang="ja-JP" dirty="0">
+                <a:solidFill>
+                  <a:schemeClr val="tx1"/>
+                </a:solidFill>
+                <a:latin typeface="Consolas" panose="020B0609020204030204" pitchFamily="49" charset="0"/>
+              </a:rPr>
+              <a:t>HEAD</a:t>
+            </a:r>
+            <a:endParaRPr kumimoji="1" lang="ja-JP" altLang="en-US" dirty="0">
+              <a:solidFill>
+                <a:schemeClr val="tx1"/>
+              </a:solidFill>
+              <a:latin typeface="Consolas" panose="020B0609020204030204" pitchFamily="49" charset="0"/>
+            </a:endParaRPr>
+          </a:p>
+        </p:txBody>
+      </p:sp>
       <p:cxnSp>
         <p:nvCxnSpPr>
-          <p:cNvPr id="12" name="コネクタ: カギ線 11">
-            <a:extLst>
-              <a:ext uri="{FF2B5EF4-FFF2-40B4-BE49-F238E27FC236}">
-                <a16:creationId xmlns:a16="http://schemas.microsoft.com/office/drawing/2014/main" id="{C692B87E-0BF3-463F-A878-422CE6C5CCE4}"/>
+          <p:cNvPr id="11" name="直線矢印コネクタ 10">
+            <a:extLst>
+              <a:ext uri="{FF2B5EF4-FFF2-40B4-BE49-F238E27FC236}">
+                <a16:creationId xmlns:a16="http://schemas.microsoft.com/office/drawing/2014/main" id="{A13E1093-6A80-4A35-BEFE-6FA9147EDA8A}"/>
               </a:ext>
             </a:extLst>
           </p:cNvPr>
           <p:cNvCxnSpPr>
-            <a:stCxn id="11" idx="4"/>
-            <a:endCxn id="6" idx="0"/>
+            <a:cxnSpLocks/>
+            <a:stCxn id="10" idx="2"/>
+            <a:endCxn id="9" idx="3"/>
           </p:cNvCxnSpPr>
           <p:nvPr/>
         </p:nvCxnSpPr>
         <p:spPr>
-          <a:xfrm rot="16200000" flipH="1">
-            <a:off x="2555776" y="1628800"/>
-            <a:ext cx="1152128" cy="1008112"/>
-          </a:xfrm>
-          <a:prstGeom prst="bentConnector3">
-            <a:avLst/>
-          </a:prstGeom>
-          <a:ln w="38100">
+          <a:xfrm>
+            <a:off x="896851" y="3539753"/>
+            <a:ext cx="2741" cy="393303"/>
+          </a:xfrm>
+          <a:prstGeom prst="straightConnector1">
+            <a:avLst/>
+          </a:prstGeom>
+          <a:ln>
             <a:solidFill>
-              <a:srgbClr val="FF0000"/>
+              <a:schemeClr val="tx1"/>
             </a:solidFill>
             <a:headEnd type="none" w="med" len="med"/>
             <a:tailEnd type="triangle"/>
@@ -14388,32 +14372,36 @@
       </p:cxnSp>
       <p:cxnSp>
         <p:nvCxnSpPr>
-          <p:cNvPr id="14" name="直線コネクタ 13">
-            <a:extLst>
-              <a:ext uri="{FF2B5EF4-FFF2-40B4-BE49-F238E27FC236}">
-                <a16:creationId xmlns:a16="http://schemas.microsoft.com/office/drawing/2014/main" id="{77883801-8004-47AF-BF8E-2DB2D4F607CD}"/>
+          <p:cNvPr id="12" name="コネクタ: カギ線 11">
+            <a:extLst>
+              <a:ext uri="{FF2B5EF4-FFF2-40B4-BE49-F238E27FC236}">
+                <a16:creationId xmlns:a16="http://schemas.microsoft.com/office/drawing/2014/main" id="{229BE455-AF3F-4E29-8957-9B1F0C6E0B93}"/>
               </a:ext>
             </a:extLst>
           </p:cNvPr>
           <p:cNvCxnSpPr>
             <a:cxnSpLocks/>
+            <a:stCxn id="9" idx="0"/>
+            <a:endCxn id="7" idx="2"/>
           </p:cNvCxnSpPr>
           <p:nvPr/>
         </p:nvCxnSpPr>
         <p:spPr>
           <a:xfrm>
-            <a:off x="3779912" y="1412776"/>
-            <a:ext cx="2520280" cy="0"/>
-          </a:xfrm>
-          <a:prstGeom prst="line">
-            <a:avLst/>
-          </a:prstGeom>
-          <a:ln w="19050">
+            <a:off x="1475656" y="4102224"/>
+            <a:ext cx="360040" cy="478904"/>
+          </a:xfrm>
+          <a:prstGeom prst="bentConnector3">
+            <a:avLst>
+              <a:gd name="adj1" fmla="val 50000"/>
+            </a:avLst>
+          </a:prstGeom>
+          <a:ln>
             <a:solidFill>
-              <a:srgbClr val="FF0000"/>
+              <a:schemeClr val="tx1"/>
             </a:solidFill>
             <a:headEnd type="none" w="med" len="med"/>
-            <a:tailEnd type="none" w="med" len="med"/>
+            <a:tailEnd type="triangle"/>
           </a:ln>
         </p:spPr>
         <p:style>
@@ -14431,138 +14419,36 @@
           </a:fontRef>
         </p:style>
       </p:cxnSp>
-      <p:sp>
-        <p:nvSpPr>
-          <p:cNvPr id="17" name="楕円 16">
-            <a:extLst>
-              <a:ext uri="{FF2B5EF4-FFF2-40B4-BE49-F238E27FC236}">
-                <a16:creationId xmlns:a16="http://schemas.microsoft.com/office/drawing/2014/main" id="{D4734209-BECC-4F11-B3CB-A1A79790BB12}"/>
-              </a:ext>
-            </a:extLst>
-          </p:cNvPr>
-          <p:cNvSpPr/>
-          <p:nvPr/>
-        </p:nvSpPr>
-        <p:spPr>
-          <a:xfrm>
-            <a:off x="4860032" y="1340768"/>
-            <a:ext cx="144016" cy="144016"/>
-          </a:xfrm>
-          <a:prstGeom prst="ellipse">
-            <a:avLst/>
-          </a:prstGeom>
-          <a:noFill/>
-          <a:ln>
-            <a:noFill/>
-          </a:ln>
-        </p:spPr>
-        <p:style>
-          <a:lnRef idx="2">
-            <a:schemeClr val="accent1">
-              <a:shade val="50000"/>
-            </a:schemeClr>
-          </a:lnRef>
-          <a:fillRef idx="1">
-            <a:schemeClr val="accent1"/>
-          </a:fillRef>
-          <a:effectRef idx="0">
-            <a:schemeClr val="accent1"/>
-          </a:effectRef>
-          <a:fontRef idx="minor">
-            <a:schemeClr val="lt1"/>
-          </a:fontRef>
-        </p:style>
-        <p:txBody>
-          <a:bodyPr rtlCol="0" anchor="ctr"/>
-          <a:lstStyle/>
-          <a:p>
-            <a:pPr algn="ctr"/>
-            <a:endParaRPr kumimoji="1" lang="ja-JP" altLang="en-US"/>
-          </a:p>
-        </p:txBody>
-      </p:sp>
-      <p:sp>
-        <p:nvSpPr>
-          <p:cNvPr id="18" name="楕円 17">
-            <a:extLst>
-              <a:ext uri="{FF2B5EF4-FFF2-40B4-BE49-F238E27FC236}">
-                <a16:creationId xmlns:a16="http://schemas.microsoft.com/office/drawing/2014/main" id="{03D67F7B-56EF-4005-B2DE-C77B2AAD7210}"/>
-              </a:ext>
-            </a:extLst>
-          </p:cNvPr>
-          <p:cNvSpPr/>
-          <p:nvPr/>
-        </p:nvSpPr>
-        <p:spPr>
-          <a:xfrm>
-            <a:off x="4355976" y="3284984"/>
-            <a:ext cx="144016" cy="144016"/>
-          </a:xfrm>
-          <a:prstGeom prst="ellipse">
-            <a:avLst/>
-          </a:prstGeom>
-          <a:solidFill>
-            <a:srgbClr val="FF0000"/>
-          </a:solidFill>
-          <a:ln>
-            <a:noFill/>
-          </a:ln>
-        </p:spPr>
-        <p:style>
-          <a:lnRef idx="2">
-            <a:schemeClr val="accent1">
-              <a:shade val="50000"/>
-            </a:schemeClr>
-          </a:lnRef>
-          <a:fillRef idx="1">
-            <a:schemeClr val="accent1"/>
-          </a:fillRef>
-          <a:effectRef idx="0">
-            <a:schemeClr val="accent1"/>
-          </a:effectRef>
-          <a:fontRef idx="minor">
-            <a:schemeClr val="lt1"/>
-          </a:fontRef>
-        </p:style>
-        <p:txBody>
-          <a:bodyPr rtlCol="0" anchor="ctr"/>
-          <a:lstStyle/>
-          <a:p>
-            <a:pPr algn="ctr"/>
-            <a:endParaRPr kumimoji="1" lang="ja-JP" altLang="en-US"/>
-          </a:p>
-        </p:txBody>
-      </p:sp>
       <p:cxnSp>
         <p:nvCxnSpPr>
-          <p:cNvPr id="19" name="コネクタ: カギ線 18">
-            <a:extLst>
-              <a:ext uri="{FF2B5EF4-FFF2-40B4-BE49-F238E27FC236}">
-                <a16:creationId xmlns:a16="http://schemas.microsoft.com/office/drawing/2014/main" id="{F842E328-2189-4428-8B44-62FFC282FAD6}"/>
+          <p:cNvPr id="19" name="直線コネクタ 18">
+            <a:extLst>
+              <a:ext uri="{FF2B5EF4-FFF2-40B4-BE49-F238E27FC236}">
+                <a16:creationId xmlns:a16="http://schemas.microsoft.com/office/drawing/2014/main" id="{E33C98AD-A0BC-4851-9217-40A29862DCAB}"/>
               </a:ext>
             </a:extLst>
           </p:cNvPr>
           <p:cNvCxnSpPr>
             <a:cxnSpLocks/>
-            <a:stCxn id="17" idx="4"/>
-            <a:endCxn id="18" idx="6"/>
+            <a:stCxn id="7" idx="4"/>
+            <a:endCxn id="6" idx="0"/>
           </p:cNvCxnSpPr>
           <p:nvPr/>
         </p:nvCxnSpPr>
         <p:spPr>
-          <a:xfrm rot="5400000">
-            <a:off x="3779912" y="2204864"/>
-            <a:ext cx="1872208" cy="432048"/>
-          </a:xfrm>
-          <a:prstGeom prst="bentConnector2">
-            <a:avLst/>
-          </a:prstGeom>
-          <a:ln w="38100">
+          <a:xfrm>
+            <a:off x="2051720" y="4797152"/>
+            <a:ext cx="0" cy="504056"/>
+          </a:xfrm>
+          <a:prstGeom prst="line">
+            <a:avLst/>
+          </a:prstGeom>
+          <a:ln w="57150">
             <a:solidFill>
-              <a:srgbClr val="FF0000"/>
+              <a:schemeClr val="tx1"/>
             </a:solidFill>
             <a:headEnd type="none" w="med" len="med"/>
-            <a:tailEnd type="triangle"/>
+            <a:tailEnd type="none" w="med" len="med"/>
           </a:ln>
         </p:spPr>
         <p:style>
@@ -14580,12 +14466,59 @@
           </a:fontRef>
         </p:style>
       </p:cxnSp>
-      <p:sp>
-        <p:nvSpPr>
-          <p:cNvPr id="13" name="テキスト ボックス 12">
-            <a:extLst>
-              <a:ext uri="{FF2B5EF4-FFF2-40B4-BE49-F238E27FC236}">
-                <a16:creationId xmlns:a16="http://schemas.microsoft.com/office/drawing/2014/main" id="{B39093AD-211A-466B-9C08-59D779AE6B93}"/>
+      <p:cxnSp>
+        <p:nvCxnSpPr>
+          <p:cNvPr id="22" name="直線コネクタ 21">
+            <a:extLst>
+              <a:ext uri="{FF2B5EF4-FFF2-40B4-BE49-F238E27FC236}">
+                <a16:creationId xmlns:a16="http://schemas.microsoft.com/office/drawing/2014/main" id="{41E0B1B1-9FC7-44B6-8537-F7F9B5554BE9}"/>
+              </a:ext>
+            </a:extLst>
+          </p:cNvPr>
+          <p:cNvCxnSpPr>
+            <a:cxnSpLocks/>
+            <a:stCxn id="6" idx="4"/>
+            <a:endCxn id="5" idx="0"/>
+          </p:cNvCxnSpPr>
+          <p:nvPr/>
+        </p:nvCxnSpPr>
+        <p:spPr>
+          <a:xfrm>
+            <a:off x="2051720" y="5733256"/>
+            <a:ext cx="0" cy="504056"/>
+          </a:xfrm>
+          <a:prstGeom prst="line">
+            <a:avLst/>
+          </a:prstGeom>
+          <a:ln w="57150">
+            <a:solidFill>
+              <a:schemeClr val="tx1"/>
+            </a:solidFill>
+            <a:headEnd type="none" w="med" len="med"/>
+            <a:tailEnd type="none" w="med" len="med"/>
+          </a:ln>
+        </p:spPr>
+        <p:style>
+          <a:lnRef idx="1">
+            <a:schemeClr val="accent1"/>
+          </a:lnRef>
+          <a:fillRef idx="0">
+            <a:schemeClr val="accent1"/>
+          </a:fillRef>
+          <a:effectRef idx="0">
+            <a:schemeClr val="accent1"/>
+          </a:effectRef>
+          <a:fontRef idx="minor">
+            <a:schemeClr val="tx1"/>
+          </a:fontRef>
+        </p:style>
+      </p:cxnSp>
+      <p:sp>
+        <p:nvSpPr>
+          <p:cNvPr id="25" name="テキスト ボックス 24">
+            <a:extLst>
+              <a:ext uri="{FF2B5EF4-FFF2-40B4-BE49-F238E27FC236}">
+                <a16:creationId xmlns:a16="http://schemas.microsoft.com/office/drawing/2014/main" id="{B52AD527-ADFA-41AC-9851-C621FA8E841A}"/>
               </a:ext>
             </a:extLst>
           </p:cNvPr>
@@ -14594,8 +14527,8 @@
         </p:nvSpPr>
         <p:spPr>
           <a:xfrm>
-            <a:off x="395536" y="1556792"/>
-            <a:ext cx="1800493" cy="646331"/>
+            <a:off x="2411760" y="6300028"/>
+            <a:ext cx="1957587" cy="369332"/>
           </a:xfrm>
           <a:prstGeom prst="rect">
             <a:avLst/>
@@ -14609,34 +14542,23 @@
           <a:lstStyle/>
           <a:p>
             <a:r>
-              <a:rPr kumimoji="1" lang="ja-JP" altLang="en-US"/>
-              <a:t>チェックボタン</a:t>
-            </a:r>
-            <a:endParaRPr kumimoji="1" lang="en-US" altLang="ja-JP"/>
-          </a:p>
-          <a:p>
-            <a:r>
-              <a:rPr kumimoji="1" lang="ja-JP" altLang="en-US"/>
-              <a:t>が</a:t>
-            </a:r>
-            <a:r>
-              <a:rPr lang="en-US" altLang="ja-JP" dirty="0"/>
-              <a:t>git add</a:t>
-            </a:r>
-            <a:r>
-              <a:rPr lang="ja-JP" altLang="en-US" dirty="0"/>
-              <a:t>に対応</a:t>
-            </a:r>
-            <a:endParaRPr kumimoji="1" lang="ja-JP" altLang="en-US" dirty="0"/>
-          </a:p>
-        </p:txBody>
-      </p:sp>
-      <p:sp>
-        <p:nvSpPr>
-          <p:cNvPr id="15" name="テキスト ボックス 14">
-            <a:extLst>
-              <a:ext uri="{FF2B5EF4-FFF2-40B4-BE49-F238E27FC236}">
-                <a16:creationId xmlns:a16="http://schemas.microsoft.com/office/drawing/2014/main" id="{72EE1EDD-1516-4FB7-A421-E347B6FE2C1F}"/>
+              <a:rPr kumimoji="1" lang="en-US" altLang="ja-JP" dirty="0">
+                <a:latin typeface="Consolas" panose="020B0609020204030204" pitchFamily="49" charset="0"/>
+              </a:rPr>
+              <a:t>initial commit</a:t>
+            </a:r>
+            <a:endParaRPr kumimoji="1" lang="ja-JP" altLang="en-US" dirty="0">
+              <a:latin typeface="Consolas" panose="020B0609020204030204" pitchFamily="49" charset="0"/>
+            </a:endParaRPr>
+          </a:p>
+        </p:txBody>
+      </p:sp>
+      <p:sp>
+        <p:nvSpPr>
+          <p:cNvPr id="26" name="テキスト ボックス 25">
+            <a:extLst>
+              <a:ext uri="{FF2B5EF4-FFF2-40B4-BE49-F238E27FC236}">
+                <a16:creationId xmlns:a16="http://schemas.microsoft.com/office/drawing/2014/main" id="{9EE8C00E-0CB4-4CC0-B844-99D9682DDFA6}"/>
               </a:ext>
             </a:extLst>
           </p:cNvPr>
@@ -14645,8 +14567,8 @@
         </p:nvSpPr>
         <p:spPr>
           <a:xfrm>
-            <a:off x="5220072" y="1556792"/>
-            <a:ext cx="3185487" cy="646331"/>
+            <a:off x="2411760" y="5301208"/>
+            <a:ext cx="1830950" cy="369332"/>
           </a:xfrm>
           <a:prstGeom prst="rect">
             <a:avLst/>
@@ -14660,15 +14582,103 @@
           <a:lstStyle/>
           <a:p>
             <a:r>
+              <a:rPr kumimoji="1" lang="en-US" altLang="ja-JP" dirty="0">
+                <a:latin typeface="Consolas" panose="020B0609020204030204" pitchFamily="49" charset="0"/>
+              </a:rPr>
+              <a:t>adds new line</a:t>
+            </a:r>
+            <a:endParaRPr kumimoji="1" lang="ja-JP" altLang="en-US" dirty="0">
+              <a:latin typeface="Consolas" panose="020B0609020204030204" pitchFamily="49" charset="0"/>
+            </a:endParaRPr>
+          </a:p>
+        </p:txBody>
+      </p:sp>
+      <p:sp>
+        <p:nvSpPr>
+          <p:cNvPr id="28" name="テキスト ボックス 27">
+            <a:extLst>
+              <a:ext uri="{FF2B5EF4-FFF2-40B4-BE49-F238E27FC236}">
+                <a16:creationId xmlns:a16="http://schemas.microsoft.com/office/drawing/2014/main" id="{CD2B444C-D5CF-4135-AF11-FE6D669E29D3}"/>
+              </a:ext>
+            </a:extLst>
+          </p:cNvPr>
+          <p:cNvSpPr txBox="1"/>
+          <p:nvPr/>
+        </p:nvSpPr>
+        <p:spPr>
+          <a:xfrm>
+            <a:off x="2411760" y="4365104"/>
+            <a:ext cx="2480166" cy="369332"/>
+          </a:xfrm>
+          <a:prstGeom prst="rect">
+            <a:avLst/>
+          </a:prstGeom>
+          <a:noFill/>
+        </p:spPr>
+        <p:txBody>
+          <a:bodyPr wrap="none" rtlCol="0">
+            <a:spAutoFit/>
+          </a:bodyPr>
+          <a:lstStyle/>
+          <a:p>
+            <a:r>
+              <a:rPr kumimoji="1" lang="en-US" altLang="ja-JP" dirty="0">
+                <a:latin typeface="Consolas" panose="020B0609020204030204" pitchFamily="49" charset="0"/>
+              </a:rPr>
+              <a:t>modifies README.md</a:t>
+            </a:r>
+            <a:endParaRPr kumimoji="1" lang="ja-JP" altLang="en-US" dirty="0">
+              <a:latin typeface="Consolas" panose="020B0609020204030204" pitchFamily="49" charset="0"/>
+            </a:endParaRPr>
+          </a:p>
+        </p:txBody>
+      </p:sp>
+      <p:sp>
+        <p:nvSpPr>
+          <p:cNvPr id="31" name="テキスト ボックス 30">
+            <a:extLst>
+              <a:ext uri="{FF2B5EF4-FFF2-40B4-BE49-F238E27FC236}">
+                <a16:creationId xmlns:a16="http://schemas.microsoft.com/office/drawing/2014/main" id="{B1E8D174-02ED-467D-889F-8760F8A8A081}"/>
+              </a:ext>
+            </a:extLst>
+          </p:cNvPr>
+          <p:cNvSpPr txBox="1"/>
+          <p:nvPr/>
+        </p:nvSpPr>
+        <p:spPr>
+          <a:xfrm>
+            <a:off x="4499992" y="3212976"/>
+            <a:ext cx="4108817" cy="646331"/>
+          </a:xfrm>
+          <a:prstGeom prst="rect">
+            <a:avLst/>
+          </a:prstGeom>
+          <a:noFill/>
+        </p:spPr>
+        <p:txBody>
+          <a:bodyPr wrap="none" rtlCol="0">
+            <a:spAutoFit/>
+          </a:bodyPr>
+          <a:lstStyle/>
+          <a:p>
+            <a:r>
+              <a:rPr lang="ja-JP" altLang="en-US" dirty="0"/>
+              <a:t>ターミナルに表示</a:t>
+            </a:r>
+            <a:r>
               <a:rPr lang="ja-JP" altLang="en-US"/>
-              <a:t>ここにコミットメッセージが</a:t>
-            </a:r>
-            <a:endParaRPr lang="en-US" altLang="ja-JP"/>
-          </a:p>
-          <a:p>
-            <a:r>
-              <a:rPr kumimoji="1" lang="ja-JP" altLang="en-US"/>
-              <a:t>書ける</a:t>
+              <a:t>された情報から</a:t>
+            </a:r>
+            <a:endParaRPr lang="en-US" altLang="ja-JP" dirty="0"/>
+          </a:p>
+          <a:p>
+            <a:r>
+              <a:rPr lang="ja-JP" altLang="en-US" dirty="0"/>
+              <a:t>「玉と</a:t>
+            </a:r>
+            <a:r>
+              <a:rPr lang="ja-JP" altLang="en-US"/>
+              <a:t>線」を頭の中に再構成すること</a:t>
             </a:r>
             <a:endParaRPr kumimoji="1" lang="ja-JP" altLang="en-US" dirty="0"/>
           </a:p>
@@ -14677,7 +14687,7 @@
     </p:spTree>
     <p:extLst>
       <p:ext uri="{BB962C8B-B14F-4D97-AF65-F5344CB8AC3E}">
-        <p14:creationId xmlns:p14="http://schemas.microsoft.com/office/powerpoint/2010/main" val="3581943110"/>
+        <p14:creationId xmlns:p14="http://schemas.microsoft.com/office/powerpoint/2010/main" val="3867325113"/>
       </p:ext>
     </p:extLst>
   </p:cSld>
@@ -14704,12 +14714,42 @@
           <a:chExt cx="0" cy="0"/>
         </a:xfrm>
       </p:grpSpPr>
+      <p:pic>
+        <p:nvPicPr>
+          <p:cNvPr id="14" name="図 13">
+            <a:extLst>
+              <a:ext uri="{FF2B5EF4-FFF2-40B4-BE49-F238E27FC236}">
+                <a16:creationId xmlns:a16="http://schemas.microsoft.com/office/drawing/2014/main" id="{27870985-42A7-4DF0-209C-AF182239239F}"/>
+              </a:ext>
+            </a:extLst>
+          </p:cNvPr>
+          <p:cNvPicPr>
+            <a:picLocks noChangeAspect="1"/>
+          </p:cNvPicPr>
+          <p:nvPr/>
+        </p:nvPicPr>
+        <p:blipFill>
+          <a:blip r:embed="rId2"/>
+          <a:stretch>
+            <a:fillRect/>
+          </a:stretch>
+        </p:blipFill>
+        <p:spPr>
+          <a:xfrm>
+            <a:off x="1133034" y="2320417"/>
+            <a:ext cx="6796853" cy="3096344"/>
+          </a:xfrm>
+          <a:prstGeom prst="rect">
+            <a:avLst/>
+          </a:prstGeom>
+        </p:spPr>
+      </p:pic>
       <p:sp>
         <p:nvSpPr>
           <p:cNvPr id="2" name="テキスト プレースホルダー 1">
             <a:extLst>
               <a:ext uri="{FF2B5EF4-FFF2-40B4-BE49-F238E27FC236}">
-                <a16:creationId xmlns:a16="http://schemas.microsoft.com/office/drawing/2014/main" id="{635B7E9F-B529-4398-A4D3-B0427B25DF91}"/>
+                <a16:creationId xmlns:a16="http://schemas.microsoft.com/office/drawing/2014/main" id="{9C30E22C-A2A7-4370-829C-22F46D8951A9}"/>
               </a:ext>
             </a:extLst>
           </p:cNvPr>
@@ -14731,41 +14771,217 @@
             </a:r>
             <a:r>
               <a:rPr kumimoji="1" lang="en-US" altLang="ja-JP" dirty="0"/>
-              <a:t> – </a:t>
-            </a:r>
-            <a:r>
-              <a:rPr kumimoji="1" lang="ja-JP" altLang="en-US" dirty="0"/>
-              <a:t>レポート</a:t>
-            </a:r>
-          </a:p>
-        </p:txBody>
-      </p:sp>
-      <p:sp>
-        <p:nvSpPr>
-          <p:cNvPr id="3" name="楕円 2">
-            <a:extLst>
-              <a:ext uri="{FF2B5EF4-FFF2-40B4-BE49-F238E27FC236}">
-                <a16:creationId xmlns:a16="http://schemas.microsoft.com/office/drawing/2014/main" id="{7C5D9373-8361-49BE-B5B2-51BCEC07D208}"/>
-              </a:ext>
-            </a:extLst>
-          </p:cNvPr>
-          <p:cNvSpPr/>
-          <p:nvPr/>
-        </p:nvSpPr>
-        <p:spPr>
-          <a:xfrm>
-            <a:off x="3315970" y="6054551"/>
-            <a:ext cx="432048" cy="432048"/>
-          </a:xfrm>
-          <a:prstGeom prst="ellipse">
-            <a:avLst/>
-          </a:prstGeom>
-          <a:solidFill>
-            <a:srgbClr val="011893"/>
-          </a:solidFill>
+              <a:t> – Step 7</a:t>
+            </a:r>
+            <a:endParaRPr kumimoji="1" lang="ja-JP" altLang="en-US" dirty="0"/>
+          </a:p>
+        </p:txBody>
+      </p:sp>
+      <p:sp>
+        <p:nvSpPr>
+          <p:cNvPr id="5" name="テキスト ボックス 4">
+            <a:extLst>
+              <a:ext uri="{FF2B5EF4-FFF2-40B4-BE49-F238E27FC236}">
+                <a16:creationId xmlns:a16="http://schemas.microsoft.com/office/drawing/2014/main" id="{110C281F-98BB-443D-B24D-E449CE680E43}"/>
+              </a:ext>
+            </a:extLst>
+          </p:cNvPr>
+          <p:cNvSpPr txBox="1"/>
+          <p:nvPr/>
+        </p:nvSpPr>
+        <p:spPr>
+          <a:xfrm>
+            <a:off x="323528" y="1052736"/>
+            <a:ext cx="3486852" cy="461665"/>
+          </a:xfrm>
+          <a:prstGeom prst="rect">
+            <a:avLst/>
+          </a:prstGeom>
+          <a:noFill/>
+        </p:spPr>
+        <p:txBody>
+          <a:bodyPr wrap="none" rtlCol="0">
+            <a:spAutoFit/>
+          </a:bodyPr>
+          <a:lstStyle/>
+          <a:p>
+            <a:r>
+              <a:rPr kumimoji="1" lang="en-US" altLang="ja-JP" sz="2400" dirty="0" err="1"/>
+              <a:t>VSCode</a:t>
+            </a:r>
+            <a:r>
+              <a:rPr kumimoji="1" lang="ja-JP" altLang="en-US" sz="2400"/>
+              <a:t>からのコミット</a:t>
+            </a:r>
+            <a:endParaRPr kumimoji="1" lang="ja-JP" altLang="en-US" sz="2400" dirty="0"/>
+          </a:p>
+        </p:txBody>
+      </p:sp>
+      <p:sp>
+        <p:nvSpPr>
+          <p:cNvPr id="8" name="テキスト ボックス 7">
+            <a:extLst>
+              <a:ext uri="{FF2B5EF4-FFF2-40B4-BE49-F238E27FC236}">
+                <a16:creationId xmlns:a16="http://schemas.microsoft.com/office/drawing/2014/main" id="{4A2B8537-78C8-4EDD-A65A-DF5C4C94E6FF}"/>
+              </a:ext>
+            </a:extLst>
+          </p:cNvPr>
+          <p:cNvSpPr txBox="1"/>
+          <p:nvPr/>
+        </p:nvSpPr>
+        <p:spPr>
+          <a:xfrm>
+            <a:off x="5652120" y="1772816"/>
+            <a:ext cx="2582758" cy="400110"/>
+          </a:xfrm>
+          <a:prstGeom prst="rect">
+            <a:avLst/>
+          </a:prstGeom>
+          <a:noFill/>
           <a:ln>
             <a:solidFill>
               <a:schemeClr val="tx1"/>
+            </a:solidFill>
+          </a:ln>
+        </p:spPr>
+        <p:txBody>
+          <a:bodyPr wrap="none" rtlCol="0">
+            <a:spAutoFit/>
+          </a:bodyPr>
+          <a:lstStyle/>
+          <a:p>
+            <a:r>
+              <a:rPr kumimoji="1" lang="en-US" altLang="ja-JP" sz="2000" dirty="0">
+                <a:latin typeface="Consolas" panose="020B0609020204030204" pitchFamily="49" charset="0"/>
+              </a:rPr>
+              <a:t>git add </a:t>
+            </a:r>
+            <a:r>
+              <a:rPr lang="en-US" altLang="ja-JP" sz="2000" dirty="0">
+                <a:latin typeface="Consolas" panose="020B0609020204030204" pitchFamily="49" charset="0"/>
+              </a:rPr>
+              <a:t>README.md</a:t>
+            </a:r>
+            <a:endParaRPr kumimoji="1" lang="ja-JP" altLang="en-US" sz="2000" dirty="0">
+              <a:latin typeface="Consolas" panose="020B0609020204030204" pitchFamily="49" charset="0"/>
+            </a:endParaRPr>
+          </a:p>
+        </p:txBody>
+      </p:sp>
+      <p:cxnSp>
+        <p:nvCxnSpPr>
+          <p:cNvPr id="9" name="直線矢印コネクタ 8">
+            <a:extLst>
+              <a:ext uri="{FF2B5EF4-FFF2-40B4-BE49-F238E27FC236}">
+                <a16:creationId xmlns:a16="http://schemas.microsoft.com/office/drawing/2014/main" id="{BA0082B7-05C8-45E2-9540-D12CE21B7113}"/>
+              </a:ext>
+            </a:extLst>
+          </p:cNvPr>
+          <p:cNvCxnSpPr>
+            <a:cxnSpLocks/>
+            <a:endCxn id="15" idx="0"/>
+          </p:cNvCxnSpPr>
+          <p:nvPr/>
+        </p:nvCxnSpPr>
+        <p:spPr>
+          <a:xfrm>
+            <a:off x="4535996" y="1844824"/>
+            <a:ext cx="0" cy="2448272"/>
+          </a:xfrm>
+          <a:prstGeom prst="straightConnector1">
+            <a:avLst/>
+          </a:prstGeom>
+          <a:ln w="38100">
+            <a:solidFill>
+              <a:srgbClr val="FF0000"/>
+            </a:solidFill>
+            <a:headEnd type="none" w="med" len="med"/>
+            <a:tailEnd type="triangle"/>
+          </a:ln>
+        </p:spPr>
+        <p:style>
+          <a:lnRef idx="1">
+            <a:schemeClr val="accent1"/>
+          </a:lnRef>
+          <a:fillRef idx="0">
+            <a:schemeClr val="accent1"/>
+          </a:fillRef>
+          <a:effectRef idx="0">
+            <a:schemeClr val="accent1"/>
+          </a:effectRef>
+          <a:fontRef idx="minor">
+            <a:schemeClr val="tx1"/>
+          </a:fontRef>
+        </p:style>
+      </p:cxnSp>
+      <p:sp>
+        <p:nvSpPr>
+          <p:cNvPr id="10" name="テキスト ボックス 9">
+            <a:extLst>
+              <a:ext uri="{FF2B5EF4-FFF2-40B4-BE49-F238E27FC236}">
+                <a16:creationId xmlns:a16="http://schemas.microsoft.com/office/drawing/2014/main" id="{029FA1BF-B994-435C-8533-8A68F03ADECC}"/>
+              </a:ext>
+            </a:extLst>
+          </p:cNvPr>
+          <p:cNvSpPr txBox="1"/>
+          <p:nvPr/>
+        </p:nvSpPr>
+        <p:spPr>
+          <a:xfrm>
+            <a:off x="4139952" y="1268760"/>
+            <a:ext cx="3647152" cy="369332"/>
+          </a:xfrm>
+          <a:prstGeom prst="rect">
+            <a:avLst/>
+          </a:prstGeom>
+          <a:noFill/>
+        </p:spPr>
+        <p:txBody>
+          <a:bodyPr wrap="none" rtlCol="0">
+            <a:spAutoFit/>
+          </a:bodyPr>
+          <a:lstStyle/>
+          <a:p>
+            <a:r>
+              <a:rPr kumimoji="1" lang="ja-JP" altLang="en-US" dirty="0"/>
+              <a:t>この「＋」ボタンが</a:t>
+            </a:r>
+            <a:r>
+              <a:rPr lang="en-US" altLang="ja-JP" dirty="0"/>
+              <a:t>git add</a:t>
+            </a:r>
+            <a:r>
+              <a:rPr lang="ja-JP" altLang="en-US" dirty="0"/>
+              <a:t>に対応</a:t>
+            </a:r>
+            <a:endParaRPr kumimoji="1" lang="ja-JP" altLang="en-US" dirty="0"/>
+          </a:p>
+        </p:txBody>
+      </p:sp>
+      <p:sp>
+        <p:nvSpPr>
+          <p:cNvPr id="3" name="楕円 2">
+            <a:extLst>
+              <a:ext uri="{FF2B5EF4-FFF2-40B4-BE49-F238E27FC236}">
+                <a16:creationId xmlns:a16="http://schemas.microsoft.com/office/drawing/2014/main" id="{B9A708F3-EBE5-A882-0F33-2492CFDB594A}"/>
+              </a:ext>
+            </a:extLst>
+          </p:cNvPr>
+          <p:cNvSpPr/>
+          <p:nvPr/>
+        </p:nvSpPr>
+        <p:spPr>
+          <a:xfrm>
+            <a:off x="1115616" y="3933056"/>
+            <a:ext cx="504056" cy="504056"/>
+          </a:xfrm>
+          <a:prstGeom prst="ellipse">
+            <a:avLst/>
+          </a:prstGeom>
+          <a:noFill/>
+          <a:ln w="38100">
+            <a:solidFill>
+              <a:srgbClr val="FF0000"/>
             </a:solidFill>
           </a:ln>
         </p:spPr>
@@ -14796,10 +15012,10 @@
       </p:sp>
       <p:sp>
         <p:nvSpPr>
-          <p:cNvPr id="4" name="楕円 3">
-            <a:extLst>
-              <a:ext uri="{FF2B5EF4-FFF2-40B4-BE49-F238E27FC236}">
-                <a16:creationId xmlns:a16="http://schemas.microsoft.com/office/drawing/2014/main" id="{0B6071F1-4AB0-42DE-BCA7-50FAD2853EF5}"/>
+          <p:cNvPr id="11" name="楕円 10">
+            <a:extLst>
+              <a:ext uri="{FF2B5EF4-FFF2-40B4-BE49-F238E27FC236}">
+                <a16:creationId xmlns:a16="http://schemas.microsoft.com/office/drawing/2014/main" id="{EAD51F22-B7DD-9E5A-2D4F-1B5562FDA9F8}"/>
               </a:ext>
             </a:extLst>
           </p:cNvPr>
@@ -14808,14 +15024,14 @@
         </p:nvSpPr>
         <p:spPr>
           <a:xfrm>
-            <a:off x="3315970" y="5118447"/>
-            <a:ext cx="432048" cy="432048"/>
+            <a:off x="539552" y="4005064"/>
+            <a:ext cx="410344" cy="410344"/>
           </a:xfrm>
           <a:prstGeom prst="ellipse">
             <a:avLst/>
           </a:prstGeom>
           <a:solidFill>
-            <a:srgbClr val="011893"/>
+            <a:srgbClr val="FF0000"/>
           </a:solidFill>
           <a:ln>
             <a:solidFill>
@@ -14844,16 +15060,20 @@
           <a:lstStyle/>
           <a:p>
             <a:pPr algn="ctr"/>
+            <a:r>
+              <a:rPr kumimoji="1" lang="en-US" altLang="ja-JP"/>
+              <a:t>1</a:t>
+            </a:r>
             <a:endParaRPr kumimoji="1" lang="ja-JP" altLang="en-US"/>
           </a:p>
         </p:txBody>
       </p:sp>
       <p:sp>
         <p:nvSpPr>
-          <p:cNvPr id="5" name="楕円 4">
-            <a:extLst>
-              <a:ext uri="{FF2B5EF4-FFF2-40B4-BE49-F238E27FC236}">
-                <a16:creationId xmlns:a16="http://schemas.microsoft.com/office/drawing/2014/main" id="{2585A58C-04FE-4C3D-8552-5F36B5E21491}"/>
+          <p:cNvPr id="12" name="楕円 11">
+            <a:extLst>
+              <a:ext uri="{FF2B5EF4-FFF2-40B4-BE49-F238E27FC236}">
+                <a16:creationId xmlns:a16="http://schemas.microsoft.com/office/drawing/2014/main" id="{7CC1C136-10E7-EA0E-34E1-55FD7AF01F77}"/>
               </a:ext>
             </a:extLst>
           </p:cNvPr>
@@ -14862,14 +15082,14 @@
         </p:nvSpPr>
         <p:spPr>
           <a:xfrm>
-            <a:off x="3315970" y="4182343"/>
-            <a:ext cx="432048" cy="432048"/>
+            <a:off x="4323090" y="4725144"/>
+            <a:ext cx="410344" cy="410344"/>
           </a:xfrm>
           <a:prstGeom prst="ellipse">
             <a:avLst/>
           </a:prstGeom>
           <a:solidFill>
-            <a:srgbClr val="011893"/>
+            <a:srgbClr val="FF0000"/>
           </a:solidFill>
           <a:ln>
             <a:solidFill>
@@ -14898,16 +15118,20 @@
           <a:lstStyle/>
           <a:p>
             <a:pPr algn="ctr"/>
+            <a:r>
+              <a:rPr kumimoji="1" lang="en-US" altLang="ja-JP"/>
+              <a:t>2</a:t>
+            </a:r>
             <a:endParaRPr kumimoji="1" lang="ja-JP" altLang="en-US"/>
           </a:p>
         </p:txBody>
       </p:sp>
       <p:sp>
         <p:nvSpPr>
-          <p:cNvPr id="6" name="四角形: 1 つの角を切り取り 1 つの角を丸める 5">
-            <a:extLst>
-              <a:ext uri="{FF2B5EF4-FFF2-40B4-BE49-F238E27FC236}">
-                <a16:creationId xmlns:a16="http://schemas.microsoft.com/office/drawing/2014/main" id="{966F24A4-1A27-408D-9382-95E725968327}"/>
+          <p:cNvPr id="15" name="楕円 14">
+            <a:extLst>
+              <a:ext uri="{FF2B5EF4-FFF2-40B4-BE49-F238E27FC236}">
+                <a16:creationId xmlns:a16="http://schemas.microsoft.com/office/drawing/2014/main" id="{F3374576-0E59-D4D3-D9BB-49AACCEA5846}"/>
               </a:ext>
             </a:extLst>
           </p:cNvPr>
@@ -14916,24 +15140,16 @@
         </p:nvSpPr>
         <p:spPr>
           <a:xfrm>
-            <a:off x="1659786" y="3750295"/>
-            <a:ext cx="1152128" cy="338336"/>
-          </a:xfrm>
-          <a:prstGeom prst="snipRoundRect">
-            <a:avLst>
-              <a:gd name="adj1" fmla="val 16667"/>
-              <a:gd name="adj2" fmla="val 35924"/>
-            </a:avLst>
-          </a:prstGeom>
-          <a:solidFill>
-            <a:schemeClr val="accent6">
-              <a:lumMod val="20000"/>
-              <a:lumOff val="80000"/>
-            </a:schemeClr>
-          </a:solidFill>
-          <a:ln>
+            <a:off x="4355976" y="4293096"/>
+            <a:ext cx="360040" cy="360040"/>
+          </a:xfrm>
+          <a:prstGeom prst="ellipse">
+            <a:avLst/>
+          </a:prstGeom>
+          <a:noFill/>
+          <a:ln w="38100">
             <a:solidFill>
-              <a:schemeClr val="tx1"/>
+              <a:srgbClr val="FF0000"/>
             </a:solidFill>
           </a:ln>
         </p:spPr>
@@ -14958,51 +15174,226 @@
           <a:lstStyle/>
           <a:p>
             <a:pPr algn="ctr"/>
-            <a:r>
-              <a:rPr kumimoji="1" lang="en-US" altLang="ja-JP" dirty="0">
-                <a:solidFill>
-                  <a:sysClr val="windowText" lastClr="000000"/>
-                </a:solidFill>
-                <a:latin typeface="Consolas" panose="020B0609020204030204" pitchFamily="49" charset="0"/>
-              </a:rPr>
-              <a:t>main</a:t>
-            </a:r>
-            <a:endParaRPr kumimoji="1" lang="ja-JP" altLang="en-US" dirty="0">
-              <a:solidFill>
-                <a:sysClr val="windowText" lastClr="000000"/>
-              </a:solidFill>
-              <a:latin typeface="Consolas" panose="020B0609020204030204" pitchFamily="49" charset="0"/>
-            </a:endParaRPr>
-          </a:p>
-        </p:txBody>
-      </p:sp>
-      <p:sp>
-        <p:nvSpPr>
-          <p:cNvPr id="7" name="正方形/長方形 6">
-            <a:extLst>
-              <a:ext uri="{FF2B5EF4-FFF2-40B4-BE49-F238E27FC236}">
-                <a16:creationId xmlns:a16="http://schemas.microsoft.com/office/drawing/2014/main" id="{956FCCDE-C3F7-4B43-B6A2-BD892DEB3359}"/>
-              </a:ext>
-            </a:extLst>
-          </p:cNvPr>
-          <p:cNvSpPr/>
-          <p:nvPr/>
-        </p:nvSpPr>
-        <p:spPr>
-          <a:xfrm>
-            <a:off x="1765057" y="2996952"/>
-            <a:ext cx="936104" cy="360040"/>
+            <a:endParaRPr kumimoji="1" lang="ja-JP" altLang="en-US"/>
+          </a:p>
+        </p:txBody>
+      </p:sp>
+    </p:spTree>
+    <p:extLst>
+      <p:ext uri="{BB962C8B-B14F-4D97-AF65-F5344CB8AC3E}">
+        <p14:creationId xmlns:p14="http://schemas.microsoft.com/office/powerpoint/2010/main" val="2110205950"/>
+      </p:ext>
+    </p:extLst>
+  </p:cSld>
+  <p:clrMapOvr>
+    <a:masterClrMapping/>
+  </p:clrMapOvr>
+</p:sld>
+</file>
+
+<file path=ppt/slides/slide28.xml><?xml version="1.0" encoding="utf-8"?>
+<p:sld xmlns:a="http://schemas.openxmlformats.org/drawingml/2006/main" xmlns:r="http://schemas.openxmlformats.org/officeDocument/2006/relationships" xmlns:p="http://schemas.openxmlformats.org/presentationml/2006/main">
+  <p:cSld>
+    <p:spTree>
+      <p:nvGrpSpPr>
+        <p:cNvPr id="1" name=""/>
+        <p:cNvGrpSpPr/>
+        <p:nvPr/>
+      </p:nvGrpSpPr>
+      <p:grpSpPr>
+        <a:xfrm>
+          <a:off x="0" y="0"/>
+          <a:ext cx="0" cy="0"/>
+          <a:chOff x="0" y="0"/>
+          <a:chExt cx="0" cy="0"/>
+        </a:xfrm>
+      </p:grpSpPr>
+      <p:pic>
+        <p:nvPicPr>
+          <p:cNvPr id="5" name="図 4">
+            <a:extLst>
+              <a:ext uri="{FF2B5EF4-FFF2-40B4-BE49-F238E27FC236}">
+                <a16:creationId xmlns:a16="http://schemas.microsoft.com/office/drawing/2014/main" id="{CFAFB0F8-C384-2D28-B2B5-529F0B79E3F7}"/>
+              </a:ext>
+            </a:extLst>
+          </p:cNvPr>
+          <p:cNvPicPr>
+            <a:picLocks noChangeAspect="1"/>
+          </p:cNvPicPr>
+          <p:nvPr/>
+        </p:nvPicPr>
+        <p:blipFill>
+          <a:blip r:embed="rId2"/>
+          <a:stretch>
+            <a:fillRect/>
+          </a:stretch>
+        </p:blipFill>
+        <p:spPr>
+          <a:xfrm>
+            <a:off x="971600" y="3140968"/>
+            <a:ext cx="6192688" cy="3000465"/>
           </a:xfrm>
           <a:prstGeom prst="rect">
             <a:avLst/>
           </a:prstGeom>
-          <a:solidFill>
-            <a:schemeClr val="bg1"/>
-          </a:solidFill>
+        </p:spPr>
+      </p:pic>
+      <p:sp>
+        <p:nvSpPr>
+          <p:cNvPr id="2" name="テキスト プレースホルダー 1">
+            <a:extLst>
+              <a:ext uri="{FF2B5EF4-FFF2-40B4-BE49-F238E27FC236}">
+                <a16:creationId xmlns:a16="http://schemas.microsoft.com/office/drawing/2014/main" id="{1EB72191-4B11-48D1-BE33-16F6082ABD7C}"/>
+              </a:ext>
+            </a:extLst>
+          </p:cNvPr>
+          <p:cNvSpPr>
+            <a:spLocks noGrp="1"/>
+          </p:cNvSpPr>
+          <p:nvPr>
+            <p:ph type="body" sz="quarter" idx="10"/>
+          </p:nvPr>
+        </p:nvSpPr>
+        <p:spPr/>
+        <p:txBody>
+          <a:bodyPr/>
+          <a:lstStyle/>
+          <a:p>
+            <a:r>
+              <a:rPr kumimoji="1" lang="ja-JP" altLang="en-US" dirty="0"/>
+              <a:t>課題</a:t>
+            </a:r>
+            <a:r>
+              <a:rPr kumimoji="1" lang="en-US" altLang="ja-JP" dirty="0"/>
+              <a:t> – Step 7</a:t>
+            </a:r>
+            <a:endParaRPr kumimoji="1" lang="ja-JP" altLang="en-US" dirty="0"/>
+          </a:p>
+        </p:txBody>
+      </p:sp>
+      <p:sp>
+        <p:nvSpPr>
+          <p:cNvPr id="4" name="テキスト ボックス 3">
+            <a:extLst>
+              <a:ext uri="{FF2B5EF4-FFF2-40B4-BE49-F238E27FC236}">
+                <a16:creationId xmlns:a16="http://schemas.microsoft.com/office/drawing/2014/main" id="{EF17C930-7437-4B68-AE36-A83E01516560}"/>
+              </a:ext>
+            </a:extLst>
+          </p:cNvPr>
+          <p:cNvSpPr txBox="1"/>
+          <p:nvPr/>
+        </p:nvSpPr>
+        <p:spPr>
+          <a:xfrm>
+            <a:off x="1619672" y="1052736"/>
+            <a:ext cx="5121915" cy="400110"/>
+          </a:xfrm>
+          <a:prstGeom prst="rect">
+            <a:avLst/>
+          </a:prstGeom>
+          <a:noFill/>
           <a:ln>
             <a:solidFill>
               <a:schemeClr val="tx1"/>
             </a:solidFill>
+          </a:ln>
+        </p:spPr>
+        <p:txBody>
+          <a:bodyPr wrap="square" rtlCol="0">
+            <a:spAutoFit/>
+          </a:bodyPr>
+          <a:lstStyle/>
+          <a:p>
+            <a:r>
+              <a:rPr kumimoji="1" lang="en-US" altLang="ja-JP" sz="2000" dirty="0">
+                <a:latin typeface="Consolas" panose="020B0609020204030204" pitchFamily="49" charset="0"/>
+              </a:rPr>
+              <a:t>git commit –m ”commit from </a:t>
+            </a:r>
+            <a:r>
+              <a:rPr kumimoji="1" lang="en-US" altLang="ja-JP" sz="2000" dirty="0" err="1">
+                <a:latin typeface="Consolas" panose="020B0609020204030204" pitchFamily="49" charset="0"/>
+              </a:rPr>
+              <a:t>VSCode</a:t>
+            </a:r>
+            <a:r>
+              <a:rPr kumimoji="1" lang="en-US" altLang="ja-JP" sz="2000" dirty="0">
+                <a:latin typeface="Consolas" panose="020B0609020204030204" pitchFamily="49" charset="0"/>
+              </a:rPr>
+              <a:t>”</a:t>
+            </a:r>
+            <a:endParaRPr kumimoji="1" lang="ja-JP" altLang="en-US" sz="2000" dirty="0">
+              <a:latin typeface="Consolas" panose="020B0609020204030204" pitchFamily="49" charset="0"/>
+            </a:endParaRPr>
+          </a:p>
+        </p:txBody>
+      </p:sp>
+      <p:cxnSp>
+        <p:nvCxnSpPr>
+          <p:cNvPr id="8" name="直線コネクタ 7">
+            <a:extLst>
+              <a:ext uri="{FF2B5EF4-FFF2-40B4-BE49-F238E27FC236}">
+                <a16:creationId xmlns:a16="http://schemas.microsoft.com/office/drawing/2014/main" id="{82B35942-7F2A-4E09-9E15-23A7BC9C3A88}"/>
+              </a:ext>
+            </a:extLst>
+          </p:cNvPr>
+          <p:cNvCxnSpPr/>
+          <p:nvPr/>
+        </p:nvCxnSpPr>
+        <p:spPr>
+          <a:xfrm>
+            <a:off x="2267744" y="1412776"/>
+            <a:ext cx="792088" cy="0"/>
+          </a:xfrm>
+          <a:prstGeom prst="line">
+            <a:avLst/>
+          </a:prstGeom>
+          <a:ln w="19050">
+            <a:solidFill>
+              <a:srgbClr val="FF0000"/>
+            </a:solidFill>
+            <a:headEnd type="none" w="med" len="med"/>
+            <a:tailEnd type="none" w="med" len="med"/>
+          </a:ln>
+        </p:spPr>
+        <p:style>
+          <a:lnRef idx="1">
+            <a:schemeClr val="accent1"/>
+          </a:lnRef>
+          <a:fillRef idx="0">
+            <a:schemeClr val="accent1"/>
+          </a:fillRef>
+          <a:effectRef idx="0">
+            <a:schemeClr val="accent1"/>
+          </a:effectRef>
+          <a:fontRef idx="minor">
+            <a:schemeClr val="tx1"/>
+          </a:fontRef>
+        </p:style>
+      </p:cxnSp>
+      <p:sp>
+        <p:nvSpPr>
+          <p:cNvPr id="11" name="楕円 10">
+            <a:extLst>
+              <a:ext uri="{FF2B5EF4-FFF2-40B4-BE49-F238E27FC236}">
+                <a16:creationId xmlns:a16="http://schemas.microsoft.com/office/drawing/2014/main" id="{C0074D95-338E-4E13-AC9A-16A46E53DFD2}"/>
+              </a:ext>
+            </a:extLst>
+          </p:cNvPr>
+          <p:cNvSpPr/>
+          <p:nvPr/>
+        </p:nvSpPr>
+        <p:spPr>
+          <a:xfrm>
+            <a:off x="2555776" y="1412776"/>
+            <a:ext cx="144016" cy="144016"/>
+          </a:xfrm>
+          <a:prstGeom prst="ellipse">
+            <a:avLst/>
+          </a:prstGeom>
+          <a:noFill/>
+          <a:ln>
+            <a:noFill/>
           </a:ln>
         </p:spPr>
         <p:style>
@@ -15026,51 +15417,40 @@
           <a:lstStyle/>
           <a:p>
             <a:pPr algn="ctr"/>
-            <a:r>
-              <a:rPr kumimoji="1" lang="en-US" altLang="ja-JP" dirty="0">
-                <a:solidFill>
-                  <a:schemeClr val="tx1"/>
-                </a:solidFill>
-                <a:latin typeface="Consolas" panose="020B0609020204030204" pitchFamily="49" charset="0"/>
-              </a:rPr>
-              <a:t>HEAD</a:t>
-            </a:r>
-            <a:endParaRPr kumimoji="1" lang="ja-JP" altLang="en-US" dirty="0">
-              <a:solidFill>
-                <a:schemeClr val="tx1"/>
-              </a:solidFill>
-              <a:latin typeface="Consolas" panose="020B0609020204030204" pitchFamily="49" charset="0"/>
-            </a:endParaRPr>
+            <a:endParaRPr kumimoji="1" lang="ja-JP" altLang="en-US"/>
           </a:p>
         </p:txBody>
       </p:sp>
       <p:cxnSp>
         <p:nvCxnSpPr>
-          <p:cNvPr id="8" name="直線矢印コネクタ 7">
-            <a:extLst>
-              <a:ext uri="{FF2B5EF4-FFF2-40B4-BE49-F238E27FC236}">
-                <a16:creationId xmlns:a16="http://schemas.microsoft.com/office/drawing/2014/main" id="{CEFD1306-00ED-49C9-B069-4ABE989164E7}"/>
+          <p:cNvPr id="12" name="コネクタ: カギ線 11">
+            <a:extLst>
+              <a:ext uri="{FF2B5EF4-FFF2-40B4-BE49-F238E27FC236}">
+                <a16:creationId xmlns:a16="http://schemas.microsoft.com/office/drawing/2014/main" id="{C692B87E-0BF3-463F-A878-422CE6C5CCE4}"/>
               </a:ext>
             </a:extLst>
           </p:cNvPr>
           <p:cNvCxnSpPr>
             <a:cxnSpLocks/>
-            <a:stCxn id="7" idx="2"/>
-            <a:endCxn id="6" idx="3"/>
+            <a:stCxn id="11" idx="4"/>
+            <a:endCxn id="9" idx="1"/>
           </p:cNvCxnSpPr>
           <p:nvPr/>
         </p:nvCxnSpPr>
         <p:spPr>
-          <a:xfrm>
-            <a:off x="2233109" y="3356992"/>
-            <a:ext cx="2741" cy="393303"/>
-          </a:xfrm>
-          <a:prstGeom prst="straightConnector1">
-            <a:avLst/>
-          </a:prstGeom>
-          <a:ln>
+          <a:xfrm rot="5400000">
+            <a:off x="665566" y="2510898"/>
+            <a:ext cx="2916324" cy="1008112"/>
+          </a:xfrm>
+          <a:prstGeom prst="bentConnector4">
+            <a:avLst>
+              <a:gd name="adj1" fmla="val 46914"/>
+              <a:gd name="adj2" fmla="val 202150"/>
+            </a:avLst>
+          </a:prstGeom>
+          <a:ln w="38100">
             <a:solidFill>
-              <a:schemeClr val="tx1"/>
+              <a:srgbClr val="FF0000"/>
             </a:solidFill>
             <a:headEnd type="none" w="med" len="med"/>
             <a:tailEnd type="triangle"/>
@@ -15093,36 +15473,32 @@
       </p:cxnSp>
       <p:cxnSp>
         <p:nvCxnSpPr>
-          <p:cNvPr id="9" name="コネクタ: カギ線 8">
-            <a:extLst>
-              <a:ext uri="{FF2B5EF4-FFF2-40B4-BE49-F238E27FC236}">
-                <a16:creationId xmlns:a16="http://schemas.microsoft.com/office/drawing/2014/main" id="{402C98D8-D430-4B4B-AE8C-95057C7CC92B}"/>
+          <p:cNvPr id="14" name="直線コネクタ 13">
+            <a:extLst>
+              <a:ext uri="{FF2B5EF4-FFF2-40B4-BE49-F238E27FC236}">
+                <a16:creationId xmlns:a16="http://schemas.microsoft.com/office/drawing/2014/main" id="{77883801-8004-47AF-BF8E-2DB2D4F607CD}"/>
               </a:ext>
             </a:extLst>
           </p:cNvPr>
           <p:cNvCxnSpPr>
             <a:cxnSpLocks/>
-            <a:stCxn id="6" idx="0"/>
-            <a:endCxn id="15" idx="2"/>
           </p:cNvCxnSpPr>
           <p:nvPr/>
         </p:nvCxnSpPr>
         <p:spPr>
-          <a:xfrm flipV="1">
-            <a:off x="2811914" y="3462263"/>
-            <a:ext cx="504056" cy="457200"/>
-          </a:xfrm>
-          <a:prstGeom prst="bentConnector3">
-            <a:avLst>
-              <a:gd name="adj1" fmla="val 50000"/>
-            </a:avLst>
-          </a:prstGeom>
-          <a:ln>
+          <a:xfrm>
+            <a:off x="3779912" y="1412776"/>
+            <a:ext cx="2520280" cy="0"/>
+          </a:xfrm>
+          <a:prstGeom prst="line">
+            <a:avLst/>
+          </a:prstGeom>
+          <a:ln w="19050">
             <a:solidFill>
-              <a:schemeClr val="tx1"/>
+              <a:srgbClr val="FF0000"/>
             </a:solidFill>
             <a:headEnd type="none" w="med" len="med"/>
-            <a:tailEnd type="triangle"/>
+            <a:tailEnd type="none" w="med" len="med"/>
           </a:ln>
         </p:spPr>
         <p:style>
@@ -15140,226 +15516,12 @@
           </a:fontRef>
         </p:style>
       </p:cxnSp>
-      <p:cxnSp>
-        <p:nvCxnSpPr>
-          <p:cNvPr id="10" name="直線コネクタ 9">
-            <a:extLst>
-              <a:ext uri="{FF2B5EF4-FFF2-40B4-BE49-F238E27FC236}">
-                <a16:creationId xmlns:a16="http://schemas.microsoft.com/office/drawing/2014/main" id="{FEF861F8-708D-4F1A-AE53-F4D86C0AD4FE}"/>
-              </a:ext>
-            </a:extLst>
-          </p:cNvPr>
-          <p:cNvCxnSpPr>
-            <a:cxnSpLocks/>
-            <a:stCxn id="5" idx="4"/>
-            <a:endCxn id="4" idx="0"/>
-          </p:cNvCxnSpPr>
-          <p:nvPr/>
-        </p:nvCxnSpPr>
-        <p:spPr>
-          <a:xfrm>
-            <a:off x="3531994" y="4614391"/>
-            <a:ext cx="0" cy="504056"/>
-          </a:xfrm>
-          <a:prstGeom prst="line">
-            <a:avLst/>
-          </a:prstGeom>
-          <a:ln w="57150">
-            <a:solidFill>
-              <a:schemeClr val="tx1"/>
-            </a:solidFill>
-            <a:headEnd type="none" w="med" len="med"/>
-            <a:tailEnd type="none" w="med" len="med"/>
-          </a:ln>
-        </p:spPr>
-        <p:style>
-          <a:lnRef idx="1">
-            <a:schemeClr val="accent1"/>
-          </a:lnRef>
-          <a:fillRef idx="0">
-            <a:schemeClr val="accent1"/>
-          </a:fillRef>
-          <a:effectRef idx="0">
-            <a:schemeClr val="accent1"/>
-          </a:effectRef>
-          <a:fontRef idx="minor">
-            <a:schemeClr val="tx1"/>
-          </a:fontRef>
-        </p:style>
-      </p:cxnSp>
-      <p:cxnSp>
-        <p:nvCxnSpPr>
-          <p:cNvPr id="11" name="直線コネクタ 10">
-            <a:extLst>
-              <a:ext uri="{FF2B5EF4-FFF2-40B4-BE49-F238E27FC236}">
-                <a16:creationId xmlns:a16="http://schemas.microsoft.com/office/drawing/2014/main" id="{1F2CD341-3CE8-41E4-B21C-D009863D3C46}"/>
-              </a:ext>
-            </a:extLst>
-          </p:cNvPr>
-          <p:cNvCxnSpPr>
-            <a:cxnSpLocks/>
-            <a:stCxn id="4" idx="4"/>
-            <a:endCxn id="3" idx="0"/>
-          </p:cNvCxnSpPr>
-          <p:nvPr/>
-        </p:nvCxnSpPr>
-        <p:spPr>
-          <a:xfrm>
-            <a:off x="3531994" y="5550495"/>
-            <a:ext cx="0" cy="504056"/>
-          </a:xfrm>
-          <a:prstGeom prst="line">
-            <a:avLst/>
-          </a:prstGeom>
-          <a:ln w="57150">
-            <a:solidFill>
-              <a:schemeClr val="tx1"/>
-            </a:solidFill>
-            <a:headEnd type="none" w="med" len="med"/>
-            <a:tailEnd type="none" w="med" len="med"/>
-          </a:ln>
-        </p:spPr>
-        <p:style>
-          <a:lnRef idx="1">
-            <a:schemeClr val="accent1"/>
-          </a:lnRef>
-          <a:fillRef idx="0">
-            <a:schemeClr val="accent1"/>
-          </a:fillRef>
-          <a:effectRef idx="0">
-            <a:schemeClr val="accent1"/>
-          </a:effectRef>
-          <a:fontRef idx="minor">
-            <a:schemeClr val="tx1"/>
-          </a:fontRef>
-        </p:style>
-      </p:cxnSp>
-      <p:sp>
-        <p:nvSpPr>
-          <p:cNvPr id="12" name="テキスト ボックス 11">
-            <a:extLst>
-              <a:ext uri="{FF2B5EF4-FFF2-40B4-BE49-F238E27FC236}">
-                <a16:creationId xmlns:a16="http://schemas.microsoft.com/office/drawing/2014/main" id="{A827E885-CE4F-4800-BF43-A2358527A549}"/>
-              </a:ext>
-            </a:extLst>
-          </p:cNvPr>
-          <p:cNvSpPr txBox="1"/>
-          <p:nvPr/>
-        </p:nvSpPr>
-        <p:spPr>
-          <a:xfrm>
-            <a:off x="3892034" y="6117267"/>
-            <a:ext cx="1957587" cy="369332"/>
-          </a:xfrm>
-          <a:prstGeom prst="rect">
-            <a:avLst/>
-          </a:prstGeom>
-          <a:noFill/>
-        </p:spPr>
-        <p:txBody>
-          <a:bodyPr wrap="none" rtlCol="0">
-            <a:spAutoFit/>
-          </a:bodyPr>
-          <a:lstStyle/>
-          <a:p>
-            <a:r>
-              <a:rPr kumimoji="1" lang="en-US" altLang="ja-JP" dirty="0">
-                <a:latin typeface="Consolas" panose="020B0609020204030204" pitchFamily="49" charset="0"/>
-              </a:rPr>
-              <a:t>initial commit</a:t>
-            </a:r>
-            <a:endParaRPr kumimoji="1" lang="ja-JP" altLang="en-US" dirty="0">
-              <a:latin typeface="Consolas" panose="020B0609020204030204" pitchFamily="49" charset="0"/>
-            </a:endParaRPr>
-          </a:p>
-        </p:txBody>
-      </p:sp>
-      <p:sp>
-        <p:nvSpPr>
-          <p:cNvPr id="13" name="テキスト ボックス 12">
-            <a:extLst>
-              <a:ext uri="{FF2B5EF4-FFF2-40B4-BE49-F238E27FC236}">
-                <a16:creationId xmlns:a16="http://schemas.microsoft.com/office/drawing/2014/main" id="{B45906A9-61B4-42CF-BE50-00564406758F}"/>
-              </a:ext>
-            </a:extLst>
-          </p:cNvPr>
-          <p:cNvSpPr txBox="1"/>
-          <p:nvPr/>
-        </p:nvSpPr>
-        <p:spPr>
-          <a:xfrm>
-            <a:off x="3892034" y="5118447"/>
-            <a:ext cx="1830950" cy="369332"/>
-          </a:xfrm>
-          <a:prstGeom prst="rect">
-            <a:avLst/>
-          </a:prstGeom>
-          <a:noFill/>
-        </p:spPr>
-        <p:txBody>
-          <a:bodyPr wrap="none" rtlCol="0">
-            <a:spAutoFit/>
-          </a:bodyPr>
-          <a:lstStyle/>
-          <a:p>
-            <a:r>
-              <a:rPr kumimoji="1" lang="en-US" altLang="ja-JP" dirty="0">
-                <a:latin typeface="Consolas" panose="020B0609020204030204" pitchFamily="49" charset="0"/>
-              </a:rPr>
-              <a:t>adds new line</a:t>
-            </a:r>
-            <a:endParaRPr kumimoji="1" lang="ja-JP" altLang="en-US" dirty="0">
-              <a:latin typeface="Consolas" panose="020B0609020204030204" pitchFamily="49" charset="0"/>
-            </a:endParaRPr>
-          </a:p>
-        </p:txBody>
-      </p:sp>
-      <p:sp>
-        <p:nvSpPr>
-          <p:cNvPr id="14" name="テキスト ボックス 13">
-            <a:extLst>
-              <a:ext uri="{FF2B5EF4-FFF2-40B4-BE49-F238E27FC236}">
-                <a16:creationId xmlns:a16="http://schemas.microsoft.com/office/drawing/2014/main" id="{C4A683EF-6E32-4AD7-848E-7F94804279BB}"/>
-              </a:ext>
-            </a:extLst>
-          </p:cNvPr>
-          <p:cNvSpPr txBox="1"/>
-          <p:nvPr/>
-        </p:nvSpPr>
-        <p:spPr>
-          <a:xfrm>
-            <a:off x="3892034" y="4182343"/>
-            <a:ext cx="2480166" cy="369332"/>
-          </a:xfrm>
-          <a:prstGeom prst="rect">
-            <a:avLst/>
-          </a:prstGeom>
-          <a:noFill/>
-        </p:spPr>
-        <p:txBody>
-          <a:bodyPr wrap="none" rtlCol="0">
-            <a:spAutoFit/>
-          </a:bodyPr>
-          <a:lstStyle/>
-          <a:p>
-            <a:r>
-              <a:rPr kumimoji="1" lang="en-US" altLang="ja-JP" dirty="0">
-                <a:latin typeface="Consolas" panose="020B0609020204030204" pitchFamily="49" charset="0"/>
-              </a:rPr>
-              <a:t>modifies README.md</a:t>
-            </a:r>
-            <a:endParaRPr kumimoji="1" lang="ja-JP" altLang="en-US" dirty="0">
-              <a:latin typeface="Consolas" panose="020B0609020204030204" pitchFamily="49" charset="0"/>
-            </a:endParaRPr>
-          </a:p>
-        </p:txBody>
-      </p:sp>
-      <p:sp>
-        <p:nvSpPr>
-          <p:cNvPr id="15" name="楕円 14">
-            <a:extLst>
-              <a:ext uri="{FF2B5EF4-FFF2-40B4-BE49-F238E27FC236}">
-                <a16:creationId xmlns:a16="http://schemas.microsoft.com/office/drawing/2014/main" id="{932F42AD-B989-4698-BBEC-281D5E1F2C84}"/>
+      <p:sp>
+        <p:nvSpPr>
+          <p:cNvPr id="17" name="楕円 16">
+            <a:extLst>
+              <a:ext uri="{FF2B5EF4-FFF2-40B4-BE49-F238E27FC236}">
+                <a16:creationId xmlns:a16="http://schemas.microsoft.com/office/drawing/2014/main" id="{D4734209-BECC-4F11-B3CB-A1A79790BB12}"/>
               </a:ext>
             </a:extLst>
           </p:cNvPr>
@@ -15368,19 +15530,15 @@
         </p:nvSpPr>
         <p:spPr>
           <a:xfrm>
-            <a:off x="3315970" y="3246239"/>
-            <a:ext cx="432048" cy="432048"/>
+            <a:off x="4860032" y="1340768"/>
+            <a:ext cx="144016" cy="144016"/>
           </a:xfrm>
           <a:prstGeom prst="ellipse">
             <a:avLst/>
           </a:prstGeom>
-          <a:solidFill>
-            <a:srgbClr val="011893"/>
-          </a:solidFill>
+          <a:noFill/>
           <a:ln>
-            <a:solidFill>
-              <a:schemeClr val="tx1"/>
-            </a:solidFill>
+            <a:noFill/>
           </a:ln>
         </p:spPr>
         <p:style>
@@ -15410,33 +15568,34 @@
       </p:sp>
       <p:cxnSp>
         <p:nvCxnSpPr>
-          <p:cNvPr id="16" name="直線コネクタ 15">
-            <a:extLst>
-              <a:ext uri="{FF2B5EF4-FFF2-40B4-BE49-F238E27FC236}">
-                <a16:creationId xmlns:a16="http://schemas.microsoft.com/office/drawing/2014/main" id="{CE8228FC-9AFB-4B20-9964-428892A99A16}"/>
+          <p:cNvPr id="19" name="コネクタ: カギ線 18">
+            <a:extLst>
+              <a:ext uri="{FF2B5EF4-FFF2-40B4-BE49-F238E27FC236}">
+                <a16:creationId xmlns:a16="http://schemas.microsoft.com/office/drawing/2014/main" id="{F842E328-2189-4428-8B44-62FFC282FAD6}"/>
               </a:ext>
             </a:extLst>
           </p:cNvPr>
           <p:cNvCxnSpPr>
             <a:cxnSpLocks/>
-            <a:stCxn id="15" idx="4"/>
+            <a:stCxn id="17" idx="4"/>
+            <a:endCxn id="23" idx="3"/>
           </p:cNvCxnSpPr>
           <p:nvPr/>
         </p:nvCxnSpPr>
         <p:spPr>
-          <a:xfrm>
-            <a:off x="3531994" y="3678287"/>
-            <a:ext cx="0" cy="504056"/>
-          </a:xfrm>
-          <a:prstGeom prst="line">
-            <a:avLst/>
-          </a:prstGeom>
-          <a:ln w="57150">
+          <a:xfrm rot="5400000">
+            <a:off x="3365866" y="2474894"/>
+            <a:ext cx="2556284" cy="576064"/>
+          </a:xfrm>
+          <a:prstGeom prst="bentConnector2">
+            <a:avLst/>
+          </a:prstGeom>
+          <a:ln w="38100">
             <a:solidFill>
-              <a:schemeClr val="tx1"/>
+              <a:srgbClr val="FF0000"/>
             </a:solidFill>
             <a:headEnd type="none" w="med" len="med"/>
-            <a:tailEnd type="none" w="med" len="med"/>
+            <a:tailEnd type="triangle"/>
           </a:ln>
         </p:spPr>
         <p:style>
@@ -15456,10 +15615,10 @@
       </p:cxnSp>
       <p:sp>
         <p:nvSpPr>
-          <p:cNvPr id="17" name="テキスト ボックス 16">
-            <a:extLst>
-              <a:ext uri="{FF2B5EF4-FFF2-40B4-BE49-F238E27FC236}">
-                <a16:creationId xmlns:a16="http://schemas.microsoft.com/office/drawing/2014/main" id="{72957330-C11F-4ABA-98B4-140ACE8BC9EA}"/>
+          <p:cNvPr id="13" name="テキスト ボックス 12">
+            <a:extLst>
+              <a:ext uri="{FF2B5EF4-FFF2-40B4-BE49-F238E27FC236}">
+                <a16:creationId xmlns:a16="http://schemas.microsoft.com/office/drawing/2014/main" id="{B39093AD-211A-466B-9C08-59D779AE6B93}"/>
               </a:ext>
             </a:extLst>
           </p:cNvPr>
@@ -15468,8 +15627,8 @@
         </p:nvSpPr>
         <p:spPr>
           <a:xfrm>
-            <a:off x="3892034" y="3318247"/>
-            <a:ext cx="2464136" cy="369332"/>
+            <a:off x="611560" y="1772816"/>
+            <a:ext cx="1800493" cy="369332"/>
           </a:xfrm>
           <a:prstGeom prst="rect">
             <a:avLst/>
@@ -15483,29 +15642,19 @@
           <a:lstStyle/>
           <a:p>
             <a:r>
-              <a:rPr kumimoji="1" lang="en-US" altLang="ja-JP" dirty="0">
-                <a:latin typeface="Consolas" panose="020B0609020204030204" pitchFamily="49" charset="0"/>
-              </a:rPr>
-              <a:t>commit from </a:t>
-            </a:r>
-            <a:r>
-              <a:rPr kumimoji="1" lang="en-US" altLang="ja-JP" dirty="0" err="1">
-                <a:latin typeface="Consolas" panose="020B0609020204030204" pitchFamily="49" charset="0"/>
-              </a:rPr>
-              <a:t>VSCode</a:t>
-            </a:r>
-            <a:endParaRPr kumimoji="1" lang="ja-JP" altLang="en-US" dirty="0">
-              <a:latin typeface="Consolas" panose="020B0609020204030204" pitchFamily="49" charset="0"/>
-            </a:endParaRPr>
-          </a:p>
-        </p:txBody>
-      </p:sp>
-      <p:sp>
-        <p:nvSpPr>
-          <p:cNvPr id="21" name="テキスト ボックス 20">
-            <a:extLst>
-              <a:ext uri="{FF2B5EF4-FFF2-40B4-BE49-F238E27FC236}">
-                <a16:creationId xmlns:a16="http://schemas.microsoft.com/office/drawing/2014/main" id="{0E8FBA90-E6A2-4750-8B98-CF5D29C4AF90}"/>
+              <a:rPr lang="ja-JP" altLang="en-US"/>
+              <a:t>コミットボタン</a:t>
+            </a:r>
+            <a:endParaRPr kumimoji="1" lang="ja-JP" altLang="en-US" dirty="0"/>
+          </a:p>
+        </p:txBody>
+      </p:sp>
+      <p:sp>
+        <p:nvSpPr>
+          <p:cNvPr id="15" name="テキスト ボックス 14">
+            <a:extLst>
+              <a:ext uri="{FF2B5EF4-FFF2-40B4-BE49-F238E27FC236}">
+                <a16:creationId xmlns:a16="http://schemas.microsoft.com/office/drawing/2014/main" id="{72EE1EDD-1516-4FB7-A421-E347B6FE2C1F}"/>
               </a:ext>
             </a:extLst>
           </p:cNvPr>
@@ -15514,8 +15663,8 @@
         </p:nvSpPr>
         <p:spPr>
           <a:xfrm>
-            <a:off x="251520" y="1268760"/>
-            <a:ext cx="1723549" cy="461665"/>
+            <a:off x="5220072" y="1556792"/>
+            <a:ext cx="3185487" cy="646331"/>
           </a:xfrm>
           <a:prstGeom prst="rect">
             <a:avLst/>
@@ -15529,67 +15678,737 @@
           <a:lstStyle/>
           <a:p>
             <a:r>
-              <a:rPr kumimoji="1" lang="ja-JP" altLang="en-US" sz="2400" dirty="0"/>
-              <a:t>歴史の確認</a:t>
-            </a:r>
-          </a:p>
-        </p:txBody>
-      </p:sp>
-      <p:sp>
-        <p:nvSpPr>
-          <p:cNvPr id="22" name="テキスト ボックス 21">
-            <a:extLst>
-              <a:ext uri="{FF2B5EF4-FFF2-40B4-BE49-F238E27FC236}">
-                <a16:creationId xmlns:a16="http://schemas.microsoft.com/office/drawing/2014/main" id="{A8A0CFF3-86E0-41AD-A2B1-1445A303A32F}"/>
-              </a:ext>
-            </a:extLst>
-          </p:cNvPr>
-          <p:cNvSpPr txBox="1"/>
-          <p:nvPr/>
-        </p:nvSpPr>
-        <p:spPr>
-          <a:xfrm>
-            <a:off x="827584" y="1988840"/>
-            <a:ext cx="2582758" cy="400110"/>
-          </a:xfrm>
-          <a:prstGeom prst="rect">
-            <a:avLst/>
-          </a:prstGeom>
-          <a:noFill/>
-          <a:ln>
+              <a:rPr lang="ja-JP" altLang="en-US"/>
+              <a:t>ここにコミットメッセージが</a:t>
+            </a:r>
+            <a:endParaRPr lang="en-US" altLang="ja-JP"/>
+          </a:p>
+          <a:p>
+            <a:r>
+              <a:rPr kumimoji="1" lang="ja-JP" altLang="en-US"/>
+              <a:t>書ける</a:t>
+            </a:r>
+            <a:endParaRPr kumimoji="1" lang="ja-JP" altLang="en-US" dirty="0"/>
+          </a:p>
+        </p:txBody>
+      </p:sp>
+      <p:sp>
+        <p:nvSpPr>
+          <p:cNvPr id="9" name="四角形: 角を丸くする 8">
+            <a:extLst>
+              <a:ext uri="{FF2B5EF4-FFF2-40B4-BE49-F238E27FC236}">
+                <a16:creationId xmlns:a16="http://schemas.microsoft.com/office/drawing/2014/main" id="{CC3B0879-540D-DB9A-A9B0-5F9DAFDE78CF}"/>
+              </a:ext>
+            </a:extLst>
+          </p:cNvPr>
+          <p:cNvSpPr/>
+          <p:nvPr/>
+        </p:nvSpPr>
+        <p:spPr>
+          <a:xfrm>
+            <a:off x="1619672" y="4293096"/>
+            <a:ext cx="2736304" cy="360040"/>
+          </a:xfrm>
+          <a:prstGeom prst="roundRect">
+            <a:avLst/>
+          </a:prstGeom>
+          <a:noFill/>
+          <a:ln w="38100">
             <a:solidFill>
-              <a:schemeClr val="tx1"/>
+              <a:srgbClr val="FF0000"/>
             </a:solidFill>
           </a:ln>
         </p:spPr>
-        <p:txBody>
-          <a:bodyPr wrap="none" rtlCol="0">
-            <a:spAutoFit/>
-          </a:bodyPr>
-          <a:lstStyle/>
-          <a:p>
-            <a:r>
-              <a:rPr lang="en-US" altLang="ja-JP" sz="2000" dirty="0">
-                <a:latin typeface="Consolas" panose="020B0609020204030204" pitchFamily="49" charset="0"/>
-              </a:rPr>
-              <a:t>git log --</a:t>
-            </a:r>
-            <a:r>
-              <a:rPr lang="en-US" altLang="ja-JP" sz="2000" dirty="0" err="1">
-                <a:latin typeface="Consolas" panose="020B0609020204030204" pitchFamily="49" charset="0"/>
-              </a:rPr>
-              <a:t>oneline</a:t>
-            </a:r>
-            <a:endParaRPr kumimoji="1" lang="ja-JP" altLang="en-US" sz="2000" dirty="0">
-              <a:latin typeface="Consolas" panose="020B0609020204030204" pitchFamily="49" charset="0"/>
-            </a:endParaRPr>
+        <p:style>
+          <a:lnRef idx="2">
+            <a:schemeClr val="accent1">
+              <a:shade val="50000"/>
+            </a:schemeClr>
+          </a:lnRef>
+          <a:fillRef idx="1">
+            <a:schemeClr val="accent1"/>
+          </a:fillRef>
+          <a:effectRef idx="0">
+            <a:schemeClr val="accent1"/>
+          </a:effectRef>
+          <a:fontRef idx="minor">
+            <a:schemeClr val="lt1"/>
+          </a:fontRef>
+        </p:style>
+        <p:txBody>
+          <a:bodyPr rtlCol="0" anchor="ctr"/>
+          <a:lstStyle/>
+          <a:p>
+            <a:pPr algn="ctr"/>
+            <a:endParaRPr kumimoji="1" lang="ja-JP" altLang="en-US"/>
+          </a:p>
+        </p:txBody>
+      </p:sp>
+      <p:sp>
+        <p:nvSpPr>
+          <p:cNvPr id="23" name="四角形: 角を丸くする 22">
+            <a:extLst>
+              <a:ext uri="{FF2B5EF4-FFF2-40B4-BE49-F238E27FC236}">
+                <a16:creationId xmlns:a16="http://schemas.microsoft.com/office/drawing/2014/main" id="{5096B7C8-4046-8B2B-4ACC-7F4476B20CF2}"/>
+              </a:ext>
+            </a:extLst>
+          </p:cNvPr>
+          <p:cNvSpPr/>
+          <p:nvPr/>
+        </p:nvSpPr>
+        <p:spPr>
+          <a:xfrm>
+            <a:off x="1619672" y="3861048"/>
+            <a:ext cx="2736304" cy="360040"/>
+          </a:xfrm>
+          <a:prstGeom prst="roundRect">
+            <a:avLst/>
+          </a:prstGeom>
+          <a:noFill/>
+          <a:ln w="38100">
+            <a:solidFill>
+              <a:srgbClr val="FF0000"/>
+            </a:solidFill>
+          </a:ln>
+        </p:spPr>
+        <p:style>
+          <a:lnRef idx="2">
+            <a:schemeClr val="accent1">
+              <a:shade val="50000"/>
+            </a:schemeClr>
+          </a:lnRef>
+          <a:fillRef idx="1">
+            <a:schemeClr val="accent1"/>
+          </a:fillRef>
+          <a:effectRef idx="0">
+            <a:schemeClr val="accent1"/>
+          </a:effectRef>
+          <a:fontRef idx="minor">
+            <a:schemeClr val="lt1"/>
+          </a:fontRef>
+        </p:style>
+        <p:txBody>
+          <a:bodyPr rtlCol="0" anchor="ctr"/>
+          <a:lstStyle/>
+          <a:p>
+            <a:pPr algn="ctr"/>
+            <a:endParaRPr kumimoji="1" lang="ja-JP" altLang="en-US"/>
           </a:p>
         </p:txBody>
       </p:sp>
     </p:spTree>
     <p:extLst>
       <p:ext uri="{BB962C8B-B14F-4D97-AF65-F5344CB8AC3E}">
-        <p14:creationId xmlns:p14="http://schemas.microsoft.com/office/powerpoint/2010/main" val="747728517"/>
+        <p14:creationId xmlns:p14="http://schemas.microsoft.com/office/powerpoint/2010/main" val="3581943110"/>
+      </p:ext>
+    </p:extLst>
+  </p:cSld>
+  <p:clrMapOvr>
+    <a:masterClrMapping/>
+  </p:clrMapOvr>
+</p:sld>
+</file>
+
+<file path=ppt/slides/slide29.xml><?xml version="1.0" encoding="utf-8"?>
+<p:sld xmlns:a="http://schemas.openxmlformats.org/drawingml/2006/main" xmlns:r="http://schemas.openxmlformats.org/officeDocument/2006/relationships" xmlns:p="http://schemas.openxmlformats.org/presentationml/2006/main">
+  <p:cSld>
+    <p:spTree>
+      <p:nvGrpSpPr>
+        <p:cNvPr id="1" name=""/>
+        <p:cNvGrpSpPr/>
+        <p:nvPr/>
+      </p:nvGrpSpPr>
+      <p:grpSpPr>
+        <a:xfrm>
+          <a:off x="0" y="0"/>
+          <a:ext cx="0" cy="0"/>
+          <a:chOff x="0" y="0"/>
+          <a:chExt cx="0" cy="0"/>
+        </a:xfrm>
+      </p:grpSpPr>
+      <p:sp>
+        <p:nvSpPr>
+          <p:cNvPr id="2" name="テキスト プレースホルダー 1">
+            <a:extLst>
+              <a:ext uri="{FF2B5EF4-FFF2-40B4-BE49-F238E27FC236}">
+                <a16:creationId xmlns:a16="http://schemas.microsoft.com/office/drawing/2014/main" id="{048BEDBB-AD2B-EE30-BFC6-84CA3C3192B5}"/>
+              </a:ext>
+            </a:extLst>
+          </p:cNvPr>
+          <p:cNvSpPr>
+            <a:spLocks noGrp="1"/>
+          </p:cNvSpPr>
+          <p:nvPr>
+            <p:ph type="body" sz="quarter" idx="10"/>
+          </p:nvPr>
+        </p:nvSpPr>
+        <p:spPr/>
+        <p:txBody>
+          <a:bodyPr/>
+          <a:lstStyle/>
+          <a:p>
+            <a:r>
+              <a:rPr kumimoji="1" lang="ja-JP" altLang="en-US"/>
+              <a:t>課題</a:t>
+            </a:r>
+            <a:r>
+              <a:rPr kumimoji="1" lang="en-US" altLang="ja-JP"/>
+              <a:t> – Step 7</a:t>
+            </a:r>
+            <a:endParaRPr kumimoji="1" lang="ja-JP" altLang="en-US"/>
+          </a:p>
+        </p:txBody>
+      </p:sp>
+      <p:pic>
+        <p:nvPicPr>
+          <p:cNvPr id="4" name="図 3">
+            <a:extLst>
+              <a:ext uri="{FF2B5EF4-FFF2-40B4-BE49-F238E27FC236}">
+                <a16:creationId xmlns:a16="http://schemas.microsoft.com/office/drawing/2014/main" id="{FA2B84D0-00D3-7EA6-D4FC-E097F268DFFC}"/>
+              </a:ext>
+            </a:extLst>
+          </p:cNvPr>
+          <p:cNvPicPr>
+            <a:picLocks noChangeAspect="1"/>
+          </p:cNvPicPr>
+          <p:nvPr/>
+        </p:nvPicPr>
+        <p:blipFill>
+          <a:blip r:embed="rId2"/>
+          <a:stretch>
+            <a:fillRect/>
+          </a:stretch>
+        </p:blipFill>
+        <p:spPr>
+          <a:xfrm>
+            <a:off x="133390" y="1691516"/>
+            <a:ext cx="8983957" cy="2592288"/>
+          </a:xfrm>
+          <a:prstGeom prst="rect">
+            <a:avLst/>
+          </a:prstGeom>
+        </p:spPr>
+      </p:pic>
+      <p:sp>
+        <p:nvSpPr>
+          <p:cNvPr id="5" name="四角形: 角を丸くする 4">
+            <a:extLst>
+              <a:ext uri="{FF2B5EF4-FFF2-40B4-BE49-F238E27FC236}">
+                <a16:creationId xmlns:a16="http://schemas.microsoft.com/office/drawing/2014/main" id="{89B326CD-83BE-672D-3095-E5EA20D125CA}"/>
+              </a:ext>
+            </a:extLst>
+          </p:cNvPr>
+          <p:cNvSpPr/>
+          <p:nvPr/>
+        </p:nvSpPr>
+        <p:spPr>
+          <a:xfrm>
+            <a:off x="683568" y="2339588"/>
+            <a:ext cx="2520280" cy="288032"/>
+          </a:xfrm>
+          <a:prstGeom prst="roundRect">
+            <a:avLst/>
+          </a:prstGeom>
+          <a:noFill/>
+          <a:ln w="38100">
+            <a:solidFill>
+              <a:srgbClr val="FF0000"/>
+            </a:solidFill>
+          </a:ln>
+        </p:spPr>
+        <p:style>
+          <a:lnRef idx="2">
+            <a:schemeClr val="accent1">
+              <a:shade val="50000"/>
+            </a:schemeClr>
+          </a:lnRef>
+          <a:fillRef idx="1">
+            <a:schemeClr val="accent1"/>
+          </a:fillRef>
+          <a:effectRef idx="0">
+            <a:schemeClr val="accent1"/>
+          </a:effectRef>
+          <a:fontRef idx="minor">
+            <a:schemeClr val="lt1"/>
+          </a:fontRef>
+        </p:style>
+        <p:txBody>
+          <a:bodyPr rtlCol="0" anchor="ctr"/>
+          <a:lstStyle/>
+          <a:p>
+            <a:pPr algn="ctr"/>
+            <a:endParaRPr kumimoji="1" lang="ja-JP" altLang="en-US"/>
+          </a:p>
+        </p:txBody>
+      </p:sp>
+      <p:sp>
+        <p:nvSpPr>
+          <p:cNvPr id="6" name="テキスト ボックス 5">
+            <a:extLst>
+              <a:ext uri="{FF2B5EF4-FFF2-40B4-BE49-F238E27FC236}">
+                <a16:creationId xmlns:a16="http://schemas.microsoft.com/office/drawing/2014/main" id="{C783D12A-C439-AAED-AE2E-68B3DFA56A0F}"/>
+              </a:ext>
+            </a:extLst>
+          </p:cNvPr>
+          <p:cNvSpPr txBox="1"/>
+          <p:nvPr/>
+        </p:nvSpPr>
+        <p:spPr>
+          <a:xfrm>
+            <a:off x="395537" y="908720"/>
+            <a:ext cx="8568952" cy="720080"/>
+          </a:xfrm>
+          <a:prstGeom prst="rect">
+            <a:avLst/>
+          </a:prstGeom>
+          <a:noFill/>
+        </p:spPr>
+        <p:txBody>
+          <a:bodyPr wrap="square" rtlCol="0">
+            <a:spAutoFit/>
+          </a:bodyPr>
+          <a:lstStyle/>
+          <a:p>
+            <a:r>
+              <a:rPr lang="ja-JP" altLang="en-US" sz="2000"/>
+              <a:t>もしコミットメッセージを書き忘れてコミットボタンを押したら</a:t>
+            </a:r>
+            <a:r>
+              <a:rPr lang="en-US" altLang="ja-JP" sz="2000"/>
+              <a:t>COMMIT_EDITMSG</a:t>
+            </a:r>
+            <a:r>
+              <a:rPr lang="ja-JP" altLang="en-US" sz="2000"/>
+              <a:t>というファイルが開く</a:t>
+            </a:r>
+            <a:endParaRPr kumimoji="1" lang="ja-JP" altLang="en-US" sz="2000"/>
+          </a:p>
+        </p:txBody>
+      </p:sp>
+      <p:cxnSp>
+        <p:nvCxnSpPr>
+          <p:cNvPr id="7" name="コネクタ: カギ線 6">
+            <a:extLst>
+              <a:ext uri="{FF2B5EF4-FFF2-40B4-BE49-F238E27FC236}">
+                <a16:creationId xmlns:a16="http://schemas.microsoft.com/office/drawing/2014/main" id="{2CF37F3F-416D-35CF-D3FF-DD9CB6C8FDD9}"/>
+              </a:ext>
+            </a:extLst>
+          </p:cNvPr>
+          <p:cNvCxnSpPr>
+            <a:cxnSpLocks/>
+            <a:stCxn id="6" idx="1"/>
+            <a:endCxn id="5" idx="1"/>
+          </p:cNvCxnSpPr>
+          <p:nvPr/>
+        </p:nvCxnSpPr>
+        <p:spPr>
+          <a:xfrm rot="10800000" flipH="1" flipV="1">
+            <a:off x="395536" y="1268760"/>
+            <a:ext cx="288031" cy="1214844"/>
+          </a:xfrm>
+          <a:prstGeom prst="bentConnector3">
+            <a:avLst>
+              <a:gd name="adj1" fmla="val -79366"/>
+            </a:avLst>
+          </a:prstGeom>
+          <a:ln w="38100">
+            <a:solidFill>
+              <a:srgbClr val="FF0000"/>
+            </a:solidFill>
+            <a:headEnd type="none" w="med" len="med"/>
+            <a:tailEnd type="triangle"/>
+          </a:ln>
+        </p:spPr>
+        <p:style>
+          <a:lnRef idx="1">
+            <a:schemeClr val="accent1"/>
+          </a:lnRef>
+          <a:fillRef idx="0">
+            <a:schemeClr val="accent1"/>
+          </a:fillRef>
+          <a:effectRef idx="0">
+            <a:schemeClr val="accent1"/>
+          </a:effectRef>
+          <a:fontRef idx="minor">
+            <a:schemeClr val="tx1"/>
+          </a:fontRef>
+        </p:style>
+      </p:cxnSp>
+      <p:sp>
+        <p:nvSpPr>
+          <p:cNvPr id="11" name="四角形: 角を丸くする 10">
+            <a:extLst>
+              <a:ext uri="{FF2B5EF4-FFF2-40B4-BE49-F238E27FC236}">
+                <a16:creationId xmlns:a16="http://schemas.microsoft.com/office/drawing/2014/main" id="{80C04910-F5B2-5351-2968-08B093B9B164}"/>
+              </a:ext>
+            </a:extLst>
+          </p:cNvPr>
+          <p:cNvSpPr/>
+          <p:nvPr/>
+        </p:nvSpPr>
+        <p:spPr>
+          <a:xfrm>
+            <a:off x="3716613" y="2420305"/>
+            <a:ext cx="1656184" cy="288032"/>
+          </a:xfrm>
+          <a:prstGeom prst="roundRect">
+            <a:avLst/>
+          </a:prstGeom>
+          <a:noFill/>
+          <a:ln w="38100">
+            <a:solidFill>
+              <a:srgbClr val="FF0000"/>
+            </a:solidFill>
+          </a:ln>
+        </p:spPr>
+        <p:style>
+          <a:lnRef idx="2">
+            <a:schemeClr val="accent1">
+              <a:shade val="50000"/>
+            </a:schemeClr>
+          </a:lnRef>
+          <a:fillRef idx="1">
+            <a:schemeClr val="accent1"/>
+          </a:fillRef>
+          <a:effectRef idx="0">
+            <a:schemeClr val="accent1"/>
+          </a:effectRef>
+          <a:fontRef idx="minor">
+            <a:schemeClr val="lt1"/>
+          </a:fontRef>
+        </p:style>
+        <p:txBody>
+          <a:bodyPr rtlCol="0" anchor="ctr"/>
+          <a:lstStyle/>
+          <a:p>
+            <a:pPr algn="ctr"/>
+            <a:endParaRPr kumimoji="1" lang="ja-JP" altLang="en-US"/>
+          </a:p>
+        </p:txBody>
+      </p:sp>
+      <p:sp>
+        <p:nvSpPr>
+          <p:cNvPr id="12" name="テキスト ボックス 11">
+            <a:extLst>
+              <a:ext uri="{FF2B5EF4-FFF2-40B4-BE49-F238E27FC236}">
+                <a16:creationId xmlns:a16="http://schemas.microsoft.com/office/drawing/2014/main" id="{064DFA7A-F4FA-D953-5CBA-0F82D80CBC1A}"/>
+              </a:ext>
+            </a:extLst>
+          </p:cNvPr>
+          <p:cNvSpPr txBox="1"/>
+          <p:nvPr/>
+        </p:nvSpPr>
+        <p:spPr>
+          <a:xfrm>
+            <a:off x="107504" y="4355812"/>
+            <a:ext cx="5112568" cy="369332"/>
+          </a:xfrm>
+          <a:prstGeom prst="rect">
+            <a:avLst/>
+          </a:prstGeom>
+          <a:noFill/>
+        </p:spPr>
+        <p:txBody>
+          <a:bodyPr wrap="square" rtlCol="0">
+            <a:spAutoFit/>
+          </a:bodyPr>
+          <a:lstStyle/>
+          <a:p>
+            <a:r>
+              <a:rPr lang="ja-JP" altLang="en-US"/>
+              <a:t>一番上に</a:t>
+            </a:r>
+            <a:r>
+              <a:rPr kumimoji="1" lang="ja-JP" altLang="en-US"/>
+              <a:t>「</a:t>
+            </a:r>
+            <a:r>
+              <a:rPr kumimoji="1" lang="en-US" altLang="ja-JP"/>
+              <a:t>commit from VSCode</a:t>
+            </a:r>
+            <a:r>
+              <a:rPr kumimoji="1" lang="ja-JP" altLang="en-US"/>
+              <a:t>」と入力</a:t>
+            </a:r>
+            <a:r>
+              <a:rPr lang="ja-JP" altLang="en-US"/>
+              <a:t>する</a:t>
+            </a:r>
+            <a:endParaRPr lang="en-US" altLang="ja-JP"/>
+          </a:p>
+        </p:txBody>
+      </p:sp>
+      <p:pic>
+        <p:nvPicPr>
+          <p:cNvPr id="16" name="図 15">
+            <a:extLst>
+              <a:ext uri="{FF2B5EF4-FFF2-40B4-BE49-F238E27FC236}">
+                <a16:creationId xmlns:a16="http://schemas.microsoft.com/office/drawing/2014/main" id="{FFB9437C-9E80-D219-17E8-EE51C1F90074}"/>
+              </a:ext>
+            </a:extLst>
+          </p:cNvPr>
+          <p:cNvPicPr>
+            <a:picLocks noChangeAspect="1"/>
+          </p:cNvPicPr>
+          <p:nvPr/>
+        </p:nvPicPr>
+        <p:blipFill>
+          <a:blip r:embed="rId3"/>
+          <a:stretch>
+            <a:fillRect/>
+          </a:stretch>
+        </p:blipFill>
+        <p:spPr>
+          <a:xfrm>
+            <a:off x="395536" y="5445224"/>
+            <a:ext cx="3859068" cy="1152128"/>
+          </a:xfrm>
+          <a:prstGeom prst="rect">
+            <a:avLst/>
+          </a:prstGeom>
+        </p:spPr>
+      </p:pic>
+      <p:sp>
+        <p:nvSpPr>
+          <p:cNvPr id="17" name="楕円 16">
+            <a:extLst>
+              <a:ext uri="{FF2B5EF4-FFF2-40B4-BE49-F238E27FC236}">
+                <a16:creationId xmlns:a16="http://schemas.microsoft.com/office/drawing/2014/main" id="{DE1FFED8-E4F7-5DDA-379F-999D2BA2B829}"/>
+              </a:ext>
+            </a:extLst>
+          </p:cNvPr>
+          <p:cNvSpPr/>
+          <p:nvPr/>
+        </p:nvSpPr>
+        <p:spPr>
+          <a:xfrm>
+            <a:off x="3707904" y="5696084"/>
+            <a:ext cx="360040" cy="360040"/>
+          </a:xfrm>
+          <a:prstGeom prst="ellipse">
+            <a:avLst/>
+          </a:prstGeom>
+          <a:noFill/>
+          <a:ln w="38100">
+            <a:solidFill>
+              <a:srgbClr val="FF0000"/>
+            </a:solidFill>
+          </a:ln>
+        </p:spPr>
+        <p:style>
+          <a:lnRef idx="2">
+            <a:schemeClr val="accent1">
+              <a:shade val="50000"/>
+            </a:schemeClr>
+          </a:lnRef>
+          <a:fillRef idx="1">
+            <a:schemeClr val="accent1"/>
+          </a:fillRef>
+          <a:effectRef idx="0">
+            <a:schemeClr val="accent1"/>
+          </a:effectRef>
+          <a:fontRef idx="minor">
+            <a:schemeClr val="lt1"/>
+          </a:fontRef>
+        </p:style>
+        <p:txBody>
+          <a:bodyPr rtlCol="0" anchor="ctr"/>
+          <a:lstStyle/>
+          <a:p>
+            <a:pPr algn="ctr"/>
+            <a:endParaRPr kumimoji="1" lang="ja-JP" altLang="en-US"/>
+          </a:p>
+        </p:txBody>
+      </p:sp>
+      <p:cxnSp>
+        <p:nvCxnSpPr>
+          <p:cNvPr id="18" name="コネクタ: カギ線 17">
+            <a:extLst>
+              <a:ext uri="{FF2B5EF4-FFF2-40B4-BE49-F238E27FC236}">
+                <a16:creationId xmlns:a16="http://schemas.microsoft.com/office/drawing/2014/main" id="{FFCDCAAA-9C27-3FD4-FABC-B609D84EFD44}"/>
+              </a:ext>
+            </a:extLst>
+          </p:cNvPr>
+          <p:cNvCxnSpPr>
+            <a:cxnSpLocks/>
+            <a:stCxn id="12" idx="3"/>
+            <a:endCxn id="11" idx="3"/>
+          </p:cNvCxnSpPr>
+          <p:nvPr/>
+        </p:nvCxnSpPr>
+        <p:spPr>
+          <a:xfrm flipV="1">
+            <a:off x="5220072" y="2564321"/>
+            <a:ext cx="152725" cy="1976157"/>
+          </a:xfrm>
+          <a:prstGeom prst="bentConnector3">
+            <a:avLst>
+              <a:gd name="adj1" fmla="val 249681"/>
+            </a:avLst>
+          </a:prstGeom>
+          <a:ln w="38100">
+            <a:solidFill>
+              <a:srgbClr val="FF0000"/>
+            </a:solidFill>
+            <a:headEnd type="none" w="med" len="med"/>
+            <a:tailEnd type="triangle"/>
+          </a:ln>
+        </p:spPr>
+        <p:style>
+          <a:lnRef idx="1">
+            <a:schemeClr val="accent1"/>
+          </a:lnRef>
+          <a:fillRef idx="0">
+            <a:schemeClr val="accent1"/>
+          </a:fillRef>
+          <a:effectRef idx="0">
+            <a:schemeClr val="accent1"/>
+          </a:effectRef>
+          <a:fontRef idx="minor">
+            <a:schemeClr val="tx1"/>
+          </a:fontRef>
+        </p:style>
+      </p:cxnSp>
+      <p:sp>
+        <p:nvSpPr>
+          <p:cNvPr id="22" name="テキスト ボックス 21">
+            <a:extLst>
+              <a:ext uri="{FF2B5EF4-FFF2-40B4-BE49-F238E27FC236}">
+                <a16:creationId xmlns:a16="http://schemas.microsoft.com/office/drawing/2014/main" id="{4532FE00-11BA-4DE1-B02D-B2A8C4C748AC}"/>
+              </a:ext>
+            </a:extLst>
+          </p:cNvPr>
+          <p:cNvSpPr txBox="1"/>
+          <p:nvPr/>
+        </p:nvSpPr>
+        <p:spPr>
+          <a:xfrm>
+            <a:off x="107504" y="4869160"/>
+            <a:ext cx="3456384" cy="369332"/>
+          </a:xfrm>
+          <a:prstGeom prst="rect">
+            <a:avLst/>
+          </a:prstGeom>
+          <a:noFill/>
+        </p:spPr>
+        <p:txBody>
+          <a:bodyPr wrap="square">
+            <a:spAutoFit/>
+          </a:bodyPr>
+          <a:lstStyle/>
+          <a:p>
+            <a:r>
+              <a:rPr kumimoji="1" lang="ja-JP" altLang="en-US"/>
+              <a:t>保存してからファイルを閉じる</a:t>
+            </a:r>
+          </a:p>
+        </p:txBody>
+      </p:sp>
+      <p:sp>
+        <p:nvSpPr>
+          <p:cNvPr id="27" name="四角形: 角を丸くする 26">
+            <a:extLst>
+              <a:ext uri="{FF2B5EF4-FFF2-40B4-BE49-F238E27FC236}">
+                <a16:creationId xmlns:a16="http://schemas.microsoft.com/office/drawing/2014/main" id="{CCCE467F-3186-1CFE-CCDF-56557884D058}"/>
+              </a:ext>
+            </a:extLst>
+          </p:cNvPr>
+          <p:cNvSpPr/>
+          <p:nvPr/>
+        </p:nvSpPr>
+        <p:spPr>
+          <a:xfrm>
+            <a:off x="4716016" y="1988840"/>
+            <a:ext cx="1656184" cy="288032"/>
+          </a:xfrm>
+          <a:prstGeom prst="roundRect">
+            <a:avLst/>
+          </a:prstGeom>
+          <a:noFill/>
+          <a:ln w="38100">
+            <a:solidFill>
+              <a:srgbClr val="FF0000"/>
+            </a:solidFill>
+          </a:ln>
+        </p:spPr>
+        <p:style>
+          <a:lnRef idx="2">
+            <a:schemeClr val="accent1">
+              <a:shade val="50000"/>
+            </a:schemeClr>
+          </a:lnRef>
+          <a:fillRef idx="1">
+            <a:schemeClr val="accent1"/>
+          </a:fillRef>
+          <a:effectRef idx="0">
+            <a:schemeClr val="accent1"/>
+          </a:effectRef>
+          <a:fontRef idx="minor">
+            <a:schemeClr val="lt1"/>
+          </a:fontRef>
+        </p:style>
+        <p:txBody>
+          <a:bodyPr rtlCol="0" anchor="ctr"/>
+          <a:lstStyle/>
+          <a:p>
+            <a:pPr algn="ctr"/>
+            <a:endParaRPr kumimoji="1" lang="ja-JP" altLang="en-US"/>
+          </a:p>
+        </p:txBody>
+      </p:sp>
+      <p:cxnSp>
+        <p:nvCxnSpPr>
+          <p:cNvPr id="29" name="コネクタ: カギ線 28">
+            <a:extLst>
+              <a:ext uri="{FF2B5EF4-FFF2-40B4-BE49-F238E27FC236}">
+                <a16:creationId xmlns:a16="http://schemas.microsoft.com/office/drawing/2014/main" id="{9301D705-1B06-3AEE-0823-BE5E6C92C5BF}"/>
+              </a:ext>
+            </a:extLst>
+          </p:cNvPr>
+          <p:cNvCxnSpPr>
+            <a:cxnSpLocks/>
+            <a:stCxn id="22" idx="3"/>
+            <a:endCxn id="17" idx="6"/>
+          </p:cNvCxnSpPr>
+          <p:nvPr/>
+        </p:nvCxnSpPr>
+        <p:spPr>
+          <a:xfrm>
+            <a:off x="3563888" y="5053826"/>
+            <a:ext cx="504056" cy="822278"/>
+          </a:xfrm>
+          <a:prstGeom prst="bentConnector3">
+            <a:avLst>
+              <a:gd name="adj1" fmla="val 145352"/>
+            </a:avLst>
+          </a:prstGeom>
+          <a:ln w="38100">
+            <a:solidFill>
+              <a:srgbClr val="FF0000"/>
+            </a:solidFill>
+            <a:headEnd type="none" w="med" len="med"/>
+            <a:tailEnd type="triangle"/>
+          </a:ln>
+        </p:spPr>
+        <p:style>
+          <a:lnRef idx="1">
+            <a:schemeClr val="accent1"/>
+          </a:lnRef>
+          <a:fillRef idx="0">
+            <a:schemeClr val="accent1"/>
+          </a:fillRef>
+          <a:effectRef idx="0">
+            <a:schemeClr val="accent1"/>
+          </a:effectRef>
+          <a:fontRef idx="minor">
+            <a:schemeClr val="tx1"/>
+          </a:fontRef>
+        </p:style>
+      </p:cxnSp>
+    </p:spTree>
+    <p:extLst>
+      <p:ext uri="{BB962C8B-B14F-4D97-AF65-F5344CB8AC3E}">
+        <p14:creationId xmlns:p14="http://schemas.microsoft.com/office/powerpoint/2010/main" val="545603005"/>
       </p:ext>
     </p:extLst>
   </p:cSld>
@@ -15963,6 +16782,918 @@
     <p:extLst>
       <p:ext uri="{BB962C8B-B14F-4D97-AF65-F5344CB8AC3E}">
         <p14:creationId xmlns:p14="http://schemas.microsoft.com/office/powerpoint/2010/main" val="2173717808"/>
+      </p:ext>
+    </p:extLst>
+  </p:cSld>
+  <p:clrMapOvr>
+    <a:masterClrMapping/>
+  </p:clrMapOvr>
+</p:sld>
+</file>
+
+<file path=ppt/slides/slide30.xml><?xml version="1.0" encoding="utf-8"?>
+<p:sld xmlns:a="http://schemas.openxmlformats.org/drawingml/2006/main" xmlns:r="http://schemas.openxmlformats.org/officeDocument/2006/relationships" xmlns:p="http://schemas.openxmlformats.org/presentationml/2006/main">
+  <p:cSld>
+    <p:spTree>
+      <p:nvGrpSpPr>
+        <p:cNvPr id="1" name=""/>
+        <p:cNvGrpSpPr/>
+        <p:nvPr/>
+      </p:nvGrpSpPr>
+      <p:grpSpPr>
+        <a:xfrm>
+          <a:off x="0" y="0"/>
+          <a:ext cx="0" cy="0"/>
+          <a:chOff x="0" y="0"/>
+          <a:chExt cx="0" cy="0"/>
+        </a:xfrm>
+      </p:grpSpPr>
+      <p:sp>
+        <p:nvSpPr>
+          <p:cNvPr id="2" name="テキスト プレースホルダー 1">
+            <a:extLst>
+              <a:ext uri="{FF2B5EF4-FFF2-40B4-BE49-F238E27FC236}">
+                <a16:creationId xmlns:a16="http://schemas.microsoft.com/office/drawing/2014/main" id="{635B7E9F-B529-4398-A4D3-B0427B25DF91}"/>
+              </a:ext>
+            </a:extLst>
+          </p:cNvPr>
+          <p:cNvSpPr>
+            <a:spLocks noGrp="1"/>
+          </p:cNvSpPr>
+          <p:nvPr>
+            <p:ph type="body" sz="quarter" idx="10"/>
+          </p:nvPr>
+        </p:nvSpPr>
+        <p:spPr/>
+        <p:txBody>
+          <a:bodyPr/>
+          <a:lstStyle/>
+          <a:p>
+            <a:r>
+              <a:rPr kumimoji="1" lang="ja-JP" altLang="en-US" dirty="0"/>
+              <a:t>課題</a:t>
+            </a:r>
+            <a:r>
+              <a:rPr kumimoji="1" lang="en-US" altLang="ja-JP" dirty="0"/>
+              <a:t> – </a:t>
+            </a:r>
+            <a:r>
+              <a:rPr kumimoji="1" lang="ja-JP" altLang="en-US" dirty="0"/>
+              <a:t>レポート</a:t>
+            </a:r>
+          </a:p>
+        </p:txBody>
+      </p:sp>
+      <p:sp>
+        <p:nvSpPr>
+          <p:cNvPr id="3" name="楕円 2">
+            <a:extLst>
+              <a:ext uri="{FF2B5EF4-FFF2-40B4-BE49-F238E27FC236}">
+                <a16:creationId xmlns:a16="http://schemas.microsoft.com/office/drawing/2014/main" id="{7C5D9373-8361-49BE-B5B2-51BCEC07D208}"/>
+              </a:ext>
+            </a:extLst>
+          </p:cNvPr>
+          <p:cNvSpPr/>
+          <p:nvPr/>
+        </p:nvSpPr>
+        <p:spPr>
+          <a:xfrm>
+            <a:off x="3315970" y="6054551"/>
+            <a:ext cx="432048" cy="432048"/>
+          </a:xfrm>
+          <a:prstGeom prst="ellipse">
+            <a:avLst/>
+          </a:prstGeom>
+          <a:solidFill>
+            <a:srgbClr val="011893"/>
+          </a:solidFill>
+          <a:ln>
+            <a:solidFill>
+              <a:schemeClr val="tx1"/>
+            </a:solidFill>
+          </a:ln>
+        </p:spPr>
+        <p:style>
+          <a:lnRef idx="2">
+            <a:schemeClr val="accent1">
+              <a:shade val="50000"/>
+            </a:schemeClr>
+          </a:lnRef>
+          <a:fillRef idx="1">
+            <a:schemeClr val="accent1"/>
+          </a:fillRef>
+          <a:effectRef idx="0">
+            <a:schemeClr val="accent1"/>
+          </a:effectRef>
+          <a:fontRef idx="minor">
+            <a:schemeClr val="lt1"/>
+          </a:fontRef>
+        </p:style>
+        <p:txBody>
+          <a:bodyPr rtlCol="0" anchor="ctr"/>
+          <a:lstStyle/>
+          <a:p>
+            <a:pPr algn="ctr"/>
+            <a:endParaRPr kumimoji="1" lang="ja-JP" altLang="en-US"/>
+          </a:p>
+        </p:txBody>
+      </p:sp>
+      <p:sp>
+        <p:nvSpPr>
+          <p:cNvPr id="4" name="楕円 3">
+            <a:extLst>
+              <a:ext uri="{FF2B5EF4-FFF2-40B4-BE49-F238E27FC236}">
+                <a16:creationId xmlns:a16="http://schemas.microsoft.com/office/drawing/2014/main" id="{0B6071F1-4AB0-42DE-BCA7-50FAD2853EF5}"/>
+              </a:ext>
+            </a:extLst>
+          </p:cNvPr>
+          <p:cNvSpPr/>
+          <p:nvPr/>
+        </p:nvSpPr>
+        <p:spPr>
+          <a:xfrm>
+            <a:off x="3315970" y="5118447"/>
+            <a:ext cx="432048" cy="432048"/>
+          </a:xfrm>
+          <a:prstGeom prst="ellipse">
+            <a:avLst/>
+          </a:prstGeom>
+          <a:solidFill>
+            <a:srgbClr val="011893"/>
+          </a:solidFill>
+          <a:ln>
+            <a:solidFill>
+              <a:schemeClr val="tx1"/>
+            </a:solidFill>
+          </a:ln>
+        </p:spPr>
+        <p:style>
+          <a:lnRef idx="2">
+            <a:schemeClr val="accent1">
+              <a:shade val="50000"/>
+            </a:schemeClr>
+          </a:lnRef>
+          <a:fillRef idx="1">
+            <a:schemeClr val="accent1"/>
+          </a:fillRef>
+          <a:effectRef idx="0">
+            <a:schemeClr val="accent1"/>
+          </a:effectRef>
+          <a:fontRef idx="minor">
+            <a:schemeClr val="lt1"/>
+          </a:fontRef>
+        </p:style>
+        <p:txBody>
+          <a:bodyPr rtlCol="0" anchor="ctr"/>
+          <a:lstStyle/>
+          <a:p>
+            <a:pPr algn="ctr"/>
+            <a:endParaRPr kumimoji="1" lang="ja-JP" altLang="en-US"/>
+          </a:p>
+        </p:txBody>
+      </p:sp>
+      <p:sp>
+        <p:nvSpPr>
+          <p:cNvPr id="5" name="楕円 4">
+            <a:extLst>
+              <a:ext uri="{FF2B5EF4-FFF2-40B4-BE49-F238E27FC236}">
+                <a16:creationId xmlns:a16="http://schemas.microsoft.com/office/drawing/2014/main" id="{2585A58C-04FE-4C3D-8552-5F36B5E21491}"/>
+              </a:ext>
+            </a:extLst>
+          </p:cNvPr>
+          <p:cNvSpPr/>
+          <p:nvPr/>
+        </p:nvSpPr>
+        <p:spPr>
+          <a:xfrm>
+            <a:off x="3315970" y="4182343"/>
+            <a:ext cx="432048" cy="432048"/>
+          </a:xfrm>
+          <a:prstGeom prst="ellipse">
+            <a:avLst/>
+          </a:prstGeom>
+          <a:solidFill>
+            <a:srgbClr val="011893"/>
+          </a:solidFill>
+          <a:ln>
+            <a:solidFill>
+              <a:schemeClr val="tx1"/>
+            </a:solidFill>
+          </a:ln>
+        </p:spPr>
+        <p:style>
+          <a:lnRef idx="2">
+            <a:schemeClr val="accent1">
+              <a:shade val="50000"/>
+            </a:schemeClr>
+          </a:lnRef>
+          <a:fillRef idx="1">
+            <a:schemeClr val="accent1"/>
+          </a:fillRef>
+          <a:effectRef idx="0">
+            <a:schemeClr val="accent1"/>
+          </a:effectRef>
+          <a:fontRef idx="minor">
+            <a:schemeClr val="lt1"/>
+          </a:fontRef>
+        </p:style>
+        <p:txBody>
+          <a:bodyPr rtlCol="0" anchor="ctr"/>
+          <a:lstStyle/>
+          <a:p>
+            <a:pPr algn="ctr"/>
+            <a:endParaRPr kumimoji="1" lang="ja-JP" altLang="en-US"/>
+          </a:p>
+        </p:txBody>
+      </p:sp>
+      <p:sp>
+        <p:nvSpPr>
+          <p:cNvPr id="6" name="四角形: 1 つの角を切り取り 1 つの角を丸める 5">
+            <a:extLst>
+              <a:ext uri="{FF2B5EF4-FFF2-40B4-BE49-F238E27FC236}">
+                <a16:creationId xmlns:a16="http://schemas.microsoft.com/office/drawing/2014/main" id="{966F24A4-1A27-408D-9382-95E725968327}"/>
+              </a:ext>
+            </a:extLst>
+          </p:cNvPr>
+          <p:cNvSpPr/>
+          <p:nvPr/>
+        </p:nvSpPr>
+        <p:spPr>
+          <a:xfrm>
+            <a:off x="1659786" y="3750295"/>
+            <a:ext cx="1152128" cy="338336"/>
+          </a:xfrm>
+          <a:prstGeom prst="snipRoundRect">
+            <a:avLst>
+              <a:gd name="adj1" fmla="val 16667"/>
+              <a:gd name="adj2" fmla="val 35924"/>
+            </a:avLst>
+          </a:prstGeom>
+          <a:solidFill>
+            <a:schemeClr val="accent6">
+              <a:lumMod val="20000"/>
+              <a:lumOff val="80000"/>
+            </a:schemeClr>
+          </a:solidFill>
+          <a:ln>
+            <a:solidFill>
+              <a:schemeClr val="tx1"/>
+            </a:solidFill>
+          </a:ln>
+        </p:spPr>
+        <p:style>
+          <a:lnRef idx="2">
+            <a:schemeClr val="accent1">
+              <a:shade val="50000"/>
+            </a:schemeClr>
+          </a:lnRef>
+          <a:fillRef idx="1">
+            <a:schemeClr val="accent1"/>
+          </a:fillRef>
+          <a:effectRef idx="0">
+            <a:schemeClr val="accent1"/>
+          </a:effectRef>
+          <a:fontRef idx="minor">
+            <a:schemeClr val="lt1"/>
+          </a:fontRef>
+        </p:style>
+        <p:txBody>
+          <a:bodyPr rtlCol="0" anchor="ctr"/>
+          <a:lstStyle/>
+          <a:p>
+            <a:pPr algn="ctr"/>
+            <a:r>
+              <a:rPr kumimoji="1" lang="en-US" altLang="ja-JP" dirty="0">
+                <a:solidFill>
+                  <a:sysClr val="windowText" lastClr="000000"/>
+                </a:solidFill>
+                <a:latin typeface="Consolas" panose="020B0609020204030204" pitchFamily="49" charset="0"/>
+              </a:rPr>
+              <a:t>main</a:t>
+            </a:r>
+            <a:endParaRPr kumimoji="1" lang="ja-JP" altLang="en-US" dirty="0">
+              <a:solidFill>
+                <a:sysClr val="windowText" lastClr="000000"/>
+              </a:solidFill>
+              <a:latin typeface="Consolas" panose="020B0609020204030204" pitchFamily="49" charset="0"/>
+            </a:endParaRPr>
+          </a:p>
+        </p:txBody>
+      </p:sp>
+      <p:sp>
+        <p:nvSpPr>
+          <p:cNvPr id="7" name="正方形/長方形 6">
+            <a:extLst>
+              <a:ext uri="{FF2B5EF4-FFF2-40B4-BE49-F238E27FC236}">
+                <a16:creationId xmlns:a16="http://schemas.microsoft.com/office/drawing/2014/main" id="{956FCCDE-C3F7-4B43-B6A2-BD892DEB3359}"/>
+              </a:ext>
+            </a:extLst>
+          </p:cNvPr>
+          <p:cNvSpPr/>
+          <p:nvPr/>
+        </p:nvSpPr>
+        <p:spPr>
+          <a:xfrm>
+            <a:off x="1765057" y="2996952"/>
+            <a:ext cx="936104" cy="360040"/>
+          </a:xfrm>
+          <a:prstGeom prst="rect">
+            <a:avLst/>
+          </a:prstGeom>
+          <a:solidFill>
+            <a:schemeClr val="bg1"/>
+          </a:solidFill>
+          <a:ln>
+            <a:solidFill>
+              <a:schemeClr val="tx1"/>
+            </a:solidFill>
+          </a:ln>
+        </p:spPr>
+        <p:style>
+          <a:lnRef idx="2">
+            <a:schemeClr val="accent1">
+              <a:shade val="50000"/>
+            </a:schemeClr>
+          </a:lnRef>
+          <a:fillRef idx="1">
+            <a:schemeClr val="accent1"/>
+          </a:fillRef>
+          <a:effectRef idx="0">
+            <a:schemeClr val="accent1"/>
+          </a:effectRef>
+          <a:fontRef idx="minor">
+            <a:schemeClr val="lt1"/>
+          </a:fontRef>
+        </p:style>
+        <p:txBody>
+          <a:bodyPr rtlCol="0" anchor="ctr"/>
+          <a:lstStyle/>
+          <a:p>
+            <a:pPr algn="ctr"/>
+            <a:r>
+              <a:rPr kumimoji="1" lang="en-US" altLang="ja-JP" dirty="0">
+                <a:solidFill>
+                  <a:schemeClr val="tx1"/>
+                </a:solidFill>
+                <a:latin typeface="Consolas" panose="020B0609020204030204" pitchFamily="49" charset="0"/>
+              </a:rPr>
+              <a:t>HEAD</a:t>
+            </a:r>
+            <a:endParaRPr kumimoji="1" lang="ja-JP" altLang="en-US" dirty="0">
+              <a:solidFill>
+                <a:schemeClr val="tx1"/>
+              </a:solidFill>
+              <a:latin typeface="Consolas" panose="020B0609020204030204" pitchFamily="49" charset="0"/>
+            </a:endParaRPr>
+          </a:p>
+        </p:txBody>
+      </p:sp>
+      <p:cxnSp>
+        <p:nvCxnSpPr>
+          <p:cNvPr id="8" name="直線矢印コネクタ 7">
+            <a:extLst>
+              <a:ext uri="{FF2B5EF4-FFF2-40B4-BE49-F238E27FC236}">
+                <a16:creationId xmlns:a16="http://schemas.microsoft.com/office/drawing/2014/main" id="{CEFD1306-00ED-49C9-B069-4ABE989164E7}"/>
+              </a:ext>
+            </a:extLst>
+          </p:cNvPr>
+          <p:cNvCxnSpPr>
+            <a:cxnSpLocks/>
+            <a:stCxn id="7" idx="2"/>
+            <a:endCxn id="6" idx="3"/>
+          </p:cNvCxnSpPr>
+          <p:nvPr/>
+        </p:nvCxnSpPr>
+        <p:spPr>
+          <a:xfrm>
+            <a:off x="2233109" y="3356992"/>
+            <a:ext cx="2741" cy="393303"/>
+          </a:xfrm>
+          <a:prstGeom prst="straightConnector1">
+            <a:avLst/>
+          </a:prstGeom>
+          <a:ln>
+            <a:solidFill>
+              <a:schemeClr val="tx1"/>
+            </a:solidFill>
+            <a:headEnd type="none" w="med" len="med"/>
+            <a:tailEnd type="triangle"/>
+          </a:ln>
+        </p:spPr>
+        <p:style>
+          <a:lnRef idx="1">
+            <a:schemeClr val="accent1"/>
+          </a:lnRef>
+          <a:fillRef idx="0">
+            <a:schemeClr val="accent1"/>
+          </a:fillRef>
+          <a:effectRef idx="0">
+            <a:schemeClr val="accent1"/>
+          </a:effectRef>
+          <a:fontRef idx="minor">
+            <a:schemeClr val="tx1"/>
+          </a:fontRef>
+        </p:style>
+      </p:cxnSp>
+      <p:cxnSp>
+        <p:nvCxnSpPr>
+          <p:cNvPr id="9" name="コネクタ: カギ線 8">
+            <a:extLst>
+              <a:ext uri="{FF2B5EF4-FFF2-40B4-BE49-F238E27FC236}">
+                <a16:creationId xmlns:a16="http://schemas.microsoft.com/office/drawing/2014/main" id="{402C98D8-D430-4B4B-AE8C-95057C7CC92B}"/>
+              </a:ext>
+            </a:extLst>
+          </p:cNvPr>
+          <p:cNvCxnSpPr>
+            <a:cxnSpLocks/>
+            <a:stCxn id="6" idx="0"/>
+            <a:endCxn id="15" idx="2"/>
+          </p:cNvCxnSpPr>
+          <p:nvPr/>
+        </p:nvCxnSpPr>
+        <p:spPr>
+          <a:xfrm flipV="1">
+            <a:off x="2811914" y="3462263"/>
+            <a:ext cx="504056" cy="457200"/>
+          </a:xfrm>
+          <a:prstGeom prst="bentConnector3">
+            <a:avLst>
+              <a:gd name="adj1" fmla="val 50000"/>
+            </a:avLst>
+          </a:prstGeom>
+          <a:ln>
+            <a:solidFill>
+              <a:schemeClr val="tx1"/>
+            </a:solidFill>
+            <a:headEnd type="none" w="med" len="med"/>
+            <a:tailEnd type="triangle"/>
+          </a:ln>
+        </p:spPr>
+        <p:style>
+          <a:lnRef idx="1">
+            <a:schemeClr val="accent1"/>
+          </a:lnRef>
+          <a:fillRef idx="0">
+            <a:schemeClr val="accent1"/>
+          </a:fillRef>
+          <a:effectRef idx="0">
+            <a:schemeClr val="accent1"/>
+          </a:effectRef>
+          <a:fontRef idx="minor">
+            <a:schemeClr val="tx1"/>
+          </a:fontRef>
+        </p:style>
+      </p:cxnSp>
+      <p:cxnSp>
+        <p:nvCxnSpPr>
+          <p:cNvPr id="10" name="直線コネクタ 9">
+            <a:extLst>
+              <a:ext uri="{FF2B5EF4-FFF2-40B4-BE49-F238E27FC236}">
+                <a16:creationId xmlns:a16="http://schemas.microsoft.com/office/drawing/2014/main" id="{FEF861F8-708D-4F1A-AE53-F4D86C0AD4FE}"/>
+              </a:ext>
+            </a:extLst>
+          </p:cNvPr>
+          <p:cNvCxnSpPr>
+            <a:cxnSpLocks/>
+            <a:stCxn id="5" idx="4"/>
+            <a:endCxn id="4" idx="0"/>
+          </p:cNvCxnSpPr>
+          <p:nvPr/>
+        </p:nvCxnSpPr>
+        <p:spPr>
+          <a:xfrm>
+            <a:off x="3531994" y="4614391"/>
+            <a:ext cx="0" cy="504056"/>
+          </a:xfrm>
+          <a:prstGeom prst="line">
+            <a:avLst/>
+          </a:prstGeom>
+          <a:ln w="57150">
+            <a:solidFill>
+              <a:schemeClr val="tx1"/>
+            </a:solidFill>
+            <a:headEnd type="none" w="med" len="med"/>
+            <a:tailEnd type="none" w="med" len="med"/>
+          </a:ln>
+        </p:spPr>
+        <p:style>
+          <a:lnRef idx="1">
+            <a:schemeClr val="accent1"/>
+          </a:lnRef>
+          <a:fillRef idx="0">
+            <a:schemeClr val="accent1"/>
+          </a:fillRef>
+          <a:effectRef idx="0">
+            <a:schemeClr val="accent1"/>
+          </a:effectRef>
+          <a:fontRef idx="minor">
+            <a:schemeClr val="tx1"/>
+          </a:fontRef>
+        </p:style>
+      </p:cxnSp>
+      <p:cxnSp>
+        <p:nvCxnSpPr>
+          <p:cNvPr id="11" name="直線コネクタ 10">
+            <a:extLst>
+              <a:ext uri="{FF2B5EF4-FFF2-40B4-BE49-F238E27FC236}">
+                <a16:creationId xmlns:a16="http://schemas.microsoft.com/office/drawing/2014/main" id="{1F2CD341-3CE8-41E4-B21C-D009863D3C46}"/>
+              </a:ext>
+            </a:extLst>
+          </p:cNvPr>
+          <p:cNvCxnSpPr>
+            <a:cxnSpLocks/>
+            <a:stCxn id="4" idx="4"/>
+            <a:endCxn id="3" idx="0"/>
+          </p:cNvCxnSpPr>
+          <p:nvPr/>
+        </p:nvCxnSpPr>
+        <p:spPr>
+          <a:xfrm>
+            <a:off x="3531994" y="5550495"/>
+            <a:ext cx="0" cy="504056"/>
+          </a:xfrm>
+          <a:prstGeom prst="line">
+            <a:avLst/>
+          </a:prstGeom>
+          <a:ln w="57150">
+            <a:solidFill>
+              <a:schemeClr val="tx1"/>
+            </a:solidFill>
+            <a:headEnd type="none" w="med" len="med"/>
+            <a:tailEnd type="none" w="med" len="med"/>
+          </a:ln>
+        </p:spPr>
+        <p:style>
+          <a:lnRef idx="1">
+            <a:schemeClr val="accent1"/>
+          </a:lnRef>
+          <a:fillRef idx="0">
+            <a:schemeClr val="accent1"/>
+          </a:fillRef>
+          <a:effectRef idx="0">
+            <a:schemeClr val="accent1"/>
+          </a:effectRef>
+          <a:fontRef idx="minor">
+            <a:schemeClr val="tx1"/>
+          </a:fontRef>
+        </p:style>
+      </p:cxnSp>
+      <p:sp>
+        <p:nvSpPr>
+          <p:cNvPr id="12" name="テキスト ボックス 11">
+            <a:extLst>
+              <a:ext uri="{FF2B5EF4-FFF2-40B4-BE49-F238E27FC236}">
+                <a16:creationId xmlns:a16="http://schemas.microsoft.com/office/drawing/2014/main" id="{A827E885-CE4F-4800-BF43-A2358527A549}"/>
+              </a:ext>
+            </a:extLst>
+          </p:cNvPr>
+          <p:cNvSpPr txBox="1"/>
+          <p:nvPr/>
+        </p:nvSpPr>
+        <p:spPr>
+          <a:xfrm>
+            <a:off x="3892034" y="6117267"/>
+            <a:ext cx="1957587" cy="369332"/>
+          </a:xfrm>
+          <a:prstGeom prst="rect">
+            <a:avLst/>
+          </a:prstGeom>
+          <a:noFill/>
+        </p:spPr>
+        <p:txBody>
+          <a:bodyPr wrap="none" rtlCol="0">
+            <a:spAutoFit/>
+          </a:bodyPr>
+          <a:lstStyle/>
+          <a:p>
+            <a:r>
+              <a:rPr kumimoji="1" lang="en-US" altLang="ja-JP" dirty="0">
+                <a:latin typeface="Consolas" panose="020B0609020204030204" pitchFamily="49" charset="0"/>
+              </a:rPr>
+              <a:t>initial commit</a:t>
+            </a:r>
+            <a:endParaRPr kumimoji="1" lang="ja-JP" altLang="en-US" dirty="0">
+              <a:latin typeface="Consolas" panose="020B0609020204030204" pitchFamily="49" charset="0"/>
+            </a:endParaRPr>
+          </a:p>
+        </p:txBody>
+      </p:sp>
+      <p:sp>
+        <p:nvSpPr>
+          <p:cNvPr id="13" name="テキスト ボックス 12">
+            <a:extLst>
+              <a:ext uri="{FF2B5EF4-FFF2-40B4-BE49-F238E27FC236}">
+                <a16:creationId xmlns:a16="http://schemas.microsoft.com/office/drawing/2014/main" id="{B45906A9-61B4-42CF-BE50-00564406758F}"/>
+              </a:ext>
+            </a:extLst>
+          </p:cNvPr>
+          <p:cNvSpPr txBox="1"/>
+          <p:nvPr/>
+        </p:nvSpPr>
+        <p:spPr>
+          <a:xfrm>
+            <a:off x="3892034" y="5118447"/>
+            <a:ext cx="1830950" cy="369332"/>
+          </a:xfrm>
+          <a:prstGeom prst="rect">
+            <a:avLst/>
+          </a:prstGeom>
+          <a:noFill/>
+        </p:spPr>
+        <p:txBody>
+          <a:bodyPr wrap="none" rtlCol="0">
+            <a:spAutoFit/>
+          </a:bodyPr>
+          <a:lstStyle/>
+          <a:p>
+            <a:r>
+              <a:rPr kumimoji="1" lang="en-US" altLang="ja-JP" dirty="0">
+                <a:latin typeface="Consolas" panose="020B0609020204030204" pitchFamily="49" charset="0"/>
+              </a:rPr>
+              <a:t>adds new line</a:t>
+            </a:r>
+            <a:endParaRPr kumimoji="1" lang="ja-JP" altLang="en-US" dirty="0">
+              <a:latin typeface="Consolas" panose="020B0609020204030204" pitchFamily="49" charset="0"/>
+            </a:endParaRPr>
+          </a:p>
+        </p:txBody>
+      </p:sp>
+      <p:sp>
+        <p:nvSpPr>
+          <p:cNvPr id="14" name="テキスト ボックス 13">
+            <a:extLst>
+              <a:ext uri="{FF2B5EF4-FFF2-40B4-BE49-F238E27FC236}">
+                <a16:creationId xmlns:a16="http://schemas.microsoft.com/office/drawing/2014/main" id="{C4A683EF-6E32-4AD7-848E-7F94804279BB}"/>
+              </a:ext>
+            </a:extLst>
+          </p:cNvPr>
+          <p:cNvSpPr txBox="1"/>
+          <p:nvPr/>
+        </p:nvSpPr>
+        <p:spPr>
+          <a:xfrm>
+            <a:off x="3892034" y="4182343"/>
+            <a:ext cx="2480166" cy="369332"/>
+          </a:xfrm>
+          <a:prstGeom prst="rect">
+            <a:avLst/>
+          </a:prstGeom>
+          <a:noFill/>
+        </p:spPr>
+        <p:txBody>
+          <a:bodyPr wrap="none" rtlCol="0">
+            <a:spAutoFit/>
+          </a:bodyPr>
+          <a:lstStyle/>
+          <a:p>
+            <a:r>
+              <a:rPr kumimoji="1" lang="en-US" altLang="ja-JP" dirty="0">
+                <a:latin typeface="Consolas" panose="020B0609020204030204" pitchFamily="49" charset="0"/>
+              </a:rPr>
+              <a:t>modifies README.md</a:t>
+            </a:r>
+            <a:endParaRPr kumimoji="1" lang="ja-JP" altLang="en-US" dirty="0">
+              <a:latin typeface="Consolas" panose="020B0609020204030204" pitchFamily="49" charset="0"/>
+            </a:endParaRPr>
+          </a:p>
+        </p:txBody>
+      </p:sp>
+      <p:sp>
+        <p:nvSpPr>
+          <p:cNvPr id="15" name="楕円 14">
+            <a:extLst>
+              <a:ext uri="{FF2B5EF4-FFF2-40B4-BE49-F238E27FC236}">
+                <a16:creationId xmlns:a16="http://schemas.microsoft.com/office/drawing/2014/main" id="{932F42AD-B989-4698-BBEC-281D5E1F2C84}"/>
+              </a:ext>
+            </a:extLst>
+          </p:cNvPr>
+          <p:cNvSpPr/>
+          <p:nvPr/>
+        </p:nvSpPr>
+        <p:spPr>
+          <a:xfrm>
+            <a:off x="3315970" y="3246239"/>
+            <a:ext cx="432048" cy="432048"/>
+          </a:xfrm>
+          <a:prstGeom prst="ellipse">
+            <a:avLst/>
+          </a:prstGeom>
+          <a:solidFill>
+            <a:srgbClr val="011893"/>
+          </a:solidFill>
+          <a:ln>
+            <a:solidFill>
+              <a:schemeClr val="tx1"/>
+            </a:solidFill>
+          </a:ln>
+        </p:spPr>
+        <p:style>
+          <a:lnRef idx="2">
+            <a:schemeClr val="accent1">
+              <a:shade val="50000"/>
+            </a:schemeClr>
+          </a:lnRef>
+          <a:fillRef idx="1">
+            <a:schemeClr val="accent1"/>
+          </a:fillRef>
+          <a:effectRef idx="0">
+            <a:schemeClr val="accent1"/>
+          </a:effectRef>
+          <a:fontRef idx="minor">
+            <a:schemeClr val="lt1"/>
+          </a:fontRef>
+        </p:style>
+        <p:txBody>
+          <a:bodyPr rtlCol="0" anchor="ctr"/>
+          <a:lstStyle/>
+          <a:p>
+            <a:pPr algn="ctr"/>
+            <a:endParaRPr kumimoji="1" lang="ja-JP" altLang="en-US"/>
+          </a:p>
+        </p:txBody>
+      </p:sp>
+      <p:cxnSp>
+        <p:nvCxnSpPr>
+          <p:cNvPr id="16" name="直線コネクタ 15">
+            <a:extLst>
+              <a:ext uri="{FF2B5EF4-FFF2-40B4-BE49-F238E27FC236}">
+                <a16:creationId xmlns:a16="http://schemas.microsoft.com/office/drawing/2014/main" id="{CE8228FC-9AFB-4B20-9964-428892A99A16}"/>
+              </a:ext>
+            </a:extLst>
+          </p:cNvPr>
+          <p:cNvCxnSpPr>
+            <a:cxnSpLocks/>
+            <a:stCxn id="15" idx="4"/>
+          </p:cNvCxnSpPr>
+          <p:nvPr/>
+        </p:nvCxnSpPr>
+        <p:spPr>
+          <a:xfrm>
+            <a:off x="3531994" y="3678287"/>
+            <a:ext cx="0" cy="504056"/>
+          </a:xfrm>
+          <a:prstGeom prst="line">
+            <a:avLst/>
+          </a:prstGeom>
+          <a:ln w="57150">
+            <a:solidFill>
+              <a:schemeClr val="tx1"/>
+            </a:solidFill>
+            <a:headEnd type="none" w="med" len="med"/>
+            <a:tailEnd type="none" w="med" len="med"/>
+          </a:ln>
+        </p:spPr>
+        <p:style>
+          <a:lnRef idx="1">
+            <a:schemeClr val="accent1"/>
+          </a:lnRef>
+          <a:fillRef idx="0">
+            <a:schemeClr val="accent1"/>
+          </a:fillRef>
+          <a:effectRef idx="0">
+            <a:schemeClr val="accent1"/>
+          </a:effectRef>
+          <a:fontRef idx="minor">
+            <a:schemeClr val="tx1"/>
+          </a:fontRef>
+        </p:style>
+      </p:cxnSp>
+      <p:sp>
+        <p:nvSpPr>
+          <p:cNvPr id="17" name="テキスト ボックス 16">
+            <a:extLst>
+              <a:ext uri="{FF2B5EF4-FFF2-40B4-BE49-F238E27FC236}">
+                <a16:creationId xmlns:a16="http://schemas.microsoft.com/office/drawing/2014/main" id="{72957330-C11F-4ABA-98B4-140ACE8BC9EA}"/>
+              </a:ext>
+            </a:extLst>
+          </p:cNvPr>
+          <p:cNvSpPr txBox="1"/>
+          <p:nvPr/>
+        </p:nvSpPr>
+        <p:spPr>
+          <a:xfrm>
+            <a:off x="3892034" y="3318247"/>
+            <a:ext cx="2464136" cy="369332"/>
+          </a:xfrm>
+          <a:prstGeom prst="rect">
+            <a:avLst/>
+          </a:prstGeom>
+          <a:noFill/>
+        </p:spPr>
+        <p:txBody>
+          <a:bodyPr wrap="none" rtlCol="0">
+            <a:spAutoFit/>
+          </a:bodyPr>
+          <a:lstStyle/>
+          <a:p>
+            <a:r>
+              <a:rPr kumimoji="1" lang="en-US" altLang="ja-JP" dirty="0">
+                <a:latin typeface="Consolas" panose="020B0609020204030204" pitchFamily="49" charset="0"/>
+              </a:rPr>
+              <a:t>commit from </a:t>
+            </a:r>
+            <a:r>
+              <a:rPr kumimoji="1" lang="en-US" altLang="ja-JP" dirty="0" err="1">
+                <a:latin typeface="Consolas" panose="020B0609020204030204" pitchFamily="49" charset="0"/>
+              </a:rPr>
+              <a:t>VSCode</a:t>
+            </a:r>
+            <a:endParaRPr kumimoji="1" lang="ja-JP" altLang="en-US" dirty="0">
+              <a:latin typeface="Consolas" panose="020B0609020204030204" pitchFamily="49" charset="0"/>
+            </a:endParaRPr>
+          </a:p>
+        </p:txBody>
+      </p:sp>
+      <p:sp>
+        <p:nvSpPr>
+          <p:cNvPr id="21" name="テキスト ボックス 20">
+            <a:extLst>
+              <a:ext uri="{FF2B5EF4-FFF2-40B4-BE49-F238E27FC236}">
+                <a16:creationId xmlns:a16="http://schemas.microsoft.com/office/drawing/2014/main" id="{0E8FBA90-E6A2-4750-8B98-CF5D29C4AF90}"/>
+              </a:ext>
+            </a:extLst>
+          </p:cNvPr>
+          <p:cNvSpPr txBox="1"/>
+          <p:nvPr/>
+        </p:nvSpPr>
+        <p:spPr>
+          <a:xfrm>
+            <a:off x="251520" y="1268760"/>
+            <a:ext cx="1723549" cy="461665"/>
+          </a:xfrm>
+          <a:prstGeom prst="rect">
+            <a:avLst/>
+          </a:prstGeom>
+          <a:noFill/>
+        </p:spPr>
+        <p:txBody>
+          <a:bodyPr wrap="none" rtlCol="0">
+            <a:spAutoFit/>
+          </a:bodyPr>
+          <a:lstStyle/>
+          <a:p>
+            <a:r>
+              <a:rPr kumimoji="1" lang="ja-JP" altLang="en-US" sz="2400" dirty="0"/>
+              <a:t>歴史の確認</a:t>
+            </a:r>
+          </a:p>
+        </p:txBody>
+      </p:sp>
+      <p:sp>
+        <p:nvSpPr>
+          <p:cNvPr id="22" name="テキスト ボックス 21">
+            <a:extLst>
+              <a:ext uri="{FF2B5EF4-FFF2-40B4-BE49-F238E27FC236}">
+                <a16:creationId xmlns:a16="http://schemas.microsoft.com/office/drawing/2014/main" id="{A8A0CFF3-86E0-41AD-A2B1-1445A303A32F}"/>
+              </a:ext>
+            </a:extLst>
+          </p:cNvPr>
+          <p:cNvSpPr txBox="1"/>
+          <p:nvPr/>
+        </p:nvSpPr>
+        <p:spPr>
+          <a:xfrm>
+            <a:off x="827584" y="1988840"/>
+            <a:ext cx="2582758" cy="400110"/>
+          </a:xfrm>
+          <a:prstGeom prst="rect">
+            <a:avLst/>
+          </a:prstGeom>
+          <a:noFill/>
+          <a:ln>
+            <a:solidFill>
+              <a:schemeClr val="tx1"/>
+            </a:solidFill>
+          </a:ln>
+        </p:spPr>
+        <p:txBody>
+          <a:bodyPr wrap="none" rtlCol="0">
+            <a:spAutoFit/>
+          </a:bodyPr>
+          <a:lstStyle/>
+          <a:p>
+            <a:r>
+              <a:rPr lang="en-US" altLang="ja-JP" sz="2000" dirty="0">
+                <a:latin typeface="Consolas" panose="020B0609020204030204" pitchFamily="49" charset="0"/>
+              </a:rPr>
+              <a:t>git log --</a:t>
+            </a:r>
+            <a:r>
+              <a:rPr lang="en-US" altLang="ja-JP" sz="2000" dirty="0" err="1">
+                <a:latin typeface="Consolas" panose="020B0609020204030204" pitchFamily="49" charset="0"/>
+              </a:rPr>
+              <a:t>oneline</a:t>
+            </a:r>
+            <a:endParaRPr kumimoji="1" lang="ja-JP" altLang="en-US" sz="2000" dirty="0">
+              <a:latin typeface="Consolas" panose="020B0609020204030204" pitchFamily="49" charset="0"/>
+            </a:endParaRPr>
+          </a:p>
+        </p:txBody>
+      </p:sp>
+    </p:spTree>
+    <p:extLst>
+      <p:ext uri="{BB962C8B-B14F-4D97-AF65-F5344CB8AC3E}">
+        <p14:creationId xmlns:p14="http://schemas.microsoft.com/office/powerpoint/2010/main" val="747728517"/>
       </p:ext>
     </p:extLst>
   </p:cSld>

--- a/practice_basic/fig/slide.pptx
+++ b/practice_basic/fig/slide.pptx
@@ -760,7 +760,7 @@
             <a:pPr algn="ctr"/>
             <a:r>
               <a:rPr kumimoji="1" lang="en-US" altLang="ja-JP" sz="1400"/>
-              <a:t>27</a:t>
+              <a:t>30</a:t>
             </a:r>
             <a:endParaRPr kumimoji="1" lang="ja-JP" altLang="en-US" sz="1400" dirty="0"/>
           </a:p>

--- a/practice_basic/fig/slide.pptx
+++ b/practice_basic/fig/slide.pptx
@@ -237,7 +237,7 @@
           </a:lstStyle>
           <a:p>
             <a:fld id="{6B8D1B20-A248-FB47-8240-73C0C5F47C9D}" type="datetimeFigureOut">
-              <a:t>2023/10/25</a:t>
+              <a:t>2024/10/21</a:t>
             </a:fld>
             <a:endParaRPr kumimoji="1" lang="ja-JP" altLang="en-US"/>
           </a:p>
@@ -2369,7 +2369,7 @@
         </p:nvSpPr>
         <p:spPr>
           <a:xfrm>
-            <a:off x="2481598" y="3356992"/>
+            <a:off x="2456259" y="3717032"/>
             <a:ext cx="794257" cy="204522"/>
           </a:xfrm>
           <a:prstGeom prst="roundRect">
@@ -2425,12 +2425,12 @@
         </p:nvCxnSpPr>
         <p:spPr>
           <a:xfrm rot="10800000" flipH="1" flipV="1">
-            <a:off x="755576" y="1355577"/>
-            <a:ext cx="1726022" cy="2103676"/>
+            <a:off x="755575" y="1355577"/>
+            <a:ext cx="1700683" cy="2463716"/>
           </a:xfrm>
           <a:prstGeom prst="bentConnector3">
             <a:avLst>
-              <a:gd name="adj1" fmla="val -13244"/>
+              <a:gd name="adj1" fmla="val -13442"/>
             </a:avLst>
           </a:prstGeom>
           <a:ln>
@@ -4737,8 +4737,8 @@
         </p:nvSpPr>
         <p:spPr>
           <a:xfrm>
-            <a:off x="5796136" y="3429000"/>
-            <a:ext cx="428322" cy="369332"/>
+            <a:off x="5631165" y="3491716"/>
+            <a:ext cx="813043" cy="369332"/>
           </a:xfrm>
           <a:prstGeom prst="rect">
             <a:avLst/>
@@ -4752,8 +4752,8 @@
           <a:lstStyle/>
           <a:p>
             <a:r>
-              <a:rPr kumimoji="1" lang="en-US" altLang="ja-JP" dirty="0"/>
-              <a:t>git</a:t>
+              <a:rPr kumimoji="1" lang="en-US" altLang="ja-JP" dirty="0" err="1"/>
+              <a:t>github</a:t>
             </a:r>
             <a:endParaRPr kumimoji="1" lang="ja-JP" altLang="en-US" dirty="0"/>
           </a:p>
@@ -18898,7 +18898,7 @@
             </a:r>
             <a:r>
               <a:rPr kumimoji="1" lang="en-US" altLang="ja-JP" dirty="0" err="1"/>
-              <a:t>gticonfig</a:t>
+              <a:t>gitconfig</a:t>
             </a:r>
             <a:r>
               <a:rPr kumimoji="1" lang="ja-JP" altLang="en-US" dirty="0"/>
